--- a/卒論発表用スライド.pptx
+++ b/卒論発表用スライド.pptx
@@ -23219,7 +23219,7 @@
           <a:p>
             <a:r>
               <a:rPr lang="en-JP"/>
-              <a:t>配置図の例 (問題例: 1-8-773)</a:t>
+              <a:t>配置図の例</a:t>
             </a:r>
           </a:p>
         </p:txBody>
@@ -23253,64 +23253,6 @@
           </a:p>
         </p:txBody>
       </p:sp>
-      <p:pic>
-        <p:nvPicPr>
-          <p:cNvPr id="5" name="Picture 4">
-            <a:extLst>
-              <a:ext uri="{FF2B5EF4-FFF2-40B4-BE49-F238E27FC236}">
-                <a16:creationId xmlns:a16="http://schemas.microsoft.com/office/drawing/2014/main" id="{244A1FA0-21D1-0248-8115-C05CCA0A060B}"/>
-              </a:ext>
-            </a:extLst>
-          </p:cNvPr>
-          <p:cNvPicPr>
-            <a:picLocks noChangeAspect="1"/>
-          </p:cNvPicPr>
-          <p:nvPr/>
-        </p:nvPicPr>
-        <p:blipFill rotWithShape="1">
-          <a:blip r:embed="rId2"/>
-          <a:srcRect l="21419" r="64984"/>
-          <a:stretch/>
-        </p:blipFill>
-        <p:spPr>
-          <a:xfrm rot="16200000">
-            <a:off x="4125608" y="-77632"/>
-            <a:ext cx="1531764" cy="7969316"/>
-          </a:xfrm>
-          <a:prstGeom prst="rect">
-            <a:avLst/>
-          </a:prstGeom>
-        </p:spPr>
-      </p:pic>
-      <p:pic>
-        <p:nvPicPr>
-          <p:cNvPr id="7" name="Picture 6">
-            <a:extLst>
-              <a:ext uri="{FF2B5EF4-FFF2-40B4-BE49-F238E27FC236}">
-                <a16:creationId xmlns:a16="http://schemas.microsoft.com/office/drawing/2014/main" id="{CB29F9E7-BD3E-B04C-92CE-C301E98170DE}"/>
-              </a:ext>
-            </a:extLst>
-          </p:cNvPr>
-          <p:cNvPicPr>
-            <a:picLocks noChangeAspect="1"/>
-          </p:cNvPicPr>
-          <p:nvPr/>
-        </p:nvPicPr>
-        <p:blipFill rotWithShape="1">
-          <a:blip r:embed="rId3"/>
-          <a:srcRect l="20901" r="64832"/>
-          <a:stretch/>
-        </p:blipFill>
-        <p:spPr>
-          <a:xfrm rot="16200000">
-            <a:off x="4093470" y="-1670327"/>
-            <a:ext cx="1604837" cy="7960519"/>
-          </a:xfrm>
-          <a:prstGeom prst="rect">
-            <a:avLst/>
-          </a:prstGeom>
-        </p:spPr>
-      </p:pic>
       <p:sp>
         <p:nvSpPr>
           <p:cNvPr id="8" name="TextBox 7">
@@ -23468,11 +23410,11 @@
           <p:nvPr/>
         </p:nvPicPr>
         <p:blipFill rotWithShape="1">
-          <a:blip r:embed="rId4">
+          <a:blip r:embed="rId2">
             <a:extLst>
               <a:ext uri="{BEBA8EAE-BF5A-486C-A8C5-ECC9F3942E4B}">
                 <a14:imgProps xmlns:a14="http://schemas.microsoft.com/office/drawing/2010/main">
-                  <a14:imgLayer r:embed="rId5">
+                  <a14:imgLayer r:embed="rId3">
                     <a14:imgEffect>
                       <a14:saturation sat="300000"/>
                     </a14:imgEffect>
@@ -23496,6 +23438,66 @@
           <a:ln w="0">
             <a:noFill/>
           </a:ln>
+        </p:spPr>
+      </p:pic>
+      <p:pic>
+        <p:nvPicPr>
+          <p:cNvPr id="14" name="Picture 13">
+            <a:extLst>
+              <a:ext uri="{FF2B5EF4-FFF2-40B4-BE49-F238E27FC236}">
+                <a16:creationId xmlns:a16="http://schemas.microsoft.com/office/drawing/2014/main" id="{CB6700AE-3DBC-DF4A-99DC-39C193EA7D65}"/>
+              </a:ext>
+            </a:extLst>
+          </p:cNvPr>
+          <p:cNvPicPr>
+            <a:picLocks noChangeAspect="1"/>
+          </p:cNvPicPr>
+          <p:nvPr/>
+        </p:nvPicPr>
+        <p:blipFill>
+          <a:blip r:embed="rId4"/>
+          <a:stretch>
+            <a:fillRect/>
+          </a:stretch>
+        </p:blipFill>
+        <p:spPr>
+          <a:xfrm rot="16200000">
+            <a:off x="4216718" y="-149706"/>
+            <a:ext cx="1459941" cy="8062116"/>
+          </a:xfrm>
+          <a:prstGeom prst="rect">
+            <a:avLst/>
+          </a:prstGeom>
+        </p:spPr>
+      </p:pic>
+      <p:pic>
+        <p:nvPicPr>
+          <p:cNvPr id="16" name="Picture 15">
+            <a:extLst>
+              <a:ext uri="{FF2B5EF4-FFF2-40B4-BE49-F238E27FC236}">
+                <a16:creationId xmlns:a16="http://schemas.microsoft.com/office/drawing/2014/main" id="{70913FC5-9E7E-E54D-B681-4DFBEF89CDF5}"/>
+              </a:ext>
+            </a:extLst>
+          </p:cNvPr>
+          <p:cNvPicPr>
+            <a:picLocks noChangeAspect="1"/>
+          </p:cNvPicPr>
+          <p:nvPr/>
+        </p:nvPicPr>
+        <p:blipFill>
+          <a:blip r:embed="rId5"/>
+          <a:stretch>
+            <a:fillRect/>
+          </a:stretch>
+        </p:blipFill>
+        <p:spPr>
+          <a:xfrm rot="16200000">
+            <a:off x="4219209" y="-1824829"/>
+            <a:ext cx="1454960" cy="8062117"/>
+          </a:xfrm>
+          <a:prstGeom prst="rect">
+            <a:avLst/>
+          </a:prstGeom>
         </p:spPr>
       </p:pic>
     </p:spTree>

--- a/卒論発表用スライド.pptx
+++ b/卒論発表用スライド.pptx
@@ -23267,8 +23267,8 @@
         </p:nvSpPr>
         <p:spPr>
           <a:xfrm>
-            <a:off x="9375839" y="3267860"/>
-            <a:ext cx="2646878" cy="2246769"/>
+            <a:off x="9360935" y="3134470"/>
+            <a:ext cx="2390398" cy="2246769"/>
           </a:xfrm>
           <a:prstGeom prst="rect">
             <a:avLst/>
@@ -23283,7 +23283,7 @@
           <a:p>
             <a:r>
               <a:rPr lang="en-JP" sz="2000"/>
-              <a:t>上: BL法による出力図</a:t>
+              <a:t>上: BL法による出力</a:t>
             </a:r>
           </a:p>
           <a:p>
@@ -23298,7 +23298,7 @@
           <a:p>
             <a:r>
               <a:rPr lang="en-JP" sz="2000"/>
-              <a:t>中: NF法による出力図</a:t>
+              <a:t>中: NF法による出力</a:t>
             </a:r>
           </a:p>
           <a:p>
@@ -23332,7 +23332,7 @@
         </p:nvSpPr>
         <p:spPr>
           <a:xfrm>
-            <a:off x="9473786" y="1739800"/>
+            <a:off x="9560480" y="1451473"/>
             <a:ext cx="1210588" cy="1323439"/>
           </a:xfrm>
           <a:prstGeom prst="rect">
@@ -23428,7 +23428,7 @@
         </p:blipFill>
         <p:spPr>
           <a:xfrm>
-            <a:off x="838199" y="4898966"/>
+            <a:off x="838200" y="5000566"/>
             <a:ext cx="8139545" cy="1604838"/>
           </a:xfrm>
           <a:prstGeom prst="rect">
@@ -23462,7 +23462,7 @@
         </p:blipFill>
         <p:spPr>
           <a:xfrm rot="16200000">
-            <a:off x="4216718" y="-149706"/>
+            <a:off x="4216718" y="-106767"/>
             <a:ext cx="1459941" cy="8062116"/>
           </a:xfrm>
           <a:prstGeom prst="rect">

--- a/卒論発表用スライド.pptx
+++ b/卒論発表用スライド.pptx
@@ -5599,7 +5599,7 @@
           </a:lstStyle>
           <a:p>
             <a:fld id="{DC46D70C-E1AB-F649-A5EB-7FF6C4514330}" type="datetimeFigureOut">
-              <a:t>2022/02/04</a:t>
+              <a:t>2022/02/05</a:t>
             </a:fld>
             <a:endParaRPr lang="en-JP"/>
           </a:p>
@@ -6515,7 +6515,7 @@
           <a:lstStyle/>
           <a:p>
             <a:fld id="{47F26CC1-AB1F-3144-AC16-7DF58009131B}" type="datetime1">
-              <a:t>2022/02/04</a:t>
+              <a:t>2022/02/05</a:t>
             </a:fld>
             <a:endParaRPr lang="en-JP"/>
           </a:p>
@@ -6713,7 +6713,7 @@
           <a:lstStyle/>
           <a:p>
             <a:fld id="{7DCB5E5F-4609-754C-8734-13076BCBB735}" type="datetime1">
-              <a:t>2022/02/04</a:t>
+              <a:t>2022/02/05</a:t>
             </a:fld>
             <a:endParaRPr lang="en-JP"/>
           </a:p>
@@ -6921,7 +6921,7 @@
           <a:lstStyle/>
           <a:p>
             <a:fld id="{BFEF9520-753F-A140-BDEC-D74036CF0A6B}" type="datetime1">
-              <a:t>2022/02/04</a:t>
+              <a:t>2022/02/05</a:t>
             </a:fld>
             <a:endParaRPr lang="en-JP"/>
           </a:p>
@@ -7119,7 +7119,7 @@
           <a:lstStyle/>
           <a:p>
             <a:fld id="{2DBCED21-5878-0D41-9B3C-A91C68BEFEFB}" type="datetime1">
-              <a:t>2022/02/04</a:t>
+              <a:t>2022/02/05</a:t>
             </a:fld>
             <a:endParaRPr lang="en-JP"/>
           </a:p>
@@ -7393,7 +7393,7 @@
           <a:lstStyle/>
           <a:p>
             <a:fld id="{BD838ADF-2947-6146-AE30-B6A8DA72C1BB}" type="datetime1">
-              <a:t>2022/02/04</a:t>
+              <a:t>2022/02/05</a:t>
             </a:fld>
             <a:endParaRPr lang="en-JP"/>
           </a:p>
@@ -7659,7 +7659,7 @@
           <a:lstStyle/>
           <a:p>
             <a:fld id="{62F97889-9C76-904D-951D-64F726832B79}" type="datetime1">
-              <a:t>2022/02/04</a:t>
+              <a:t>2022/02/05</a:t>
             </a:fld>
             <a:endParaRPr lang="en-JP"/>
           </a:p>
@@ -8072,7 +8072,7 @@
           <a:lstStyle/>
           <a:p>
             <a:fld id="{D0C03FEA-BDC6-5E4F-A201-8FCCC138880A}" type="datetime1">
-              <a:t>2022/02/04</a:t>
+              <a:t>2022/02/05</a:t>
             </a:fld>
             <a:endParaRPr lang="en-JP"/>
           </a:p>
@@ -8212,7 +8212,7 @@
           <a:lstStyle/>
           <a:p>
             <a:fld id="{D463E22F-FD00-674E-BD8B-358BE0A7701D}" type="datetime1">
-              <a:t>2022/02/04</a:t>
+              <a:t>2022/02/05</a:t>
             </a:fld>
             <a:endParaRPr lang="en-JP"/>
           </a:p>
@@ -8323,7 +8323,7 @@
           <a:lstStyle/>
           <a:p>
             <a:fld id="{89F7109D-8B5A-8B4C-B8BB-A40E8F3A4208}" type="datetime1">
-              <a:t>2022/02/04</a:t>
+              <a:t>2022/02/05</a:t>
             </a:fld>
             <a:endParaRPr lang="en-JP"/>
           </a:p>
@@ -8634,7 +8634,7 @@
           <a:lstStyle/>
           <a:p>
             <a:fld id="{D88D3D59-81AE-4D4C-9C93-1EB20AAA0AB4}" type="datetime1">
-              <a:t>2022/02/04</a:t>
+              <a:t>2022/02/05</a:t>
             </a:fld>
             <a:endParaRPr lang="en-JP"/>
           </a:p>
@@ -8921,7 +8921,7 @@
           <a:lstStyle/>
           <a:p>
             <a:fld id="{75BF3152-2185-034D-B7F8-F43C27B2FB79}" type="datetime1">
-              <a:t>2022/02/04</a:t>
+              <a:t>2022/02/05</a:t>
             </a:fld>
             <a:endParaRPr lang="en-JP"/>
           </a:p>
@@ -9162,7 +9162,7 @@
           </a:lstStyle>
           <a:p>
             <a:fld id="{E3B7C1C4-7B90-5C40-8E47-F2DEB92489D3}" type="datetime1">
-              <a:t>2022/02/04</a:t>
+              <a:t>2022/02/05</a:t>
             </a:fld>
             <a:endParaRPr lang="en-JP"/>
           </a:p>
@@ -10543,7 +10543,7 @@
                 </a:pPr>
                 <a:r>
                   <a:rPr lang="en-JP" sz="2400"/>
-                  <a:t>各長方形の座標</a:t>
+                  <a:t>各長方形の左下の座標</a:t>
                 </a:r>
                 <a14:m>
                   <m:oMath xmlns:m="http://schemas.openxmlformats.org/officeDocument/2006/math">
@@ -11520,7 +11520,7 @@
             </a:pPr>
             <a:r>
               <a:rPr lang="en-JP"/>
-              <a:t>右図の駐車スペースでは，前方の障害物が邪魔で駐車できない.</a:t>
+              <a:t>右図では，前方の障害物が邪魔で駐車できない.</a:t>
             </a:r>
           </a:p>
         </p:txBody>
@@ -12238,7 +12238,7 @@
           <a:p>
             <a:r>
               <a:rPr lang="en-JP" sz="4000"/>
-              <a:t>3．定式化と提案手法 </a:t>
+              <a:t>提案手法の概要</a:t>
             </a:r>
           </a:p>
         </p:txBody>
@@ -13231,12 +13231,18 @@
         </p:nvSpPr>
         <p:spPr>
           <a:xfrm>
-            <a:off x="6346371" y="1731015"/>
-            <a:ext cx="4793115" cy="882549"/>
+            <a:off x="7487615" y="1757704"/>
+            <a:ext cx="3901215" cy="882549"/>
           </a:xfrm>
           <a:prstGeom prst="rect">
             <a:avLst/>
           </a:prstGeom>
+          <a:noFill/>
+          <a:ln>
+            <a:solidFill>
+              <a:schemeClr val="tx1"/>
+            </a:solidFill>
+          </a:ln>
         </p:spPr>
         <p:txBody>
           <a:bodyPr wrap="square">
@@ -14109,6 +14115,50 @@
           </a:p>
         </p:txBody>
       </p:sp>
+      <p:cxnSp>
+        <p:nvCxnSpPr>
+          <p:cNvPr id="7" name="Straight Arrow Connector 6">
+            <a:extLst>
+              <a:ext uri="{FF2B5EF4-FFF2-40B4-BE49-F238E27FC236}">
+                <a16:creationId xmlns:a16="http://schemas.microsoft.com/office/drawing/2014/main" id="{87C49A9E-2921-8149-A36A-99CC5BB3027E}"/>
+              </a:ext>
+            </a:extLst>
+          </p:cNvPr>
+          <p:cNvCxnSpPr>
+            <a:cxnSpLocks/>
+          </p:cNvCxnSpPr>
+          <p:nvPr/>
+        </p:nvCxnSpPr>
+        <p:spPr>
+          <a:xfrm flipV="1">
+            <a:off x="5830687" y="2244164"/>
+            <a:ext cx="1198179" cy="8145"/>
+          </a:xfrm>
+          <a:prstGeom prst="straightConnector1">
+            <a:avLst/>
+          </a:prstGeom>
+          <a:ln w="63500">
+            <a:solidFill>
+              <a:schemeClr val="tx1"/>
+            </a:solidFill>
+            <a:tailEnd type="triangle"/>
+          </a:ln>
+        </p:spPr>
+        <p:style>
+          <a:lnRef idx="1">
+            <a:schemeClr val="accent1"/>
+          </a:lnRef>
+          <a:fillRef idx="0">
+            <a:schemeClr val="accent1"/>
+          </a:fillRef>
+          <a:effectRef idx="0">
+            <a:schemeClr val="accent1"/>
+          </a:effectRef>
+          <a:fontRef idx="minor">
+            <a:schemeClr val="tx1"/>
+          </a:fontRef>
+        </p:style>
+      </p:cxnSp>
     </p:spTree>
     <p:extLst>
       <p:ext uri="{BB962C8B-B14F-4D97-AF65-F5344CB8AC3E}">
@@ -14976,21 +15026,6 @@
             </a:pPr>
             <a:r>
               <a:rPr lang="en-JP" sz="2600"/>
-              <a:t>以上の定式化をセグメントごとに行う．</a:t>
-            </a:r>
-          </a:p>
-          <a:p>
-            <a:pPr marL="0" indent="0">
-              <a:buNone/>
-            </a:pPr>
-            <a:endParaRPr lang="en-JP" sz="2600"/>
-          </a:p>
-          <a:p>
-            <a:pPr marL="0" indent="0">
-              <a:buNone/>
-            </a:pPr>
-            <a:r>
-              <a:rPr lang="en-JP" sz="2600"/>
               <a:t>求解には整数計画ソルバー（Gurobi Optimizer ver. 9.5）を用いた．</a:t>
             </a:r>
           </a:p>
@@ -15397,7 +15432,7 @@
             </a:pPr>
             <a:r>
               <a:rPr lang="en-JP"/>
-              <a:t>以下の3つのをスペースを考慮したレクトリニア図形を定義．</a:t>
+              <a:t>以下の3つのスペースを考慮したレクトリニア図形を定義．</a:t>
             </a:r>
           </a:p>
           <a:p>
@@ -17368,13 +17403,13 @@
         </p:nvSpPr>
         <p:spPr>
           <a:xfrm>
-            <a:off x="682371" y="551804"/>
-            <a:ext cx="11132053" cy="697678"/>
+            <a:off x="990598" y="499253"/>
+            <a:ext cx="10823828" cy="697678"/>
           </a:xfrm>
         </p:spPr>
         <p:txBody>
           <a:bodyPr>
-            <a:normAutofit fontScale="92500"/>
+            <a:normAutofit/>
           </a:bodyPr>
           <a:lstStyle/>
           <a:p>
@@ -17386,7 +17421,7 @@
             </a:pPr>
             <a:r>
               <a:rPr lang="en-JP"/>
-              <a:t>車の向きを考慮しbottom-left法とnext-fit法を用いた2種類の構築を行う.</a:t>
+              <a:t>目的関数の設定は行わず, 以下の2種類の構築を行う.</a:t>
             </a:r>
           </a:p>
         </p:txBody>
@@ -17405,7 +17440,7 @@
         </p:nvSpPr>
         <p:spPr>
           <a:xfrm>
-            <a:off x="990598" y="4370937"/>
+            <a:off x="990598" y="4232692"/>
             <a:ext cx="10747628" cy="2123658"/>
           </a:xfrm>
           <a:prstGeom prst="rect">
@@ -17706,8 +17741,8 @@
           </a:p>
         </p:txBody>
       </p:sp>
-      <mc:AlternateContent xmlns:mc="http://schemas.openxmlformats.org/markup-compatibility/2006">
-        <mc:Choice xmlns:a14="http://schemas.microsoft.com/office/drawing/2010/main" Requires="a14">
+      <mc:AlternateContent xmlns:mc="http://schemas.openxmlformats.org/markup-compatibility/2006" xmlns:a14="http://schemas.microsoft.com/office/drawing/2010/main">
+        <mc:Choice Requires="a14">
           <p:sp>
             <p:nvSpPr>
               <p:cNvPr id="18" name="Content Placeholder 4">
@@ -18223,7 +18258,7 @@
             </p:txBody>
           </p:sp>
         </mc:Choice>
-        <mc:Fallback>
+        <mc:Fallback xmlns="">
           <p:sp>
             <p:nvSpPr>
               <p:cNvPr id="18" name="Content Placeholder 4">
@@ -18734,7 +18769,7 @@
         </p:nvSpPr>
         <p:spPr>
           <a:xfrm>
-            <a:off x="874242" y="4640118"/>
+            <a:off x="874242" y="4505102"/>
             <a:ext cx="7561033" cy="2081357"/>
           </a:xfrm>
           <a:prstGeom prst="rect">
@@ -23102,7 +23137,7 @@
         </p:nvSpPr>
         <p:spPr>
           <a:xfrm>
-            <a:off x="526106" y="6352143"/>
+            <a:off x="526106" y="6018768"/>
             <a:ext cx="4475905" cy="369332"/>
           </a:xfrm>
           <a:prstGeom prst="rect">
@@ -23119,49 +23154,6 @@
             <a:r>
               <a:rPr lang="en-JP"/>
               <a:t>問題例: ブッキングid - デッキ番号 – 台数</a:t>
-            </a:r>
-          </a:p>
-        </p:txBody>
-      </p:sp>
-      <p:sp>
-        <p:nvSpPr>
-          <p:cNvPr id="5" name="TextBox 4">
-            <a:extLst>
-              <a:ext uri="{FF2B5EF4-FFF2-40B4-BE49-F238E27FC236}">
-                <a16:creationId xmlns:a16="http://schemas.microsoft.com/office/drawing/2014/main" id="{D2F2282A-92D0-2440-BECF-D69B91D760FB}"/>
-              </a:ext>
-            </a:extLst>
-          </p:cNvPr>
-          <p:cNvSpPr txBox="1"/>
-          <p:nvPr/>
-        </p:nvSpPr>
-        <p:spPr>
-          <a:xfrm>
-            <a:off x="526106" y="5903270"/>
-            <a:ext cx="6518131" cy="369332"/>
-          </a:xfrm>
-          <a:prstGeom prst="rect">
-            <a:avLst/>
-          </a:prstGeom>
-          <a:noFill/>
-        </p:spPr>
-        <p:txBody>
-          <a:bodyPr wrap="none" rtlCol="0">
-            <a:spAutoFit/>
-          </a:bodyPr>
-          <a:lstStyle/>
-          <a:p>
-            <a:r>
-              <a:rPr lang="en-JP"/>
-              <a:t>充填率: (配置した車の総面積</a:t>
-            </a:r>
-            <a:r>
-              <a:rPr lang="en-US"/>
-              <a:t> </a:t>
-            </a:r>
-            <a:r>
-              <a:rPr lang="en-JP"/>
-              <a:t>/ デッキ内の配置可能面積) * 100</a:t>
             </a:r>
           </a:p>
         </p:txBody>
@@ -23289,7 +23281,7 @@
           <a:p>
             <a:r>
               <a:rPr lang="en-JP" sz="2000"/>
-              <a:t>（余りは0台）</a:t>
+              <a:t>（余りは5台）</a:t>
             </a:r>
           </a:p>
           <a:p>
@@ -23304,7 +23296,7 @@
           <a:p>
             <a:r>
               <a:rPr lang="en-JP" sz="2000"/>
-              <a:t>（余りは54台）</a:t>
+              <a:t>（余りは64台）</a:t>
             </a:r>
           </a:p>
           <a:p>
@@ -24441,18 +24433,6 @@
             <a:r>
               <a:rPr lang="en-JP" sz="2600"/>
               <a:t>ホールド: 各デッキ内を一定間隔で区切った空間</a:t>
-            </a:r>
-          </a:p>
-          <a:p>
-            <a:pPr marL="0" indent="0">
-              <a:lnSpc>
-                <a:spcPct val="150000"/>
-              </a:lnSpc>
-              <a:buNone/>
-            </a:pPr>
-            <a:r>
-              <a:rPr lang="en-JP" sz="2600"/>
-              <a:t>セグメント: いくつかのホールドをまとめたもの</a:t>
             </a:r>
           </a:p>
           <a:p>

--- a/卒論発表用スライド.pptx
+++ b/卒論発表用スライド.pptx
@@ -5,7 +5,7 @@
     <p:sldMasterId id="2147483648" r:id="rId1"/>
   </p:sldMasterIdLst>
   <p:notesMasterIdLst>
-    <p:notesMasterId r:id="rId32"/>
+    <p:notesMasterId r:id="rId30"/>
   </p:notesMasterIdLst>
   <p:sldIdLst>
     <p:sldId id="256" r:id="rId2"/>
@@ -14,30 +14,28 @@
     <p:sldId id="259" r:id="rId5"/>
     <p:sldId id="284" r:id="rId6"/>
     <p:sldId id="298" r:id="rId7"/>
-    <p:sldId id="315" r:id="rId8"/>
-    <p:sldId id="261" r:id="rId9"/>
-    <p:sldId id="320" r:id="rId10"/>
-    <p:sldId id="266" r:id="rId11"/>
-    <p:sldId id="302" r:id="rId12"/>
-    <p:sldId id="288" r:id="rId13"/>
-    <p:sldId id="330" r:id="rId14"/>
-    <p:sldId id="331" r:id="rId15"/>
-    <p:sldId id="268" r:id="rId16"/>
-    <p:sldId id="269" r:id="rId17"/>
-    <p:sldId id="325" r:id="rId18"/>
-    <p:sldId id="321" r:id="rId19"/>
-    <p:sldId id="318" r:id="rId20"/>
-    <p:sldId id="280" r:id="rId21"/>
-    <p:sldId id="308" r:id="rId22"/>
-    <p:sldId id="333" r:id="rId23"/>
-    <p:sldId id="319" r:id="rId24"/>
-    <p:sldId id="310" r:id="rId25"/>
-    <p:sldId id="303" r:id="rId26"/>
-    <p:sldId id="313" r:id="rId27"/>
-    <p:sldId id="335" r:id="rId28"/>
-    <p:sldId id="334" r:id="rId29"/>
-    <p:sldId id="305" r:id="rId30"/>
-    <p:sldId id="278" r:id="rId31"/>
+    <p:sldId id="336" r:id="rId8"/>
+    <p:sldId id="266" r:id="rId9"/>
+    <p:sldId id="302" r:id="rId10"/>
+    <p:sldId id="288" r:id="rId11"/>
+    <p:sldId id="330" r:id="rId12"/>
+    <p:sldId id="331" r:id="rId13"/>
+    <p:sldId id="268" r:id="rId14"/>
+    <p:sldId id="269" r:id="rId15"/>
+    <p:sldId id="325" r:id="rId16"/>
+    <p:sldId id="321" r:id="rId17"/>
+    <p:sldId id="318" r:id="rId18"/>
+    <p:sldId id="280" r:id="rId19"/>
+    <p:sldId id="308" r:id="rId20"/>
+    <p:sldId id="333" r:id="rId21"/>
+    <p:sldId id="319" r:id="rId22"/>
+    <p:sldId id="310" r:id="rId23"/>
+    <p:sldId id="303" r:id="rId24"/>
+    <p:sldId id="313" r:id="rId25"/>
+    <p:sldId id="335" r:id="rId26"/>
+    <p:sldId id="334" r:id="rId27"/>
+    <p:sldId id="305" r:id="rId28"/>
+    <p:sldId id="278" r:id="rId29"/>
   </p:sldIdLst>
   <p:sldSz cx="12192000" cy="6858000"/>
   <p:notesSz cx="6858000" cy="9144000"/>
@@ -6014,7 +6012,7 @@
           <a:p>
             <a:fld id="{93378112-4ECF-3E4A-BA26-7A2F0AF6FC0B}" type="slidenum">
               <a:rPr lang="en-JP"/>
-              <a:t>8</a:t>
+              <a:t>7</a:t>
             </a:fld>
             <a:endParaRPr lang="en-JP"/>
           </a:p>
@@ -6023,7 +6021,7 @@
     </p:spTree>
     <p:extLst>
       <p:ext uri="{BB962C8B-B14F-4D97-AF65-F5344CB8AC3E}">
-        <p14:creationId xmlns:p14="http://schemas.microsoft.com/office/powerpoint/2010/main" val="1576671008"/>
+        <p14:creationId xmlns:p14="http://schemas.microsoft.com/office/powerpoint/2010/main" val="687799193"/>
       </p:ext>
     </p:extLst>
   </p:cSld>
@@ -6097,7 +6095,7 @@
           <a:lstStyle/>
           <a:p>
             <a:fld id="{B8319A4F-25AA-F940-B345-F57E77B4FE14}" type="slidenum">
-              <a:t>16</a:t>
+              <a:t>14</a:t>
             </a:fld>
             <a:endParaRPr lang="en-JP"/>
           </a:p>
@@ -6180,7 +6178,7 @@
           <a:lstStyle/>
           <a:p>
             <a:fld id="{93378112-4ECF-3E4A-BA26-7A2F0AF6FC0B}" type="slidenum">
-              <a:t>17</a:t>
+              <a:t>15</a:t>
             </a:fld>
             <a:endParaRPr lang="en-JP"/>
           </a:p>
@@ -6264,7 +6262,7 @@
           <a:p>
             <a:fld id="{93378112-4ECF-3E4A-BA26-7A2F0AF6FC0B}" type="slidenum">
               <a:rPr lang="en-JP"/>
-              <a:t>19</a:t>
+              <a:t>17</a:t>
             </a:fld>
             <a:endParaRPr lang="en-JP"/>
           </a:p>
@@ -6348,7 +6346,7 @@
           <a:p>
             <a:fld id="{93378112-4ECF-3E4A-BA26-7A2F0AF6FC0B}" type="slidenum">
               <a:rPr lang="en-JP"/>
-              <a:t>23</a:t>
+              <a:t>21</a:t>
             </a:fld>
             <a:endParaRPr lang="en-JP"/>
           </a:p>
@@ -9716,400 +9714,6 @@
       </p:grpSpPr>
       <p:sp>
         <p:nvSpPr>
-          <p:cNvPr id="2" name="Title 1">
-            <a:extLst>
-              <a:ext uri="{FF2B5EF4-FFF2-40B4-BE49-F238E27FC236}">
-                <a16:creationId xmlns:a16="http://schemas.microsoft.com/office/drawing/2014/main" id="{0000C0E6-1474-C243-B239-C42A5437F569}"/>
-              </a:ext>
-            </a:extLst>
-          </p:cNvPr>
-          <p:cNvSpPr>
-            <a:spLocks noGrp="1"/>
-          </p:cNvSpPr>
-          <p:nvPr>
-            <p:ph type="title"/>
-          </p:nvPr>
-        </p:nvSpPr>
-        <p:spPr/>
-        <p:txBody>
-          <a:bodyPr/>
-          <a:lstStyle/>
-          <a:p>
-            <a:r>
-              <a:rPr lang="en-JP"/>
-              <a:t>出力</a:t>
-            </a:r>
-          </a:p>
-        </p:txBody>
-      </p:sp>
-      <p:sp>
-        <p:nvSpPr>
-          <p:cNvPr id="3" name="Content Placeholder 2">
-            <a:extLst>
-              <a:ext uri="{FF2B5EF4-FFF2-40B4-BE49-F238E27FC236}">
-                <a16:creationId xmlns:a16="http://schemas.microsoft.com/office/drawing/2014/main" id="{D25A81AE-C34F-CC40-BC54-00459ECEE645}"/>
-              </a:ext>
-            </a:extLst>
-          </p:cNvPr>
-          <p:cNvSpPr>
-            <a:spLocks noGrp="1"/>
-          </p:cNvSpPr>
-          <p:nvPr>
-            <p:ph idx="1"/>
-          </p:nvPr>
-        </p:nvSpPr>
-        <p:spPr/>
-        <p:txBody>
-          <a:bodyPr>
-            <a:normAutofit/>
-          </a:bodyPr>
-          <a:lstStyle/>
-          <a:p>
-            <a:pPr marL="0" indent="0">
-              <a:lnSpc>
-                <a:spcPct val="100000"/>
-              </a:lnSpc>
-              <a:buNone/>
-            </a:pPr>
-            <a:r>
-              <a:rPr lang="en-JP"/>
-              <a:t>以下のような配置図と，詰め込むことができなかった車の台数を出力する．</a:t>
-            </a:r>
-          </a:p>
-          <a:p>
-            <a:pPr marL="0" indent="0">
-              <a:lnSpc>
-                <a:spcPct val="100000"/>
-              </a:lnSpc>
-              <a:buNone/>
-            </a:pPr>
-            <a:endParaRPr lang="en-JP"/>
-          </a:p>
-          <a:p>
-            <a:pPr marL="0" indent="0">
-              <a:lnSpc>
-                <a:spcPct val="100000"/>
-              </a:lnSpc>
-              <a:buNone/>
-            </a:pPr>
-            <a:endParaRPr lang="en-JP"/>
-          </a:p>
-          <a:p>
-            <a:pPr marL="0" indent="0">
-              <a:lnSpc>
-                <a:spcPct val="100000"/>
-              </a:lnSpc>
-              <a:buNone/>
-            </a:pPr>
-            <a:endParaRPr lang="en-JP"/>
-          </a:p>
-          <a:p>
-            <a:pPr marL="0" indent="0">
-              <a:lnSpc>
-                <a:spcPct val="100000"/>
-              </a:lnSpc>
-              <a:buNone/>
-            </a:pPr>
-            <a:endParaRPr lang="en-JP"/>
-          </a:p>
-          <a:p>
-            <a:pPr marL="0" indent="0">
-              <a:lnSpc>
-                <a:spcPct val="100000"/>
-              </a:lnSpc>
-              <a:buNone/>
-            </a:pPr>
-            <a:r>
-              <a:rPr lang="en-JP"/>
-              <a:t>一つ一つの長方形が車を，色は積み地の種類を表す．</a:t>
-            </a:r>
-          </a:p>
-          <a:p>
-            <a:pPr marL="0" indent="0">
-              <a:lnSpc>
-                <a:spcPct val="100000"/>
-              </a:lnSpc>
-              <a:buNone/>
-            </a:pPr>
-            <a:r>
-              <a:rPr lang="en-JP"/>
-              <a:t>黒は障害物，グレーはランプを表す．</a:t>
-            </a:r>
-          </a:p>
-        </p:txBody>
-      </p:sp>
-      <p:sp>
-        <p:nvSpPr>
-          <p:cNvPr id="4" name="Slide Number Placeholder 3">
-            <a:extLst>
-              <a:ext uri="{FF2B5EF4-FFF2-40B4-BE49-F238E27FC236}">
-                <a16:creationId xmlns:a16="http://schemas.microsoft.com/office/drawing/2014/main" id="{8643FA90-C072-FD47-B28D-6DA34E77D5C0}"/>
-              </a:ext>
-            </a:extLst>
-          </p:cNvPr>
-          <p:cNvSpPr>
-            <a:spLocks noGrp="1"/>
-          </p:cNvSpPr>
-          <p:nvPr>
-            <p:ph type="sldNum" sz="quarter" idx="12"/>
-          </p:nvPr>
-        </p:nvSpPr>
-        <p:spPr/>
-        <p:txBody>
-          <a:bodyPr/>
-          <a:lstStyle/>
-          <a:p>
-            <a:fld id="{CCF3E294-EB10-834B-8B5B-5C78A6A1F52A}" type="slidenum">
-              <a:rPr lang="en-JP"/>
-              <a:t>10</a:t>
-            </a:fld>
-            <a:endParaRPr lang="en-JP"/>
-          </a:p>
-        </p:txBody>
-      </p:sp>
-      <p:pic>
-        <p:nvPicPr>
-          <p:cNvPr id="6" name="Picture 5">
-            <a:extLst>
-              <a:ext uri="{FF2B5EF4-FFF2-40B4-BE49-F238E27FC236}">
-                <a16:creationId xmlns:a16="http://schemas.microsoft.com/office/drawing/2014/main" id="{4404DD2C-1A4B-CD4F-85F8-D6E7E74685B8}"/>
-              </a:ext>
-            </a:extLst>
-          </p:cNvPr>
-          <p:cNvPicPr>
-            <a:picLocks noChangeAspect="1"/>
-          </p:cNvPicPr>
-          <p:nvPr/>
-        </p:nvPicPr>
-        <p:blipFill>
-          <a:blip r:embed="rId2"/>
-          <a:stretch>
-            <a:fillRect/>
-          </a:stretch>
-        </p:blipFill>
-        <p:spPr>
-          <a:xfrm rot="16200000">
-            <a:off x="5039754" y="-1165267"/>
-            <a:ext cx="2112492" cy="9976930"/>
-          </a:xfrm>
-          <a:prstGeom prst="rect">
-            <a:avLst/>
-          </a:prstGeom>
-        </p:spPr>
-      </p:pic>
-    </p:spTree>
-    <p:extLst>
-      <p:ext uri="{BB962C8B-B14F-4D97-AF65-F5344CB8AC3E}">
-        <p14:creationId xmlns:p14="http://schemas.microsoft.com/office/powerpoint/2010/main" val="882239266"/>
-      </p:ext>
-    </p:extLst>
-  </p:cSld>
-  <p:clrMapOvr>
-    <a:masterClrMapping/>
-  </p:clrMapOvr>
-</p:sld>
-</file>
-
-<file path=ppt/slides/slide11.xml><?xml version="1.0" encoding="utf-8"?>
-<p:sld xmlns:a="http://schemas.openxmlformats.org/drawingml/2006/main" xmlns:r="http://schemas.openxmlformats.org/officeDocument/2006/relationships" xmlns:p="http://schemas.openxmlformats.org/presentationml/2006/main">
-  <p:cSld>
-    <p:spTree>
-      <p:nvGrpSpPr>
-        <p:cNvPr id="1" name=""/>
-        <p:cNvGrpSpPr/>
-        <p:nvPr/>
-      </p:nvGrpSpPr>
-      <p:grpSpPr>
-        <a:xfrm>
-          <a:off x="0" y="0"/>
-          <a:ext cx="0" cy="0"/>
-          <a:chOff x="0" y="0"/>
-          <a:chExt cx="0" cy="0"/>
-        </a:xfrm>
-      </p:grpSpPr>
-      <p:sp>
-        <p:nvSpPr>
-          <p:cNvPr id="3" name="Content Placeholder 2">
-            <a:extLst>
-              <a:ext uri="{FF2B5EF4-FFF2-40B4-BE49-F238E27FC236}">
-                <a16:creationId xmlns:a16="http://schemas.microsoft.com/office/drawing/2014/main" id="{B94F1238-896F-F84C-A1A4-BE8D534EB87B}"/>
-              </a:ext>
-            </a:extLst>
-          </p:cNvPr>
-          <p:cNvSpPr>
-            <a:spLocks noGrp="1"/>
-          </p:cNvSpPr>
-          <p:nvPr>
-            <p:ph idx="1"/>
-          </p:nvPr>
-        </p:nvSpPr>
-        <p:spPr>
-          <a:xfrm>
-            <a:off x="838200" y="775504"/>
-            <a:ext cx="10515600" cy="5401459"/>
-          </a:xfrm>
-        </p:spPr>
-        <p:txBody>
-          <a:bodyPr>
-            <a:normAutofit/>
-          </a:bodyPr>
-          <a:lstStyle/>
-          <a:p>
-            <a:pPr marL="514350" indent="-514350">
-              <a:lnSpc>
-                <a:spcPct val="150000"/>
-              </a:lnSpc>
-              <a:buFont typeface="+mj-lt"/>
-              <a:buAutoNum type="arabicPeriod"/>
-            </a:pPr>
-            <a:r>
-              <a:rPr lang="en-JP">
-                <a:solidFill>
-                  <a:schemeClr val="tx1">
-                    <a:lumMod val="50000"/>
-                    <a:lumOff val="50000"/>
-                  </a:schemeClr>
-                </a:solidFill>
-              </a:rPr>
-              <a:t>研究背景</a:t>
-            </a:r>
-          </a:p>
-          <a:p>
-            <a:pPr marL="514350" indent="-514350">
-              <a:lnSpc>
-                <a:spcPct val="150000"/>
-              </a:lnSpc>
-              <a:buFont typeface="+mj-lt"/>
-              <a:buAutoNum type="arabicPeriod"/>
-            </a:pPr>
-            <a:r>
-              <a:rPr lang="en-JP">
-                <a:solidFill>
-                  <a:schemeClr val="tx1">
-                    <a:lumMod val="50000"/>
-                    <a:lumOff val="50000"/>
-                  </a:schemeClr>
-                </a:solidFill>
-              </a:rPr>
-              <a:t>問題定義</a:t>
-            </a:r>
-          </a:p>
-          <a:p>
-            <a:pPr marL="514350" indent="-514350">
-              <a:lnSpc>
-                <a:spcPct val="150000"/>
-              </a:lnSpc>
-              <a:buFont typeface="+mj-lt"/>
-              <a:buAutoNum type="arabicPeriod"/>
-            </a:pPr>
-            <a:r>
-              <a:rPr lang="en-JP" b="1"/>
-              <a:t>定式化と提案手法</a:t>
-            </a:r>
-          </a:p>
-          <a:p>
-            <a:pPr marL="514350" indent="-514350">
-              <a:lnSpc>
-                <a:spcPct val="150000"/>
-              </a:lnSpc>
-              <a:buFont typeface="+mj-lt"/>
-              <a:buAutoNum type="arabicPeriod"/>
-            </a:pPr>
-            <a:r>
-              <a:rPr lang="en-JP">
-                <a:solidFill>
-                  <a:schemeClr val="tx1">
-                    <a:lumMod val="50000"/>
-                    <a:lumOff val="50000"/>
-                  </a:schemeClr>
-                </a:solidFill>
-              </a:rPr>
-              <a:t>結果</a:t>
-            </a:r>
-          </a:p>
-          <a:p>
-            <a:pPr marL="514350" indent="-514350">
-              <a:lnSpc>
-                <a:spcPct val="150000"/>
-              </a:lnSpc>
-              <a:buFont typeface="+mj-lt"/>
-              <a:buAutoNum type="arabicPeriod"/>
-            </a:pPr>
-            <a:r>
-              <a:rPr lang="en-JP">
-                <a:solidFill>
-                  <a:schemeClr val="tx1">
-                    <a:lumMod val="50000"/>
-                    <a:lumOff val="50000"/>
-                  </a:schemeClr>
-                </a:solidFill>
-              </a:rPr>
-              <a:t>まとめ</a:t>
-            </a:r>
-          </a:p>
-        </p:txBody>
-      </p:sp>
-      <p:sp>
-        <p:nvSpPr>
-          <p:cNvPr id="4" name="Slide Number Placeholder 3">
-            <a:extLst>
-              <a:ext uri="{FF2B5EF4-FFF2-40B4-BE49-F238E27FC236}">
-                <a16:creationId xmlns:a16="http://schemas.microsoft.com/office/drawing/2014/main" id="{0E16DC64-D41E-4048-97FE-E8AA7C3BF29B}"/>
-              </a:ext>
-            </a:extLst>
-          </p:cNvPr>
-          <p:cNvSpPr>
-            <a:spLocks noGrp="1"/>
-          </p:cNvSpPr>
-          <p:nvPr>
-            <p:ph type="sldNum" sz="quarter" idx="12"/>
-          </p:nvPr>
-        </p:nvSpPr>
-        <p:spPr/>
-        <p:txBody>
-          <a:bodyPr/>
-          <a:lstStyle/>
-          <a:p>
-            <a:fld id="{CCF3E294-EB10-834B-8B5B-5C78A6A1F52A}" type="slidenum">
-              <a:rPr lang="en-JP"/>
-              <a:t>11</a:t>
-            </a:fld>
-            <a:endParaRPr lang="en-JP"/>
-          </a:p>
-        </p:txBody>
-      </p:sp>
-    </p:spTree>
-    <p:extLst>
-      <p:ext uri="{BB962C8B-B14F-4D97-AF65-F5344CB8AC3E}">
-        <p14:creationId xmlns:p14="http://schemas.microsoft.com/office/powerpoint/2010/main" val="1625653150"/>
-      </p:ext>
-    </p:extLst>
-  </p:cSld>
-  <p:clrMapOvr>
-    <a:masterClrMapping/>
-  </p:clrMapOvr>
-</p:sld>
-</file>
-
-<file path=ppt/slides/slide12.xml><?xml version="1.0" encoding="utf-8"?>
-<p:sld xmlns:a="http://schemas.openxmlformats.org/drawingml/2006/main" xmlns:r="http://schemas.openxmlformats.org/officeDocument/2006/relationships" xmlns:p="http://schemas.openxmlformats.org/presentationml/2006/main">
-  <p:cSld>
-    <p:spTree>
-      <p:nvGrpSpPr>
-        <p:cNvPr id="1" name=""/>
-        <p:cNvGrpSpPr/>
-        <p:nvPr/>
-      </p:nvGrpSpPr>
-      <p:grpSpPr>
-        <a:xfrm>
-          <a:off x="0" y="0"/>
-          <a:ext cx="0" cy="0"/>
-          <a:chOff x="0" y="0"/>
-          <a:chExt cx="0" cy="0"/>
-        </a:xfrm>
-      </p:grpSpPr>
-      <p:sp>
-        <p:nvSpPr>
           <p:cNvPr id="4" name="Slide Number Placeholder 3">
             <a:extLst>
               <a:ext uri="{FF2B5EF4-FFF2-40B4-BE49-F238E27FC236}">
@@ -10131,14 +9735,14 @@
           <a:p>
             <a:fld id="{CCF3E294-EB10-834B-8B5B-5C78A6A1F52A}" type="slidenum">
               <a:rPr lang="en-JP"/>
-              <a:t>12</a:t>
+              <a:t>10</a:t>
             </a:fld>
             <a:endParaRPr lang="en-JP"/>
           </a:p>
         </p:txBody>
       </p:sp>
-      <mc:AlternateContent xmlns:mc="http://schemas.openxmlformats.org/markup-compatibility/2006">
-        <mc:Choice xmlns:a14="http://schemas.microsoft.com/office/drawing/2010/main" Requires="a14">
+      <mc:AlternateContent xmlns:mc="http://schemas.openxmlformats.org/markup-compatibility/2006" xmlns:a14="http://schemas.microsoft.com/office/drawing/2010/main">
+        <mc:Choice Requires="a14">
           <p:sp>
             <p:nvSpPr>
               <p:cNvPr id="5" name="Content Placeholder 2">
@@ -10638,7 +10242,7 @@
             </p:txBody>
           </p:sp>
         </mc:Choice>
-        <mc:Fallback>
+        <mc:Fallback xmlns="">
           <p:sp>
             <p:nvSpPr>
               <p:cNvPr id="5" name="Content Placeholder 2">
@@ -10863,7 +10467,7 @@
 </p:sld>
 </file>
 
-<file path=ppt/slides/slide13.xml><?xml version="1.0" encoding="utf-8"?>
+<file path=ppt/slides/slide11.xml><?xml version="1.0" encoding="utf-8"?>
 <p:sld xmlns:a="http://schemas.openxmlformats.org/drawingml/2006/main" xmlns:r="http://schemas.openxmlformats.org/officeDocument/2006/relationships" xmlns:p="http://schemas.openxmlformats.org/presentationml/2006/main">
   <p:cSld>
     <p:spTree>
@@ -11072,7 +10676,7 @@
           <a:p>
             <a:fld id="{CCF3E294-EB10-834B-8B5B-5C78A6A1F52A}" type="slidenum">
               <a:rPr lang="en-JP"/>
-              <a:t>13</a:t>
+              <a:t>11</a:t>
             </a:fld>
             <a:endParaRPr lang="en-JP"/>
           </a:p>
@@ -11448,7 +11052,7 @@
 </p:sld>
 </file>
 
-<file path=ppt/slides/slide14.xml><?xml version="1.0" encoding="utf-8"?>
+<file path=ppt/slides/slide12.xml><?xml version="1.0" encoding="utf-8"?>
 <p:sld xmlns:a="http://schemas.openxmlformats.org/drawingml/2006/main" xmlns:r="http://schemas.openxmlformats.org/officeDocument/2006/relationships" xmlns:p="http://schemas.openxmlformats.org/presentationml/2006/main">
   <p:cSld>
     <p:spTree>
@@ -11548,7 +11152,7 @@
           <a:p>
             <a:fld id="{CCF3E294-EB10-834B-8B5B-5C78A6A1F52A}" type="slidenum">
               <a:rPr lang="en-JP"/>
-              <a:t>14</a:t>
+              <a:t>12</a:t>
             </a:fld>
             <a:endParaRPr lang="en-JP"/>
           </a:p>
@@ -12196,7 +11800,7 @@
 </p:sld>
 </file>
 
-<file path=ppt/slides/slide15.xml><?xml version="1.0" encoding="utf-8"?>
+<file path=ppt/slides/slide13.xml><?xml version="1.0" encoding="utf-8"?>
 <p:sld xmlns:a="http://schemas.openxmlformats.org/drawingml/2006/main" xmlns:r="http://schemas.openxmlformats.org/officeDocument/2006/relationships" xmlns:p="http://schemas.openxmlformats.org/presentationml/2006/main">
   <p:cSld>
     <p:spTree>
@@ -12297,7 +11901,7 @@
           <a:p>
             <a:fld id="{A15909B6-B37A-2F40-8E50-BD3B90D17A7A}" type="slidenum">
               <a:rPr lang="en-JP"/>
-              <a:t>15</a:t>
+              <a:t>13</a:t>
             </a:fld>
             <a:endParaRPr lang="en-JP"/>
           </a:p>
@@ -12348,7 +11952,7 @@
 </p:sld>
 </file>
 
-<file path=ppt/slides/slide16.xml><?xml version="1.0" encoding="utf-8"?>
+<file path=ppt/slides/slide14.xml><?xml version="1.0" encoding="utf-8"?>
 <p:sld xmlns:a="http://schemas.openxmlformats.org/drawingml/2006/main" xmlns:r="http://schemas.openxmlformats.org/officeDocument/2006/relationships" xmlns:p="http://schemas.openxmlformats.org/presentationml/2006/main">
   <p:cSld>
     <p:spTree>
@@ -12501,7 +12105,7 @@
           <a:lstStyle/>
           <a:p>
             <a:fld id="{A15909B6-B37A-2F40-8E50-BD3B90D17A7A}" type="slidenum">
-              <a:t>16</a:t>
+              <a:t>14</a:t>
             </a:fld>
             <a:endParaRPr lang="en-JP"/>
           </a:p>
@@ -12629,7 +12233,7 @@
 </p:sld>
 </file>
 
-<file path=ppt/slides/slide17.xml><?xml version="1.0" encoding="utf-8"?>
+<file path=ppt/slides/slide15.xml><?xml version="1.0" encoding="utf-8"?>
 <p:sld xmlns:a="http://schemas.openxmlformats.org/drawingml/2006/main" xmlns:r="http://schemas.openxmlformats.org/officeDocument/2006/relationships" xmlns:p="http://schemas.openxmlformats.org/presentationml/2006/main">
   <p:cSld>
     <p:spTree>
@@ -12669,7 +12273,7 @@
           <a:p>
             <a:fld id="{A15909B6-B37A-2F40-8E50-BD3B90D17A7A}" type="slidenum">
               <a:rPr lang="en-JP"/>
-              <a:t>17</a:t>
+              <a:t>15</a:t>
             </a:fld>
             <a:endParaRPr lang="en-JP"/>
           </a:p>
@@ -13077,7 +12681,7 @@
 </p:sld>
 </file>
 
-<file path=ppt/slides/slide18.xml><?xml version="1.0" encoding="utf-8"?>
+<file path=ppt/slides/slide16.xml><?xml version="1.0" encoding="utf-8"?>
 <p:sld xmlns:a="http://schemas.openxmlformats.org/drawingml/2006/main" xmlns:r="http://schemas.openxmlformats.org/officeDocument/2006/relationships" xmlns:p="http://schemas.openxmlformats.org/presentationml/2006/main">
   <p:cSld>
     <p:spTree>
@@ -13211,7 +12815,7 @@
           <a:p>
             <a:fld id="{A15909B6-B37A-2F40-8E50-BD3B90D17A7A}" type="slidenum">
               <a:rPr lang="en-JP"/>
-              <a:t>18</a:t>
+              <a:t>16</a:t>
             </a:fld>
             <a:endParaRPr lang="en-JP"/>
           </a:p>
@@ -14172,7 +13776,7 @@
 </p:sld>
 </file>
 
-<file path=ppt/slides/slide19.xml><?xml version="1.0" encoding="utf-8"?>
+<file path=ppt/slides/slide17.xml><?xml version="1.0" encoding="utf-8"?>
 <p:sld xmlns:a="http://schemas.openxmlformats.org/drawingml/2006/main" xmlns:r="http://schemas.openxmlformats.org/officeDocument/2006/relationships" xmlns:p="http://schemas.openxmlformats.org/presentationml/2006/main">
   <p:cSld>
     <p:spTree>
@@ -14283,7 +13887,7 @@
           <a:p>
             <a:fld id="{CCF3E294-EB10-834B-8B5B-5C78A6A1F52A}" type="slidenum">
               <a:rPr lang="en-JP"/>
-              <a:t>19</a:t>
+              <a:t>17</a:t>
             </a:fld>
             <a:endParaRPr lang="en-JP"/>
           </a:p>
@@ -14760,183 +14364,7 @@
 </p:sld>
 </file>
 
-<file path=ppt/slides/slide2.xml><?xml version="1.0" encoding="utf-8"?>
-<p:sld xmlns:a="http://schemas.openxmlformats.org/drawingml/2006/main" xmlns:r="http://schemas.openxmlformats.org/officeDocument/2006/relationships" xmlns:p="http://schemas.openxmlformats.org/presentationml/2006/main">
-  <p:cSld>
-    <p:spTree>
-      <p:nvGrpSpPr>
-        <p:cNvPr id="1" name=""/>
-        <p:cNvGrpSpPr/>
-        <p:nvPr/>
-      </p:nvGrpSpPr>
-      <p:grpSpPr>
-        <a:xfrm>
-          <a:off x="0" y="0"/>
-          <a:ext cx="0" cy="0"/>
-          <a:chOff x="0" y="0"/>
-          <a:chExt cx="0" cy="0"/>
-        </a:xfrm>
-      </p:grpSpPr>
-      <p:sp>
-        <p:nvSpPr>
-          <p:cNvPr id="2" name="Title 1">
-            <a:extLst>
-              <a:ext uri="{FF2B5EF4-FFF2-40B4-BE49-F238E27FC236}">
-                <a16:creationId xmlns:a16="http://schemas.microsoft.com/office/drawing/2014/main" id="{A79B9A0E-02AC-444D-88A9-509D987C3339}"/>
-              </a:ext>
-            </a:extLst>
-          </p:cNvPr>
-          <p:cNvSpPr>
-            <a:spLocks noGrp="1"/>
-          </p:cNvSpPr>
-          <p:nvPr>
-            <p:ph type="title"/>
-          </p:nvPr>
-        </p:nvSpPr>
-        <p:spPr/>
-        <p:txBody>
-          <a:bodyPr/>
-          <a:lstStyle/>
-          <a:p>
-            <a:r>
-              <a:rPr lang="en-JP"/>
-              <a:t>目次</a:t>
-            </a:r>
-          </a:p>
-        </p:txBody>
-      </p:sp>
-      <p:sp>
-        <p:nvSpPr>
-          <p:cNvPr id="3" name="Content Placeholder 2">
-            <a:extLst>
-              <a:ext uri="{FF2B5EF4-FFF2-40B4-BE49-F238E27FC236}">
-                <a16:creationId xmlns:a16="http://schemas.microsoft.com/office/drawing/2014/main" id="{B94F1238-896F-F84C-A1A4-BE8D534EB87B}"/>
-              </a:ext>
-            </a:extLst>
-          </p:cNvPr>
-          <p:cNvSpPr>
-            <a:spLocks noGrp="1"/>
-          </p:cNvSpPr>
-          <p:nvPr>
-            <p:ph idx="1"/>
-          </p:nvPr>
-        </p:nvSpPr>
-        <p:spPr/>
-        <p:txBody>
-          <a:bodyPr>
-            <a:normAutofit/>
-          </a:bodyPr>
-          <a:lstStyle/>
-          <a:p>
-            <a:pPr marL="514350" indent="-514350">
-              <a:lnSpc>
-                <a:spcPct val="150000"/>
-              </a:lnSpc>
-              <a:buFont typeface="+mj-lt"/>
-              <a:buAutoNum type="arabicPeriod"/>
-            </a:pPr>
-            <a:r>
-              <a:rPr lang="en-JP"/>
-              <a:t>研究背景</a:t>
-            </a:r>
-          </a:p>
-          <a:p>
-            <a:pPr marL="514350" indent="-514350">
-              <a:lnSpc>
-                <a:spcPct val="150000"/>
-              </a:lnSpc>
-              <a:buFont typeface="+mj-lt"/>
-              <a:buAutoNum type="arabicPeriod"/>
-            </a:pPr>
-            <a:r>
-              <a:rPr lang="en-JP"/>
-              <a:t>問題定義</a:t>
-            </a:r>
-          </a:p>
-          <a:p>
-            <a:pPr marL="514350" indent="-514350">
-              <a:lnSpc>
-                <a:spcPct val="150000"/>
-              </a:lnSpc>
-              <a:buFont typeface="+mj-lt"/>
-              <a:buAutoNum type="arabicPeriod"/>
-            </a:pPr>
-            <a:r>
-              <a:rPr lang="en-JP"/>
-              <a:t>定式化と提案手法</a:t>
-            </a:r>
-          </a:p>
-          <a:p>
-            <a:pPr marL="514350" indent="-514350">
-              <a:lnSpc>
-                <a:spcPct val="150000"/>
-              </a:lnSpc>
-              <a:buFont typeface="+mj-lt"/>
-              <a:buAutoNum type="arabicPeriod"/>
-            </a:pPr>
-            <a:r>
-              <a:rPr lang="en-JP"/>
-              <a:t>結果</a:t>
-            </a:r>
-          </a:p>
-          <a:p>
-            <a:pPr marL="514350" indent="-514350">
-              <a:lnSpc>
-                <a:spcPct val="150000"/>
-              </a:lnSpc>
-              <a:buFont typeface="+mj-lt"/>
-              <a:buAutoNum type="arabicPeriod"/>
-            </a:pPr>
-            <a:r>
-              <a:rPr lang="en-JP"/>
-              <a:t>まとめ</a:t>
-            </a:r>
-          </a:p>
-        </p:txBody>
-      </p:sp>
-      <p:sp>
-        <p:nvSpPr>
-          <p:cNvPr id="4" name="Slide Number Placeholder 3">
-            <a:extLst>
-              <a:ext uri="{FF2B5EF4-FFF2-40B4-BE49-F238E27FC236}">
-                <a16:creationId xmlns:a16="http://schemas.microsoft.com/office/drawing/2014/main" id="{0E16DC64-D41E-4048-97FE-E8AA7C3BF29B}"/>
-              </a:ext>
-            </a:extLst>
-          </p:cNvPr>
-          <p:cNvSpPr>
-            <a:spLocks noGrp="1"/>
-          </p:cNvSpPr>
-          <p:nvPr>
-            <p:ph type="sldNum" sz="quarter" idx="12"/>
-          </p:nvPr>
-        </p:nvSpPr>
-        <p:spPr/>
-        <p:txBody>
-          <a:bodyPr/>
-          <a:lstStyle/>
-          <a:p>
-            <a:fld id="{CCF3E294-EB10-834B-8B5B-5C78A6A1F52A}" type="slidenum">
-              <a:rPr lang="en-JP"/>
-              <a:t>2</a:t>
-            </a:fld>
-            <a:endParaRPr lang="en-JP"/>
-          </a:p>
-        </p:txBody>
-      </p:sp>
-    </p:spTree>
-    <p:extLst>
-      <p:ext uri="{BB962C8B-B14F-4D97-AF65-F5344CB8AC3E}">
-        <p14:creationId xmlns:p14="http://schemas.microsoft.com/office/powerpoint/2010/main" val="851379105"/>
-      </p:ext>
-    </p:extLst>
-  </p:cSld>
-  <p:clrMapOvr>
-    <a:masterClrMapping/>
-  </p:clrMapOvr>
-</p:sld>
-</file>
-
-<file path=ppt/slides/slide20.xml><?xml version="1.0" encoding="utf-8"?>
+<file path=ppt/slides/slide18.xml><?xml version="1.0" encoding="utf-8"?>
 <p:sld xmlns:a="http://schemas.openxmlformats.org/drawingml/2006/main" xmlns:r="http://schemas.openxmlformats.org/officeDocument/2006/relationships" xmlns:p="http://schemas.openxmlformats.org/presentationml/2006/main">
   <p:cSld>
     <p:spTree>
@@ -15063,7 +14491,7 @@
           <a:p>
             <a:fld id="{CCF3E294-EB10-834B-8B5B-5C78A6A1F52A}" type="slidenum">
               <a:rPr lang="en-JP"/>
-              <a:t>20</a:t>
+              <a:t>18</a:t>
             </a:fld>
             <a:endParaRPr lang="en-JP"/>
           </a:p>
@@ -15134,7 +14562,7 @@
 </p:sld>
 </file>
 
-<file path=ppt/slides/slide21.xml><?xml version="1.0" encoding="utf-8"?>
+<file path=ppt/slides/slide19.xml><?xml version="1.0" encoding="utf-8"?>
 <p:sld xmlns:a="http://schemas.openxmlformats.org/drawingml/2006/main" xmlns:r="http://schemas.openxmlformats.org/officeDocument/2006/relationships" xmlns:p="http://schemas.openxmlformats.org/presentationml/2006/main">
   <p:cSld>
     <p:spTree>
@@ -15203,7 +14631,7 @@
         <p:spPr>
           <a:xfrm>
             <a:off x="838200" y="2638576"/>
-            <a:ext cx="10147852" cy="2860576"/>
+            <a:ext cx="10147852" cy="2410685"/>
           </a:xfrm>
           <a:solidFill>
             <a:schemeClr val="accent5">
@@ -15220,7 +14648,7 @@
           <a:p>
             <a:pPr marL="0" indent="0">
               <a:lnSpc>
-                <a:spcPct val="120000"/>
+                <a:spcPct val="100000"/>
               </a:lnSpc>
               <a:buNone/>
             </a:pPr>
@@ -15232,7 +14660,7 @@
           <a:p>
             <a:pPr marL="514350" indent="-514350">
               <a:lnSpc>
-                <a:spcPct val="120000"/>
+                <a:spcPct val="100000"/>
               </a:lnSpc>
               <a:buFont typeface="+mj-lt"/>
               <a:buAutoNum type="arabicPeriod"/>
@@ -15245,7 +14673,7 @@
           <a:p>
             <a:pPr marL="514350" indent="-514350">
               <a:lnSpc>
-                <a:spcPct val="120000"/>
+                <a:spcPct val="100000"/>
               </a:lnSpc>
               <a:buFont typeface="+mj-lt"/>
               <a:buAutoNum type="arabicPeriod"/>
@@ -15258,7 +14686,7 @@
           <a:p>
             <a:pPr marL="514350" indent="-514350">
               <a:lnSpc>
-                <a:spcPct val="120000"/>
+                <a:spcPct val="100000"/>
               </a:lnSpc>
               <a:buFont typeface="+mj-lt"/>
               <a:buAutoNum type="arabicPeriod"/>
@@ -15293,7 +14721,7 @@
           <a:p>
             <a:fld id="{CCF3E294-EB10-834B-8B5B-5C78A6A1F52A}" type="slidenum">
               <a:rPr lang="en-JP"/>
-              <a:t>21</a:t>
+              <a:t>19</a:t>
             </a:fld>
             <a:endParaRPr lang="en-JP"/>
           </a:p>
@@ -15381,7 +14809,183 @@
 </p:sld>
 </file>
 
-<file path=ppt/slides/slide22.xml><?xml version="1.0" encoding="utf-8"?>
+<file path=ppt/slides/slide2.xml><?xml version="1.0" encoding="utf-8"?>
+<p:sld xmlns:a="http://schemas.openxmlformats.org/drawingml/2006/main" xmlns:r="http://schemas.openxmlformats.org/officeDocument/2006/relationships" xmlns:p="http://schemas.openxmlformats.org/presentationml/2006/main">
+  <p:cSld>
+    <p:spTree>
+      <p:nvGrpSpPr>
+        <p:cNvPr id="1" name=""/>
+        <p:cNvGrpSpPr/>
+        <p:nvPr/>
+      </p:nvGrpSpPr>
+      <p:grpSpPr>
+        <a:xfrm>
+          <a:off x="0" y="0"/>
+          <a:ext cx="0" cy="0"/>
+          <a:chOff x="0" y="0"/>
+          <a:chExt cx="0" cy="0"/>
+        </a:xfrm>
+      </p:grpSpPr>
+      <p:sp>
+        <p:nvSpPr>
+          <p:cNvPr id="2" name="Title 1">
+            <a:extLst>
+              <a:ext uri="{FF2B5EF4-FFF2-40B4-BE49-F238E27FC236}">
+                <a16:creationId xmlns:a16="http://schemas.microsoft.com/office/drawing/2014/main" id="{A79B9A0E-02AC-444D-88A9-509D987C3339}"/>
+              </a:ext>
+            </a:extLst>
+          </p:cNvPr>
+          <p:cNvSpPr>
+            <a:spLocks noGrp="1"/>
+          </p:cNvSpPr>
+          <p:nvPr>
+            <p:ph type="title"/>
+          </p:nvPr>
+        </p:nvSpPr>
+        <p:spPr/>
+        <p:txBody>
+          <a:bodyPr/>
+          <a:lstStyle/>
+          <a:p>
+            <a:r>
+              <a:rPr lang="en-JP"/>
+              <a:t>目次</a:t>
+            </a:r>
+          </a:p>
+        </p:txBody>
+      </p:sp>
+      <p:sp>
+        <p:nvSpPr>
+          <p:cNvPr id="3" name="Content Placeholder 2">
+            <a:extLst>
+              <a:ext uri="{FF2B5EF4-FFF2-40B4-BE49-F238E27FC236}">
+                <a16:creationId xmlns:a16="http://schemas.microsoft.com/office/drawing/2014/main" id="{B94F1238-896F-F84C-A1A4-BE8D534EB87B}"/>
+              </a:ext>
+            </a:extLst>
+          </p:cNvPr>
+          <p:cNvSpPr>
+            <a:spLocks noGrp="1"/>
+          </p:cNvSpPr>
+          <p:nvPr>
+            <p:ph idx="1"/>
+          </p:nvPr>
+        </p:nvSpPr>
+        <p:spPr/>
+        <p:txBody>
+          <a:bodyPr>
+            <a:normAutofit/>
+          </a:bodyPr>
+          <a:lstStyle/>
+          <a:p>
+            <a:pPr marL="514350" indent="-514350">
+              <a:lnSpc>
+                <a:spcPct val="150000"/>
+              </a:lnSpc>
+              <a:buFont typeface="+mj-lt"/>
+              <a:buAutoNum type="arabicPeriod"/>
+            </a:pPr>
+            <a:r>
+              <a:rPr lang="en-JP"/>
+              <a:t>研究背景</a:t>
+            </a:r>
+          </a:p>
+          <a:p>
+            <a:pPr marL="514350" indent="-514350">
+              <a:lnSpc>
+                <a:spcPct val="150000"/>
+              </a:lnSpc>
+              <a:buFont typeface="+mj-lt"/>
+              <a:buAutoNum type="arabicPeriod"/>
+            </a:pPr>
+            <a:r>
+              <a:rPr lang="en-JP"/>
+              <a:t>問題定義</a:t>
+            </a:r>
+          </a:p>
+          <a:p>
+            <a:pPr marL="514350" indent="-514350">
+              <a:lnSpc>
+                <a:spcPct val="150000"/>
+              </a:lnSpc>
+              <a:buFont typeface="+mj-lt"/>
+              <a:buAutoNum type="arabicPeriod"/>
+            </a:pPr>
+            <a:r>
+              <a:rPr lang="en-JP"/>
+              <a:t>定式化と提案手法</a:t>
+            </a:r>
+          </a:p>
+          <a:p>
+            <a:pPr marL="514350" indent="-514350">
+              <a:lnSpc>
+                <a:spcPct val="150000"/>
+              </a:lnSpc>
+              <a:buFont typeface="+mj-lt"/>
+              <a:buAutoNum type="arabicPeriod"/>
+            </a:pPr>
+            <a:r>
+              <a:rPr lang="en-JP"/>
+              <a:t>結果</a:t>
+            </a:r>
+          </a:p>
+          <a:p>
+            <a:pPr marL="514350" indent="-514350">
+              <a:lnSpc>
+                <a:spcPct val="150000"/>
+              </a:lnSpc>
+              <a:buFont typeface="+mj-lt"/>
+              <a:buAutoNum type="arabicPeriod"/>
+            </a:pPr>
+            <a:r>
+              <a:rPr lang="en-JP"/>
+              <a:t>まとめ</a:t>
+            </a:r>
+          </a:p>
+        </p:txBody>
+      </p:sp>
+      <p:sp>
+        <p:nvSpPr>
+          <p:cNvPr id="4" name="Slide Number Placeholder 3">
+            <a:extLst>
+              <a:ext uri="{FF2B5EF4-FFF2-40B4-BE49-F238E27FC236}">
+                <a16:creationId xmlns:a16="http://schemas.microsoft.com/office/drawing/2014/main" id="{0E16DC64-D41E-4048-97FE-E8AA7C3BF29B}"/>
+              </a:ext>
+            </a:extLst>
+          </p:cNvPr>
+          <p:cNvSpPr>
+            <a:spLocks noGrp="1"/>
+          </p:cNvSpPr>
+          <p:nvPr>
+            <p:ph type="sldNum" sz="quarter" idx="12"/>
+          </p:nvPr>
+        </p:nvSpPr>
+        <p:spPr/>
+        <p:txBody>
+          <a:bodyPr/>
+          <a:lstStyle/>
+          <a:p>
+            <a:fld id="{CCF3E294-EB10-834B-8B5B-5C78A6A1F52A}" type="slidenum">
+              <a:rPr lang="en-JP"/>
+              <a:t>2</a:t>
+            </a:fld>
+            <a:endParaRPr lang="en-JP"/>
+          </a:p>
+        </p:txBody>
+      </p:sp>
+    </p:spTree>
+    <p:extLst>
+      <p:ext uri="{BB962C8B-B14F-4D97-AF65-F5344CB8AC3E}">
+        <p14:creationId xmlns:p14="http://schemas.microsoft.com/office/powerpoint/2010/main" val="851379105"/>
+      </p:ext>
+    </p:extLst>
+  </p:cSld>
+  <p:clrMapOvr>
+    <a:masterClrMapping/>
+  </p:clrMapOvr>
+</p:sld>
+</file>
+
+<file path=ppt/slides/slide20.xml><?xml version="1.0" encoding="utf-8"?>
 <p:sld xmlns:a="http://schemas.openxmlformats.org/drawingml/2006/main" xmlns:r="http://schemas.openxmlformats.org/officeDocument/2006/relationships" xmlns:p="http://schemas.openxmlformats.org/presentationml/2006/main">
   <p:cSld>
     <p:spTree>
@@ -15499,7 +15103,7 @@
           <a:p>
             <a:fld id="{CCF3E294-EB10-834B-8B5B-5C78A6A1F52A}" type="slidenum">
               <a:rPr lang="en-JP"/>
-              <a:t>22</a:t>
+              <a:t>20</a:t>
             </a:fld>
             <a:endParaRPr lang="en-JP"/>
           </a:p>
@@ -15568,7 +15172,7 @@
         </p:nvSpPr>
         <p:spPr>
           <a:xfrm>
-            <a:off x="779293" y="4347651"/>
+            <a:off x="985122" y="4322756"/>
             <a:ext cx="628613" cy="1071175"/>
           </a:xfrm>
           <a:prstGeom prst="rect">
@@ -15781,7 +15385,7 @@
         </p:nvCxnSpPr>
         <p:spPr>
           <a:xfrm flipV="1">
-            <a:off x="1750642" y="3901195"/>
+            <a:off x="1956471" y="3876300"/>
             <a:ext cx="702354" cy="259280"/>
           </a:xfrm>
           <a:prstGeom prst="straightConnector1">
@@ -15823,7 +15427,7 @@
         </p:nvSpPr>
         <p:spPr>
           <a:xfrm>
-            <a:off x="1132939" y="4446353"/>
+            <a:off x="1338768" y="4421458"/>
             <a:ext cx="238661" cy="247009"/>
           </a:xfrm>
           <a:prstGeom prst="ellipse">
@@ -16070,7 +15674,7 @@
         </p:nvSpPr>
         <p:spPr>
           <a:xfrm>
-            <a:off x="2977154" y="3612423"/>
+            <a:off x="3182983" y="3587528"/>
             <a:ext cx="425852" cy="695405"/>
           </a:xfrm>
           <a:prstGeom prst="rect">
@@ -16122,7 +15726,7 @@
         </p:nvSpPr>
         <p:spPr>
           <a:xfrm rot="5400000">
-            <a:off x="2847876" y="3042535"/>
+            <a:off x="3053705" y="3017640"/>
             <a:ext cx="425852" cy="695405"/>
           </a:xfrm>
           <a:prstGeom prst="rect">
@@ -16182,7 +15786,7 @@
         </p:nvSpPr>
         <p:spPr>
           <a:xfrm rot="10800000">
-            <a:off x="2691367" y="3166381"/>
+            <a:off x="2897196" y="3141486"/>
             <a:ext cx="737056" cy="1141442"/>
           </a:xfrm>
           <a:prstGeom prst="corner">
@@ -16238,7 +15842,7 @@
         </p:nvSpPr>
         <p:spPr>
           <a:xfrm>
-            <a:off x="3179476" y="3685495"/>
+            <a:off x="3385305" y="3660600"/>
             <a:ext cx="180000" cy="180000"/>
           </a:xfrm>
           <a:prstGeom prst="ellipse">
@@ -16394,7 +15998,7 @@
         </p:nvCxnSpPr>
         <p:spPr>
           <a:xfrm>
-            <a:off x="1798859" y="4883238"/>
+            <a:off x="2004688" y="4858343"/>
             <a:ext cx="1738668" cy="0"/>
           </a:xfrm>
           <a:prstGeom prst="straightConnector1">
@@ -16438,7 +16042,7 @@
         </p:nvCxnSpPr>
         <p:spPr>
           <a:xfrm>
-            <a:off x="1750642" y="5663500"/>
+            <a:off x="1956471" y="5638605"/>
             <a:ext cx="702354" cy="267660"/>
           </a:xfrm>
           <a:prstGeom prst="straightConnector1">
@@ -16480,7 +16084,7 @@
         </p:nvSpPr>
         <p:spPr>
           <a:xfrm>
-            <a:off x="3826056" y="4347651"/>
+            <a:off x="4031885" y="4322756"/>
             <a:ext cx="628613" cy="1000204"/>
           </a:xfrm>
           <a:prstGeom prst="rect">
@@ -16533,7 +16137,7 @@
         </p:nvSpPr>
         <p:spPr>
           <a:xfrm>
-            <a:off x="3892548" y="4489690"/>
+            <a:off x="4098377" y="4464795"/>
             <a:ext cx="448543" cy="742212"/>
           </a:xfrm>
           <a:prstGeom prst="rect">
@@ -16585,7 +16189,7 @@
         </p:nvSpPr>
         <p:spPr>
           <a:xfrm>
-            <a:off x="4154000" y="4567181"/>
+            <a:off x="4359829" y="4542286"/>
             <a:ext cx="178891" cy="181865"/>
           </a:xfrm>
           <a:prstGeom prst="ellipse">
@@ -16694,7 +16298,7 @@
         </p:nvSpPr>
         <p:spPr>
           <a:xfrm>
-            <a:off x="2686735" y="5790092"/>
+            <a:off x="2892564" y="5765197"/>
             <a:ext cx="474907" cy="753188"/>
           </a:xfrm>
           <a:prstGeom prst="rect">
@@ -16746,7 +16350,7 @@
         </p:nvSpPr>
         <p:spPr>
           <a:xfrm>
-            <a:off x="2946920" y="5877949"/>
+            <a:off x="3152749" y="5853054"/>
             <a:ext cx="178891" cy="181865"/>
           </a:xfrm>
           <a:prstGeom prst="ellipse">
@@ -16795,7 +16399,7 @@
         </p:nvSpPr>
         <p:spPr>
           <a:xfrm>
-            <a:off x="2686736" y="5790093"/>
+            <a:off x="2892565" y="5765198"/>
             <a:ext cx="672740" cy="753188"/>
           </a:xfrm>
           <a:prstGeom prst="rect">
@@ -16848,7 +16452,7 @@
         </p:nvSpPr>
         <p:spPr>
           <a:xfrm>
-            <a:off x="1836446" y="3590829"/>
+            <a:off x="2042275" y="3565934"/>
             <a:ext cx="403761" cy="369332"/>
           </a:xfrm>
           <a:prstGeom prst="rect">
@@ -16883,7 +16487,7 @@
         </p:nvSpPr>
         <p:spPr>
           <a:xfrm>
-            <a:off x="2430740" y="4522271"/>
+            <a:off x="2636569" y="4497376"/>
             <a:ext cx="474906" cy="369332"/>
           </a:xfrm>
           <a:prstGeom prst="rect">
@@ -16918,7 +16522,7 @@
         </p:nvSpPr>
         <p:spPr>
           <a:xfrm>
-            <a:off x="1765701" y="5852101"/>
+            <a:off x="1971530" y="5827206"/>
             <a:ext cx="536110" cy="369332"/>
           </a:xfrm>
           <a:prstGeom prst="rect">
@@ -17368,7 +16972,7 @@
 </p:sld>
 </file>
 
-<file path=ppt/slides/slide23.xml><?xml version="1.0" encoding="utf-8"?>
+<file path=ppt/slides/slide21.xml><?xml version="1.0" encoding="utf-8"?>
 <p:sld xmlns:a="http://schemas.openxmlformats.org/drawingml/2006/main" xmlns:r="http://schemas.openxmlformats.org/officeDocument/2006/relationships" xmlns:p="http://schemas.openxmlformats.org/presentationml/2006/main">
   <p:cSld>
     <p:spTree>
@@ -17421,7 +17025,7 @@
             </a:pPr>
             <a:r>
               <a:rPr lang="en-JP"/>
-              <a:t>目的関数の設定は行わず, 以下の2種類の構築を行う.</a:t>
+              <a:t>以下の2種類の構築を行う.</a:t>
             </a:r>
           </a:p>
         </p:txBody>
@@ -17529,7 +17133,7 @@
           <a:p>
             <a:fld id="{CCF3E294-EB10-834B-8B5B-5C78A6A1F52A}" type="slidenum">
               <a:rPr lang="en-JP"/>
-              <a:t>23</a:t>
+              <a:t>21</a:t>
             </a:fld>
             <a:endParaRPr lang="en-JP"/>
           </a:p>
@@ -17654,7 +17258,7 @@
 </p:sld>
 </file>
 
-<file path=ppt/slides/slide24.xml><?xml version="1.0" encoding="utf-8"?>
+<file path=ppt/slides/slide22.xml><?xml version="1.0" encoding="utf-8"?>
 <p:sld xmlns:a="http://schemas.openxmlformats.org/drawingml/2006/main" xmlns:r="http://schemas.openxmlformats.org/officeDocument/2006/relationships" xmlns:p="http://schemas.openxmlformats.org/presentationml/2006/main">
   <p:cSld>
     <p:spTree>
@@ -17735,7 +17339,7 @@
           <a:p>
             <a:fld id="{CCF3E294-EB10-834B-8B5B-5C78A6A1F52A}" type="slidenum">
               <a:rPr lang="en-JP"/>
-              <a:t>24</a:t>
+              <a:t>22</a:t>
             </a:fld>
             <a:endParaRPr lang="en-JP"/>
           </a:p>
@@ -19005,7 +18609,7 @@
 </p:sld>
 </file>
 
-<file path=ppt/slides/slide25.xml><?xml version="1.0" encoding="utf-8"?>
+<file path=ppt/slides/slide23.xml><?xml version="1.0" encoding="utf-8"?>
 <p:sld xmlns:a="http://schemas.openxmlformats.org/drawingml/2006/main" xmlns:r="http://schemas.openxmlformats.org/officeDocument/2006/relationships" xmlns:p="http://schemas.openxmlformats.org/presentationml/2006/main">
   <p:cSld>
     <p:spTree>
@@ -19167,7 +18771,7 @@
           <a:p>
             <a:fld id="{CCF3E294-EB10-834B-8B5B-5C78A6A1F52A}" type="slidenum">
               <a:rPr lang="en-JP"/>
-              <a:t>25</a:t>
+              <a:t>23</a:t>
             </a:fld>
             <a:endParaRPr lang="en-JP"/>
           </a:p>
@@ -19186,7 +18790,7 @@
 </p:sld>
 </file>
 
-<file path=ppt/slides/slide26.xml><?xml version="1.0" encoding="utf-8"?>
+<file path=ppt/slides/slide24.xml><?xml version="1.0" encoding="utf-8"?>
 <p:sld xmlns:a="http://schemas.openxmlformats.org/drawingml/2006/main" xmlns:r="http://schemas.openxmlformats.org/officeDocument/2006/relationships" xmlns:p="http://schemas.openxmlformats.org/presentationml/2006/main">
   <p:cSld>
     <p:spTree>
@@ -19398,7 +19002,7 @@
           <a:p>
             <a:fld id="{CCF3E294-EB10-834B-8B5B-5C78A6A1F52A}" type="slidenum">
               <a:rPr lang="en-JP"/>
-              <a:t>26</a:t>
+              <a:t>24</a:t>
             </a:fld>
             <a:endParaRPr lang="en-JP"/>
           </a:p>
@@ -19417,7 +19021,7 @@
 </p:sld>
 </file>
 
-<file path=ppt/slides/slide27.xml><?xml version="1.0" encoding="utf-8"?>
+<file path=ppt/slides/slide25.xml><?xml version="1.0" encoding="utf-8"?>
 <p:sld xmlns:a="http://schemas.openxmlformats.org/drawingml/2006/main" xmlns:r="http://schemas.openxmlformats.org/officeDocument/2006/relationships" xmlns:p="http://schemas.openxmlformats.org/presentationml/2006/main">
   <p:cSld>
     <p:spTree>
@@ -19490,7 +19094,7 @@
           <a:p>
             <a:fld id="{CCF3E294-EB10-834B-8B5B-5C78A6A1F52A}" type="slidenum">
               <a:rPr lang="en-JP"/>
-              <a:t>27</a:t>
+              <a:t>25</a:t>
             </a:fld>
             <a:endParaRPr lang="en-JP"/>
           </a:p>
@@ -23171,7 +22775,7 @@
 </p:sld>
 </file>
 
-<file path=ppt/slides/slide28.xml><?xml version="1.0" encoding="utf-8"?>
+<file path=ppt/slides/slide26.xml><?xml version="1.0" encoding="utf-8"?>
 <p:sld xmlns:a="http://schemas.openxmlformats.org/drawingml/2006/main" xmlns:r="http://schemas.openxmlformats.org/officeDocument/2006/relationships" xmlns:p="http://schemas.openxmlformats.org/presentationml/2006/main">
   <p:cSld>
     <p:spTree>
@@ -23239,7 +22843,7 @@
           <a:p>
             <a:fld id="{CCF3E294-EB10-834B-8B5B-5C78A6A1F52A}" type="slidenum">
               <a:rPr lang="en-JP"/>
-              <a:t>28</a:t>
+              <a:t>26</a:t>
             </a:fld>
             <a:endParaRPr lang="en-JP"/>
           </a:p>
@@ -23505,7 +23109,7 @@
 </p:sld>
 </file>
 
-<file path=ppt/slides/slide29.xml><?xml version="1.0" encoding="utf-8"?>
+<file path=ppt/slides/slide27.xml><?xml version="1.0" encoding="utf-8"?>
 <p:sld xmlns:a="http://schemas.openxmlformats.org/drawingml/2006/main" xmlns:r="http://schemas.openxmlformats.org/officeDocument/2006/relationships" xmlns:p="http://schemas.openxmlformats.org/presentationml/2006/main">
   <p:cSld>
     <p:spTree>
@@ -23667,7 +23271,7 @@
           <a:p>
             <a:fld id="{CCF3E294-EB10-834B-8B5B-5C78A6A1F52A}" type="slidenum">
               <a:rPr lang="en-JP"/>
-              <a:t>29</a:t>
+              <a:t>27</a:t>
             </a:fld>
             <a:endParaRPr lang="en-JP"/>
           </a:p>
@@ -23677,6 +23281,214 @@
     <p:extLst>
       <p:ext uri="{BB962C8B-B14F-4D97-AF65-F5344CB8AC3E}">
         <p14:creationId xmlns:p14="http://schemas.microsoft.com/office/powerpoint/2010/main" val="3566808578"/>
+      </p:ext>
+    </p:extLst>
+  </p:cSld>
+  <p:clrMapOvr>
+    <a:masterClrMapping/>
+  </p:clrMapOvr>
+</p:sld>
+</file>
+
+<file path=ppt/slides/slide28.xml><?xml version="1.0" encoding="utf-8"?>
+<p:sld xmlns:a="http://schemas.openxmlformats.org/drawingml/2006/main" xmlns:r="http://schemas.openxmlformats.org/officeDocument/2006/relationships" xmlns:p="http://schemas.openxmlformats.org/presentationml/2006/main">
+  <p:cSld>
+    <p:spTree>
+      <p:nvGrpSpPr>
+        <p:cNvPr id="1" name=""/>
+        <p:cNvGrpSpPr/>
+        <p:nvPr/>
+      </p:nvGrpSpPr>
+      <p:grpSpPr>
+        <a:xfrm>
+          <a:off x="0" y="0"/>
+          <a:ext cx="0" cy="0"/>
+          <a:chOff x="0" y="0"/>
+          <a:chExt cx="0" cy="0"/>
+        </a:xfrm>
+      </p:grpSpPr>
+      <p:sp>
+        <p:nvSpPr>
+          <p:cNvPr id="2" name="Title 1">
+            <a:extLst>
+              <a:ext uri="{FF2B5EF4-FFF2-40B4-BE49-F238E27FC236}">
+                <a16:creationId xmlns:a16="http://schemas.microsoft.com/office/drawing/2014/main" id="{30122BFE-C63A-064F-9F9C-E6065EE7367E}"/>
+              </a:ext>
+            </a:extLst>
+          </p:cNvPr>
+          <p:cNvSpPr>
+            <a:spLocks noGrp="1"/>
+          </p:cNvSpPr>
+          <p:nvPr>
+            <p:ph type="title"/>
+          </p:nvPr>
+        </p:nvSpPr>
+        <p:spPr>
+          <a:xfrm>
+            <a:off x="838200" y="9410"/>
+            <a:ext cx="10515600" cy="1325563"/>
+          </a:xfrm>
+        </p:spPr>
+        <p:txBody>
+          <a:bodyPr/>
+          <a:lstStyle/>
+          <a:p>
+            <a:r>
+              <a:rPr lang="en-JP"/>
+              <a:t>5．まとめと今後の課題</a:t>
+            </a:r>
+          </a:p>
+        </p:txBody>
+      </p:sp>
+      <p:sp>
+        <p:nvSpPr>
+          <p:cNvPr id="3" name="Content Placeholder 2">
+            <a:extLst>
+              <a:ext uri="{FF2B5EF4-FFF2-40B4-BE49-F238E27FC236}">
+                <a16:creationId xmlns:a16="http://schemas.microsoft.com/office/drawing/2014/main" id="{2B3BFA5E-C3CC-464B-8406-966DB6342EF6}"/>
+              </a:ext>
+            </a:extLst>
+          </p:cNvPr>
+          <p:cNvSpPr>
+            <a:spLocks noGrp="1"/>
+          </p:cNvSpPr>
+          <p:nvPr>
+            <p:ph idx="1"/>
+          </p:nvPr>
+        </p:nvSpPr>
+        <p:spPr>
+          <a:xfrm>
+            <a:off x="838200" y="1334973"/>
+            <a:ext cx="10393218" cy="5021377"/>
+          </a:xfrm>
+        </p:spPr>
+        <p:txBody>
+          <a:bodyPr>
+            <a:noAutofit/>
+          </a:bodyPr>
+          <a:lstStyle/>
+          <a:p>
+            <a:pPr marL="0" indent="0">
+              <a:lnSpc>
+                <a:spcPct val="150000"/>
+              </a:lnSpc>
+              <a:buNone/>
+            </a:pPr>
+            <a:r>
+              <a:rPr lang="en-JP"/>
+              <a:t>まとめ</a:t>
+            </a:r>
+          </a:p>
+          <a:p>
+            <a:pPr lvl="1">
+              <a:lnSpc>
+                <a:spcPct val="100000"/>
+              </a:lnSpc>
+            </a:pPr>
+            <a:r>
+              <a:rPr lang="en-JP"/>
+              <a:t>車両配置計画問題に対して2段階の構築法を提案した．</a:t>
+            </a:r>
+          </a:p>
+          <a:p>
+            <a:pPr lvl="1">
+              <a:lnSpc>
+                <a:spcPct val="100000"/>
+              </a:lnSpc>
+            </a:pPr>
+            <a:r>
+              <a:rPr lang="en-JP"/>
+              <a:t>sequence-pairを用いた可変形状長方形のパッキングと，2パターンの構築法で搬入搬出経路と駐車時の局所的スペースを確保した．</a:t>
+            </a:r>
+          </a:p>
+          <a:p>
+            <a:pPr lvl="1">
+              <a:lnSpc>
+                <a:spcPct val="100000"/>
+              </a:lnSpc>
+            </a:pPr>
+            <a:r>
+              <a:rPr lang="en-JP"/>
+              <a:t>局所探索を用いた結果，多くの問題例で初期構築では積み込めなかった車をさらに詰め込むことができた．</a:t>
+            </a:r>
+          </a:p>
+          <a:p>
+            <a:pPr lvl="1">
+              <a:lnSpc>
+                <a:spcPct val="100000"/>
+              </a:lnSpc>
+            </a:pPr>
+            <a:endParaRPr lang="en-JP"/>
+          </a:p>
+          <a:p>
+            <a:pPr marL="0" indent="0">
+              <a:lnSpc>
+                <a:spcPct val="100000"/>
+              </a:lnSpc>
+              <a:buNone/>
+            </a:pPr>
+            <a:r>
+              <a:rPr lang="en-JP"/>
+              <a:t>今後の課題</a:t>
+            </a:r>
+          </a:p>
+          <a:p>
+            <a:pPr lvl="1">
+              <a:lnSpc>
+                <a:spcPct val="100000"/>
+              </a:lnSpc>
+            </a:pPr>
+            <a:r>
+              <a:rPr lang="en-JP"/>
+              <a:t>配置図を現実のものに寄せていきたい．</a:t>
+            </a:r>
+          </a:p>
+          <a:p>
+            <a:pPr lvl="1">
+              <a:lnSpc>
+                <a:spcPct val="100000"/>
+              </a:lnSpc>
+            </a:pPr>
+            <a:r>
+              <a:rPr lang="en-JP"/>
+              <a:t>縦列駐車など駐車パターンを増やしていきたい．</a:t>
+            </a:r>
+          </a:p>
+        </p:txBody>
+      </p:sp>
+      <p:sp>
+        <p:nvSpPr>
+          <p:cNvPr id="4" name="Slide Number Placeholder 3">
+            <a:extLst>
+              <a:ext uri="{FF2B5EF4-FFF2-40B4-BE49-F238E27FC236}">
+                <a16:creationId xmlns:a16="http://schemas.microsoft.com/office/drawing/2014/main" id="{A3842A8C-6AC8-5E41-9EBC-A7D25862598A}"/>
+              </a:ext>
+            </a:extLst>
+          </p:cNvPr>
+          <p:cNvSpPr>
+            <a:spLocks noGrp="1"/>
+          </p:cNvSpPr>
+          <p:nvPr>
+            <p:ph type="sldNum" sz="quarter" idx="12"/>
+          </p:nvPr>
+        </p:nvSpPr>
+        <p:spPr/>
+        <p:txBody>
+          <a:bodyPr/>
+          <a:lstStyle/>
+          <a:p>
+            <a:fld id="{CCF3E294-EB10-834B-8B5B-5C78A6A1F52A}" type="slidenum">
+              <a:rPr lang="en-JP"/>
+              <a:t>28</a:t>
+            </a:fld>
+            <a:endParaRPr lang="en-JP"/>
+          </a:p>
+        </p:txBody>
+      </p:sp>
+    </p:spTree>
+    <p:extLst>
+      <p:ext uri="{BB962C8B-B14F-4D97-AF65-F5344CB8AC3E}">
+        <p14:creationId xmlns:p14="http://schemas.microsoft.com/office/powerpoint/2010/main" val="650079960"/>
       </p:ext>
     </p:extLst>
   </p:cSld>
@@ -23842,8 +23654,8 @@
         </p:blipFill>
         <p:spPr bwMode="auto">
           <a:xfrm>
-            <a:off x="2757653" y="3597911"/>
-            <a:ext cx="6477218" cy="2478849"/>
+            <a:off x="838200" y="3683208"/>
+            <a:ext cx="5328014" cy="2039045"/>
           </a:xfrm>
           <a:prstGeom prst="rect">
             <a:avLst/>
@@ -23874,7 +23686,7 @@
         </p:nvSpPr>
         <p:spPr>
           <a:xfrm>
-            <a:off x="3786362" y="6169580"/>
+            <a:off x="4191955" y="6123543"/>
             <a:ext cx="3948517" cy="369332"/>
           </a:xfrm>
           <a:prstGeom prst="rect">
@@ -23895,218 +23707,57 @@
           </a:p>
         </p:txBody>
       </p:sp>
+      <p:pic>
+        <p:nvPicPr>
+          <p:cNvPr id="7" name="Picture 2" descr="クルマはどうやって海を渡るのか？ 「自動車専用貨物船」のひみつ | GetNavi web ゲットナビ">
+            <a:extLst>
+              <a:ext uri="{FF2B5EF4-FFF2-40B4-BE49-F238E27FC236}">
+                <a16:creationId xmlns:a16="http://schemas.microsoft.com/office/drawing/2014/main" id="{D381AC40-B2D9-0149-9925-AAB91ADBBAF8}"/>
+              </a:ext>
+            </a:extLst>
+          </p:cNvPr>
+          <p:cNvPicPr>
+            <a:picLocks noChangeAspect="1" noChangeArrowheads="1"/>
+          </p:cNvPicPr>
+          <p:nvPr/>
+        </p:nvPicPr>
+        <p:blipFill>
+          <a:blip r:embed="rId3">
+            <a:extLst>
+              <a:ext uri="{28A0092B-C50C-407E-A947-70E740481C1C}">
+                <a14:useLocalDpi xmlns:a14="http://schemas.microsoft.com/office/drawing/2010/main" val="0"/>
+              </a:ext>
+            </a:extLst>
+          </a:blip>
+          <a:srcRect/>
+          <a:stretch>
+            <a:fillRect/>
+          </a:stretch>
+        </p:blipFill>
+        <p:spPr bwMode="auto">
+          <a:xfrm>
+            <a:off x="7062471" y="3681268"/>
+            <a:ext cx="3647862" cy="2051921"/>
+          </a:xfrm>
+          <a:prstGeom prst="rect">
+            <a:avLst/>
+          </a:prstGeom>
+          <a:noFill/>
+          <a:extLst>
+            <a:ext uri="{909E8E84-426E-40DD-AFC4-6F175D3DCCD1}">
+              <a14:hiddenFill xmlns:a14="http://schemas.microsoft.com/office/drawing/2010/main">
+                <a:solidFill>
+                  <a:srgbClr val="FFFFFF"/>
+                </a:solidFill>
+              </a14:hiddenFill>
+            </a:ext>
+          </a:extLst>
+        </p:spPr>
+      </p:pic>
     </p:spTree>
     <p:extLst>
       <p:ext uri="{BB962C8B-B14F-4D97-AF65-F5344CB8AC3E}">
         <p14:creationId xmlns:p14="http://schemas.microsoft.com/office/powerpoint/2010/main" val="3066514308"/>
-      </p:ext>
-    </p:extLst>
-  </p:cSld>
-  <p:clrMapOvr>
-    <a:masterClrMapping/>
-  </p:clrMapOvr>
-</p:sld>
-</file>
-
-<file path=ppt/slides/slide30.xml><?xml version="1.0" encoding="utf-8"?>
-<p:sld xmlns:a="http://schemas.openxmlformats.org/drawingml/2006/main" xmlns:r="http://schemas.openxmlformats.org/officeDocument/2006/relationships" xmlns:p="http://schemas.openxmlformats.org/presentationml/2006/main">
-  <p:cSld>
-    <p:spTree>
-      <p:nvGrpSpPr>
-        <p:cNvPr id="1" name=""/>
-        <p:cNvGrpSpPr/>
-        <p:nvPr/>
-      </p:nvGrpSpPr>
-      <p:grpSpPr>
-        <a:xfrm>
-          <a:off x="0" y="0"/>
-          <a:ext cx="0" cy="0"/>
-          <a:chOff x="0" y="0"/>
-          <a:chExt cx="0" cy="0"/>
-        </a:xfrm>
-      </p:grpSpPr>
-      <p:sp>
-        <p:nvSpPr>
-          <p:cNvPr id="2" name="Title 1">
-            <a:extLst>
-              <a:ext uri="{FF2B5EF4-FFF2-40B4-BE49-F238E27FC236}">
-                <a16:creationId xmlns:a16="http://schemas.microsoft.com/office/drawing/2014/main" id="{30122BFE-C63A-064F-9F9C-E6065EE7367E}"/>
-              </a:ext>
-            </a:extLst>
-          </p:cNvPr>
-          <p:cNvSpPr>
-            <a:spLocks noGrp="1"/>
-          </p:cNvSpPr>
-          <p:nvPr>
-            <p:ph type="title"/>
-          </p:nvPr>
-        </p:nvSpPr>
-        <p:spPr>
-          <a:xfrm>
-            <a:off x="838200" y="9410"/>
-            <a:ext cx="10515600" cy="1325563"/>
-          </a:xfrm>
-        </p:spPr>
-        <p:txBody>
-          <a:bodyPr/>
-          <a:lstStyle/>
-          <a:p>
-            <a:r>
-              <a:rPr lang="en-JP"/>
-              <a:t>5．まとめと今後の課題</a:t>
-            </a:r>
-          </a:p>
-        </p:txBody>
-      </p:sp>
-      <p:sp>
-        <p:nvSpPr>
-          <p:cNvPr id="3" name="Content Placeholder 2">
-            <a:extLst>
-              <a:ext uri="{FF2B5EF4-FFF2-40B4-BE49-F238E27FC236}">
-                <a16:creationId xmlns:a16="http://schemas.microsoft.com/office/drawing/2014/main" id="{2B3BFA5E-C3CC-464B-8406-966DB6342EF6}"/>
-              </a:ext>
-            </a:extLst>
-          </p:cNvPr>
-          <p:cNvSpPr>
-            <a:spLocks noGrp="1"/>
-          </p:cNvSpPr>
-          <p:nvPr>
-            <p:ph idx="1"/>
-          </p:nvPr>
-        </p:nvSpPr>
-        <p:spPr>
-          <a:xfrm>
-            <a:off x="838200" y="1334973"/>
-            <a:ext cx="10393218" cy="5021377"/>
-          </a:xfrm>
-        </p:spPr>
-        <p:txBody>
-          <a:bodyPr>
-            <a:noAutofit/>
-          </a:bodyPr>
-          <a:lstStyle/>
-          <a:p>
-            <a:pPr marL="0" indent="0">
-              <a:lnSpc>
-                <a:spcPct val="150000"/>
-              </a:lnSpc>
-              <a:buNone/>
-            </a:pPr>
-            <a:r>
-              <a:rPr lang="en-JP"/>
-              <a:t>まとめ</a:t>
-            </a:r>
-          </a:p>
-          <a:p>
-            <a:pPr lvl="1">
-              <a:lnSpc>
-                <a:spcPct val="100000"/>
-              </a:lnSpc>
-            </a:pPr>
-            <a:r>
-              <a:rPr lang="en-JP"/>
-              <a:t>車両配置計画問題に対して2段階の構築法を提案した．</a:t>
-            </a:r>
-          </a:p>
-          <a:p>
-            <a:pPr lvl="1">
-              <a:lnSpc>
-                <a:spcPct val="100000"/>
-              </a:lnSpc>
-            </a:pPr>
-            <a:r>
-              <a:rPr lang="en-JP"/>
-              <a:t>sequence-pairを用いた可変形状長方形のパッキングと，2パターンの構築法で搬入搬出経路と駐車時の局所的スペースを確保した．</a:t>
-            </a:r>
-          </a:p>
-          <a:p>
-            <a:pPr lvl="1">
-              <a:lnSpc>
-                <a:spcPct val="100000"/>
-              </a:lnSpc>
-            </a:pPr>
-            <a:r>
-              <a:rPr lang="en-JP"/>
-              <a:t>局所探索を用いた結果，多くの問題例で初期構築では積み込めなかった車をさらに詰め込むことができた．</a:t>
-            </a:r>
-          </a:p>
-          <a:p>
-            <a:pPr lvl="1">
-              <a:lnSpc>
-                <a:spcPct val="100000"/>
-              </a:lnSpc>
-            </a:pPr>
-            <a:endParaRPr lang="en-JP"/>
-          </a:p>
-          <a:p>
-            <a:pPr marL="0" indent="0">
-              <a:lnSpc>
-                <a:spcPct val="100000"/>
-              </a:lnSpc>
-              <a:buNone/>
-            </a:pPr>
-            <a:r>
-              <a:rPr lang="en-JP"/>
-              <a:t>今後の課題</a:t>
-            </a:r>
-          </a:p>
-          <a:p>
-            <a:pPr lvl="1">
-              <a:lnSpc>
-                <a:spcPct val="100000"/>
-              </a:lnSpc>
-            </a:pPr>
-            <a:r>
-              <a:rPr lang="en-JP"/>
-              <a:t>配置図を現実のものに寄せていきたい．</a:t>
-            </a:r>
-          </a:p>
-          <a:p>
-            <a:pPr lvl="1">
-              <a:lnSpc>
-                <a:spcPct val="100000"/>
-              </a:lnSpc>
-            </a:pPr>
-            <a:r>
-              <a:rPr lang="en-JP"/>
-              <a:t>縦列駐車など駐車パターンを増やしていきたい．</a:t>
-            </a:r>
-          </a:p>
-        </p:txBody>
-      </p:sp>
-      <p:sp>
-        <p:nvSpPr>
-          <p:cNvPr id="4" name="Slide Number Placeholder 3">
-            <a:extLst>
-              <a:ext uri="{FF2B5EF4-FFF2-40B4-BE49-F238E27FC236}">
-                <a16:creationId xmlns:a16="http://schemas.microsoft.com/office/drawing/2014/main" id="{A3842A8C-6AC8-5E41-9EBC-A7D25862598A}"/>
-              </a:ext>
-            </a:extLst>
-          </p:cNvPr>
-          <p:cNvSpPr>
-            <a:spLocks noGrp="1"/>
-          </p:cNvSpPr>
-          <p:nvPr>
-            <p:ph type="sldNum" sz="quarter" idx="12"/>
-          </p:nvPr>
-        </p:nvSpPr>
-        <p:spPr/>
-        <p:txBody>
-          <a:bodyPr/>
-          <a:lstStyle/>
-          <a:p>
-            <a:fld id="{CCF3E294-EB10-834B-8B5B-5C78A6A1F52A}" type="slidenum">
-              <a:rPr lang="en-JP"/>
-              <a:t>30</a:t>
-            </a:fld>
-            <a:endParaRPr lang="en-JP"/>
-          </a:p>
-        </p:txBody>
-      </p:sp>
-    </p:spTree>
-    <p:extLst>
-      <p:ext uri="{BB962C8B-B14F-4D97-AF65-F5344CB8AC3E}">
-        <p14:creationId xmlns:p14="http://schemas.microsoft.com/office/powerpoint/2010/main" val="650079960"/>
       </p:ext>
     </p:extLst>
   </p:cSld>
@@ -24735,7 +24386,7 @@
           <p:cNvPr id="2" name="Title 1">
             <a:extLst>
               <a:ext uri="{FF2B5EF4-FFF2-40B4-BE49-F238E27FC236}">
-                <a16:creationId xmlns:a16="http://schemas.microsoft.com/office/drawing/2014/main" id="{A14963B4-9D12-0B46-BD6C-1C70538FF270}"/>
+                <a16:creationId xmlns:a16="http://schemas.microsoft.com/office/drawing/2014/main" id="{CEF6F4C6-E69D-3C4B-854C-099D5880FAC7}"/>
               </a:ext>
             </a:extLst>
           </p:cNvPr>
@@ -24746,14 +24397,19 @@
             <p:ph type="title"/>
           </p:nvPr>
         </p:nvSpPr>
-        <p:spPr/>
+        <p:spPr>
+          <a:xfrm>
+            <a:off x="897467" y="374259"/>
+            <a:ext cx="10515600" cy="1325563"/>
+          </a:xfrm>
+        </p:spPr>
         <p:txBody>
           <a:bodyPr/>
           <a:lstStyle/>
           <a:p>
             <a:r>
               <a:rPr lang="en-JP"/>
-              <a:t>2．問題定義</a:t>
+              <a:t>入力情報</a:t>
             </a:r>
           </a:p>
         </p:txBody>
@@ -24763,7 +24419,7 @@
           <p:cNvPr id="3" name="Content Placeholder 2">
             <a:extLst>
               <a:ext uri="{FF2B5EF4-FFF2-40B4-BE49-F238E27FC236}">
-                <a16:creationId xmlns:a16="http://schemas.microsoft.com/office/drawing/2014/main" id="{8619B457-5057-2544-9D12-20BC8D5836B3}"/>
+                <a16:creationId xmlns:a16="http://schemas.microsoft.com/office/drawing/2014/main" id="{6FF37CFA-A1E3-724D-A7B0-671B048AAAA0}"/>
               </a:ext>
             </a:extLst>
           </p:cNvPr>
@@ -24776,36 +24432,46 @@
         </p:nvSpPr>
         <p:spPr>
           <a:xfrm>
-            <a:off x="838200" y="1689894"/>
-            <a:ext cx="10515600" cy="1454293"/>
+            <a:off x="884190" y="1938813"/>
+            <a:ext cx="3488263" cy="1968169"/>
           </a:xfrm>
         </p:spPr>
         <p:txBody>
           <a:bodyPr>
-            <a:noAutofit/>
+            <a:normAutofit/>
           </a:bodyPr>
           <a:lstStyle/>
           <a:p>
-            <a:pPr>
+            <a:pPr marL="0" indent="0">
               <a:lnSpc>
                 <a:spcPct val="100000"/>
               </a:lnSpc>
+              <a:buNone/>
             </a:pPr>
             <a:r>
               <a:rPr lang="en-JP"/>
-              <a:t>自動車運搬船の内部は，巨大な立体駐車場のような構造</a:t>
-            </a:r>
-          </a:p>
-          <a:p>
-            <a:pPr>
-              <a:lnSpc>
-                <a:spcPct val="100000"/>
-              </a:lnSpc>
+              <a:t>1．車体情報</a:t>
+            </a:r>
+          </a:p>
+          <a:p>
+            <a:pPr lvl="1"/>
+            <a:r>
+              <a:rPr lang="en-JP"/>
+              <a:t>大きさ</a:t>
+            </a:r>
+          </a:p>
+          <a:p>
+            <a:pPr lvl="1"/>
+            <a:r>
+              <a:rPr lang="en-JP"/>
+              <a:t>積み下ろし港</a:t>
+            </a:r>
+          </a:p>
+          <a:p>
+            <a:pPr marL="457200" lvl="1" indent="0">
+              <a:buNone/>
             </a:pPr>
-            <a:r>
-              <a:rPr lang="en-JP"/>
-              <a:t>貨物 (車)は自走で積載位置まで移動 ．</a:t>
-            </a:r>
+            <a:endParaRPr lang="en-JP"/>
           </a:p>
         </p:txBody>
       </p:sp>
@@ -24814,7 +24480,7 @@
           <p:cNvPr id="4" name="Slide Number Placeholder 3">
             <a:extLst>
               <a:ext uri="{FF2B5EF4-FFF2-40B4-BE49-F238E27FC236}">
-                <a16:creationId xmlns:a16="http://schemas.microsoft.com/office/drawing/2014/main" id="{E721B1E1-B1B0-0647-87F7-801C6118457B}"/>
+                <a16:creationId xmlns:a16="http://schemas.microsoft.com/office/drawing/2014/main" id="{FBC9C3F7-F203-1D4B-94F0-CC5F2C48F9EA}"/>
               </a:ext>
             </a:extLst>
           </p:cNvPr>
@@ -24838,59 +24504,12 @@
           </a:p>
         </p:txBody>
       </p:sp>
-      <p:pic>
-        <p:nvPicPr>
-          <p:cNvPr id="1026" name="Picture 2" descr="クルマはどうやって海を渡るのか？ 「自動車専用貨物船」のひみつ | GetNavi web ゲットナビ">
+      <p:sp>
+        <p:nvSpPr>
+          <p:cNvPr id="6" name="TextBox 5">
             <a:extLst>
               <a:ext uri="{FF2B5EF4-FFF2-40B4-BE49-F238E27FC236}">
-                <a16:creationId xmlns:a16="http://schemas.microsoft.com/office/drawing/2014/main" id="{ED86F560-D202-E84E-8940-FDFAB088B6FC}"/>
-              </a:ext>
-            </a:extLst>
-          </p:cNvPr>
-          <p:cNvPicPr>
-            <a:picLocks noChangeAspect="1" noChangeArrowheads="1"/>
-          </p:cNvPicPr>
-          <p:nvPr/>
-        </p:nvPicPr>
-        <p:blipFill>
-          <a:blip r:embed="rId2">
-            <a:extLst>
-              <a:ext uri="{28A0092B-C50C-407E-A947-70E740481C1C}">
-                <a14:useLocalDpi xmlns:a14="http://schemas.microsoft.com/office/drawing/2010/main" val="0"/>
-              </a:ext>
-            </a:extLst>
-          </a:blip>
-          <a:srcRect/>
-          <a:stretch>
-            <a:fillRect/>
-          </a:stretch>
-        </p:blipFill>
-        <p:spPr bwMode="auto">
-          <a:xfrm>
-            <a:off x="3260936" y="3144187"/>
-            <a:ext cx="4833752" cy="2718985"/>
-          </a:xfrm>
-          <a:prstGeom prst="rect">
-            <a:avLst/>
-          </a:prstGeom>
-          <a:noFill/>
-          <a:extLst>
-            <a:ext uri="{909E8E84-426E-40DD-AFC4-6F175D3DCCD1}">
-              <a14:hiddenFill xmlns:a14="http://schemas.microsoft.com/office/drawing/2010/main">
-                <a:solidFill>
-                  <a:srgbClr val="FFFFFF"/>
-                </a:solidFill>
-              </a14:hiddenFill>
-            </a:ext>
-          </a:extLst>
-        </p:spPr>
-      </p:pic>
-      <p:sp>
-        <p:nvSpPr>
-          <p:cNvPr id="14" name="TextBox 13">
-            <a:extLst>
-              <a:ext uri="{FF2B5EF4-FFF2-40B4-BE49-F238E27FC236}">
-                <a16:creationId xmlns:a16="http://schemas.microsoft.com/office/drawing/2014/main" id="{C313036A-22D6-6F47-9DA4-48AE0D98EA97}"/>
+                <a16:creationId xmlns:a16="http://schemas.microsoft.com/office/drawing/2014/main" id="{C834C54B-390B-2041-B8D1-028F81666BD4}"/>
               </a:ext>
             </a:extLst>
           </p:cNvPr>
@@ -24899,8 +24518,854 @@
         </p:nvSpPr>
         <p:spPr>
           <a:xfrm>
-            <a:off x="4143382" y="6230061"/>
-            <a:ext cx="3486852" cy="369332"/>
+            <a:off x="4385730" y="4294342"/>
+            <a:ext cx="7117494" cy="369332"/>
+          </a:xfrm>
+          <a:prstGeom prst="rect">
+            <a:avLst/>
+          </a:prstGeom>
+          <a:noFill/>
+        </p:spPr>
+        <p:txBody>
+          <a:bodyPr wrap="square" rtlCol="0">
+            <a:spAutoFit/>
+          </a:bodyPr>
+          <a:lstStyle/>
+          <a:p>
+            <a:r>
+              <a:rPr lang="en-JP"/>
+              <a:t>※</a:t>
+            </a:r>
+            <a:r>
+              <a:rPr lang="ja-JP" altLang="en-US"/>
+              <a:t> 本研究では「車の高さ」は無視し，幅と長さを利用．</a:t>
+            </a:r>
+            <a:endParaRPr lang="en-JP"/>
+          </a:p>
+        </p:txBody>
+      </p:sp>
+      <p:sp>
+        <p:nvSpPr>
+          <p:cNvPr id="8" name="Content Placeholder 2">
+            <a:extLst>
+              <a:ext uri="{FF2B5EF4-FFF2-40B4-BE49-F238E27FC236}">
+                <a16:creationId xmlns:a16="http://schemas.microsoft.com/office/drawing/2014/main" id="{3FFF7527-E61A-3D4A-8132-375DE83ABD62}"/>
+              </a:ext>
+            </a:extLst>
+          </p:cNvPr>
+          <p:cNvSpPr txBox="1">
+            <a:spLocks/>
+          </p:cNvSpPr>
+          <p:nvPr/>
+        </p:nvSpPr>
+        <p:spPr>
+          <a:xfrm>
+            <a:off x="884190" y="4416104"/>
+            <a:ext cx="10089292" cy="2183609"/>
+          </a:xfrm>
+          <a:prstGeom prst="rect">
+            <a:avLst/>
+          </a:prstGeom>
+        </p:spPr>
+        <p:txBody>
+          <a:bodyPr vert="horz" lIns="91440" tIns="45720" rIns="91440" bIns="45720" rtlCol="0">
+            <a:normAutofit/>
+          </a:bodyPr>
+          <a:lstStyle>
+            <a:lvl1pPr marL="228600" indent="-228600" algn="l" defTabSz="914400" rtl="0" eaLnBrk="1" latinLnBrk="0" hangingPunct="1">
+              <a:lnSpc>
+                <a:spcPct val="90000"/>
+              </a:lnSpc>
+              <a:spcBef>
+                <a:spcPts val="1000"/>
+              </a:spcBef>
+              <a:buFont typeface="Arial" panose="020B0604020202020204" pitchFamily="34" charset="0"/>
+              <a:buChar char="•"/>
+              <a:defRPr sz="2800" kern="1200">
+                <a:solidFill>
+                  <a:schemeClr val="tx1"/>
+                </a:solidFill>
+                <a:latin typeface="+mn-lt"/>
+                <a:ea typeface="+mn-ea"/>
+                <a:cs typeface="+mn-cs"/>
+              </a:defRPr>
+            </a:lvl1pPr>
+            <a:lvl2pPr marL="685800" indent="-228600" algn="l" defTabSz="914400" rtl="0" eaLnBrk="1" latinLnBrk="0" hangingPunct="1">
+              <a:lnSpc>
+                <a:spcPct val="90000"/>
+              </a:lnSpc>
+              <a:spcBef>
+                <a:spcPts val="500"/>
+              </a:spcBef>
+              <a:buFont typeface="Arial" panose="020B0604020202020204" pitchFamily="34" charset="0"/>
+              <a:buChar char="•"/>
+              <a:defRPr sz="2400" kern="1200">
+                <a:solidFill>
+                  <a:schemeClr val="tx1"/>
+                </a:solidFill>
+                <a:latin typeface="+mn-lt"/>
+                <a:ea typeface="+mn-ea"/>
+                <a:cs typeface="+mn-cs"/>
+              </a:defRPr>
+            </a:lvl2pPr>
+            <a:lvl3pPr marL="1143000" indent="-228600" algn="l" defTabSz="914400" rtl="0" eaLnBrk="1" latinLnBrk="0" hangingPunct="1">
+              <a:lnSpc>
+                <a:spcPct val="90000"/>
+              </a:lnSpc>
+              <a:spcBef>
+                <a:spcPts val="500"/>
+              </a:spcBef>
+              <a:buFont typeface="Arial" panose="020B0604020202020204" pitchFamily="34" charset="0"/>
+              <a:buChar char="•"/>
+              <a:defRPr sz="2000" kern="1200">
+                <a:solidFill>
+                  <a:schemeClr val="tx1"/>
+                </a:solidFill>
+                <a:latin typeface="+mn-lt"/>
+                <a:ea typeface="+mn-ea"/>
+                <a:cs typeface="+mn-cs"/>
+              </a:defRPr>
+            </a:lvl3pPr>
+            <a:lvl4pPr marL="1600200" indent="-228600" algn="l" defTabSz="914400" rtl="0" eaLnBrk="1" latinLnBrk="0" hangingPunct="1">
+              <a:lnSpc>
+                <a:spcPct val="90000"/>
+              </a:lnSpc>
+              <a:spcBef>
+                <a:spcPts val="500"/>
+              </a:spcBef>
+              <a:buFont typeface="Arial" panose="020B0604020202020204" pitchFamily="34" charset="0"/>
+              <a:buChar char="•"/>
+              <a:defRPr sz="1800" kern="1200">
+                <a:solidFill>
+                  <a:schemeClr val="tx1"/>
+                </a:solidFill>
+                <a:latin typeface="+mn-lt"/>
+                <a:ea typeface="+mn-ea"/>
+                <a:cs typeface="+mn-cs"/>
+              </a:defRPr>
+            </a:lvl4pPr>
+            <a:lvl5pPr marL="2057400" indent="-228600" algn="l" defTabSz="914400" rtl="0" eaLnBrk="1" latinLnBrk="0" hangingPunct="1">
+              <a:lnSpc>
+                <a:spcPct val="90000"/>
+              </a:lnSpc>
+              <a:spcBef>
+                <a:spcPts val="500"/>
+              </a:spcBef>
+              <a:buFont typeface="Arial" panose="020B0604020202020204" pitchFamily="34" charset="0"/>
+              <a:buChar char="•"/>
+              <a:defRPr sz="1800" kern="1200">
+                <a:solidFill>
+                  <a:schemeClr val="tx1"/>
+                </a:solidFill>
+                <a:latin typeface="+mn-lt"/>
+                <a:ea typeface="+mn-ea"/>
+                <a:cs typeface="+mn-cs"/>
+              </a:defRPr>
+            </a:lvl5pPr>
+            <a:lvl6pPr marL="2514600" indent="-228600" algn="l" defTabSz="914400" rtl="0" eaLnBrk="1" latinLnBrk="0" hangingPunct="1">
+              <a:lnSpc>
+                <a:spcPct val="90000"/>
+              </a:lnSpc>
+              <a:spcBef>
+                <a:spcPts val="500"/>
+              </a:spcBef>
+              <a:buFont typeface="Arial" panose="020B0604020202020204" pitchFamily="34" charset="0"/>
+              <a:buChar char="•"/>
+              <a:defRPr sz="1800" kern="1200">
+                <a:solidFill>
+                  <a:schemeClr val="tx1"/>
+                </a:solidFill>
+                <a:latin typeface="+mn-lt"/>
+                <a:ea typeface="+mn-ea"/>
+                <a:cs typeface="+mn-cs"/>
+              </a:defRPr>
+            </a:lvl6pPr>
+            <a:lvl7pPr marL="2971800" indent="-228600" algn="l" defTabSz="914400" rtl="0" eaLnBrk="1" latinLnBrk="0" hangingPunct="1">
+              <a:lnSpc>
+                <a:spcPct val="90000"/>
+              </a:lnSpc>
+              <a:spcBef>
+                <a:spcPts val="500"/>
+              </a:spcBef>
+              <a:buFont typeface="Arial" panose="020B0604020202020204" pitchFamily="34" charset="0"/>
+              <a:buChar char="•"/>
+              <a:defRPr sz="1800" kern="1200">
+                <a:solidFill>
+                  <a:schemeClr val="tx1"/>
+                </a:solidFill>
+                <a:latin typeface="+mn-lt"/>
+                <a:ea typeface="+mn-ea"/>
+                <a:cs typeface="+mn-cs"/>
+              </a:defRPr>
+            </a:lvl7pPr>
+            <a:lvl8pPr marL="3429000" indent="-228600" algn="l" defTabSz="914400" rtl="0" eaLnBrk="1" latinLnBrk="0" hangingPunct="1">
+              <a:lnSpc>
+                <a:spcPct val="90000"/>
+              </a:lnSpc>
+              <a:spcBef>
+                <a:spcPts val="500"/>
+              </a:spcBef>
+              <a:buFont typeface="Arial" panose="020B0604020202020204" pitchFamily="34" charset="0"/>
+              <a:buChar char="•"/>
+              <a:defRPr sz="1800" kern="1200">
+                <a:solidFill>
+                  <a:schemeClr val="tx1"/>
+                </a:solidFill>
+                <a:latin typeface="+mn-lt"/>
+                <a:ea typeface="+mn-ea"/>
+                <a:cs typeface="+mn-cs"/>
+              </a:defRPr>
+            </a:lvl8pPr>
+            <a:lvl9pPr marL="3886200" indent="-228600" algn="l" defTabSz="914400" rtl="0" eaLnBrk="1" latinLnBrk="0" hangingPunct="1">
+              <a:lnSpc>
+                <a:spcPct val="90000"/>
+              </a:lnSpc>
+              <a:spcBef>
+                <a:spcPts val="500"/>
+              </a:spcBef>
+              <a:buFont typeface="Arial" panose="020B0604020202020204" pitchFamily="34" charset="0"/>
+              <a:buChar char="•"/>
+              <a:defRPr sz="1800" kern="1200">
+                <a:solidFill>
+                  <a:schemeClr val="tx1"/>
+                </a:solidFill>
+                <a:latin typeface="+mn-lt"/>
+                <a:ea typeface="+mn-ea"/>
+                <a:cs typeface="+mn-cs"/>
+              </a:defRPr>
+            </a:lvl9pPr>
+          </a:lstStyle>
+          <a:p>
+            <a:pPr marL="0" indent="0">
+              <a:lnSpc>
+                <a:spcPct val="100000"/>
+              </a:lnSpc>
+              <a:buNone/>
+            </a:pPr>
+            <a:r>
+              <a:rPr lang="en-JP"/>
+              <a:t>2．船体情報</a:t>
+            </a:r>
+          </a:p>
+          <a:p>
+            <a:pPr lvl="1">
+              <a:lnSpc>
+                <a:spcPct val="100000"/>
+              </a:lnSpc>
+            </a:pPr>
+            <a:r>
+              <a:rPr lang="en-JP"/>
+              <a:t>デッキの大きさ</a:t>
+            </a:r>
+          </a:p>
+          <a:p>
+            <a:pPr lvl="1">
+              <a:lnSpc>
+                <a:spcPct val="100000"/>
+              </a:lnSpc>
+            </a:pPr>
+            <a:r>
+              <a:rPr lang="en-JP"/>
+              <a:t>障害物の位置や大きさ</a:t>
+            </a:r>
+          </a:p>
+          <a:p>
+            <a:pPr lvl="1">
+              <a:lnSpc>
+                <a:spcPct val="100000"/>
+              </a:lnSpc>
+            </a:pPr>
+            <a:r>
+              <a:rPr lang="en-JP"/>
+              <a:t>ランプの位置</a:t>
+            </a:r>
+          </a:p>
+        </p:txBody>
+      </p:sp>
+      <p:graphicFrame>
+        <p:nvGraphicFramePr>
+          <p:cNvPr id="9" name="Table 5">
+            <a:extLst>
+              <a:ext uri="{FF2B5EF4-FFF2-40B4-BE49-F238E27FC236}">
+                <a16:creationId xmlns:a16="http://schemas.microsoft.com/office/drawing/2014/main" id="{8ABA08CF-5B60-CD40-B6E9-CF9E44E53FA5}"/>
+              </a:ext>
+            </a:extLst>
+          </p:cNvPr>
+          <p:cNvGraphicFramePr>
+            <a:graphicFrameLocks noGrp="1"/>
+          </p:cNvGraphicFramePr>
+          <p:nvPr>
+            <p:extLst>
+              <p:ext uri="{D42A27DB-BD31-4B8C-83A1-F6EECF244321}">
+                <p14:modId xmlns:p14="http://schemas.microsoft.com/office/powerpoint/2010/main" val="311412099"/>
+              </p:ext>
+            </p:extLst>
+          </p:nvPr>
+        </p:nvGraphicFramePr>
+        <p:xfrm>
+          <a:off x="4385730" y="2369549"/>
+          <a:ext cx="7027337" cy="1845804"/>
+        </p:xfrm>
+        <a:graphic>
+          <a:graphicData uri="http://schemas.openxmlformats.org/drawingml/2006/table">
+            <a:tbl>
+              <a:tblPr firstRow="1" bandRow="1">
+                <a:tableStyleId>{5C22544A-7EE6-4342-B048-85BDC9FD1C3A}</a:tableStyleId>
+              </a:tblPr>
+              <a:tblGrid>
+                <a:gridCol w="1002085">
+                  <a:extLst>
+                    <a:ext uri="{9D8B030D-6E8A-4147-A177-3AD203B41FA5}">
+                      <a16:colId xmlns:a16="http://schemas.microsoft.com/office/drawing/2014/main" val="2916104188"/>
+                    </a:ext>
+                  </a:extLst>
+                </a:gridCol>
+                <a:gridCol w="1235765">
+                  <a:extLst>
+                    <a:ext uri="{9D8B030D-6E8A-4147-A177-3AD203B41FA5}">
+                      <a16:colId xmlns:a16="http://schemas.microsoft.com/office/drawing/2014/main" val="433606669"/>
+                    </a:ext>
+                  </a:extLst>
+                </a:gridCol>
+                <a:gridCol w="825774">
+                  <a:extLst>
+                    <a:ext uri="{9D8B030D-6E8A-4147-A177-3AD203B41FA5}">
+                      <a16:colId xmlns:a16="http://schemas.microsoft.com/office/drawing/2014/main" val="1061809107"/>
+                    </a:ext>
+                  </a:extLst>
+                </a:gridCol>
+                <a:gridCol w="850547">
+                  <a:extLst>
+                    <a:ext uri="{9D8B030D-6E8A-4147-A177-3AD203B41FA5}">
+                      <a16:colId xmlns:a16="http://schemas.microsoft.com/office/drawing/2014/main" val="4099751289"/>
+                    </a:ext>
+                  </a:extLst>
+                </a:gridCol>
+                <a:gridCol w="949639">
+                  <a:extLst>
+                    <a:ext uri="{9D8B030D-6E8A-4147-A177-3AD203B41FA5}">
+                      <a16:colId xmlns:a16="http://schemas.microsoft.com/office/drawing/2014/main" val="2663899256"/>
+                    </a:ext>
+                  </a:extLst>
+                </a:gridCol>
+                <a:gridCol w="784485">
+                  <a:extLst>
+                    <a:ext uri="{9D8B030D-6E8A-4147-A177-3AD203B41FA5}">
+                      <a16:colId xmlns:a16="http://schemas.microsoft.com/office/drawing/2014/main" val="241506232"/>
+                    </a:ext>
+                  </a:extLst>
+                </a:gridCol>
+                <a:gridCol w="718423">
+                  <a:extLst>
+                    <a:ext uri="{9D8B030D-6E8A-4147-A177-3AD203B41FA5}">
+                      <a16:colId xmlns:a16="http://schemas.microsoft.com/office/drawing/2014/main" val="1322386054"/>
+                    </a:ext>
+                  </a:extLst>
+                </a:gridCol>
+                <a:gridCol w="660619">
+                  <a:extLst>
+                    <a:ext uri="{9D8B030D-6E8A-4147-A177-3AD203B41FA5}">
+                      <a16:colId xmlns:a16="http://schemas.microsoft.com/office/drawing/2014/main" val="3774823634"/>
+                    </a:ext>
+                  </a:extLst>
+                </a:gridCol>
+              </a:tblGrid>
+              <a:tr h="593127">
+                <a:tc>
+                  <a:txBody>
+                    <a:bodyPr/>
+                    <a:lstStyle/>
+                    <a:p>
+                      <a:pPr algn="ctr"/>
+                      <a:r>
+                        <a:rPr lang="en-JP" sz="1600" b="0"/>
+                        <a:t>車種</a:t>
+                      </a:r>
+                    </a:p>
+                  </a:txBody>
+                  <a:tcPr anchor="ctr"/>
+                </a:tc>
+                <a:tc>
+                  <a:txBody>
+                    <a:bodyPr/>
+                    <a:lstStyle/>
+                    <a:p>
+                      <a:pPr algn="ctr"/>
+                      <a:r>
+                        <a:rPr lang="en-JP" sz="1600" b="0"/>
+                        <a:t>ハンドル</a:t>
+                      </a:r>
+                    </a:p>
+                  </a:txBody>
+                  <a:tcPr anchor="ctr"/>
+                </a:tc>
+                <a:tc>
+                  <a:txBody>
+                    <a:bodyPr/>
+                    <a:lstStyle/>
+                    <a:p>
+                      <a:pPr algn="ctr"/>
+                      <a:r>
+                        <a:rPr lang="en-JP" sz="1600" b="0"/>
+                        <a:t>幅</a:t>
+                      </a:r>
+                    </a:p>
+                  </a:txBody>
+                  <a:tcPr anchor="ctr"/>
+                </a:tc>
+                <a:tc>
+                  <a:txBody>
+                    <a:bodyPr/>
+                    <a:lstStyle/>
+                    <a:p>
+                      <a:pPr algn="ctr"/>
+                      <a:r>
+                        <a:rPr lang="en-JP" sz="1600" b="0"/>
+                        <a:t>長さ</a:t>
+                      </a:r>
+                    </a:p>
+                  </a:txBody>
+                  <a:tcPr anchor="ctr"/>
+                </a:tc>
+                <a:tc>
+                  <a:txBody>
+                    <a:bodyPr/>
+                    <a:lstStyle/>
+                    <a:p>
+                      <a:pPr algn="ctr"/>
+                      <a:r>
+                        <a:rPr lang="en-JP" sz="1600" b="0"/>
+                        <a:t>数量</a:t>
+                      </a:r>
+                    </a:p>
+                  </a:txBody>
+                  <a:tcPr anchor="ctr"/>
+                </a:tc>
+                <a:tc>
+                  <a:txBody>
+                    <a:bodyPr/>
+                    <a:lstStyle/>
+                    <a:p>
+                      <a:pPr algn="ctr"/>
+                      <a:r>
+                        <a:rPr lang="en-JP" sz="1600" b="0"/>
+                        <a:t>hold</a:t>
+                      </a:r>
+                    </a:p>
+                  </a:txBody>
+                  <a:tcPr anchor="ctr"/>
+                </a:tc>
+                <a:tc>
+                  <a:txBody>
+                    <a:bodyPr/>
+                    <a:lstStyle/>
+                    <a:p>
+                      <a:pPr algn="ctr"/>
+                      <a:r>
+                        <a:rPr lang="en-JP" sz="1600" b="0"/>
+                        <a:t>LP</a:t>
+                      </a:r>
+                    </a:p>
+                  </a:txBody>
+                  <a:tcPr anchor="ctr"/>
+                </a:tc>
+                <a:tc>
+                  <a:txBody>
+                    <a:bodyPr/>
+                    <a:lstStyle/>
+                    <a:p>
+                      <a:pPr algn="ctr"/>
+                      <a:r>
+                        <a:rPr lang="en-JP" sz="1600" b="0"/>
+                        <a:t>DP</a:t>
+                      </a:r>
+                    </a:p>
+                  </a:txBody>
+                  <a:tcPr anchor="ctr"/>
+                </a:tc>
+                <a:extLst>
+                  <a:ext uri="{0D108BD9-81ED-4DB2-BD59-A6C34878D82A}">
+                    <a16:rowId xmlns:a16="http://schemas.microsoft.com/office/drawing/2014/main" val="2722722957"/>
+                  </a:ext>
+                </a:extLst>
+              </a:tr>
+              <a:tr h="417559">
+                <a:tc>
+                  <a:txBody>
+                    <a:bodyPr/>
+                    <a:lstStyle/>
+                    <a:p>
+                      <a:pPr algn="ctr"/>
+                      <a:r>
+                        <a:rPr lang="en-JP" sz="1600"/>
+                        <a:t>Prius</a:t>
+                      </a:r>
+                    </a:p>
+                  </a:txBody>
+                  <a:tcPr anchor="ctr"/>
+                </a:tc>
+                <a:tc>
+                  <a:txBody>
+                    <a:bodyPr/>
+                    <a:lstStyle/>
+                    <a:p>
+                      <a:pPr algn="ctr"/>
+                      <a:r>
+                        <a:rPr lang="en-JP" sz="1600"/>
+                        <a:t>右</a:t>
+                      </a:r>
+                    </a:p>
+                  </a:txBody>
+                  <a:tcPr anchor="ctr"/>
+                </a:tc>
+                <a:tc>
+                  <a:txBody>
+                    <a:bodyPr/>
+                    <a:lstStyle/>
+                    <a:p>
+                      <a:pPr algn="ctr"/>
+                      <a:r>
+                        <a:rPr lang="en-JP" sz="1600"/>
+                        <a:t>100</a:t>
+                      </a:r>
+                    </a:p>
+                  </a:txBody>
+                  <a:tcPr anchor="ctr"/>
+                </a:tc>
+                <a:tc>
+                  <a:txBody>
+                    <a:bodyPr/>
+                    <a:lstStyle/>
+                    <a:p>
+                      <a:pPr algn="ctr"/>
+                      <a:r>
+                        <a:rPr lang="en-JP" sz="1600"/>
+                        <a:t>450</a:t>
+                      </a:r>
+                    </a:p>
+                  </a:txBody>
+                  <a:tcPr anchor="ctr"/>
+                </a:tc>
+                <a:tc>
+                  <a:txBody>
+                    <a:bodyPr/>
+                    <a:lstStyle/>
+                    <a:p>
+                      <a:pPr algn="ctr"/>
+                      <a:r>
+                        <a:rPr lang="en-JP" sz="1600"/>
+                        <a:t>100</a:t>
+                      </a:r>
+                    </a:p>
+                  </a:txBody>
+                  <a:tcPr anchor="ctr"/>
+                </a:tc>
+                <a:tc>
+                  <a:txBody>
+                    <a:bodyPr/>
+                    <a:lstStyle/>
+                    <a:p>
+                      <a:pPr algn="ctr"/>
+                      <a:r>
+                        <a:rPr lang="en-JP" sz="1600"/>
+                        <a:t>1</a:t>
+                      </a:r>
+                    </a:p>
+                  </a:txBody>
+                  <a:tcPr anchor="ctr"/>
+                </a:tc>
+                <a:tc>
+                  <a:txBody>
+                    <a:bodyPr/>
+                    <a:lstStyle/>
+                    <a:p>
+                      <a:pPr algn="ctr"/>
+                      <a:r>
+                        <a:rPr lang="en-JP" sz="1600"/>
+                        <a:t>1</a:t>
+                      </a:r>
+                    </a:p>
+                  </a:txBody>
+                  <a:tcPr anchor="ctr"/>
+                </a:tc>
+                <a:tc>
+                  <a:txBody>
+                    <a:bodyPr/>
+                    <a:lstStyle/>
+                    <a:p>
+                      <a:pPr algn="ctr"/>
+                      <a:r>
+                        <a:rPr lang="en-JP" sz="1600"/>
+                        <a:t>2</a:t>
+                      </a:r>
+                    </a:p>
+                  </a:txBody>
+                  <a:tcPr anchor="ctr"/>
+                </a:tc>
+                <a:extLst>
+                  <a:ext uri="{0D108BD9-81ED-4DB2-BD59-A6C34878D82A}">
+                    <a16:rowId xmlns:a16="http://schemas.microsoft.com/office/drawing/2014/main" val="3155293091"/>
+                  </a:ext>
+                </a:extLst>
+              </a:tr>
+              <a:tr h="417559">
+                <a:tc>
+                  <a:txBody>
+                    <a:bodyPr/>
+                    <a:lstStyle/>
+                    <a:p>
+                      <a:pPr algn="ctr"/>
+                      <a:r>
+                        <a:rPr lang="en-JP" sz="1600"/>
+                        <a:t>Aqua</a:t>
+                      </a:r>
+                    </a:p>
+                  </a:txBody>
+                  <a:tcPr anchor="ctr"/>
+                </a:tc>
+                <a:tc>
+                  <a:txBody>
+                    <a:bodyPr/>
+                    <a:lstStyle/>
+                    <a:p>
+                      <a:pPr algn="ctr"/>
+                      <a:r>
+                        <a:rPr lang="en-JP" sz="1600"/>
+                        <a:t>右</a:t>
+                      </a:r>
+                    </a:p>
+                  </a:txBody>
+                  <a:tcPr anchor="ctr"/>
+                </a:tc>
+                <a:tc>
+                  <a:txBody>
+                    <a:bodyPr/>
+                    <a:lstStyle/>
+                    <a:p>
+                      <a:pPr algn="ctr"/>
+                      <a:r>
+                        <a:rPr lang="en-JP" sz="1600"/>
+                        <a:t>90</a:t>
+                      </a:r>
+                    </a:p>
+                  </a:txBody>
+                  <a:tcPr anchor="ctr"/>
+                </a:tc>
+                <a:tc>
+                  <a:txBody>
+                    <a:bodyPr/>
+                    <a:lstStyle/>
+                    <a:p>
+                      <a:pPr algn="ctr"/>
+                      <a:r>
+                        <a:rPr lang="en-JP" sz="1600"/>
+                        <a:t>420</a:t>
+                      </a:r>
+                    </a:p>
+                  </a:txBody>
+                  <a:tcPr anchor="ctr"/>
+                </a:tc>
+                <a:tc>
+                  <a:txBody>
+                    <a:bodyPr/>
+                    <a:lstStyle/>
+                    <a:p>
+                      <a:pPr algn="ctr"/>
+                      <a:r>
+                        <a:rPr lang="en-JP" sz="1600"/>
+                        <a:t>50</a:t>
+                      </a:r>
+                    </a:p>
+                  </a:txBody>
+                  <a:tcPr anchor="ctr"/>
+                </a:tc>
+                <a:tc>
+                  <a:txBody>
+                    <a:bodyPr/>
+                    <a:lstStyle/>
+                    <a:p>
+                      <a:pPr algn="ctr"/>
+                      <a:r>
+                        <a:rPr lang="en-JP" sz="1600"/>
+                        <a:t>2</a:t>
+                      </a:r>
+                    </a:p>
+                  </a:txBody>
+                  <a:tcPr anchor="ctr"/>
+                </a:tc>
+                <a:tc>
+                  <a:txBody>
+                    <a:bodyPr/>
+                    <a:lstStyle/>
+                    <a:p>
+                      <a:pPr algn="ctr"/>
+                      <a:r>
+                        <a:rPr lang="en-JP" sz="1600"/>
+                        <a:t>1</a:t>
+                      </a:r>
+                    </a:p>
+                  </a:txBody>
+                  <a:tcPr anchor="ctr"/>
+                </a:tc>
+                <a:tc>
+                  <a:txBody>
+                    <a:bodyPr/>
+                    <a:lstStyle/>
+                    <a:p>
+                      <a:pPr algn="ctr"/>
+                      <a:r>
+                        <a:rPr lang="en-JP" sz="1600"/>
+                        <a:t>3</a:t>
+                      </a:r>
+                    </a:p>
+                  </a:txBody>
+                  <a:tcPr anchor="ctr"/>
+                </a:tc>
+                <a:extLst>
+                  <a:ext uri="{0D108BD9-81ED-4DB2-BD59-A6C34878D82A}">
+                    <a16:rowId xmlns:a16="http://schemas.microsoft.com/office/drawing/2014/main" val="356341817"/>
+                  </a:ext>
+                </a:extLst>
+              </a:tr>
+              <a:tr h="417559">
+                <a:tc>
+                  <a:txBody>
+                    <a:bodyPr/>
+                    <a:lstStyle/>
+                    <a:p>
+                      <a:pPr algn="ctr"/>
+                      <a:r>
+                        <a:rPr lang="en-JP" sz="1600"/>
+                        <a:t>Corolla</a:t>
+                      </a:r>
+                    </a:p>
+                  </a:txBody>
+                  <a:tcPr anchor="ctr"/>
+                </a:tc>
+                <a:tc>
+                  <a:txBody>
+                    <a:bodyPr/>
+                    <a:lstStyle/>
+                    <a:p>
+                      <a:pPr algn="ctr"/>
+                      <a:r>
+                        <a:rPr lang="en-JP" sz="1600"/>
+                        <a:t>左</a:t>
+                      </a:r>
+                    </a:p>
+                  </a:txBody>
+                  <a:tcPr anchor="ctr"/>
+                </a:tc>
+                <a:tc>
+                  <a:txBody>
+                    <a:bodyPr/>
+                    <a:lstStyle/>
+                    <a:p>
+                      <a:pPr algn="ctr"/>
+                      <a:r>
+                        <a:rPr lang="en-JP" sz="1600"/>
+                        <a:t>120</a:t>
+                      </a:r>
+                    </a:p>
+                  </a:txBody>
+                  <a:tcPr anchor="ctr"/>
+                </a:tc>
+                <a:tc>
+                  <a:txBody>
+                    <a:bodyPr/>
+                    <a:lstStyle/>
+                    <a:p>
+                      <a:pPr algn="ctr"/>
+                      <a:r>
+                        <a:rPr lang="en-JP" sz="1600"/>
+                        <a:t>480</a:t>
+                      </a:r>
+                    </a:p>
+                  </a:txBody>
+                  <a:tcPr anchor="ctr"/>
+                </a:tc>
+                <a:tc>
+                  <a:txBody>
+                    <a:bodyPr/>
+                    <a:lstStyle/>
+                    <a:p>
+                      <a:pPr algn="ctr"/>
+                      <a:r>
+                        <a:rPr lang="en-JP" sz="1600"/>
+                        <a:t>30</a:t>
+                      </a:r>
+                    </a:p>
+                  </a:txBody>
+                  <a:tcPr anchor="ctr"/>
+                </a:tc>
+                <a:tc>
+                  <a:txBody>
+                    <a:bodyPr/>
+                    <a:lstStyle/>
+                    <a:p>
+                      <a:pPr algn="ctr"/>
+                      <a:r>
+                        <a:rPr lang="en-JP" sz="1600"/>
+                        <a:t>2</a:t>
+                      </a:r>
+                    </a:p>
+                  </a:txBody>
+                  <a:tcPr anchor="ctr"/>
+                </a:tc>
+                <a:tc>
+                  <a:txBody>
+                    <a:bodyPr/>
+                    <a:lstStyle/>
+                    <a:p>
+                      <a:pPr algn="ctr"/>
+                      <a:r>
+                        <a:rPr lang="en-JP" sz="1600"/>
+                        <a:t>2</a:t>
+                      </a:r>
+                    </a:p>
+                  </a:txBody>
+                  <a:tcPr anchor="ctr"/>
+                </a:tc>
+                <a:tc>
+                  <a:txBody>
+                    <a:bodyPr/>
+                    <a:lstStyle/>
+                    <a:p>
+                      <a:pPr algn="ctr"/>
+                      <a:r>
+                        <a:rPr lang="en-JP" sz="1600"/>
+                        <a:t>1</a:t>
+                      </a:r>
+                    </a:p>
+                  </a:txBody>
+                  <a:tcPr anchor="ctr"/>
+                </a:tc>
+                <a:extLst>
+                  <a:ext uri="{0D108BD9-81ED-4DB2-BD59-A6C34878D82A}">
+                    <a16:rowId xmlns:a16="http://schemas.microsoft.com/office/drawing/2014/main" val="637233894"/>
+                  </a:ext>
+                </a:extLst>
+              </a:tr>
+            </a:tbl>
+          </a:graphicData>
+        </a:graphic>
+      </p:graphicFrame>
+      <p:sp>
+        <p:nvSpPr>
+          <p:cNvPr id="13" name="TextBox 12">
+            <a:extLst>
+              <a:ext uri="{FF2B5EF4-FFF2-40B4-BE49-F238E27FC236}">
+                <a16:creationId xmlns:a16="http://schemas.microsoft.com/office/drawing/2014/main" id="{2F30A356-AD7C-F049-B703-64B870C79A05}"/>
+              </a:ext>
+            </a:extLst>
+          </p:cNvPr>
+          <p:cNvSpPr txBox="1"/>
+          <p:nvPr/>
+        </p:nvSpPr>
+        <p:spPr>
+          <a:xfrm>
+            <a:off x="4385730" y="1921228"/>
+            <a:ext cx="1569660" cy="369332"/>
           </a:xfrm>
           <a:prstGeom prst="rect">
             <a:avLst/>
@@ -24915,7 +25380,7 @@
           <a:p>
             <a:r>
               <a:rPr lang="en-JP"/>
-              <a:t>積載位置まで自走する車の様子</a:t>
+              <a:t>車体情報の例</a:t>
             </a:r>
           </a:p>
         </p:txBody>
@@ -24923,7 +25388,7 @@
     </p:spTree>
     <p:extLst>
       <p:ext uri="{BB962C8B-B14F-4D97-AF65-F5344CB8AC3E}">
-        <p14:creationId xmlns:p14="http://schemas.microsoft.com/office/powerpoint/2010/main" val="1182484155"/>
+        <p14:creationId xmlns:p14="http://schemas.microsoft.com/office/powerpoint/2010/main" val="690887252"/>
       </p:ext>
     </p:extLst>
   </p:cSld>
@@ -24955,7 +25420,7 @@
           <p:cNvPr id="2" name="Title 1">
             <a:extLst>
               <a:ext uri="{FF2B5EF4-FFF2-40B4-BE49-F238E27FC236}">
-                <a16:creationId xmlns:a16="http://schemas.microsoft.com/office/drawing/2014/main" id="{CEF6F4C6-E69D-3C4B-854C-099D5880FAC7}"/>
+                <a16:creationId xmlns:a16="http://schemas.microsoft.com/office/drawing/2014/main" id="{0000C0E6-1474-C243-B239-C42A5437F569}"/>
               </a:ext>
             </a:extLst>
           </p:cNvPr>
@@ -24973,7 +25438,7 @@
           <a:p>
             <a:r>
               <a:rPr lang="en-JP"/>
-              <a:t>入力情報1</a:t>
+              <a:t>出力</a:t>
             </a:r>
           </a:p>
         </p:txBody>
@@ -24983,7 +25448,7 @@
           <p:cNvPr id="3" name="Content Placeholder 2">
             <a:extLst>
               <a:ext uri="{FF2B5EF4-FFF2-40B4-BE49-F238E27FC236}">
-                <a16:creationId xmlns:a16="http://schemas.microsoft.com/office/drawing/2014/main" id="{6FF37CFA-A1E3-724D-A7B0-671B048AAAA0}"/>
+                <a16:creationId xmlns:a16="http://schemas.microsoft.com/office/drawing/2014/main" id="{D25A81AE-C34F-CC40-BC54-00459ECEE645}"/>
               </a:ext>
             </a:extLst>
           </p:cNvPr>
@@ -24994,110 +25459,83 @@
             <p:ph idx="1"/>
           </p:nvPr>
         </p:nvSpPr>
-        <p:spPr>
-          <a:xfrm>
-            <a:off x="838200" y="1825625"/>
-            <a:ext cx="10515600" cy="4530725"/>
-          </a:xfrm>
-        </p:spPr>
+        <p:spPr/>
         <p:txBody>
           <a:bodyPr>
             <a:normAutofit/>
           </a:bodyPr>
           <a:lstStyle/>
           <a:p>
-            <a:pPr>
+            <a:pPr marL="0" indent="0">
               <a:lnSpc>
                 <a:spcPct val="100000"/>
               </a:lnSpc>
+              <a:buNone/>
             </a:pPr>
             <a:r>
               <a:rPr lang="en-JP"/>
-              <a:t>車体情報</a:t>
-            </a:r>
-          </a:p>
-          <a:p>
-            <a:pPr lvl="1">
+              <a:t>以下のような配置図と，詰め込むことができなかった車の台数を出力する．</a:t>
+            </a:r>
+          </a:p>
+          <a:p>
+            <a:pPr marL="0" indent="0">
               <a:lnSpc>
                 <a:spcPct val="100000"/>
               </a:lnSpc>
+              <a:buNone/>
             </a:pPr>
-            <a:r>
-              <a:rPr lang="en-JP"/>
-              <a:t>車種</a:t>
-            </a:r>
-          </a:p>
-          <a:p>
-            <a:pPr lvl="1">
+            <a:endParaRPr lang="en-JP"/>
+          </a:p>
+          <a:p>
+            <a:pPr marL="0" indent="0">
               <a:lnSpc>
                 <a:spcPct val="100000"/>
               </a:lnSpc>
+              <a:buNone/>
             </a:pPr>
-            <a:r>
-              <a:rPr lang="en-JP"/>
-              <a:t>ハンドル向き</a:t>
-            </a:r>
-          </a:p>
-          <a:p>
-            <a:pPr lvl="1">
+            <a:endParaRPr lang="en-JP"/>
+          </a:p>
+          <a:p>
+            <a:pPr marL="0" indent="0">
               <a:lnSpc>
                 <a:spcPct val="100000"/>
               </a:lnSpc>
+              <a:buNone/>
             </a:pPr>
-            <a:r>
-              <a:rPr lang="en-JP"/>
-              <a:t>大きさ</a:t>
-            </a:r>
-          </a:p>
-          <a:p>
-            <a:pPr lvl="1">
+            <a:endParaRPr lang="en-JP"/>
+          </a:p>
+          <a:p>
+            <a:pPr marL="0" indent="0">
               <a:lnSpc>
                 <a:spcPct val="100000"/>
               </a:lnSpc>
+              <a:buNone/>
             </a:pPr>
-            <a:r>
-              <a:rPr lang="en-JP"/>
-              <a:t>数量</a:t>
-            </a:r>
-          </a:p>
-          <a:p>
-            <a:pPr lvl="1">
+            <a:endParaRPr lang="en-JP"/>
+          </a:p>
+          <a:p>
+            <a:pPr marL="0" indent="0">
               <a:lnSpc>
                 <a:spcPct val="100000"/>
               </a:lnSpc>
+              <a:buNone/>
             </a:pPr>
             <a:r>
               <a:rPr lang="en-JP"/>
-              <a:t>配置ホールド (hold)</a:t>
-            </a:r>
-          </a:p>
-          <a:p>
-            <a:pPr lvl="1">
+              <a:t>一つ一つの長方形が車を，色は積み地の種類を表す．</a:t>
+            </a:r>
+          </a:p>
+          <a:p>
+            <a:pPr marL="0" indent="0">
               <a:lnSpc>
                 <a:spcPct val="100000"/>
               </a:lnSpc>
-            </a:pPr>
-            <a:r>
-              <a:rPr lang="en-JP"/>
-              <a:t>積み地 (LP)</a:t>
-            </a:r>
-          </a:p>
-          <a:p>
-            <a:pPr lvl="1">
-              <a:lnSpc>
-                <a:spcPct val="100000"/>
-              </a:lnSpc>
-            </a:pPr>
-            <a:r>
-              <a:rPr lang="en-JP"/>
-              <a:t>揚げ地 (DP)</a:t>
-            </a:r>
-          </a:p>
-          <a:p>
-            <a:pPr marL="457200" lvl="1" indent="0">
               <a:buNone/>
             </a:pPr>
-            <a:endParaRPr lang="en-JP"/>
+            <a:r>
+              <a:rPr lang="en-JP"/>
+              <a:t>黒は障害物，グレーはランプを表す．</a:t>
+            </a:r>
           </a:p>
         </p:txBody>
       </p:sp>
@@ -25106,7 +25544,7 @@
           <p:cNvPr id="4" name="Slide Number Placeholder 3">
             <a:extLst>
               <a:ext uri="{FF2B5EF4-FFF2-40B4-BE49-F238E27FC236}">
-                <a16:creationId xmlns:a16="http://schemas.microsoft.com/office/drawing/2014/main" id="{FBC9C3F7-F203-1D4B-94F0-CC5F2C48F9EA}"/>
+                <a16:creationId xmlns:a16="http://schemas.microsoft.com/office/drawing/2014/main" id="{8643FA90-C072-FD47-B28D-6DA34E77D5C0}"/>
               </a:ext>
             </a:extLst>
           </p:cNvPr>
@@ -25130,653 +25568,40 @@
           </a:p>
         </p:txBody>
       </p:sp>
-      <p:graphicFrame>
-        <p:nvGraphicFramePr>
-          <p:cNvPr id="5" name="Table 5">
+      <p:pic>
+        <p:nvPicPr>
+          <p:cNvPr id="6" name="Picture 5">
             <a:extLst>
               <a:ext uri="{FF2B5EF4-FFF2-40B4-BE49-F238E27FC236}">
-                <a16:creationId xmlns:a16="http://schemas.microsoft.com/office/drawing/2014/main" id="{C00B18E0-0AFB-5343-9D1F-592F9BA627DE}"/>
+                <a16:creationId xmlns:a16="http://schemas.microsoft.com/office/drawing/2014/main" id="{4404DD2C-1A4B-CD4F-85F8-D6E7E74685B8}"/>
               </a:ext>
             </a:extLst>
           </p:cNvPr>
-          <p:cNvGraphicFramePr>
-            <a:graphicFrameLocks noGrp="1"/>
-          </p:cNvGraphicFramePr>
-          <p:nvPr>
-            <p:extLst>
-              <p:ext uri="{D42A27DB-BD31-4B8C-83A1-F6EECF244321}">
-                <p14:modId xmlns:p14="http://schemas.microsoft.com/office/powerpoint/2010/main" val="1546321113"/>
-              </p:ext>
-            </p:extLst>
-          </p:nvPr>
-        </p:nvGraphicFramePr>
-        <p:xfrm>
-          <a:off x="4410893" y="2077759"/>
-          <a:ext cx="6483951" cy="2304528"/>
-        </p:xfrm>
-        <a:graphic>
-          <a:graphicData uri="http://schemas.openxmlformats.org/drawingml/2006/table">
-            <a:tbl>
-              <a:tblPr firstRow="1" bandRow="1">
-                <a:tableStyleId>{5C22544A-7EE6-4342-B048-85BDC9FD1C3A}</a:tableStyleId>
-              </a:tblPr>
-              <a:tblGrid>
-                <a:gridCol w="855619">
-                  <a:extLst>
-                    <a:ext uri="{9D8B030D-6E8A-4147-A177-3AD203B41FA5}">
-                      <a16:colId xmlns:a16="http://schemas.microsoft.com/office/drawing/2014/main" val="2916104188"/>
-                    </a:ext>
-                  </a:extLst>
-                </a:gridCol>
-                <a:gridCol w="947057">
-                  <a:extLst>
-                    <a:ext uri="{9D8B030D-6E8A-4147-A177-3AD203B41FA5}">
-                      <a16:colId xmlns:a16="http://schemas.microsoft.com/office/drawing/2014/main" val="433606669"/>
-                    </a:ext>
-                  </a:extLst>
-                </a:gridCol>
-                <a:gridCol w="727111">
-                  <a:extLst>
-                    <a:ext uri="{9D8B030D-6E8A-4147-A177-3AD203B41FA5}">
-                      <a16:colId xmlns:a16="http://schemas.microsoft.com/office/drawing/2014/main" val="1061809107"/>
-                    </a:ext>
-                  </a:extLst>
-                </a:gridCol>
-                <a:gridCol w="867718">
-                  <a:extLst>
-                    <a:ext uri="{9D8B030D-6E8A-4147-A177-3AD203B41FA5}">
-                      <a16:colId xmlns:a16="http://schemas.microsoft.com/office/drawing/2014/main" val="4099751289"/>
-                    </a:ext>
-                  </a:extLst>
-                </a:gridCol>
-                <a:gridCol w="988540">
-                  <a:extLst>
-                    <a:ext uri="{9D8B030D-6E8A-4147-A177-3AD203B41FA5}">
-                      <a16:colId xmlns:a16="http://schemas.microsoft.com/office/drawing/2014/main" val="2663899256"/>
-                    </a:ext>
-                  </a:extLst>
-                </a:gridCol>
-                <a:gridCol w="724931">
-                  <a:extLst>
-                    <a:ext uri="{9D8B030D-6E8A-4147-A177-3AD203B41FA5}">
-                      <a16:colId xmlns:a16="http://schemas.microsoft.com/office/drawing/2014/main" val="241506232"/>
-                    </a:ext>
-                  </a:extLst>
-                </a:gridCol>
-                <a:gridCol w="680995">
-                  <a:extLst>
-                    <a:ext uri="{9D8B030D-6E8A-4147-A177-3AD203B41FA5}">
-                      <a16:colId xmlns:a16="http://schemas.microsoft.com/office/drawing/2014/main" val="1322386054"/>
-                    </a:ext>
-                  </a:extLst>
-                </a:gridCol>
-                <a:gridCol w="691980">
-                  <a:extLst>
-                    <a:ext uri="{9D8B030D-6E8A-4147-A177-3AD203B41FA5}">
-                      <a16:colId xmlns:a16="http://schemas.microsoft.com/office/drawing/2014/main" val="3774823634"/>
-                    </a:ext>
-                  </a:extLst>
-                </a:gridCol>
-              </a:tblGrid>
-              <a:tr h="575136">
-                <a:tc>
-                  <a:txBody>
-                    <a:bodyPr/>
-                    <a:lstStyle/>
-                    <a:p>
-                      <a:pPr algn="ctr"/>
-                      <a:r>
-                        <a:rPr lang="en-JP" sz="1600"/>
-                        <a:t>車種</a:t>
-                      </a:r>
-                    </a:p>
-                  </a:txBody>
-                  <a:tcPr anchor="ctr"/>
-                </a:tc>
-                <a:tc>
-                  <a:txBody>
-                    <a:bodyPr/>
-                    <a:lstStyle/>
-                    <a:p>
-                      <a:pPr algn="ctr"/>
-                      <a:r>
-                        <a:rPr lang="en-JP" sz="1600"/>
-                        <a:t>ハンドル</a:t>
-                      </a:r>
-                    </a:p>
-                  </a:txBody>
-                  <a:tcPr anchor="ctr"/>
-                </a:tc>
-                <a:tc>
-                  <a:txBody>
-                    <a:bodyPr/>
-                    <a:lstStyle/>
-                    <a:p>
-                      <a:pPr algn="ctr"/>
-                      <a:r>
-                        <a:rPr lang="en-JP" sz="1600"/>
-                        <a:t>幅</a:t>
-                      </a:r>
-                    </a:p>
-                  </a:txBody>
-                  <a:tcPr anchor="ctr"/>
-                </a:tc>
-                <a:tc>
-                  <a:txBody>
-                    <a:bodyPr/>
-                    <a:lstStyle/>
-                    <a:p>
-                      <a:pPr algn="ctr"/>
-                      <a:r>
-                        <a:rPr lang="en-JP" sz="1600"/>
-                        <a:t>長さ</a:t>
-                      </a:r>
-                    </a:p>
-                  </a:txBody>
-                  <a:tcPr anchor="ctr"/>
-                </a:tc>
-                <a:tc>
-                  <a:txBody>
-                    <a:bodyPr/>
-                    <a:lstStyle/>
-                    <a:p>
-                      <a:pPr algn="ctr"/>
-                      <a:r>
-                        <a:rPr lang="en-JP" sz="1600"/>
-                        <a:t>数量</a:t>
-                      </a:r>
-                    </a:p>
-                  </a:txBody>
-                  <a:tcPr anchor="ctr"/>
-                </a:tc>
-                <a:tc>
-                  <a:txBody>
-                    <a:bodyPr/>
-                    <a:lstStyle/>
-                    <a:p>
-                      <a:pPr algn="ctr"/>
-                      <a:r>
-                        <a:rPr lang="en-JP" sz="1600"/>
-                        <a:t>hold</a:t>
-                      </a:r>
-                    </a:p>
-                  </a:txBody>
-                  <a:tcPr anchor="ctr"/>
-                </a:tc>
-                <a:tc>
-                  <a:txBody>
-                    <a:bodyPr/>
-                    <a:lstStyle/>
-                    <a:p>
-                      <a:pPr algn="ctr"/>
-                      <a:r>
-                        <a:rPr lang="en-JP" sz="1600"/>
-                        <a:t>LP</a:t>
-                      </a:r>
-                    </a:p>
-                  </a:txBody>
-                  <a:tcPr anchor="ctr"/>
-                </a:tc>
-                <a:tc>
-                  <a:txBody>
-                    <a:bodyPr/>
-                    <a:lstStyle/>
-                    <a:p>
-                      <a:pPr algn="ctr"/>
-                      <a:r>
-                        <a:rPr lang="en-JP" sz="1600"/>
-                        <a:t>DP</a:t>
-                      </a:r>
-                    </a:p>
-                  </a:txBody>
-                  <a:tcPr anchor="ctr"/>
-                </a:tc>
-                <a:extLst>
-                  <a:ext uri="{0D108BD9-81ED-4DB2-BD59-A6C34878D82A}">
-                    <a16:rowId xmlns:a16="http://schemas.microsoft.com/office/drawing/2014/main" val="2722722957"/>
-                  </a:ext>
-                </a:extLst>
-              </a:tr>
-              <a:tr h="575136">
-                <a:tc>
-                  <a:txBody>
-                    <a:bodyPr/>
-                    <a:lstStyle/>
-                    <a:p>
-                      <a:pPr algn="ctr"/>
-                      <a:r>
-                        <a:rPr lang="en-JP"/>
-                        <a:t>Prius</a:t>
-                      </a:r>
-                    </a:p>
-                  </a:txBody>
-                  <a:tcPr anchor="ctr"/>
-                </a:tc>
-                <a:tc>
-                  <a:txBody>
-                    <a:bodyPr/>
-                    <a:lstStyle/>
-                    <a:p>
-                      <a:pPr algn="ctr"/>
-                      <a:r>
-                        <a:rPr lang="en-JP"/>
-                        <a:t>右</a:t>
-                      </a:r>
-                    </a:p>
-                  </a:txBody>
-                  <a:tcPr anchor="ctr"/>
-                </a:tc>
-                <a:tc>
-                  <a:txBody>
-                    <a:bodyPr/>
-                    <a:lstStyle/>
-                    <a:p>
-                      <a:pPr algn="ctr"/>
-                      <a:r>
-                        <a:rPr lang="en-JP"/>
-                        <a:t>100</a:t>
-                      </a:r>
-                    </a:p>
-                  </a:txBody>
-                  <a:tcPr anchor="ctr"/>
-                </a:tc>
-                <a:tc>
-                  <a:txBody>
-                    <a:bodyPr/>
-                    <a:lstStyle/>
-                    <a:p>
-                      <a:pPr algn="ctr"/>
-                      <a:r>
-                        <a:rPr lang="en-JP"/>
-                        <a:t>450</a:t>
-                      </a:r>
-                    </a:p>
-                  </a:txBody>
-                  <a:tcPr anchor="ctr"/>
-                </a:tc>
-                <a:tc>
-                  <a:txBody>
-                    <a:bodyPr/>
-                    <a:lstStyle/>
-                    <a:p>
-                      <a:pPr algn="ctr"/>
-                      <a:r>
-                        <a:rPr lang="en-JP"/>
-                        <a:t>100</a:t>
-                      </a:r>
-                    </a:p>
-                  </a:txBody>
-                  <a:tcPr anchor="ctr"/>
-                </a:tc>
-                <a:tc>
-                  <a:txBody>
-                    <a:bodyPr/>
-                    <a:lstStyle/>
-                    <a:p>
-                      <a:pPr algn="ctr"/>
-                      <a:r>
-                        <a:rPr lang="en-JP"/>
-                        <a:t>1</a:t>
-                      </a:r>
-                    </a:p>
-                  </a:txBody>
-                  <a:tcPr anchor="ctr"/>
-                </a:tc>
-                <a:tc>
-                  <a:txBody>
-                    <a:bodyPr/>
-                    <a:lstStyle/>
-                    <a:p>
-                      <a:pPr algn="ctr"/>
-                      <a:r>
-                        <a:rPr lang="en-JP"/>
-                        <a:t>1</a:t>
-                      </a:r>
-                    </a:p>
-                  </a:txBody>
-                  <a:tcPr anchor="ctr"/>
-                </a:tc>
-                <a:tc>
-                  <a:txBody>
-                    <a:bodyPr/>
-                    <a:lstStyle/>
-                    <a:p>
-                      <a:pPr algn="ctr"/>
-                      <a:r>
-                        <a:rPr lang="en-JP"/>
-                        <a:t>2</a:t>
-                      </a:r>
-                    </a:p>
-                  </a:txBody>
-                  <a:tcPr anchor="ctr"/>
-                </a:tc>
-                <a:extLst>
-                  <a:ext uri="{0D108BD9-81ED-4DB2-BD59-A6C34878D82A}">
-                    <a16:rowId xmlns:a16="http://schemas.microsoft.com/office/drawing/2014/main" val="3155293091"/>
-                  </a:ext>
-                </a:extLst>
-              </a:tr>
-              <a:tr h="575136">
-                <a:tc>
-                  <a:txBody>
-                    <a:bodyPr/>
-                    <a:lstStyle/>
-                    <a:p>
-                      <a:pPr algn="ctr"/>
-                      <a:r>
-                        <a:rPr lang="en-JP"/>
-                        <a:t>Aqua</a:t>
-                      </a:r>
-                    </a:p>
-                  </a:txBody>
-                  <a:tcPr anchor="ctr"/>
-                </a:tc>
-                <a:tc>
-                  <a:txBody>
-                    <a:bodyPr/>
-                    <a:lstStyle/>
-                    <a:p>
-                      <a:pPr algn="ctr"/>
-                      <a:r>
-                        <a:rPr lang="en-JP"/>
-                        <a:t>右</a:t>
-                      </a:r>
-                    </a:p>
-                  </a:txBody>
-                  <a:tcPr anchor="ctr"/>
-                </a:tc>
-                <a:tc>
-                  <a:txBody>
-                    <a:bodyPr/>
-                    <a:lstStyle/>
-                    <a:p>
-                      <a:pPr algn="ctr"/>
-                      <a:r>
-                        <a:rPr lang="en-JP"/>
-                        <a:t>90</a:t>
-                      </a:r>
-                    </a:p>
-                  </a:txBody>
-                  <a:tcPr anchor="ctr"/>
-                </a:tc>
-                <a:tc>
-                  <a:txBody>
-                    <a:bodyPr/>
-                    <a:lstStyle/>
-                    <a:p>
-                      <a:pPr algn="ctr"/>
-                      <a:r>
-                        <a:rPr lang="en-JP"/>
-                        <a:t>420</a:t>
-                      </a:r>
-                    </a:p>
-                  </a:txBody>
-                  <a:tcPr anchor="ctr"/>
-                </a:tc>
-                <a:tc>
-                  <a:txBody>
-                    <a:bodyPr/>
-                    <a:lstStyle/>
-                    <a:p>
-                      <a:pPr algn="ctr"/>
-                      <a:r>
-                        <a:rPr lang="en-JP"/>
-                        <a:t>50</a:t>
-                      </a:r>
-                    </a:p>
-                  </a:txBody>
-                  <a:tcPr anchor="ctr"/>
-                </a:tc>
-                <a:tc>
-                  <a:txBody>
-                    <a:bodyPr/>
-                    <a:lstStyle/>
-                    <a:p>
-                      <a:pPr algn="ctr"/>
-                      <a:r>
-                        <a:rPr lang="en-JP"/>
-                        <a:t>2</a:t>
-                      </a:r>
-                    </a:p>
-                  </a:txBody>
-                  <a:tcPr anchor="ctr"/>
-                </a:tc>
-                <a:tc>
-                  <a:txBody>
-                    <a:bodyPr/>
-                    <a:lstStyle/>
-                    <a:p>
-                      <a:pPr algn="ctr"/>
-                      <a:r>
-                        <a:rPr lang="en-JP"/>
-                        <a:t>1</a:t>
-                      </a:r>
-                    </a:p>
-                  </a:txBody>
-                  <a:tcPr anchor="ctr"/>
-                </a:tc>
-                <a:tc>
-                  <a:txBody>
-                    <a:bodyPr/>
-                    <a:lstStyle/>
-                    <a:p>
-                      <a:pPr algn="ctr"/>
-                      <a:r>
-                        <a:rPr lang="en-JP"/>
-                        <a:t>3</a:t>
-                      </a:r>
-                    </a:p>
-                  </a:txBody>
-                  <a:tcPr anchor="ctr"/>
-                </a:tc>
-                <a:extLst>
-                  <a:ext uri="{0D108BD9-81ED-4DB2-BD59-A6C34878D82A}">
-                    <a16:rowId xmlns:a16="http://schemas.microsoft.com/office/drawing/2014/main" val="356341817"/>
-                  </a:ext>
-                </a:extLst>
-              </a:tr>
-              <a:tr h="575136">
-                <a:tc>
-                  <a:txBody>
-                    <a:bodyPr/>
-                    <a:lstStyle/>
-                    <a:p>
-                      <a:pPr algn="ctr"/>
-                      <a:r>
-                        <a:rPr lang="en-JP"/>
-                        <a:t>Corolla</a:t>
-                      </a:r>
-                    </a:p>
-                  </a:txBody>
-                  <a:tcPr anchor="ctr"/>
-                </a:tc>
-                <a:tc>
-                  <a:txBody>
-                    <a:bodyPr/>
-                    <a:lstStyle/>
-                    <a:p>
-                      <a:pPr algn="ctr"/>
-                      <a:r>
-                        <a:rPr lang="en-JP"/>
-                        <a:t>左</a:t>
-                      </a:r>
-                    </a:p>
-                  </a:txBody>
-                  <a:tcPr anchor="ctr"/>
-                </a:tc>
-                <a:tc>
-                  <a:txBody>
-                    <a:bodyPr/>
-                    <a:lstStyle/>
-                    <a:p>
-                      <a:pPr algn="ctr"/>
-                      <a:r>
-                        <a:rPr lang="en-JP"/>
-                        <a:t>120</a:t>
-                      </a:r>
-                    </a:p>
-                  </a:txBody>
-                  <a:tcPr anchor="ctr"/>
-                </a:tc>
-                <a:tc>
-                  <a:txBody>
-                    <a:bodyPr/>
-                    <a:lstStyle/>
-                    <a:p>
-                      <a:pPr algn="ctr"/>
-                      <a:r>
-                        <a:rPr lang="en-JP"/>
-                        <a:t>480</a:t>
-                      </a:r>
-                    </a:p>
-                  </a:txBody>
-                  <a:tcPr anchor="ctr"/>
-                </a:tc>
-                <a:tc>
-                  <a:txBody>
-                    <a:bodyPr/>
-                    <a:lstStyle/>
-                    <a:p>
-                      <a:pPr algn="ctr"/>
-                      <a:r>
-                        <a:rPr lang="en-JP"/>
-                        <a:t>30</a:t>
-                      </a:r>
-                    </a:p>
-                  </a:txBody>
-                  <a:tcPr anchor="ctr"/>
-                </a:tc>
-                <a:tc>
-                  <a:txBody>
-                    <a:bodyPr/>
-                    <a:lstStyle/>
-                    <a:p>
-                      <a:pPr algn="ctr"/>
-                      <a:r>
-                        <a:rPr lang="en-JP"/>
-                        <a:t>2</a:t>
-                      </a:r>
-                    </a:p>
-                  </a:txBody>
-                  <a:tcPr anchor="ctr"/>
-                </a:tc>
-                <a:tc>
-                  <a:txBody>
-                    <a:bodyPr/>
-                    <a:lstStyle/>
-                    <a:p>
-                      <a:pPr algn="ctr"/>
-                      <a:r>
-                        <a:rPr lang="en-JP"/>
-                        <a:t>2</a:t>
-                      </a:r>
-                    </a:p>
-                  </a:txBody>
-                  <a:tcPr anchor="ctr"/>
-                </a:tc>
-                <a:tc>
-                  <a:txBody>
-                    <a:bodyPr/>
-                    <a:lstStyle/>
-                    <a:p>
-                      <a:pPr algn="ctr"/>
-                      <a:r>
-                        <a:rPr lang="en-JP"/>
-                        <a:t>1</a:t>
-                      </a:r>
-                    </a:p>
-                  </a:txBody>
-                  <a:tcPr anchor="ctr"/>
-                </a:tc>
-                <a:extLst>
-                  <a:ext uri="{0D108BD9-81ED-4DB2-BD59-A6C34878D82A}">
-                    <a16:rowId xmlns:a16="http://schemas.microsoft.com/office/drawing/2014/main" val="637233894"/>
-                  </a:ext>
-                </a:extLst>
-              </a:tr>
-            </a:tbl>
-          </a:graphicData>
-        </a:graphic>
-      </p:graphicFrame>
-      <p:sp>
-        <p:nvSpPr>
-          <p:cNvPr id="7" name="TextBox 6">
-            <a:extLst>
-              <a:ext uri="{FF2B5EF4-FFF2-40B4-BE49-F238E27FC236}">
-                <a16:creationId xmlns:a16="http://schemas.microsoft.com/office/drawing/2014/main" id="{AF7E16FF-303C-6445-93B7-63D4B73CE803}"/>
-              </a:ext>
-            </a:extLst>
-          </p:cNvPr>
-          <p:cNvSpPr txBox="1"/>
+          <p:cNvPicPr>
+            <a:picLocks noChangeAspect="1"/>
+          </p:cNvPicPr>
           <p:nvPr/>
-        </p:nvSpPr>
+        </p:nvPicPr>
+        <p:blipFill>
+          <a:blip r:embed="rId2"/>
+          <a:stretch>
+            <a:fillRect/>
+          </a:stretch>
+        </p:blipFill>
         <p:spPr>
-          <a:xfrm>
-            <a:off x="4711835" y="1573491"/>
-            <a:ext cx="1569660" cy="369332"/>
+          <a:xfrm rot="16200000">
+            <a:off x="5039754" y="-1165267"/>
+            <a:ext cx="2112492" cy="9976930"/>
           </a:xfrm>
           <a:prstGeom prst="rect">
             <a:avLst/>
           </a:prstGeom>
-          <a:noFill/>
         </p:spPr>
-        <p:txBody>
-          <a:bodyPr wrap="none" rtlCol="0">
-            <a:spAutoFit/>
-          </a:bodyPr>
-          <a:lstStyle/>
-          <a:p>
-            <a:r>
-              <a:rPr lang="en-JP"/>
-              <a:t>車体情報の例</a:t>
-            </a:r>
-          </a:p>
-        </p:txBody>
-      </p:sp>
-      <p:sp>
-        <p:nvSpPr>
-          <p:cNvPr id="6" name="TextBox 5">
-            <a:extLst>
-              <a:ext uri="{FF2B5EF4-FFF2-40B4-BE49-F238E27FC236}">
-                <a16:creationId xmlns:a16="http://schemas.microsoft.com/office/drawing/2014/main" id="{C834C54B-390B-2041-B8D1-028F81666BD4}"/>
-              </a:ext>
-            </a:extLst>
-          </p:cNvPr>
-          <p:cNvSpPr txBox="1"/>
-          <p:nvPr/>
-        </p:nvSpPr>
-        <p:spPr>
-          <a:xfrm>
-            <a:off x="4410893" y="4574576"/>
-            <a:ext cx="7117494" cy="369332"/>
-          </a:xfrm>
-          <a:prstGeom prst="rect">
-            <a:avLst/>
-          </a:prstGeom>
-          <a:noFill/>
-        </p:spPr>
-        <p:txBody>
-          <a:bodyPr wrap="square" rtlCol="0">
-            <a:spAutoFit/>
-          </a:bodyPr>
-          <a:lstStyle/>
-          <a:p>
-            <a:r>
-              <a:rPr lang="en-JP"/>
-              <a:t>※</a:t>
-            </a:r>
-            <a:r>
-              <a:rPr lang="ja-JP" altLang="en-US"/>
-              <a:t> 本研究では「車の高さ」は無視し，幅と長さを利用．</a:t>
-            </a:r>
-            <a:endParaRPr lang="en-JP"/>
-          </a:p>
-        </p:txBody>
-      </p:sp>
+      </p:pic>
     </p:spTree>
     <p:extLst>
       <p:ext uri="{BB962C8B-B14F-4D97-AF65-F5344CB8AC3E}">
-        <p14:creationId xmlns:p14="http://schemas.microsoft.com/office/powerpoint/2010/main" val="486478574"/>
+        <p14:creationId xmlns:p14="http://schemas.microsoft.com/office/powerpoint/2010/main" val="882239266"/>
       </p:ext>
     </p:extLst>
   </p:cSld>
@@ -25805,38 +25630,10 @@
       </p:grpSpPr>
       <p:sp>
         <p:nvSpPr>
-          <p:cNvPr id="2" name="Title 1">
-            <a:extLst>
-              <a:ext uri="{FF2B5EF4-FFF2-40B4-BE49-F238E27FC236}">
-                <a16:creationId xmlns:a16="http://schemas.microsoft.com/office/drawing/2014/main" id="{1A247EB3-3AFF-4E49-A854-E00851E471B0}"/>
-              </a:ext>
-            </a:extLst>
-          </p:cNvPr>
-          <p:cNvSpPr>
-            <a:spLocks noGrp="1"/>
-          </p:cNvSpPr>
-          <p:nvPr>
-            <p:ph type="title"/>
-          </p:nvPr>
-        </p:nvSpPr>
-        <p:spPr/>
-        <p:txBody>
-          <a:bodyPr/>
-          <a:lstStyle/>
-          <a:p>
-            <a:r>
-              <a:rPr lang="en-JP"/>
-              <a:t>入力情報2</a:t>
-            </a:r>
-          </a:p>
-        </p:txBody>
-      </p:sp>
-      <p:sp>
-        <p:nvSpPr>
           <p:cNvPr id="3" name="Content Placeholder 2">
             <a:extLst>
               <a:ext uri="{FF2B5EF4-FFF2-40B4-BE49-F238E27FC236}">
-                <a16:creationId xmlns:a16="http://schemas.microsoft.com/office/drawing/2014/main" id="{B510428C-D3B9-7A4F-B65B-0DC3D89F4913}"/>
+                <a16:creationId xmlns:a16="http://schemas.microsoft.com/office/drawing/2014/main" id="{B94F1238-896F-F84C-A1A4-BE8D534EB87B}"/>
               </a:ext>
             </a:extLst>
           </p:cNvPr>
@@ -25849,8 +25646,8 @@
         </p:nvSpPr>
         <p:spPr>
           <a:xfrm>
-            <a:off x="838200" y="1825625"/>
-            <a:ext cx="10515600" cy="3985493"/>
+            <a:off x="838200" y="775504"/>
+            <a:ext cx="10515600" cy="5401459"/>
           </a:xfrm>
         </p:spPr>
         <p:txBody>
@@ -25859,65 +25656,96 @@
           </a:bodyPr>
           <a:lstStyle/>
           <a:p>
-            <a:r>
-              <a:rPr lang="en-JP"/>
-              <a:t>船体情報</a:t>
-            </a:r>
-          </a:p>
-          <a:p>
-            <a:pPr lvl="1"/>
-            <a:r>
-              <a:rPr lang="en-JP"/>
-              <a:t>大きさ</a:t>
-            </a:r>
-          </a:p>
-          <a:p>
-            <a:pPr lvl="1"/>
-            <a:r>
-              <a:rPr lang="en-JP"/>
-              <a:t>ホールドの大きさ</a:t>
-            </a:r>
-          </a:p>
-          <a:p>
-            <a:pPr lvl="1"/>
-            <a:r>
-              <a:rPr lang="en-JP"/>
-              <a:t>ランプ</a:t>
-            </a:r>
-          </a:p>
-          <a:p>
-            <a:pPr lvl="2"/>
-            <a:r>
-              <a:rPr lang="en-JP" sz="2400"/>
-              <a:t>位置</a:t>
-            </a:r>
-          </a:p>
-          <a:p>
-            <a:pPr lvl="2"/>
-            <a:r>
-              <a:rPr lang="en-JP" sz="2400"/>
-              <a:t>大きさ</a:t>
-            </a:r>
-          </a:p>
-          <a:p>
-            <a:pPr lvl="1"/>
-            <a:r>
-              <a:rPr lang="en-JP"/>
-              <a:t>障害物</a:t>
-            </a:r>
-          </a:p>
-          <a:p>
-            <a:pPr lvl="2"/>
-            <a:r>
-              <a:rPr lang="en-JP" sz="2400"/>
-              <a:t>位置</a:t>
-            </a:r>
-          </a:p>
-          <a:p>
-            <a:pPr lvl="2"/>
-            <a:r>
-              <a:rPr lang="en-JP" sz="2400"/>
-              <a:t>大きさ</a:t>
+            <a:pPr marL="514350" indent="-514350">
+              <a:lnSpc>
+                <a:spcPct val="150000"/>
+              </a:lnSpc>
+              <a:buFont typeface="+mj-lt"/>
+              <a:buAutoNum type="arabicPeriod"/>
+            </a:pPr>
+            <a:r>
+              <a:rPr lang="en-JP">
+                <a:solidFill>
+                  <a:schemeClr val="tx1">
+                    <a:lumMod val="50000"/>
+                    <a:lumOff val="50000"/>
+                  </a:schemeClr>
+                </a:solidFill>
+              </a:rPr>
+              <a:t>研究背景</a:t>
+            </a:r>
+          </a:p>
+          <a:p>
+            <a:pPr marL="514350" indent="-514350">
+              <a:lnSpc>
+                <a:spcPct val="150000"/>
+              </a:lnSpc>
+              <a:buFont typeface="+mj-lt"/>
+              <a:buAutoNum type="arabicPeriod"/>
+            </a:pPr>
+            <a:r>
+              <a:rPr lang="en-JP">
+                <a:solidFill>
+                  <a:schemeClr val="tx1">
+                    <a:lumMod val="50000"/>
+                    <a:lumOff val="50000"/>
+                  </a:schemeClr>
+                </a:solidFill>
+              </a:rPr>
+              <a:t>問題定義</a:t>
+            </a:r>
+          </a:p>
+          <a:p>
+            <a:pPr marL="514350" indent="-514350">
+              <a:lnSpc>
+                <a:spcPct val="150000"/>
+              </a:lnSpc>
+              <a:buFont typeface="+mj-lt"/>
+              <a:buAutoNum type="arabicPeriod"/>
+            </a:pPr>
+            <a:r>
+              <a:rPr lang="en-JP" b="1"/>
+              <a:t>定式化と提案手法</a:t>
+            </a:r>
+          </a:p>
+          <a:p>
+            <a:pPr marL="514350" indent="-514350">
+              <a:lnSpc>
+                <a:spcPct val="150000"/>
+              </a:lnSpc>
+              <a:buFont typeface="+mj-lt"/>
+              <a:buAutoNum type="arabicPeriod"/>
+            </a:pPr>
+            <a:r>
+              <a:rPr lang="en-JP">
+                <a:solidFill>
+                  <a:schemeClr val="tx1">
+                    <a:lumMod val="50000"/>
+                    <a:lumOff val="50000"/>
+                  </a:schemeClr>
+                </a:solidFill>
+              </a:rPr>
+              <a:t>結果</a:t>
+            </a:r>
+          </a:p>
+          <a:p>
+            <a:pPr marL="514350" indent="-514350">
+              <a:lnSpc>
+                <a:spcPct val="150000"/>
+              </a:lnSpc>
+              <a:buFont typeface="+mj-lt"/>
+              <a:buAutoNum type="arabicPeriod"/>
+            </a:pPr>
+            <a:r>
+              <a:rPr lang="en-JP">
+                <a:solidFill>
+                  <a:schemeClr val="tx1">
+                    <a:lumMod val="50000"/>
+                    <a:lumOff val="50000"/>
+                  </a:schemeClr>
+                </a:solidFill>
+              </a:rPr>
+              <a:t>まとめ</a:t>
             </a:r>
           </a:p>
         </p:txBody>
@@ -25927,7 +25755,7 @@
           <p:cNvPr id="4" name="Slide Number Placeholder 3">
             <a:extLst>
               <a:ext uri="{FF2B5EF4-FFF2-40B4-BE49-F238E27FC236}">
-                <a16:creationId xmlns:a16="http://schemas.microsoft.com/office/drawing/2014/main" id="{F7F8A3BD-0C8F-E44D-BB17-875C042120D9}"/>
+                <a16:creationId xmlns:a16="http://schemas.microsoft.com/office/drawing/2014/main" id="{0E16DC64-D41E-4048-97FE-E8AA7C3BF29B}"/>
               </a:ext>
             </a:extLst>
           </p:cNvPr>
@@ -25951,1860 +25779,10 @@
           </a:p>
         </p:txBody>
       </p:sp>
-      <p:graphicFrame>
-        <p:nvGraphicFramePr>
-          <p:cNvPr id="5" name="Table 5">
-            <a:extLst>
-              <a:ext uri="{FF2B5EF4-FFF2-40B4-BE49-F238E27FC236}">
-                <a16:creationId xmlns:a16="http://schemas.microsoft.com/office/drawing/2014/main" id="{C31C3FF2-156E-A44B-B2EF-F694822495A0}"/>
-              </a:ext>
-            </a:extLst>
-          </p:cNvPr>
-          <p:cNvGraphicFramePr>
-            <a:graphicFrameLocks noGrp="1"/>
-          </p:cNvGraphicFramePr>
-          <p:nvPr/>
-        </p:nvGraphicFramePr>
-        <p:xfrm>
-          <a:off x="5431029" y="1808682"/>
-          <a:ext cx="2988276" cy="781726"/>
-        </p:xfrm>
-        <a:graphic>
-          <a:graphicData uri="http://schemas.openxmlformats.org/drawingml/2006/table">
-            <a:tbl>
-              <a:tblPr firstRow="1" bandRow="1">
-                <a:tableStyleId>{5C22544A-7EE6-4342-B048-85BDC9FD1C3A}</a:tableStyleId>
-              </a:tblPr>
-              <a:tblGrid>
-                <a:gridCol w="1494138">
-                  <a:extLst>
-                    <a:ext uri="{9D8B030D-6E8A-4147-A177-3AD203B41FA5}">
-                      <a16:colId xmlns:a16="http://schemas.microsoft.com/office/drawing/2014/main" val="2344099614"/>
-                    </a:ext>
-                  </a:extLst>
-                </a:gridCol>
-                <a:gridCol w="1494138">
-                  <a:extLst>
-                    <a:ext uri="{9D8B030D-6E8A-4147-A177-3AD203B41FA5}">
-                      <a16:colId xmlns:a16="http://schemas.microsoft.com/office/drawing/2014/main" val="2387814449"/>
-                    </a:ext>
-                  </a:extLst>
-                </a:gridCol>
-              </a:tblGrid>
-              <a:tr h="390863">
-                <a:tc>
-                  <a:txBody>
-                    <a:bodyPr/>
-                    <a:lstStyle/>
-                    <a:p>
-                      <a:pPr algn="ctr"/>
-                      <a:r>
-                        <a:rPr lang="en-JP"/>
-                        <a:t>width</a:t>
-                      </a:r>
-                    </a:p>
-                  </a:txBody>
-                  <a:tcPr anchor="ctr"/>
-                </a:tc>
-                <a:tc>
-                  <a:txBody>
-                    <a:bodyPr/>
-                    <a:lstStyle/>
-                    <a:p>
-                      <a:pPr algn="ctr"/>
-                      <a:r>
-                        <a:rPr lang="en-JP"/>
-                        <a:t>height</a:t>
-                      </a:r>
-                    </a:p>
-                  </a:txBody>
-                  <a:tcPr anchor="ctr"/>
-                </a:tc>
-                <a:extLst>
-                  <a:ext uri="{0D108BD9-81ED-4DB2-BD59-A6C34878D82A}">
-                    <a16:rowId xmlns:a16="http://schemas.microsoft.com/office/drawing/2014/main" val="2013629556"/>
-                  </a:ext>
-                </a:extLst>
-              </a:tr>
-              <a:tr h="390863">
-                <a:tc>
-                  <a:txBody>
-                    <a:bodyPr/>
-                    <a:lstStyle/>
-                    <a:p>
-                      <a:pPr algn="ctr"/>
-                      <a:r>
-                        <a:rPr lang="en-JP"/>
-                        <a:t>1000</a:t>
-                      </a:r>
-                    </a:p>
-                  </a:txBody>
-                  <a:tcPr anchor="ctr"/>
-                </a:tc>
-                <a:tc>
-                  <a:txBody>
-                    <a:bodyPr/>
-                    <a:lstStyle/>
-                    <a:p>
-                      <a:pPr algn="ctr"/>
-                      <a:r>
-                        <a:rPr lang="en-JP"/>
-                        <a:t>2000</a:t>
-                      </a:r>
-                    </a:p>
-                  </a:txBody>
-                  <a:tcPr anchor="ctr"/>
-                </a:tc>
-                <a:extLst>
-                  <a:ext uri="{0D108BD9-81ED-4DB2-BD59-A6C34878D82A}">
-                    <a16:rowId xmlns:a16="http://schemas.microsoft.com/office/drawing/2014/main" val="1614450720"/>
-                  </a:ext>
-                </a:extLst>
-              </a:tr>
-            </a:tbl>
-          </a:graphicData>
-        </a:graphic>
-      </p:graphicFrame>
-      <mc:AlternateContent xmlns:mc="http://schemas.openxmlformats.org/markup-compatibility/2006" xmlns:a14="http://schemas.microsoft.com/office/drawing/2010/main">
-        <mc:Choice Requires="a14">
-          <p:graphicFrame>
-            <p:nvGraphicFramePr>
-              <p:cNvPr id="8" name="Table 7">
-                <a:extLst>
-                  <a:ext uri="{FF2B5EF4-FFF2-40B4-BE49-F238E27FC236}">
-                    <a16:creationId xmlns:a16="http://schemas.microsoft.com/office/drawing/2014/main" id="{0CA74559-DAD2-884F-B55E-B671476EEBA0}"/>
-                  </a:ext>
-                </a:extLst>
-              </p:cNvPr>
-              <p:cNvGraphicFramePr>
-                <a:graphicFrameLocks noGrp="1"/>
-              </p:cNvGraphicFramePr>
-              <p:nvPr/>
-            </p:nvGraphicFramePr>
-            <p:xfrm>
-              <a:off x="5431029" y="3818371"/>
-              <a:ext cx="5976552" cy="1904109"/>
-            </p:xfrm>
-            <a:graphic>
-              <a:graphicData uri="http://schemas.openxmlformats.org/drawingml/2006/table">
-                <a:tbl>
-                  <a:tblPr firstRow="1" bandRow="1">
-                    <a:tableStyleId>{5C22544A-7EE6-4342-B048-85BDC9FD1C3A}</a:tableStyleId>
-                  </a:tblPr>
-                  <a:tblGrid>
-                    <a:gridCol w="1494138">
-                      <a:extLst>
-                        <a:ext uri="{9D8B030D-6E8A-4147-A177-3AD203B41FA5}">
-                          <a16:colId xmlns:a16="http://schemas.microsoft.com/office/drawing/2014/main" val="2344099614"/>
-                        </a:ext>
-                      </a:extLst>
-                    </a:gridCol>
-                    <a:gridCol w="1494138">
-                      <a:extLst>
-                        <a:ext uri="{9D8B030D-6E8A-4147-A177-3AD203B41FA5}">
-                          <a16:colId xmlns:a16="http://schemas.microsoft.com/office/drawing/2014/main" val="2387814449"/>
-                        </a:ext>
-                      </a:extLst>
-                    </a:gridCol>
-                    <a:gridCol w="1494138">
-                      <a:extLst>
-                        <a:ext uri="{9D8B030D-6E8A-4147-A177-3AD203B41FA5}">
-                          <a16:colId xmlns:a16="http://schemas.microsoft.com/office/drawing/2014/main" val="42155799"/>
-                        </a:ext>
-                      </a:extLst>
-                    </a:gridCol>
-                    <a:gridCol w="1494138">
-                      <a:extLst>
-                        <a:ext uri="{9D8B030D-6E8A-4147-A177-3AD203B41FA5}">
-                          <a16:colId xmlns:a16="http://schemas.microsoft.com/office/drawing/2014/main" val="4101063119"/>
-                        </a:ext>
-                      </a:extLst>
-                    </a:gridCol>
-                  </a:tblGrid>
-                  <a:tr h="204989">
-                    <a:tc gridSpan="2">
-                      <a:txBody>
-                        <a:bodyPr/>
-                        <a:lstStyle/>
-                        <a:p>
-                          <a:pPr algn="ctr"/>
-                          <a:r>
-                            <a:rPr lang="en-JP">
-                              <a:solidFill>
-                                <a:schemeClr val="bg1"/>
-                              </a:solidFill>
-                            </a:rPr>
-                            <a:t>大きさ</a:t>
-                          </a:r>
-                        </a:p>
-                      </a:txBody>
-                      <a:tcPr anchor="b">
-                        <a:lnL w="3175" cap="flat" cmpd="sng" algn="ctr">
-                          <a:noFill/>
-                          <a:prstDash val="solid"/>
-                          <a:round/>
-                          <a:headEnd type="none" w="med" len="med"/>
-                          <a:tailEnd type="none" w="med" len="med"/>
-                        </a:lnL>
-                        <a:lnR w="12700" cap="flat" cmpd="sng" algn="ctr">
-                          <a:solidFill>
-                            <a:schemeClr val="bg1"/>
-                          </a:solidFill>
-                          <a:prstDash val="solid"/>
-                          <a:round/>
-                          <a:headEnd type="none" w="med" len="med"/>
-                          <a:tailEnd type="none" w="med" len="med"/>
-                        </a:lnR>
-                        <a:lnT w="3175" cap="flat" cmpd="sng" algn="ctr">
-                          <a:noFill/>
-                          <a:prstDash val="solid"/>
-                          <a:round/>
-                          <a:headEnd type="none" w="med" len="med"/>
-                          <a:tailEnd type="none" w="med" len="med"/>
-                        </a:lnT>
-                        <a:lnB w="12700" cap="flat" cmpd="sng" algn="ctr">
-                          <a:solidFill>
-                            <a:schemeClr val="bg1"/>
-                          </a:solidFill>
-                          <a:prstDash val="solid"/>
-                          <a:round/>
-                          <a:headEnd type="none" w="med" len="med"/>
-                          <a:tailEnd type="none" w="med" len="med"/>
-                        </a:lnB>
-                        <a:lnTlToBr w="12700" cmpd="sng">
-                          <a:noFill/>
-                          <a:prstDash val="solid"/>
-                        </a:lnTlToBr>
-                        <a:lnBlToTr w="12700" cmpd="sng">
-                          <a:noFill/>
-                          <a:prstDash val="solid"/>
-                        </a:lnBlToTr>
-                      </a:tcPr>
-                    </a:tc>
-                    <a:tc hMerge="1">
-                      <a:txBody>
-                        <a:bodyPr/>
-                        <a:lstStyle/>
-                        <a:p>
-                          <a:pPr algn="ctr"/>
-                          <a:r>
-                            <a:rPr lang="en-JP">
-                              <a:solidFill>
-                                <a:schemeClr val="bg1"/>
-                              </a:solidFill>
-                            </a:rPr>
-                            <a:t>height</a:t>
-                          </a:r>
-                        </a:p>
-                      </a:txBody>
-                      <a:tcPr marL="0" marR="0" marT="0" marB="0" anchor="b">
-                        <a:lnL w="12700" cmpd="sng">
-                          <a:noFill/>
-                        </a:lnL>
-                        <a:lnR w="12700" cmpd="sng">
-                          <a:noFill/>
-                        </a:lnR>
-                        <a:lnT w="12700" cap="flat" cmpd="sng" algn="ctr">
-                          <a:noFill/>
-                          <a:prstDash val="solid"/>
-                          <a:round/>
-                          <a:headEnd type="none" w="med" len="med"/>
-                          <a:tailEnd type="none" w="med" len="med"/>
-                        </a:lnT>
-                        <a:lnB w="12700" cap="flat" cmpd="sng" algn="ctr">
-                          <a:noFill/>
-                          <a:prstDash val="solid"/>
-                          <a:round/>
-                          <a:headEnd type="none" w="med" len="med"/>
-                          <a:tailEnd type="none" w="med" len="med"/>
-                        </a:lnB>
-                        <a:lnTlToBr w="12700" cmpd="sng">
-                          <a:noFill/>
-                          <a:prstDash val="solid"/>
-                        </a:lnTlToBr>
-                        <a:lnBlToTr w="12700" cmpd="sng">
-                          <a:noFill/>
-                          <a:prstDash val="solid"/>
-                        </a:lnBlToTr>
-                      </a:tcPr>
-                    </a:tc>
-                    <a:tc gridSpan="2">
-                      <a:txBody>
-                        <a:bodyPr/>
-                        <a:lstStyle/>
-                        <a:p>
-                          <a:pPr algn="ctr"/>
-                          <a:r>
-                            <a:rPr lang="en-JP"/>
-                            <a:t>位置</a:t>
-                          </a:r>
-                        </a:p>
-                      </a:txBody>
-                      <a:tcPr anchor="ctr">
-                        <a:lnL w="12700" cap="flat" cmpd="sng" algn="ctr">
-                          <a:solidFill>
-                            <a:schemeClr val="bg1"/>
-                          </a:solidFill>
-                          <a:prstDash val="solid"/>
-                          <a:round/>
-                          <a:headEnd type="none" w="med" len="med"/>
-                          <a:tailEnd type="none" w="med" len="med"/>
-                        </a:lnL>
-                        <a:lnR w="3175" cap="flat" cmpd="sng" algn="ctr">
-                          <a:noFill/>
-                          <a:prstDash val="solid"/>
-                          <a:round/>
-                          <a:headEnd type="none" w="med" len="med"/>
-                          <a:tailEnd type="none" w="med" len="med"/>
-                        </a:lnR>
-                        <a:lnT w="3175" cap="flat" cmpd="sng" algn="ctr">
-                          <a:noFill/>
-                          <a:prstDash val="solid"/>
-                          <a:round/>
-                          <a:headEnd type="none" w="med" len="med"/>
-                          <a:tailEnd type="none" w="med" len="med"/>
-                        </a:lnT>
-                        <a:lnB w="12700" cap="flat" cmpd="sng" algn="ctr">
-                          <a:solidFill>
-                            <a:schemeClr val="bg1"/>
-                          </a:solidFill>
-                          <a:prstDash val="solid"/>
-                          <a:round/>
-                          <a:headEnd type="none" w="med" len="med"/>
-                          <a:tailEnd type="none" w="med" len="med"/>
-                        </a:lnB>
-                        <a:lnTlToBr w="12700" cmpd="sng">
-                          <a:noFill/>
-                          <a:prstDash val="solid"/>
-                        </a:lnTlToBr>
-                        <a:lnBlToTr w="12700" cmpd="sng">
-                          <a:noFill/>
-                          <a:prstDash val="solid"/>
-                        </a:lnBlToTr>
-                      </a:tcPr>
-                    </a:tc>
-                    <a:tc hMerge="1">
-                      <a:txBody>
-                        <a:bodyPr/>
-                        <a:lstStyle/>
-                        <a:p>
-                          <a:pPr algn="ctr"/>
-                          <a:endParaRPr lang="en-JP"/>
-                        </a:p>
-                      </a:txBody>
-                      <a:tcPr anchor="ctr"/>
-                    </a:tc>
-                    <a:extLst>
-                      <a:ext uri="{0D108BD9-81ED-4DB2-BD59-A6C34878D82A}">
-                        <a16:rowId xmlns:a16="http://schemas.microsoft.com/office/drawing/2014/main" val="1712781393"/>
-                      </a:ext>
-                    </a:extLst>
-                  </a:tr>
-                  <a:tr h="335334">
-                    <a:tc>
-                      <a:txBody>
-                        <a:bodyPr/>
-                        <a:lstStyle/>
-                        <a:p>
-                          <a:pPr algn="ctr"/>
-                          <a:r>
-                            <a:rPr lang="en-JP">
-                              <a:solidFill>
-                                <a:schemeClr val="bg1"/>
-                              </a:solidFill>
-                            </a:rPr>
-                            <a:t>width</a:t>
-                          </a:r>
-                        </a:p>
-                      </a:txBody>
-                      <a:tcPr anchor="b">
-                        <a:lnL w="3175" cap="flat" cmpd="sng" algn="ctr">
-                          <a:noFill/>
-                          <a:prstDash val="solid"/>
-                          <a:round/>
-                          <a:headEnd type="none" w="med" len="med"/>
-                          <a:tailEnd type="none" w="med" len="med"/>
-                        </a:lnL>
-                        <a:lnR w="3175" cap="flat" cmpd="sng" algn="ctr">
-                          <a:noFill/>
-                          <a:prstDash val="solid"/>
-                          <a:round/>
-                          <a:headEnd type="none" w="med" len="med"/>
-                          <a:tailEnd type="none" w="med" len="med"/>
-                        </a:lnR>
-                        <a:lnT w="12700" cap="flat" cmpd="sng" algn="ctr">
-                          <a:solidFill>
-                            <a:schemeClr val="bg1"/>
-                          </a:solidFill>
-                          <a:prstDash val="solid"/>
-                          <a:round/>
-                          <a:headEnd type="none" w="med" len="med"/>
-                          <a:tailEnd type="none" w="med" len="med"/>
-                        </a:lnT>
-                        <a:lnB w="12700" cap="flat" cmpd="sng" algn="ctr">
-                          <a:solidFill>
-                            <a:schemeClr val="bg1"/>
-                          </a:solidFill>
-                          <a:prstDash val="solid"/>
-                          <a:round/>
-                          <a:headEnd type="none" w="med" len="med"/>
-                          <a:tailEnd type="none" w="med" len="med"/>
-                        </a:lnB>
-                        <a:lnTlToBr w="12700" cmpd="sng">
-                          <a:noFill/>
-                          <a:prstDash val="solid"/>
-                        </a:lnTlToBr>
-                        <a:lnBlToTr w="12700" cmpd="sng">
-                          <a:noFill/>
-                          <a:prstDash val="solid"/>
-                        </a:lnBlToTr>
-                        <a:solidFill>
-                          <a:schemeClr val="accent1"/>
-                        </a:solidFill>
-                      </a:tcPr>
-                    </a:tc>
-                    <a:tc>
-                      <a:txBody>
-                        <a:bodyPr/>
-                        <a:lstStyle/>
-                        <a:p>
-                          <a:pPr algn="ctr"/>
-                          <a:r>
-                            <a:rPr lang="en-JP">
-                              <a:solidFill>
-                                <a:schemeClr val="bg1"/>
-                              </a:solidFill>
-                            </a:rPr>
-                            <a:t>height</a:t>
-                          </a:r>
-                        </a:p>
-                      </a:txBody>
-                      <a:tcPr anchor="b">
-                        <a:lnL w="3175" cap="flat" cmpd="sng" algn="ctr">
-                          <a:noFill/>
-                          <a:prstDash val="solid"/>
-                          <a:round/>
-                          <a:headEnd type="none" w="med" len="med"/>
-                          <a:tailEnd type="none" w="med" len="med"/>
-                        </a:lnL>
-                        <a:lnR w="12700" cap="flat" cmpd="sng" algn="ctr">
-                          <a:solidFill>
-                            <a:schemeClr val="bg1"/>
-                          </a:solidFill>
-                          <a:prstDash val="solid"/>
-                          <a:round/>
-                          <a:headEnd type="none" w="med" len="med"/>
-                          <a:tailEnd type="none" w="med" len="med"/>
-                        </a:lnR>
-                        <a:lnT w="12700" cap="flat" cmpd="sng" algn="ctr">
-                          <a:solidFill>
-                            <a:schemeClr val="bg1"/>
-                          </a:solidFill>
-                          <a:prstDash val="solid"/>
-                          <a:round/>
-                          <a:headEnd type="none" w="med" len="med"/>
-                          <a:tailEnd type="none" w="med" len="med"/>
-                        </a:lnT>
-                        <a:lnB w="12700" cap="flat" cmpd="sng" algn="ctr">
-                          <a:solidFill>
-                            <a:schemeClr val="bg1"/>
-                          </a:solidFill>
-                          <a:prstDash val="solid"/>
-                          <a:round/>
-                          <a:headEnd type="none" w="med" len="med"/>
-                          <a:tailEnd type="none" w="med" len="med"/>
-                        </a:lnB>
-                        <a:lnTlToBr w="12700" cmpd="sng">
-                          <a:noFill/>
-                          <a:prstDash val="solid"/>
-                        </a:lnTlToBr>
-                        <a:lnBlToTr w="12700" cmpd="sng">
-                          <a:noFill/>
-                          <a:prstDash val="solid"/>
-                        </a:lnBlToTr>
-                        <a:solidFill>
-                          <a:schemeClr val="accent1"/>
-                        </a:solidFill>
-                      </a:tcPr>
-                    </a:tc>
-                    <a:tc>
-                      <a:txBody>
-                        <a:bodyPr/>
-                        <a:lstStyle/>
-                        <a:p>
-                          <a:pPr algn="ctr"/>
-                          <a14:m>
-                            <m:oMathPara xmlns:m="http://schemas.openxmlformats.org/officeDocument/2006/math">
-                              <m:oMathParaPr>
-                                <m:jc m:val="centerGroup"/>
-                              </m:oMathParaPr>
-                              <m:oMath xmlns:m="http://schemas.openxmlformats.org/officeDocument/2006/math">
-                                <m:r>
-                                  <a:rPr lang="en-US" altLang="ja-JP" b="0" i="1">
-                                    <a:solidFill>
-                                      <a:schemeClr val="bg1"/>
-                                    </a:solidFill>
-                                    <a:latin typeface="Cambria Math" panose="02040503050406030204" pitchFamily="18" charset="0"/>
-                                  </a:rPr>
-                                  <m:t>𝑥</m:t>
-                                </m:r>
-                              </m:oMath>
-                            </m:oMathPara>
-                          </a14:m>
-                          <a:endParaRPr lang="en-JP">
-                            <a:solidFill>
-                              <a:schemeClr val="bg1"/>
-                            </a:solidFill>
-                          </a:endParaRPr>
-                        </a:p>
-                      </a:txBody>
-                      <a:tcPr anchor="ctr">
-                        <a:lnL w="12700" cap="flat" cmpd="sng" algn="ctr">
-                          <a:solidFill>
-                            <a:schemeClr val="bg1"/>
-                          </a:solidFill>
-                          <a:prstDash val="solid"/>
-                          <a:round/>
-                          <a:headEnd type="none" w="med" len="med"/>
-                          <a:tailEnd type="none" w="med" len="med"/>
-                        </a:lnL>
-                        <a:lnR w="3175" cap="flat" cmpd="sng" algn="ctr">
-                          <a:noFill/>
-                          <a:prstDash val="solid"/>
-                          <a:round/>
-                          <a:headEnd type="none" w="med" len="med"/>
-                          <a:tailEnd type="none" w="med" len="med"/>
-                        </a:lnR>
-                        <a:lnT w="12700" cap="flat" cmpd="sng" algn="ctr">
-                          <a:solidFill>
-                            <a:schemeClr val="bg1"/>
-                          </a:solidFill>
-                          <a:prstDash val="solid"/>
-                          <a:round/>
-                          <a:headEnd type="none" w="med" len="med"/>
-                          <a:tailEnd type="none" w="med" len="med"/>
-                        </a:lnT>
-                        <a:lnB w="12700" cap="flat" cmpd="sng" algn="ctr">
-                          <a:solidFill>
-                            <a:schemeClr val="bg1"/>
-                          </a:solidFill>
-                          <a:prstDash val="solid"/>
-                          <a:round/>
-                          <a:headEnd type="none" w="med" len="med"/>
-                          <a:tailEnd type="none" w="med" len="med"/>
-                        </a:lnB>
-                        <a:lnTlToBr w="12700" cmpd="sng">
-                          <a:noFill/>
-                          <a:prstDash val="solid"/>
-                        </a:lnTlToBr>
-                        <a:lnBlToTr w="12700" cmpd="sng">
-                          <a:noFill/>
-                          <a:prstDash val="solid"/>
-                        </a:lnBlToTr>
-                        <a:solidFill>
-                          <a:schemeClr val="accent1"/>
-                        </a:solidFill>
-                      </a:tcPr>
-                    </a:tc>
-                    <a:tc>
-                      <a:txBody>
-                        <a:bodyPr/>
-                        <a:lstStyle/>
-                        <a:p>
-                          <a:pPr algn="ctr"/>
-                          <a14:m>
-                            <m:oMathPara xmlns:m="http://schemas.openxmlformats.org/officeDocument/2006/math">
-                              <m:oMathParaPr>
-                                <m:jc m:val="centerGroup"/>
-                              </m:oMathParaPr>
-                              <m:oMath xmlns:m="http://schemas.openxmlformats.org/officeDocument/2006/math">
-                                <m:r>
-                                  <a:rPr lang="en-US" b="0" i="1">
-                                    <a:solidFill>
-                                      <a:schemeClr val="bg1"/>
-                                    </a:solidFill>
-                                    <a:latin typeface="Cambria Math" panose="02040503050406030204" pitchFamily="18" charset="0"/>
-                                  </a:rPr>
-                                  <m:t>𝑦</m:t>
-                                </m:r>
-                              </m:oMath>
-                            </m:oMathPara>
-                          </a14:m>
-                          <a:endParaRPr lang="en-JP">
-                            <a:solidFill>
-                              <a:schemeClr val="bg1"/>
-                            </a:solidFill>
-                          </a:endParaRPr>
-                        </a:p>
-                      </a:txBody>
-                      <a:tcPr anchor="ctr">
-                        <a:lnL w="3175" cap="flat" cmpd="sng" algn="ctr">
-                          <a:noFill/>
-                          <a:prstDash val="solid"/>
-                          <a:round/>
-                          <a:headEnd type="none" w="med" len="med"/>
-                          <a:tailEnd type="none" w="med" len="med"/>
-                        </a:lnL>
-                        <a:lnR w="3175" cap="flat" cmpd="sng" algn="ctr">
-                          <a:noFill/>
-                          <a:prstDash val="solid"/>
-                          <a:round/>
-                          <a:headEnd type="none" w="med" len="med"/>
-                          <a:tailEnd type="none" w="med" len="med"/>
-                        </a:lnR>
-                        <a:lnT w="12700" cap="flat" cmpd="sng" algn="ctr">
-                          <a:solidFill>
-                            <a:schemeClr val="bg1"/>
-                          </a:solidFill>
-                          <a:prstDash val="solid"/>
-                          <a:round/>
-                          <a:headEnd type="none" w="med" len="med"/>
-                          <a:tailEnd type="none" w="med" len="med"/>
-                        </a:lnT>
-                        <a:lnB w="12700" cap="flat" cmpd="sng" algn="ctr">
-                          <a:solidFill>
-                            <a:schemeClr val="bg1"/>
-                          </a:solidFill>
-                          <a:prstDash val="solid"/>
-                          <a:round/>
-                          <a:headEnd type="none" w="med" len="med"/>
-                          <a:tailEnd type="none" w="med" len="med"/>
-                        </a:lnB>
-                        <a:lnTlToBr w="12700" cmpd="sng">
-                          <a:noFill/>
-                          <a:prstDash val="solid"/>
-                        </a:lnTlToBr>
-                        <a:lnBlToTr w="12700" cmpd="sng">
-                          <a:noFill/>
-                          <a:prstDash val="solid"/>
-                        </a:lnBlToTr>
-                        <a:solidFill>
-                          <a:schemeClr val="accent1"/>
-                        </a:solidFill>
-                      </a:tcPr>
-                    </a:tc>
-                    <a:extLst>
-                      <a:ext uri="{0D108BD9-81ED-4DB2-BD59-A6C34878D82A}">
-                        <a16:rowId xmlns:a16="http://schemas.microsoft.com/office/drawing/2014/main" val="1244342789"/>
-                      </a:ext>
-                    </a:extLst>
-                  </a:tr>
-                  <a:tr h="390863">
-                    <a:tc>
-                      <a:txBody>
-                        <a:bodyPr/>
-                        <a:lstStyle/>
-                        <a:p>
-                          <a:pPr algn="ctr"/>
-                          <a:r>
-                            <a:rPr lang="en-JP"/>
-                            <a:t>10</a:t>
-                          </a:r>
-                        </a:p>
-                      </a:txBody>
-                      <a:tcPr anchor="ctr">
-                        <a:lnT w="12700" cap="flat" cmpd="sng" algn="ctr">
-                          <a:solidFill>
-                            <a:schemeClr val="bg1"/>
-                          </a:solidFill>
-                          <a:prstDash val="solid"/>
-                          <a:round/>
-                          <a:headEnd type="none" w="med" len="med"/>
-                          <a:tailEnd type="none" w="med" len="med"/>
-                        </a:lnT>
-                      </a:tcPr>
-                    </a:tc>
-                    <a:tc>
-                      <a:txBody>
-                        <a:bodyPr/>
-                        <a:lstStyle/>
-                        <a:p>
-                          <a:pPr algn="ctr"/>
-                          <a:r>
-                            <a:rPr lang="en-JP"/>
-                            <a:t>10</a:t>
-                          </a:r>
-                        </a:p>
-                      </a:txBody>
-                      <a:tcPr anchor="ctr">
-                        <a:lnR w="12700" cap="flat" cmpd="sng" algn="ctr">
-                          <a:solidFill>
-                            <a:schemeClr val="bg1"/>
-                          </a:solidFill>
-                          <a:prstDash val="solid"/>
-                          <a:round/>
-                          <a:headEnd type="none" w="med" len="med"/>
-                          <a:tailEnd type="none" w="med" len="med"/>
-                        </a:lnR>
-                        <a:lnT w="12700" cap="flat" cmpd="sng" algn="ctr">
-                          <a:solidFill>
-                            <a:schemeClr val="bg1"/>
-                          </a:solidFill>
-                          <a:prstDash val="solid"/>
-                          <a:round/>
-                          <a:headEnd type="none" w="med" len="med"/>
-                          <a:tailEnd type="none" w="med" len="med"/>
-                        </a:lnT>
-                      </a:tcPr>
-                    </a:tc>
-                    <a:tc>
-                      <a:txBody>
-                        <a:bodyPr/>
-                        <a:lstStyle/>
-                        <a:p>
-                          <a:pPr algn="ctr"/>
-                          <a:r>
-                            <a:rPr lang="en-JP"/>
-                            <a:t>100</a:t>
-                          </a:r>
-                        </a:p>
-                      </a:txBody>
-                      <a:tcPr anchor="ctr">
-                        <a:lnL w="12700" cap="flat" cmpd="sng" algn="ctr">
-                          <a:solidFill>
-                            <a:schemeClr val="bg1"/>
-                          </a:solidFill>
-                          <a:prstDash val="solid"/>
-                          <a:round/>
-                          <a:headEnd type="none" w="med" len="med"/>
-                          <a:tailEnd type="none" w="med" len="med"/>
-                        </a:lnL>
-                        <a:lnT w="12700" cap="flat" cmpd="sng" algn="ctr">
-                          <a:solidFill>
-                            <a:schemeClr val="bg1"/>
-                          </a:solidFill>
-                          <a:prstDash val="solid"/>
-                          <a:round/>
-                          <a:headEnd type="none" w="med" len="med"/>
-                          <a:tailEnd type="none" w="med" len="med"/>
-                        </a:lnT>
-                      </a:tcPr>
-                    </a:tc>
-                    <a:tc>
-                      <a:txBody>
-                        <a:bodyPr/>
-                        <a:lstStyle/>
-                        <a:p>
-                          <a:pPr algn="ctr"/>
-                          <a:r>
-                            <a:rPr lang="en-JP"/>
-                            <a:t>600</a:t>
-                          </a:r>
-                        </a:p>
-                      </a:txBody>
-                      <a:tcPr anchor="ctr">
-                        <a:lnT w="12700" cap="flat" cmpd="sng" algn="ctr">
-                          <a:solidFill>
-                            <a:schemeClr val="bg1"/>
-                          </a:solidFill>
-                          <a:prstDash val="solid"/>
-                          <a:round/>
-                          <a:headEnd type="none" w="med" len="med"/>
-                          <a:tailEnd type="none" w="med" len="med"/>
-                        </a:lnT>
-                      </a:tcPr>
-                    </a:tc>
-                    <a:extLst>
-                      <a:ext uri="{0D108BD9-81ED-4DB2-BD59-A6C34878D82A}">
-                        <a16:rowId xmlns:a16="http://schemas.microsoft.com/office/drawing/2014/main" val="125786222"/>
-                      </a:ext>
-                    </a:extLst>
-                  </a:tr>
-                  <a:tr h="390863">
-                    <a:tc>
-                      <a:txBody>
-                        <a:bodyPr/>
-                        <a:lstStyle/>
-                        <a:p>
-                          <a:pPr algn="ctr"/>
-                          <a:r>
-                            <a:rPr lang="en-JP"/>
-                            <a:t>100</a:t>
-                          </a:r>
-                        </a:p>
-                      </a:txBody>
-                      <a:tcPr anchor="ctr"/>
-                    </a:tc>
-                    <a:tc>
-                      <a:txBody>
-                        <a:bodyPr/>
-                        <a:lstStyle/>
-                        <a:p>
-                          <a:pPr algn="ctr"/>
-                          <a:r>
-                            <a:rPr lang="en-JP"/>
-                            <a:t>100</a:t>
-                          </a:r>
-                        </a:p>
-                      </a:txBody>
-                      <a:tcPr anchor="ctr"/>
-                    </a:tc>
-                    <a:tc>
-                      <a:txBody>
-                        <a:bodyPr/>
-                        <a:lstStyle/>
-                        <a:p>
-                          <a:pPr algn="ctr"/>
-                          <a:r>
-                            <a:rPr lang="en-JP"/>
-                            <a:t>300</a:t>
-                          </a:r>
-                        </a:p>
-                      </a:txBody>
-                      <a:tcPr anchor="ctr"/>
-                    </a:tc>
-                    <a:tc>
-                      <a:txBody>
-                        <a:bodyPr/>
-                        <a:lstStyle/>
-                        <a:p>
-                          <a:pPr algn="ctr"/>
-                          <a:r>
-                            <a:rPr lang="en-JP"/>
-                            <a:t>1000</a:t>
-                          </a:r>
-                        </a:p>
-                      </a:txBody>
-                      <a:tcPr anchor="ctr"/>
-                    </a:tc>
-                    <a:extLst>
-                      <a:ext uri="{0D108BD9-81ED-4DB2-BD59-A6C34878D82A}">
-                        <a16:rowId xmlns:a16="http://schemas.microsoft.com/office/drawing/2014/main" val="935402475"/>
-                      </a:ext>
-                    </a:extLst>
-                  </a:tr>
-                  <a:tr h="390863">
-                    <a:tc>
-                      <a:txBody>
-                        <a:bodyPr/>
-                        <a:lstStyle/>
-                        <a:p>
-                          <a:pPr algn="ctr"/>
-                          <a:r>
-                            <a:rPr lang="en-JP"/>
-                            <a:t>50</a:t>
-                          </a:r>
-                        </a:p>
-                      </a:txBody>
-                      <a:tcPr anchor="ctr"/>
-                    </a:tc>
-                    <a:tc>
-                      <a:txBody>
-                        <a:bodyPr/>
-                        <a:lstStyle/>
-                        <a:p>
-                          <a:pPr algn="ctr"/>
-                          <a:r>
-                            <a:rPr lang="en-JP"/>
-                            <a:t>50</a:t>
-                          </a:r>
-                        </a:p>
-                      </a:txBody>
-                      <a:tcPr anchor="ctr"/>
-                    </a:tc>
-                    <a:tc>
-                      <a:txBody>
-                        <a:bodyPr/>
-                        <a:lstStyle/>
-                        <a:p>
-                          <a:pPr algn="ctr"/>
-                          <a:r>
-                            <a:rPr lang="en-JP"/>
-                            <a:t>850</a:t>
-                          </a:r>
-                        </a:p>
-                      </a:txBody>
-                      <a:tcPr anchor="ctr"/>
-                    </a:tc>
-                    <a:tc>
-                      <a:txBody>
-                        <a:bodyPr/>
-                        <a:lstStyle/>
-                        <a:p>
-                          <a:pPr algn="ctr"/>
-                          <a:r>
-                            <a:rPr lang="en-JP"/>
-                            <a:t>1600</a:t>
-                          </a:r>
-                        </a:p>
-                      </a:txBody>
-                      <a:tcPr anchor="ctr"/>
-                    </a:tc>
-                    <a:extLst>
-                      <a:ext uri="{0D108BD9-81ED-4DB2-BD59-A6C34878D82A}">
-                        <a16:rowId xmlns:a16="http://schemas.microsoft.com/office/drawing/2014/main" val="890109523"/>
-                      </a:ext>
-                    </a:extLst>
-                  </a:tr>
-                </a:tbl>
-              </a:graphicData>
-            </a:graphic>
-          </p:graphicFrame>
-        </mc:Choice>
-        <mc:Fallback xmlns="">
-          <p:graphicFrame>
-            <p:nvGraphicFramePr>
-              <p:cNvPr id="8" name="Table 7">
-                <a:extLst>
-                  <a:ext uri="{FF2B5EF4-FFF2-40B4-BE49-F238E27FC236}">
-                    <a16:creationId xmlns:a16="http://schemas.microsoft.com/office/drawing/2014/main" id="{0CA74559-DAD2-884F-B55E-B671476EEBA0}"/>
-                  </a:ext>
-                </a:extLst>
-              </p:cNvPr>
-              <p:cNvGraphicFramePr>
-                <a:graphicFrameLocks noGrp="1"/>
-              </p:cNvGraphicFramePr>
-              <p:nvPr/>
-            </p:nvGraphicFramePr>
-            <p:xfrm>
-              <a:off x="5431029" y="3818371"/>
-              <a:ext cx="5976552" cy="1904109"/>
-            </p:xfrm>
-            <a:graphic>
-              <a:graphicData uri="http://schemas.openxmlformats.org/drawingml/2006/table">
-                <a:tbl>
-                  <a:tblPr firstRow="1" bandRow="1">
-                    <a:tableStyleId>{5C22544A-7EE6-4342-B048-85BDC9FD1C3A}</a:tableStyleId>
-                  </a:tblPr>
-                  <a:tblGrid>
-                    <a:gridCol w="1494138">
-                      <a:extLst>
-                        <a:ext uri="{9D8B030D-6E8A-4147-A177-3AD203B41FA5}">
-                          <a16:colId xmlns:a16="http://schemas.microsoft.com/office/drawing/2014/main" val="2344099614"/>
-                        </a:ext>
-                      </a:extLst>
-                    </a:gridCol>
-                    <a:gridCol w="1494138">
-                      <a:extLst>
-                        <a:ext uri="{9D8B030D-6E8A-4147-A177-3AD203B41FA5}">
-                          <a16:colId xmlns:a16="http://schemas.microsoft.com/office/drawing/2014/main" val="2387814449"/>
-                        </a:ext>
-                      </a:extLst>
-                    </a:gridCol>
-                    <a:gridCol w="1494138">
-                      <a:extLst>
-                        <a:ext uri="{9D8B030D-6E8A-4147-A177-3AD203B41FA5}">
-                          <a16:colId xmlns:a16="http://schemas.microsoft.com/office/drawing/2014/main" val="42155799"/>
-                        </a:ext>
-                      </a:extLst>
-                    </a:gridCol>
-                    <a:gridCol w="1494138">
-                      <a:extLst>
-                        <a:ext uri="{9D8B030D-6E8A-4147-A177-3AD203B41FA5}">
-                          <a16:colId xmlns:a16="http://schemas.microsoft.com/office/drawing/2014/main" val="4101063119"/>
-                        </a:ext>
-                      </a:extLst>
-                    </a:gridCol>
-                  </a:tblGrid>
-                  <a:tr h="365760">
-                    <a:tc gridSpan="2">
-                      <a:txBody>
-                        <a:bodyPr/>
-                        <a:lstStyle/>
-                        <a:p>
-                          <a:pPr algn="ctr"/>
-                          <a:r>
-                            <a:rPr lang="en-JP">
-                              <a:solidFill>
-                                <a:schemeClr val="bg1"/>
-                              </a:solidFill>
-                            </a:rPr>
-                            <a:t>大きさ</a:t>
-                          </a:r>
-                        </a:p>
-                      </a:txBody>
-                      <a:tcPr anchor="b">
-                        <a:lnL w="3175" cap="flat" cmpd="sng" algn="ctr">
-                          <a:noFill/>
-                          <a:prstDash val="solid"/>
-                          <a:round/>
-                          <a:headEnd type="none" w="med" len="med"/>
-                          <a:tailEnd type="none" w="med" len="med"/>
-                        </a:lnL>
-                        <a:lnR w="12700" cap="flat" cmpd="sng" algn="ctr">
-                          <a:solidFill>
-                            <a:schemeClr val="bg1"/>
-                          </a:solidFill>
-                          <a:prstDash val="solid"/>
-                          <a:round/>
-                          <a:headEnd type="none" w="med" len="med"/>
-                          <a:tailEnd type="none" w="med" len="med"/>
-                        </a:lnR>
-                        <a:lnT w="3175" cap="flat" cmpd="sng" algn="ctr">
-                          <a:noFill/>
-                          <a:prstDash val="solid"/>
-                          <a:round/>
-                          <a:headEnd type="none" w="med" len="med"/>
-                          <a:tailEnd type="none" w="med" len="med"/>
-                        </a:lnT>
-                        <a:lnB w="12700" cap="flat" cmpd="sng" algn="ctr">
-                          <a:solidFill>
-                            <a:schemeClr val="bg1"/>
-                          </a:solidFill>
-                          <a:prstDash val="solid"/>
-                          <a:round/>
-                          <a:headEnd type="none" w="med" len="med"/>
-                          <a:tailEnd type="none" w="med" len="med"/>
-                        </a:lnB>
-                        <a:lnTlToBr w="12700" cmpd="sng">
-                          <a:noFill/>
-                          <a:prstDash val="solid"/>
-                        </a:lnTlToBr>
-                        <a:lnBlToTr w="12700" cmpd="sng">
-                          <a:noFill/>
-                          <a:prstDash val="solid"/>
-                        </a:lnBlToTr>
-                      </a:tcPr>
-                    </a:tc>
-                    <a:tc hMerge="1">
-                      <a:txBody>
-                        <a:bodyPr/>
-                        <a:lstStyle/>
-                        <a:p>
-                          <a:pPr algn="ctr"/>
-                          <a:r>
-                            <a:rPr lang="en-JP">
-                              <a:solidFill>
-                                <a:schemeClr val="bg1"/>
-                              </a:solidFill>
-                            </a:rPr>
-                            <a:t>height</a:t>
-                          </a:r>
-                        </a:p>
-                      </a:txBody>
-                      <a:tcPr marL="0" marR="0" marT="0" marB="0" anchor="b">
-                        <a:lnL w="12700" cmpd="sng">
-                          <a:noFill/>
-                        </a:lnL>
-                        <a:lnR w="12700" cmpd="sng">
-                          <a:noFill/>
-                        </a:lnR>
-                        <a:lnT w="12700" cap="flat" cmpd="sng" algn="ctr">
-                          <a:noFill/>
-                          <a:prstDash val="solid"/>
-                          <a:round/>
-                          <a:headEnd type="none" w="med" len="med"/>
-                          <a:tailEnd type="none" w="med" len="med"/>
-                        </a:lnT>
-                        <a:lnB w="12700" cap="flat" cmpd="sng" algn="ctr">
-                          <a:noFill/>
-                          <a:prstDash val="solid"/>
-                          <a:round/>
-                          <a:headEnd type="none" w="med" len="med"/>
-                          <a:tailEnd type="none" w="med" len="med"/>
-                        </a:lnB>
-                        <a:lnTlToBr w="12700" cmpd="sng">
-                          <a:noFill/>
-                          <a:prstDash val="solid"/>
-                        </a:lnTlToBr>
-                        <a:lnBlToTr w="12700" cmpd="sng">
-                          <a:noFill/>
-                          <a:prstDash val="solid"/>
-                        </a:lnBlToTr>
-                      </a:tcPr>
-                    </a:tc>
-                    <a:tc gridSpan="2">
-                      <a:txBody>
-                        <a:bodyPr/>
-                        <a:lstStyle/>
-                        <a:p>
-                          <a:pPr algn="ctr"/>
-                          <a:r>
-                            <a:rPr lang="en-JP"/>
-                            <a:t>位置</a:t>
-                          </a:r>
-                        </a:p>
-                      </a:txBody>
-                      <a:tcPr anchor="ctr">
-                        <a:lnL w="12700" cap="flat" cmpd="sng" algn="ctr">
-                          <a:solidFill>
-                            <a:schemeClr val="bg1"/>
-                          </a:solidFill>
-                          <a:prstDash val="solid"/>
-                          <a:round/>
-                          <a:headEnd type="none" w="med" len="med"/>
-                          <a:tailEnd type="none" w="med" len="med"/>
-                        </a:lnL>
-                        <a:lnR w="3175" cap="flat" cmpd="sng" algn="ctr">
-                          <a:noFill/>
-                          <a:prstDash val="solid"/>
-                          <a:round/>
-                          <a:headEnd type="none" w="med" len="med"/>
-                          <a:tailEnd type="none" w="med" len="med"/>
-                        </a:lnR>
-                        <a:lnT w="3175" cap="flat" cmpd="sng" algn="ctr">
-                          <a:noFill/>
-                          <a:prstDash val="solid"/>
-                          <a:round/>
-                          <a:headEnd type="none" w="med" len="med"/>
-                          <a:tailEnd type="none" w="med" len="med"/>
-                        </a:lnT>
-                        <a:lnB w="12700" cap="flat" cmpd="sng" algn="ctr">
-                          <a:solidFill>
-                            <a:schemeClr val="bg1"/>
-                          </a:solidFill>
-                          <a:prstDash val="solid"/>
-                          <a:round/>
-                          <a:headEnd type="none" w="med" len="med"/>
-                          <a:tailEnd type="none" w="med" len="med"/>
-                        </a:lnB>
-                        <a:lnTlToBr w="12700" cmpd="sng">
-                          <a:noFill/>
-                          <a:prstDash val="solid"/>
-                        </a:lnTlToBr>
-                        <a:lnBlToTr w="12700" cmpd="sng">
-                          <a:noFill/>
-                          <a:prstDash val="solid"/>
-                        </a:lnBlToTr>
-                      </a:tcPr>
-                    </a:tc>
-                    <a:tc hMerge="1">
-                      <a:txBody>
-                        <a:bodyPr/>
-                        <a:lstStyle/>
-                        <a:p>
-                          <a:pPr algn="ctr"/>
-                          <a:endParaRPr lang="en-JP"/>
-                        </a:p>
-                      </a:txBody>
-                      <a:tcPr anchor="ctr"/>
-                    </a:tc>
-                    <a:extLst>
-                      <a:ext uri="{0D108BD9-81ED-4DB2-BD59-A6C34878D82A}">
-                        <a16:rowId xmlns:a16="http://schemas.microsoft.com/office/drawing/2014/main" val="1712781393"/>
-                      </a:ext>
-                    </a:extLst>
-                  </a:tr>
-                  <a:tr h="365760">
-                    <a:tc>
-                      <a:txBody>
-                        <a:bodyPr/>
-                        <a:lstStyle/>
-                        <a:p>
-                          <a:pPr algn="ctr"/>
-                          <a:r>
-                            <a:rPr lang="en-JP">
-                              <a:solidFill>
-                                <a:schemeClr val="bg1"/>
-                              </a:solidFill>
-                            </a:rPr>
-                            <a:t>width</a:t>
-                          </a:r>
-                        </a:p>
-                      </a:txBody>
-                      <a:tcPr anchor="b">
-                        <a:lnL w="3175" cap="flat" cmpd="sng" algn="ctr">
-                          <a:noFill/>
-                          <a:prstDash val="solid"/>
-                          <a:round/>
-                          <a:headEnd type="none" w="med" len="med"/>
-                          <a:tailEnd type="none" w="med" len="med"/>
-                        </a:lnL>
-                        <a:lnR w="3175" cap="flat" cmpd="sng" algn="ctr">
-                          <a:noFill/>
-                          <a:prstDash val="solid"/>
-                          <a:round/>
-                          <a:headEnd type="none" w="med" len="med"/>
-                          <a:tailEnd type="none" w="med" len="med"/>
-                        </a:lnR>
-                        <a:lnT w="12700" cap="flat" cmpd="sng" algn="ctr">
-                          <a:solidFill>
-                            <a:schemeClr val="bg1"/>
-                          </a:solidFill>
-                          <a:prstDash val="solid"/>
-                          <a:round/>
-                          <a:headEnd type="none" w="med" len="med"/>
-                          <a:tailEnd type="none" w="med" len="med"/>
-                        </a:lnT>
-                        <a:lnB w="12700" cap="flat" cmpd="sng" algn="ctr">
-                          <a:solidFill>
-                            <a:schemeClr val="bg1"/>
-                          </a:solidFill>
-                          <a:prstDash val="solid"/>
-                          <a:round/>
-                          <a:headEnd type="none" w="med" len="med"/>
-                          <a:tailEnd type="none" w="med" len="med"/>
-                        </a:lnB>
-                        <a:lnTlToBr w="12700" cmpd="sng">
-                          <a:noFill/>
-                          <a:prstDash val="solid"/>
-                        </a:lnTlToBr>
-                        <a:lnBlToTr w="12700" cmpd="sng">
-                          <a:noFill/>
-                          <a:prstDash val="solid"/>
-                        </a:lnBlToTr>
-                        <a:solidFill>
-                          <a:schemeClr val="accent1"/>
-                        </a:solidFill>
-                      </a:tcPr>
-                    </a:tc>
-                    <a:tc>
-                      <a:txBody>
-                        <a:bodyPr/>
-                        <a:lstStyle/>
-                        <a:p>
-                          <a:pPr algn="ctr"/>
-                          <a:r>
-                            <a:rPr lang="en-JP">
-                              <a:solidFill>
-                                <a:schemeClr val="bg1"/>
-                              </a:solidFill>
-                            </a:rPr>
-                            <a:t>height</a:t>
-                          </a:r>
-                        </a:p>
-                      </a:txBody>
-                      <a:tcPr anchor="b">
-                        <a:lnL w="3175" cap="flat" cmpd="sng" algn="ctr">
-                          <a:noFill/>
-                          <a:prstDash val="solid"/>
-                          <a:round/>
-                          <a:headEnd type="none" w="med" len="med"/>
-                          <a:tailEnd type="none" w="med" len="med"/>
-                        </a:lnL>
-                        <a:lnR w="12700" cap="flat" cmpd="sng" algn="ctr">
-                          <a:solidFill>
-                            <a:schemeClr val="bg1"/>
-                          </a:solidFill>
-                          <a:prstDash val="solid"/>
-                          <a:round/>
-                          <a:headEnd type="none" w="med" len="med"/>
-                          <a:tailEnd type="none" w="med" len="med"/>
-                        </a:lnR>
-                        <a:lnT w="12700" cap="flat" cmpd="sng" algn="ctr">
-                          <a:solidFill>
-                            <a:schemeClr val="bg1"/>
-                          </a:solidFill>
-                          <a:prstDash val="solid"/>
-                          <a:round/>
-                          <a:headEnd type="none" w="med" len="med"/>
-                          <a:tailEnd type="none" w="med" len="med"/>
-                        </a:lnT>
-                        <a:lnB w="12700" cap="flat" cmpd="sng" algn="ctr">
-                          <a:solidFill>
-                            <a:schemeClr val="bg1"/>
-                          </a:solidFill>
-                          <a:prstDash val="solid"/>
-                          <a:round/>
-                          <a:headEnd type="none" w="med" len="med"/>
-                          <a:tailEnd type="none" w="med" len="med"/>
-                        </a:lnB>
-                        <a:lnTlToBr w="12700" cmpd="sng">
-                          <a:noFill/>
-                          <a:prstDash val="solid"/>
-                        </a:lnTlToBr>
-                        <a:lnBlToTr w="12700" cmpd="sng">
-                          <a:noFill/>
-                          <a:prstDash val="solid"/>
-                        </a:lnBlToTr>
-                        <a:solidFill>
-                          <a:schemeClr val="accent1"/>
-                        </a:solidFill>
-                      </a:tcPr>
-                    </a:tc>
-                    <a:tc>
-                      <a:txBody>
-                        <a:bodyPr/>
-                        <a:lstStyle/>
-                        <a:p>
-                          <a:endParaRPr lang="en-JP"/>
-                        </a:p>
-                      </a:txBody>
-                      <a:tcPr anchor="ctr">
-                        <a:lnL w="12700" cap="flat" cmpd="sng" algn="ctr">
-                          <a:solidFill>
-                            <a:schemeClr val="bg1"/>
-                          </a:solidFill>
-                          <a:prstDash val="solid"/>
-                          <a:round/>
-                          <a:headEnd type="none" w="med" len="med"/>
-                          <a:tailEnd type="none" w="med" len="med"/>
-                        </a:lnL>
-                        <a:lnR w="3175" cap="flat" cmpd="sng" algn="ctr">
-                          <a:noFill/>
-                          <a:prstDash val="solid"/>
-                          <a:round/>
-                          <a:headEnd type="none" w="med" len="med"/>
-                          <a:tailEnd type="none" w="med" len="med"/>
-                        </a:lnR>
-                        <a:lnT w="12700" cap="flat" cmpd="sng" algn="ctr">
-                          <a:solidFill>
-                            <a:schemeClr val="bg1"/>
-                          </a:solidFill>
-                          <a:prstDash val="solid"/>
-                          <a:round/>
-                          <a:headEnd type="none" w="med" len="med"/>
-                          <a:tailEnd type="none" w="med" len="med"/>
-                        </a:lnT>
-                        <a:lnB w="12700" cap="flat" cmpd="sng" algn="ctr">
-                          <a:solidFill>
-                            <a:schemeClr val="bg1"/>
-                          </a:solidFill>
-                          <a:prstDash val="solid"/>
-                          <a:round/>
-                          <a:headEnd type="none" w="med" len="med"/>
-                          <a:tailEnd type="none" w="med" len="med"/>
-                        </a:lnB>
-                        <a:lnTlToBr w="12700" cmpd="sng">
-                          <a:noFill/>
-                          <a:prstDash val="solid"/>
-                        </a:lnTlToBr>
-                        <a:lnBlToTr w="12700" cmpd="sng">
-                          <a:noFill/>
-                          <a:prstDash val="solid"/>
-                        </a:lnBlToTr>
-                        <a:blipFill>
-                          <a:blip r:embed="rId2"/>
-                          <a:stretch>
-                            <a:fillRect l="-200847" t="-113793" r="-100847" b="-344828"/>
-                          </a:stretch>
-                        </a:blipFill>
-                      </a:tcPr>
-                    </a:tc>
-                    <a:tc>
-                      <a:txBody>
-                        <a:bodyPr/>
-                        <a:lstStyle/>
-                        <a:p>
-                          <a:endParaRPr lang="en-JP"/>
-                        </a:p>
-                      </a:txBody>
-                      <a:tcPr anchor="ctr">
-                        <a:lnL w="3175" cap="flat" cmpd="sng" algn="ctr">
-                          <a:noFill/>
-                          <a:prstDash val="solid"/>
-                          <a:round/>
-                          <a:headEnd type="none" w="med" len="med"/>
-                          <a:tailEnd type="none" w="med" len="med"/>
-                        </a:lnL>
-                        <a:lnR w="3175" cap="flat" cmpd="sng" algn="ctr">
-                          <a:noFill/>
-                          <a:prstDash val="solid"/>
-                          <a:round/>
-                          <a:headEnd type="none" w="med" len="med"/>
-                          <a:tailEnd type="none" w="med" len="med"/>
-                        </a:lnR>
-                        <a:lnT w="12700" cap="flat" cmpd="sng" algn="ctr">
-                          <a:solidFill>
-                            <a:schemeClr val="bg1"/>
-                          </a:solidFill>
-                          <a:prstDash val="solid"/>
-                          <a:round/>
-                          <a:headEnd type="none" w="med" len="med"/>
-                          <a:tailEnd type="none" w="med" len="med"/>
-                        </a:lnT>
-                        <a:lnB w="12700" cap="flat" cmpd="sng" algn="ctr">
-                          <a:solidFill>
-                            <a:schemeClr val="bg1"/>
-                          </a:solidFill>
-                          <a:prstDash val="solid"/>
-                          <a:round/>
-                          <a:headEnd type="none" w="med" len="med"/>
-                          <a:tailEnd type="none" w="med" len="med"/>
-                        </a:lnB>
-                        <a:lnTlToBr w="12700" cmpd="sng">
-                          <a:noFill/>
-                          <a:prstDash val="solid"/>
-                        </a:lnTlToBr>
-                        <a:lnBlToTr w="12700" cmpd="sng">
-                          <a:noFill/>
-                          <a:prstDash val="solid"/>
-                        </a:lnBlToTr>
-                        <a:blipFill>
-                          <a:blip r:embed="rId2"/>
-                          <a:stretch>
-                            <a:fillRect l="-300847" t="-113793" r="-847" b="-344828"/>
-                          </a:stretch>
-                        </a:blipFill>
-                      </a:tcPr>
-                    </a:tc>
-                    <a:extLst>
-                      <a:ext uri="{0D108BD9-81ED-4DB2-BD59-A6C34878D82A}">
-                        <a16:rowId xmlns:a16="http://schemas.microsoft.com/office/drawing/2014/main" val="1244342789"/>
-                      </a:ext>
-                    </a:extLst>
-                  </a:tr>
-                  <a:tr h="390863">
-                    <a:tc>
-                      <a:txBody>
-                        <a:bodyPr/>
-                        <a:lstStyle/>
-                        <a:p>
-                          <a:pPr algn="ctr"/>
-                          <a:r>
-                            <a:rPr lang="en-JP"/>
-                            <a:t>10</a:t>
-                          </a:r>
-                        </a:p>
-                      </a:txBody>
-                      <a:tcPr anchor="ctr">
-                        <a:lnT w="12700" cap="flat" cmpd="sng" algn="ctr">
-                          <a:solidFill>
-                            <a:schemeClr val="bg1"/>
-                          </a:solidFill>
-                          <a:prstDash val="solid"/>
-                          <a:round/>
-                          <a:headEnd type="none" w="med" len="med"/>
-                          <a:tailEnd type="none" w="med" len="med"/>
-                        </a:lnT>
-                      </a:tcPr>
-                    </a:tc>
-                    <a:tc>
-                      <a:txBody>
-                        <a:bodyPr/>
-                        <a:lstStyle/>
-                        <a:p>
-                          <a:pPr algn="ctr"/>
-                          <a:r>
-                            <a:rPr lang="en-JP"/>
-                            <a:t>10</a:t>
-                          </a:r>
-                        </a:p>
-                      </a:txBody>
-                      <a:tcPr anchor="ctr">
-                        <a:lnR w="12700" cap="flat" cmpd="sng" algn="ctr">
-                          <a:solidFill>
-                            <a:schemeClr val="bg1"/>
-                          </a:solidFill>
-                          <a:prstDash val="solid"/>
-                          <a:round/>
-                          <a:headEnd type="none" w="med" len="med"/>
-                          <a:tailEnd type="none" w="med" len="med"/>
-                        </a:lnR>
-                        <a:lnT w="12700" cap="flat" cmpd="sng" algn="ctr">
-                          <a:solidFill>
-                            <a:schemeClr val="bg1"/>
-                          </a:solidFill>
-                          <a:prstDash val="solid"/>
-                          <a:round/>
-                          <a:headEnd type="none" w="med" len="med"/>
-                          <a:tailEnd type="none" w="med" len="med"/>
-                        </a:lnT>
-                      </a:tcPr>
-                    </a:tc>
-                    <a:tc>
-                      <a:txBody>
-                        <a:bodyPr/>
-                        <a:lstStyle/>
-                        <a:p>
-                          <a:pPr algn="ctr"/>
-                          <a:r>
-                            <a:rPr lang="en-JP"/>
-                            <a:t>100</a:t>
-                          </a:r>
-                        </a:p>
-                      </a:txBody>
-                      <a:tcPr anchor="ctr">
-                        <a:lnL w="12700" cap="flat" cmpd="sng" algn="ctr">
-                          <a:solidFill>
-                            <a:schemeClr val="bg1"/>
-                          </a:solidFill>
-                          <a:prstDash val="solid"/>
-                          <a:round/>
-                          <a:headEnd type="none" w="med" len="med"/>
-                          <a:tailEnd type="none" w="med" len="med"/>
-                        </a:lnL>
-                        <a:lnT w="12700" cap="flat" cmpd="sng" algn="ctr">
-                          <a:solidFill>
-                            <a:schemeClr val="bg1"/>
-                          </a:solidFill>
-                          <a:prstDash val="solid"/>
-                          <a:round/>
-                          <a:headEnd type="none" w="med" len="med"/>
-                          <a:tailEnd type="none" w="med" len="med"/>
-                        </a:lnT>
-                      </a:tcPr>
-                    </a:tc>
-                    <a:tc>
-                      <a:txBody>
-                        <a:bodyPr/>
-                        <a:lstStyle/>
-                        <a:p>
-                          <a:pPr algn="ctr"/>
-                          <a:r>
-                            <a:rPr lang="en-JP"/>
-                            <a:t>600</a:t>
-                          </a:r>
-                        </a:p>
-                      </a:txBody>
-                      <a:tcPr anchor="ctr">
-                        <a:lnT w="12700" cap="flat" cmpd="sng" algn="ctr">
-                          <a:solidFill>
-                            <a:schemeClr val="bg1"/>
-                          </a:solidFill>
-                          <a:prstDash val="solid"/>
-                          <a:round/>
-                          <a:headEnd type="none" w="med" len="med"/>
-                          <a:tailEnd type="none" w="med" len="med"/>
-                        </a:lnT>
-                      </a:tcPr>
-                    </a:tc>
-                    <a:extLst>
-                      <a:ext uri="{0D108BD9-81ED-4DB2-BD59-A6C34878D82A}">
-                        <a16:rowId xmlns:a16="http://schemas.microsoft.com/office/drawing/2014/main" val="125786222"/>
-                      </a:ext>
-                    </a:extLst>
-                  </a:tr>
-                  <a:tr h="390863">
-                    <a:tc>
-                      <a:txBody>
-                        <a:bodyPr/>
-                        <a:lstStyle/>
-                        <a:p>
-                          <a:pPr algn="ctr"/>
-                          <a:r>
-                            <a:rPr lang="en-JP"/>
-                            <a:t>100</a:t>
-                          </a:r>
-                        </a:p>
-                      </a:txBody>
-                      <a:tcPr anchor="ctr"/>
-                    </a:tc>
-                    <a:tc>
-                      <a:txBody>
-                        <a:bodyPr/>
-                        <a:lstStyle/>
-                        <a:p>
-                          <a:pPr algn="ctr"/>
-                          <a:r>
-                            <a:rPr lang="en-JP"/>
-                            <a:t>100</a:t>
-                          </a:r>
-                        </a:p>
-                      </a:txBody>
-                      <a:tcPr anchor="ctr"/>
-                    </a:tc>
-                    <a:tc>
-                      <a:txBody>
-                        <a:bodyPr/>
-                        <a:lstStyle/>
-                        <a:p>
-                          <a:pPr algn="ctr"/>
-                          <a:r>
-                            <a:rPr lang="en-JP"/>
-                            <a:t>300</a:t>
-                          </a:r>
-                        </a:p>
-                      </a:txBody>
-                      <a:tcPr anchor="ctr"/>
-                    </a:tc>
-                    <a:tc>
-                      <a:txBody>
-                        <a:bodyPr/>
-                        <a:lstStyle/>
-                        <a:p>
-                          <a:pPr algn="ctr"/>
-                          <a:r>
-                            <a:rPr lang="en-JP"/>
-                            <a:t>1000</a:t>
-                          </a:r>
-                        </a:p>
-                      </a:txBody>
-                      <a:tcPr anchor="ctr"/>
-                    </a:tc>
-                    <a:extLst>
-                      <a:ext uri="{0D108BD9-81ED-4DB2-BD59-A6C34878D82A}">
-                        <a16:rowId xmlns:a16="http://schemas.microsoft.com/office/drawing/2014/main" val="935402475"/>
-                      </a:ext>
-                    </a:extLst>
-                  </a:tr>
-                  <a:tr h="390863">
-                    <a:tc>
-                      <a:txBody>
-                        <a:bodyPr/>
-                        <a:lstStyle/>
-                        <a:p>
-                          <a:pPr algn="ctr"/>
-                          <a:r>
-                            <a:rPr lang="en-JP"/>
-                            <a:t>50</a:t>
-                          </a:r>
-                        </a:p>
-                      </a:txBody>
-                      <a:tcPr anchor="ctr"/>
-                    </a:tc>
-                    <a:tc>
-                      <a:txBody>
-                        <a:bodyPr/>
-                        <a:lstStyle/>
-                        <a:p>
-                          <a:pPr algn="ctr"/>
-                          <a:r>
-                            <a:rPr lang="en-JP"/>
-                            <a:t>50</a:t>
-                          </a:r>
-                        </a:p>
-                      </a:txBody>
-                      <a:tcPr anchor="ctr"/>
-                    </a:tc>
-                    <a:tc>
-                      <a:txBody>
-                        <a:bodyPr/>
-                        <a:lstStyle/>
-                        <a:p>
-                          <a:pPr algn="ctr"/>
-                          <a:r>
-                            <a:rPr lang="en-JP"/>
-                            <a:t>850</a:t>
-                          </a:r>
-                        </a:p>
-                      </a:txBody>
-                      <a:tcPr anchor="ctr"/>
-                    </a:tc>
-                    <a:tc>
-                      <a:txBody>
-                        <a:bodyPr/>
-                        <a:lstStyle/>
-                        <a:p>
-                          <a:pPr algn="ctr"/>
-                          <a:r>
-                            <a:rPr lang="en-JP"/>
-                            <a:t>1600</a:t>
-                          </a:r>
-                        </a:p>
-                      </a:txBody>
-                      <a:tcPr anchor="ctr"/>
-                    </a:tc>
-                    <a:extLst>
-                      <a:ext uri="{0D108BD9-81ED-4DB2-BD59-A6C34878D82A}">
-                        <a16:rowId xmlns:a16="http://schemas.microsoft.com/office/drawing/2014/main" val="890109523"/>
-                      </a:ext>
-                    </a:extLst>
-                  </a:tr>
-                </a:tbl>
-              </a:graphicData>
-            </a:graphic>
-          </p:graphicFrame>
-        </mc:Fallback>
-      </mc:AlternateContent>
-      <p:sp>
-        <p:nvSpPr>
-          <p:cNvPr id="9" name="TextBox 8">
-            <a:extLst>
-              <a:ext uri="{FF2B5EF4-FFF2-40B4-BE49-F238E27FC236}">
-                <a16:creationId xmlns:a16="http://schemas.microsoft.com/office/drawing/2014/main" id="{C1A66527-DFD6-1943-AEB1-B088DEFB64F7}"/>
-              </a:ext>
-            </a:extLst>
-          </p:cNvPr>
-          <p:cNvSpPr txBox="1"/>
-          <p:nvPr/>
-        </p:nvSpPr>
-        <p:spPr>
-          <a:xfrm>
-            <a:off x="5431029" y="3367403"/>
-            <a:ext cx="1800493" cy="369332"/>
-          </a:xfrm>
-          <a:prstGeom prst="rect">
-            <a:avLst/>
-          </a:prstGeom>
-          <a:noFill/>
-        </p:spPr>
-        <p:txBody>
-          <a:bodyPr wrap="none" rtlCol="0">
-            <a:spAutoFit/>
-          </a:bodyPr>
-          <a:lstStyle/>
-          <a:p>
-            <a:r>
-              <a:rPr lang="en-JP"/>
-              <a:t>障害物情報の例</a:t>
-            </a:r>
-          </a:p>
-        </p:txBody>
-      </p:sp>
-      <p:sp>
-        <p:nvSpPr>
-          <p:cNvPr id="11" name="TextBox 10">
-            <a:extLst>
-              <a:ext uri="{FF2B5EF4-FFF2-40B4-BE49-F238E27FC236}">
-                <a16:creationId xmlns:a16="http://schemas.microsoft.com/office/drawing/2014/main" id="{B73082F4-DBC7-1F4C-ADA7-A5E177038325}"/>
-              </a:ext>
-            </a:extLst>
-          </p:cNvPr>
-          <p:cNvSpPr txBox="1"/>
-          <p:nvPr/>
-        </p:nvSpPr>
-        <p:spPr>
-          <a:xfrm>
-            <a:off x="5431029" y="1365501"/>
-            <a:ext cx="877163" cy="369332"/>
-          </a:xfrm>
-          <a:prstGeom prst="rect">
-            <a:avLst/>
-          </a:prstGeom>
-          <a:noFill/>
-        </p:spPr>
-        <p:txBody>
-          <a:bodyPr wrap="none" rtlCol="0">
-            <a:spAutoFit/>
-          </a:bodyPr>
-          <a:lstStyle/>
-          <a:p>
-            <a:r>
-              <a:rPr lang="en-JP"/>
-              <a:t>船の例</a:t>
-            </a:r>
-          </a:p>
-        </p:txBody>
-      </p:sp>
-      <p:graphicFrame>
-        <p:nvGraphicFramePr>
-          <p:cNvPr id="7" name="Table 6">
-            <a:extLst>
-              <a:ext uri="{FF2B5EF4-FFF2-40B4-BE49-F238E27FC236}">
-                <a16:creationId xmlns:a16="http://schemas.microsoft.com/office/drawing/2014/main" id="{1E83B5A9-638E-F846-B292-FAFC98D1143E}"/>
-              </a:ext>
-            </a:extLst>
-          </p:cNvPr>
-          <p:cNvGraphicFramePr>
-            <a:graphicFrameLocks noGrp="1"/>
-          </p:cNvGraphicFramePr>
-          <p:nvPr/>
-        </p:nvGraphicFramePr>
-        <p:xfrm>
-          <a:off x="11711354" y="3974123"/>
-          <a:ext cx="208280" cy="365760"/>
-        </p:xfrm>
-        <a:graphic>
-          <a:graphicData uri="http://schemas.openxmlformats.org/drawingml/2006/table">
-            <a:tbl>
-              <a:tblPr/>
-              <a:tblGrid>
-                <a:gridCol w="208280">
-                  <a:extLst>
-                    <a:ext uri="{9D8B030D-6E8A-4147-A177-3AD203B41FA5}">
-                      <a16:colId xmlns:a16="http://schemas.microsoft.com/office/drawing/2014/main" val="2410891376"/>
-                    </a:ext>
-                  </a:extLst>
-                </a:gridCol>
-              </a:tblGrid>
-              <a:tr h="0">
-                <a:tc>
-                  <a:txBody>
-                    <a:bodyPr/>
-                    <a:lstStyle/>
-                    <a:p>
-                      <a:endParaRPr lang="en-JP"/>
-                    </a:p>
-                  </a:txBody>
-                  <a:tcPr>
-                    <a:lnL w="12700" cmpd="sng">
-                      <a:solidFill>
-                        <a:schemeClr val="bg1"/>
-                      </a:solidFill>
-                      <a:prstDash val="solid"/>
-                    </a:lnL>
-                    <a:lnR w="12700" cmpd="sng">
-                      <a:solidFill>
-                        <a:schemeClr val="bg1"/>
-                      </a:solidFill>
-                      <a:prstDash val="solid"/>
-                    </a:lnR>
-                    <a:lnT w="12700" cmpd="sng">
-                      <a:solidFill>
-                        <a:schemeClr val="bg1"/>
-                      </a:solidFill>
-                      <a:prstDash val="solid"/>
-                    </a:lnT>
-                    <a:lnB w="12700" cmpd="sng">
-                      <a:solidFill>
-                        <a:schemeClr val="bg1"/>
-                      </a:solidFill>
-                      <a:prstDash val="solid"/>
-                    </a:lnB>
-                  </a:tcPr>
-                </a:tc>
-                <a:extLst>
-                  <a:ext uri="{0D108BD9-81ED-4DB2-BD59-A6C34878D82A}">
-                    <a16:rowId xmlns:a16="http://schemas.microsoft.com/office/drawing/2014/main" val="1663530777"/>
-                  </a:ext>
-                </a:extLst>
-              </a:tr>
-            </a:tbl>
-          </a:graphicData>
-        </a:graphic>
-      </p:graphicFrame>
-      <p:graphicFrame>
-        <p:nvGraphicFramePr>
-          <p:cNvPr id="12" name="Table 11">
-            <a:extLst>
-              <a:ext uri="{FF2B5EF4-FFF2-40B4-BE49-F238E27FC236}">
-                <a16:creationId xmlns:a16="http://schemas.microsoft.com/office/drawing/2014/main" id="{B2EF88B9-1F0E-1F43-955E-7D1FAFEB3BDA}"/>
-              </a:ext>
-            </a:extLst>
-          </p:cNvPr>
-          <p:cNvGraphicFramePr>
-            <a:graphicFrameLocks noGrp="1"/>
-          </p:cNvGraphicFramePr>
-          <p:nvPr/>
-        </p:nvGraphicFramePr>
-        <p:xfrm>
-          <a:off x="11594123" y="890954"/>
-          <a:ext cx="208280" cy="365760"/>
-        </p:xfrm>
-        <a:graphic>
-          <a:graphicData uri="http://schemas.openxmlformats.org/drawingml/2006/table">
-            <a:tbl>
-              <a:tblPr/>
-              <a:tblGrid>
-                <a:gridCol w="208280">
-                  <a:extLst>
-                    <a:ext uri="{9D8B030D-6E8A-4147-A177-3AD203B41FA5}">
-                      <a16:colId xmlns:a16="http://schemas.microsoft.com/office/drawing/2014/main" val="1588089379"/>
-                    </a:ext>
-                  </a:extLst>
-                </a:gridCol>
-              </a:tblGrid>
-              <a:tr h="0">
-                <a:tc>
-                  <a:txBody>
-                    <a:bodyPr/>
-                    <a:lstStyle/>
-                    <a:p>
-                      <a:endParaRPr lang="en-JP"/>
-                    </a:p>
-                  </a:txBody>
-                  <a:tcPr>
-                    <a:lnL w="12700" cmpd="sng">
-                      <a:solidFill>
-                        <a:schemeClr val="bg1"/>
-                      </a:solidFill>
-                      <a:prstDash val="solid"/>
-                    </a:lnL>
-                    <a:lnR w="12700" cmpd="sng">
-                      <a:solidFill>
-                        <a:schemeClr val="bg1"/>
-                      </a:solidFill>
-                      <a:prstDash val="solid"/>
-                    </a:lnR>
-                    <a:lnT w="12700" cmpd="sng">
-                      <a:solidFill>
-                        <a:schemeClr val="bg1"/>
-                      </a:solidFill>
-                      <a:prstDash val="solid"/>
-                    </a:lnT>
-                    <a:lnB w="12700" cmpd="sng">
-                      <a:solidFill>
-                        <a:schemeClr val="bg1"/>
-                      </a:solidFill>
-                      <a:prstDash val="solid"/>
-                    </a:lnB>
-                  </a:tcPr>
-                </a:tc>
-                <a:extLst>
-                  <a:ext uri="{0D108BD9-81ED-4DB2-BD59-A6C34878D82A}">
-                    <a16:rowId xmlns:a16="http://schemas.microsoft.com/office/drawing/2014/main" val="3637935899"/>
-                  </a:ext>
-                </a:extLst>
-              </a:tr>
-            </a:tbl>
-          </a:graphicData>
-        </a:graphic>
-      </p:graphicFrame>
     </p:spTree>
     <p:extLst>
       <p:ext uri="{BB962C8B-B14F-4D97-AF65-F5344CB8AC3E}">
-        <p14:creationId xmlns:p14="http://schemas.microsoft.com/office/powerpoint/2010/main" val="3281775822"/>
+        <p14:creationId xmlns:p14="http://schemas.microsoft.com/office/powerpoint/2010/main" val="1625653150"/>
       </p:ext>
     </p:extLst>
   </p:cSld>

--- a/卒論発表用スライド.pptx
+++ b/卒論発表用スライド.pptx
@@ -15020,12 +15020,14 @@
         </p:nvSpPr>
         <p:spPr>
           <a:xfrm>
-            <a:off x="838200" y="566840"/>
-            <a:ext cx="10515600" cy="1876779"/>
+            <a:off x="838199" y="566840"/>
+            <a:ext cx="10857191" cy="1876779"/>
           </a:xfrm>
         </p:spPr>
         <p:txBody>
-          <a:bodyPr/>
+          <a:bodyPr>
+            <a:normAutofit/>
+          </a:bodyPr>
           <a:lstStyle/>
           <a:p>
             <a:pPr marL="0" indent="0">
@@ -15036,7 +15038,7 @@
             </a:pPr>
             <a:r>
               <a:rPr lang="en-JP"/>
-              <a:t>以下の3つのスペースを考慮したレクトリニア図形を定義．</a:t>
+              <a:t>以下の3つを追加したレクトリニア図形が配置可能であるか判断．</a:t>
             </a:r>
           </a:p>
           <a:p>
@@ -18373,7 +18375,7 @@
         </p:nvSpPr>
         <p:spPr>
           <a:xfrm>
-            <a:off x="874242" y="4505102"/>
+            <a:off x="1013525" y="4640118"/>
             <a:ext cx="7561033" cy="2081357"/>
           </a:xfrm>
           <a:prstGeom prst="rect">
@@ -18809,39 +18811,6 @@
       </p:grpSpPr>
       <p:sp>
         <p:nvSpPr>
-          <p:cNvPr id="2" name="Title 1">
-            <a:extLst>
-              <a:ext uri="{FF2B5EF4-FFF2-40B4-BE49-F238E27FC236}">
-                <a16:creationId xmlns:a16="http://schemas.microsoft.com/office/drawing/2014/main" id="{2F851C4C-206C-1B41-B6B8-C9CED83E0A23}"/>
-              </a:ext>
-            </a:extLst>
-          </p:cNvPr>
-          <p:cNvSpPr>
-            <a:spLocks noGrp="1"/>
-          </p:cNvSpPr>
-          <p:nvPr>
-            <p:ph type="title"/>
-          </p:nvPr>
-        </p:nvSpPr>
-        <p:spPr>
-          <a:xfrm>
-            <a:off x="838200" y="290739"/>
-            <a:ext cx="10515600" cy="1325563"/>
-          </a:xfrm>
-        </p:spPr>
-        <p:txBody>
-          <a:bodyPr/>
-          <a:lstStyle/>
-          <a:p>
-            <a:r>
-              <a:rPr lang="en-JP"/>
-              <a:t>4．計算実験</a:t>
-            </a:r>
-          </a:p>
-        </p:txBody>
-      </p:sp>
-      <p:sp>
-        <p:nvSpPr>
           <p:cNvPr id="3" name="Content Placeholder 2">
             <a:extLst>
               <a:ext uri="{FF2B5EF4-FFF2-40B4-BE49-F238E27FC236}">
@@ -18858,13 +18827,13 @@
         </p:nvSpPr>
         <p:spPr>
           <a:xfrm>
-            <a:off x="838200" y="1616302"/>
-            <a:ext cx="11049000" cy="4667250"/>
+            <a:off x="703118" y="535648"/>
+            <a:ext cx="11049000" cy="5820702"/>
           </a:xfrm>
         </p:spPr>
         <p:txBody>
           <a:bodyPr>
-            <a:normAutofit/>
+            <a:normAutofit lnSpcReduction="10000"/>
           </a:bodyPr>
           <a:lstStyle/>
           <a:p>
@@ -18875,32 +18844,8 @@
               <a:buNone/>
             </a:pPr>
             <a:r>
-              <a:rPr lang="en-JP" b="1"/>
-              <a:t>計算環境</a:t>
-            </a:r>
-          </a:p>
-          <a:p>
-            <a:pPr marL="0" indent="0">
-              <a:lnSpc>
-                <a:spcPct val="100000"/>
-              </a:lnSpc>
-              <a:buNone/>
-            </a:pPr>
-            <a:r>
-              <a:rPr lang="en-JP" sz="2400"/>
-              <a:t> 使用言語: Python</a:t>
-            </a:r>
-          </a:p>
-          <a:p>
-            <a:pPr marL="0" indent="0">
-              <a:lnSpc>
-                <a:spcPct val="100000"/>
-              </a:lnSpc>
-              <a:buNone/>
-            </a:pPr>
-            <a:r>
-              <a:rPr lang="en-JP" sz="2400"/>
-              <a:t>     使用PC: MacBookAir 2020 (CPU: 8 コア Apple M1 chip, メモリ: 8 GB LPDDR4)</a:t>
+              <a:rPr lang="en-JP"/>
+              <a:t>以下の条件で計算実験を行った. </a:t>
             </a:r>
           </a:p>
           <a:p>
@@ -18921,7 +18866,7 @@
             </a:pPr>
             <a:r>
               <a:rPr lang="en-JP" b="1"/>
-              <a:t>計算実験</a:t>
+              <a:t>計算環境</a:t>
             </a:r>
           </a:p>
           <a:p>
@@ -18933,7 +18878,7 @@
             </a:pPr>
             <a:r>
               <a:rPr lang="en-JP" sz="2400"/>
-              <a:t>以下の4通りの計算実験を行い，結果を比較した．</a:t>
+              <a:t> 使用言語: Python</a:t>
             </a:r>
           </a:p>
           <a:p>
@@ -18945,27 +18890,7 @@
             </a:pPr>
             <a:r>
               <a:rPr lang="en-JP" sz="2400"/>
-              <a:t>・初期解生成のみ (BL法, NF法)</a:t>
-            </a:r>
-          </a:p>
-          <a:p>
-            <a:pPr marL="0" indent="0">
-              <a:lnSpc>
-                <a:spcPct val="100000"/>
-              </a:lnSpc>
-              <a:buNone/>
-            </a:pPr>
-            <a:r>
-              <a:rPr lang="en-JP" sz="2400"/>
-              <a:t>・初期解</a:t>
-            </a:r>
-            <a:r>
-              <a:rPr lang="en-US" sz="2400"/>
-              <a:t> </a:t>
-            </a:r>
-            <a:r>
-              <a:rPr lang="en-JP" sz="2400"/>
-              <a:t>(BL法, NF法) から局所探索 </a:t>
+              <a:t>     使用PC: MacBookAir 2020 (CPU: 8 コア Apple M1 chip, メモリ: 8 GB LPDDR4)</a:t>
             </a:r>
           </a:p>
           <a:p>
@@ -18976,6 +18901,82 @@
               <a:buNone/>
             </a:pPr>
             <a:endParaRPr lang="en-JP"/>
+          </a:p>
+          <a:p>
+            <a:pPr marL="0" indent="0">
+              <a:lnSpc>
+                <a:spcPct val="100000"/>
+              </a:lnSpc>
+              <a:buNone/>
+            </a:pPr>
+            <a:r>
+              <a:rPr lang="en-JP" b="1"/>
+              <a:t>計算実験</a:t>
+            </a:r>
+          </a:p>
+          <a:p>
+            <a:pPr marL="0" indent="0">
+              <a:lnSpc>
+                <a:spcPct val="100000"/>
+              </a:lnSpc>
+              <a:buNone/>
+            </a:pPr>
+            <a:r>
+              <a:rPr lang="en-JP" sz="2400"/>
+              <a:t>以下の4通りの計算実験を行い，結果を比較した．</a:t>
+            </a:r>
+          </a:p>
+          <a:p>
+            <a:pPr>
+              <a:lnSpc>
+                <a:spcPct val="100000"/>
+              </a:lnSpc>
+            </a:pPr>
+            <a:r>
+              <a:rPr lang="en-JP" sz="2400"/>
+              <a:t>初期解生成のみ (BL法)</a:t>
+            </a:r>
+          </a:p>
+          <a:p>
+            <a:pPr>
+              <a:lnSpc>
+                <a:spcPct val="100000"/>
+              </a:lnSpc>
+            </a:pPr>
+            <a:r>
+              <a:rPr lang="en-JP" sz="2400"/>
+              <a:t>初期解生成のみ (NF法)</a:t>
+            </a:r>
+          </a:p>
+          <a:p>
+            <a:pPr>
+              <a:lnSpc>
+                <a:spcPct val="100000"/>
+              </a:lnSpc>
+            </a:pPr>
+            <a:r>
+              <a:rPr lang="en-JP" sz="2400"/>
+              <a:t>初期解</a:t>
+            </a:r>
+            <a:r>
+              <a:rPr lang="en-US" sz="2400"/>
+              <a:t> </a:t>
+            </a:r>
+            <a:r>
+              <a:rPr lang="en-JP" sz="2400"/>
+              <a:t>(BL法)から局所探索</a:t>
+            </a:r>
+          </a:p>
+          <a:p>
+            <a:pPr>
+              <a:lnSpc>
+                <a:spcPct val="100000"/>
+              </a:lnSpc>
+            </a:pPr>
+            <a:r>
+              <a:rPr lang="en-JP" sz="2400"/>
+              <a:t>初期解 (NF法)から局所探索</a:t>
+            </a:r>
           </a:p>
         </p:txBody>
       </p:sp>
@@ -23325,7 +23326,7 @@
         </p:nvSpPr>
         <p:spPr>
           <a:xfrm>
-            <a:off x="838200" y="9410"/>
+            <a:off x="838200" y="227619"/>
             <a:ext cx="10515600" cy="1325563"/>
           </a:xfrm>
         </p:spPr>

--- a/卒論発表用スライド.pptx
+++ b/卒論発表用スライド.pptx
@@ -5,7 +5,7 @@
     <p:sldMasterId id="2147483648" r:id="rId1"/>
   </p:sldMasterIdLst>
   <p:notesMasterIdLst>
-    <p:notesMasterId r:id="rId27"/>
+    <p:notesMasterId r:id="rId29"/>
   </p:notesMasterIdLst>
   <p:sldIdLst>
     <p:sldId id="256" r:id="rId2"/>
@@ -17,22 +17,24 @@
     <p:sldId id="336" r:id="rId8"/>
     <p:sldId id="266" r:id="rId9"/>
     <p:sldId id="341" r:id="rId10"/>
-    <p:sldId id="330" r:id="rId11"/>
-    <p:sldId id="331" r:id="rId12"/>
-    <p:sldId id="302" r:id="rId13"/>
-    <p:sldId id="268" r:id="rId14"/>
-    <p:sldId id="337" r:id="rId15"/>
-    <p:sldId id="325" r:id="rId16"/>
-    <p:sldId id="321" r:id="rId17"/>
-    <p:sldId id="339" r:id="rId18"/>
-    <p:sldId id="340" r:id="rId19"/>
-    <p:sldId id="310" r:id="rId20"/>
-    <p:sldId id="303" r:id="rId21"/>
-    <p:sldId id="313" r:id="rId22"/>
-    <p:sldId id="335" r:id="rId23"/>
-    <p:sldId id="334" r:id="rId24"/>
-    <p:sldId id="305" r:id="rId25"/>
-    <p:sldId id="278" r:id="rId26"/>
+    <p:sldId id="343" r:id="rId11"/>
+    <p:sldId id="330" r:id="rId12"/>
+    <p:sldId id="331" r:id="rId13"/>
+    <p:sldId id="342" r:id="rId14"/>
+    <p:sldId id="302" r:id="rId15"/>
+    <p:sldId id="268" r:id="rId16"/>
+    <p:sldId id="337" r:id="rId17"/>
+    <p:sldId id="325" r:id="rId18"/>
+    <p:sldId id="321" r:id="rId19"/>
+    <p:sldId id="339" r:id="rId20"/>
+    <p:sldId id="340" r:id="rId21"/>
+    <p:sldId id="310" r:id="rId22"/>
+    <p:sldId id="303" r:id="rId23"/>
+    <p:sldId id="313" r:id="rId24"/>
+    <p:sldId id="335" r:id="rId25"/>
+    <p:sldId id="334" r:id="rId26"/>
+    <p:sldId id="305" r:id="rId27"/>
+    <p:sldId id="278" r:id="rId28"/>
   </p:sldIdLst>
   <p:sldSz cx="12192000" cy="6858000"/>
   <p:notesSz cx="6858000" cy="9144000"/>
@@ -6366,7 +6368,7 @@
           <a:p>
             <a:fld id="{93378112-4ECF-3E4A-BA26-7A2F0AF6FC0B}" type="slidenum">
               <a:rPr lang="en-JP"/>
-              <a:t>14</a:t>
+              <a:t>9</a:t>
             </a:fld>
             <a:endParaRPr lang="en-JP"/>
           </a:p>
@@ -6375,7 +6377,7 @@
     </p:spTree>
     <p:extLst>
       <p:ext uri="{BB962C8B-B14F-4D97-AF65-F5344CB8AC3E}">
-        <p14:creationId xmlns:p14="http://schemas.microsoft.com/office/powerpoint/2010/main" val="1186508545"/>
+        <p14:creationId xmlns:p14="http://schemas.microsoft.com/office/powerpoint/2010/main" val="586943539"/>
       </p:ext>
     </p:extLst>
   </p:cSld>
@@ -6449,7 +6451,8 @@
           <a:lstStyle/>
           <a:p>
             <a:fld id="{93378112-4ECF-3E4A-BA26-7A2F0AF6FC0B}" type="slidenum">
-              <a:t>15</a:t>
+              <a:rPr lang="en-JP"/>
+              <a:t>10</a:t>
             </a:fld>
             <a:endParaRPr lang="en-JP"/>
           </a:p>
@@ -6458,7 +6461,7 @@
     </p:spTree>
     <p:extLst>
       <p:ext uri="{BB962C8B-B14F-4D97-AF65-F5344CB8AC3E}">
-        <p14:creationId xmlns:p14="http://schemas.microsoft.com/office/powerpoint/2010/main" val="970902289"/>
+        <p14:creationId xmlns:p14="http://schemas.microsoft.com/office/powerpoint/2010/main" val="1962903577"/>
       </p:ext>
     </p:extLst>
   </p:cSld>
@@ -6533,7 +6536,174 @@
           <a:p>
             <a:fld id="{93378112-4ECF-3E4A-BA26-7A2F0AF6FC0B}" type="slidenum">
               <a:rPr lang="en-JP"/>
+              <a:t>16</a:t>
+            </a:fld>
+            <a:endParaRPr lang="en-JP"/>
+          </a:p>
+        </p:txBody>
+      </p:sp>
+    </p:spTree>
+    <p:extLst>
+      <p:ext uri="{BB962C8B-B14F-4D97-AF65-F5344CB8AC3E}">
+        <p14:creationId xmlns:p14="http://schemas.microsoft.com/office/powerpoint/2010/main" val="1186508545"/>
+      </p:ext>
+    </p:extLst>
+  </p:cSld>
+  <p:clrMapOvr>
+    <a:masterClrMapping/>
+  </p:clrMapOvr>
+</p:notes>
+</file>
+
+<file path=ppt/notesSlides/notesSlide6.xml><?xml version="1.0" encoding="utf-8"?>
+<p:notes xmlns:a="http://schemas.openxmlformats.org/drawingml/2006/main" xmlns:r="http://schemas.openxmlformats.org/officeDocument/2006/relationships" xmlns:p="http://schemas.openxmlformats.org/presentationml/2006/main">
+  <p:cSld>
+    <p:spTree>
+      <p:nvGrpSpPr>
+        <p:cNvPr id="1" name=""/>
+        <p:cNvGrpSpPr/>
+        <p:nvPr/>
+      </p:nvGrpSpPr>
+      <p:grpSpPr>
+        <a:xfrm>
+          <a:off x="0" y="0"/>
+          <a:ext cx="0" cy="0"/>
+          <a:chOff x="0" y="0"/>
+          <a:chExt cx="0" cy="0"/>
+        </a:xfrm>
+      </p:grpSpPr>
+      <p:sp>
+        <p:nvSpPr>
+          <p:cNvPr id="2" name="Slide Image Placeholder 1"/>
+          <p:cNvSpPr>
+            <a:spLocks noGrp="1" noRot="1" noChangeAspect="1"/>
+          </p:cNvSpPr>
+          <p:nvPr>
+            <p:ph type="sldImg"/>
+          </p:nvPr>
+        </p:nvSpPr>
+        <p:spPr/>
+      </p:sp>
+      <p:sp>
+        <p:nvSpPr>
+          <p:cNvPr id="3" name="Notes Placeholder 2"/>
+          <p:cNvSpPr>
+            <a:spLocks noGrp="1"/>
+          </p:cNvSpPr>
+          <p:nvPr>
+            <p:ph type="body" idx="1"/>
+          </p:nvPr>
+        </p:nvSpPr>
+        <p:spPr/>
+        <p:txBody>
+          <a:bodyPr/>
+          <a:lstStyle/>
+          <a:p>
+            <a:endParaRPr lang="en-JP"/>
+          </a:p>
+        </p:txBody>
+      </p:sp>
+      <p:sp>
+        <p:nvSpPr>
+          <p:cNvPr id="4" name="Slide Number Placeholder 3"/>
+          <p:cNvSpPr>
+            <a:spLocks noGrp="1"/>
+          </p:cNvSpPr>
+          <p:nvPr>
+            <p:ph type="sldNum" sz="quarter" idx="5"/>
+          </p:nvPr>
+        </p:nvSpPr>
+        <p:spPr/>
+        <p:txBody>
+          <a:bodyPr/>
+          <a:lstStyle/>
+          <a:p>
+            <a:fld id="{93378112-4ECF-3E4A-BA26-7A2F0AF6FC0B}" type="slidenum">
               <a:t>17</a:t>
+            </a:fld>
+            <a:endParaRPr lang="en-JP"/>
+          </a:p>
+        </p:txBody>
+      </p:sp>
+    </p:spTree>
+    <p:extLst>
+      <p:ext uri="{BB962C8B-B14F-4D97-AF65-F5344CB8AC3E}">
+        <p14:creationId xmlns:p14="http://schemas.microsoft.com/office/powerpoint/2010/main" val="970902289"/>
+      </p:ext>
+    </p:extLst>
+  </p:cSld>
+  <p:clrMapOvr>
+    <a:masterClrMapping/>
+  </p:clrMapOvr>
+</p:notes>
+</file>
+
+<file path=ppt/notesSlides/notesSlide7.xml><?xml version="1.0" encoding="utf-8"?>
+<p:notes xmlns:a="http://schemas.openxmlformats.org/drawingml/2006/main" xmlns:r="http://schemas.openxmlformats.org/officeDocument/2006/relationships" xmlns:p="http://schemas.openxmlformats.org/presentationml/2006/main">
+  <p:cSld>
+    <p:spTree>
+      <p:nvGrpSpPr>
+        <p:cNvPr id="1" name=""/>
+        <p:cNvGrpSpPr/>
+        <p:nvPr/>
+      </p:nvGrpSpPr>
+      <p:grpSpPr>
+        <a:xfrm>
+          <a:off x="0" y="0"/>
+          <a:ext cx="0" cy="0"/>
+          <a:chOff x="0" y="0"/>
+          <a:chExt cx="0" cy="0"/>
+        </a:xfrm>
+      </p:grpSpPr>
+      <p:sp>
+        <p:nvSpPr>
+          <p:cNvPr id="2" name="Slide Image Placeholder 1"/>
+          <p:cNvSpPr>
+            <a:spLocks noGrp="1" noRot="1" noChangeAspect="1"/>
+          </p:cNvSpPr>
+          <p:nvPr>
+            <p:ph type="sldImg"/>
+          </p:nvPr>
+        </p:nvSpPr>
+        <p:spPr/>
+      </p:sp>
+      <p:sp>
+        <p:nvSpPr>
+          <p:cNvPr id="3" name="Notes Placeholder 2"/>
+          <p:cNvSpPr>
+            <a:spLocks noGrp="1"/>
+          </p:cNvSpPr>
+          <p:nvPr>
+            <p:ph type="body" idx="1"/>
+          </p:nvPr>
+        </p:nvSpPr>
+        <p:spPr/>
+        <p:txBody>
+          <a:bodyPr/>
+          <a:lstStyle/>
+          <a:p>
+            <a:endParaRPr lang="en-JP"/>
+          </a:p>
+        </p:txBody>
+      </p:sp>
+      <p:sp>
+        <p:nvSpPr>
+          <p:cNvPr id="4" name="Slide Number Placeholder 3"/>
+          <p:cNvSpPr>
+            <a:spLocks noGrp="1"/>
+          </p:cNvSpPr>
+          <p:nvPr>
+            <p:ph type="sldNum" sz="quarter" idx="5"/>
+          </p:nvPr>
+        </p:nvSpPr>
+        <p:spPr/>
+        <p:txBody>
+          <a:bodyPr/>
+          <a:lstStyle/>
+          <a:p>
+            <a:fld id="{93378112-4ECF-3E4A-BA26-7A2F0AF6FC0B}" type="slidenum">
+              <a:rPr lang="en-JP"/>
+              <a:t>19</a:t>
             </a:fld>
             <a:endParaRPr lang="en-JP"/>
           </a:p>
@@ -9901,6 +10071,2791 @@
       </p:grpSpPr>
       <p:sp>
         <p:nvSpPr>
+          <p:cNvPr id="4" name="Slide Number Placeholder 3">
+            <a:extLst>
+              <a:ext uri="{FF2B5EF4-FFF2-40B4-BE49-F238E27FC236}">
+                <a16:creationId xmlns:a16="http://schemas.microsoft.com/office/drawing/2014/main" id="{214994D9-373D-384B-96C1-5FE2154E1FAA}"/>
+              </a:ext>
+            </a:extLst>
+          </p:cNvPr>
+          <p:cNvSpPr>
+            <a:spLocks noGrp="1"/>
+          </p:cNvSpPr>
+          <p:nvPr>
+            <p:ph type="sldNum" sz="quarter" idx="12"/>
+          </p:nvPr>
+        </p:nvSpPr>
+        <p:spPr/>
+        <p:txBody>
+          <a:bodyPr/>
+          <a:lstStyle/>
+          <a:p>
+            <a:fld id="{CCF3E294-EB10-834B-8B5B-5C78A6A1F52A}" type="slidenum">
+              <a:rPr lang="en-JP"/>
+              <a:t>10</a:t>
+            </a:fld>
+            <a:endParaRPr lang="en-JP"/>
+          </a:p>
+        </p:txBody>
+      </p:sp>
+      <mc:AlternateContent xmlns:mc="http://schemas.openxmlformats.org/markup-compatibility/2006">
+        <mc:Choice xmlns:a14="http://schemas.microsoft.com/office/drawing/2010/main" Requires="a14">
+          <p:sp>
+            <p:nvSpPr>
+              <p:cNvPr id="7" name="TextBox 6">
+                <a:extLst>
+                  <a:ext uri="{FF2B5EF4-FFF2-40B4-BE49-F238E27FC236}">
+                    <a16:creationId xmlns:a16="http://schemas.microsoft.com/office/drawing/2014/main" id="{95FF1559-C85D-104A-80A4-73CC608CFECF}"/>
+                  </a:ext>
+                </a:extLst>
+              </p:cNvPr>
+              <p:cNvSpPr txBox="1"/>
+              <p:nvPr/>
+            </p:nvSpPr>
+            <p:spPr>
+              <a:xfrm>
+                <a:off x="798367" y="460297"/>
+                <a:ext cx="10290464" cy="830997"/>
+              </a:xfrm>
+              <a:prstGeom prst="rect">
+                <a:avLst/>
+              </a:prstGeom>
+              <a:noFill/>
+            </p:spPr>
+            <p:txBody>
+              <a:bodyPr wrap="square" rtlCol="0">
+                <a:spAutoFit/>
+              </a:bodyPr>
+              <a:lstStyle/>
+              <a:p>
+                <a:r>
+                  <a:rPr lang="en-JP" sz="2400"/>
+                  <a:t>シミュレーション作業は, 「デッキ</a:t>
+                </a:r>
+                <a14:m>
+                  <m:oMath xmlns:m="http://schemas.openxmlformats.org/officeDocument/2006/math">
+                    <m:r>
+                      <a:rPr lang="en-US" sz="2400" b="0" i="1">
+                        <a:latin typeface="Cambria Math" panose="02040503050406030204" pitchFamily="18" charset="0"/>
+                      </a:rPr>
+                      <m:t>=</m:t>
+                    </m:r>
+                  </m:oMath>
+                </a14:m>
+                <a:r>
+                  <a:rPr lang="en-JP" sz="2400"/>
+                  <a:t>母材, 車</a:t>
+                </a:r>
+                <a14:m>
+                  <m:oMath xmlns:m="http://schemas.openxmlformats.org/officeDocument/2006/math">
+                    <m:r>
+                      <a:rPr lang="en-US" sz="2400" b="0" i="1">
+                        <a:latin typeface="Cambria Math" panose="02040503050406030204" pitchFamily="18" charset="0"/>
+                      </a:rPr>
+                      <m:t>=</m:t>
+                    </m:r>
+                  </m:oMath>
+                </a14:m>
+                <a:r>
+                  <a:rPr lang="en-JP" sz="2400"/>
+                  <a:t>詰め込む長方形」</a:t>
+                </a:r>
+              </a:p>
+              <a:p>
+                <a:r>
+                  <a:rPr lang="en-JP" sz="2400"/>
+                  <a:t>と考えることで，</a:t>
+                </a:r>
+                <a:r>
+                  <a:rPr lang="en-JP" sz="2400" b="1">
+                    <a:solidFill>
+                      <a:srgbClr val="FF0000"/>
+                    </a:solidFill>
+                  </a:rPr>
+                  <a:t>長方形詰込み問題</a:t>
+                </a:r>
+                <a:r>
+                  <a:rPr lang="en-JP" sz="2400"/>
+                  <a:t>として考えることができる．</a:t>
+                </a:r>
+              </a:p>
+            </p:txBody>
+          </p:sp>
+        </mc:Choice>
+        <mc:Fallback>
+          <p:sp>
+            <p:nvSpPr>
+              <p:cNvPr id="7" name="TextBox 6">
+                <a:extLst>
+                  <a:ext uri="{FF2B5EF4-FFF2-40B4-BE49-F238E27FC236}">
+                    <a16:creationId xmlns:a16="http://schemas.microsoft.com/office/drawing/2014/main" id="{95FF1559-C85D-104A-80A4-73CC608CFECF}"/>
+                  </a:ext>
+                </a:extLst>
+              </p:cNvPr>
+              <p:cNvSpPr txBox="1">
+                <a:spLocks noRot="1" noChangeAspect="1" noMove="1" noResize="1" noEditPoints="1" noAdjustHandles="1" noChangeArrowheads="1" noChangeShapeType="1" noTextEdit="1"/>
+              </p:cNvSpPr>
+              <p:nvPr/>
+            </p:nvSpPr>
+            <p:spPr>
+              <a:xfrm>
+                <a:off x="798367" y="460297"/>
+                <a:ext cx="10290464" cy="830997"/>
+              </a:xfrm>
+              <a:prstGeom prst="rect">
+                <a:avLst/>
+              </a:prstGeom>
+              <a:blipFill>
+                <a:blip r:embed="rId3"/>
+                <a:stretch>
+                  <a:fillRect l="-862" t="-9091" b="-13636"/>
+                </a:stretch>
+              </a:blipFill>
+            </p:spPr>
+            <p:txBody>
+              <a:bodyPr/>
+              <a:lstStyle/>
+              <a:p>
+                <a:r>
+                  <a:rPr lang="en-JP">
+                    <a:noFill/>
+                  </a:rPr>
+                  <a:t> </a:t>
+                </a:r>
+              </a:p>
+            </p:txBody>
+          </p:sp>
+        </mc:Fallback>
+      </mc:AlternateContent>
+      <p:sp>
+        <p:nvSpPr>
+          <p:cNvPr id="12" name="AutoShape 16">
+            <a:extLst>
+              <a:ext uri="{FF2B5EF4-FFF2-40B4-BE49-F238E27FC236}">
+                <a16:creationId xmlns:a16="http://schemas.microsoft.com/office/drawing/2014/main" id="{5CE9DA8C-6DA1-B84B-BE99-E2A428084625}"/>
+              </a:ext>
+            </a:extLst>
+          </p:cNvPr>
+          <p:cNvSpPr>
+            <a:spLocks noChangeArrowheads="1"/>
+          </p:cNvSpPr>
+          <p:nvPr/>
+        </p:nvSpPr>
+        <p:spPr bwMode="auto">
+          <a:xfrm>
+            <a:off x="1309255" y="2886884"/>
+            <a:ext cx="3629891" cy="1680346"/>
+          </a:xfrm>
+          <a:prstGeom prst="roundRect">
+            <a:avLst>
+              <a:gd name="adj" fmla="val 16667"/>
+            </a:avLst>
+          </a:prstGeom>
+          <a:solidFill>
+            <a:schemeClr val="accent6">
+              <a:lumMod val="20000"/>
+              <a:lumOff val="80000"/>
+              <a:alpha val="50000"/>
+            </a:schemeClr>
+          </a:solidFill>
+          <a:ln w="38100">
+            <a:noFill/>
+            <a:round/>
+            <a:headEnd/>
+            <a:tailEnd/>
+          </a:ln>
+        </p:spPr>
+        <p:txBody>
+          <a:bodyPr wrap="none" anchor="ctr"/>
+          <a:lstStyle>
+            <a:lvl1pPr>
+              <a:spcBef>
+                <a:spcPct val="20000"/>
+              </a:spcBef>
+              <a:buFont typeface="Arial" panose="020B0604020202020204" pitchFamily="34" charset="0"/>
+              <a:buChar char="•"/>
+              <a:defRPr kumimoji="1" sz="3200">
+                <a:solidFill>
+                  <a:schemeClr val="tx1"/>
+                </a:solidFill>
+                <a:latin typeface="Arial" panose="020B0604020202020204" pitchFamily="34" charset="0"/>
+                <a:ea typeface="ＭＳ Ｐゴシック" panose="020B0600070205080204" pitchFamily="34" charset="-128"/>
+              </a:defRPr>
+            </a:lvl1pPr>
+            <a:lvl2pPr marL="742950" indent="-285750">
+              <a:spcBef>
+                <a:spcPct val="20000"/>
+              </a:spcBef>
+              <a:buFont typeface="Arial" panose="020B0604020202020204" pitchFamily="34" charset="0"/>
+              <a:buChar char="–"/>
+              <a:defRPr kumimoji="1" sz="2800">
+                <a:solidFill>
+                  <a:schemeClr val="tx1"/>
+                </a:solidFill>
+                <a:latin typeface="Arial" panose="020B0604020202020204" pitchFamily="34" charset="0"/>
+                <a:ea typeface="ＭＳ Ｐゴシック" panose="020B0600070205080204" pitchFamily="34" charset="-128"/>
+              </a:defRPr>
+            </a:lvl2pPr>
+            <a:lvl3pPr marL="1143000" indent="-228600">
+              <a:spcBef>
+                <a:spcPct val="20000"/>
+              </a:spcBef>
+              <a:buFont typeface="Arial" panose="020B0604020202020204" pitchFamily="34" charset="0"/>
+              <a:buChar char="•"/>
+              <a:defRPr kumimoji="1" sz="2400">
+                <a:solidFill>
+                  <a:schemeClr val="tx1"/>
+                </a:solidFill>
+                <a:latin typeface="Arial" panose="020B0604020202020204" pitchFamily="34" charset="0"/>
+                <a:ea typeface="ＭＳ Ｐゴシック" panose="020B0600070205080204" pitchFamily="34" charset="-128"/>
+              </a:defRPr>
+            </a:lvl3pPr>
+            <a:lvl4pPr marL="1600200" indent="-228600">
+              <a:spcBef>
+                <a:spcPct val="20000"/>
+              </a:spcBef>
+              <a:buFont typeface="Arial" panose="020B0604020202020204" pitchFamily="34" charset="0"/>
+              <a:buChar char="–"/>
+              <a:defRPr kumimoji="1" sz="2000">
+                <a:solidFill>
+                  <a:schemeClr val="tx1"/>
+                </a:solidFill>
+                <a:latin typeface="Arial" panose="020B0604020202020204" pitchFamily="34" charset="0"/>
+                <a:ea typeface="ＭＳ Ｐゴシック" panose="020B0600070205080204" pitchFamily="34" charset="-128"/>
+              </a:defRPr>
+            </a:lvl4pPr>
+            <a:lvl5pPr marL="2057400" indent="-228600">
+              <a:spcBef>
+                <a:spcPct val="20000"/>
+              </a:spcBef>
+              <a:buFont typeface="Arial" panose="020B0604020202020204" pitchFamily="34" charset="0"/>
+              <a:buChar char="»"/>
+              <a:defRPr kumimoji="1" sz="2000">
+                <a:solidFill>
+                  <a:schemeClr val="tx1"/>
+                </a:solidFill>
+                <a:latin typeface="Arial" panose="020B0604020202020204" pitchFamily="34" charset="0"/>
+                <a:ea typeface="ＭＳ Ｐゴシック" panose="020B0600070205080204" pitchFamily="34" charset="-128"/>
+              </a:defRPr>
+            </a:lvl5pPr>
+            <a:lvl6pPr marL="2514600" indent="-228600" eaLnBrk="0" fontAlgn="base" hangingPunct="0">
+              <a:spcBef>
+                <a:spcPct val="20000"/>
+              </a:spcBef>
+              <a:spcAft>
+                <a:spcPct val="0"/>
+              </a:spcAft>
+              <a:buFont typeface="Arial" panose="020B0604020202020204" pitchFamily="34" charset="0"/>
+              <a:buChar char="»"/>
+              <a:defRPr kumimoji="1" sz="2000">
+                <a:solidFill>
+                  <a:schemeClr val="tx1"/>
+                </a:solidFill>
+                <a:latin typeface="Arial" panose="020B0604020202020204" pitchFamily="34" charset="0"/>
+                <a:ea typeface="ＭＳ Ｐゴシック" panose="020B0600070205080204" pitchFamily="34" charset="-128"/>
+              </a:defRPr>
+            </a:lvl6pPr>
+            <a:lvl7pPr marL="2971800" indent="-228600" eaLnBrk="0" fontAlgn="base" hangingPunct="0">
+              <a:spcBef>
+                <a:spcPct val="20000"/>
+              </a:spcBef>
+              <a:spcAft>
+                <a:spcPct val="0"/>
+              </a:spcAft>
+              <a:buFont typeface="Arial" panose="020B0604020202020204" pitchFamily="34" charset="0"/>
+              <a:buChar char="»"/>
+              <a:defRPr kumimoji="1" sz="2000">
+                <a:solidFill>
+                  <a:schemeClr val="tx1"/>
+                </a:solidFill>
+                <a:latin typeface="Arial" panose="020B0604020202020204" pitchFamily="34" charset="0"/>
+                <a:ea typeface="ＭＳ Ｐゴシック" panose="020B0600070205080204" pitchFamily="34" charset="-128"/>
+              </a:defRPr>
+            </a:lvl7pPr>
+            <a:lvl8pPr marL="3429000" indent="-228600" eaLnBrk="0" fontAlgn="base" hangingPunct="0">
+              <a:spcBef>
+                <a:spcPct val="20000"/>
+              </a:spcBef>
+              <a:spcAft>
+                <a:spcPct val="0"/>
+              </a:spcAft>
+              <a:buFont typeface="Arial" panose="020B0604020202020204" pitchFamily="34" charset="0"/>
+              <a:buChar char="»"/>
+              <a:defRPr kumimoji="1" sz="2000">
+                <a:solidFill>
+                  <a:schemeClr val="tx1"/>
+                </a:solidFill>
+                <a:latin typeface="Arial" panose="020B0604020202020204" pitchFamily="34" charset="0"/>
+                <a:ea typeface="ＭＳ Ｐゴシック" panose="020B0600070205080204" pitchFamily="34" charset="-128"/>
+              </a:defRPr>
+            </a:lvl8pPr>
+            <a:lvl9pPr marL="3886200" indent="-228600" eaLnBrk="0" fontAlgn="base" hangingPunct="0">
+              <a:spcBef>
+                <a:spcPct val="20000"/>
+              </a:spcBef>
+              <a:spcAft>
+                <a:spcPct val="0"/>
+              </a:spcAft>
+              <a:buFont typeface="Arial" panose="020B0604020202020204" pitchFamily="34" charset="0"/>
+              <a:buChar char="»"/>
+              <a:defRPr kumimoji="1" sz="2000">
+                <a:solidFill>
+                  <a:schemeClr val="tx1"/>
+                </a:solidFill>
+                <a:latin typeface="Arial" panose="020B0604020202020204" pitchFamily="34" charset="0"/>
+                <a:ea typeface="ＭＳ Ｐゴシック" panose="020B0600070205080204" pitchFamily="34" charset="-128"/>
+              </a:defRPr>
+            </a:lvl9pPr>
+          </a:lstStyle>
+          <a:p>
+            <a:pPr eaLnBrk="1" hangingPunct="1">
+              <a:spcBef>
+                <a:spcPct val="0"/>
+              </a:spcBef>
+              <a:buFontTx/>
+              <a:buNone/>
+            </a:pPr>
+            <a:endParaRPr lang="ja-JP" altLang="en-US" sz="1400">
+              <a:latin typeface="+mn-lt"/>
+            </a:endParaRPr>
+          </a:p>
+        </p:txBody>
+      </p:sp>
+      <p:sp>
+        <p:nvSpPr>
+          <p:cNvPr id="36" name="Text Box 57">
+            <a:extLst>
+              <a:ext uri="{FF2B5EF4-FFF2-40B4-BE49-F238E27FC236}">
+                <a16:creationId xmlns:a16="http://schemas.microsoft.com/office/drawing/2014/main" id="{4E4F9F7E-82F1-6B4C-8AED-A3C51E3565CC}"/>
+              </a:ext>
+            </a:extLst>
+          </p:cNvPr>
+          <p:cNvSpPr txBox="1">
+            <a:spLocks noChangeArrowheads="1"/>
+          </p:cNvSpPr>
+          <p:nvPr/>
+        </p:nvSpPr>
+        <p:spPr bwMode="auto">
+          <a:xfrm>
+            <a:off x="2232471" y="4603367"/>
+            <a:ext cx="1808892" cy="400110"/>
+          </a:xfrm>
+          <a:prstGeom prst="rect">
+            <a:avLst/>
+          </a:prstGeom>
+          <a:noFill/>
+          <a:ln>
+            <a:noFill/>
+          </a:ln>
+          <a:extLst>
+            <a:ext uri="{909E8E84-426E-40DD-AFC4-6F175D3DCCD1}">
+              <a14:hiddenFill xmlns:a14="http://schemas.microsoft.com/office/drawing/2010/main">
+                <a:solidFill>
+                  <a:srgbClr val="FFFFFF"/>
+                </a:solidFill>
+              </a14:hiddenFill>
+            </a:ext>
+            <a:ext uri="{91240B29-F687-4F45-9708-019B960494DF}">
+              <a14:hiddenLine xmlns:a14="http://schemas.microsoft.com/office/drawing/2010/main" w="9525">
+                <a:solidFill>
+                  <a:srgbClr val="000000"/>
+                </a:solidFill>
+                <a:miter lim="800000"/>
+                <a:headEnd/>
+                <a:tailEnd/>
+              </a14:hiddenLine>
+            </a:ext>
+          </a:extLst>
+        </p:spPr>
+        <p:txBody>
+          <a:bodyPr wrap="square">
+            <a:spAutoFit/>
+          </a:bodyPr>
+          <a:lstStyle>
+            <a:lvl1pPr>
+              <a:spcBef>
+                <a:spcPct val="20000"/>
+              </a:spcBef>
+              <a:buFont typeface="Arial" panose="020B0604020202020204" pitchFamily="34" charset="0"/>
+              <a:buChar char="•"/>
+              <a:defRPr kumimoji="1" sz="3200">
+                <a:solidFill>
+                  <a:schemeClr val="tx1"/>
+                </a:solidFill>
+                <a:latin typeface="Arial" panose="020B0604020202020204" pitchFamily="34" charset="0"/>
+                <a:ea typeface="ＭＳ Ｐゴシック" panose="020B0600070205080204" pitchFamily="34" charset="-128"/>
+              </a:defRPr>
+            </a:lvl1pPr>
+            <a:lvl2pPr marL="742950" indent="-285750">
+              <a:spcBef>
+                <a:spcPct val="20000"/>
+              </a:spcBef>
+              <a:buFont typeface="Arial" panose="020B0604020202020204" pitchFamily="34" charset="0"/>
+              <a:buChar char="–"/>
+              <a:defRPr kumimoji="1" sz="2800">
+                <a:solidFill>
+                  <a:schemeClr val="tx1"/>
+                </a:solidFill>
+                <a:latin typeface="Arial" panose="020B0604020202020204" pitchFamily="34" charset="0"/>
+                <a:ea typeface="ＭＳ Ｐゴシック" panose="020B0600070205080204" pitchFamily="34" charset="-128"/>
+              </a:defRPr>
+            </a:lvl2pPr>
+            <a:lvl3pPr marL="1143000" indent="-228600">
+              <a:spcBef>
+                <a:spcPct val="20000"/>
+              </a:spcBef>
+              <a:buFont typeface="Arial" panose="020B0604020202020204" pitchFamily="34" charset="0"/>
+              <a:buChar char="•"/>
+              <a:defRPr kumimoji="1" sz="2400">
+                <a:solidFill>
+                  <a:schemeClr val="tx1"/>
+                </a:solidFill>
+                <a:latin typeface="Arial" panose="020B0604020202020204" pitchFamily="34" charset="0"/>
+                <a:ea typeface="ＭＳ Ｐゴシック" panose="020B0600070205080204" pitchFamily="34" charset="-128"/>
+              </a:defRPr>
+            </a:lvl3pPr>
+            <a:lvl4pPr marL="1600200" indent="-228600">
+              <a:spcBef>
+                <a:spcPct val="20000"/>
+              </a:spcBef>
+              <a:buFont typeface="Arial" panose="020B0604020202020204" pitchFamily="34" charset="0"/>
+              <a:buChar char="–"/>
+              <a:defRPr kumimoji="1" sz="2000">
+                <a:solidFill>
+                  <a:schemeClr val="tx1"/>
+                </a:solidFill>
+                <a:latin typeface="Arial" panose="020B0604020202020204" pitchFamily="34" charset="0"/>
+                <a:ea typeface="ＭＳ Ｐゴシック" panose="020B0600070205080204" pitchFamily="34" charset="-128"/>
+              </a:defRPr>
+            </a:lvl4pPr>
+            <a:lvl5pPr marL="2057400" indent="-228600">
+              <a:spcBef>
+                <a:spcPct val="20000"/>
+              </a:spcBef>
+              <a:buFont typeface="Arial" panose="020B0604020202020204" pitchFamily="34" charset="0"/>
+              <a:buChar char="»"/>
+              <a:defRPr kumimoji="1" sz="2000">
+                <a:solidFill>
+                  <a:schemeClr val="tx1"/>
+                </a:solidFill>
+                <a:latin typeface="Arial" panose="020B0604020202020204" pitchFamily="34" charset="0"/>
+                <a:ea typeface="ＭＳ Ｐゴシック" panose="020B0600070205080204" pitchFamily="34" charset="-128"/>
+              </a:defRPr>
+            </a:lvl5pPr>
+            <a:lvl6pPr marL="2514600" indent="-228600" eaLnBrk="0" fontAlgn="base" hangingPunct="0">
+              <a:spcBef>
+                <a:spcPct val="20000"/>
+              </a:spcBef>
+              <a:spcAft>
+                <a:spcPct val="0"/>
+              </a:spcAft>
+              <a:buFont typeface="Arial" panose="020B0604020202020204" pitchFamily="34" charset="0"/>
+              <a:buChar char="»"/>
+              <a:defRPr kumimoji="1" sz="2000">
+                <a:solidFill>
+                  <a:schemeClr val="tx1"/>
+                </a:solidFill>
+                <a:latin typeface="Arial" panose="020B0604020202020204" pitchFamily="34" charset="0"/>
+                <a:ea typeface="ＭＳ Ｐゴシック" panose="020B0600070205080204" pitchFamily="34" charset="-128"/>
+              </a:defRPr>
+            </a:lvl6pPr>
+            <a:lvl7pPr marL="2971800" indent="-228600" eaLnBrk="0" fontAlgn="base" hangingPunct="0">
+              <a:spcBef>
+                <a:spcPct val="20000"/>
+              </a:spcBef>
+              <a:spcAft>
+                <a:spcPct val="0"/>
+              </a:spcAft>
+              <a:buFont typeface="Arial" panose="020B0604020202020204" pitchFamily="34" charset="0"/>
+              <a:buChar char="»"/>
+              <a:defRPr kumimoji="1" sz="2000">
+                <a:solidFill>
+                  <a:schemeClr val="tx1"/>
+                </a:solidFill>
+                <a:latin typeface="Arial" panose="020B0604020202020204" pitchFamily="34" charset="0"/>
+                <a:ea typeface="ＭＳ Ｐゴシック" panose="020B0600070205080204" pitchFamily="34" charset="-128"/>
+              </a:defRPr>
+            </a:lvl7pPr>
+            <a:lvl8pPr marL="3429000" indent="-228600" eaLnBrk="0" fontAlgn="base" hangingPunct="0">
+              <a:spcBef>
+                <a:spcPct val="20000"/>
+              </a:spcBef>
+              <a:spcAft>
+                <a:spcPct val="0"/>
+              </a:spcAft>
+              <a:buFont typeface="Arial" panose="020B0604020202020204" pitchFamily="34" charset="0"/>
+              <a:buChar char="»"/>
+              <a:defRPr kumimoji="1" sz="2000">
+                <a:solidFill>
+                  <a:schemeClr val="tx1"/>
+                </a:solidFill>
+                <a:latin typeface="Arial" panose="020B0604020202020204" pitchFamily="34" charset="0"/>
+                <a:ea typeface="ＭＳ Ｐゴシック" panose="020B0600070205080204" pitchFamily="34" charset="-128"/>
+              </a:defRPr>
+            </a:lvl8pPr>
+            <a:lvl9pPr marL="3886200" indent="-228600" eaLnBrk="0" fontAlgn="base" hangingPunct="0">
+              <a:spcBef>
+                <a:spcPct val="20000"/>
+              </a:spcBef>
+              <a:spcAft>
+                <a:spcPct val="0"/>
+              </a:spcAft>
+              <a:buFont typeface="Arial" panose="020B0604020202020204" pitchFamily="34" charset="0"/>
+              <a:buChar char="»"/>
+              <a:defRPr kumimoji="1" sz="2000">
+                <a:solidFill>
+                  <a:schemeClr val="tx1"/>
+                </a:solidFill>
+                <a:latin typeface="Arial" panose="020B0604020202020204" pitchFamily="34" charset="0"/>
+                <a:ea typeface="ＭＳ Ｐゴシック" panose="020B0600070205080204" pitchFamily="34" charset="-128"/>
+              </a:defRPr>
+            </a:lvl9pPr>
+          </a:lstStyle>
+          <a:p>
+            <a:pPr eaLnBrk="1" hangingPunct="1">
+              <a:spcBef>
+                <a:spcPct val="0"/>
+              </a:spcBef>
+              <a:buFontTx/>
+              <a:buNone/>
+            </a:pPr>
+            <a:r>
+              <a:rPr lang="ja-JP" altLang="en-US" sz="2000">
+                <a:latin typeface="Times New Roman" panose="02020603050405020304" pitchFamily="18" charset="0"/>
+              </a:rPr>
+              <a:t>長方形の集合</a:t>
+            </a:r>
+          </a:p>
+        </p:txBody>
+      </p:sp>
+      <p:sp>
+        <p:nvSpPr>
+          <p:cNvPr id="38" name="Text Box 59">
+            <a:extLst>
+              <a:ext uri="{FF2B5EF4-FFF2-40B4-BE49-F238E27FC236}">
+                <a16:creationId xmlns:a16="http://schemas.microsoft.com/office/drawing/2014/main" id="{E619EB91-25EF-D443-8550-07FC7862D6B8}"/>
+              </a:ext>
+            </a:extLst>
+          </p:cNvPr>
+          <p:cNvSpPr txBox="1">
+            <a:spLocks noChangeArrowheads="1"/>
+          </p:cNvSpPr>
+          <p:nvPr/>
+        </p:nvSpPr>
+        <p:spPr bwMode="auto">
+          <a:xfrm>
+            <a:off x="8142720" y="4517225"/>
+            <a:ext cx="894196" cy="400110"/>
+          </a:xfrm>
+          <a:prstGeom prst="rect">
+            <a:avLst/>
+          </a:prstGeom>
+          <a:noFill/>
+          <a:ln>
+            <a:noFill/>
+          </a:ln>
+          <a:extLst>
+            <a:ext uri="{909E8E84-426E-40DD-AFC4-6F175D3DCCD1}">
+              <a14:hiddenFill xmlns:a14="http://schemas.microsoft.com/office/drawing/2010/main">
+                <a:solidFill>
+                  <a:srgbClr val="FFFFFF"/>
+                </a:solidFill>
+              </a14:hiddenFill>
+            </a:ext>
+            <a:ext uri="{91240B29-F687-4F45-9708-019B960494DF}">
+              <a14:hiddenLine xmlns:a14="http://schemas.microsoft.com/office/drawing/2010/main" w="9525">
+                <a:solidFill>
+                  <a:srgbClr val="000000"/>
+                </a:solidFill>
+                <a:miter lim="800000"/>
+                <a:headEnd/>
+                <a:tailEnd/>
+              </a14:hiddenLine>
+            </a:ext>
+          </a:extLst>
+        </p:spPr>
+        <p:txBody>
+          <a:bodyPr wrap="square">
+            <a:spAutoFit/>
+          </a:bodyPr>
+          <a:lstStyle>
+            <a:lvl1pPr>
+              <a:spcBef>
+                <a:spcPct val="20000"/>
+              </a:spcBef>
+              <a:buFont typeface="Arial" panose="020B0604020202020204" pitchFamily="34" charset="0"/>
+              <a:buChar char="•"/>
+              <a:defRPr kumimoji="1" sz="3200">
+                <a:solidFill>
+                  <a:schemeClr val="tx1"/>
+                </a:solidFill>
+                <a:latin typeface="Arial" panose="020B0604020202020204" pitchFamily="34" charset="0"/>
+                <a:ea typeface="ＭＳ Ｐゴシック" panose="020B0600070205080204" pitchFamily="34" charset="-128"/>
+              </a:defRPr>
+            </a:lvl1pPr>
+            <a:lvl2pPr marL="742950" indent="-285750">
+              <a:spcBef>
+                <a:spcPct val="20000"/>
+              </a:spcBef>
+              <a:buFont typeface="Arial" panose="020B0604020202020204" pitchFamily="34" charset="0"/>
+              <a:buChar char="–"/>
+              <a:defRPr kumimoji="1" sz="2800">
+                <a:solidFill>
+                  <a:schemeClr val="tx1"/>
+                </a:solidFill>
+                <a:latin typeface="Arial" panose="020B0604020202020204" pitchFamily="34" charset="0"/>
+                <a:ea typeface="ＭＳ Ｐゴシック" panose="020B0600070205080204" pitchFamily="34" charset="-128"/>
+              </a:defRPr>
+            </a:lvl2pPr>
+            <a:lvl3pPr marL="1143000" indent="-228600">
+              <a:spcBef>
+                <a:spcPct val="20000"/>
+              </a:spcBef>
+              <a:buFont typeface="Arial" panose="020B0604020202020204" pitchFamily="34" charset="0"/>
+              <a:buChar char="•"/>
+              <a:defRPr kumimoji="1" sz="2400">
+                <a:solidFill>
+                  <a:schemeClr val="tx1"/>
+                </a:solidFill>
+                <a:latin typeface="Arial" panose="020B0604020202020204" pitchFamily="34" charset="0"/>
+                <a:ea typeface="ＭＳ Ｐゴシック" panose="020B0600070205080204" pitchFamily="34" charset="-128"/>
+              </a:defRPr>
+            </a:lvl3pPr>
+            <a:lvl4pPr marL="1600200" indent="-228600">
+              <a:spcBef>
+                <a:spcPct val="20000"/>
+              </a:spcBef>
+              <a:buFont typeface="Arial" panose="020B0604020202020204" pitchFamily="34" charset="0"/>
+              <a:buChar char="–"/>
+              <a:defRPr kumimoji="1" sz="2000">
+                <a:solidFill>
+                  <a:schemeClr val="tx1"/>
+                </a:solidFill>
+                <a:latin typeface="Arial" panose="020B0604020202020204" pitchFamily="34" charset="0"/>
+                <a:ea typeface="ＭＳ Ｐゴシック" panose="020B0600070205080204" pitchFamily="34" charset="-128"/>
+              </a:defRPr>
+            </a:lvl4pPr>
+            <a:lvl5pPr marL="2057400" indent="-228600">
+              <a:spcBef>
+                <a:spcPct val="20000"/>
+              </a:spcBef>
+              <a:buFont typeface="Arial" panose="020B0604020202020204" pitchFamily="34" charset="0"/>
+              <a:buChar char="»"/>
+              <a:defRPr kumimoji="1" sz="2000">
+                <a:solidFill>
+                  <a:schemeClr val="tx1"/>
+                </a:solidFill>
+                <a:latin typeface="Arial" panose="020B0604020202020204" pitchFamily="34" charset="0"/>
+                <a:ea typeface="ＭＳ Ｐゴシック" panose="020B0600070205080204" pitchFamily="34" charset="-128"/>
+              </a:defRPr>
+            </a:lvl5pPr>
+            <a:lvl6pPr marL="2514600" indent="-228600" eaLnBrk="0" fontAlgn="base" hangingPunct="0">
+              <a:spcBef>
+                <a:spcPct val="20000"/>
+              </a:spcBef>
+              <a:spcAft>
+                <a:spcPct val="0"/>
+              </a:spcAft>
+              <a:buFont typeface="Arial" panose="020B0604020202020204" pitchFamily="34" charset="0"/>
+              <a:buChar char="»"/>
+              <a:defRPr kumimoji="1" sz="2000">
+                <a:solidFill>
+                  <a:schemeClr val="tx1"/>
+                </a:solidFill>
+                <a:latin typeface="Arial" panose="020B0604020202020204" pitchFamily="34" charset="0"/>
+                <a:ea typeface="ＭＳ Ｐゴシック" panose="020B0600070205080204" pitchFamily="34" charset="-128"/>
+              </a:defRPr>
+            </a:lvl6pPr>
+            <a:lvl7pPr marL="2971800" indent="-228600" eaLnBrk="0" fontAlgn="base" hangingPunct="0">
+              <a:spcBef>
+                <a:spcPct val="20000"/>
+              </a:spcBef>
+              <a:spcAft>
+                <a:spcPct val="0"/>
+              </a:spcAft>
+              <a:buFont typeface="Arial" panose="020B0604020202020204" pitchFamily="34" charset="0"/>
+              <a:buChar char="»"/>
+              <a:defRPr kumimoji="1" sz="2000">
+                <a:solidFill>
+                  <a:schemeClr val="tx1"/>
+                </a:solidFill>
+                <a:latin typeface="Arial" panose="020B0604020202020204" pitchFamily="34" charset="0"/>
+                <a:ea typeface="ＭＳ Ｐゴシック" panose="020B0600070205080204" pitchFamily="34" charset="-128"/>
+              </a:defRPr>
+            </a:lvl7pPr>
+            <a:lvl8pPr marL="3429000" indent="-228600" eaLnBrk="0" fontAlgn="base" hangingPunct="0">
+              <a:spcBef>
+                <a:spcPct val="20000"/>
+              </a:spcBef>
+              <a:spcAft>
+                <a:spcPct val="0"/>
+              </a:spcAft>
+              <a:buFont typeface="Arial" panose="020B0604020202020204" pitchFamily="34" charset="0"/>
+              <a:buChar char="»"/>
+              <a:defRPr kumimoji="1" sz="2000">
+                <a:solidFill>
+                  <a:schemeClr val="tx1"/>
+                </a:solidFill>
+                <a:latin typeface="Arial" panose="020B0604020202020204" pitchFamily="34" charset="0"/>
+                <a:ea typeface="ＭＳ Ｐゴシック" panose="020B0600070205080204" pitchFamily="34" charset="-128"/>
+              </a:defRPr>
+            </a:lvl8pPr>
+            <a:lvl9pPr marL="3886200" indent="-228600" eaLnBrk="0" fontAlgn="base" hangingPunct="0">
+              <a:spcBef>
+                <a:spcPct val="20000"/>
+              </a:spcBef>
+              <a:spcAft>
+                <a:spcPct val="0"/>
+              </a:spcAft>
+              <a:buFont typeface="Arial" panose="020B0604020202020204" pitchFamily="34" charset="0"/>
+              <a:buChar char="»"/>
+              <a:defRPr kumimoji="1" sz="2000">
+                <a:solidFill>
+                  <a:schemeClr val="tx1"/>
+                </a:solidFill>
+                <a:latin typeface="Arial" panose="020B0604020202020204" pitchFamily="34" charset="0"/>
+                <a:ea typeface="ＭＳ Ｐゴシック" panose="020B0600070205080204" pitchFamily="34" charset="-128"/>
+              </a:defRPr>
+            </a:lvl9pPr>
+          </a:lstStyle>
+          <a:p>
+            <a:pPr eaLnBrk="1" hangingPunct="1">
+              <a:spcBef>
+                <a:spcPct val="0"/>
+              </a:spcBef>
+              <a:buFontTx/>
+              <a:buNone/>
+            </a:pPr>
+            <a:r>
+              <a:rPr lang="ja-JP" altLang="en-US" sz="2000">
+                <a:latin typeface="Times New Roman" panose="02020603050405020304" pitchFamily="18" charset="0"/>
+              </a:rPr>
+              <a:t>母材</a:t>
+            </a:r>
+          </a:p>
+        </p:txBody>
+      </p:sp>
+      <p:sp>
+        <p:nvSpPr>
+          <p:cNvPr id="39" name="Content Placeholder 2">
+            <a:extLst>
+              <a:ext uri="{FF2B5EF4-FFF2-40B4-BE49-F238E27FC236}">
+                <a16:creationId xmlns:a16="http://schemas.microsoft.com/office/drawing/2014/main" id="{BD6A1E27-FAFA-544F-BEB7-08E523137B33}"/>
+              </a:ext>
+            </a:extLst>
+          </p:cNvPr>
+          <p:cNvSpPr txBox="1">
+            <a:spLocks/>
+          </p:cNvSpPr>
+          <p:nvPr/>
+        </p:nvSpPr>
+        <p:spPr>
+          <a:xfrm>
+            <a:off x="886691" y="5115891"/>
+            <a:ext cx="9448800" cy="1458668"/>
+          </a:xfrm>
+          <a:prstGeom prst="rect">
+            <a:avLst/>
+          </a:prstGeom>
+          <a:solidFill>
+            <a:schemeClr val="accent5">
+              <a:lumMod val="20000"/>
+              <a:lumOff val="80000"/>
+            </a:schemeClr>
+          </a:solidFill>
+          <a:ln>
+            <a:noFill/>
+          </a:ln>
+        </p:spPr>
+        <p:txBody>
+          <a:bodyPr vert="horz" lIns="91440" tIns="45720" rIns="91440" bIns="45720" rtlCol="0">
+            <a:noAutofit/>
+          </a:bodyPr>
+          <a:lstStyle>
+            <a:lvl1pPr marL="228600" indent="-228600" algn="l" defTabSz="914400" rtl="0" eaLnBrk="1" latinLnBrk="0" hangingPunct="1">
+              <a:lnSpc>
+                <a:spcPct val="90000"/>
+              </a:lnSpc>
+              <a:spcBef>
+                <a:spcPts val="1000"/>
+              </a:spcBef>
+              <a:buFont typeface="Arial" panose="020B0604020202020204" pitchFamily="34" charset="0"/>
+              <a:buChar char="•"/>
+              <a:defRPr sz="2800" kern="1200">
+                <a:solidFill>
+                  <a:schemeClr val="tx1"/>
+                </a:solidFill>
+                <a:latin typeface="+mn-lt"/>
+                <a:ea typeface="+mn-ea"/>
+                <a:cs typeface="+mn-cs"/>
+              </a:defRPr>
+            </a:lvl1pPr>
+            <a:lvl2pPr marL="685800" indent="-228600" algn="l" defTabSz="914400" rtl="0" eaLnBrk="1" latinLnBrk="0" hangingPunct="1">
+              <a:lnSpc>
+                <a:spcPct val="90000"/>
+              </a:lnSpc>
+              <a:spcBef>
+                <a:spcPts val="500"/>
+              </a:spcBef>
+              <a:buFont typeface="Arial" panose="020B0604020202020204" pitchFamily="34" charset="0"/>
+              <a:buChar char="•"/>
+              <a:defRPr sz="2400" kern="1200">
+                <a:solidFill>
+                  <a:schemeClr val="tx1"/>
+                </a:solidFill>
+                <a:latin typeface="+mn-lt"/>
+                <a:ea typeface="+mn-ea"/>
+                <a:cs typeface="+mn-cs"/>
+              </a:defRPr>
+            </a:lvl2pPr>
+            <a:lvl3pPr marL="1143000" indent="-228600" algn="l" defTabSz="914400" rtl="0" eaLnBrk="1" latinLnBrk="0" hangingPunct="1">
+              <a:lnSpc>
+                <a:spcPct val="90000"/>
+              </a:lnSpc>
+              <a:spcBef>
+                <a:spcPts val="500"/>
+              </a:spcBef>
+              <a:buFont typeface="Arial" panose="020B0604020202020204" pitchFamily="34" charset="0"/>
+              <a:buChar char="•"/>
+              <a:defRPr sz="2000" kern="1200">
+                <a:solidFill>
+                  <a:schemeClr val="tx1"/>
+                </a:solidFill>
+                <a:latin typeface="+mn-lt"/>
+                <a:ea typeface="+mn-ea"/>
+                <a:cs typeface="+mn-cs"/>
+              </a:defRPr>
+            </a:lvl3pPr>
+            <a:lvl4pPr marL="1600200" indent="-228600" algn="l" defTabSz="914400" rtl="0" eaLnBrk="1" latinLnBrk="0" hangingPunct="1">
+              <a:lnSpc>
+                <a:spcPct val="90000"/>
+              </a:lnSpc>
+              <a:spcBef>
+                <a:spcPts val="500"/>
+              </a:spcBef>
+              <a:buFont typeface="Arial" panose="020B0604020202020204" pitchFamily="34" charset="0"/>
+              <a:buChar char="•"/>
+              <a:defRPr sz="1800" kern="1200">
+                <a:solidFill>
+                  <a:schemeClr val="tx1"/>
+                </a:solidFill>
+                <a:latin typeface="+mn-lt"/>
+                <a:ea typeface="+mn-ea"/>
+                <a:cs typeface="+mn-cs"/>
+              </a:defRPr>
+            </a:lvl4pPr>
+            <a:lvl5pPr marL="2057400" indent="-228600" algn="l" defTabSz="914400" rtl="0" eaLnBrk="1" latinLnBrk="0" hangingPunct="1">
+              <a:lnSpc>
+                <a:spcPct val="90000"/>
+              </a:lnSpc>
+              <a:spcBef>
+                <a:spcPts val="500"/>
+              </a:spcBef>
+              <a:buFont typeface="Arial" panose="020B0604020202020204" pitchFamily="34" charset="0"/>
+              <a:buChar char="•"/>
+              <a:defRPr sz="1800" kern="1200">
+                <a:solidFill>
+                  <a:schemeClr val="tx1"/>
+                </a:solidFill>
+                <a:latin typeface="+mn-lt"/>
+                <a:ea typeface="+mn-ea"/>
+                <a:cs typeface="+mn-cs"/>
+              </a:defRPr>
+            </a:lvl5pPr>
+            <a:lvl6pPr marL="2514600" indent="-228600" algn="l" defTabSz="914400" rtl="0" eaLnBrk="1" latinLnBrk="0" hangingPunct="1">
+              <a:lnSpc>
+                <a:spcPct val="90000"/>
+              </a:lnSpc>
+              <a:spcBef>
+                <a:spcPts val="500"/>
+              </a:spcBef>
+              <a:buFont typeface="Arial" panose="020B0604020202020204" pitchFamily="34" charset="0"/>
+              <a:buChar char="•"/>
+              <a:defRPr sz="1800" kern="1200">
+                <a:solidFill>
+                  <a:schemeClr val="tx1"/>
+                </a:solidFill>
+                <a:latin typeface="+mn-lt"/>
+                <a:ea typeface="+mn-ea"/>
+                <a:cs typeface="+mn-cs"/>
+              </a:defRPr>
+            </a:lvl6pPr>
+            <a:lvl7pPr marL="2971800" indent="-228600" algn="l" defTabSz="914400" rtl="0" eaLnBrk="1" latinLnBrk="0" hangingPunct="1">
+              <a:lnSpc>
+                <a:spcPct val="90000"/>
+              </a:lnSpc>
+              <a:spcBef>
+                <a:spcPts val="500"/>
+              </a:spcBef>
+              <a:buFont typeface="Arial" panose="020B0604020202020204" pitchFamily="34" charset="0"/>
+              <a:buChar char="•"/>
+              <a:defRPr sz="1800" kern="1200">
+                <a:solidFill>
+                  <a:schemeClr val="tx1"/>
+                </a:solidFill>
+                <a:latin typeface="+mn-lt"/>
+                <a:ea typeface="+mn-ea"/>
+                <a:cs typeface="+mn-cs"/>
+              </a:defRPr>
+            </a:lvl7pPr>
+            <a:lvl8pPr marL="3429000" indent="-228600" algn="l" defTabSz="914400" rtl="0" eaLnBrk="1" latinLnBrk="0" hangingPunct="1">
+              <a:lnSpc>
+                <a:spcPct val="90000"/>
+              </a:lnSpc>
+              <a:spcBef>
+                <a:spcPts val="500"/>
+              </a:spcBef>
+              <a:buFont typeface="Arial" panose="020B0604020202020204" pitchFamily="34" charset="0"/>
+              <a:buChar char="•"/>
+              <a:defRPr sz="1800" kern="1200">
+                <a:solidFill>
+                  <a:schemeClr val="tx1"/>
+                </a:solidFill>
+                <a:latin typeface="+mn-lt"/>
+                <a:ea typeface="+mn-ea"/>
+                <a:cs typeface="+mn-cs"/>
+              </a:defRPr>
+            </a:lvl8pPr>
+            <a:lvl9pPr marL="3886200" indent="-228600" algn="l" defTabSz="914400" rtl="0" eaLnBrk="1" latinLnBrk="0" hangingPunct="1">
+              <a:lnSpc>
+                <a:spcPct val="90000"/>
+              </a:lnSpc>
+              <a:spcBef>
+                <a:spcPts val="500"/>
+              </a:spcBef>
+              <a:buFont typeface="Arial" panose="020B0604020202020204" pitchFamily="34" charset="0"/>
+              <a:buChar char="•"/>
+              <a:defRPr sz="1800" kern="1200">
+                <a:solidFill>
+                  <a:schemeClr val="tx1"/>
+                </a:solidFill>
+                <a:latin typeface="+mn-lt"/>
+                <a:ea typeface="+mn-ea"/>
+                <a:cs typeface="+mn-cs"/>
+              </a:defRPr>
+            </a:lvl9pPr>
+          </a:lstStyle>
+          <a:p>
+            <a:pPr marL="0" indent="0">
+              <a:lnSpc>
+                <a:spcPct val="100000"/>
+              </a:lnSpc>
+              <a:buNone/>
+            </a:pPr>
+            <a:r>
+              <a:rPr lang="en-JP" sz="2400"/>
+              <a:t>制約</a:t>
+            </a:r>
+          </a:p>
+          <a:p>
+            <a:pPr marL="457200" indent="-457200">
+              <a:lnSpc>
+                <a:spcPct val="100000"/>
+              </a:lnSpc>
+              <a:buAutoNum type="arabicPeriod"/>
+            </a:pPr>
+            <a:r>
+              <a:rPr lang="en-JP" sz="2400"/>
+              <a:t>長方形は母材からはみ出してはいけない</a:t>
+            </a:r>
+          </a:p>
+          <a:p>
+            <a:pPr marL="457200" indent="-457200">
+              <a:lnSpc>
+                <a:spcPct val="100000"/>
+              </a:lnSpc>
+              <a:buAutoNum type="arabicPeriod"/>
+            </a:pPr>
+            <a:r>
+              <a:rPr lang="en-JP" sz="2400"/>
+              <a:t>長方形同士が互いに重ならない</a:t>
+            </a:r>
+          </a:p>
+        </p:txBody>
+      </p:sp>
+      <mc:AlternateContent xmlns:mc="http://schemas.openxmlformats.org/markup-compatibility/2006">
+        <mc:Choice xmlns:a14="http://schemas.microsoft.com/office/drawing/2010/main" Requires="a14">
+          <p:sp>
+            <p:nvSpPr>
+              <p:cNvPr id="40" name="Content Placeholder 2">
+                <a:extLst>
+                  <a:ext uri="{FF2B5EF4-FFF2-40B4-BE49-F238E27FC236}">
+                    <a16:creationId xmlns:a16="http://schemas.microsoft.com/office/drawing/2014/main" id="{9A6C8FB0-448C-984C-892A-4CCFD97CC45B}"/>
+                  </a:ext>
+                </a:extLst>
+              </p:cNvPr>
+              <p:cNvSpPr txBox="1">
+                <a:spLocks/>
+              </p:cNvSpPr>
+              <p:nvPr/>
+            </p:nvSpPr>
+            <p:spPr>
+              <a:xfrm>
+                <a:off x="886691" y="1565710"/>
+                <a:ext cx="9448800" cy="1033075"/>
+              </a:xfrm>
+              <a:prstGeom prst="rect">
+                <a:avLst/>
+              </a:prstGeom>
+              <a:solidFill>
+                <a:schemeClr val="accent5">
+                  <a:lumMod val="20000"/>
+                  <a:lumOff val="80000"/>
+                </a:schemeClr>
+              </a:solidFill>
+              <a:ln>
+                <a:noFill/>
+              </a:ln>
+            </p:spPr>
+            <p:txBody>
+              <a:bodyPr vert="horz" lIns="91440" tIns="45720" rIns="91440" bIns="45720" rtlCol="0">
+                <a:noAutofit/>
+              </a:bodyPr>
+              <a:lstStyle>
+                <a:lvl1pPr marL="228600" indent="-228600" algn="l" defTabSz="914400" rtl="0" eaLnBrk="1" latinLnBrk="0" hangingPunct="1">
+                  <a:lnSpc>
+                    <a:spcPct val="90000"/>
+                  </a:lnSpc>
+                  <a:spcBef>
+                    <a:spcPts val="1000"/>
+                  </a:spcBef>
+                  <a:buFont typeface="Arial" panose="020B0604020202020204" pitchFamily="34" charset="0"/>
+                  <a:buChar char="•"/>
+                  <a:defRPr sz="2800" kern="1200">
+                    <a:solidFill>
+                      <a:schemeClr val="tx1"/>
+                    </a:solidFill>
+                    <a:latin typeface="+mn-lt"/>
+                    <a:ea typeface="+mn-ea"/>
+                    <a:cs typeface="+mn-cs"/>
+                  </a:defRPr>
+                </a:lvl1pPr>
+                <a:lvl2pPr marL="685800" indent="-228600" algn="l" defTabSz="914400" rtl="0" eaLnBrk="1" latinLnBrk="0" hangingPunct="1">
+                  <a:lnSpc>
+                    <a:spcPct val="90000"/>
+                  </a:lnSpc>
+                  <a:spcBef>
+                    <a:spcPts val="500"/>
+                  </a:spcBef>
+                  <a:buFont typeface="Arial" panose="020B0604020202020204" pitchFamily="34" charset="0"/>
+                  <a:buChar char="•"/>
+                  <a:defRPr sz="2400" kern="1200">
+                    <a:solidFill>
+                      <a:schemeClr val="tx1"/>
+                    </a:solidFill>
+                    <a:latin typeface="+mn-lt"/>
+                    <a:ea typeface="+mn-ea"/>
+                    <a:cs typeface="+mn-cs"/>
+                  </a:defRPr>
+                </a:lvl2pPr>
+                <a:lvl3pPr marL="1143000" indent="-228600" algn="l" defTabSz="914400" rtl="0" eaLnBrk="1" latinLnBrk="0" hangingPunct="1">
+                  <a:lnSpc>
+                    <a:spcPct val="90000"/>
+                  </a:lnSpc>
+                  <a:spcBef>
+                    <a:spcPts val="500"/>
+                  </a:spcBef>
+                  <a:buFont typeface="Arial" panose="020B0604020202020204" pitchFamily="34" charset="0"/>
+                  <a:buChar char="•"/>
+                  <a:defRPr sz="2000" kern="1200">
+                    <a:solidFill>
+                      <a:schemeClr val="tx1"/>
+                    </a:solidFill>
+                    <a:latin typeface="+mn-lt"/>
+                    <a:ea typeface="+mn-ea"/>
+                    <a:cs typeface="+mn-cs"/>
+                  </a:defRPr>
+                </a:lvl3pPr>
+                <a:lvl4pPr marL="1600200" indent="-228600" algn="l" defTabSz="914400" rtl="0" eaLnBrk="1" latinLnBrk="0" hangingPunct="1">
+                  <a:lnSpc>
+                    <a:spcPct val="90000"/>
+                  </a:lnSpc>
+                  <a:spcBef>
+                    <a:spcPts val="500"/>
+                  </a:spcBef>
+                  <a:buFont typeface="Arial" panose="020B0604020202020204" pitchFamily="34" charset="0"/>
+                  <a:buChar char="•"/>
+                  <a:defRPr sz="1800" kern="1200">
+                    <a:solidFill>
+                      <a:schemeClr val="tx1"/>
+                    </a:solidFill>
+                    <a:latin typeface="+mn-lt"/>
+                    <a:ea typeface="+mn-ea"/>
+                    <a:cs typeface="+mn-cs"/>
+                  </a:defRPr>
+                </a:lvl4pPr>
+                <a:lvl5pPr marL="2057400" indent="-228600" algn="l" defTabSz="914400" rtl="0" eaLnBrk="1" latinLnBrk="0" hangingPunct="1">
+                  <a:lnSpc>
+                    <a:spcPct val="90000"/>
+                  </a:lnSpc>
+                  <a:spcBef>
+                    <a:spcPts val="500"/>
+                  </a:spcBef>
+                  <a:buFont typeface="Arial" panose="020B0604020202020204" pitchFamily="34" charset="0"/>
+                  <a:buChar char="•"/>
+                  <a:defRPr sz="1800" kern="1200">
+                    <a:solidFill>
+                      <a:schemeClr val="tx1"/>
+                    </a:solidFill>
+                    <a:latin typeface="+mn-lt"/>
+                    <a:ea typeface="+mn-ea"/>
+                    <a:cs typeface="+mn-cs"/>
+                  </a:defRPr>
+                </a:lvl5pPr>
+                <a:lvl6pPr marL="2514600" indent="-228600" algn="l" defTabSz="914400" rtl="0" eaLnBrk="1" latinLnBrk="0" hangingPunct="1">
+                  <a:lnSpc>
+                    <a:spcPct val="90000"/>
+                  </a:lnSpc>
+                  <a:spcBef>
+                    <a:spcPts val="500"/>
+                  </a:spcBef>
+                  <a:buFont typeface="Arial" panose="020B0604020202020204" pitchFamily="34" charset="0"/>
+                  <a:buChar char="•"/>
+                  <a:defRPr sz="1800" kern="1200">
+                    <a:solidFill>
+                      <a:schemeClr val="tx1"/>
+                    </a:solidFill>
+                    <a:latin typeface="+mn-lt"/>
+                    <a:ea typeface="+mn-ea"/>
+                    <a:cs typeface="+mn-cs"/>
+                  </a:defRPr>
+                </a:lvl6pPr>
+                <a:lvl7pPr marL="2971800" indent="-228600" algn="l" defTabSz="914400" rtl="0" eaLnBrk="1" latinLnBrk="0" hangingPunct="1">
+                  <a:lnSpc>
+                    <a:spcPct val="90000"/>
+                  </a:lnSpc>
+                  <a:spcBef>
+                    <a:spcPts val="500"/>
+                  </a:spcBef>
+                  <a:buFont typeface="Arial" panose="020B0604020202020204" pitchFamily="34" charset="0"/>
+                  <a:buChar char="•"/>
+                  <a:defRPr sz="1800" kern="1200">
+                    <a:solidFill>
+                      <a:schemeClr val="tx1"/>
+                    </a:solidFill>
+                    <a:latin typeface="+mn-lt"/>
+                    <a:ea typeface="+mn-ea"/>
+                    <a:cs typeface="+mn-cs"/>
+                  </a:defRPr>
+                </a:lvl7pPr>
+                <a:lvl8pPr marL="3429000" indent="-228600" algn="l" defTabSz="914400" rtl="0" eaLnBrk="1" latinLnBrk="0" hangingPunct="1">
+                  <a:lnSpc>
+                    <a:spcPct val="90000"/>
+                  </a:lnSpc>
+                  <a:spcBef>
+                    <a:spcPts val="500"/>
+                  </a:spcBef>
+                  <a:buFont typeface="Arial" panose="020B0604020202020204" pitchFamily="34" charset="0"/>
+                  <a:buChar char="•"/>
+                  <a:defRPr sz="1800" kern="1200">
+                    <a:solidFill>
+                      <a:schemeClr val="tx1"/>
+                    </a:solidFill>
+                    <a:latin typeface="+mn-lt"/>
+                    <a:ea typeface="+mn-ea"/>
+                    <a:cs typeface="+mn-cs"/>
+                  </a:defRPr>
+                </a:lvl8pPr>
+                <a:lvl9pPr marL="3886200" indent="-228600" algn="l" defTabSz="914400" rtl="0" eaLnBrk="1" latinLnBrk="0" hangingPunct="1">
+                  <a:lnSpc>
+                    <a:spcPct val="90000"/>
+                  </a:lnSpc>
+                  <a:spcBef>
+                    <a:spcPts val="500"/>
+                  </a:spcBef>
+                  <a:buFont typeface="Arial" panose="020B0604020202020204" pitchFamily="34" charset="0"/>
+                  <a:buChar char="•"/>
+                  <a:defRPr sz="1800" kern="1200">
+                    <a:solidFill>
+                      <a:schemeClr val="tx1"/>
+                    </a:solidFill>
+                    <a:latin typeface="+mn-lt"/>
+                    <a:ea typeface="+mn-ea"/>
+                    <a:cs typeface="+mn-cs"/>
+                  </a:defRPr>
+                </a:lvl9pPr>
+              </a:lstStyle>
+              <a:p>
+                <a:pPr marL="0" indent="0">
+                  <a:lnSpc>
+                    <a:spcPct val="110000"/>
+                  </a:lnSpc>
+                  <a:buFont typeface="Arial" panose="020B0604020202020204" pitchFamily="34" charset="0"/>
+                  <a:buNone/>
+                </a:pPr>
+                <a:r>
+                  <a:rPr lang="en-JP" sz="2400" b="1"/>
+                  <a:t>長方形詰込み問題</a:t>
+                </a:r>
+              </a:p>
+              <a:p>
+                <a:pPr marL="0" indent="0">
+                  <a:lnSpc>
+                    <a:spcPct val="110000"/>
+                  </a:lnSpc>
+                  <a:buNone/>
+                </a:pPr>
+                <a:r>
+                  <a:rPr lang="en-JP" sz="2400"/>
+                  <a:t>例.  </a:t>
+                </a:r>
+                <a14:m>
+                  <m:oMath xmlns:m="http://schemas.openxmlformats.org/officeDocument/2006/math">
+                    <m:r>
+                      <a:rPr lang="en-US" sz="2400" b="0" i="1">
+                        <a:latin typeface="Cambria Math" panose="02040503050406030204" pitchFamily="18" charset="0"/>
+                      </a:rPr>
+                      <m:t>𝑛</m:t>
+                    </m:r>
+                  </m:oMath>
+                </a14:m>
+                <a:r>
+                  <a:rPr lang="en-JP" sz="2400"/>
+                  <a:t> 個の長方形を母材に詰め込む</a:t>
+                </a:r>
+              </a:p>
+            </p:txBody>
+          </p:sp>
+        </mc:Choice>
+        <mc:Fallback>
+          <p:sp>
+            <p:nvSpPr>
+              <p:cNvPr id="40" name="Content Placeholder 2">
+                <a:extLst>
+                  <a:ext uri="{FF2B5EF4-FFF2-40B4-BE49-F238E27FC236}">
+                    <a16:creationId xmlns:a16="http://schemas.microsoft.com/office/drawing/2014/main" id="{9A6C8FB0-448C-984C-892A-4CCFD97CC45B}"/>
+                  </a:ext>
+                </a:extLst>
+              </p:cNvPr>
+              <p:cNvSpPr txBox="1">
+                <a:spLocks noRot="1" noChangeAspect="1" noMove="1" noResize="1" noEditPoints="1" noAdjustHandles="1" noChangeArrowheads="1" noChangeShapeType="1" noTextEdit="1"/>
+              </p:cNvSpPr>
+              <p:nvPr/>
+            </p:nvSpPr>
+            <p:spPr>
+              <a:xfrm>
+                <a:off x="886691" y="1565710"/>
+                <a:ext cx="9448800" cy="1033075"/>
+              </a:xfrm>
+              <a:prstGeom prst="rect">
+                <a:avLst/>
+              </a:prstGeom>
+              <a:blipFill>
+                <a:blip r:embed="rId4"/>
+                <a:stretch>
+                  <a:fillRect l="-940" t="-6098" b="-9756"/>
+                </a:stretch>
+              </a:blipFill>
+              <a:ln>
+                <a:noFill/>
+              </a:ln>
+            </p:spPr>
+            <p:txBody>
+              <a:bodyPr/>
+              <a:lstStyle/>
+              <a:p>
+                <a:r>
+                  <a:rPr lang="en-JP">
+                    <a:noFill/>
+                  </a:rPr>
+                  <a:t> </a:t>
+                </a:r>
+              </a:p>
+            </p:txBody>
+          </p:sp>
+        </mc:Fallback>
+      </mc:AlternateContent>
+      <p:sp>
+        <p:nvSpPr>
+          <p:cNvPr id="27" name="Rectangle 47">
+            <a:extLst>
+              <a:ext uri="{FF2B5EF4-FFF2-40B4-BE49-F238E27FC236}">
+                <a16:creationId xmlns:a16="http://schemas.microsoft.com/office/drawing/2014/main" id="{7159D9F2-5C7F-234F-A83E-D4B87C1B496A}"/>
+              </a:ext>
+            </a:extLst>
+          </p:cNvPr>
+          <p:cNvSpPr>
+            <a:spLocks noChangeArrowheads="1"/>
+          </p:cNvSpPr>
+          <p:nvPr/>
+        </p:nvSpPr>
+        <p:spPr bwMode="auto">
+          <a:xfrm rot="10800000" flipV="1">
+            <a:off x="3589775" y="3020542"/>
+            <a:ext cx="795206" cy="500303"/>
+          </a:xfrm>
+          <a:prstGeom prst="rect">
+            <a:avLst/>
+          </a:prstGeom>
+          <a:solidFill>
+            <a:schemeClr val="accent2"/>
+          </a:solidFill>
+          <a:ln w="9525">
+            <a:noFill/>
+            <a:miter lim="800000"/>
+            <a:headEnd/>
+            <a:tailEnd/>
+          </a:ln>
+        </p:spPr>
+        <p:txBody>
+          <a:bodyPr wrap="none" lIns="95756" tIns="47878" rIns="95756" bIns="47878" anchor="ctr"/>
+          <a:lstStyle>
+            <a:lvl1pPr defTabSz="957263">
+              <a:spcBef>
+                <a:spcPct val="20000"/>
+              </a:spcBef>
+              <a:buFont typeface="Arial" panose="020B0604020202020204" pitchFamily="34" charset="0"/>
+              <a:buChar char="•"/>
+              <a:defRPr kumimoji="1" sz="3200">
+                <a:solidFill>
+                  <a:schemeClr val="tx1"/>
+                </a:solidFill>
+                <a:latin typeface="Arial" panose="020B0604020202020204" pitchFamily="34" charset="0"/>
+                <a:ea typeface="ＭＳ Ｐゴシック" panose="020B0600070205080204" pitchFamily="34" charset="-128"/>
+              </a:defRPr>
+            </a:lvl1pPr>
+            <a:lvl2pPr marL="742950" indent="-285750" defTabSz="957263">
+              <a:spcBef>
+                <a:spcPct val="20000"/>
+              </a:spcBef>
+              <a:buFont typeface="Arial" panose="020B0604020202020204" pitchFamily="34" charset="0"/>
+              <a:buChar char="–"/>
+              <a:defRPr kumimoji="1" sz="2800">
+                <a:solidFill>
+                  <a:schemeClr val="tx1"/>
+                </a:solidFill>
+                <a:latin typeface="Arial" panose="020B0604020202020204" pitchFamily="34" charset="0"/>
+                <a:ea typeface="ＭＳ Ｐゴシック" panose="020B0600070205080204" pitchFamily="34" charset="-128"/>
+              </a:defRPr>
+            </a:lvl2pPr>
+            <a:lvl3pPr marL="1143000" indent="-228600" defTabSz="957263">
+              <a:spcBef>
+                <a:spcPct val="20000"/>
+              </a:spcBef>
+              <a:buFont typeface="Arial" panose="020B0604020202020204" pitchFamily="34" charset="0"/>
+              <a:buChar char="•"/>
+              <a:defRPr kumimoji="1" sz="2400">
+                <a:solidFill>
+                  <a:schemeClr val="tx1"/>
+                </a:solidFill>
+                <a:latin typeface="Arial" panose="020B0604020202020204" pitchFamily="34" charset="0"/>
+                <a:ea typeface="ＭＳ Ｐゴシック" panose="020B0600070205080204" pitchFamily="34" charset="-128"/>
+              </a:defRPr>
+            </a:lvl3pPr>
+            <a:lvl4pPr marL="1600200" indent="-228600" defTabSz="957263">
+              <a:spcBef>
+                <a:spcPct val="20000"/>
+              </a:spcBef>
+              <a:buFont typeface="Arial" panose="020B0604020202020204" pitchFamily="34" charset="0"/>
+              <a:buChar char="–"/>
+              <a:defRPr kumimoji="1" sz="2000">
+                <a:solidFill>
+                  <a:schemeClr val="tx1"/>
+                </a:solidFill>
+                <a:latin typeface="Arial" panose="020B0604020202020204" pitchFamily="34" charset="0"/>
+                <a:ea typeface="ＭＳ Ｐゴシック" panose="020B0600070205080204" pitchFamily="34" charset="-128"/>
+              </a:defRPr>
+            </a:lvl4pPr>
+            <a:lvl5pPr marL="2057400" indent="-228600" defTabSz="957263">
+              <a:spcBef>
+                <a:spcPct val="20000"/>
+              </a:spcBef>
+              <a:buFont typeface="Arial" panose="020B0604020202020204" pitchFamily="34" charset="0"/>
+              <a:buChar char="»"/>
+              <a:defRPr kumimoji="1" sz="2000">
+                <a:solidFill>
+                  <a:schemeClr val="tx1"/>
+                </a:solidFill>
+                <a:latin typeface="Arial" panose="020B0604020202020204" pitchFamily="34" charset="0"/>
+                <a:ea typeface="ＭＳ Ｐゴシック" panose="020B0600070205080204" pitchFamily="34" charset="-128"/>
+              </a:defRPr>
+            </a:lvl5pPr>
+            <a:lvl6pPr marL="2514600" indent="-228600" defTabSz="957263" eaLnBrk="0" fontAlgn="base" hangingPunct="0">
+              <a:spcBef>
+                <a:spcPct val="20000"/>
+              </a:spcBef>
+              <a:spcAft>
+                <a:spcPct val="0"/>
+              </a:spcAft>
+              <a:buFont typeface="Arial" panose="020B0604020202020204" pitchFamily="34" charset="0"/>
+              <a:buChar char="»"/>
+              <a:defRPr kumimoji="1" sz="2000">
+                <a:solidFill>
+                  <a:schemeClr val="tx1"/>
+                </a:solidFill>
+                <a:latin typeface="Arial" panose="020B0604020202020204" pitchFamily="34" charset="0"/>
+                <a:ea typeface="ＭＳ Ｐゴシック" panose="020B0600070205080204" pitchFamily="34" charset="-128"/>
+              </a:defRPr>
+            </a:lvl6pPr>
+            <a:lvl7pPr marL="2971800" indent="-228600" defTabSz="957263" eaLnBrk="0" fontAlgn="base" hangingPunct="0">
+              <a:spcBef>
+                <a:spcPct val="20000"/>
+              </a:spcBef>
+              <a:spcAft>
+                <a:spcPct val="0"/>
+              </a:spcAft>
+              <a:buFont typeface="Arial" panose="020B0604020202020204" pitchFamily="34" charset="0"/>
+              <a:buChar char="»"/>
+              <a:defRPr kumimoji="1" sz="2000">
+                <a:solidFill>
+                  <a:schemeClr val="tx1"/>
+                </a:solidFill>
+                <a:latin typeface="Arial" panose="020B0604020202020204" pitchFamily="34" charset="0"/>
+                <a:ea typeface="ＭＳ Ｐゴシック" panose="020B0600070205080204" pitchFamily="34" charset="-128"/>
+              </a:defRPr>
+            </a:lvl7pPr>
+            <a:lvl8pPr marL="3429000" indent="-228600" defTabSz="957263" eaLnBrk="0" fontAlgn="base" hangingPunct="0">
+              <a:spcBef>
+                <a:spcPct val="20000"/>
+              </a:spcBef>
+              <a:spcAft>
+                <a:spcPct val="0"/>
+              </a:spcAft>
+              <a:buFont typeface="Arial" panose="020B0604020202020204" pitchFamily="34" charset="0"/>
+              <a:buChar char="»"/>
+              <a:defRPr kumimoji="1" sz="2000">
+                <a:solidFill>
+                  <a:schemeClr val="tx1"/>
+                </a:solidFill>
+                <a:latin typeface="Arial" panose="020B0604020202020204" pitchFamily="34" charset="0"/>
+                <a:ea typeface="ＭＳ Ｐゴシック" panose="020B0600070205080204" pitchFamily="34" charset="-128"/>
+              </a:defRPr>
+            </a:lvl8pPr>
+            <a:lvl9pPr marL="3886200" indent="-228600" defTabSz="957263" eaLnBrk="0" fontAlgn="base" hangingPunct="0">
+              <a:spcBef>
+                <a:spcPct val="20000"/>
+              </a:spcBef>
+              <a:spcAft>
+                <a:spcPct val="0"/>
+              </a:spcAft>
+              <a:buFont typeface="Arial" panose="020B0604020202020204" pitchFamily="34" charset="0"/>
+              <a:buChar char="»"/>
+              <a:defRPr kumimoji="1" sz="2000">
+                <a:solidFill>
+                  <a:schemeClr val="tx1"/>
+                </a:solidFill>
+                <a:latin typeface="Arial" panose="020B0604020202020204" pitchFamily="34" charset="0"/>
+                <a:ea typeface="ＭＳ Ｐゴシック" panose="020B0600070205080204" pitchFamily="34" charset="-128"/>
+              </a:defRPr>
+            </a:lvl9pPr>
+          </a:lstStyle>
+          <a:p>
+            <a:pPr algn="ctr" eaLnBrk="1" hangingPunct="1">
+              <a:spcBef>
+                <a:spcPct val="0"/>
+              </a:spcBef>
+              <a:buFontTx/>
+              <a:buNone/>
+            </a:pPr>
+            <a:r>
+              <a:rPr lang="ja-JP" altLang="en-US" sz="1400">
+                <a:latin typeface="+mn-ea"/>
+                <a:ea typeface="+mn-ea"/>
+              </a:rPr>
+              <a:t>２</a:t>
+            </a:r>
+          </a:p>
+        </p:txBody>
+      </p:sp>
+      <p:sp>
+        <p:nvSpPr>
+          <p:cNvPr id="28" name="Rectangle 48">
+            <a:extLst>
+              <a:ext uri="{FF2B5EF4-FFF2-40B4-BE49-F238E27FC236}">
+                <a16:creationId xmlns:a16="http://schemas.microsoft.com/office/drawing/2014/main" id="{DF58AFD8-8CA8-7D4C-8240-FBF080CF7D02}"/>
+              </a:ext>
+            </a:extLst>
+          </p:cNvPr>
+          <p:cNvSpPr>
+            <a:spLocks noChangeArrowheads="1"/>
+          </p:cNvSpPr>
+          <p:nvPr/>
+        </p:nvSpPr>
+        <p:spPr bwMode="auto">
+          <a:xfrm>
+            <a:off x="2739315" y="3551532"/>
+            <a:ext cx="632856" cy="430184"/>
+          </a:xfrm>
+          <a:prstGeom prst="rect">
+            <a:avLst/>
+          </a:prstGeom>
+          <a:solidFill>
+            <a:schemeClr val="accent2"/>
+          </a:solidFill>
+          <a:ln w="9525">
+            <a:noFill/>
+            <a:miter lim="800000"/>
+            <a:headEnd/>
+            <a:tailEnd/>
+          </a:ln>
+        </p:spPr>
+        <p:txBody>
+          <a:bodyPr wrap="none" lIns="95756" tIns="47878" rIns="95756" bIns="47878" anchor="ctr"/>
+          <a:lstStyle>
+            <a:lvl1pPr defTabSz="957263">
+              <a:spcBef>
+                <a:spcPct val="20000"/>
+              </a:spcBef>
+              <a:buFont typeface="Arial" panose="020B0604020202020204" pitchFamily="34" charset="0"/>
+              <a:buChar char="•"/>
+              <a:defRPr kumimoji="1" sz="3200">
+                <a:solidFill>
+                  <a:schemeClr val="tx1"/>
+                </a:solidFill>
+                <a:latin typeface="Arial" panose="020B0604020202020204" pitchFamily="34" charset="0"/>
+                <a:ea typeface="ＭＳ Ｐゴシック" panose="020B0600070205080204" pitchFamily="34" charset="-128"/>
+              </a:defRPr>
+            </a:lvl1pPr>
+            <a:lvl2pPr marL="742950" indent="-285750" defTabSz="957263">
+              <a:spcBef>
+                <a:spcPct val="20000"/>
+              </a:spcBef>
+              <a:buFont typeface="Arial" panose="020B0604020202020204" pitchFamily="34" charset="0"/>
+              <a:buChar char="–"/>
+              <a:defRPr kumimoji="1" sz="2800">
+                <a:solidFill>
+                  <a:schemeClr val="tx1"/>
+                </a:solidFill>
+                <a:latin typeface="Arial" panose="020B0604020202020204" pitchFamily="34" charset="0"/>
+                <a:ea typeface="ＭＳ Ｐゴシック" panose="020B0600070205080204" pitchFamily="34" charset="-128"/>
+              </a:defRPr>
+            </a:lvl2pPr>
+            <a:lvl3pPr marL="1143000" indent="-228600" defTabSz="957263">
+              <a:spcBef>
+                <a:spcPct val="20000"/>
+              </a:spcBef>
+              <a:buFont typeface="Arial" panose="020B0604020202020204" pitchFamily="34" charset="0"/>
+              <a:buChar char="•"/>
+              <a:defRPr kumimoji="1" sz="2400">
+                <a:solidFill>
+                  <a:schemeClr val="tx1"/>
+                </a:solidFill>
+                <a:latin typeface="Arial" panose="020B0604020202020204" pitchFamily="34" charset="0"/>
+                <a:ea typeface="ＭＳ Ｐゴシック" panose="020B0600070205080204" pitchFamily="34" charset="-128"/>
+              </a:defRPr>
+            </a:lvl3pPr>
+            <a:lvl4pPr marL="1600200" indent="-228600" defTabSz="957263">
+              <a:spcBef>
+                <a:spcPct val="20000"/>
+              </a:spcBef>
+              <a:buFont typeface="Arial" panose="020B0604020202020204" pitchFamily="34" charset="0"/>
+              <a:buChar char="–"/>
+              <a:defRPr kumimoji="1" sz="2000">
+                <a:solidFill>
+                  <a:schemeClr val="tx1"/>
+                </a:solidFill>
+                <a:latin typeface="Arial" panose="020B0604020202020204" pitchFamily="34" charset="0"/>
+                <a:ea typeface="ＭＳ Ｐゴシック" panose="020B0600070205080204" pitchFamily="34" charset="-128"/>
+              </a:defRPr>
+            </a:lvl4pPr>
+            <a:lvl5pPr marL="2057400" indent="-228600" defTabSz="957263">
+              <a:spcBef>
+                <a:spcPct val="20000"/>
+              </a:spcBef>
+              <a:buFont typeface="Arial" panose="020B0604020202020204" pitchFamily="34" charset="0"/>
+              <a:buChar char="»"/>
+              <a:defRPr kumimoji="1" sz="2000">
+                <a:solidFill>
+                  <a:schemeClr val="tx1"/>
+                </a:solidFill>
+                <a:latin typeface="Arial" panose="020B0604020202020204" pitchFamily="34" charset="0"/>
+                <a:ea typeface="ＭＳ Ｐゴシック" panose="020B0600070205080204" pitchFamily="34" charset="-128"/>
+              </a:defRPr>
+            </a:lvl5pPr>
+            <a:lvl6pPr marL="2514600" indent="-228600" defTabSz="957263" eaLnBrk="0" fontAlgn="base" hangingPunct="0">
+              <a:spcBef>
+                <a:spcPct val="20000"/>
+              </a:spcBef>
+              <a:spcAft>
+                <a:spcPct val="0"/>
+              </a:spcAft>
+              <a:buFont typeface="Arial" panose="020B0604020202020204" pitchFamily="34" charset="0"/>
+              <a:buChar char="»"/>
+              <a:defRPr kumimoji="1" sz="2000">
+                <a:solidFill>
+                  <a:schemeClr val="tx1"/>
+                </a:solidFill>
+                <a:latin typeface="Arial" panose="020B0604020202020204" pitchFamily="34" charset="0"/>
+                <a:ea typeface="ＭＳ Ｐゴシック" panose="020B0600070205080204" pitchFamily="34" charset="-128"/>
+              </a:defRPr>
+            </a:lvl6pPr>
+            <a:lvl7pPr marL="2971800" indent="-228600" defTabSz="957263" eaLnBrk="0" fontAlgn="base" hangingPunct="0">
+              <a:spcBef>
+                <a:spcPct val="20000"/>
+              </a:spcBef>
+              <a:spcAft>
+                <a:spcPct val="0"/>
+              </a:spcAft>
+              <a:buFont typeface="Arial" panose="020B0604020202020204" pitchFamily="34" charset="0"/>
+              <a:buChar char="»"/>
+              <a:defRPr kumimoji="1" sz="2000">
+                <a:solidFill>
+                  <a:schemeClr val="tx1"/>
+                </a:solidFill>
+                <a:latin typeface="Arial" panose="020B0604020202020204" pitchFamily="34" charset="0"/>
+                <a:ea typeface="ＭＳ Ｐゴシック" panose="020B0600070205080204" pitchFamily="34" charset="-128"/>
+              </a:defRPr>
+            </a:lvl7pPr>
+            <a:lvl8pPr marL="3429000" indent="-228600" defTabSz="957263" eaLnBrk="0" fontAlgn="base" hangingPunct="0">
+              <a:spcBef>
+                <a:spcPct val="20000"/>
+              </a:spcBef>
+              <a:spcAft>
+                <a:spcPct val="0"/>
+              </a:spcAft>
+              <a:buFont typeface="Arial" panose="020B0604020202020204" pitchFamily="34" charset="0"/>
+              <a:buChar char="»"/>
+              <a:defRPr kumimoji="1" sz="2000">
+                <a:solidFill>
+                  <a:schemeClr val="tx1"/>
+                </a:solidFill>
+                <a:latin typeface="Arial" panose="020B0604020202020204" pitchFamily="34" charset="0"/>
+                <a:ea typeface="ＭＳ Ｐゴシック" panose="020B0600070205080204" pitchFamily="34" charset="-128"/>
+              </a:defRPr>
+            </a:lvl8pPr>
+            <a:lvl9pPr marL="3886200" indent="-228600" defTabSz="957263" eaLnBrk="0" fontAlgn="base" hangingPunct="0">
+              <a:spcBef>
+                <a:spcPct val="20000"/>
+              </a:spcBef>
+              <a:spcAft>
+                <a:spcPct val="0"/>
+              </a:spcAft>
+              <a:buFont typeface="Arial" panose="020B0604020202020204" pitchFamily="34" charset="0"/>
+              <a:buChar char="»"/>
+              <a:defRPr kumimoji="1" sz="2000">
+                <a:solidFill>
+                  <a:schemeClr val="tx1"/>
+                </a:solidFill>
+                <a:latin typeface="Arial" panose="020B0604020202020204" pitchFamily="34" charset="0"/>
+                <a:ea typeface="ＭＳ Ｐゴシック" panose="020B0600070205080204" pitchFamily="34" charset="-128"/>
+              </a:defRPr>
+            </a:lvl9pPr>
+          </a:lstStyle>
+          <a:p>
+            <a:pPr algn="ctr" eaLnBrk="1" hangingPunct="1">
+              <a:spcBef>
+                <a:spcPct val="0"/>
+              </a:spcBef>
+              <a:buFontTx/>
+              <a:buNone/>
+            </a:pPr>
+            <a:r>
+              <a:rPr lang="ja-JP" altLang="en-US" sz="1400">
+                <a:latin typeface="+mn-ea"/>
+                <a:ea typeface="+mn-ea"/>
+              </a:rPr>
+              <a:t>４</a:t>
+            </a:r>
+          </a:p>
+        </p:txBody>
+      </p:sp>
+      <p:sp>
+        <p:nvSpPr>
+          <p:cNvPr id="30" name="Rectangle 50">
+            <a:extLst>
+              <a:ext uri="{FF2B5EF4-FFF2-40B4-BE49-F238E27FC236}">
+                <a16:creationId xmlns:a16="http://schemas.microsoft.com/office/drawing/2014/main" id="{DA3B55E6-1861-FD45-BF82-35110FE4CFE2}"/>
+              </a:ext>
+            </a:extLst>
+          </p:cNvPr>
+          <p:cNvSpPr>
+            <a:spLocks noChangeArrowheads="1"/>
+          </p:cNvSpPr>
+          <p:nvPr/>
+        </p:nvSpPr>
+        <p:spPr bwMode="auto">
+          <a:xfrm>
+            <a:off x="2739315" y="4213393"/>
+            <a:ext cx="795205" cy="264704"/>
+          </a:xfrm>
+          <a:prstGeom prst="rect">
+            <a:avLst/>
+          </a:prstGeom>
+          <a:solidFill>
+            <a:schemeClr val="accent2"/>
+          </a:solidFill>
+          <a:ln w="9525">
+            <a:noFill/>
+            <a:miter lim="800000"/>
+            <a:headEnd/>
+            <a:tailEnd/>
+          </a:ln>
+        </p:spPr>
+        <p:txBody>
+          <a:bodyPr wrap="none" lIns="95756" tIns="47878" rIns="95756" bIns="47878" anchor="ctr"/>
+          <a:lstStyle>
+            <a:lvl1pPr defTabSz="957263">
+              <a:spcBef>
+                <a:spcPct val="20000"/>
+              </a:spcBef>
+              <a:buFont typeface="Arial" panose="020B0604020202020204" pitchFamily="34" charset="0"/>
+              <a:buChar char="•"/>
+              <a:defRPr kumimoji="1" sz="3200">
+                <a:solidFill>
+                  <a:schemeClr val="tx1"/>
+                </a:solidFill>
+                <a:latin typeface="Arial" panose="020B0604020202020204" pitchFamily="34" charset="0"/>
+                <a:ea typeface="ＭＳ Ｐゴシック" panose="020B0600070205080204" pitchFamily="34" charset="-128"/>
+              </a:defRPr>
+            </a:lvl1pPr>
+            <a:lvl2pPr marL="742950" indent="-285750" defTabSz="957263">
+              <a:spcBef>
+                <a:spcPct val="20000"/>
+              </a:spcBef>
+              <a:buFont typeface="Arial" panose="020B0604020202020204" pitchFamily="34" charset="0"/>
+              <a:buChar char="–"/>
+              <a:defRPr kumimoji="1" sz="2800">
+                <a:solidFill>
+                  <a:schemeClr val="tx1"/>
+                </a:solidFill>
+                <a:latin typeface="Arial" panose="020B0604020202020204" pitchFamily="34" charset="0"/>
+                <a:ea typeface="ＭＳ Ｐゴシック" panose="020B0600070205080204" pitchFamily="34" charset="-128"/>
+              </a:defRPr>
+            </a:lvl2pPr>
+            <a:lvl3pPr marL="1143000" indent="-228600" defTabSz="957263">
+              <a:spcBef>
+                <a:spcPct val="20000"/>
+              </a:spcBef>
+              <a:buFont typeface="Arial" panose="020B0604020202020204" pitchFamily="34" charset="0"/>
+              <a:buChar char="•"/>
+              <a:defRPr kumimoji="1" sz="2400">
+                <a:solidFill>
+                  <a:schemeClr val="tx1"/>
+                </a:solidFill>
+                <a:latin typeface="Arial" panose="020B0604020202020204" pitchFamily="34" charset="0"/>
+                <a:ea typeface="ＭＳ Ｐゴシック" panose="020B0600070205080204" pitchFamily="34" charset="-128"/>
+              </a:defRPr>
+            </a:lvl3pPr>
+            <a:lvl4pPr marL="1600200" indent="-228600" defTabSz="957263">
+              <a:spcBef>
+                <a:spcPct val="20000"/>
+              </a:spcBef>
+              <a:buFont typeface="Arial" panose="020B0604020202020204" pitchFamily="34" charset="0"/>
+              <a:buChar char="–"/>
+              <a:defRPr kumimoji="1" sz="2000">
+                <a:solidFill>
+                  <a:schemeClr val="tx1"/>
+                </a:solidFill>
+                <a:latin typeface="Arial" panose="020B0604020202020204" pitchFamily="34" charset="0"/>
+                <a:ea typeface="ＭＳ Ｐゴシック" panose="020B0600070205080204" pitchFamily="34" charset="-128"/>
+              </a:defRPr>
+            </a:lvl4pPr>
+            <a:lvl5pPr marL="2057400" indent="-228600" defTabSz="957263">
+              <a:spcBef>
+                <a:spcPct val="20000"/>
+              </a:spcBef>
+              <a:buFont typeface="Arial" panose="020B0604020202020204" pitchFamily="34" charset="0"/>
+              <a:buChar char="»"/>
+              <a:defRPr kumimoji="1" sz="2000">
+                <a:solidFill>
+                  <a:schemeClr val="tx1"/>
+                </a:solidFill>
+                <a:latin typeface="Arial" panose="020B0604020202020204" pitchFamily="34" charset="0"/>
+                <a:ea typeface="ＭＳ Ｐゴシック" panose="020B0600070205080204" pitchFamily="34" charset="-128"/>
+              </a:defRPr>
+            </a:lvl5pPr>
+            <a:lvl6pPr marL="2514600" indent="-228600" defTabSz="957263" eaLnBrk="0" fontAlgn="base" hangingPunct="0">
+              <a:spcBef>
+                <a:spcPct val="20000"/>
+              </a:spcBef>
+              <a:spcAft>
+                <a:spcPct val="0"/>
+              </a:spcAft>
+              <a:buFont typeface="Arial" panose="020B0604020202020204" pitchFamily="34" charset="0"/>
+              <a:buChar char="»"/>
+              <a:defRPr kumimoji="1" sz="2000">
+                <a:solidFill>
+                  <a:schemeClr val="tx1"/>
+                </a:solidFill>
+                <a:latin typeface="Arial" panose="020B0604020202020204" pitchFamily="34" charset="0"/>
+                <a:ea typeface="ＭＳ Ｐゴシック" panose="020B0600070205080204" pitchFamily="34" charset="-128"/>
+              </a:defRPr>
+            </a:lvl6pPr>
+            <a:lvl7pPr marL="2971800" indent="-228600" defTabSz="957263" eaLnBrk="0" fontAlgn="base" hangingPunct="0">
+              <a:spcBef>
+                <a:spcPct val="20000"/>
+              </a:spcBef>
+              <a:spcAft>
+                <a:spcPct val="0"/>
+              </a:spcAft>
+              <a:buFont typeface="Arial" panose="020B0604020202020204" pitchFamily="34" charset="0"/>
+              <a:buChar char="»"/>
+              <a:defRPr kumimoji="1" sz="2000">
+                <a:solidFill>
+                  <a:schemeClr val="tx1"/>
+                </a:solidFill>
+                <a:latin typeface="Arial" panose="020B0604020202020204" pitchFamily="34" charset="0"/>
+                <a:ea typeface="ＭＳ Ｐゴシック" panose="020B0600070205080204" pitchFamily="34" charset="-128"/>
+              </a:defRPr>
+            </a:lvl7pPr>
+            <a:lvl8pPr marL="3429000" indent="-228600" defTabSz="957263" eaLnBrk="0" fontAlgn="base" hangingPunct="0">
+              <a:spcBef>
+                <a:spcPct val="20000"/>
+              </a:spcBef>
+              <a:spcAft>
+                <a:spcPct val="0"/>
+              </a:spcAft>
+              <a:buFont typeface="Arial" panose="020B0604020202020204" pitchFamily="34" charset="0"/>
+              <a:buChar char="»"/>
+              <a:defRPr kumimoji="1" sz="2000">
+                <a:solidFill>
+                  <a:schemeClr val="tx1"/>
+                </a:solidFill>
+                <a:latin typeface="Arial" panose="020B0604020202020204" pitchFamily="34" charset="0"/>
+                <a:ea typeface="ＭＳ Ｐゴシック" panose="020B0600070205080204" pitchFamily="34" charset="-128"/>
+              </a:defRPr>
+            </a:lvl8pPr>
+            <a:lvl9pPr marL="3886200" indent="-228600" defTabSz="957263" eaLnBrk="0" fontAlgn="base" hangingPunct="0">
+              <a:spcBef>
+                <a:spcPct val="20000"/>
+              </a:spcBef>
+              <a:spcAft>
+                <a:spcPct val="0"/>
+              </a:spcAft>
+              <a:buFont typeface="Arial" panose="020B0604020202020204" pitchFamily="34" charset="0"/>
+              <a:buChar char="»"/>
+              <a:defRPr kumimoji="1" sz="2000">
+                <a:solidFill>
+                  <a:schemeClr val="tx1"/>
+                </a:solidFill>
+                <a:latin typeface="Arial" panose="020B0604020202020204" pitchFamily="34" charset="0"/>
+                <a:ea typeface="ＭＳ Ｐゴシック" panose="020B0600070205080204" pitchFamily="34" charset="-128"/>
+              </a:defRPr>
+            </a:lvl9pPr>
+          </a:lstStyle>
+          <a:p>
+            <a:pPr algn="ctr" eaLnBrk="1" hangingPunct="1">
+              <a:spcBef>
+                <a:spcPct val="0"/>
+              </a:spcBef>
+              <a:buFontTx/>
+              <a:buNone/>
+            </a:pPr>
+            <a:r>
+              <a:rPr lang="en-US" altLang="ja-JP" sz="1400">
+                <a:latin typeface="+mn-ea"/>
+                <a:ea typeface="+mn-ea"/>
+              </a:rPr>
+              <a:t>6</a:t>
+            </a:r>
+            <a:endParaRPr lang="ja-JP" altLang="en-US" sz="1400">
+              <a:latin typeface="+mn-ea"/>
+              <a:ea typeface="+mn-ea"/>
+            </a:endParaRPr>
+          </a:p>
+        </p:txBody>
+      </p:sp>
+      <p:sp>
+        <p:nvSpPr>
+          <p:cNvPr id="32" name="Rectangle 52">
+            <a:extLst>
+              <a:ext uri="{FF2B5EF4-FFF2-40B4-BE49-F238E27FC236}">
+                <a16:creationId xmlns:a16="http://schemas.microsoft.com/office/drawing/2014/main" id="{0F674118-2BEA-644B-8B0D-C842C2E2C1DC}"/>
+              </a:ext>
+            </a:extLst>
+          </p:cNvPr>
+          <p:cNvSpPr>
+            <a:spLocks noChangeArrowheads="1"/>
+          </p:cNvSpPr>
+          <p:nvPr/>
+        </p:nvSpPr>
+        <p:spPr bwMode="auto">
+          <a:xfrm>
+            <a:off x="1926111" y="3643265"/>
+            <a:ext cx="528069" cy="816507"/>
+          </a:xfrm>
+          <a:prstGeom prst="rect">
+            <a:avLst/>
+          </a:prstGeom>
+          <a:solidFill>
+            <a:schemeClr val="accent2"/>
+          </a:solidFill>
+          <a:ln w="9525">
+            <a:noFill/>
+            <a:miter lim="800000"/>
+            <a:headEnd/>
+            <a:tailEnd/>
+          </a:ln>
+        </p:spPr>
+        <p:txBody>
+          <a:bodyPr wrap="none" lIns="95756" tIns="47878" rIns="95756" bIns="47878" anchor="ctr"/>
+          <a:lstStyle>
+            <a:lvl1pPr defTabSz="957263">
+              <a:spcBef>
+                <a:spcPct val="20000"/>
+              </a:spcBef>
+              <a:buFont typeface="Arial" panose="020B0604020202020204" pitchFamily="34" charset="0"/>
+              <a:buChar char="•"/>
+              <a:defRPr kumimoji="1" sz="3200">
+                <a:solidFill>
+                  <a:schemeClr val="tx1"/>
+                </a:solidFill>
+                <a:latin typeface="Arial" panose="020B0604020202020204" pitchFamily="34" charset="0"/>
+                <a:ea typeface="ＭＳ Ｐゴシック" panose="020B0600070205080204" pitchFamily="34" charset="-128"/>
+              </a:defRPr>
+            </a:lvl1pPr>
+            <a:lvl2pPr marL="742950" indent="-285750" defTabSz="957263">
+              <a:spcBef>
+                <a:spcPct val="20000"/>
+              </a:spcBef>
+              <a:buFont typeface="Arial" panose="020B0604020202020204" pitchFamily="34" charset="0"/>
+              <a:buChar char="–"/>
+              <a:defRPr kumimoji="1" sz="2800">
+                <a:solidFill>
+                  <a:schemeClr val="tx1"/>
+                </a:solidFill>
+                <a:latin typeface="Arial" panose="020B0604020202020204" pitchFamily="34" charset="0"/>
+                <a:ea typeface="ＭＳ Ｐゴシック" panose="020B0600070205080204" pitchFamily="34" charset="-128"/>
+              </a:defRPr>
+            </a:lvl2pPr>
+            <a:lvl3pPr marL="1143000" indent="-228600" defTabSz="957263">
+              <a:spcBef>
+                <a:spcPct val="20000"/>
+              </a:spcBef>
+              <a:buFont typeface="Arial" panose="020B0604020202020204" pitchFamily="34" charset="0"/>
+              <a:buChar char="•"/>
+              <a:defRPr kumimoji="1" sz="2400">
+                <a:solidFill>
+                  <a:schemeClr val="tx1"/>
+                </a:solidFill>
+                <a:latin typeface="Arial" panose="020B0604020202020204" pitchFamily="34" charset="0"/>
+                <a:ea typeface="ＭＳ Ｐゴシック" panose="020B0600070205080204" pitchFamily="34" charset="-128"/>
+              </a:defRPr>
+            </a:lvl3pPr>
+            <a:lvl4pPr marL="1600200" indent="-228600" defTabSz="957263">
+              <a:spcBef>
+                <a:spcPct val="20000"/>
+              </a:spcBef>
+              <a:buFont typeface="Arial" panose="020B0604020202020204" pitchFamily="34" charset="0"/>
+              <a:buChar char="–"/>
+              <a:defRPr kumimoji="1" sz="2000">
+                <a:solidFill>
+                  <a:schemeClr val="tx1"/>
+                </a:solidFill>
+                <a:latin typeface="Arial" panose="020B0604020202020204" pitchFamily="34" charset="0"/>
+                <a:ea typeface="ＭＳ Ｐゴシック" panose="020B0600070205080204" pitchFamily="34" charset="-128"/>
+              </a:defRPr>
+            </a:lvl4pPr>
+            <a:lvl5pPr marL="2057400" indent="-228600" defTabSz="957263">
+              <a:spcBef>
+                <a:spcPct val="20000"/>
+              </a:spcBef>
+              <a:buFont typeface="Arial" panose="020B0604020202020204" pitchFamily="34" charset="0"/>
+              <a:buChar char="»"/>
+              <a:defRPr kumimoji="1" sz="2000">
+                <a:solidFill>
+                  <a:schemeClr val="tx1"/>
+                </a:solidFill>
+                <a:latin typeface="Arial" panose="020B0604020202020204" pitchFamily="34" charset="0"/>
+                <a:ea typeface="ＭＳ Ｐゴシック" panose="020B0600070205080204" pitchFamily="34" charset="-128"/>
+              </a:defRPr>
+            </a:lvl5pPr>
+            <a:lvl6pPr marL="2514600" indent="-228600" defTabSz="957263" eaLnBrk="0" fontAlgn="base" hangingPunct="0">
+              <a:spcBef>
+                <a:spcPct val="20000"/>
+              </a:spcBef>
+              <a:spcAft>
+                <a:spcPct val="0"/>
+              </a:spcAft>
+              <a:buFont typeface="Arial" panose="020B0604020202020204" pitchFamily="34" charset="0"/>
+              <a:buChar char="»"/>
+              <a:defRPr kumimoji="1" sz="2000">
+                <a:solidFill>
+                  <a:schemeClr val="tx1"/>
+                </a:solidFill>
+                <a:latin typeface="Arial" panose="020B0604020202020204" pitchFamily="34" charset="0"/>
+                <a:ea typeface="ＭＳ Ｐゴシック" panose="020B0600070205080204" pitchFamily="34" charset="-128"/>
+              </a:defRPr>
+            </a:lvl6pPr>
+            <a:lvl7pPr marL="2971800" indent="-228600" defTabSz="957263" eaLnBrk="0" fontAlgn="base" hangingPunct="0">
+              <a:spcBef>
+                <a:spcPct val="20000"/>
+              </a:spcBef>
+              <a:spcAft>
+                <a:spcPct val="0"/>
+              </a:spcAft>
+              <a:buFont typeface="Arial" panose="020B0604020202020204" pitchFamily="34" charset="0"/>
+              <a:buChar char="»"/>
+              <a:defRPr kumimoji="1" sz="2000">
+                <a:solidFill>
+                  <a:schemeClr val="tx1"/>
+                </a:solidFill>
+                <a:latin typeface="Arial" panose="020B0604020202020204" pitchFamily="34" charset="0"/>
+                <a:ea typeface="ＭＳ Ｐゴシック" panose="020B0600070205080204" pitchFamily="34" charset="-128"/>
+              </a:defRPr>
+            </a:lvl7pPr>
+            <a:lvl8pPr marL="3429000" indent="-228600" defTabSz="957263" eaLnBrk="0" fontAlgn="base" hangingPunct="0">
+              <a:spcBef>
+                <a:spcPct val="20000"/>
+              </a:spcBef>
+              <a:spcAft>
+                <a:spcPct val="0"/>
+              </a:spcAft>
+              <a:buFont typeface="Arial" panose="020B0604020202020204" pitchFamily="34" charset="0"/>
+              <a:buChar char="»"/>
+              <a:defRPr kumimoji="1" sz="2000">
+                <a:solidFill>
+                  <a:schemeClr val="tx1"/>
+                </a:solidFill>
+                <a:latin typeface="Arial" panose="020B0604020202020204" pitchFamily="34" charset="0"/>
+                <a:ea typeface="ＭＳ Ｐゴシック" panose="020B0600070205080204" pitchFamily="34" charset="-128"/>
+              </a:defRPr>
+            </a:lvl8pPr>
+            <a:lvl9pPr marL="3886200" indent="-228600" defTabSz="957263" eaLnBrk="0" fontAlgn="base" hangingPunct="0">
+              <a:spcBef>
+                <a:spcPct val="20000"/>
+              </a:spcBef>
+              <a:spcAft>
+                <a:spcPct val="0"/>
+              </a:spcAft>
+              <a:buFont typeface="Arial" panose="020B0604020202020204" pitchFamily="34" charset="0"/>
+              <a:buChar char="»"/>
+              <a:defRPr kumimoji="1" sz="2000">
+                <a:solidFill>
+                  <a:schemeClr val="tx1"/>
+                </a:solidFill>
+                <a:latin typeface="Arial" panose="020B0604020202020204" pitchFamily="34" charset="0"/>
+                <a:ea typeface="ＭＳ Ｐゴシック" panose="020B0600070205080204" pitchFamily="34" charset="-128"/>
+              </a:defRPr>
+            </a:lvl9pPr>
+          </a:lstStyle>
+          <a:p>
+            <a:pPr algn="ctr" eaLnBrk="1" hangingPunct="1">
+              <a:spcBef>
+                <a:spcPct val="0"/>
+              </a:spcBef>
+              <a:buFontTx/>
+              <a:buNone/>
+            </a:pPr>
+            <a:r>
+              <a:rPr lang="ja-JP" altLang="en-US" sz="1400">
+                <a:latin typeface="+mn-ea"/>
+                <a:ea typeface="+mn-ea"/>
+              </a:rPr>
+              <a:t>３</a:t>
+            </a:r>
+          </a:p>
+        </p:txBody>
+      </p:sp>
+      <p:sp>
+        <p:nvSpPr>
+          <p:cNvPr id="35" name="Rectangle 55">
+            <a:extLst>
+              <a:ext uri="{FF2B5EF4-FFF2-40B4-BE49-F238E27FC236}">
+                <a16:creationId xmlns:a16="http://schemas.microsoft.com/office/drawing/2014/main" id="{D41181BD-D96B-094F-AB88-4030BF963261}"/>
+              </a:ext>
+            </a:extLst>
+          </p:cNvPr>
+          <p:cNvSpPr>
+            <a:spLocks noChangeArrowheads="1"/>
+          </p:cNvSpPr>
+          <p:nvPr/>
+        </p:nvSpPr>
+        <p:spPr bwMode="auto">
+          <a:xfrm>
+            <a:off x="3715353" y="3726144"/>
+            <a:ext cx="795205" cy="611670"/>
+          </a:xfrm>
+          <a:prstGeom prst="rect">
+            <a:avLst/>
+          </a:prstGeom>
+          <a:solidFill>
+            <a:schemeClr val="accent2"/>
+          </a:solidFill>
+          <a:ln w="9525">
+            <a:noFill/>
+            <a:miter lim="800000"/>
+            <a:headEnd/>
+            <a:tailEnd/>
+          </a:ln>
+        </p:spPr>
+        <p:txBody>
+          <a:bodyPr wrap="none" lIns="95756" tIns="47878" rIns="95756" bIns="47878" anchor="ctr"/>
+          <a:lstStyle>
+            <a:lvl1pPr defTabSz="957263">
+              <a:spcBef>
+                <a:spcPct val="20000"/>
+              </a:spcBef>
+              <a:buFont typeface="Arial" panose="020B0604020202020204" pitchFamily="34" charset="0"/>
+              <a:buChar char="•"/>
+              <a:defRPr kumimoji="1" sz="3200">
+                <a:solidFill>
+                  <a:schemeClr val="tx1"/>
+                </a:solidFill>
+                <a:latin typeface="Arial" panose="020B0604020202020204" pitchFamily="34" charset="0"/>
+                <a:ea typeface="ＭＳ Ｐゴシック" panose="020B0600070205080204" pitchFamily="34" charset="-128"/>
+              </a:defRPr>
+            </a:lvl1pPr>
+            <a:lvl2pPr marL="742950" indent="-285750" defTabSz="957263">
+              <a:spcBef>
+                <a:spcPct val="20000"/>
+              </a:spcBef>
+              <a:buFont typeface="Arial" panose="020B0604020202020204" pitchFamily="34" charset="0"/>
+              <a:buChar char="–"/>
+              <a:defRPr kumimoji="1" sz="2800">
+                <a:solidFill>
+                  <a:schemeClr val="tx1"/>
+                </a:solidFill>
+                <a:latin typeface="Arial" panose="020B0604020202020204" pitchFamily="34" charset="0"/>
+                <a:ea typeface="ＭＳ Ｐゴシック" panose="020B0600070205080204" pitchFamily="34" charset="-128"/>
+              </a:defRPr>
+            </a:lvl2pPr>
+            <a:lvl3pPr marL="1143000" indent="-228600" defTabSz="957263">
+              <a:spcBef>
+                <a:spcPct val="20000"/>
+              </a:spcBef>
+              <a:buFont typeface="Arial" panose="020B0604020202020204" pitchFamily="34" charset="0"/>
+              <a:buChar char="•"/>
+              <a:defRPr kumimoji="1" sz="2400">
+                <a:solidFill>
+                  <a:schemeClr val="tx1"/>
+                </a:solidFill>
+                <a:latin typeface="Arial" panose="020B0604020202020204" pitchFamily="34" charset="0"/>
+                <a:ea typeface="ＭＳ Ｐゴシック" panose="020B0600070205080204" pitchFamily="34" charset="-128"/>
+              </a:defRPr>
+            </a:lvl3pPr>
+            <a:lvl4pPr marL="1600200" indent="-228600" defTabSz="957263">
+              <a:spcBef>
+                <a:spcPct val="20000"/>
+              </a:spcBef>
+              <a:buFont typeface="Arial" panose="020B0604020202020204" pitchFamily="34" charset="0"/>
+              <a:buChar char="–"/>
+              <a:defRPr kumimoji="1" sz="2000">
+                <a:solidFill>
+                  <a:schemeClr val="tx1"/>
+                </a:solidFill>
+                <a:latin typeface="Arial" panose="020B0604020202020204" pitchFamily="34" charset="0"/>
+                <a:ea typeface="ＭＳ Ｐゴシック" panose="020B0600070205080204" pitchFamily="34" charset="-128"/>
+              </a:defRPr>
+            </a:lvl4pPr>
+            <a:lvl5pPr marL="2057400" indent="-228600" defTabSz="957263">
+              <a:spcBef>
+                <a:spcPct val="20000"/>
+              </a:spcBef>
+              <a:buFont typeface="Arial" panose="020B0604020202020204" pitchFamily="34" charset="0"/>
+              <a:buChar char="»"/>
+              <a:defRPr kumimoji="1" sz="2000">
+                <a:solidFill>
+                  <a:schemeClr val="tx1"/>
+                </a:solidFill>
+                <a:latin typeface="Arial" panose="020B0604020202020204" pitchFamily="34" charset="0"/>
+                <a:ea typeface="ＭＳ Ｐゴシック" panose="020B0600070205080204" pitchFamily="34" charset="-128"/>
+              </a:defRPr>
+            </a:lvl5pPr>
+            <a:lvl6pPr marL="2514600" indent="-228600" defTabSz="957263" eaLnBrk="0" fontAlgn="base" hangingPunct="0">
+              <a:spcBef>
+                <a:spcPct val="20000"/>
+              </a:spcBef>
+              <a:spcAft>
+                <a:spcPct val="0"/>
+              </a:spcAft>
+              <a:buFont typeface="Arial" panose="020B0604020202020204" pitchFamily="34" charset="0"/>
+              <a:buChar char="»"/>
+              <a:defRPr kumimoji="1" sz="2000">
+                <a:solidFill>
+                  <a:schemeClr val="tx1"/>
+                </a:solidFill>
+                <a:latin typeface="Arial" panose="020B0604020202020204" pitchFamily="34" charset="0"/>
+                <a:ea typeface="ＭＳ Ｐゴシック" panose="020B0600070205080204" pitchFamily="34" charset="-128"/>
+              </a:defRPr>
+            </a:lvl6pPr>
+            <a:lvl7pPr marL="2971800" indent="-228600" defTabSz="957263" eaLnBrk="0" fontAlgn="base" hangingPunct="0">
+              <a:spcBef>
+                <a:spcPct val="20000"/>
+              </a:spcBef>
+              <a:spcAft>
+                <a:spcPct val="0"/>
+              </a:spcAft>
+              <a:buFont typeface="Arial" panose="020B0604020202020204" pitchFamily="34" charset="0"/>
+              <a:buChar char="»"/>
+              <a:defRPr kumimoji="1" sz="2000">
+                <a:solidFill>
+                  <a:schemeClr val="tx1"/>
+                </a:solidFill>
+                <a:latin typeface="Arial" panose="020B0604020202020204" pitchFamily="34" charset="0"/>
+                <a:ea typeface="ＭＳ Ｐゴシック" panose="020B0600070205080204" pitchFamily="34" charset="-128"/>
+              </a:defRPr>
+            </a:lvl7pPr>
+            <a:lvl8pPr marL="3429000" indent="-228600" defTabSz="957263" eaLnBrk="0" fontAlgn="base" hangingPunct="0">
+              <a:spcBef>
+                <a:spcPct val="20000"/>
+              </a:spcBef>
+              <a:spcAft>
+                <a:spcPct val="0"/>
+              </a:spcAft>
+              <a:buFont typeface="Arial" panose="020B0604020202020204" pitchFamily="34" charset="0"/>
+              <a:buChar char="»"/>
+              <a:defRPr kumimoji="1" sz="2000">
+                <a:solidFill>
+                  <a:schemeClr val="tx1"/>
+                </a:solidFill>
+                <a:latin typeface="Arial" panose="020B0604020202020204" pitchFamily="34" charset="0"/>
+                <a:ea typeface="ＭＳ Ｐゴシック" panose="020B0600070205080204" pitchFamily="34" charset="-128"/>
+              </a:defRPr>
+            </a:lvl8pPr>
+            <a:lvl9pPr marL="3886200" indent="-228600" defTabSz="957263" eaLnBrk="0" fontAlgn="base" hangingPunct="0">
+              <a:spcBef>
+                <a:spcPct val="20000"/>
+              </a:spcBef>
+              <a:spcAft>
+                <a:spcPct val="0"/>
+              </a:spcAft>
+              <a:buFont typeface="Arial" panose="020B0604020202020204" pitchFamily="34" charset="0"/>
+              <a:buChar char="»"/>
+              <a:defRPr kumimoji="1" sz="2000">
+                <a:solidFill>
+                  <a:schemeClr val="tx1"/>
+                </a:solidFill>
+                <a:latin typeface="Arial" panose="020B0604020202020204" pitchFamily="34" charset="0"/>
+                <a:ea typeface="ＭＳ Ｐゴシック" panose="020B0600070205080204" pitchFamily="34" charset="-128"/>
+              </a:defRPr>
+            </a:lvl9pPr>
+          </a:lstStyle>
+          <a:p>
+            <a:pPr algn="ctr" eaLnBrk="1" hangingPunct="1">
+              <a:spcBef>
+                <a:spcPct val="0"/>
+              </a:spcBef>
+              <a:buFontTx/>
+              <a:buNone/>
+            </a:pPr>
+            <a:r>
+              <a:rPr lang="en-US" altLang="ja-JP" sz="1400">
+                <a:latin typeface="+mn-ea"/>
+                <a:ea typeface="+mn-ea"/>
+              </a:rPr>
+              <a:t>5</a:t>
+            </a:r>
+            <a:endParaRPr lang="ja-JP" altLang="en-US" sz="1400">
+              <a:latin typeface="+mn-ea"/>
+              <a:ea typeface="+mn-ea"/>
+            </a:endParaRPr>
+          </a:p>
+        </p:txBody>
+      </p:sp>
+      <p:sp>
+        <p:nvSpPr>
+          <p:cNvPr id="33" name="Rectangle 53">
+            <a:extLst>
+              <a:ext uri="{FF2B5EF4-FFF2-40B4-BE49-F238E27FC236}">
+                <a16:creationId xmlns:a16="http://schemas.microsoft.com/office/drawing/2014/main" id="{A066F526-C68B-1449-AEFD-05867B8D73A9}"/>
+              </a:ext>
+            </a:extLst>
+          </p:cNvPr>
+          <p:cNvSpPr>
+            <a:spLocks noChangeArrowheads="1"/>
+          </p:cNvSpPr>
+          <p:nvPr/>
+        </p:nvSpPr>
+        <p:spPr bwMode="auto">
+          <a:xfrm>
+            <a:off x="1926111" y="3020542"/>
+            <a:ext cx="898647" cy="438633"/>
+          </a:xfrm>
+          <a:prstGeom prst="rect">
+            <a:avLst/>
+          </a:prstGeom>
+          <a:solidFill>
+            <a:schemeClr val="accent2"/>
+          </a:solidFill>
+          <a:ln w="9525">
+            <a:noFill/>
+            <a:miter lim="800000"/>
+            <a:headEnd/>
+            <a:tailEnd/>
+          </a:ln>
+        </p:spPr>
+        <p:txBody>
+          <a:bodyPr wrap="none" lIns="95756" tIns="47878" rIns="95756" bIns="47878" anchor="ctr"/>
+          <a:lstStyle>
+            <a:lvl1pPr defTabSz="957263">
+              <a:spcBef>
+                <a:spcPct val="20000"/>
+              </a:spcBef>
+              <a:buFont typeface="Arial" panose="020B0604020202020204" pitchFamily="34" charset="0"/>
+              <a:buChar char="•"/>
+              <a:defRPr kumimoji="1" sz="3200">
+                <a:solidFill>
+                  <a:schemeClr val="tx1"/>
+                </a:solidFill>
+                <a:latin typeface="Arial" panose="020B0604020202020204" pitchFamily="34" charset="0"/>
+                <a:ea typeface="ＭＳ Ｐゴシック" panose="020B0600070205080204" pitchFamily="34" charset="-128"/>
+              </a:defRPr>
+            </a:lvl1pPr>
+            <a:lvl2pPr marL="742950" indent="-285750" defTabSz="957263">
+              <a:spcBef>
+                <a:spcPct val="20000"/>
+              </a:spcBef>
+              <a:buFont typeface="Arial" panose="020B0604020202020204" pitchFamily="34" charset="0"/>
+              <a:buChar char="–"/>
+              <a:defRPr kumimoji="1" sz="2800">
+                <a:solidFill>
+                  <a:schemeClr val="tx1"/>
+                </a:solidFill>
+                <a:latin typeface="Arial" panose="020B0604020202020204" pitchFamily="34" charset="0"/>
+                <a:ea typeface="ＭＳ Ｐゴシック" panose="020B0600070205080204" pitchFamily="34" charset="-128"/>
+              </a:defRPr>
+            </a:lvl2pPr>
+            <a:lvl3pPr marL="1143000" indent="-228600" defTabSz="957263">
+              <a:spcBef>
+                <a:spcPct val="20000"/>
+              </a:spcBef>
+              <a:buFont typeface="Arial" panose="020B0604020202020204" pitchFamily="34" charset="0"/>
+              <a:buChar char="•"/>
+              <a:defRPr kumimoji="1" sz="2400">
+                <a:solidFill>
+                  <a:schemeClr val="tx1"/>
+                </a:solidFill>
+                <a:latin typeface="Arial" panose="020B0604020202020204" pitchFamily="34" charset="0"/>
+                <a:ea typeface="ＭＳ Ｐゴシック" panose="020B0600070205080204" pitchFamily="34" charset="-128"/>
+              </a:defRPr>
+            </a:lvl3pPr>
+            <a:lvl4pPr marL="1600200" indent="-228600" defTabSz="957263">
+              <a:spcBef>
+                <a:spcPct val="20000"/>
+              </a:spcBef>
+              <a:buFont typeface="Arial" panose="020B0604020202020204" pitchFamily="34" charset="0"/>
+              <a:buChar char="–"/>
+              <a:defRPr kumimoji="1" sz="2000">
+                <a:solidFill>
+                  <a:schemeClr val="tx1"/>
+                </a:solidFill>
+                <a:latin typeface="Arial" panose="020B0604020202020204" pitchFamily="34" charset="0"/>
+                <a:ea typeface="ＭＳ Ｐゴシック" panose="020B0600070205080204" pitchFamily="34" charset="-128"/>
+              </a:defRPr>
+            </a:lvl4pPr>
+            <a:lvl5pPr marL="2057400" indent="-228600" defTabSz="957263">
+              <a:spcBef>
+                <a:spcPct val="20000"/>
+              </a:spcBef>
+              <a:buFont typeface="Arial" panose="020B0604020202020204" pitchFamily="34" charset="0"/>
+              <a:buChar char="»"/>
+              <a:defRPr kumimoji="1" sz="2000">
+                <a:solidFill>
+                  <a:schemeClr val="tx1"/>
+                </a:solidFill>
+                <a:latin typeface="Arial" panose="020B0604020202020204" pitchFamily="34" charset="0"/>
+                <a:ea typeface="ＭＳ Ｐゴシック" panose="020B0600070205080204" pitchFamily="34" charset="-128"/>
+              </a:defRPr>
+            </a:lvl5pPr>
+            <a:lvl6pPr marL="2514600" indent="-228600" defTabSz="957263" eaLnBrk="0" fontAlgn="base" hangingPunct="0">
+              <a:spcBef>
+                <a:spcPct val="20000"/>
+              </a:spcBef>
+              <a:spcAft>
+                <a:spcPct val="0"/>
+              </a:spcAft>
+              <a:buFont typeface="Arial" panose="020B0604020202020204" pitchFamily="34" charset="0"/>
+              <a:buChar char="»"/>
+              <a:defRPr kumimoji="1" sz="2000">
+                <a:solidFill>
+                  <a:schemeClr val="tx1"/>
+                </a:solidFill>
+                <a:latin typeface="Arial" panose="020B0604020202020204" pitchFamily="34" charset="0"/>
+                <a:ea typeface="ＭＳ Ｐゴシック" panose="020B0600070205080204" pitchFamily="34" charset="-128"/>
+              </a:defRPr>
+            </a:lvl6pPr>
+            <a:lvl7pPr marL="2971800" indent="-228600" defTabSz="957263" eaLnBrk="0" fontAlgn="base" hangingPunct="0">
+              <a:spcBef>
+                <a:spcPct val="20000"/>
+              </a:spcBef>
+              <a:spcAft>
+                <a:spcPct val="0"/>
+              </a:spcAft>
+              <a:buFont typeface="Arial" panose="020B0604020202020204" pitchFamily="34" charset="0"/>
+              <a:buChar char="»"/>
+              <a:defRPr kumimoji="1" sz="2000">
+                <a:solidFill>
+                  <a:schemeClr val="tx1"/>
+                </a:solidFill>
+                <a:latin typeface="Arial" panose="020B0604020202020204" pitchFamily="34" charset="0"/>
+                <a:ea typeface="ＭＳ Ｐゴシック" panose="020B0600070205080204" pitchFamily="34" charset="-128"/>
+              </a:defRPr>
+            </a:lvl7pPr>
+            <a:lvl8pPr marL="3429000" indent="-228600" defTabSz="957263" eaLnBrk="0" fontAlgn="base" hangingPunct="0">
+              <a:spcBef>
+                <a:spcPct val="20000"/>
+              </a:spcBef>
+              <a:spcAft>
+                <a:spcPct val="0"/>
+              </a:spcAft>
+              <a:buFont typeface="Arial" panose="020B0604020202020204" pitchFamily="34" charset="0"/>
+              <a:buChar char="»"/>
+              <a:defRPr kumimoji="1" sz="2000">
+                <a:solidFill>
+                  <a:schemeClr val="tx1"/>
+                </a:solidFill>
+                <a:latin typeface="Arial" panose="020B0604020202020204" pitchFamily="34" charset="0"/>
+                <a:ea typeface="ＭＳ Ｐゴシック" panose="020B0600070205080204" pitchFamily="34" charset="-128"/>
+              </a:defRPr>
+            </a:lvl8pPr>
+            <a:lvl9pPr marL="3886200" indent="-228600" defTabSz="957263" eaLnBrk="0" fontAlgn="base" hangingPunct="0">
+              <a:spcBef>
+                <a:spcPct val="20000"/>
+              </a:spcBef>
+              <a:spcAft>
+                <a:spcPct val="0"/>
+              </a:spcAft>
+              <a:buFont typeface="Arial" panose="020B0604020202020204" pitchFamily="34" charset="0"/>
+              <a:buChar char="»"/>
+              <a:defRPr kumimoji="1" sz="2000">
+                <a:solidFill>
+                  <a:schemeClr val="tx1"/>
+                </a:solidFill>
+                <a:latin typeface="Arial" panose="020B0604020202020204" pitchFamily="34" charset="0"/>
+                <a:ea typeface="ＭＳ Ｐゴシック" panose="020B0600070205080204" pitchFamily="34" charset="-128"/>
+              </a:defRPr>
+            </a:lvl9pPr>
+          </a:lstStyle>
+          <a:p>
+            <a:pPr algn="ctr" eaLnBrk="1" hangingPunct="1">
+              <a:spcBef>
+                <a:spcPct val="0"/>
+              </a:spcBef>
+              <a:buFontTx/>
+              <a:buNone/>
+            </a:pPr>
+            <a:r>
+              <a:rPr lang="ja-JP" altLang="en-US" sz="1400">
+                <a:latin typeface="+mn-ea"/>
+                <a:ea typeface="+mn-ea"/>
+              </a:rPr>
+              <a:t>１</a:t>
+            </a:r>
+          </a:p>
+        </p:txBody>
+      </p:sp>
+      <p:sp>
+        <p:nvSpPr>
+          <p:cNvPr id="23" name="Rectangle 55">
+            <a:extLst>
+              <a:ext uri="{FF2B5EF4-FFF2-40B4-BE49-F238E27FC236}">
+                <a16:creationId xmlns:a16="http://schemas.microsoft.com/office/drawing/2014/main" id="{C9877698-D709-E743-9B37-849E68528C65}"/>
+              </a:ext>
+            </a:extLst>
+          </p:cNvPr>
+          <p:cNvSpPr>
+            <a:spLocks noChangeArrowheads="1"/>
+          </p:cNvSpPr>
+          <p:nvPr/>
+        </p:nvSpPr>
+        <p:spPr bwMode="auto">
+          <a:xfrm>
+            <a:off x="7045037" y="2886884"/>
+            <a:ext cx="2774372" cy="1593099"/>
+          </a:xfrm>
+          <a:prstGeom prst="rect">
+            <a:avLst/>
+          </a:prstGeom>
+          <a:gradFill>
+            <a:gsLst>
+              <a:gs pos="0">
+                <a:schemeClr val="bg1">
+                  <a:lumMod val="85000"/>
+                </a:schemeClr>
+              </a:gs>
+              <a:gs pos="52000">
+                <a:srgbClr val="E0E0E0">
+                  <a:lumMod val="14000"/>
+                  <a:lumOff val="86000"/>
+                </a:srgbClr>
+              </a:gs>
+              <a:gs pos="100000">
+                <a:srgbClr val="FFFFFF">
+                  <a:lumMod val="0"/>
+                  <a:lumOff val="100000"/>
+                </a:srgbClr>
+              </a:gs>
+            </a:gsLst>
+            <a:lin ang="16200000" scaled="0"/>
+          </a:gradFill>
+          <a:ln w="38100">
+            <a:solidFill>
+              <a:schemeClr val="tx1"/>
+            </a:solidFill>
+            <a:miter lim="800000"/>
+            <a:headEnd/>
+            <a:tailEnd/>
+          </a:ln>
+        </p:spPr>
+        <p:txBody>
+          <a:bodyPr wrap="none" lIns="95756" tIns="47878" rIns="95756" bIns="47878" anchor="ctr"/>
+          <a:lstStyle>
+            <a:lvl1pPr defTabSz="957263">
+              <a:spcBef>
+                <a:spcPct val="20000"/>
+              </a:spcBef>
+              <a:buFont typeface="Arial" panose="020B0604020202020204" pitchFamily="34" charset="0"/>
+              <a:buChar char="•"/>
+              <a:defRPr kumimoji="1" sz="3200">
+                <a:solidFill>
+                  <a:schemeClr val="tx1"/>
+                </a:solidFill>
+                <a:latin typeface="Arial" panose="020B0604020202020204" pitchFamily="34" charset="0"/>
+                <a:ea typeface="ＭＳ Ｐゴシック" panose="020B0600070205080204" pitchFamily="34" charset="-128"/>
+              </a:defRPr>
+            </a:lvl1pPr>
+            <a:lvl2pPr marL="742950" indent="-285750" defTabSz="957263">
+              <a:spcBef>
+                <a:spcPct val="20000"/>
+              </a:spcBef>
+              <a:buFont typeface="Arial" panose="020B0604020202020204" pitchFamily="34" charset="0"/>
+              <a:buChar char="–"/>
+              <a:defRPr kumimoji="1" sz="2800">
+                <a:solidFill>
+                  <a:schemeClr val="tx1"/>
+                </a:solidFill>
+                <a:latin typeface="Arial" panose="020B0604020202020204" pitchFamily="34" charset="0"/>
+                <a:ea typeface="ＭＳ Ｐゴシック" panose="020B0600070205080204" pitchFamily="34" charset="-128"/>
+              </a:defRPr>
+            </a:lvl2pPr>
+            <a:lvl3pPr marL="1143000" indent="-228600" defTabSz="957263">
+              <a:spcBef>
+                <a:spcPct val="20000"/>
+              </a:spcBef>
+              <a:buFont typeface="Arial" panose="020B0604020202020204" pitchFamily="34" charset="0"/>
+              <a:buChar char="•"/>
+              <a:defRPr kumimoji="1" sz="2400">
+                <a:solidFill>
+                  <a:schemeClr val="tx1"/>
+                </a:solidFill>
+                <a:latin typeface="Arial" panose="020B0604020202020204" pitchFamily="34" charset="0"/>
+                <a:ea typeface="ＭＳ Ｐゴシック" panose="020B0600070205080204" pitchFamily="34" charset="-128"/>
+              </a:defRPr>
+            </a:lvl3pPr>
+            <a:lvl4pPr marL="1600200" indent="-228600" defTabSz="957263">
+              <a:spcBef>
+                <a:spcPct val="20000"/>
+              </a:spcBef>
+              <a:buFont typeface="Arial" panose="020B0604020202020204" pitchFamily="34" charset="0"/>
+              <a:buChar char="–"/>
+              <a:defRPr kumimoji="1" sz="2000">
+                <a:solidFill>
+                  <a:schemeClr val="tx1"/>
+                </a:solidFill>
+                <a:latin typeface="Arial" panose="020B0604020202020204" pitchFamily="34" charset="0"/>
+                <a:ea typeface="ＭＳ Ｐゴシック" panose="020B0600070205080204" pitchFamily="34" charset="-128"/>
+              </a:defRPr>
+            </a:lvl4pPr>
+            <a:lvl5pPr marL="2057400" indent="-228600" defTabSz="957263">
+              <a:spcBef>
+                <a:spcPct val="20000"/>
+              </a:spcBef>
+              <a:buFont typeface="Arial" panose="020B0604020202020204" pitchFamily="34" charset="0"/>
+              <a:buChar char="»"/>
+              <a:defRPr kumimoji="1" sz="2000">
+                <a:solidFill>
+                  <a:schemeClr val="tx1"/>
+                </a:solidFill>
+                <a:latin typeface="Arial" panose="020B0604020202020204" pitchFamily="34" charset="0"/>
+                <a:ea typeface="ＭＳ Ｐゴシック" panose="020B0600070205080204" pitchFamily="34" charset="-128"/>
+              </a:defRPr>
+            </a:lvl5pPr>
+            <a:lvl6pPr marL="2514600" indent="-228600" defTabSz="957263" eaLnBrk="0" fontAlgn="base" hangingPunct="0">
+              <a:spcBef>
+                <a:spcPct val="20000"/>
+              </a:spcBef>
+              <a:spcAft>
+                <a:spcPct val="0"/>
+              </a:spcAft>
+              <a:buFont typeface="Arial" panose="020B0604020202020204" pitchFamily="34" charset="0"/>
+              <a:buChar char="»"/>
+              <a:defRPr kumimoji="1" sz="2000">
+                <a:solidFill>
+                  <a:schemeClr val="tx1"/>
+                </a:solidFill>
+                <a:latin typeface="Arial" panose="020B0604020202020204" pitchFamily="34" charset="0"/>
+                <a:ea typeface="ＭＳ Ｐゴシック" panose="020B0600070205080204" pitchFamily="34" charset="-128"/>
+              </a:defRPr>
+            </a:lvl6pPr>
+            <a:lvl7pPr marL="2971800" indent="-228600" defTabSz="957263" eaLnBrk="0" fontAlgn="base" hangingPunct="0">
+              <a:spcBef>
+                <a:spcPct val="20000"/>
+              </a:spcBef>
+              <a:spcAft>
+                <a:spcPct val="0"/>
+              </a:spcAft>
+              <a:buFont typeface="Arial" panose="020B0604020202020204" pitchFamily="34" charset="0"/>
+              <a:buChar char="»"/>
+              <a:defRPr kumimoji="1" sz="2000">
+                <a:solidFill>
+                  <a:schemeClr val="tx1"/>
+                </a:solidFill>
+                <a:latin typeface="Arial" panose="020B0604020202020204" pitchFamily="34" charset="0"/>
+                <a:ea typeface="ＭＳ Ｐゴシック" panose="020B0600070205080204" pitchFamily="34" charset="-128"/>
+              </a:defRPr>
+            </a:lvl7pPr>
+            <a:lvl8pPr marL="3429000" indent="-228600" defTabSz="957263" eaLnBrk="0" fontAlgn="base" hangingPunct="0">
+              <a:spcBef>
+                <a:spcPct val="20000"/>
+              </a:spcBef>
+              <a:spcAft>
+                <a:spcPct val="0"/>
+              </a:spcAft>
+              <a:buFont typeface="Arial" panose="020B0604020202020204" pitchFamily="34" charset="0"/>
+              <a:buChar char="»"/>
+              <a:defRPr kumimoji="1" sz="2000">
+                <a:solidFill>
+                  <a:schemeClr val="tx1"/>
+                </a:solidFill>
+                <a:latin typeface="Arial" panose="020B0604020202020204" pitchFamily="34" charset="0"/>
+                <a:ea typeface="ＭＳ Ｐゴシック" panose="020B0600070205080204" pitchFamily="34" charset="-128"/>
+              </a:defRPr>
+            </a:lvl8pPr>
+            <a:lvl9pPr marL="3886200" indent="-228600" defTabSz="957263" eaLnBrk="0" fontAlgn="base" hangingPunct="0">
+              <a:spcBef>
+                <a:spcPct val="20000"/>
+              </a:spcBef>
+              <a:spcAft>
+                <a:spcPct val="0"/>
+              </a:spcAft>
+              <a:buFont typeface="Arial" panose="020B0604020202020204" pitchFamily="34" charset="0"/>
+              <a:buChar char="»"/>
+              <a:defRPr kumimoji="1" sz="2000">
+                <a:solidFill>
+                  <a:schemeClr val="tx1"/>
+                </a:solidFill>
+                <a:latin typeface="Arial" panose="020B0604020202020204" pitchFamily="34" charset="0"/>
+                <a:ea typeface="ＭＳ Ｐゴシック" panose="020B0600070205080204" pitchFamily="34" charset="-128"/>
+              </a:defRPr>
+            </a:lvl9pPr>
+          </a:lstStyle>
+          <a:p>
+            <a:pPr algn="ctr" eaLnBrk="1" hangingPunct="1">
+              <a:spcBef>
+                <a:spcPct val="0"/>
+              </a:spcBef>
+              <a:buFontTx/>
+              <a:buNone/>
+            </a:pPr>
+            <a:endParaRPr lang="ja-JP" altLang="en-US" sz="1400">
+              <a:latin typeface="+mn-ea"/>
+              <a:ea typeface="+mn-ea"/>
+            </a:endParaRPr>
+          </a:p>
+        </p:txBody>
+      </p:sp>
+      <p:sp>
+        <p:nvSpPr>
+          <p:cNvPr id="13" name="TextBox 12">
+            <a:extLst>
+              <a:ext uri="{FF2B5EF4-FFF2-40B4-BE49-F238E27FC236}">
+                <a16:creationId xmlns:a16="http://schemas.microsoft.com/office/drawing/2014/main" id="{DF5FFE0A-4000-734B-90CC-CBE1591DEB09}"/>
+              </a:ext>
+            </a:extLst>
+          </p:cNvPr>
+          <p:cNvSpPr txBox="1"/>
+          <p:nvPr/>
+        </p:nvSpPr>
+        <p:spPr>
+          <a:xfrm>
+            <a:off x="1122218" y="-1496291"/>
+            <a:ext cx="184731" cy="369332"/>
+          </a:xfrm>
+          <a:prstGeom prst="rect">
+            <a:avLst/>
+          </a:prstGeom>
+          <a:noFill/>
+        </p:spPr>
+        <p:txBody>
+          <a:bodyPr wrap="none" rtlCol="0">
+            <a:spAutoFit/>
+          </a:bodyPr>
+          <a:lstStyle/>
+          <a:p>
+            <a:endParaRPr lang="en-JP"/>
+          </a:p>
+        </p:txBody>
+      </p:sp>
+      <p:sp>
+        <p:nvSpPr>
+          <p:cNvPr id="15" name="Right Arrow 14">
+            <a:extLst>
+              <a:ext uri="{FF2B5EF4-FFF2-40B4-BE49-F238E27FC236}">
+                <a16:creationId xmlns:a16="http://schemas.microsoft.com/office/drawing/2014/main" id="{E4D2300E-AD76-6F4A-B5B9-85C006BE230E}"/>
+              </a:ext>
+            </a:extLst>
+          </p:cNvPr>
+          <p:cNvSpPr/>
+          <p:nvPr/>
+        </p:nvSpPr>
+        <p:spPr>
+          <a:xfrm>
+            <a:off x="5524926" y="3511052"/>
+            <a:ext cx="934329" cy="467422"/>
+          </a:xfrm>
+          <a:prstGeom prst="rightArrow">
+            <a:avLst>
+              <a:gd name="adj1" fmla="val 35507"/>
+              <a:gd name="adj2" fmla="val 69324"/>
+            </a:avLst>
+          </a:prstGeom>
+          <a:solidFill>
+            <a:schemeClr val="tx1"/>
+          </a:solidFill>
+          <a:ln w="31750">
+            <a:solidFill>
+              <a:schemeClr val="tx1"/>
+            </a:solidFill>
+          </a:ln>
+        </p:spPr>
+        <p:style>
+          <a:lnRef idx="2">
+            <a:schemeClr val="accent1">
+              <a:shade val="50000"/>
+            </a:schemeClr>
+          </a:lnRef>
+          <a:fillRef idx="1">
+            <a:schemeClr val="accent1"/>
+          </a:fillRef>
+          <a:effectRef idx="0">
+            <a:schemeClr val="accent1"/>
+          </a:effectRef>
+          <a:fontRef idx="minor">
+            <a:schemeClr val="lt1"/>
+          </a:fontRef>
+        </p:style>
+        <p:txBody>
+          <a:bodyPr rtlCol="0" anchor="ctr"/>
+          <a:lstStyle/>
+          <a:p>
+            <a:pPr algn="ctr"/>
+            <a:endParaRPr lang="en-JP"/>
+          </a:p>
+        </p:txBody>
+      </p:sp>
+    </p:spTree>
+    <p:extLst>
+      <p:ext uri="{BB962C8B-B14F-4D97-AF65-F5344CB8AC3E}">
+        <p14:creationId xmlns:p14="http://schemas.microsoft.com/office/powerpoint/2010/main" val="2641791048"/>
+      </p:ext>
+    </p:extLst>
+  </p:cSld>
+  <p:clrMapOvr>
+    <a:masterClrMapping/>
+  </p:clrMapOvr>
+</p:sld>
+</file>
+
+<file path=ppt/slides/slide11.xml><?xml version="1.0" encoding="utf-8"?>
+<p:sld xmlns:a="http://schemas.openxmlformats.org/drawingml/2006/main" xmlns:r="http://schemas.openxmlformats.org/officeDocument/2006/relationships" xmlns:p="http://schemas.openxmlformats.org/presentationml/2006/main">
+  <p:cSld>
+    <p:spTree>
+      <p:nvGrpSpPr>
+        <p:cNvPr id="1" name=""/>
+        <p:cNvGrpSpPr/>
+        <p:nvPr/>
+      </p:nvGrpSpPr>
+      <p:grpSpPr>
+        <a:xfrm>
+          <a:off x="0" y="0"/>
+          <a:ext cx="0" cy="0"/>
+          <a:chOff x="0" y="0"/>
+          <a:chExt cx="0" cy="0"/>
+        </a:xfrm>
+      </p:grpSpPr>
+      <p:sp>
+        <p:nvSpPr>
           <p:cNvPr id="2" name="Title 1">
             <a:extLst>
               <a:ext uri="{FF2B5EF4-FFF2-40B4-BE49-F238E27FC236}">
@@ -10091,7 +13046,7 @@
           <a:p>
             <a:fld id="{CCF3E294-EB10-834B-8B5B-5C78A6A1F52A}" type="slidenum">
               <a:rPr lang="en-JP"/>
-              <a:t>10</a:t>
+              <a:t>11</a:t>
             </a:fld>
             <a:endParaRPr lang="en-JP"/>
           </a:p>
@@ -10467,7 +13422,7 @@
 </p:sld>
 </file>
 
-<file path=ppt/slides/slide11.xml><?xml version="1.0" encoding="utf-8"?>
+<file path=ppt/slides/slide12.xml><?xml version="1.0" encoding="utf-8"?>
 <p:sld xmlns:a="http://schemas.openxmlformats.org/drawingml/2006/main" xmlns:r="http://schemas.openxmlformats.org/officeDocument/2006/relationships" xmlns:p="http://schemas.openxmlformats.org/presentationml/2006/main">
   <p:cSld>
     <p:spTree>
@@ -10502,8 +13457,8 @@
         </p:nvSpPr>
         <p:spPr>
           <a:xfrm>
-            <a:off x="838200" y="2460605"/>
-            <a:ext cx="5257800" cy="3774957"/>
+            <a:off x="838200" y="1839191"/>
+            <a:ext cx="5257800" cy="4396371"/>
           </a:xfrm>
         </p:spPr>
         <p:txBody>
@@ -10519,6 +13474,27 @@
             <a:r>
               <a:rPr lang="en-JP"/>
               <a:t>物理的に駐車不可能な例</a:t>
+            </a:r>
+          </a:p>
+          <a:p>
+            <a:pPr marL="0" indent="0">
+              <a:lnSpc>
+                <a:spcPct val="100000"/>
+              </a:lnSpc>
+              <a:buNone/>
+            </a:pPr>
+            <a:endParaRPr lang="en-JP"/>
+          </a:p>
+          <a:p>
+            <a:pPr marL="0" indent="0">
+              <a:lnSpc>
+                <a:spcPct val="100000"/>
+              </a:lnSpc>
+              <a:buNone/>
+            </a:pPr>
+            <a:r>
+              <a:rPr lang="en-JP"/>
+              <a:t>実際には人が車に乗ってバックで駐車する．</a:t>
             </a:r>
           </a:p>
           <a:p>
@@ -10567,7 +13543,7 @@
           <a:p>
             <a:fld id="{CCF3E294-EB10-834B-8B5B-5C78A6A1F52A}" type="slidenum">
               <a:rPr lang="en-JP"/>
-              <a:t>11</a:t>
+              <a:t>12</a:t>
             </a:fld>
             <a:endParaRPr lang="en-JP"/>
           </a:p>
@@ -11215,7 +14191,1347 @@
 </p:sld>
 </file>
 
-<file path=ppt/slides/slide12.xml><?xml version="1.0" encoding="utf-8"?>
+<file path=ppt/slides/slide13.xml><?xml version="1.0" encoding="utf-8"?>
+<p:sld xmlns:a="http://schemas.openxmlformats.org/drawingml/2006/main" xmlns:r="http://schemas.openxmlformats.org/officeDocument/2006/relationships" xmlns:p="http://schemas.openxmlformats.org/presentationml/2006/main" show="0">
+  <p:cSld>
+    <p:spTree>
+      <p:nvGrpSpPr>
+        <p:cNvPr id="1" name=""/>
+        <p:cNvGrpSpPr/>
+        <p:nvPr/>
+      </p:nvGrpSpPr>
+      <p:grpSpPr>
+        <a:xfrm>
+          <a:off x="0" y="0"/>
+          <a:ext cx="0" cy="0"/>
+          <a:chOff x="0" y="0"/>
+          <a:chExt cx="0" cy="0"/>
+        </a:xfrm>
+      </p:grpSpPr>
+      <p:sp>
+        <p:nvSpPr>
+          <p:cNvPr id="4" name="Slide Number Placeholder 3">
+            <a:extLst>
+              <a:ext uri="{FF2B5EF4-FFF2-40B4-BE49-F238E27FC236}">
+                <a16:creationId xmlns:a16="http://schemas.microsoft.com/office/drawing/2014/main" id="{D61C8094-327A-AE44-8730-7A8EC74B6C85}"/>
+              </a:ext>
+            </a:extLst>
+          </p:cNvPr>
+          <p:cNvSpPr>
+            <a:spLocks noGrp="1"/>
+          </p:cNvSpPr>
+          <p:nvPr>
+            <p:ph type="sldNum" sz="quarter" idx="12"/>
+          </p:nvPr>
+        </p:nvSpPr>
+        <p:spPr/>
+        <p:txBody>
+          <a:bodyPr/>
+          <a:lstStyle/>
+          <a:p>
+            <a:fld id="{CCF3E294-EB10-834B-8B5B-5C78A6A1F52A}" type="slidenum">
+              <a:rPr lang="en-JP"/>
+              <a:t>13</a:t>
+            </a:fld>
+            <a:endParaRPr lang="en-JP"/>
+          </a:p>
+        </p:txBody>
+      </p:sp>
+      <p:sp>
+        <p:nvSpPr>
+          <p:cNvPr id="5" name="Title 1">
+            <a:extLst>
+              <a:ext uri="{FF2B5EF4-FFF2-40B4-BE49-F238E27FC236}">
+                <a16:creationId xmlns:a16="http://schemas.microsoft.com/office/drawing/2014/main" id="{E9BF948F-1DF6-F943-A476-C83C7E3E1046}"/>
+              </a:ext>
+            </a:extLst>
+          </p:cNvPr>
+          <p:cNvSpPr txBox="1">
+            <a:spLocks/>
+          </p:cNvSpPr>
+          <p:nvPr/>
+        </p:nvSpPr>
+        <p:spPr>
+          <a:xfrm>
+            <a:off x="838200" y="171726"/>
+            <a:ext cx="10515600" cy="890469"/>
+          </a:xfrm>
+          <a:prstGeom prst="rect">
+            <a:avLst/>
+          </a:prstGeom>
+        </p:spPr>
+        <p:txBody>
+          <a:bodyPr vert="horz" lIns="91440" tIns="45720" rIns="91440" bIns="45720" rtlCol="0" anchor="ctr">
+            <a:normAutofit/>
+          </a:bodyPr>
+          <a:lstStyle>
+            <a:lvl1pPr algn="l" defTabSz="914400" rtl="0" eaLnBrk="1" latinLnBrk="0" hangingPunct="1">
+              <a:lnSpc>
+                <a:spcPct val="90000"/>
+              </a:lnSpc>
+              <a:spcBef>
+                <a:spcPct val="0"/>
+              </a:spcBef>
+              <a:buNone/>
+              <a:defRPr sz="4400" kern="1200">
+                <a:solidFill>
+                  <a:schemeClr val="tx1"/>
+                </a:solidFill>
+                <a:latin typeface="+mj-lt"/>
+                <a:ea typeface="+mj-ea"/>
+                <a:cs typeface="+mj-cs"/>
+              </a:defRPr>
+            </a:lvl1pPr>
+          </a:lstStyle>
+          <a:p>
+            <a:r>
+              <a:rPr lang="en-JP" sz="3600"/>
+              <a:t>単純な長方形詰込み問題での問題点</a:t>
+            </a:r>
+          </a:p>
+        </p:txBody>
+      </p:sp>
+      <p:sp>
+        <p:nvSpPr>
+          <p:cNvPr id="6" name="Rectangle 5">
+            <a:extLst>
+              <a:ext uri="{FF2B5EF4-FFF2-40B4-BE49-F238E27FC236}">
+                <a16:creationId xmlns:a16="http://schemas.microsoft.com/office/drawing/2014/main" id="{9DEA8857-56A8-B048-ABF6-072FC2909B8A}"/>
+              </a:ext>
+            </a:extLst>
+          </p:cNvPr>
+          <p:cNvSpPr/>
+          <p:nvPr/>
+        </p:nvSpPr>
+        <p:spPr>
+          <a:xfrm>
+            <a:off x="838200" y="1330051"/>
+            <a:ext cx="5128785" cy="5242654"/>
+          </a:xfrm>
+          <a:prstGeom prst="rect">
+            <a:avLst/>
+          </a:prstGeom>
+          <a:ln w="31750">
+            <a:solidFill>
+              <a:schemeClr val="tx1">
+                <a:lumMod val="50000"/>
+                <a:lumOff val="50000"/>
+              </a:schemeClr>
+            </a:solidFill>
+          </a:ln>
+        </p:spPr>
+        <p:txBody>
+          <a:bodyPr wrap="square">
+            <a:spAutoFit/>
+          </a:bodyPr>
+          <a:lstStyle/>
+          <a:p>
+            <a:r>
+              <a:rPr lang="en-JP" sz="2400" b="1"/>
+              <a:t>case 1. 港で貨物が搬出できない</a:t>
+            </a:r>
+          </a:p>
+          <a:p>
+            <a:endParaRPr lang="en-JP" sz="2400"/>
+          </a:p>
+          <a:p>
+            <a:r>
+              <a:rPr lang="en-JP" sz="2400"/>
+              <a:t>ex. 航路: LP1, LP2, LP3, DP1, DP2, DP3</a:t>
+            </a:r>
+            <a:endParaRPr lang="en-US" sz="2400"/>
+          </a:p>
+          <a:p>
+            <a:pPr lvl="1">
+              <a:lnSpc>
+                <a:spcPct val="110000"/>
+              </a:lnSpc>
+            </a:pPr>
+            <a:r>
+              <a:rPr lang="ja-JP" altLang="en-US" sz="2400"/>
+              <a:t>　</a:t>
+            </a:r>
+            <a:r>
+              <a:rPr lang="en-US" sz="2400"/>
+              <a:t>グループ </a:t>
+            </a:r>
+            <a:r>
+              <a:rPr lang="en-US" altLang="ja-JP" sz="2400">
+                <a:ea typeface="Hiragino Kaku Gothic Pro W3" panose="020B0300000000000000" pitchFamily="34" charset="-128"/>
+              </a:rPr>
+              <a:t>A:</a:t>
+            </a:r>
+            <a:r>
+              <a:rPr lang="en-US" altLang="ja-JP" sz="2400"/>
+              <a:t> LP1 -&gt; DP3</a:t>
+            </a:r>
+          </a:p>
+          <a:p>
+            <a:pPr lvl="1">
+              <a:lnSpc>
+                <a:spcPct val="110000"/>
+              </a:lnSpc>
+            </a:pPr>
+            <a:r>
+              <a:rPr lang="ja-JP" altLang="en-US" sz="2400"/>
+              <a:t>　</a:t>
+            </a:r>
+            <a:r>
+              <a:rPr lang="en-US" sz="2400"/>
+              <a:t>グループ </a:t>
+            </a:r>
+            <a:r>
+              <a:rPr lang="en-US" altLang="ja-JP" sz="2400">
+                <a:ea typeface="Hiragino Kaku Gothic Pro W3" panose="020B0300000000000000" pitchFamily="34" charset="-128"/>
+              </a:rPr>
+              <a:t>B</a:t>
+            </a:r>
+            <a:r>
+              <a:rPr lang="en-US" altLang="ja-JP" sz="2400"/>
+              <a:t>: LP2 -&gt; DP1</a:t>
+            </a:r>
+          </a:p>
+          <a:p>
+            <a:pPr lvl="1">
+              <a:lnSpc>
+                <a:spcPct val="110000"/>
+              </a:lnSpc>
+            </a:pPr>
+            <a:r>
+              <a:rPr lang="ja-JP" altLang="en-US" sz="2400"/>
+              <a:t>　</a:t>
+            </a:r>
+            <a:r>
+              <a:rPr lang="en-US" sz="2400"/>
+              <a:t>グループ </a:t>
+            </a:r>
+            <a:r>
+              <a:rPr lang="en-US" altLang="ja-JP" sz="2400">
+                <a:ea typeface="Hiragino Kaku Gothic Pro W3" panose="020B0300000000000000" pitchFamily="34" charset="-128"/>
+              </a:rPr>
+              <a:t>C</a:t>
+            </a:r>
+            <a:r>
+              <a:rPr lang="en-US" altLang="ja-JP" sz="2400"/>
+              <a:t>: LP3 -&gt; DP2</a:t>
+            </a:r>
+          </a:p>
+          <a:p>
+            <a:pPr lvl="1">
+              <a:lnSpc>
+                <a:spcPct val="110000"/>
+              </a:lnSpc>
+            </a:pPr>
+            <a:endParaRPr lang="en-US" altLang="ja-JP" sz="2400"/>
+          </a:p>
+          <a:p>
+            <a:pPr lvl="1">
+              <a:lnSpc>
+                <a:spcPct val="110000"/>
+              </a:lnSpc>
+            </a:pPr>
+            <a:endParaRPr lang="en-US" altLang="ja-JP" sz="2400"/>
+          </a:p>
+          <a:p>
+            <a:pPr lvl="1">
+              <a:lnSpc>
+                <a:spcPct val="110000"/>
+              </a:lnSpc>
+            </a:pPr>
+            <a:endParaRPr lang="en-US" altLang="ja-JP" sz="2400"/>
+          </a:p>
+          <a:p>
+            <a:pPr lvl="1">
+              <a:lnSpc>
+                <a:spcPct val="110000"/>
+              </a:lnSpc>
+            </a:pPr>
+            <a:endParaRPr lang="en-US" altLang="ja-JP" sz="2400"/>
+          </a:p>
+          <a:p>
+            <a:pPr lvl="1">
+              <a:lnSpc>
+                <a:spcPct val="110000"/>
+              </a:lnSpc>
+            </a:pPr>
+            <a:endParaRPr lang="en-US" altLang="ja-JP" sz="2400"/>
+          </a:p>
+          <a:p>
+            <a:pPr lvl="1">
+              <a:lnSpc>
+                <a:spcPct val="110000"/>
+              </a:lnSpc>
+            </a:pPr>
+            <a:endParaRPr lang="en-US" altLang="ja-JP" sz="2400"/>
+          </a:p>
+          <a:p>
+            <a:pPr lvl="1">
+              <a:lnSpc>
+                <a:spcPct val="110000"/>
+              </a:lnSpc>
+            </a:pPr>
+            <a:endParaRPr lang="en-US" altLang="ja-JP" sz="2400"/>
+          </a:p>
+        </p:txBody>
+      </p:sp>
+      <p:sp>
+        <p:nvSpPr>
+          <p:cNvPr id="7" name="Rectangle 6">
+            <a:extLst>
+              <a:ext uri="{FF2B5EF4-FFF2-40B4-BE49-F238E27FC236}">
+                <a16:creationId xmlns:a16="http://schemas.microsoft.com/office/drawing/2014/main" id="{32F6CEEC-A5C8-2345-85A5-9D853124866A}"/>
+              </a:ext>
+            </a:extLst>
+          </p:cNvPr>
+          <p:cNvSpPr/>
+          <p:nvPr/>
+        </p:nvSpPr>
+        <p:spPr>
+          <a:xfrm rot="16200000">
+            <a:off x="2234254" y="3470771"/>
+            <a:ext cx="2126740" cy="3089082"/>
+          </a:xfrm>
+          <a:prstGeom prst="rect">
+            <a:avLst/>
+          </a:prstGeom>
+          <a:noFill/>
+          <a:ln w="38100">
+            <a:solidFill>
+              <a:schemeClr val="tx1"/>
+            </a:solidFill>
+          </a:ln>
+        </p:spPr>
+        <p:style>
+          <a:lnRef idx="2">
+            <a:schemeClr val="accent1">
+              <a:shade val="50000"/>
+            </a:schemeClr>
+          </a:lnRef>
+          <a:fillRef idx="1">
+            <a:schemeClr val="accent1"/>
+          </a:fillRef>
+          <a:effectRef idx="0">
+            <a:schemeClr val="accent1"/>
+          </a:effectRef>
+          <a:fontRef idx="minor">
+            <a:schemeClr val="lt1"/>
+          </a:fontRef>
+        </p:style>
+        <p:txBody>
+          <a:bodyPr vert="vert270" rtlCol="0" anchor="ctr"/>
+          <a:lstStyle/>
+          <a:p>
+            <a:pPr algn="ctr"/>
+            <a:endParaRPr lang="en-JP" sz="2800"/>
+          </a:p>
+        </p:txBody>
+      </p:sp>
+      <p:sp>
+        <p:nvSpPr>
+          <p:cNvPr id="8" name="Rectangle 7">
+            <a:extLst>
+              <a:ext uri="{FF2B5EF4-FFF2-40B4-BE49-F238E27FC236}">
+                <a16:creationId xmlns:a16="http://schemas.microsoft.com/office/drawing/2014/main" id="{2A97F33D-D8B1-CD40-B03A-D386DDE231BA}"/>
+              </a:ext>
+            </a:extLst>
+          </p:cNvPr>
+          <p:cNvSpPr/>
+          <p:nvPr/>
+        </p:nvSpPr>
+        <p:spPr>
+          <a:xfrm rot="16200000">
+            <a:off x="3302554" y="4550344"/>
+            <a:ext cx="1988777" cy="939823"/>
+          </a:xfrm>
+          <a:prstGeom prst="rect">
+            <a:avLst/>
+          </a:prstGeom>
+          <a:solidFill>
+            <a:schemeClr val="accent2">
+              <a:lumMod val="20000"/>
+              <a:lumOff val="80000"/>
+            </a:schemeClr>
+          </a:solidFill>
+          <a:ln>
+            <a:noFill/>
+          </a:ln>
+        </p:spPr>
+        <p:style>
+          <a:lnRef idx="2">
+            <a:schemeClr val="accent1">
+              <a:shade val="50000"/>
+            </a:schemeClr>
+          </a:lnRef>
+          <a:fillRef idx="1">
+            <a:schemeClr val="accent1"/>
+          </a:fillRef>
+          <a:effectRef idx="0">
+            <a:schemeClr val="accent1"/>
+          </a:effectRef>
+          <a:fontRef idx="minor">
+            <a:schemeClr val="lt1"/>
+          </a:fontRef>
+        </p:style>
+        <p:txBody>
+          <a:bodyPr vert="vert" rtlCol="0" anchor="ctr"/>
+          <a:lstStyle/>
+          <a:p>
+            <a:pPr algn="ctr"/>
+            <a:r>
+              <a:rPr lang="en-JP" sz="2800">
+                <a:solidFill>
+                  <a:schemeClr val="tx1"/>
+                </a:solidFill>
+              </a:rPr>
+              <a:t>A</a:t>
+            </a:r>
+          </a:p>
+        </p:txBody>
+      </p:sp>
+      <p:sp>
+        <p:nvSpPr>
+          <p:cNvPr id="9" name="Rectangle 8">
+            <a:extLst>
+              <a:ext uri="{FF2B5EF4-FFF2-40B4-BE49-F238E27FC236}">
+                <a16:creationId xmlns:a16="http://schemas.microsoft.com/office/drawing/2014/main" id="{2E6D7587-DFD5-8149-81FB-8DC7FB43AE7C}"/>
+              </a:ext>
+            </a:extLst>
+          </p:cNvPr>
+          <p:cNvSpPr/>
+          <p:nvPr/>
+        </p:nvSpPr>
+        <p:spPr>
+          <a:xfrm rot="16200000">
+            <a:off x="2441467" y="4704393"/>
+            <a:ext cx="1988777" cy="631725"/>
+          </a:xfrm>
+          <a:prstGeom prst="rect">
+            <a:avLst/>
+          </a:prstGeom>
+          <a:solidFill>
+            <a:schemeClr val="accent5">
+              <a:lumMod val="20000"/>
+              <a:lumOff val="80000"/>
+            </a:schemeClr>
+          </a:solidFill>
+          <a:ln>
+            <a:noFill/>
+          </a:ln>
+        </p:spPr>
+        <p:style>
+          <a:lnRef idx="2">
+            <a:schemeClr val="accent1">
+              <a:shade val="50000"/>
+            </a:schemeClr>
+          </a:lnRef>
+          <a:fillRef idx="1">
+            <a:schemeClr val="accent1"/>
+          </a:fillRef>
+          <a:effectRef idx="0">
+            <a:schemeClr val="accent1"/>
+          </a:effectRef>
+          <a:fontRef idx="minor">
+            <a:schemeClr val="lt1"/>
+          </a:fontRef>
+        </p:style>
+        <p:txBody>
+          <a:bodyPr vert="vert" rtlCol="0" anchor="ctr"/>
+          <a:lstStyle/>
+          <a:p>
+            <a:pPr algn="ctr"/>
+            <a:r>
+              <a:rPr lang="en-JP" sz="2800">
+                <a:solidFill>
+                  <a:schemeClr val="tx1"/>
+                </a:solidFill>
+              </a:rPr>
+              <a:t>B</a:t>
+            </a:r>
+          </a:p>
+        </p:txBody>
+      </p:sp>
+      <p:sp>
+        <p:nvSpPr>
+          <p:cNvPr id="10" name="Rectangle 9">
+            <a:extLst>
+              <a:ext uri="{FF2B5EF4-FFF2-40B4-BE49-F238E27FC236}">
+                <a16:creationId xmlns:a16="http://schemas.microsoft.com/office/drawing/2014/main" id="{9103B092-91E6-ED45-8F8C-3A0B22B0B2F4}"/>
+              </a:ext>
+            </a:extLst>
+          </p:cNvPr>
+          <p:cNvSpPr/>
+          <p:nvPr/>
+        </p:nvSpPr>
+        <p:spPr>
+          <a:xfrm rot="16200000">
+            <a:off x="1442718" y="4415500"/>
+            <a:ext cx="1988779" cy="1209509"/>
+          </a:xfrm>
+          <a:prstGeom prst="rect">
+            <a:avLst/>
+          </a:prstGeom>
+          <a:solidFill>
+            <a:schemeClr val="accent6">
+              <a:lumMod val="20000"/>
+              <a:lumOff val="80000"/>
+            </a:schemeClr>
+          </a:solidFill>
+          <a:ln>
+            <a:noFill/>
+          </a:ln>
+        </p:spPr>
+        <p:style>
+          <a:lnRef idx="2">
+            <a:schemeClr val="accent1">
+              <a:shade val="50000"/>
+            </a:schemeClr>
+          </a:lnRef>
+          <a:fillRef idx="1">
+            <a:schemeClr val="accent1"/>
+          </a:fillRef>
+          <a:effectRef idx="0">
+            <a:schemeClr val="accent1"/>
+          </a:effectRef>
+          <a:fontRef idx="minor">
+            <a:schemeClr val="lt1"/>
+          </a:fontRef>
+        </p:style>
+        <p:txBody>
+          <a:bodyPr vert="vert" rtlCol="0" anchor="ctr"/>
+          <a:lstStyle/>
+          <a:p>
+            <a:pPr algn="ctr"/>
+            <a:r>
+              <a:rPr lang="en-JP" sz="2800">
+                <a:solidFill>
+                  <a:schemeClr val="tx1"/>
+                </a:solidFill>
+              </a:rPr>
+              <a:t>C</a:t>
+            </a:r>
+          </a:p>
+        </p:txBody>
+      </p:sp>
+      <p:sp>
+        <p:nvSpPr>
+          <p:cNvPr id="11" name="Rectangle 10">
+            <a:extLst>
+              <a:ext uri="{FF2B5EF4-FFF2-40B4-BE49-F238E27FC236}">
+                <a16:creationId xmlns:a16="http://schemas.microsoft.com/office/drawing/2014/main" id="{7A970BDD-E920-9D4F-AFC0-A67FFF1B0C43}"/>
+              </a:ext>
+            </a:extLst>
+          </p:cNvPr>
+          <p:cNvSpPr/>
+          <p:nvPr/>
+        </p:nvSpPr>
+        <p:spPr>
+          <a:xfrm>
+            <a:off x="990889" y="4851610"/>
+            <a:ext cx="707038" cy="369332"/>
+          </a:xfrm>
+          <a:prstGeom prst="rect">
+            <a:avLst/>
+          </a:prstGeom>
+          <a:solidFill>
+            <a:schemeClr val="bg2">
+              <a:lumMod val="90000"/>
+            </a:schemeClr>
+          </a:solidFill>
+          <a:ln>
+            <a:solidFill>
+              <a:schemeClr val="tx1"/>
+            </a:solidFill>
+          </a:ln>
+        </p:spPr>
+        <p:style>
+          <a:lnRef idx="2">
+            <a:schemeClr val="accent1">
+              <a:shade val="50000"/>
+            </a:schemeClr>
+          </a:lnRef>
+          <a:fillRef idx="1">
+            <a:schemeClr val="accent1"/>
+          </a:fillRef>
+          <a:effectRef idx="0">
+            <a:schemeClr val="accent1"/>
+          </a:effectRef>
+          <a:fontRef idx="minor">
+            <a:schemeClr val="lt1"/>
+          </a:fontRef>
+        </p:style>
+        <p:txBody>
+          <a:bodyPr rtlCol="0" anchor="ctr"/>
+          <a:lstStyle/>
+          <a:p>
+            <a:pPr algn="ctr"/>
+            <a:r>
+              <a:rPr lang="en-JP">
+                <a:solidFill>
+                  <a:schemeClr val="tx1"/>
+                </a:solidFill>
+              </a:rPr>
+              <a:t>入口</a:t>
+            </a:r>
+          </a:p>
+        </p:txBody>
+      </p:sp>
+      <p:sp>
+        <p:nvSpPr>
+          <p:cNvPr id="13" name="TextBox 12">
+            <a:extLst>
+              <a:ext uri="{FF2B5EF4-FFF2-40B4-BE49-F238E27FC236}">
+                <a16:creationId xmlns:a16="http://schemas.microsoft.com/office/drawing/2014/main" id="{D08187E9-AD8D-F842-8480-6CB776BA022A}"/>
+              </a:ext>
+            </a:extLst>
+          </p:cNvPr>
+          <p:cNvSpPr txBox="1"/>
+          <p:nvPr/>
+        </p:nvSpPr>
+        <p:spPr>
+          <a:xfrm>
+            <a:off x="1568625" y="6169580"/>
+            <a:ext cx="3457998" cy="369332"/>
+          </a:xfrm>
+          <a:prstGeom prst="rect">
+            <a:avLst/>
+          </a:prstGeom>
+          <a:noFill/>
+        </p:spPr>
+        <p:txBody>
+          <a:bodyPr wrap="none" rtlCol="0">
+            <a:spAutoFit/>
+          </a:bodyPr>
+          <a:lstStyle/>
+          <a:p>
+            <a:r>
+              <a:rPr lang="en-JP"/>
+              <a:t>DP1でグループBを取り出せない</a:t>
+            </a:r>
+          </a:p>
+        </p:txBody>
+      </p:sp>
+      <p:sp>
+        <p:nvSpPr>
+          <p:cNvPr id="14" name="TextBox 13">
+            <a:extLst>
+              <a:ext uri="{FF2B5EF4-FFF2-40B4-BE49-F238E27FC236}">
+                <a16:creationId xmlns:a16="http://schemas.microsoft.com/office/drawing/2014/main" id="{10EDC70E-416B-E14E-A7E5-7FD783DBD000}"/>
+              </a:ext>
+            </a:extLst>
+          </p:cNvPr>
+          <p:cNvSpPr txBox="1"/>
+          <p:nvPr/>
+        </p:nvSpPr>
+        <p:spPr>
+          <a:xfrm>
+            <a:off x="6320093" y="1319888"/>
+            <a:ext cx="4670756" cy="5262979"/>
+          </a:xfrm>
+          <a:prstGeom prst="rect">
+            <a:avLst/>
+          </a:prstGeom>
+          <a:noFill/>
+          <a:ln w="31750">
+            <a:solidFill>
+              <a:schemeClr val="tx1">
+                <a:lumMod val="50000"/>
+                <a:lumOff val="50000"/>
+              </a:schemeClr>
+            </a:solidFill>
+          </a:ln>
+        </p:spPr>
+        <p:txBody>
+          <a:bodyPr wrap="square" rtlCol="0">
+            <a:spAutoFit/>
+          </a:bodyPr>
+          <a:lstStyle/>
+          <a:p>
+            <a:r>
+              <a:rPr lang="en-JP" sz="2400" b="1"/>
+              <a:t>case 2. 物理的に駐車できない</a:t>
+            </a:r>
+          </a:p>
+          <a:p>
+            <a:endParaRPr lang="en-US" sz="2400"/>
+          </a:p>
+          <a:p>
+            <a:r>
+              <a:rPr lang="en-US" sz="2400"/>
+              <a:t>ex. </a:t>
+            </a:r>
+            <a:endParaRPr lang="en-JP" sz="2400"/>
+          </a:p>
+          <a:p>
+            <a:endParaRPr lang="en-JP" sz="2400"/>
+          </a:p>
+          <a:p>
+            <a:endParaRPr lang="en-JP" sz="2400"/>
+          </a:p>
+          <a:p>
+            <a:endParaRPr lang="en-JP" sz="2400"/>
+          </a:p>
+          <a:p>
+            <a:endParaRPr lang="en-JP" sz="2400"/>
+          </a:p>
+          <a:p>
+            <a:endParaRPr lang="en-JP" sz="2400"/>
+          </a:p>
+          <a:p>
+            <a:endParaRPr lang="en-JP" sz="2400"/>
+          </a:p>
+          <a:p>
+            <a:endParaRPr lang="en-JP" sz="2400"/>
+          </a:p>
+          <a:p>
+            <a:endParaRPr lang="en-JP" sz="2400"/>
+          </a:p>
+          <a:p>
+            <a:endParaRPr lang="en-JP" sz="2400"/>
+          </a:p>
+          <a:p>
+            <a:endParaRPr lang="en-JP" sz="2400"/>
+          </a:p>
+          <a:p>
+            <a:endParaRPr lang="en-JP" sz="2400"/>
+          </a:p>
+        </p:txBody>
+      </p:sp>
+      <p:sp>
+        <p:nvSpPr>
+          <p:cNvPr id="15" name="Rectangle 14">
+            <a:extLst>
+              <a:ext uri="{FF2B5EF4-FFF2-40B4-BE49-F238E27FC236}">
+                <a16:creationId xmlns:a16="http://schemas.microsoft.com/office/drawing/2014/main" id="{696EC223-6373-6747-A937-F409383F79CE}"/>
+              </a:ext>
+            </a:extLst>
+          </p:cNvPr>
+          <p:cNvSpPr/>
+          <p:nvPr/>
+        </p:nvSpPr>
+        <p:spPr>
+          <a:xfrm>
+            <a:off x="7231867" y="2904606"/>
+            <a:ext cx="2017967" cy="2979571"/>
+          </a:xfrm>
+          <a:prstGeom prst="rect">
+            <a:avLst/>
+          </a:prstGeom>
+          <a:ln w="38100">
+            <a:solidFill>
+              <a:schemeClr val="tx1"/>
+            </a:solidFill>
+          </a:ln>
+        </p:spPr>
+        <p:style>
+          <a:lnRef idx="2">
+            <a:schemeClr val="accent6"/>
+          </a:lnRef>
+          <a:fillRef idx="1">
+            <a:schemeClr val="lt1"/>
+          </a:fillRef>
+          <a:effectRef idx="0">
+            <a:schemeClr val="accent6"/>
+          </a:effectRef>
+          <a:fontRef idx="minor">
+            <a:schemeClr val="dk1"/>
+          </a:fontRef>
+        </p:style>
+        <p:txBody>
+          <a:bodyPr rtlCol="0" anchor="ctr"/>
+          <a:lstStyle/>
+          <a:p>
+            <a:pPr algn="ctr"/>
+            <a:endParaRPr lang="en-JP"/>
+          </a:p>
+        </p:txBody>
+      </p:sp>
+      <p:sp>
+        <p:nvSpPr>
+          <p:cNvPr id="16" name="L-Shape 15">
+            <a:extLst>
+              <a:ext uri="{FF2B5EF4-FFF2-40B4-BE49-F238E27FC236}">
+                <a16:creationId xmlns:a16="http://schemas.microsoft.com/office/drawing/2014/main" id="{BA7F7CB2-554F-1842-8129-4E1D2CA23F57}"/>
+              </a:ext>
+            </a:extLst>
+          </p:cNvPr>
+          <p:cNvSpPr/>
+          <p:nvPr/>
+        </p:nvSpPr>
+        <p:spPr>
+          <a:xfrm>
+            <a:off x="7231867" y="4174467"/>
+            <a:ext cx="2018634" cy="1700103"/>
+          </a:xfrm>
+          <a:prstGeom prst="corner">
+            <a:avLst>
+              <a:gd name="adj1" fmla="val 51545"/>
+              <a:gd name="adj2" fmla="val 85807"/>
+            </a:avLst>
+          </a:prstGeom>
+          <a:solidFill>
+            <a:schemeClr val="accent5">
+              <a:lumMod val="20000"/>
+              <a:lumOff val="80000"/>
+            </a:schemeClr>
+          </a:solidFill>
+          <a:ln>
+            <a:solidFill>
+              <a:schemeClr val="tx1"/>
+            </a:solidFill>
+          </a:ln>
+        </p:spPr>
+        <p:style>
+          <a:lnRef idx="2">
+            <a:schemeClr val="accent1">
+              <a:shade val="50000"/>
+            </a:schemeClr>
+          </a:lnRef>
+          <a:fillRef idx="1">
+            <a:schemeClr val="accent1"/>
+          </a:fillRef>
+          <a:effectRef idx="0">
+            <a:schemeClr val="accent1"/>
+          </a:effectRef>
+          <a:fontRef idx="minor">
+            <a:schemeClr val="lt1"/>
+          </a:fontRef>
+        </p:style>
+        <p:txBody>
+          <a:bodyPr rtlCol="0" anchor="ctr"/>
+          <a:lstStyle/>
+          <a:p>
+            <a:pPr algn="ctr"/>
+            <a:endParaRPr lang="en-JP"/>
+          </a:p>
+        </p:txBody>
+      </p:sp>
+      <p:sp>
+        <p:nvSpPr>
+          <p:cNvPr id="17" name="Rectangle 16">
+            <a:extLst>
+              <a:ext uri="{FF2B5EF4-FFF2-40B4-BE49-F238E27FC236}">
+                <a16:creationId xmlns:a16="http://schemas.microsoft.com/office/drawing/2014/main" id="{97CC00EF-4673-754C-AA8C-B222B7547357}"/>
+              </a:ext>
+            </a:extLst>
+          </p:cNvPr>
+          <p:cNvSpPr/>
+          <p:nvPr/>
+        </p:nvSpPr>
+        <p:spPr>
+          <a:xfrm>
+            <a:off x="8744758" y="4194802"/>
+            <a:ext cx="473903" cy="751600"/>
+          </a:xfrm>
+          <a:prstGeom prst="rect">
+            <a:avLst/>
+          </a:prstGeom>
+          <a:solidFill>
+            <a:schemeClr val="accent4"/>
+          </a:solidFill>
+          <a:ln w="31750">
+            <a:solidFill>
+              <a:schemeClr val="accent4"/>
+            </a:solidFill>
+            <a:prstDash val="sysDash"/>
+          </a:ln>
+        </p:spPr>
+        <p:style>
+          <a:lnRef idx="2">
+            <a:schemeClr val="accent1">
+              <a:shade val="50000"/>
+            </a:schemeClr>
+          </a:lnRef>
+          <a:fillRef idx="1">
+            <a:schemeClr val="accent1"/>
+          </a:fillRef>
+          <a:effectRef idx="0">
+            <a:schemeClr val="accent1"/>
+          </a:effectRef>
+          <a:fontRef idx="minor">
+            <a:schemeClr val="lt1"/>
+          </a:fontRef>
+        </p:style>
+        <p:txBody>
+          <a:bodyPr rtlCol="0" anchor="ctr"/>
+          <a:lstStyle/>
+          <a:p>
+            <a:pPr algn="ctr"/>
+            <a:endParaRPr lang="en-JP"/>
+          </a:p>
+        </p:txBody>
+      </p:sp>
+      <p:sp>
+        <p:nvSpPr>
+          <p:cNvPr id="18" name="Rectangle 17">
+            <a:extLst>
+              <a:ext uri="{FF2B5EF4-FFF2-40B4-BE49-F238E27FC236}">
+                <a16:creationId xmlns:a16="http://schemas.microsoft.com/office/drawing/2014/main" id="{B29063CA-B6C3-F743-92ED-C98F9FDE494D}"/>
+              </a:ext>
+            </a:extLst>
+          </p:cNvPr>
+          <p:cNvSpPr/>
+          <p:nvPr/>
+        </p:nvSpPr>
+        <p:spPr>
+          <a:xfrm>
+            <a:off x="8959258" y="3707020"/>
+            <a:ext cx="290576" cy="294018"/>
+          </a:xfrm>
+          <a:prstGeom prst="rect">
+            <a:avLst/>
+          </a:prstGeom>
+        </p:spPr>
+        <p:style>
+          <a:lnRef idx="2">
+            <a:schemeClr val="dk1">
+              <a:shade val="50000"/>
+            </a:schemeClr>
+          </a:lnRef>
+          <a:fillRef idx="1">
+            <a:schemeClr val="dk1"/>
+          </a:fillRef>
+          <a:effectRef idx="0">
+            <a:schemeClr val="dk1"/>
+          </a:effectRef>
+          <a:fontRef idx="minor">
+            <a:schemeClr val="lt1"/>
+          </a:fontRef>
+        </p:style>
+        <p:txBody>
+          <a:bodyPr rtlCol="0" anchor="ctr"/>
+          <a:lstStyle/>
+          <a:p>
+            <a:pPr algn="ctr"/>
+            <a:endParaRPr lang="en-JP"/>
+          </a:p>
+        </p:txBody>
+      </p:sp>
+      <p:sp>
+        <p:nvSpPr>
+          <p:cNvPr id="19" name="Rectangle 18">
+            <a:extLst>
+              <a:ext uri="{FF2B5EF4-FFF2-40B4-BE49-F238E27FC236}">
+                <a16:creationId xmlns:a16="http://schemas.microsoft.com/office/drawing/2014/main" id="{6B8A4B61-567F-FE45-9A37-C28767CD90B2}"/>
+              </a:ext>
+            </a:extLst>
+          </p:cNvPr>
+          <p:cNvSpPr/>
+          <p:nvPr/>
+        </p:nvSpPr>
+        <p:spPr>
+          <a:xfrm>
+            <a:off x="7762866" y="2483209"/>
+            <a:ext cx="726808" cy="403213"/>
+          </a:xfrm>
+          <a:prstGeom prst="rect">
+            <a:avLst/>
+          </a:prstGeom>
+          <a:solidFill>
+            <a:schemeClr val="bg2">
+              <a:lumMod val="90000"/>
+            </a:schemeClr>
+          </a:solidFill>
+          <a:ln>
+            <a:solidFill>
+              <a:schemeClr val="tx1"/>
+            </a:solidFill>
+          </a:ln>
+        </p:spPr>
+        <p:style>
+          <a:lnRef idx="2">
+            <a:schemeClr val="accent1">
+              <a:shade val="50000"/>
+            </a:schemeClr>
+          </a:lnRef>
+          <a:fillRef idx="1">
+            <a:schemeClr val="accent1"/>
+          </a:fillRef>
+          <a:effectRef idx="0">
+            <a:schemeClr val="accent1"/>
+          </a:effectRef>
+          <a:fontRef idx="minor">
+            <a:schemeClr val="lt1"/>
+          </a:fontRef>
+        </p:style>
+        <p:txBody>
+          <a:bodyPr rtlCol="0" anchor="ctr"/>
+          <a:lstStyle/>
+          <a:p>
+            <a:pPr algn="ctr"/>
+            <a:r>
+              <a:rPr lang="en-JP">
+                <a:solidFill>
+                  <a:schemeClr val="tx1"/>
+                </a:solidFill>
+              </a:rPr>
+              <a:t>入口</a:t>
+            </a:r>
+          </a:p>
+        </p:txBody>
+      </p:sp>
+      <p:cxnSp>
+        <p:nvCxnSpPr>
+          <p:cNvPr id="20" name="Elbow Connector 19">
+            <a:extLst>
+              <a:ext uri="{FF2B5EF4-FFF2-40B4-BE49-F238E27FC236}">
+                <a16:creationId xmlns:a16="http://schemas.microsoft.com/office/drawing/2014/main" id="{94FBF4B1-99F6-7E40-92C5-D6A0405A0D1F}"/>
+              </a:ext>
+            </a:extLst>
+          </p:cNvPr>
+          <p:cNvCxnSpPr>
+            <a:cxnSpLocks/>
+          </p:cNvCxnSpPr>
+          <p:nvPr/>
+        </p:nvCxnSpPr>
+        <p:spPr>
+          <a:xfrm rot="16200000" flipH="1">
+            <a:off x="7972698" y="3183498"/>
+            <a:ext cx="1062077" cy="746432"/>
+          </a:xfrm>
+          <a:prstGeom prst="bentConnector3">
+            <a:avLst/>
+          </a:prstGeom>
+          <a:ln w="41275">
+            <a:solidFill>
+              <a:srgbClr val="FF0000"/>
+            </a:solidFill>
+            <a:tailEnd type="triangle"/>
+          </a:ln>
+        </p:spPr>
+        <p:style>
+          <a:lnRef idx="1">
+            <a:schemeClr val="accent1"/>
+          </a:lnRef>
+          <a:fillRef idx="0">
+            <a:schemeClr val="accent1"/>
+          </a:fillRef>
+          <a:effectRef idx="0">
+            <a:schemeClr val="accent1"/>
+          </a:effectRef>
+          <a:fontRef idx="minor">
+            <a:schemeClr val="tx1"/>
+          </a:fontRef>
+        </p:style>
+      </p:cxnSp>
+      <p:sp>
+        <p:nvSpPr>
+          <p:cNvPr id="22" name="TextBox 21">
+            <a:extLst>
+              <a:ext uri="{FF2B5EF4-FFF2-40B4-BE49-F238E27FC236}">
+                <a16:creationId xmlns:a16="http://schemas.microsoft.com/office/drawing/2014/main" id="{07A10C15-795F-3C49-835B-57F229FF4A43}"/>
+              </a:ext>
+            </a:extLst>
+          </p:cNvPr>
+          <p:cNvSpPr txBox="1"/>
+          <p:nvPr/>
+        </p:nvSpPr>
+        <p:spPr>
+          <a:xfrm>
+            <a:off x="6934728" y="6154492"/>
+            <a:ext cx="3185487" cy="369332"/>
+          </a:xfrm>
+          <a:prstGeom prst="rect">
+            <a:avLst/>
+          </a:prstGeom>
+          <a:noFill/>
+        </p:spPr>
+        <p:txBody>
+          <a:bodyPr wrap="none" rtlCol="0">
+            <a:spAutoFit/>
+          </a:bodyPr>
+          <a:lstStyle/>
+          <a:p>
+            <a:r>
+              <a:rPr lang="en-JP"/>
+              <a:t>障害物が邪魔で駐車できない</a:t>
+            </a:r>
+          </a:p>
+        </p:txBody>
+      </p:sp>
+      <p:sp>
+        <p:nvSpPr>
+          <p:cNvPr id="23" name="Rectangle 22">
+            <a:extLst>
+              <a:ext uri="{FF2B5EF4-FFF2-40B4-BE49-F238E27FC236}">
+                <a16:creationId xmlns:a16="http://schemas.microsoft.com/office/drawing/2014/main" id="{01D5F254-B05E-7943-891C-97D5552B6E34}"/>
+              </a:ext>
+            </a:extLst>
+          </p:cNvPr>
+          <p:cNvSpPr>
+            <a:spLocks noChangeAspect="1"/>
+          </p:cNvSpPr>
+          <p:nvPr/>
+        </p:nvSpPr>
+        <p:spPr>
+          <a:xfrm>
+            <a:off x="9463655" y="5532050"/>
+            <a:ext cx="292904" cy="304169"/>
+          </a:xfrm>
+          <a:prstGeom prst="rect">
+            <a:avLst/>
+          </a:prstGeom>
+        </p:spPr>
+        <p:style>
+          <a:lnRef idx="2">
+            <a:schemeClr val="dk1">
+              <a:shade val="50000"/>
+            </a:schemeClr>
+          </a:lnRef>
+          <a:fillRef idx="1">
+            <a:schemeClr val="dk1"/>
+          </a:fillRef>
+          <a:effectRef idx="0">
+            <a:schemeClr val="dk1"/>
+          </a:effectRef>
+          <a:fontRef idx="minor">
+            <a:schemeClr val="lt1"/>
+          </a:fontRef>
+        </p:style>
+        <p:txBody>
+          <a:bodyPr rtlCol="0" anchor="ctr"/>
+          <a:lstStyle/>
+          <a:p>
+            <a:pPr algn="ctr"/>
+            <a:endParaRPr lang="en-JP" sz="1600"/>
+          </a:p>
+        </p:txBody>
+      </p:sp>
+      <p:sp>
+        <p:nvSpPr>
+          <p:cNvPr id="24" name="Rectangle 23">
+            <a:extLst>
+              <a:ext uri="{FF2B5EF4-FFF2-40B4-BE49-F238E27FC236}">
+                <a16:creationId xmlns:a16="http://schemas.microsoft.com/office/drawing/2014/main" id="{F4FF29FC-3B45-FB41-9246-938866D43FA7}"/>
+              </a:ext>
+            </a:extLst>
+          </p:cNvPr>
+          <p:cNvSpPr>
+            <a:spLocks noChangeAspect="1"/>
+          </p:cNvSpPr>
+          <p:nvPr/>
+        </p:nvSpPr>
+        <p:spPr>
+          <a:xfrm>
+            <a:off x="9455564" y="5079666"/>
+            <a:ext cx="292904" cy="304169"/>
+          </a:xfrm>
+          <a:prstGeom prst="rect">
+            <a:avLst/>
+          </a:prstGeom>
+          <a:solidFill>
+            <a:schemeClr val="accent4"/>
+          </a:solidFill>
+          <a:ln>
+            <a:noFill/>
+          </a:ln>
+        </p:spPr>
+        <p:style>
+          <a:lnRef idx="2">
+            <a:schemeClr val="dk1">
+              <a:shade val="50000"/>
+            </a:schemeClr>
+          </a:lnRef>
+          <a:fillRef idx="1">
+            <a:schemeClr val="dk1"/>
+          </a:fillRef>
+          <a:effectRef idx="0">
+            <a:schemeClr val="dk1"/>
+          </a:effectRef>
+          <a:fontRef idx="minor">
+            <a:schemeClr val="lt1"/>
+          </a:fontRef>
+        </p:style>
+        <p:txBody>
+          <a:bodyPr rtlCol="0" anchor="ctr"/>
+          <a:lstStyle/>
+          <a:p>
+            <a:pPr algn="ctr"/>
+            <a:endParaRPr lang="en-JP" sz="1600"/>
+          </a:p>
+        </p:txBody>
+      </p:sp>
+      <p:sp>
+        <p:nvSpPr>
+          <p:cNvPr id="25" name="Rectangle 24">
+            <a:extLst>
+              <a:ext uri="{FF2B5EF4-FFF2-40B4-BE49-F238E27FC236}">
+                <a16:creationId xmlns:a16="http://schemas.microsoft.com/office/drawing/2014/main" id="{22C2B8CC-B2A5-6A44-A232-6BD3F6695DBF}"/>
+              </a:ext>
+            </a:extLst>
+          </p:cNvPr>
+          <p:cNvSpPr>
+            <a:spLocks noChangeAspect="1"/>
+          </p:cNvSpPr>
+          <p:nvPr/>
+        </p:nvSpPr>
+        <p:spPr>
+          <a:xfrm>
+            <a:off x="9455564" y="4625041"/>
+            <a:ext cx="292904" cy="304169"/>
+          </a:xfrm>
+          <a:prstGeom prst="rect">
+            <a:avLst/>
+          </a:prstGeom>
+          <a:solidFill>
+            <a:schemeClr val="accent5">
+              <a:lumMod val="20000"/>
+              <a:lumOff val="80000"/>
+            </a:schemeClr>
+          </a:solidFill>
+          <a:ln>
+            <a:noFill/>
+          </a:ln>
+        </p:spPr>
+        <p:style>
+          <a:lnRef idx="2">
+            <a:schemeClr val="dk1">
+              <a:shade val="50000"/>
+            </a:schemeClr>
+          </a:lnRef>
+          <a:fillRef idx="1">
+            <a:schemeClr val="dk1"/>
+          </a:fillRef>
+          <a:effectRef idx="0">
+            <a:schemeClr val="dk1"/>
+          </a:effectRef>
+          <a:fontRef idx="minor">
+            <a:schemeClr val="lt1"/>
+          </a:fontRef>
+        </p:style>
+        <p:txBody>
+          <a:bodyPr rtlCol="0" anchor="ctr"/>
+          <a:lstStyle/>
+          <a:p>
+            <a:pPr algn="ctr"/>
+            <a:endParaRPr lang="en-JP" sz="1600"/>
+          </a:p>
+        </p:txBody>
+      </p:sp>
+      <p:sp>
+        <p:nvSpPr>
+          <p:cNvPr id="26" name="TextBox 25">
+            <a:extLst>
+              <a:ext uri="{FF2B5EF4-FFF2-40B4-BE49-F238E27FC236}">
+                <a16:creationId xmlns:a16="http://schemas.microsoft.com/office/drawing/2014/main" id="{CE58FB1A-F70A-D940-8B77-BD1F83BC985D}"/>
+              </a:ext>
+            </a:extLst>
+          </p:cNvPr>
+          <p:cNvSpPr txBox="1">
+            <a:spLocks noChangeAspect="1"/>
+          </p:cNvSpPr>
+          <p:nvPr/>
+        </p:nvSpPr>
+        <p:spPr>
+          <a:xfrm>
+            <a:off x="9742934" y="4608871"/>
+            <a:ext cx="1527738" cy="338554"/>
+          </a:xfrm>
+          <a:prstGeom prst="rect">
+            <a:avLst/>
+          </a:prstGeom>
+          <a:noFill/>
+        </p:spPr>
+        <p:txBody>
+          <a:bodyPr wrap="square" rtlCol="0">
+            <a:spAutoFit/>
+          </a:bodyPr>
+          <a:lstStyle/>
+          <a:p>
+            <a:r>
+              <a:rPr lang="en-JP" sz="1600"/>
+              <a:t>既配置の車</a:t>
+            </a:r>
+          </a:p>
+        </p:txBody>
+      </p:sp>
+      <p:sp>
+        <p:nvSpPr>
+          <p:cNvPr id="27" name="TextBox 26">
+            <a:extLst>
+              <a:ext uri="{FF2B5EF4-FFF2-40B4-BE49-F238E27FC236}">
+                <a16:creationId xmlns:a16="http://schemas.microsoft.com/office/drawing/2014/main" id="{47EE581B-490C-EC4F-9E8F-801061B2E1E2}"/>
+              </a:ext>
+            </a:extLst>
+          </p:cNvPr>
+          <p:cNvSpPr txBox="1">
+            <a:spLocks noChangeAspect="1"/>
+          </p:cNvSpPr>
+          <p:nvPr/>
+        </p:nvSpPr>
+        <p:spPr>
+          <a:xfrm>
+            <a:off x="9742934" y="5094617"/>
+            <a:ext cx="1303071" cy="338554"/>
+          </a:xfrm>
+          <a:prstGeom prst="rect">
+            <a:avLst/>
+          </a:prstGeom>
+          <a:noFill/>
+        </p:spPr>
+        <p:txBody>
+          <a:bodyPr wrap="square" rtlCol="0">
+            <a:spAutoFit/>
+          </a:bodyPr>
+          <a:lstStyle/>
+          <a:p>
+            <a:r>
+              <a:rPr lang="en-JP" sz="1600"/>
+              <a:t>配置する車</a:t>
+            </a:r>
+          </a:p>
+        </p:txBody>
+      </p:sp>
+      <p:sp>
+        <p:nvSpPr>
+          <p:cNvPr id="28" name="TextBox 27">
+            <a:extLst>
+              <a:ext uri="{FF2B5EF4-FFF2-40B4-BE49-F238E27FC236}">
+                <a16:creationId xmlns:a16="http://schemas.microsoft.com/office/drawing/2014/main" id="{8803A73B-2E7F-EB43-ADCE-0130DFB4D4B5}"/>
+              </a:ext>
+            </a:extLst>
+          </p:cNvPr>
+          <p:cNvSpPr txBox="1">
+            <a:spLocks noChangeAspect="1"/>
+          </p:cNvSpPr>
+          <p:nvPr/>
+        </p:nvSpPr>
+        <p:spPr>
+          <a:xfrm>
+            <a:off x="9744593" y="5532050"/>
+            <a:ext cx="805982" cy="338554"/>
+          </a:xfrm>
+          <a:prstGeom prst="rect">
+            <a:avLst/>
+          </a:prstGeom>
+          <a:noFill/>
+        </p:spPr>
+        <p:txBody>
+          <a:bodyPr wrap="square" rtlCol="0">
+            <a:spAutoFit/>
+          </a:bodyPr>
+          <a:lstStyle/>
+          <a:p>
+            <a:r>
+              <a:rPr lang="en-JP" sz="1600"/>
+              <a:t>障害物</a:t>
+            </a:r>
+          </a:p>
+        </p:txBody>
+      </p:sp>
+    </p:spTree>
+    <p:extLst>
+      <p:ext uri="{BB962C8B-B14F-4D97-AF65-F5344CB8AC3E}">
+        <p14:creationId xmlns:p14="http://schemas.microsoft.com/office/powerpoint/2010/main" val="3595096099"/>
+      </p:ext>
+    </p:extLst>
+  </p:cSld>
+  <p:clrMapOvr>
+    <a:masterClrMapping/>
+  </p:clrMapOvr>
+</p:sld>
+</file>
+
+<file path=ppt/slides/slide14.xml><?xml version="1.0" encoding="utf-8"?>
 <p:sld xmlns:a="http://schemas.openxmlformats.org/drawingml/2006/main" xmlns:r="http://schemas.openxmlformats.org/officeDocument/2006/relationships" xmlns:p="http://schemas.openxmlformats.org/presentationml/2006/main">
   <p:cSld>
     <p:spTree>
@@ -11377,7 +15693,7 @@
           <a:p>
             <a:fld id="{CCF3E294-EB10-834B-8B5B-5C78A6A1F52A}" type="slidenum">
               <a:rPr lang="en-JP"/>
-              <a:t>12</a:t>
+              <a:t>14</a:t>
             </a:fld>
             <a:endParaRPr lang="en-JP"/>
           </a:p>
@@ -11396,7 +15712,7 @@
 </p:sld>
 </file>
 
-<file path=ppt/slides/slide13.xml><?xml version="1.0" encoding="utf-8"?>
+<file path=ppt/slides/slide15.xml><?xml version="1.0" encoding="utf-8"?>
 <p:sld xmlns:a="http://schemas.openxmlformats.org/drawingml/2006/main" xmlns:r="http://schemas.openxmlformats.org/officeDocument/2006/relationships" xmlns:p="http://schemas.openxmlformats.org/presentationml/2006/main">
   <p:cSld>
     <p:spTree>
@@ -11502,7 +15818,7 @@
           <a:p>
             <a:fld id="{A15909B6-B37A-2F40-8E50-BD3B90D17A7A}" type="slidenum">
               <a:rPr lang="en-JP"/>
-              <a:t>13</a:t>
+              <a:t>15</a:t>
             </a:fld>
             <a:endParaRPr lang="en-JP"/>
           </a:p>
@@ -11553,7 +15869,7 @@
 </p:sld>
 </file>
 
-<file path=ppt/slides/slide14.xml><?xml version="1.0" encoding="utf-8"?>
+<file path=ppt/slides/slide16.xml><?xml version="1.0" encoding="utf-8"?>
 <p:sld xmlns:a="http://schemas.openxmlformats.org/drawingml/2006/main" xmlns:r="http://schemas.openxmlformats.org/officeDocument/2006/relationships" xmlns:p="http://schemas.openxmlformats.org/presentationml/2006/main">
   <p:cSld>
     <p:spTree>
@@ -11628,7 +15944,7 @@
                 </a:pPr>
                 <a:r>
                   <a:rPr lang="en-JP" sz="2400"/>
-                  <a:t>各グループを形状可変の長方形とみなす．</a:t>
+                  <a:t>各グループを形状可変の長方形とする．</a:t>
                 </a:r>
               </a:p>
               <a:p>
@@ -11711,7 +16027,7 @@
                 </a:pPr>
                 <a:r>
                   <a:rPr lang="en-JP" sz="2400"/>
-                  <a:t>= (車</a:t>
+                  <a:t>≥ (車</a:t>
                 </a:r>
                 <a14:m>
                   <m:oMath xmlns:m="http://schemas.openxmlformats.org/officeDocument/2006/math">
@@ -11825,7 +16141,7 @@
           <a:p>
             <a:fld id="{CCF3E294-EB10-834B-8B5B-5C78A6A1F52A}" type="slidenum">
               <a:rPr lang="en-JP"/>
-              <a:t>14</a:t>
+              <a:t>16</a:t>
             </a:fld>
             <a:endParaRPr lang="en-JP"/>
           </a:p>
@@ -12056,6 +16372,19 @@
                 <a:r>
                   <a:rPr lang="en-JP" sz="2400"/>
                   <a:t>グループ間の左右上下の相対位置関係を決定. </a:t>
+                </a:r>
+              </a:p>
+              <a:p>
+                <a:pPr marL="0" indent="0">
+                  <a:lnSpc>
+                    <a:spcPct val="100000"/>
+                  </a:lnSpc>
+                  <a:buFont typeface="Arial" panose="020B0604020202020204" pitchFamily="34" charset="0"/>
+                  <a:buNone/>
+                </a:pPr>
+                <a:r>
+                  <a:rPr lang="en-JP" sz="2400"/>
+                  <a:t> (次ページで補足)</a:t>
                 </a:r>
               </a:p>
               <a:p>
@@ -12945,7 +17274,7 @@
             </p:nvSpPr>
             <p:spPr>
               <a:xfrm>
-                <a:off x="4969476" y="5483666"/>
+                <a:off x="5069975" y="5575689"/>
                 <a:ext cx="1105455" cy="680400"/>
               </a:xfrm>
               <a:prstGeom prst="rect">
@@ -13026,7 +17355,7 @@
             </p:nvSpPr>
             <p:spPr>
               <a:xfrm>
-                <a:off x="4969476" y="5483666"/>
+                <a:off x="5069975" y="5575689"/>
                 <a:ext cx="1105455" cy="680400"/>
               </a:xfrm>
               <a:prstGeom prst="rect">
@@ -13073,7 +17402,7 @@
             </p:nvSpPr>
             <p:spPr>
               <a:xfrm>
-                <a:off x="6334706" y="4534695"/>
+                <a:off x="6435205" y="4626718"/>
                 <a:ext cx="725225" cy="1166442"/>
               </a:xfrm>
               <a:prstGeom prst="rect">
@@ -13154,7 +17483,7 @@
             </p:nvSpPr>
             <p:spPr>
               <a:xfrm>
-                <a:off x="6334706" y="4534695"/>
+                <a:off x="6435205" y="4626718"/>
                 <a:ext cx="725225" cy="1166442"/>
               </a:xfrm>
               <a:prstGeom prst="rect">
@@ -13199,7 +17528,7 @@
         </p:nvSpPr>
         <p:spPr>
           <a:xfrm>
-            <a:off x="6303533" y="5613488"/>
+            <a:off x="6404032" y="5705511"/>
             <a:ext cx="108000" cy="108000"/>
           </a:xfrm>
           <a:prstGeom prst="ellipse">
@@ -13253,7 +17582,7 @@
         </p:nvSpPr>
         <p:spPr>
           <a:xfrm>
-            <a:off x="4923708" y="6076086"/>
+            <a:off x="5024207" y="6168109"/>
             <a:ext cx="108000" cy="108000"/>
           </a:xfrm>
           <a:prstGeom prst="ellipse">
@@ -13306,7 +17635,7 @@
 </p:sld>
 </file>
 
-<file path=ppt/slides/slide15.xml><?xml version="1.0" encoding="utf-8"?>
+<file path=ppt/slides/slide17.xml><?xml version="1.0" encoding="utf-8"?>
 <p:sld xmlns:a="http://schemas.openxmlformats.org/drawingml/2006/main" xmlns:r="http://schemas.openxmlformats.org/officeDocument/2006/relationships" xmlns:p="http://schemas.openxmlformats.org/presentationml/2006/main">
   <p:cSld>
     <p:spTree>
@@ -13346,7 +17675,7 @@
           <a:p>
             <a:fld id="{A15909B6-B37A-2F40-8E50-BD3B90D17A7A}" type="slidenum">
               <a:rPr lang="en-JP"/>
-              <a:t>15</a:t>
+              <a:t>17</a:t>
             </a:fld>
             <a:endParaRPr lang="en-JP"/>
           </a:p>
@@ -13754,7 +18083,7 @@
 </p:sld>
 </file>
 
-<file path=ppt/slides/slide16.xml><?xml version="1.0" encoding="utf-8"?>
+<file path=ppt/slides/slide18.xml><?xml version="1.0" encoding="utf-8"?>
 <p:sld xmlns:a="http://schemas.openxmlformats.org/drawingml/2006/main" xmlns:r="http://schemas.openxmlformats.org/officeDocument/2006/relationships" xmlns:p="http://schemas.openxmlformats.org/presentationml/2006/main">
   <p:cSld>
     <p:spTree>
@@ -13888,7 +18217,7 @@
           <a:p>
             <a:fld id="{A15909B6-B37A-2F40-8E50-BD3B90D17A7A}" type="slidenum">
               <a:rPr lang="en-JP"/>
-              <a:t>16</a:t>
+              <a:t>18</a:t>
             </a:fld>
             <a:endParaRPr lang="en-JP"/>
           </a:p>
@@ -14842,7 +19171,7 @@
 </p:sld>
 </file>
 
-<file path=ppt/slides/slide17.xml><?xml version="1.0" encoding="utf-8"?>
+<file path=ppt/slides/slide19.xml><?xml version="1.0" encoding="utf-8"?>
 <p:sld xmlns:a="http://schemas.openxmlformats.org/drawingml/2006/main" xmlns:r="http://schemas.openxmlformats.org/officeDocument/2006/relationships" xmlns:p="http://schemas.openxmlformats.org/presentationml/2006/main">
   <p:cSld>
     <p:spTree>
@@ -14873,8 +19202,8 @@
         </p:nvSpPr>
         <p:spPr>
           <a:xfrm rot="16200000">
-            <a:off x="5575924" y="212104"/>
-            <a:ext cx="5056760" cy="7231729"/>
+            <a:off x="5599714" y="235892"/>
+            <a:ext cx="5056760" cy="7184151"/>
           </a:xfrm>
           <a:prstGeom prst="corner">
             <a:avLst>
@@ -15051,8 +19380,8 @@
         </p:nvSpPr>
         <p:spPr>
           <a:xfrm>
-            <a:off x="745066" y="1283432"/>
-            <a:ext cx="3310466" cy="5304404"/>
+            <a:off x="677017" y="1283433"/>
+            <a:ext cx="3503179" cy="5072916"/>
           </a:xfrm>
           <a:ln w="31750">
             <a:solidFill>
@@ -15065,7 +19394,7 @@
         </p:spPr>
         <p:txBody>
           <a:bodyPr lIns="144000" bIns="0">
-            <a:normAutofit/>
+            <a:normAutofit fontScale="92500"/>
           </a:bodyPr>
           <a:lstStyle/>
           <a:p>
@@ -15076,20 +19405,20 @@
               <a:buNone/>
             </a:pPr>
             <a:r>
-              <a:rPr lang="en-JP" sz="2400"/>
+              <a:rPr lang="en-JP" sz="2600"/>
               <a:t>step 1</a:t>
             </a:r>
           </a:p>
           <a:p>
             <a:pPr marL="0" indent="0">
               <a:lnSpc>
-                <a:spcPct val="110000"/>
+                <a:spcPct val="100000"/>
               </a:lnSpc>
               <a:buNone/>
             </a:pPr>
             <a:r>
               <a:rPr lang="en-JP" sz="2400"/>
-              <a:t>車 (長方形)をレクトリニア図形に変換． </a:t>
+              <a:t>配置する車 (長方形) を，レクトリニア図形に変換 </a:t>
             </a:r>
           </a:p>
           <a:p>
@@ -15140,36 +19469,36 @@
           <a:p>
             <a:pPr marL="457200" lvl="1" indent="0">
               <a:lnSpc>
-                <a:spcPct val="110000"/>
+                <a:spcPct val="100000"/>
               </a:lnSpc>
               <a:buNone/>
             </a:pPr>
             <a:r>
-              <a:rPr lang="en-JP" sz="2000"/>
+              <a:rPr lang="en-JP" sz="2200"/>
               <a:t>1. 駐車スペース</a:t>
             </a:r>
           </a:p>
           <a:p>
             <a:pPr marL="457200" lvl="1" indent="0">
               <a:lnSpc>
-                <a:spcPct val="110000"/>
+                <a:spcPct val="100000"/>
               </a:lnSpc>
               <a:buNone/>
             </a:pPr>
             <a:r>
-              <a:rPr lang="en-JP" sz="2000"/>
+              <a:rPr lang="en-JP" sz="2200"/>
               <a:t>2. 乗り降りの隙間</a:t>
             </a:r>
           </a:p>
           <a:p>
             <a:pPr marL="457200" lvl="1" indent="0">
               <a:lnSpc>
-                <a:spcPct val="110000"/>
+                <a:spcPct val="100000"/>
               </a:lnSpc>
               <a:buNone/>
             </a:pPr>
             <a:r>
-              <a:rPr lang="en-JP" sz="2000"/>
+              <a:rPr lang="en-JP" sz="2200"/>
               <a:t>3. 配置間隔</a:t>
             </a:r>
           </a:p>
@@ -15189,7 +19518,7 @@
         </p:nvSpPr>
         <p:spPr>
           <a:xfrm>
-            <a:off x="2159147" y="4342727"/>
+            <a:off x="2159147" y="4280381"/>
             <a:ext cx="312406" cy="501454"/>
           </a:xfrm>
           <a:prstGeom prst="rect">
@@ -15241,7 +19570,7 @@
         </p:nvSpPr>
         <p:spPr>
           <a:xfrm>
-            <a:off x="2128251" y="4308935"/>
+            <a:off x="2128251" y="4246589"/>
             <a:ext cx="587805" cy="565731"/>
           </a:xfrm>
           <a:prstGeom prst="rect">
@@ -15303,7 +19632,7 @@
           <a:p>
             <a:fld id="{CCF3E294-EB10-834B-8B5B-5C78A6A1F52A}" type="slidenum">
               <a:rPr lang="en-JP"/>
-              <a:t>17</a:t>
+              <a:t>19</a:t>
             </a:fld>
             <a:endParaRPr lang="en-JP"/>
           </a:p>
@@ -15766,7 +20095,7 @@
             </a:pPr>
             <a:r>
               <a:rPr lang="en-JP" sz="2400"/>
-              <a:t>step1のレクトリニアが配置可能か判断．</a:t>
+              <a:t>step1で考えた図形が，配置可能か判断．</a:t>
             </a:r>
           </a:p>
           <a:p>
@@ -15830,7 +20159,7 @@
         </p:nvSpPr>
         <p:spPr>
           <a:xfrm>
-            <a:off x="2164007" y="2771850"/>
+            <a:off x="2164007" y="2719895"/>
             <a:ext cx="355305" cy="603722"/>
           </a:xfrm>
           <a:prstGeom prst="rect">
@@ -15884,7 +20213,7 @@
         </p:nvCxnSpPr>
         <p:spPr>
           <a:xfrm flipH="1">
-            <a:off x="1378530" y="3488489"/>
+            <a:off x="1378530" y="3426143"/>
             <a:ext cx="443296" cy="522132"/>
           </a:xfrm>
           <a:prstGeom prst="straightConnector1">
@@ -15926,7 +20255,7 @@
         </p:nvSpPr>
         <p:spPr>
           <a:xfrm>
-            <a:off x="2363613" y="2820560"/>
+            <a:off x="2363613" y="2768605"/>
             <a:ext cx="134896" cy="139216"/>
           </a:xfrm>
           <a:prstGeom prst="ellipse">
@@ -15975,7 +20304,7 @@
         </p:nvSpPr>
         <p:spPr>
           <a:xfrm>
-            <a:off x="1185760" y="4488148"/>
+            <a:off x="1185760" y="4425802"/>
             <a:ext cx="282291" cy="487648"/>
           </a:xfrm>
           <a:prstGeom prst="rect">
@@ -16027,7 +20356,7 @@
         </p:nvSpPr>
         <p:spPr>
           <a:xfrm rot="5400000">
-            <a:off x="1023734" y="4018640"/>
+            <a:off x="1023734" y="3956294"/>
             <a:ext cx="361921" cy="587806"/>
           </a:xfrm>
           <a:prstGeom prst="rect">
@@ -16077,7 +20406,7 @@
         </p:nvSpPr>
         <p:spPr>
           <a:xfrm rot="10800000">
-            <a:off x="910867" y="4131582"/>
+            <a:off x="910867" y="4069236"/>
             <a:ext cx="587804" cy="879135"/>
           </a:xfrm>
           <a:prstGeom prst="corner">
@@ -16133,7 +20462,7 @@
         </p:nvSpPr>
         <p:spPr>
           <a:xfrm>
-            <a:off x="1348731" y="4555073"/>
+            <a:off x="1348731" y="4492727"/>
             <a:ext cx="119320" cy="126223"/>
           </a:xfrm>
           <a:prstGeom prst="ellipse">
@@ -16184,7 +20513,7 @@
         </p:nvCxnSpPr>
         <p:spPr>
           <a:xfrm>
-            <a:off x="2363613" y="3538157"/>
+            <a:off x="2363613" y="3475811"/>
             <a:ext cx="0" cy="552722"/>
           </a:xfrm>
           <a:prstGeom prst="straightConnector1">
@@ -16228,7 +20557,7 @@
         </p:nvCxnSpPr>
         <p:spPr>
           <a:xfrm>
-            <a:off x="2860042" y="3491779"/>
+            <a:off x="2860042" y="3429433"/>
             <a:ext cx="416699" cy="521726"/>
           </a:xfrm>
           <a:prstGeom prst="straightConnector1">
@@ -16270,7 +20599,7 @@
         </p:nvSpPr>
         <p:spPr>
           <a:xfrm>
-            <a:off x="3290736" y="4141968"/>
+            <a:off x="3290736" y="4079622"/>
             <a:ext cx="470469" cy="692360"/>
           </a:xfrm>
           <a:prstGeom prst="rect">
@@ -16323,7 +20652,7 @@
         </p:nvSpPr>
         <p:spPr>
           <a:xfrm>
-            <a:off x="3377305" y="4233268"/>
+            <a:off x="3377305" y="4170922"/>
             <a:ext cx="297333" cy="520471"/>
           </a:xfrm>
           <a:prstGeom prst="rect">
@@ -16375,7 +20704,7 @@
         </p:nvSpPr>
         <p:spPr>
           <a:xfrm>
-            <a:off x="3508649" y="4275655"/>
+            <a:off x="3508649" y="4213309"/>
             <a:ext cx="125999" cy="127531"/>
           </a:xfrm>
           <a:prstGeom prst="ellipse">
@@ -16424,7 +20753,7 @@
         </p:nvSpPr>
         <p:spPr>
           <a:xfrm>
-            <a:off x="2286515" y="4372376"/>
+            <a:off x="2286515" y="4310030"/>
             <a:ext cx="133215" cy="131857"/>
           </a:xfrm>
           <a:prstGeom prst="ellipse">
@@ -16473,7 +20802,7 @@
         </p:nvSpPr>
         <p:spPr>
           <a:xfrm>
-            <a:off x="1377053" y="3298128"/>
+            <a:off x="1377053" y="3235782"/>
             <a:ext cx="228214" cy="369332"/>
           </a:xfrm>
           <a:prstGeom prst="rect">
@@ -16508,7 +20837,7 @@
         </p:nvSpPr>
         <p:spPr>
           <a:xfrm>
-            <a:off x="2427135" y="3641289"/>
+            <a:off x="2427135" y="3578943"/>
             <a:ext cx="268427" cy="369332"/>
           </a:xfrm>
           <a:prstGeom prst="rect">
@@ -16543,7 +20872,7 @@
         </p:nvSpPr>
         <p:spPr>
           <a:xfrm>
-            <a:off x="3033523" y="3367171"/>
+            <a:off x="3033523" y="3304825"/>
             <a:ext cx="303020" cy="369332"/>
           </a:xfrm>
           <a:prstGeom prst="rect">
@@ -17431,7 +21760,7 @@
         </p:nvSpPr>
         <p:spPr>
           <a:xfrm>
-            <a:off x="2507213" y="2899718"/>
+            <a:off x="2507213" y="2847763"/>
             <a:ext cx="415498" cy="369332"/>
           </a:xfrm>
           <a:prstGeom prst="rect">
@@ -17465,7 +21794,183 @@
 </p:sld>
 </file>
 
-<file path=ppt/slides/slide18.xml><?xml version="1.0" encoding="utf-8"?>
+<file path=ppt/slides/slide2.xml><?xml version="1.0" encoding="utf-8"?>
+<p:sld xmlns:a="http://schemas.openxmlformats.org/drawingml/2006/main" xmlns:r="http://schemas.openxmlformats.org/officeDocument/2006/relationships" xmlns:p="http://schemas.openxmlformats.org/presentationml/2006/main">
+  <p:cSld>
+    <p:spTree>
+      <p:nvGrpSpPr>
+        <p:cNvPr id="1" name=""/>
+        <p:cNvGrpSpPr/>
+        <p:nvPr/>
+      </p:nvGrpSpPr>
+      <p:grpSpPr>
+        <a:xfrm>
+          <a:off x="0" y="0"/>
+          <a:ext cx="0" cy="0"/>
+          <a:chOff x="0" y="0"/>
+          <a:chExt cx="0" cy="0"/>
+        </a:xfrm>
+      </p:grpSpPr>
+      <p:sp>
+        <p:nvSpPr>
+          <p:cNvPr id="2" name="Title 1">
+            <a:extLst>
+              <a:ext uri="{FF2B5EF4-FFF2-40B4-BE49-F238E27FC236}">
+                <a16:creationId xmlns:a16="http://schemas.microsoft.com/office/drawing/2014/main" id="{A79B9A0E-02AC-444D-88A9-509D987C3339}"/>
+              </a:ext>
+            </a:extLst>
+          </p:cNvPr>
+          <p:cNvSpPr>
+            <a:spLocks noGrp="1"/>
+          </p:cNvSpPr>
+          <p:nvPr>
+            <p:ph type="title"/>
+          </p:nvPr>
+        </p:nvSpPr>
+        <p:spPr/>
+        <p:txBody>
+          <a:bodyPr/>
+          <a:lstStyle/>
+          <a:p>
+            <a:r>
+              <a:rPr lang="en-JP"/>
+              <a:t>目次</a:t>
+            </a:r>
+          </a:p>
+        </p:txBody>
+      </p:sp>
+      <p:sp>
+        <p:nvSpPr>
+          <p:cNvPr id="3" name="Content Placeholder 2">
+            <a:extLst>
+              <a:ext uri="{FF2B5EF4-FFF2-40B4-BE49-F238E27FC236}">
+                <a16:creationId xmlns:a16="http://schemas.microsoft.com/office/drawing/2014/main" id="{B94F1238-896F-F84C-A1A4-BE8D534EB87B}"/>
+              </a:ext>
+            </a:extLst>
+          </p:cNvPr>
+          <p:cNvSpPr>
+            <a:spLocks noGrp="1"/>
+          </p:cNvSpPr>
+          <p:nvPr>
+            <p:ph idx="1"/>
+          </p:nvPr>
+        </p:nvSpPr>
+        <p:spPr/>
+        <p:txBody>
+          <a:bodyPr>
+            <a:normAutofit/>
+          </a:bodyPr>
+          <a:lstStyle/>
+          <a:p>
+            <a:pPr marL="514350" indent="-514350">
+              <a:lnSpc>
+                <a:spcPct val="150000"/>
+              </a:lnSpc>
+              <a:buFont typeface="+mj-lt"/>
+              <a:buAutoNum type="arabicPeriod"/>
+            </a:pPr>
+            <a:r>
+              <a:rPr lang="en-JP"/>
+              <a:t>研究背景</a:t>
+            </a:r>
+          </a:p>
+          <a:p>
+            <a:pPr marL="514350" indent="-514350">
+              <a:lnSpc>
+                <a:spcPct val="150000"/>
+              </a:lnSpc>
+              <a:buFont typeface="+mj-lt"/>
+              <a:buAutoNum type="arabicPeriod"/>
+            </a:pPr>
+            <a:r>
+              <a:rPr lang="en-JP"/>
+              <a:t>問題定義</a:t>
+            </a:r>
+          </a:p>
+          <a:p>
+            <a:pPr marL="514350" indent="-514350">
+              <a:lnSpc>
+                <a:spcPct val="150000"/>
+              </a:lnSpc>
+              <a:buFont typeface="+mj-lt"/>
+              <a:buAutoNum type="arabicPeriod"/>
+            </a:pPr>
+            <a:r>
+              <a:rPr lang="en-JP"/>
+              <a:t>提案手法</a:t>
+            </a:r>
+          </a:p>
+          <a:p>
+            <a:pPr marL="514350" indent="-514350">
+              <a:lnSpc>
+                <a:spcPct val="150000"/>
+              </a:lnSpc>
+              <a:buFont typeface="+mj-lt"/>
+              <a:buAutoNum type="arabicPeriod"/>
+            </a:pPr>
+            <a:r>
+              <a:rPr lang="en-JP"/>
+              <a:t>結果</a:t>
+            </a:r>
+          </a:p>
+          <a:p>
+            <a:pPr marL="514350" indent="-514350">
+              <a:lnSpc>
+                <a:spcPct val="150000"/>
+              </a:lnSpc>
+              <a:buFont typeface="+mj-lt"/>
+              <a:buAutoNum type="arabicPeriod"/>
+            </a:pPr>
+            <a:r>
+              <a:rPr lang="en-JP"/>
+              <a:t>まとめ</a:t>
+            </a:r>
+          </a:p>
+        </p:txBody>
+      </p:sp>
+      <p:sp>
+        <p:nvSpPr>
+          <p:cNvPr id="4" name="Slide Number Placeholder 3">
+            <a:extLst>
+              <a:ext uri="{FF2B5EF4-FFF2-40B4-BE49-F238E27FC236}">
+                <a16:creationId xmlns:a16="http://schemas.microsoft.com/office/drawing/2014/main" id="{0E16DC64-D41E-4048-97FE-E8AA7C3BF29B}"/>
+              </a:ext>
+            </a:extLst>
+          </p:cNvPr>
+          <p:cNvSpPr>
+            <a:spLocks noGrp="1"/>
+          </p:cNvSpPr>
+          <p:nvPr>
+            <p:ph type="sldNum" sz="quarter" idx="12"/>
+          </p:nvPr>
+        </p:nvSpPr>
+        <p:spPr/>
+        <p:txBody>
+          <a:bodyPr/>
+          <a:lstStyle/>
+          <a:p>
+            <a:fld id="{CCF3E294-EB10-834B-8B5B-5C78A6A1F52A}" type="slidenum">
+              <a:rPr lang="en-JP"/>
+              <a:t>2</a:t>
+            </a:fld>
+            <a:endParaRPr lang="en-JP"/>
+          </a:p>
+        </p:txBody>
+      </p:sp>
+    </p:spTree>
+    <p:extLst>
+      <p:ext uri="{BB962C8B-B14F-4D97-AF65-F5344CB8AC3E}">
+        <p14:creationId xmlns:p14="http://schemas.microsoft.com/office/powerpoint/2010/main" val="851379105"/>
+      </p:ext>
+    </p:extLst>
+  </p:cSld>
+  <p:clrMapOvr>
+    <a:masterClrMapping/>
+  </p:clrMapOvr>
+</p:sld>
+</file>
+
+<file path=ppt/slides/slide20.xml><?xml version="1.0" encoding="utf-8"?>
 <p:sld xmlns:a="http://schemas.openxmlformats.org/drawingml/2006/main" xmlns:r="http://schemas.openxmlformats.org/officeDocument/2006/relationships" xmlns:p="http://schemas.openxmlformats.org/presentationml/2006/main">
   <p:cSld>
     <p:spTree>
@@ -17759,7 +22264,7 @@
           <a:p>
             <a:fld id="{CCF3E294-EB10-834B-8B5B-5C78A6A1F52A}" type="slidenum">
               <a:rPr lang="en-JP"/>
-              <a:t>18</a:t>
+              <a:t>20</a:t>
             </a:fld>
             <a:endParaRPr lang="en-JP"/>
           </a:p>
@@ -18095,13 +22600,16 @@
           <a:lstStyle/>
           <a:p>
             <a:pPr algn="ctr"/>
-            <a:endParaRPr lang="en-JP" sz="4000">
-              <a:solidFill>
-                <a:schemeClr val="tx1">
-                  <a:alpha val="99000"/>
-                </a:schemeClr>
-              </a:solidFill>
-            </a:endParaRPr>
+            <a:r>
+              <a:rPr lang="en-JP" sz="2400">
+                <a:solidFill>
+                  <a:schemeClr val="tx1">
+                    <a:alpha val="99000"/>
+                  </a:schemeClr>
+                </a:solidFill>
+              </a:rPr>
+              <a:t>d</a:t>
+            </a:r>
           </a:p>
         </p:txBody>
       </p:sp>
@@ -18400,13 +22908,16 @@
           <a:lstStyle/>
           <a:p>
             <a:pPr algn="ctr"/>
-            <a:endParaRPr lang="en-JP" sz="4000">
-              <a:solidFill>
-                <a:schemeClr val="tx1">
-                  <a:alpha val="99000"/>
-                </a:schemeClr>
-              </a:solidFill>
-            </a:endParaRPr>
+            <a:r>
+              <a:rPr lang="en-JP" sz="2400">
+                <a:solidFill>
+                  <a:schemeClr val="tx1">
+                    <a:alpha val="99000"/>
+                  </a:schemeClr>
+                </a:solidFill>
+              </a:rPr>
+              <a:t>d</a:t>
+            </a:r>
           </a:p>
         </p:txBody>
       </p:sp>
@@ -19101,7 +23612,7 @@
 </p:sld>
 </file>
 
-<file path=ppt/slides/slide19.xml><?xml version="1.0" encoding="utf-8"?>
+<file path=ppt/slides/slide21.xml><?xml version="1.0" encoding="utf-8"?>
 <p:sld xmlns:a="http://schemas.openxmlformats.org/drawingml/2006/main" xmlns:r="http://schemas.openxmlformats.org/officeDocument/2006/relationships" xmlns:p="http://schemas.openxmlformats.org/presentationml/2006/main">
   <p:cSld>
     <p:spTree>
@@ -19239,7 +23750,7 @@
           <a:p>
             <a:fld id="{CCF3E294-EB10-834B-8B5B-5C78A6A1F52A}" type="slidenum">
               <a:rPr lang="en-JP"/>
-              <a:t>19</a:t>
+              <a:t>21</a:t>
             </a:fld>
             <a:endParaRPr lang="en-JP"/>
           </a:p>
@@ -19627,7 +24138,7 @@
                 </a14:m>
                 <a:r>
                   <a:rPr lang="en-JP" sz="2400"/>
-                  <a:t>を満たす</a:t>
+                  <a:t>を満たすグループ</a:t>
                 </a:r>
                 <a:r>
                   <a:rPr lang="en-US" sz="2400"/>
@@ -20745,183 +25256,7 @@
 </p:sld>
 </file>
 
-<file path=ppt/slides/slide2.xml><?xml version="1.0" encoding="utf-8"?>
-<p:sld xmlns:a="http://schemas.openxmlformats.org/drawingml/2006/main" xmlns:r="http://schemas.openxmlformats.org/officeDocument/2006/relationships" xmlns:p="http://schemas.openxmlformats.org/presentationml/2006/main">
-  <p:cSld>
-    <p:spTree>
-      <p:nvGrpSpPr>
-        <p:cNvPr id="1" name=""/>
-        <p:cNvGrpSpPr/>
-        <p:nvPr/>
-      </p:nvGrpSpPr>
-      <p:grpSpPr>
-        <a:xfrm>
-          <a:off x="0" y="0"/>
-          <a:ext cx="0" cy="0"/>
-          <a:chOff x="0" y="0"/>
-          <a:chExt cx="0" cy="0"/>
-        </a:xfrm>
-      </p:grpSpPr>
-      <p:sp>
-        <p:nvSpPr>
-          <p:cNvPr id="2" name="Title 1">
-            <a:extLst>
-              <a:ext uri="{FF2B5EF4-FFF2-40B4-BE49-F238E27FC236}">
-                <a16:creationId xmlns:a16="http://schemas.microsoft.com/office/drawing/2014/main" id="{A79B9A0E-02AC-444D-88A9-509D987C3339}"/>
-              </a:ext>
-            </a:extLst>
-          </p:cNvPr>
-          <p:cNvSpPr>
-            <a:spLocks noGrp="1"/>
-          </p:cNvSpPr>
-          <p:nvPr>
-            <p:ph type="title"/>
-          </p:nvPr>
-        </p:nvSpPr>
-        <p:spPr/>
-        <p:txBody>
-          <a:bodyPr/>
-          <a:lstStyle/>
-          <a:p>
-            <a:r>
-              <a:rPr lang="en-JP"/>
-              <a:t>目次</a:t>
-            </a:r>
-          </a:p>
-        </p:txBody>
-      </p:sp>
-      <p:sp>
-        <p:nvSpPr>
-          <p:cNvPr id="3" name="Content Placeholder 2">
-            <a:extLst>
-              <a:ext uri="{FF2B5EF4-FFF2-40B4-BE49-F238E27FC236}">
-                <a16:creationId xmlns:a16="http://schemas.microsoft.com/office/drawing/2014/main" id="{B94F1238-896F-F84C-A1A4-BE8D534EB87B}"/>
-              </a:ext>
-            </a:extLst>
-          </p:cNvPr>
-          <p:cNvSpPr>
-            <a:spLocks noGrp="1"/>
-          </p:cNvSpPr>
-          <p:nvPr>
-            <p:ph idx="1"/>
-          </p:nvPr>
-        </p:nvSpPr>
-        <p:spPr/>
-        <p:txBody>
-          <a:bodyPr>
-            <a:normAutofit/>
-          </a:bodyPr>
-          <a:lstStyle/>
-          <a:p>
-            <a:pPr marL="514350" indent="-514350">
-              <a:lnSpc>
-                <a:spcPct val="150000"/>
-              </a:lnSpc>
-              <a:buFont typeface="+mj-lt"/>
-              <a:buAutoNum type="arabicPeriod"/>
-            </a:pPr>
-            <a:r>
-              <a:rPr lang="en-JP"/>
-              <a:t>研究背景</a:t>
-            </a:r>
-          </a:p>
-          <a:p>
-            <a:pPr marL="514350" indent="-514350">
-              <a:lnSpc>
-                <a:spcPct val="150000"/>
-              </a:lnSpc>
-              <a:buFont typeface="+mj-lt"/>
-              <a:buAutoNum type="arabicPeriod"/>
-            </a:pPr>
-            <a:r>
-              <a:rPr lang="en-JP"/>
-              <a:t>問題定義</a:t>
-            </a:r>
-          </a:p>
-          <a:p>
-            <a:pPr marL="514350" indent="-514350">
-              <a:lnSpc>
-                <a:spcPct val="150000"/>
-              </a:lnSpc>
-              <a:buFont typeface="+mj-lt"/>
-              <a:buAutoNum type="arabicPeriod"/>
-            </a:pPr>
-            <a:r>
-              <a:rPr lang="en-JP"/>
-              <a:t>提案手法</a:t>
-            </a:r>
-          </a:p>
-          <a:p>
-            <a:pPr marL="514350" indent="-514350">
-              <a:lnSpc>
-                <a:spcPct val="150000"/>
-              </a:lnSpc>
-              <a:buFont typeface="+mj-lt"/>
-              <a:buAutoNum type="arabicPeriod"/>
-            </a:pPr>
-            <a:r>
-              <a:rPr lang="en-JP"/>
-              <a:t>結果</a:t>
-            </a:r>
-          </a:p>
-          <a:p>
-            <a:pPr marL="514350" indent="-514350">
-              <a:lnSpc>
-                <a:spcPct val="150000"/>
-              </a:lnSpc>
-              <a:buFont typeface="+mj-lt"/>
-              <a:buAutoNum type="arabicPeriod"/>
-            </a:pPr>
-            <a:r>
-              <a:rPr lang="en-JP"/>
-              <a:t>まとめ</a:t>
-            </a:r>
-          </a:p>
-        </p:txBody>
-      </p:sp>
-      <p:sp>
-        <p:nvSpPr>
-          <p:cNvPr id="4" name="Slide Number Placeholder 3">
-            <a:extLst>
-              <a:ext uri="{FF2B5EF4-FFF2-40B4-BE49-F238E27FC236}">
-                <a16:creationId xmlns:a16="http://schemas.microsoft.com/office/drawing/2014/main" id="{0E16DC64-D41E-4048-97FE-E8AA7C3BF29B}"/>
-              </a:ext>
-            </a:extLst>
-          </p:cNvPr>
-          <p:cNvSpPr>
-            <a:spLocks noGrp="1"/>
-          </p:cNvSpPr>
-          <p:nvPr>
-            <p:ph type="sldNum" sz="quarter" idx="12"/>
-          </p:nvPr>
-        </p:nvSpPr>
-        <p:spPr/>
-        <p:txBody>
-          <a:bodyPr/>
-          <a:lstStyle/>
-          <a:p>
-            <a:fld id="{CCF3E294-EB10-834B-8B5B-5C78A6A1F52A}" type="slidenum">
-              <a:rPr lang="en-JP"/>
-              <a:t>2</a:t>
-            </a:fld>
-            <a:endParaRPr lang="en-JP"/>
-          </a:p>
-        </p:txBody>
-      </p:sp>
-    </p:spTree>
-    <p:extLst>
-      <p:ext uri="{BB962C8B-B14F-4D97-AF65-F5344CB8AC3E}">
-        <p14:creationId xmlns:p14="http://schemas.microsoft.com/office/powerpoint/2010/main" val="851379105"/>
-      </p:ext>
-    </p:extLst>
-  </p:cSld>
-  <p:clrMapOvr>
-    <a:masterClrMapping/>
-  </p:clrMapOvr>
-</p:sld>
-</file>
-
-<file path=ppt/slides/slide20.xml><?xml version="1.0" encoding="utf-8"?>
+<file path=ppt/slides/slide22.xml><?xml version="1.0" encoding="utf-8"?>
 <p:sld xmlns:a="http://schemas.openxmlformats.org/drawingml/2006/main" xmlns:r="http://schemas.openxmlformats.org/officeDocument/2006/relationships" xmlns:p="http://schemas.openxmlformats.org/presentationml/2006/main">
   <p:cSld>
     <p:spTree>
@@ -21083,7 +25418,7 @@
           <a:p>
             <a:fld id="{CCF3E294-EB10-834B-8B5B-5C78A6A1F52A}" type="slidenum">
               <a:rPr lang="en-JP"/>
-              <a:t>20</a:t>
+              <a:t>22</a:t>
             </a:fld>
             <a:endParaRPr lang="en-JP"/>
           </a:p>
@@ -21102,7 +25437,7 @@
 </p:sld>
 </file>
 
-<file path=ppt/slides/slide21.xml><?xml version="1.0" encoding="utf-8"?>
+<file path=ppt/slides/slide23.xml><?xml version="1.0" encoding="utf-8"?>
 <p:sld xmlns:a="http://schemas.openxmlformats.org/drawingml/2006/main" xmlns:r="http://schemas.openxmlformats.org/officeDocument/2006/relationships" xmlns:p="http://schemas.openxmlformats.org/presentationml/2006/main">
   <p:cSld>
     <p:spTree>
@@ -21191,7 +25526,19 @@
                   </a:lnSpc>
                   <a:buNone/>
                 </a:pPr>
-                <a:endParaRPr lang="en-JP" sz="2600"/>
+                <a:r>
+                  <a:rPr lang="en-JP" sz="2400"/>
+                  <a:t>ソルバー: Gurobi Optimizer (ver. 9.5)</a:t>
+                </a:r>
+              </a:p>
+              <a:p>
+                <a:pPr marL="0" indent="0">
+                  <a:lnSpc>
+                    <a:spcPct val="100000"/>
+                  </a:lnSpc>
+                  <a:buNone/>
+                </a:pPr>
+                <a:endParaRPr lang="en-JP" sz="2400"/>
               </a:p>
               <a:p>
                 <a:pPr marL="0" indent="0">
@@ -21214,7 +25561,7 @@
                 </a:pPr>
                 <a:r>
                   <a:rPr lang="en-JP" sz="2600"/>
-                  <a:t>計算実験を行い，以下の4つの結果を比較した．</a:t>
+                  <a:t>以下の4つの結果を比較した．</a:t>
                 </a:r>
               </a:p>
               <a:p>
@@ -21445,7 +25792,7 @@
           <a:p>
             <a:fld id="{CCF3E294-EB10-834B-8B5B-5C78A6A1F52A}" type="slidenum">
               <a:rPr lang="en-JP"/>
-              <a:t>21</a:t>
+              <a:t>23</a:t>
             </a:fld>
             <a:endParaRPr lang="en-JP"/>
           </a:p>
@@ -21464,7 +25811,7 @@
 </p:sld>
 </file>
 
-<file path=ppt/slides/slide22.xml><?xml version="1.0" encoding="utf-8"?>
+<file path=ppt/slides/slide24.xml><?xml version="1.0" encoding="utf-8"?>
 <p:sld xmlns:a="http://schemas.openxmlformats.org/drawingml/2006/main" xmlns:r="http://schemas.openxmlformats.org/officeDocument/2006/relationships" xmlns:p="http://schemas.openxmlformats.org/presentationml/2006/main">
   <p:cSld>
     <p:spTree>
@@ -21537,7 +25884,7 @@
           <a:p>
             <a:fld id="{CCF3E294-EB10-834B-8B5B-5C78A6A1F52A}" type="slidenum">
               <a:rPr lang="en-JP"/>
-              <a:t>22</a:t>
+              <a:t>24</a:t>
             </a:fld>
             <a:endParaRPr lang="en-JP"/>
           </a:p>
@@ -25218,7 +29565,7 @@
 </p:sld>
 </file>
 
-<file path=ppt/slides/slide23.xml><?xml version="1.0" encoding="utf-8"?>
+<file path=ppt/slides/slide25.xml><?xml version="1.0" encoding="utf-8"?>
 <p:sld xmlns:a="http://schemas.openxmlformats.org/drawingml/2006/main" xmlns:r="http://schemas.openxmlformats.org/officeDocument/2006/relationships" xmlns:p="http://schemas.openxmlformats.org/presentationml/2006/main">
   <p:cSld>
     <p:spTree>
@@ -25286,7 +29633,7 @@
           <a:p>
             <a:fld id="{CCF3E294-EB10-834B-8B5B-5C78A6A1F52A}" type="slidenum">
               <a:rPr lang="en-JP"/>
-              <a:t>23</a:t>
+              <a:t>25</a:t>
             </a:fld>
             <a:endParaRPr lang="en-JP"/>
           </a:p>
@@ -25552,7 +29899,7 @@
 </p:sld>
 </file>
 
-<file path=ppt/slides/slide24.xml><?xml version="1.0" encoding="utf-8"?>
+<file path=ppt/slides/slide26.xml><?xml version="1.0" encoding="utf-8"?>
 <p:sld xmlns:a="http://schemas.openxmlformats.org/drawingml/2006/main" xmlns:r="http://schemas.openxmlformats.org/officeDocument/2006/relationships" xmlns:p="http://schemas.openxmlformats.org/presentationml/2006/main">
   <p:cSld>
     <p:spTree>
@@ -25714,7 +30061,7 @@
           <a:p>
             <a:fld id="{CCF3E294-EB10-834B-8B5B-5C78A6A1F52A}" type="slidenum">
               <a:rPr lang="en-JP"/>
-              <a:t>24</a:t>
+              <a:t>26</a:t>
             </a:fld>
             <a:endParaRPr lang="en-JP"/>
           </a:p>
@@ -25733,7 +30080,7 @@
 </p:sld>
 </file>
 
-<file path=ppt/slides/slide25.xml><?xml version="1.0" encoding="utf-8"?>
+<file path=ppt/slides/slide27.xml><?xml version="1.0" encoding="utf-8"?>
 <p:sld xmlns:a="http://schemas.openxmlformats.org/drawingml/2006/main" xmlns:r="http://schemas.openxmlformats.org/officeDocument/2006/relationships" xmlns:p="http://schemas.openxmlformats.org/presentationml/2006/main">
   <p:cSld>
     <p:spTree>
@@ -25922,7 +30269,7 @@
           <a:p>
             <a:fld id="{CCF3E294-EB10-834B-8B5B-5C78A6A1F52A}" type="slidenum">
               <a:rPr lang="en-JP"/>
-              <a:t>25</a:t>
+              <a:t>27</a:t>
             </a:fld>
             <a:endParaRPr lang="en-JP"/>
           </a:p>
@@ -26884,7 +31231,7 @@
         <p:spPr>
           <a:xfrm>
             <a:off x="897467" y="1799600"/>
-            <a:ext cx="3488263" cy="1968169"/>
+            <a:ext cx="3488263" cy="2477003"/>
           </a:xfrm>
         </p:spPr>
         <p:txBody>
@@ -26895,7 +31242,7 @@
           <a:p>
             <a:pPr marL="0" indent="0">
               <a:lnSpc>
-                <a:spcPct val="100000"/>
+                <a:spcPct val="110000"/>
               </a:lnSpc>
               <a:buNone/>
             </a:pPr>
@@ -26905,14 +31252,33 @@
             </a:r>
           </a:p>
           <a:p>
-            <a:pPr lvl="1"/>
+            <a:pPr lvl="1">
+              <a:lnSpc>
+                <a:spcPct val="100000"/>
+              </a:lnSpc>
+            </a:pPr>
+            <a:r>
+              <a:rPr lang="en-JP"/>
+              <a:t>車種</a:t>
+            </a:r>
+          </a:p>
+          <a:p>
+            <a:pPr lvl="1">
+              <a:lnSpc>
+                <a:spcPct val="100000"/>
+              </a:lnSpc>
+            </a:pPr>
             <a:r>
               <a:rPr lang="en-JP"/>
               <a:t>大きさ</a:t>
             </a:r>
           </a:p>
           <a:p>
-            <a:pPr lvl="1"/>
+            <a:pPr lvl="1">
+              <a:lnSpc>
+                <a:spcPct val="100000"/>
+              </a:lnSpc>
+            </a:pPr>
             <a:r>
               <a:rPr lang="en-JP"/>
               <a:t>積み下ろし港</a:t>
@@ -26920,6 +31286,9 @@
           </a:p>
           <a:p>
             <a:pPr marL="457200" lvl="1" indent="0">
+              <a:lnSpc>
+                <a:spcPct val="100000"/>
+              </a:lnSpc>
               <a:buNone/>
             </a:pPr>
             <a:r>
@@ -28172,10 +32541,14 @@
                 </a14:m>
                 <a:r>
                   <a:rPr lang="en-JP" sz="2400"/>
-                  <a:t>長方形」と考えることで，</a:t>
+                  <a:t>詰め込む長方形」</a:t>
                 </a:r>
               </a:p>
               <a:p>
+                <a:r>
+                  <a:rPr lang="en-JP" sz="2400"/>
+                  <a:t>と考えることで，</a:t>
+                </a:r>
                 <a:r>
                   <a:rPr lang="en-JP" sz="2400" b="1"/>
                   <a:t>長方形詰込み問題</a:t>
@@ -28212,7 +32585,7 @@
                 <a:avLst/>
               </a:prstGeom>
               <a:blipFill>
-                <a:blip r:embed="rId2"/>
+                <a:blip r:embed="rId3"/>
                 <a:stretch>
                   <a:fillRect l="-986" t="-9091" b="-13636"/>
                 </a:stretch>
@@ -29347,7 +33720,7 @@
                 <a:avLst/>
               </a:prstGeom>
               <a:blipFill>
-                <a:blip r:embed="rId3"/>
+                <a:blip r:embed="rId4"/>
                 <a:stretch>
                   <a:fillRect l="-1035" t="-6098" b="-9756"/>
                 </a:stretch>
@@ -30557,7 +34930,7 @@
             <a:gsLst>
               <a:gs pos="0">
                 <a:schemeClr val="bg1">
-                  <a:lumMod val="75000"/>
+                  <a:lumMod val="85000"/>
                 </a:schemeClr>
               </a:gs>
               <a:gs pos="52000">

--- a/卒論発表用スライド.pptx
+++ b/卒論発表用スライド.pptx
@@ -5,7 +5,7 @@
     <p:sldMasterId id="2147483648" r:id="rId1"/>
   </p:sldMasterIdLst>
   <p:notesMasterIdLst>
-    <p:notesMasterId r:id="rId29"/>
+    <p:notesMasterId r:id="rId28"/>
   </p:notesMasterIdLst>
   <p:sldIdLst>
     <p:sldId id="256" r:id="rId2"/>
@@ -16,25 +16,24 @@
     <p:sldId id="298" r:id="rId7"/>
     <p:sldId id="336" r:id="rId8"/>
     <p:sldId id="266" r:id="rId9"/>
-    <p:sldId id="341" r:id="rId10"/>
-    <p:sldId id="343" r:id="rId11"/>
-    <p:sldId id="330" r:id="rId12"/>
-    <p:sldId id="331" r:id="rId13"/>
-    <p:sldId id="342" r:id="rId14"/>
-    <p:sldId id="302" r:id="rId15"/>
-    <p:sldId id="268" r:id="rId16"/>
-    <p:sldId id="337" r:id="rId17"/>
-    <p:sldId id="325" r:id="rId18"/>
-    <p:sldId id="321" r:id="rId19"/>
-    <p:sldId id="339" r:id="rId20"/>
-    <p:sldId id="340" r:id="rId21"/>
-    <p:sldId id="310" r:id="rId22"/>
-    <p:sldId id="303" r:id="rId23"/>
-    <p:sldId id="313" r:id="rId24"/>
-    <p:sldId id="335" r:id="rId25"/>
-    <p:sldId id="334" r:id="rId26"/>
-    <p:sldId id="305" r:id="rId27"/>
-    <p:sldId id="278" r:id="rId28"/>
+    <p:sldId id="343" r:id="rId10"/>
+    <p:sldId id="330" r:id="rId11"/>
+    <p:sldId id="331" r:id="rId12"/>
+    <p:sldId id="344" r:id="rId13"/>
+    <p:sldId id="302" r:id="rId14"/>
+    <p:sldId id="268" r:id="rId15"/>
+    <p:sldId id="337" r:id="rId16"/>
+    <p:sldId id="325" r:id="rId17"/>
+    <p:sldId id="321" r:id="rId18"/>
+    <p:sldId id="339" r:id="rId19"/>
+    <p:sldId id="340" r:id="rId20"/>
+    <p:sldId id="310" r:id="rId21"/>
+    <p:sldId id="303" r:id="rId22"/>
+    <p:sldId id="313" r:id="rId23"/>
+    <p:sldId id="335" r:id="rId24"/>
+    <p:sldId id="334" r:id="rId25"/>
+    <p:sldId id="305" r:id="rId26"/>
+    <p:sldId id="278" r:id="rId27"/>
   </p:sldIdLst>
   <p:sldSz cx="12192000" cy="6858000"/>
   <p:notesSz cx="6858000" cy="9144000"/>
@@ -6377,7 +6376,7 @@
     </p:spTree>
     <p:extLst>
       <p:ext uri="{BB962C8B-B14F-4D97-AF65-F5344CB8AC3E}">
-        <p14:creationId xmlns:p14="http://schemas.microsoft.com/office/powerpoint/2010/main" val="586943539"/>
+        <p14:creationId xmlns:p14="http://schemas.microsoft.com/office/powerpoint/2010/main" val="1962903577"/>
       </p:ext>
     </p:extLst>
   </p:cSld>
@@ -6452,7 +6451,7 @@
           <a:p>
             <a:fld id="{93378112-4ECF-3E4A-BA26-7A2F0AF6FC0B}" type="slidenum">
               <a:rPr lang="en-JP"/>
-              <a:t>10</a:t>
+              <a:t>12</a:t>
             </a:fld>
             <a:endParaRPr lang="en-JP"/>
           </a:p>
@@ -6461,7 +6460,7 @@
     </p:spTree>
     <p:extLst>
       <p:ext uri="{BB962C8B-B14F-4D97-AF65-F5344CB8AC3E}">
-        <p14:creationId xmlns:p14="http://schemas.microsoft.com/office/powerpoint/2010/main" val="1962903577"/>
+        <p14:creationId xmlns:p14="http://schemas.microsoft.com/office/powerpoint/2010/main" val="1302051897"/>
       </p:ext>
     </p:extLst>
   </p:cSld>
@@ -6536,7 +6535,7 @@
           <a:p>
             <a:fld id="{93378112-4ECF-3E4A-BA26-7A2F0AF6FC0B}" type="slidenum">
               <a:rPr lang="en-JP"/>
-              <a:t>16</a:t>
+              <a:t>15</a:t>
             </a:fld>
             <a:endParaRPr lang="en-JP"/>
           </a:p>
@@ -6619,7 +6618,7 @@
           <a:lstStyle/>
           <a:p>
             <a:fld id="{93378112-4ECF-3E4A-BA26-7A2F0AF6FC0B}" type="slidenum">
-              <a:t>17</a:t>
+              <a:t>16</a:t>
             </a:fld>
             <a:endParaRPr lang="en-JP"/>
           </a:p>
@@ -6703,7 +6702,7 @@
           <a:p>
             <a:fld id="{93378112-4ECF-3E4A-BA26-7A2F0AF6FC0B}" type="slidenum">
               <a:rPr lang="en-JP"/>
-              <a:t>19</a:t>
+              <a:t>18</a:t>
             </a:fld>
             <a:endParaRPr lang="en-JP"/>
           </a:p>
@@ -10053,2792 +10052,7 @@
 </file>
 
 <file path=ppt/slides/slide10.xml><?xml version="1.0" encoding="utf-8"?>
-<p:sld xmlns:a="http://schemas.openxmlformats.org/drawingml/2006/main" xmlns:r="http://schemas.openxmlformats.org/officeDocument/2006/relationships" xmlns:p="http://schemas.openxmlformats.org/presentationml/2006/main">
-  <p:cSld>
-    <p:spTree>
-      <p:nvGrpSpPr>
-        <p:cNvPr id="1" name=""/>
-        <p:cNvGrpSpPr/>
-        <p:nvPr/>
-      </p:nvGrpSpPr>
-      <p:grpSpPr>
-        <a:xfrm>
-          <a:off x="0" y="0"/>
-          <a:ext cx="0" cy="0"/>
-          <a:chOff x="0" y="0"/>
-          <a:chExt cx="0" cy="0"/>
-        </a:xfrm>
-      </p:grpSpPr>
-      <p:sp>
-        <p:nvSpPr>
-          <p:cNvPr id="4" name="Slide Number Placeholder 3">
-            <a:extLst>
-              <a:ext uri="{FF2B5EF4-FFF2-40B4-BE49-F238E27FC236}">
-                <a16:creationId xmlns:a16="http://schemas.microsoft.com/office/drawing/2014/main" id="{214994D9-373D-384B-96C1-5FE2154E1FAA}"/>
-              </a:ext>
-            </a:extLst>
-          </p:cNvPr>
-          <p:cNvSpPr>
-            <a:spLocks noGrp="1"/>
-          </p:cNvSpPr>
-          <p:nvPr>
-            <p:ph type="sldNum" sz="quarter" idx="12"/>
-          </p:nvPr>
-        </p:nvSpPr>
-        <p:spPr/>
-        <p:txBody>
-          <a:bodyPr/>
-          <a:lstStyle/>
-          <a:p>
-            <a:fld id="{CCF3E294-EB10-834B-8B5B-5C78A6A1F52A}" type="slidenum">
-              <a:rPr lang="en-JP"/>
-              <a:t>10</a:t>
-            </a:fld>
-            <a:endParaRPr lang="en-JP"/>
-          </a:p>
-        </p:txBody>
-      </p:sp>
-      <mc:AlternateContent xmlns:mc="http://schemas.openxmlformats.org/markup-compatibility/2006">
-        <mc:Choice xmlns:a14="http://schemas.microsoft.com/office/drawing/2010/main" Requires="a14">
-          <p:sp>
-            <p:nvSpPr>
-              <p:cNvPr id="7" name="TextBox 6">
-                <a:extLst>
-                  <a:ext uri="{FF2B5EF4-FFF2-40B4-BE49-F238E27FC236}">
-                    <a16:creationId xmlns:a16="http://schemas.microsoft.com/office/drawing/2014/main" id="{95FF1559-C85D-104A-80A4-73CC608CFECF}"/>
-                  </a:ext>
-                </a:extLst>
-              </p:cNvPr>
-              <p:cNvSpPr txBox="1"/>
-              <p:nvPr/>
-            </p:nvSpPr>
-            <p:spPr>
-              <a:xfrm>
-                <a:off x="798367" y="460297"/>
-                <a:ext cx="10290464" cy="830997"/>
-              </a:xfrm>
-              <a:prstGeom prst="rect">
-                <a:avLst/>
-              </a:prstGeom>
-              <a:noFill/>
-            </p:spPr>
-            <p:txBody>
-              <a:bodyPr wrap="square" rtlCol="0">
-                <a:spAutoFit/>
-              </a:bodyPr>
-              <a:lstStyle/>
-              <a:p>
-                <a:r>
-                  <a:rPr lang="en-JP" sz="2400"/>
-                  <a:t>シミュレーション作業は, 「デッキ</a:t>
-                </a:r>
-                <a14:m>
-                  <m:oMath xmlns:m="http://schemas.openxmlformats.org/officeDocument/2006/math">
-                    <m:r>
-                      <a:rPr lang="en-US" sz="2400" b="0" i="1">
-                        <a:latin typeface="Cambria Math" panose="02040503050406030204" pitchFamily="18" charset="0"/>
-                      </a:rPr>
-                      <m:t>=</m:t>
-                    </m:r>
-                  </m:oMath>
-                </a14:m>
-                <a:r>
-                  <a:rPr lang="en-JP" sz="2400"/>
-                  <a:t>母材, 車</a:t>
-                </a:r>
-                <a14:m>
-                  <m:oMath xmlns:m="http://schemas.openxmlformats.org/officeDocument/2006/math">
-                    <m:r>
-                      <a:rPr lang="en-US" sz="2400" b="0" i="1">
-                        <a:latin typeface="Cambria Math" panose="02040503050406030204" pitchFamily="18" charset="0"/>
-                      </a:rPr>
-                      <m:t>=</m:t>
-                    </m:r>
-                  </m:oMath>
-                </a14:m>
-                <a:r>
-                  <a:rPr lang="en-JP" sz="2400"/>
-                  <a:t>詰め込む長方形」</a:t>
-                </a:r>
-              </a:p>
-              <a:p>
-                <a:r>
-                  <a:rPr lang="en-JP" sz="2400"/>
-                  <a:t>と考えることで，</a:t>
-                </a:r>
-                <a:r>
-                  <a:rPr lang="en-JP" sz="2400" b="1">
-                    <a:solidFill>
-                      <a:srgbClr val="FF0000"/>
-                    </a:solidFill>
-                  </a:rPr>
-                  <a:t>長方形詰込み問題</a:t>
-                </a:r>
-                <a:r>
-                  <a:rPr lang="en-JP" sz="2400"/>
-                  <a:t>として考えることができる．</a:t>
-                </a:r>
-              </a:p>
-            </p:txBody>
-          </p:sp>
-        </mc:Choice>
-        <mc:Fallback>
-          <p:sp>
-            <p:nvSpPr>
-              <p:cNvPr id="7" name="TextBox 6">
-                <a:extLst>
-                  <a:ext uri="{FF2B5EF4-FFF2-40B4-BE49-F238E27FC236}">
-                    <a16:creationId xmlns:a16="http://schemas.microsoft.com/office/drawing/2014/main" id="{95FF1559-C85D-104A-80A4-73CC608CFECF}"/>
-                  </a:ext>
-                </a:extLst>
-              </p:cNvPr>
-              <p:cNvSpPr txBox="1">
-                <a:spLocks noRot="1" noChangeAspect="1" noMove="1" noResize="1" noEditPoints="1" noAdjustHandles="1" noChangeArrowheads="1" noChangeShapeType="1" noTextEdit="1"/>
-              </p:cNvSpPr>
-              <p:nvPr/>
-            </p:nvSpPr>
-            <p:spPr>
-              <a:xfrm>
-                <a:off x="798367" y="460297"/>
-                <a:ext cx="10290464" cy="830997"/>
-              </a:xfrm>
-              <a:prstGeom prst="rect">
-                <a:avLst/>
-              </a:prstGeom>
-              <a:blipFill>
-                <a:blip r:embed="rId3"/>
-                <a:stretch>
-                  <a:fillRect l="-862" t="-9091" b="-13636"/>
-                </a:stretch>
-              </a:blipFill>
-            </p:spPr>
-            <p:txBody>
-              <a:bodyPr/>
-              <a:lstStyle/>
-              <a:p>
-                <a:r>
-                  <a:rPr lang="en-JP">
-                    <a:noFill/>
-                  </a:rPr>
-                  <a:t> </a:t>
-                </a:r>
-              </a:p>
-            </p:txBody>
-          </p:sp>
-        </mc:Fallback>
-      </mc:AlternateContent>
-      <p:sp>
-        <p:nvSpPr>
-          <p:cNvPr id="12" name="AutoShape 16">
-            <a:extLst>
-              <a:ext uri="{FF2B5EF4-FFF2-40B4-BE49-F238E27FC236}">
-                <a16:creationId xmlns:a16="http://schemas.microsoft.com/office/drawing/2014/main" id="{5CE9DA8C-6DA1-B84B-BE99-E2A428084625}"/>
-              </a:ext>
-            </a:extLst>
-          </p:cNvPr>
-          <p:cNvSpPr>
-            <a:spLocks noChangeArrowheads="1"/>
-          </p:cNvSpPr>
-          <p:nvPr/>
-        </p:nvSpPr>
-        <p:spPr bwMode="auto">
-          <a:xfrm>
-            <a:off x="1309255" y="2886884"/>
-            <a:ext cx="3629891" cy="1680346"/>
-          </a:xfrm>
-          <a:prstGeom prst="roundRect">
-            <a:avLst>
-              <a:gd name="adj" fmla="val 16667"/>
-            </a:avLst>
-          </a:prstGeom>
-          <a:solidFill>
-            <a:schemeClr val="accent6">
-              <a:lumMod val="20000"/>
-              <a:lumOff val="80000"/>
-              <a:alpha val="50000"/>
-            </a:schemeClr>
-          </a:solidFill>
-          <a:ln w="38100">
-            <a:noFill/>
-            <a:round/>
-            <a:headEnd/>
-            <a:tailEnd/>
-          </a:ln>
-        </p:spPr>
-        <p:txBody>
-          <a:bodyPr wrap="none" anchor="ctr"/>
-          <a:lstStyle>
-            <a:lvl1pPr>
-              <a:spcBef>
-                <a:spcPct val="20000"/>
-              </a:spcBef>
-              <a:buFont typeface="Arial" panose="020B0604020202020204" pitchFamily="34" charset="0"/>
-              <a:buChar char="•"/>
-              <a:defRPr kumimoji="1" sz="3200">
-                <a:solidFill>
-                  <a:schemeClr val="tx1"/>
-                </a:solidFill>
-                <a:latin typeface="Arial" panose="020B0604020202020204" pitchFamily="34" charset="0"/>
-                <a:ea typeface="ＭＳ Ｐゴシック" panose="020B0600070205080204" pitchFamily="34" charset="-128"/>
-              </a:defRPr>
-            </a:lvl1pPr>
-            <a:lvl2pPr marL="742950" indent="-285750">
-              <a:spcBef>
-                <a:spcPct val="20000"/>
-              </a:spcBef>
-              <a:buFont typeface="Arial" panose="020B0604020202020204" pitchFamily="34" charset="0"/>
-              <a:buChar char="–"/>
-              <a:defRPr kumimoji="1" sz="2800">
-                <a:solidFill>
-                  <a:schemeClr val="tx1"/>
-                </a:solidFill>
-                <a:latin typeface="Arial" panose="020B0604020202020204" pitchFamily="34" charset="0"/>
-                <a:ea typeface="ＭＳ Ｐゴシック" panose="020B0600070205080204" pitchFamily="34" charset="-128"/>
-              </a:defRPr>
-            </a:lvl2pPr>
-            <a:lvl3pPr marL="1143000" indent="-228600">
-              <a:spcBef>
-                <a:spcPct val="20000"/>
-              </a:spcBef>
-              <a:buFont typeface="Arial" panose="020B0604020202020204" pitchFamily="34" charset="0"/>
-              <a:buChar char="•"/>
-              <a:defRPr kumimoji="1" sz="2400">
-                <a:solidFill>
-                  <a:schemeClr val="tx1"/>
-                </a:solidFill>
-                <a:latin typeface="Arial" panose="020B0604020202020204" pitchFamily="34" charset="0"/>
-                <a:ea typeface="ＭＳ Ｐゴシック" panose="020B0600070205080204" pitchFamily="34" charset="-128"/>
-              </a:defRPr>
-            </a:lvl3pPr>
-            <a:lvl4pPr marL="1600200" indent="-228600">
-              <a:spcBef>
-                <a:spcPct val="20000"/>
-              </a:spcBef>
-              <a:buFont typeface="Arial" panose="020B0604020202020204" pitchFamily="34" charset="0"/>
-              <a:buChar char="–"/>
-              <a:defRPr kumimoji="1" sz="2000">
-                <a:solidFill>
-                  <a:schemeClr val="tx1"/>
-                </a:solidFill>
-                <a:latin typeface="Arial" panose="020B0604020202020204" pitchFamily="34" charset="0"/>
-                <a:ea typeface="ＭＳ Ｐゴシック" panose="020B0600070205080204" pitchFamily="34" charset="-128"/>
-              </a:defRPr>
-            </a:lvl4pPr>
-            <a:lvl5pPr marL="2057400" indent="-228600">
-              <a:spcBef>
-                <a:spcPct val="20000"/>
-              </a:spcBef>
-              <a:buFont typeface="Arial" panose="020B0604020202020204" pitchFamily="34" charset="0"/>
-              <a:buChar char="»"/>
-              <a:defRPr kumimoji="1" sz="2000">
-                <a:solidFill>
-                  <a:schemeClr val="tx1"/>
-                </a:solidFill>
-                <a:latin typeface="Arial" panose="020B0604020202020204" pitchFamily="34" charset="0"/>
-                <a:ea typeface="ＭＳ Ｐゴシック" panose="020B0600070205080204" pitchFamily="34" charset="-128"/>
-              </a:defRPr>
-            </a:lvl5pPr>
-            <a:lvl6pPr marL="2514600" indent="-228600" eaLnBrk="0" fontAlgn="base" hangingPunct="0">
-              <a:spcBef>
-                <a:spcPct val="20000"/>
-              </a:spcBef>
-              <a:spcAft>
-                <a:spcPct val="0"/>
-              </a:spcAft>
-              <a:buFont typeface="Arial" panose="020B0604020202020204" pitchFamily="34" charset="0"/>
-              <a:buChar char="»"/>
-              <a:defRPr kumimoji="1" sz="2000">
-                <a:solidFill>
-                  <a:schemeClr val="tx1"/>
-                </a:solidFill>
-                <a:latin typeface="Arial" panose="020B0604020202020204" pitchFamily="34" charset="0"/>
-                <a:ea typeface="ＭＳ Ｐゴシック" panose="020B0600070205080204" pitchFamily="34" charset="-128"/>
-              </a:defRPr>
-            </a:lvl6pPr>
-            <a:lvl7pPr marL="2971800" indent="-228600" eaLnBrk="0" fontAlgn="base" hangingPunct="0">
-              <a:spcBef>
-                <a:spcPct val="20000"/>
-              </a:spcBef>
-              <a:spcAft>
-                <a:spcPct val="0"/>
-              </a:spcAft>
-              <a:buFont typeface="Arial" panose="020B0604020202020204" pitchFamily="34" charset="0"/>
-              <a:buChar char="»"/>
-              <a:defRPr kumimoji="1" sz="2000">
-                <a:solidFill>
-                  <a:schemeClr val="tx1"/>
-                </a:solidFill>
-                <a:latin typeface="Arial" panose="020B0604020202020204" pitchFamily="34" charset="0"/>
-                <a:ea typeface="ＭＳ Ｐゴシック" panose="020B0600070205080204" pitchFamily="34" charset="-128"/>
-              </a:defRPr>
-            </a:lvl7pPr>
-            <a:lvl8pPr marL="3429000" indent="-228600" eaLnBrk="0" fontAlgn="base" hangingPunct="0">
-              <a:spcBef>
-                <a:spcPct val="20000"/>
-              </a:spcBef>
-              <a:spcAft>
-                <a:spcPct val="0"/>
-              </a:spcAft>
-              <a:buFont typeface="Arial" panose="020B0604020202020204" pitchFamily="34" charset="0"/>
-              <a:buChar char="»"/>
-              <a:defRPr kumimoji="1" sz="2000">
-                <a:solidFill>
-                  <a:schemeClr val="tx1"/>
-                </a:solidFill>
-                <a:latin typeface="Arial" panose="020B0604020202020204" pitchFamily="34" charset="0"/>
-                <a:ea typeface="ＭＳ Ｐゴシック" panose="020B0600070205080204" pitchFamily="34" charset="-128"/>
-              </a:defRPr>
-            </a:lvl8pPr>
-            <a:lvl9pPr marL="3886200" indent="-228600" eaLnBrk="0" fontAlgn="base" hangingPunct="0">
-              <a:spcBef>
-                <a:spcPct val="20000"/>
-              </a:spcBef>
-              <a:spcAft>
-                <a:spcPct val="0"/>
-              </a:spcAft>
-              <a:buFont typeface="Arial" panose="020B0604020202020204" pitchFamily="34" charset="0"/>
-              <a:buChar char="»"/>
-              <a:defRPr kumimoji="1" sz="2000">
-                <a:solidFill>
-                  <a:schemeClr val="tx1"/>
-                </a:solidFill>
-                <a:latin typeface="Arial" panose="020B0604020202020204" pitchFamily="34" charset="0"/>
-                <a:ea typeface="ＭＳ Ｐゴシック" panose="020B0600070205080204" pitchFamily="34" charset="-128"/>
-              </a:defRPr>
-            </a:lvl9pPr>
-          </a:lstStyle>
-          <a:p>
-            <a:pPr eaLnBrk="1" hangingPunct="1">
-              <a:spcBef>
-                <a:spcPct val="0"/>
-              </a:spcBef>
-              <a:buFontTx/>
-              <a:buNone/>
-            </a:pPr>
-            <a:endParaRPr lang="ja-JP" altLang="en-US" sz="1400">
-              <a:latin typeface="+mn-lt"/>
-            </a:endParaRPr>
-          </a:p>
-        </p:txBody>
-      </p:sp>
-      <p:sp>
-        <p:nvSpPr>
-          <p:cNvPr id="36" name="Text Box 57">
-            <a:extLst>
-              <a:ext uri="{FF2B5EF4-FFF2-40B4-BE49-F238E27FC236}">
-                <a16:creationId xmlns:a16="http://schemas.microsoft.com/office/drawing/2014/main" id="{4E4F9F7E-82F1-6B4C-8AED-A3C51E3565CC}"/>
-              </a:ext>
-            </a:extLst>
-          </p:cNvPr>
-          <p:cNvSpPr txBox="1">
-            <a:spLocks noChangeArrowheads="1"/>
-          </p:cNvSpPr>
-          <p:nvPr/>
-        </p:nvSpPr>
-        <p:spPr bwMode="auto">
-          <a:xfrm>
-            <a:off x="2232471" y="4603367"/>
-            <a:ext cx="1808892" cy="400110"/>
-          </a:xfrm>
-          <a:prstGeom prst="rect">
-            <a:avLst/>
-          </a:prstGeom>
-          <a:noFill/>
-          <a:ln>
-            <a:noFill/>
-          </a:ln>
-          <a:extLst>
-            <a:ext uri="{909E8E84-426E-40DD-AFC4-6F175D3DCCD1}">
-              <a14:hiddenFill xmlns:a14="http://schemas.microsoft.com/office/drawing/2010/main">
-                <a:solidFill>
-                  <a:srgbClr val="FFFFFF"/>
-                </a:solidFill>
-              </a14:hiddenFill>
-            </a:ext>
-            <a:ext uri="{91240B29-F687-4F45-9708-019B960494DF}">
-              <a14:hiddenLine xmlns:a14="http://schemas.microsoft.com/office/drawing/2010/main" w="9525">
-                <a:solidFill>
-                  <a:srgbClr val="000000"/>
-                </a:solidFill>
-                <a:miter lim="800000"/>
-                <a:headEnd/>
-                <a:tailEnd/>
-              </a14:hiddenLine>
-            </a:ext>
-          </a:extLst>
-        </p:spPr>
-        <p:txBody>
-          <a:bodyPr wrap="square">
-            <a:spAutoFit/>
-          </a:bodyPr>
-          <a:lstStyle>
-            <a:lvl1pPr>
-              <a:spcBef>
-                <a:spcPct val="20000"/>
-              </a:spcBef>
-              <a:buFont typeface="Arial" panose="020B0604020202020204" pitchFamily="34" charset="0"/>
-              <a:buChar char="•"/>
-              <a:defRPr kumimoji="1" sz="3200">
-                <a:solidFill>
-                  <a:schemeClr val="tx1"/>
-                </a:solidFill>
-                <a:latin typeface="Arial" panose="020B0604020202020204" pitchFamily="34" charset="0"/>
-                <a:ea typeface="ＭＳ Ｐゴシック" panose="020B0600070205080204" pitchFamily="34" charset="-128"/>
-              </a:defRPr>
-            </a:lvl1pPr>
-            <a:lvl2pPr marL="742950" indent="-285750">
-              <a:spcBef>
-                <a:spcPct val="20000"/>
-              </a:spcBef>
-              <a:buFont typeface="Arial" panose="020B0604020202020204" pitchFamily="34" charset="0"/>
-              <a:buChar char="–"/>
-              <a:defRPr kumimoji="1" sz="2800">
-                <a:solidFill>
-                  <a:schemeClr val="tx1"/>
-                </a:solidFill>
-                <a:latin typeface="Arial" panose="020B0604020202020204" pitchFamily="34" charset="0"/>
-                <a:ea typeface="ＭＳ Ｐゴシック" panose="020B0600070205080204" pitchFamily="34" charset="-128"/>
-              </a:defRPr>
-            </a:lvl2pPr>
-            <a:lvl3pPr marL="1143000" indent="-228600">
-              <a:spcBef>
-                <a:spcPct val="20000"/>
-              </a:spcBef>
-              <a:buFont typeface="Arial" panose="020B0604020202020204" pitchFamily="34" charset="0"/>
-              <a:buChar char="•"/>
-              <a:defRPr kumimoji="1" sz="2400">
-                <a:solidFill>
-                  <a:schemeClr val="tx1"/>
-                </a:solidFill>
-                <a:latin typeface="Arial" panose="020B0604020202020204" pitchFamily="34" charset="0"/>
-                <a:ea typeface="ＭＳ Ｐゴシック" panose="020B0600070205080204" pitchFamily="34" charset="-128"/>
-              </a:defRPr>
-            </a:lvl3pPr>
-            <a:lvl4pPr marL="1600200" indent="-228600">
-              <a:spcBef>
-                <a:spcPct val="20000"/>
-              </a:spcBef>
-              <a:buFont typeface="Arial" panose="020B0604020202020204" pitchFamily="34" charset="0"/>
-              <a:buChar char="–"/>
-              <a:defRPr kumimoji="1" sz="2000">
-                <a:solidFill>
-                  <a:schemeClr val="tx1"/>
-                </a:solidFill>
-                <a:latin typeface="Arial" panose="020B0604020202020204" pitchFamily="34" charset="0"/>
-                <a:ea typeface="ＭＳ Ｐゴシック" panose="020B0600070205080204" pitchFamily="34" charset="-128"/>
-              </a:defRPr>
-            </a:lvl4pPr>
-            <a:lvl5pPr marL="2057400" indent="-228600">
-              <a:spcBef>
-                <a:spcPct val="20000"/>
-              </a:spcBef>
-              <a:buFont typeface="Arial" panose="020B0604020202020204" pitchFamily="34" charset="0"/>
-              <a:buChar char="»"/>
-              <a:defRPr kumimoji="1" sz="2000">
-                <a:solidFill>
-                  <a:schemeClr val="tx1"/>
-                </a:solidFill>
-                <a:latin typeface="Arial" panose="020B0604020202020204" pitchFamily="34" charset="0"/>
-                <a:ea typeface="ＭＳ Ｐゴシック" panose="020B0600070205080204" pitchFamily="34" charset="-128"/>
-              </a:defRPr>
-            </a:lvl5pPr>
-            <a:lvl6pPr marL="2514600" indent="-228600" eaLnBrk="0" fontAlgn="base" hangingPunct="0">
-              <a:spcBef>
-                <a:spcPct val="20000"/>
-              </a:spcBef>
-              <a:spcAft>
-                <a:spcPct val="0"/>
-              </a:spcAft>
-              <a:buFont typeface="Arial" panose="020B0604020202020204" pitchFamily="34" charset="0"/>
-              <a:buChar char="»"/>
-              <a:defRPr kumimoji="1" sz="2000">
-                <a:solidFill>
-                  <a:schemeClr val="tx1"/>
-                </a:solidFill>
-                <a:latin typeface="Arial" panose="020B0604020202020204" pitchFamily="34" charset="0"/>
-                <a:ea typeface="ＭＳ Ｐゴシック" panose="020B0600070205080204" pitchFamily="34" charset="-128"/>
-              </a:defRPr>
-            </a:lvl6pPr>
-            <a:lvl7pPr marL="2971800" indent="-228600" eaLnBrk="0" fontAlgn="base" hangingPunct="0">
-              <a:spcBef>
-                <a:spcPct val="20000"/>
-              </a:spcBef>
-              <a:spcAft>
-                <a:spcPct val="0"/>
-              </a:spcAft>
-              <a:buFont typeface="Arial" panose="020B0604020202020204" pitchFamily="34" charset="0"/>
-              <a:buChar char="»"/>
-              <a:defRPr kumimoji="1" sz="2000">
-                <a:solidFill>
-                  <a:schemeClr val="tx1"/>
-                </a:solidFill>
-                <a:latin typeface="Arial" panose="020B0604020202020204" pitchFamily="34" charset="0"/>
-                <a:ea typeface="ＭＳ Ｐゴシック" panose="020B0600070205080204" pitchFamily="34" charset="-128"/>
-              </a:defRPr>
-            </a:lvl7pPr>
-            <a:lvl8pPr marL="3429000" indent="-228600" eaLnBrk="0" fontAlgn="base" hangingPunct="0">
-              <a:spcBef>
-                <a:spcPct val="20000"/>
-              </a:spcBef>
-              <a:spcAft>
-                <a:spcPct val="0"/>
-              </a:spcAft>
-              <a:buFont typeface="Arial" panose="020B0604020202020204" pitchFamily="34" charset="0"/>
-              <a:buChar char="»"/>
-              <a:defRPr kumimoji="1" sz="2000">
-                <a:solidFill>
-                  <a:schemeClr val="tx1"/>
-                </a:solidFill>
-                <a:latin typeface="Arial" panose="020B0604020202020204" pitchFamily="34" charset="0"/>
-                <a:ea typeface="ＭＳ Ｐゴシック" panose="020B0600070205080204" pitchFamily="34" charset="-128"/>
-              </a:defRPr>
-            </a:lvl8pPr>
-            <a:lvl9pPr marL="3886200" indent="-228600" eaLnBrk="0" fontAlgn="base" hangingPunct="0">
-              <a:spcBef>
-                <a:spcPct val="20000"/>
-              </a:spcBef>
-              <a:spcAft>
-                <a:spcPct val="0"/>
-              </a:spcAft>
-              <a:buFont typeface="Arial" panose="020B0604020202020204" pitchFamily="34" charset="0"/>
-              <a:buChar char="»"/>
-              <a:defRPr kumimoji="1" sz="2000">
-                <a:solidFill>
-                  <a:schemeClr val="tx1"/>
-                </a:solidFill>
-                <a:latin typeface="Arial" panose="020B0604020202020204" pitchFamily="34" charset="0"/>
-                <a:ea typeface="ＭＳ Ｐゴシック" panose="020B0600070205080204" pitchFamily="34" charset="-128"/>
-              </a:defRPr>
-            </a:lvl9pPr>
-          </a:lstStyle>
-          <a:p>
-            <a:pPr eaLnBrk="1" hangingPunct="1">
-              <a:spcBef>
-                <a:spcPct val="0"/>
-              </a:spcBef>
-              <a:buFontTx/>
-              <a:buNone/>
-            </a:pPr>
-            <a:r>
-              <a:rPr lang="ja-JP" altLang="en-US" sz="2000">
-                <a:latin typeface="Times New Roman" panose="02020603050405020304" pitchFamily="18" charset="0"/>
-              </a:rPr>
-              <a:t>長方形の集合</a:t>
-            </a:r>
-          </a:p>
-        </p:txBody>
-      </p:sp>
-      <p:sp>
-        <p:nvSpPr>
-          <p:cNvPr id="38" name="Text Box 59">
-            <a:extLst>
-              <a:ext uri="{FF2B5EF4-FFF2-40B4-BE49-F238E27FC236}">
-                <a16:creationId xmlns:a16="http://schemas.microsoft.com/office/drawing/2014/main" id="{E619EB91-25EF-D443-8550-07FC7862D6B8}"/>
-              </a:ext>
-            </a:extLst>
-          </p:cNvPr>
-          <p:cNvSpPr txBox="1">
-            <a:spLocks noChangeArrowheads="1"/>
-          </p:cNvSpPr>
-          <p:nvPr/>
-        </p:nvSpPr>
-        <p:spPr bwMode="auto">
-          <a:xfrm>
-            <a:off x="8142720" y="4517225"/>
-            <a:ext cx="894196" cy="400110"/>
-          </a:xfrm>
-          <a:prstGeom prst="rect">
-            <a:avLst/>
-          </a:prstGeom>
-          <a:noFill/>
-          <a:ln>
-            <a:noFill/>
-          </a:ln>
-          <a:extLst>
-            <a:ext uri="{909E8E84-426E-40DD-AFC4-6F175D3DCCD1}">
-              <a14:hiddenFill xmlns:a14="http://schemas.microsoft.com/office/drawing/2010/main">
-                <a:solidFill>
-                  <a:srgbClr val="FFFFFF"/>
-                </a:solidFill>
-              </a14:hiddenFill>
-            </a:ext>
-            <a:ext uri="{91240B29-F687-4F45-9708-019B960494DF}">
-              <a14:hiddenLine xmlns:a14="http://schemas.microsoft.com/office/drawing/2010/main" w="9525">
-                <a:solidFill>
-                  <a:srgbClr val="000000"/>
-                </a:solidFill>
-                <a:miter lim="800000"/>
-                <a:headEnd/>
-                <a:tailEnd/>
-              </a14:hiddenLine>
-            </a:ext>
-          </a:extLst>
-        </p:spPr>
-        <p:txBody>
-          <a:bodyPr wrap="square">
-            <a:spAutoFit/>
-          </a:bodyPr>
-          <a:lstStyle>
-            <a:lvl1pPr>
-              <a:spcBef>
-                <a:spcPct val="20000"/>
-              </a:spcBef>
-              <a:buFont typeface="Arial" panose="020B0604020202020204" pitchFamily="34" charset="0"/>
-              <a:buChar char="•"/>
-              <a:defRPr kumimoji="1" sz="3200">
-                <a:solidFill>
-                  <a:schemeClr val="tx1"/>
-                </a:solidFill>
-                <a:latin typeface="Arial" panose="020B0604020202020204" pitchFamily="34" charset="0"/>
-                <a:ea typeface="ＭＳ Ｐゴシック" panose="020B0600070205080204" pitchFamily="34" charset="-128"/>
-              </a:defRPr>
-            </a:lvl1pPr>
-            <a:lvl2pPr marL="742950" indent="-285750">
-              <a:spcBef>
-                <a:spcPct val="20000"/>
-              </a:spcBef>
-              <a:buFont typeface="Arial" panose="020B0604020202020204" pitchFamily="34" charset="0"/>
-              <a:buChar char="–"/>
-              <a:defRPr kumimoji="1" sz="2800">
-                <a:solidFill>
-                  <a:schemeClr val="tx1"/>
-                </a:solidFill>
-                <a:latin typeface="Arial" panose="020B0604020202020204" pitchFamily="34" charset="0"/>
-                <a:ea typeface="ＭＳ Ｐゴシック" panose="020B0600070205080204" pitchFamily="34" charset="-128"/>
-              </a:defRPr>
-            </a:lvl2pPr>
-            <a:lvl3pPr marL="1143000" indent="-228600">
-              <a:spcBef>
-                <a:spcPct val="20000"/>
-              </a:spcBef>
-              <a:buFont typeface="Arial" panose="020B0604020202020204" pitchFamily="34" charset="0"/>
-              <a:buChar char="•"/>
-              <a:defRPr kumimoji="1" sz="2400">
-                <a:solidFill>
-                  <a:schemeClr val="tx1"/>
-                </a:solidFill>
-                <a:latin typeface="Arial" panose="020B0604020202020204" pitchFamily="34" charset="0"/>
-                <a:ea typeface="ＭＳ Ｐゴシック" panose="020B0600070205080204" pitchFamily="34" charset="-128"/>
-              </a:defRPr>
-            </a:lvl3pPr>
-            <a:lvl4pPr marL="1600200" indent="-228600">
-              <a:spcBef>
-                <a:spcPct val="20000"/>
-              </a:spcBef>
-              <a:buFont typeface="Arial" panose="020B0604020202020204" pitchFamily="34" charset="0"/>
-              <a:buChar char="–"/>
-              <a:defRPr kumimoji="1" sz="2000">
-                <a:solidFill>
-                  <a:schemeClr val="tx1"/>
-                </a:solidFill>
-                <a:latin typeface="Arial" panose="020B0604020202020204" pitchFamily="34" charset="0"/>
-                <a:ea typeface="ＭＳ Ｐゴシック" panose="020B0600070205080204" pitchFamily="34" charset="-128"/>
-              </a:defRPr>
-            </a:lvl4pPr>
-            <a:lvl5pPr marL="2057400" indent="-228600">
-              <a:spcBef>
-                <a:spcPct val="20000"/>
-              </a:spcBef>
-              <a:buFont typeface="Arial" panose="020B0604020202020204" pitchFamily="34" charset="0"/>
-              <a:buChar char="»"/>
-              <a:defRPr kumimoji="1" sz="2000">
-                <a:solidFill>
-                  <a:schemeClr val="tx1"/>
-                </a:solidFill>
-                <a:latin typeface="Arial" panose="020B0604020202020204" pitchFamily="34" charset="0"/>
-                <a:ea typeface="ＭＳ Ｐゴシック" panose="020B0600070205080204" pitchFamily="34" charset="-128"/>
-              </a:defRPr>
-            </a:lvl5pPr>
-            <a:lvl6pPr marL="2514600" indent="-228600" eaLnBrk="0" fontAlgn="base" hangingPunct="0">
-              <a:spcBef>
-                <a:spcPct val="20000"/>
-              </a:spcBef>
-              <a:spcAft>
-                <a:spcPct val="0"/>
-              </a:spcAft>
-              <a:buFont typeface="Arial" panose="020B0604020202020204" pitchFamily="34" charset="0"/>
-              <a:buChar char="»"/>
-              <a:defRPr kumimoji="1" sz="2000">
-                <a:solidFill>
-                  <a:schemeClr val="tx1"/>
-                </a:solidFill>
-                <a:latin typeface="Arial" panose="020B0604020202020204" pitchFamily="34" charset="0"/>
-                <a:ea typeface="ＭＳ Ｐゴシック" panose="020B0600070205080204" pitchFamily="34" charset="-128"/>
-              </a:defRPr>
-            </a:lvl6pPr>
-            <a:lvl7pPr marL="2971800" indent="-228600" eaLnBrk="0" fontAlgn="base" hangingPunct="0">
-              <a:spcBef>
-                <a:spcPct val="20000"/>
-              </a:spcBef>
-              <a:spcAft>
-                <a:spcPct val="0"/>
-              </a:spcAft>
-              <a:buFont typeface="Arial" panose="020B0604020202020204" pitchFamily="34" charset="0"/>
-              <a:buChar char="»"/>
-              <a:defRPr kumimoji="1" sz="2000">
-                <a:solidFill>
-                  <a:schemeClr val="tx1"/>
-                </a:solidFill>
-                <a:latin typeface="Arial" panose="020B0604020202020204" pitchFamily="34" charset="0"/>
-                <a:ea typeface="ＭＳ Ｐゴシック" panose="020B0600070205080204" pitchFamily="34" charset="-128"/>
-              </a:defRPr>
-            </a:lvl7pPr>
-            <a:lvl8pPr marL="3429000" indent="-228600" eaLnBrk="0" fontAlgn="base" hangingPunct="0">
-              <a:spcBef>
-                <a:spcPct val="20000"/>
-              </a:spcBef>
-              <a:spcAft>
-                <a:spcPct val="0"/>
-              </a:spcAft>
-              <a:buFont typeface="Arial" panose="020B0604020202020204" pitchFamily="34" charset="0"/>
-              <a:buChar char="»"/>
-              <a:defRPr kumimoji="1" sz="2000">
-                <a:solidFill>
-                  <a:schemeClr val="tx1"/>
-                </a:solidFill>
-                <a:latin typeface="Arial" panose="020B0604020202020204" pitchFamily="34" charset="0"/>
-                <a:ea typeface="ＭＳ Ｐゴシック" panose="020B0600070205080204" pitchFamily="34" charset="-128"/>
-              </a:defRPr>
-            </a:lvl8pPr>
-            <a:lvl9pPr marL="3886200" indent="-228600" eaLnBrk="0" fontAlgn="base" hangingPunct="0">
-              <a:spcBef>
-                <a:spcPct val="20000"/>
-              </a:spcBef>
-              <a:spcAft>
-                <a:spcPct val="0"/>
-              </a:spcAft>
-              <a:buFont typeface="Arial" panose="020B0604020202020204" pitchFamily="34" charset="0"/>
-              <a:buChar char="»"/>
-              <a:defRPr kumimoji="1" sz="2000">
-                <a:solidFill>
-                  <a:schemeClr val="tx1"/>
-                </a:solidFill>
-                <a:latin typeface="Arial" panose="020B0604020202020204" pitchFamily="34" charset="0"/>
-                <a:ea typeface="ＭＳ Ｐゴシック" panose="020B0600070205080204" pitchFamily="34" charset="-128"/>
-              </a:defRPr>
-            </a:lvl9pPr>
-          </a:lstStyle>
-          <a:p>
-            <a:pPr eaLnBrk="1" hangingPunct="1">
-              <a:spcBef>
-                <a:spcPct val="0"/>
-              </a:spcBef>
-              <a:buFontTx/>
-              <a:buNone/>
-            </a:pPr>
-            <a:r>
-              <a:rPr lang="ja-JP" altLang="en-US" sz="2000">
-                <a:latin typeface="Times New Roman" panose="02020603050405020304" pitchFamily="18" charset="0"/>
-              </a:rPr>
-              <a:t>母材</a:t>
-            </a:r>
-          </a:p>
-        </p:txBody>
-      </p:sp>
-      <p:sp>
-        <p:nvSpPr>
-          <p:cNvPr id="39" name="Content Placeholder 2">
-            <a:extLst>
-              <a:ext uri="{FF2B5EF4-FFF2-40B4-BE49-F238E27FC236}">
-                <a16:creationId xmlns:a16="http://schemas.microsoft.com/office/drawing/2014/main" id="{BD6A1E27-FAFA-544F-BEB7-08E523137B33}"/>
-              </a:ext>
-            </a:extLst>
-          </p:cNvPr>
-          <p:cNvSpPr txBox="1">
-            <a:spLocks/>
-          </p:cNvSpPr>
-          <p:nvPr/>
-        </p:nvSpPr>
-        <p:spPr>
-          <a:xfrm>
-            <a:off x="886691" y="5115891"/>
-            <a:ext cx="9448800" cy="1458668"/>
-          </a:xfrm>
-          <a:prstGeom prst="rect">
-            <a:avLst/>
-          </a:prstGeom>
-          <a:solidFill>
-            <a:schemeClr val="accent5">
-              <a:lumMod val="20000"/>
-              <a:lumOff val="80000"/>
-            </a:schemeClr>
-          </a:solidFill>
-          <a:ln>
-            <a:noFill/>
-          </a:ln>
-        </p:spPr>
-        <p:txBody>
-          <a:bodyPr vert="horz" lIns="91440" tIns="45720" rIns="91440" bIns="45720" rtlCol="0">
-            <a:noAutofit/>
-          </a:bodyPr>
-          <a:lstStyle>
-            <a:lvl1pPr marL="228600" indent="-228600" algn="l" defTabSz="914400" rtl="0" eaLnBrk="1" latinLnBrk="0" hangingPunct="1">
-              <a:lnSpc>
-                <a:spcPct val="90000"/>
-              </a:lnSpc>
-              <a:spcBef>
-                <a:spcPts val="1000"/>
-              </a:spcBef>
-              <a:buFont typeface="Arial" panose="020B0604020202020204" pitchFamily="34" charset="0"/>
-              <a:buChar char="•"/>
-              <a:defRPr sz="2800" kern="1200">
-                <a:solidFill>
-                  <a:schemeClr val="tx1"/>
-                </a:solidFill>
-                <a:latin typeface="+mn-lt"/>
-                <a:ea typeface="+mn-ea"/>
-                <a:cs typeface="+mn-cs"/>
-              </a:defRPr>
-            </a:lvl1pPr>
-            <a:lvl2pPr marL="685800" indent="-228600" algn="l" defTabSz="914400" rtl="0" eaLnBrk="1" latinLnBrk="0" hangingPunct="1">
-              <a:lnSpc>
-                <a:spcPct val="90000"/>
-              </a:lnSpc>
-              <a:spcBef>
-                <a:spcPts val="500"/>
-              </a:spcBef>
-              <a:buFont typeface="Arial" panose="020B0604020202020204" pitchFamily="34" charset="0"/>
-              <a:buChar char="•"/>
-              <a:defRPr sz="2400" kern="1200">
-                <a:solidFill>
-                  <a:schemeClr val="tx1"/>
-                </a:solidFill>
-                <a:latin typeface="+mn-lt"/>
-                <a:ea typeface="+mn-ea"/>
-                <a:cs typeface="+mn-cs"/>
-              </a:defRPr>
-            </a:lvl2pPr>
-            <a:lvl3pPr marL="1143000" indent="-228600" algn="l" defTabSz="914400" rtl="0" eaLnBrk="1" latinLnBrk="0" hangingPunct="1">
-              <a:lnSpc>
-                <a:spcPct val="90000"/>
-              </a:lnSpc>
-              <a:spcBef>
-                <a:spcPts val="500"/>
-              </a:spcBef>
-              <a:buFont typeface="Arial" panose="020B0604020202020204" pitchFamily="34" charset="0"/>
-              <a:buChar char="•"/>
-              <a:defRPr sz="2000" kern="1200">
-                <a:solidFill>
-                  <a:schemeClr val="tx1"/>
-                </a:solidFill>
-                <a:latin typeface="+mn-lt"/>
-                <a:ea typeface="+mn-ea"/>
-                <a:cs typeface="+mn-cs"/>
-              </a:defRPr>
-            </a:lvl3pPr>
-            <a:lvl4pPr marL="1600200" indent="-228600" algn="l" defTabSz="914400" rtl="0" eaLnBrk="1" latinLnBrk="0" hangingPunct="1">
-              <a:lnSpc>
-                <a:spcPct val="90000"/>
-              </a:lnSpc>
-              <a:spcBef>
-                <a:spcPts val="500"/>
-              </a:spcBef>
-              <a:buFont typeface="Arial" panose="020B0604020202020204" pitchFamily="34" charset="0"/>
-              <a:buChar char="•"/>
-              <a:defRPr sz="1800" kern="1200">
-                <a:solidFill>
-                  <a:schemeClr val="tx1"/>
-                </a:solidFill>
-                <a:latin typeface="+mn-lt"/>
-                <a:ea typeface="+mn-ea"/>
-                <a:cs typeface="+mn-cs"/>
-              </a:defRPr>
-            </a:lvl4pPr>
-            <a:lvl5pPr marL="2057400" indent="-228600" algn="l" defTabSz="914400" rtl="0" eaLnBrk="1" latinLnBrk="0" hangingPunct="1">
-              <a:lnSpc>
-                <a:spcPct val="90000"/>
-              </a:lnSpc>
-              <a:spcBef>
-                <a:spcPts val="500"/>
-              </a:spcBef>
-              <a:buFont typeface="Arial" panose="020B0604020202020204" pitchFamily="34" charset="0"/>
-              <a:buChar char="•"/>
-              <a:defRPr sz="1800" kern="1200">
-                <a:solidFill>
-                  <a:schemeClr val="tx1"/>
-                </a:solidFill>
-                <a:latin typeface="+mn-lt"/>
-                <a:ea typeface="+mn-ea"/>
-                <a:cs typeface="+mn-cs"/>
-              </a:defRPr>
-            </a:lvl5pPr>
-            <a:lvl6pPr marL="2514600" indent="-228600" algn="l" defTabSz="914400" rtl="0" eaLnBrk="1" latinLnBrk="0" hangingPunct="1">
-              <a:lnSpc>
-                <a:spcPct val="90000"/>
-              </a:lnSpc>
-              <a:spcBef>
-                <a:spcPts val="500"/>
-              </a:spcBef>
-              <a:buFont typeface="Arial" panose="020B0604020202020204" pitchFamily="34" charset="0"/>
-              <a:buChar char="•"/>
-              <a:defRPr sz="1800" kern="1200">
-                <a:solidFill>
-                  <a:schemeClr val="tx1"/>
-                </a:solidFill>
-                <a:latin typeface="+mn-lt"/>
-                <a:ea typeface="+mn-ea"/>
-                <a:cs typeface="+mn-cs"/>
-              </a:defRPr>
-            </a:lvl6pPr>
-            <a:lvl7pPr marL="2971800" indent="-228600" algn="l" defTabSz="914400" rtl="0" eaLnBrk="1" latinLnBrk="0" hangingPunct="1">
-              <a:lnSpc>
-                <a:spcPct val="90000"/>
-              </a:lnSpc>
-              <a:spcBef>
-                <a:spcPts val="500"/>
-              </a:spcBef>
-              <a:buFont typeface="Arial" panose="020B0604020202020204" pitchFamily="34" charset="0"/>
-              <a:buChar char="•"/>
-              <a:defRPr sz="1800" kern="1200">
-                <a:solidFill>
-                  <a:schemeClr val="tx1"/>
-                </a:solidFill>
-                <a:latin typeface="+mn-lt"/>
-                <a:ea typeface="+mn-ea"/>
-                <a:cs typeface="+mn-cs"/>
-              </a:defRPr>
-            </a:lvl7pPr>
-            <a:lvl8pPr marL="3429000" indent="-228600" algn="l" defTabSz="914400" rtl="0" eaLnBrk="1" latinLnBrk="0" hangingPunct="1">
-              <a:lnSpc>
-                <a:spcPct val="90000"/>
-              </a:lnSpc>
-              <a:spcBef>
-                <a:spcPts val="500"/>
-              </a:spcBef>
-              <a:buFont typeface="Arial" panose="020B0604020202020204" pitchFamily="34" charset="0"/>
-              <a:buChar char="•"/>
-              <a:defRPr sz="1800" kern="1200">
-                <a:solidFill>
-                  <a:schemeClr val="tx1"/>
-                </a:solidFill>
-                <a:latin typeface="+mn-lt"/>
-                <a:ea typeface="+mn-ea"/>
-                <a:cs typeface="+mn-cs"/>
-              </a:defRPr>
-            </a:lvl8pPr>
-            <a:lvl9pPr marL="3886200" indent="-228600" algn="l" defTabSz="914400" rtl="0" eaLnBrk="1" latinLnBrk="0" hangingPunct="1">
-              <a:lnSpc>
-                <a:spcPct val="90000"/>
-              </a:lnSpc>
-              <a:spcBef>
-                <a:spcPts val="500"/>
-              </a:spcBef>
-              <a:buFont typeface="Arial" panose="020B0604020202020204" pitchFamily="34" charset="0"/>
-              <a:buChar char="•"/>
-              <a:defRPr sz="1800" kern="1200">
-                <a:solidFill>
-                  <a:schemeClr val="tx1"/>
-                </a:solidFill>
-                <a:latin typeface="+mn-lt"/>
-                <a:ea typeface="+mn-ea"/>
-                <a:cs typeface="+mn-cs"/>
-              </a:defRPr>
-            </a:lvl9pPr>
-          </a:lstStyle>
-          <a:p>
-            <a:pPr marL="0" indent="0">
-              <a:lnSpc>
-                <a:spcPct val="100000"/>
-              </a:lnSpc>
-              <a:buNone/>
-            </a:pPr>
-            <a:r>
-              <a:rPr lang="en-JP" sz="2400"/>
-              <a:t>制約</a:t>
-            </a:r>
-          </a:p>
-          <a:p>
-            <a:pPr marL="457200" indent="-457200">
-              <a:lnSpc>
-                <a:spcPct val="100000"/>
-              </a:lnSpc>
-              <a:buAutoNum type="arabicPeriod"/>
-            </a:pPr>
-            <a:r>
-              <a:rPr lang="en-JP" sz="2400"/>
-              <a:t>長方形は母材からはみ出してはいけない</a:t>
-            </a:r>
-          </a:p>
-          <a:p>
-            <a:pPr marL="457200" indent="-457200">
-              <a:lnSpc>
-                <a:spcPct val="100000"/>
-              </a:lnSpc>
-              <a:buAutoNum type="arabicPeriod"/>
-            </a:pPr>
-            <a:r>
-              <a:rPr lang="en-JP" sz="2400"/>
-              <a:t>長方形同士が互いに重ならない</a:t>
-            </a:r>
-          </a:p>
-        </p:txBody>
-      </p:sp>
-      <mc:AlternateContent xmlns:mc="http://schemas.openxmlformats.org/markup-compatibility/2006">
-        <mc:Choice xmlns:a14="http://schemas.microsoft.com/office/drawing/2010/main" Requires="a14">
-          <p:sp>
-            <p:nvSpPr>
-              <p:cNvPr id="40" name="Content Placeholder 2">
-                <a:extLst>
-                  <a:ext uri="{FF2B5EF4-FFF2-40B4-BE49-F238E27FC236}">
-                    <a16:creationId xmlns:a16="http://schemas.microsoft.com/office/drawing/2014/main" id="{9A6C8FB0-448C-984C-892A-4CCFD97CC45B}"/>
-                  </a:ext>
-                </a:extLst>
-              </p:cNvPr>
-              <p:cNvSpPr txBox="1">
-                <a:spLocks/>
-              </p:cNvSpPr>
-              <p:nvPr/>
-            </p:nvSpPr>
-            <p:spPr>
-              <a:xfrm>
-                <a:off x="886691" y="1565710"/>
-                <a:ext cx="9448800" cy="1033075"/>
-              </a:xfrm>
-              <a:prstGeom prst="rect">
-                <a:avLst/>
-              </a:prstGeom>
-              <a:solidFill>
-                <a:schemeClr val="accent5">
-                  <a:lumMod val="20000"/>
-                  <a:lumOff val="80000"/>
-                </a:schemeClr>
-              </a:solidFill>
-              <a:ln>
-                <a:noFill/>
-              </a:ln>
-            </p:spPr>
-            <p:txBody>
-              <a:bodyPr vert="horz" lIns="91440" tIns="45720" rIns="91440" bIns="45720" rtlCol="0">
-                <a:noAutofit/>
-              </a:bodyPr>
-              <a:lstStyle>
-                <a:lvl1pPr marL="228600" indent="-228600" algn="l" defTabSz="914400" rtl="0" eaLnBrk="1" latinLnBrk="0" hangingPunct="1">
-                  <a:lnSpc>
-                    <a:spcPct val="90000"/>
-                  </a:lnSpc>
-                  <a:spcBef>
-                    <a:spcPts val="1000"/>
-                  </a:spcBef>
-                  <a:buFont typeface="Arial" panose="020B0604020202020204" pitchFamily="34" charset="0"/>
-                  <a:buChar char="•"/>
-                  <a:defRPr sz="2800" kern="1200">
-                    <a:solidFill>
-                      <a:schemeClr val="tx1"/>
-                    </a:solidFill>
-                    <a:latin typeface="+mn-lt"/>
-                    <a:ea typeface="+mn-ea"/>
-                    <a:cs typeface="+mn-cs"/>
-                  </a:defRPr>
-                </a:lvl1pPr>
-                <a:lvl2pPr marL="685800" indent="-228600" algn="l" defTabSz="914400" rtl="0" eaLnBrk="1" latinLnBrk="0" hangingPunct="1">
-                  <a:lnSpc>
-                    <a:spcPct val="90000"/>
-                  </a:lnSpc>
-                  <a:spcBef>
-                    <a:spcPts val="500"/>
-                  </a:spcBef>
-                  <a:buFont typeface="Arial" panose="020B0604020202020204" pitchFamily="34" charset="0"/>
-                  <a:buChar char="•"/>
-                  <a:defRPr sz="2400" kern="1200">
-                    <a:solidFill>
-                      <a:schemeClr val="tx1"/>
-                    </a:solidFill>
-                    <a:latin typeface="+mn-lt"/>
-                    <a:ea typeface="+mn-ea"/>
-                    <a:cs typeface="+mn-cs"/>
-                  </a:defRPr>
-                </a:lvl2pPr>
-                <a:lvl3pPr marL="1143000" indent="-228600" algn="l" defTabSz="914400" rtl="0" eaLnBrk="1" latinLnBrk="0" hangingPunct="1">
-                  <a:lnSpc>
-                    <a:spcPct val="90000"/>
-                  </a:lnSpc>
-                  <a:spcBef>
-                    <a:spcPts val="500"/>
-                  </a:spcBef>
-                  <a:buFont typeface="Arial" panose="020B0604020202020204" pitchFamily="34" charset="0"/>
-                  <a:buChar char="•"/>
-                  <a:defRPr sz="2000" kern="1200">
-                    <a:solidFill>
-                      <a:schemeClr val="tx1"/>
-                    </a:solidFill>
-                    <a:latin typeface="+mn-lt"/>
-                    <a:ea typeface="+mn-ea"/>
-                    <a:cs typeface="+mn-cs"/>
-                  </a:defRPr>
-                </a:lvl3pPr>
-                <a:lvl4pPr marL="1600200" indent="-228600" algn="l" defTabSz="914400" rtl="0" eaLnBrk="1" latinLnBrk="0" hangingPunct="1">
-                  <a:lnSpc>
-                    <a:spcPct val="90000"/>
-                  </a:lnSpc>
-                  <a:spcBef>
-                    <a:spcPts val="500"/>
-                  </a:spcBef>
-                  <a:buFont typeface="Arial" panose="020B0604020202020204" pitchFamily="34" charset="0"/>
-                  <a:buChar char="•"/>
-                  <a:defRPr sz="1800" kern="1200">
-                    <a:solidFill>
-                      <a:schemeClr val="tx1"/>
-                    </a:solidFill>
-                    <a:latin typeface="+mn-lt"/>
-                    <a:ea typeface="+mn-ea"/>
-                    <a:cs typeface="+mn-cs"/>
-                  </a:defRPr>
-                </a:lvl4pPr>
-                <a:lvl5pPr marL="2057400" indent="-228600" algn="l" defTabSz="914400" rtl="0" eaLnBrk="1" latinLnBrk="0" hangingPunct="1">
-                  <a:lnSpc>
-                    <a:spcPct val="90000"/>
-                  </a:lnSpc>
-                  <a:spcBef>
-                    <a:spcPts val="500"/>
-                  </a:spcBef>
-                  <a:buFont typeface="Arial" panose="020B0604020202020204" pitchFamily="34" charset="0"/>
-                  <a:buChar char="•"/>
-                  <a:defRPr sz="1800" kern="1200">
-                    <a:solidFill>
-                      <a:schemeClr val="tx1"/>
-                    </a:solidFill>
-                    <a:latin typeface="+mn-lt"/>
-                    <a:ea typeface="+mn-ea"/>
-                    <a:cs typeface="+mn-cs"/>
-                  </a:defRPr>
-                </a:lvl5pPr>
-                <a:lvl6pPr marL="2514600" indent="-228600" algn="l" defTabSz="914400" rtl="0" eaLnBrk="1" latinLnBrk="0" hangingPunct="1">
-                  <a:lnSpc>
-                    <a:spcPct val="90000"/>
-                  </a:lnSpc>
-                  <a:spcBef>
-                    <a:spcPts val="500"/>
-                  </a:spcBef>
-                  <a:buFont typeface="Arial" panose="020B0604020202020204" pitchFamily="34" charset="0"/>
-                  <a:buChar char="•"/>
-                  <a:defRPr sz="1800" kern="1200">
-                    <a:solidFill>
-                      <a:schemeClr val="tx1"/>
-                    </a:solidFill>
-                    <a:latin typeface="+mn-lt"/>
-                    <a:ea typeface="+mn-ea"/>
-                    <a:cs typeface="+mn-cs"/>
-                  </a:defRPr>
-                </a:lvl6pPr>
-                <a:lvl7pPr marL="2971800" indent="-228600" algn="l" defTabSz="914400" rtl="0" eaLnBrk="1" latinLnBrk="0" hangingPunct="1">
-                  <a:lnSpc>
-                    <a:spcPct val="90000"/>
-                  </a:lnSpc>
-                  <a:spcBef>
-                    <a:spcPts val="500"/>
-                  </a:spcBef>
-                  <a:buFont typeface="Arial" panose="020B0604020202020204" pitchFamily="34" charset="0"/>
-                  <a:buChar char="•"/>
-                  <a:defRPr sz="1800" kern="1200">
-                    <a:solidFill>
-                      <a:schemeClr val="tx1"/>
-                    </a:solidFill>
-                    <a:latin typeface="+mn-lt"/>
-                    <a:ea typeface="+mn-ea"/>
-                    <a:cs typeface="+mn-cs"/>
-                  </a:defRPr>
-                </a:lvl7pPr>
-                <a:lvl8pPr marL="3429000" indent="-228600" algn="l" defTabSz="914400" rtl="0" eaLnBrk="1" latinLnBrk="0" hangingPunct="1">
-                  <a:lnSpc>
-                    <a:spcPct val="90000"/>
-                  </a:lnSpc>
-                  <a:spcBef>
-                    <a:spcPts val="500"/>
-                  </a:spcBef>
-                  <a:buFont typeface="Arial" panose="020B0604020202020204" pitchFamily="34" charset="0"/>
-                  <a:buChar char="•"/>
-                  <a:defRPr sz="1800" kern="1200">
-                    <a:solidFill>
-                      <a:schemeClr val="tx1"/>
-                    </a:solidFill>
-                    <a:latin typeface="+mn-lt"/>
-                    <a:ea typeface="+mn-ea"/>
-                    <a:cs typeface="+mn-cs"/>
-                  </a:defRPr>
-                </a:lvl8pPr>
-                <a:lvl9pPr marL="3886200" indent="-228600" algn="l" defTabSz="914400" rtl="0" eaLnBrk="1" latinLnBrk="0" hangingPunct="1">
-                  <a:lnSpc>
-                    <a:spcPct val="90000"/>
-                  </a:lnSpc>
-                  <a:spcBef>
-                    <a:spcPts val="500"/>
-                  </a:spcBef>
-                  <a:buFont typeface="Arial" panose="020B0604020202020204" pitchFamily="34" charset="0"/>
-                  <a:buChar char="•"/>
-                  <a:defRPr sz="1800" kern="1200">
-                    <a:solidFill>
-                      <a:schemeClr val="tx1"/>
-                    </a:solidFill>
-                    <a:latin typeface="+mn-lt"/>
-                    <a:ea typeface="+mn-ea"/>
-                    <a:cs typeface="+mn-cs"/>
-                  </a:defRPr>
-                </a:lvl9pPr>
-              </a:lstStyle>
-              <a:p>
-                <a:pPr marL="0" indent="0">
-                  <a:lnSpc>
-                    <a:spcPct val="110000"/>
-                  </a:lnSpc>
-                  <a:buFont typeface="Arial" panose="020B0604020202020204" pitchFamily="34" charset="0"/>
-                  <a:buNone/>
-                </a:pPr>
-                <a:r>
-                  <a:rPr lang="en-JP" sz="2400" b="1"/>
-                  <a:t>長方形詰込み問題</a:t>
-                </a:r>
-              </a:p>
-              <a:p>
-                <a:pPr marL="0" indent="0">
-                  <a:lnSpc>
-                    <a:spcPct val="110000"/>
-                  </a:lnSpc>
-                  <a:buNone/>
-                </a:pPr>
-                <a:r>
-                  <a:rPr lang="en-JP" sz="2400"/>
-                  <a:t>例.  </a:t>
-                </a:r>
-                <a14:m>
-                  <m:oMath xmlns:m="http://schemas.openxmlformats.org/officeDocument/2006/math">
-                    <m:r>
-                      <a:rPr lang="en-US" sz="2400" b="0" i="1">
-                        <a:latin typeface="Cambria Math" panose="02040503050406030204" pitchFamily="18" charset="0"/>
-                      </a:rPr>
-                      <m:t>𝑛</m:t>
-                    </m:r>
-                  </m:oMath>
-                </a14:m>
-                <a:r>
-                  <a:rPr lang="en-JP" sz="2400"/>
-                  <a:t> 個の長方形を母材に詰め込む</a:t>
-                </a:r>
-              </a:p>
-            </p:txBody>
-          </p:sp>
-        </mc:Choice>
-        <mc:Fallback>
-          <p:sp>
-            <p:nvSpPr>
-              <p:cNvPr id="40" name="Content Placeholder 2">
-                <a:extLst>
-                  <a:ext uri="{FF2B5EF4-FFF2-40B4-BE49-F238E27FC236}">
-                    <a16:creationId xmlns:a16="http://schemas.microsoft.com/office/drawing/2014/main" id="{9A6C8FB0-448C-984C-892A-4CCFD97CC45B}"/>
-                  </a:ext>
-                </a:extLst>
-              </p:cNvPr>
-              <p:cNvSpPr txBox="1">
-                <a:spLocks noRot="1" noChangeAspect="1" noMove="1" noResize="1" noEditPoints="1" noAdjustHandles="1" noChangeArrowheads="1" noChangeShapeType="1" noTextEdit="1"/>
-              </p:cNvSpPr>
-              <p:nvPr/>
-            </p:nvSpPr>
-            <p:spPr>
-              <a:xfrm>
-                <a:off x="886691" y="1565710"/>
-                <a:ext cx="9448800" cy="1033075"/>
-              </a:xfrm>
-              <a:prstGeom prst="rect">
-                <a:avLst/>
-              </a:prstGeom>
-              <a:blipFill>
-                <a:blip r:embed="rId4"/>
-                <a:stretch>
-                  <a:fillRect l="-940" t="-6098" b="-9756"/>
-                </a:stretch>
-              </a:blipFill>
-              <a:ln>
-                <a:noFill/>
-              </a:ln>
-            </p:spPr>
-            <p:txBody>
-              <a:bodyPr/>
-              <a:lstStyle/>
-              <a:p>
-                <a:r>
-                  <a:rPr lang="en-JP">
-                    <a:noFill/>
-                  </a:rPr>
-                  <a:t> </a:t>
-                </a:r>
-              </a:p>
-            </p:txBody>
-          </p:sp>
-        </mc:Fallback>
-      </mc:AlternateContent>
-      <p:sp>
-        <p:nvSpPr>
-          <p:cNvPr id="27" name="Rectangle 47">
-            <a:extLst>
-              <a:ext uri="{FF2B5EF4-FFF2-40B4-BE49-F238E27FC236}">
-                <a16:creationId xmlns:a16="http://schemas.microsoft.com/office/drawing/2014/main" id="{7159D9F2-5C7F-234F-A83E-D4B87C1B496A}"/>
-              </a:ext>
-            </a:extLst>
-          </p:cNvPr>
-          <p:cNvSpPr>
-            <a:spLocks noChangeArrowheads="1"/>
-          </p:cNvSpPr>
-          <p:nvPr/>
-        </p:nvSpPr>
-        <p:spPr bwMode="auto">
-          <a:xfrm rot="10800000" flipV="1">
-            <a:off x="3589775" y="3020542"/>
-            <a:ext cx="795206" cy="500303"/>
-          </a:xfrm>
-          <a:prstGeom prst="rect">
-            <a:avLst/>
-          </a:prstGeom>
-          <a:solidFill>
-            <a:schemeClr val="accent2"/>
-          </a:solidFill>
-          <a:ln w="9525">
-            <a:noFill/>
-            <a:miter lim="800000"/>
-            <a:headEnd/>
-            <a:tailEnd/>
-          </a:ln>
-        </p:spPr>
-        <p:txBody>
-          <a:bodyPr wrap="none" lIns="95756" tIns="47878" rIns="95756" bIns="47878" anchor="ctr"/>
-          <a:lstStyle>
-            <a:lvl1pPr defTabSz="957263">
-              <a:spcBef>
-                <a:spcPct val="20000"/>
-              </a:spcBef>
-              <a:buFont typeface="Arial" panose="020B0604020202020204" pitchFamily="34" charset="0"/>
-              <a:buChar char="•"/>
-              <a:defRPr kumimoji="1" sz="3200">
-                <a:solidFill>
-                  <a:schemeClr val="tx1"/>
-                </a:solidFill>
-                <a:latin typeface="Arial" panose="020B0604020202020204" pitchFamily="34" charset="0"/>
-                <a:ea typeface="ＭＳ Ｐゴシック" panose="020B0600070205080204" pitchFamily="34" charset="-128"/>
-              </a:defRPr>
-            </a:lvl1pPr>
-            <a:lvl2pPr marL="742950" indent="-285750" defTabSz="957263">
-              <a:spcBef>
-                <a:spcPct val="20000"/>
-              </a:spcBef>
-              <a:buFont typeface="Arial" panose="020B0604020202020204" pitchFamily="34" charset="0"/>
-              <a:buChar char="–"/>
-              <a:defRPr kumimoji="1" sz="2800">
-                <a:solidFill>
-                  <a:schemeClr val="tx1"/>
-                </a:solidFill>
-                <a:latin typeface="Arial" panose="020B0604020202020204" pitchFamily="34" charset="0"/>
-                <a:ea typeface="ＭＳ Ｐゴシック" panose="020B0600070205080204" pitchFamily="34" charset="-128"/>
-              </a:defRPr>
-            </a:lvl2pPr>
-            <a:lvl3pPr marL="1143000" indent="-228600" defTabSz="957263">
-              <a:spcBef>
-                <a:spcPct val="20000"/>
-              </a:spcBef>
-              <a:buFont typeface="Arial" panose="020B0604020202020204" pitchFamily="34" charset="0"/>
-              <a:buChar char="•"/>
-              <a:defRPr kumimoji="1" sz="2400">
-                <a:solidFill>
-                  <a:schemeClr val="tx1"/>
-                </a:solidFill>
-                <a:latin typeface="Arial" panose="020B0604020202020204" pitchFamily="34" charset="0"/>
-                <a:ea typeface="ＭＳ Ｐゴシック" panose="020B0600070205080204" pitchFamily="34" charset="-128"/>
-              </a:defRPr>
-            </a:lvl3pPr>
-            <a:lvl4pPr marL="1600200" indent="-228600" defTabSz="957263">
-              <a:spcBef>
-                <a:spcPct val="20000"/>
-              </a:spcBef>
-              <a:buFont typeface="Arial" panose="020B0604020202020204" pitchFamily="34" charset="0"/>
-              <a:buChar char="–"/>
-              <a:defRPr kumimoji="1" sz="2000">
-                <a:solidFill>
-                  <a:schemeClr val="tx1"/>
-                </a:solidFill>
-                <a:latin typeface="Arial" panose="020B0604020202020204" pitchFamily="34" charset="0"/>
-                <a:ea typeface="ＭＳ Ｐゴシック" panose="020B0600070205080204" pitchFamily="34" charset="-128"/>
-              </a:defRPr>
-            </a:lvl4pPr>
-            <a:lvl5pPr marL="2057400" indent="-228600" defTabSz="957263">
-              <a:spcBef>
-                <a:spcPct val="20000"/>
-              </a:spcBef>
-              <a:buFont typeface="Arial" panose="020B0604020202020204" pitchFamily="34" charset="0"/>
-              <a:buChar char="»"/>
-              <a:defRPr kumimoji="1" sz="2000">
-                <a:solidFill>
-                  <a:schemeClr val="tx1"/>
-                </a:solidFill>
-                <a:latin typeface="Arial" panose="020B0604020202020204" pitchFamily="34" charset="0"/>
-                <a:ea typeface="ＭＳ Ｐゴシック" panose="020B0600070205080204" pitchFamily="34" charset="-128"/>
-              </a:defRPr>
-            </a:lvl5pPr>
-            <a:lvl6pPr marL="2514600" indent="-228600" defTabSz="957263" eaLnBrk="0" fontAlgn="base" hangingPunct="0">
-              <a:spcBef>
-                <a:spcPct val="20000"/>
-              </a:spcBef>
-              <a:spcAft>
-                <a:spcPct val="0"/>
-              </a:spcAft>
-              <a:buFont typeface="Arial" panose="020B0604020202020204" pitchFamily="34" charset="0"/>
-              <a:buChar char="»"/>
-              <a:defRPr kumimoji="1" sz="2000">
-                <a:solidFill>
-                  <a:schemeClr val="tx1"/>
-                </a:solidFill>
-                <a:latin typeface="Arial" panose="020B0604020202020204" pitchFamily="34" charset="0"/>
-                <a:ea typeface="ＭＳ Ｐゴシック" panose="020B0600070205080204" pitchFamily="34" charset="-128"/>
-              </a:defRPr>
-            </a:lvl6pPr>
-            <a:lvl7pPr marL="2971800" indent="-228600" defTabSz="957263" eaLnBrk="0" fontAlgn="base" hangingPunct="0">
-              <a:spcBef>
-                <a:spcPct val="20000"/>
-              </a:spcBef>
-              <a:spcAft>
-                <a:spcPct val="0"/>
-              </a:spcAft>
-              <a:buFont typeface="Arial" panose="020B0604020202020204" pitchFamily="34" charset="0"/>
-              <a:buChar char="»"/>
-              <a:defRPr kumimoji="1" sz="2000">
-                <a:solidFill>
-                  <a:schemeClr val="tx1"/>
-                </a:solidFill>
-                <a:latin typeface="Arial" panose="020B0604020202020204" pitchFamily="34" charset="0"/>
-                <a:ea typeface="ＭＳ Ｐゴシック" panose="020B0600070205080204" pitchFamily="34" charset="-128"/>
-              </a:defRPr>
-            </a:lvl7pPr>
-            <a:lvl8pPr marL="3429000" indent="-228600" defTabSz="957263" eaLnBrk="0" fontAlgn="base" hangingPunct="0">
-              <a:spcBef>
-                <a:spcPct val="20000"/>
-              </a:spcBef>
-              <a:spcAft>
-                <a:spcPct val="0"/>
-              </a:spcAft>
-              <a:buFont typeface="Arial" panose="020B0604020202020204" pitchFamily="34" charset="0"/>
-              <a:buChar char="»"/>
-              <a:defRPr kumimoji="1" sz="2000">
-                <a:solidFill>
-                  <a:schemeClr val="tx1"/>
-                </a:solidFill>
-                <a:latin typeface="Arial" panose="020B0604020202020204" pitchFamily="34" charset="0"/>
-                <a:ea typeface="ＭＳ Ｐゴシック" panose="020B0600070205080204" pitchFamily="34" charset="-128"/>
-              </a:defRPr>
-            </a:lvl8pPr>
-            <a:lvl9pPr marL="3886200" indent="-228600" defTabSz="957263" eaLnBrk="0" fontAlgn="base" hangingPunct="0">
-              <a:spcBef>
-                <a:spcPct val="20000"/>
-              </a:spcBef>
-              <a:spcAft>
-                <a:spcPct val="0"/>
-              </a:spcAft>
-              <a:buFont typeface="Arial" panose="020B0604020202020204" pitchFamily="34" charset="0"/>
-              <a:buChar char="»"/>
-              <a:defRPr kumimoji="1" sz="2000">
-                <a:solidFill>
-                  <a:schemeClr val="tx1"/>
-                </a:solidFill>
-                <a:latin typeface="Arial" panose="020B0604020202020204" pitchFamily="34" charset="0"/>
-                <a:ea typeface="ＭＳ Ｐゴシック" panose="020B0600070205080204" pitchFamily="34" charset="-128"/>
-              </a:defRPr>
-            </a:lvl9pPr>
-          </a:lstStyle>
-          <a:p>
-            <a:pPr algn="ctr" eaLnBrk="1" hangingPunct="1">
-              <a:spcBef>
-                <a:spcPct val="0"/>
-              </a:spcBef>
-              <a:buFontTx/>
-              <a:buNone/>
-            </a:pPr>
-            <a:r>
-              <a:rPr lang="ja-JP" altLang="en-US" sz="1400">
-                <a:latin typeface="+mn-ea"/>
-                <a:ea typeface="+mn-ea"/>
-              </a:rPr>
-              <a:t>２</a:t>
-            </a:r>
-          </a:p>
-        </p:txBody>
-      </p:sp>
-      <p:sp>
-        <p:nvSpPr>
-          <p:cNvPr id="28" name="Rectangle 48">
-            <a:extLst>
-              <a:ext uri="{FF2B5EF4-FFF2-40B4-BE49-F238E27FC236}">
-                <a16:creationId xmlns:a16="http://schemas.microsoft.com/office/drawing/2014/main" id="{DF58AFD8-8CA8-7D4C-8240-FBF080CF7D02}"/>
-              </a:ext>
-            </a:extLst>
-          </p:cNvPr>
-          <p:cNvSpPr>
-            <a:spLocks noChangeArrowheads="1"/>
-          </p:cNvSpPr>
-          <p:nvPr/>
-        </p:nvSpPr>
-        <p:spPr bwMode="auto">
-          <a:xfrm>
-            <a:off x="2739315" y="3551532"/>
-            <a:ext cx="632856" cy="430184"/>
-          </a:xfrm>
-          <a:prstGeom prst="rect">
-            <a:avLst/>
-          </a:prstGeom>
-          <a:solidFill>
-            <a:schemeClr val="accent2"/>
-          </a:solidFill>
-          <a:ln w="9525">
-            <a:noFill/>
-            <a:miter lim="800000"/>
-            <a:headEnd/>
-            <a:tailEnd/>
-          </a:ln>
-        </p:spPr>
-        <p:txBody>
-          <a:bodyPr wrap="none" lIns="95756" tIns="47878" rIns="95756" bIns="47878" anchor="ctr"/>
-          <a:lstStyle>
-            <a:lvl1pPr defTabSz="957263">
-              <a:spcBef>
-                <a:spcPct val="20000"/>
-              </a:spcBef>
-              <a:buFont typeface="Arial" panose="020B0604020202020204" pitchFamily="34" charset="0"/>
-              <a:buChar char="•"/>
-              <a:defRPr kumimoji="1" sz="3200">
-                <a:solidFill>
-                  <a:schemeClr val="tx1"/>
-                </a:solidFill>
-                <a:latin typeface="Arial" panose="020B0604020202020204" pitchFamily="34" charset="0"/>
-                <a:ea typeface="ＭＳ Ｐゴシック" panose="020B0600070205080204" pitchFamily="34" charset="-128"/>
-              </a:defRPr>
-            </a:lvl1pPr>
-            <a:lvl2pPr marL="742950" indent="-285750" defTabSz="957263">
-              <a:spcBef>
-                <a:spcPct val="20000"/>
-              </a:spcBef>
-              <a:buFont typeface="Arial" panose="020B0604020202020204" pitchFamily="34" charset="0"/>
-              <a:buChar char="–"/>
-              <a:defRPr kumimoji="1" sz="2800">
-                <a:solidFill>
-                  <a:schemeClr val="tx1"/>
-                </a:solidFill>
-                <a:latin typeface="Arial" panose="020B0604020202020204" pitchFamily="34" charset="0"/>
-                <a:ea typeface="ＭＳ Ｐゴシック" panose="020B0600070205080204" pitchFamily="34" charset="-128"/>
-              </a:defRPr>
-            </a:lvl2pPr>
-            <a:lvl3pPr marL="1143000" indent="-228600" defTabSz="957263">
-              <a:spcBef>
-                <a:spcPct val="20000"/>
-              </a:spcBef>
-              <a:buFont typeface="Arial" panose="020B0604020202020204" pitchFamily="34" charset="0"/>
-              <a:buChar char="•"/>
-              <a:defRPr kumimoji="1" sz="2400">
-                <a:solidFill>
-                  <a:schemeClr val="tx1"/>
-                </a:solidFill>
-                <a:latin typeface="Arial" panose="020B0604020202020204" pitchFamily="34" charset="0"/>
-                <a:ea typeface="ＭＳ Ｐゴシック" panose="020B0600070205080204" pitchFamily="34" charset="-128"/>
-              </a:defRPr>
-            </a:lvl3pPr>
-            <a:lvl4pPr marL="1600200" indent="-228600" defTabSz="957263">
-              <a:spcBef>
-                <a:spcPct val="20000"/>
-              </a:spcBef>
-              <a:buFont typeface="Arial" panose="020B0604020202020204" pitchFamily="34" charset="0"/>
-              <a:buChar char="–"/>
-              <a:defRPr kumimoji="1" sz="2000">
-                <a:solidFill>
-                  <a:schemeClr val="tx1"/>
-                </a:solidFill>
-                <a:latin typeface="Arial" panose="020B0604020202020204" pitchFamily="34" charset="0"/>
-                <a:ea typeface="ＭＳ Ｐゴシック" panose="020B0600070205080204" pitchFamily="34" charset="-128"/>
-              </a:defRPr>
-            </a:lvl4pPr>
-            <a:lvl5pPr marL="2057400" indent="-228600" defTabSz="957263">
-              <a:spcBef>
-                <a:spcPct val="20000"/>
-              </a:spcBef>
-              <a:buFont typeface="Arial" panose="020B0604020202020204" pitchFamily="34" charset="0"/>
-              <a:buChar char="»"/>
-              <a:defRPr kumimoji="1" sz="2000">
-                <a:solidFill>
-                  <a:schemeClr val="tx1"/>
-                </a:solidFill>
-                <a:latin typeface="Arial" panose="020B0604020202020204" pitchFamily="34" charset="0"/>
-                <a:ea typeface="ＭＳ Ｐゴシック" panose="020B0600070205080204" pitchFamily="34" charset="-128"/>
-              </a:defRPr>
-            </a:lvl5pPr>
-            <a:lvl6pPr marL="2514600" indent="-228600" defTabSz="957263" eaLnBrk="0" fontAlgn="base" hangingPunct="0">
-              <a:spcBef>
-                <a:spcPct val="20000"/>
-              </a:spcBef>
-              <a:spcAft>
-                <a:spcPct val="0"/>
-              </a:spcAft>
-              <a:buFont typeface="Arial" panose="020B0604020202020204" pitchFamily="34" charset="0"/>
-              <a:buChar char="»"/>
-              <a:defRPr kumimoji="1" sz="2000">
-                <a:solidFill>
-                  <a:schemeClr val="tx1"/>
-                </a:solidFill>
-                <a:latin typeface="Arial" panose="020B0604020202020204" pitchFamily="34" charset="0"/>
-                <a:ea typeface="ＭＳ Ｐゴシック" panose="020B0600070205080204" pitchFamily="34" charset="-128"/>
-              </a:defRPr>
-            </a:lvl6pPr>
-            <a:lvl7pPr marL="2971800" indent="-228600" defTabSz="957263" eaLnBrk="0" fontAlgn="base" hangingPunct="0">
-              <a:spcBef>
-                <a:spcPct val="20000"/>
-              </a:spcBef>
-              <a:spcAft>
-                <a:spcPct val="0"/>
-              </a:spcAft>
-              <a:buFont typeface="Arial" panose="020B0604020202020204" pitchFamily="34" charset="0"/>
-              <a:buChar char="»"/>
-              <a:defRPr kumimoji="1" sz="2000">
-                <a:solidFill>
-                  <a:schemeClr val="tx1"/>
-                </a:solidFill>
-                <a:latin typeface="Arial" panose="020B0604020202020204" pitchFamily="34" charset="0"/>
-                <a:ea typeface="ＭＳ Ｐゴシック" panose="020B0600070205080204" pitchFamily="34" charset="-128"/>
-              </a:defRPr>
-            </a:lvl7pPr>
-            <a:lvl8pPr marL="3429000" indent="-228600" defTabSz="957263" eaLnBrk="0" fontAlgn="base" hangingPunct="0">
-              <a:spcBef>
-                <a:spcPct val="20000"/>
-              </a:spcBef>
-              <a:spcAft>
-                <a:spcPct val="0"/>
-              </a:spcAft>
-              <a:buFont typeface="Arial" panose="020B0604020202020204" pitchFamily="34" charset="0"/>
-              <a:buChar char="»"/>
-              <a:defRPr kumimoji="1" sz="2000">
-                <a:solidFill>
-                  <a:schemeClr val="tx1"/>
-                </a:solidFill>
-                <a:latin typeface="Arial" panose="020B0604020202020204" pitchFamily="34" charset="0"/>
-                <a:ea typeface="ＭＳ Ｐゴシック" panose="020B0600070205080204" pitchFamily="34" charset="-128"/>
-              </a:defRPr>
-            </a:lvl8pPr>
-            <a:lvl9pPr marL="3886200" indent="-228600" defTabSz="957263" eaLnBrk="0" fontAlgn="base" hangingPunct="0">
-              <a:spcBef>
-                <a:spcPct val="20000"/>
-              </a:spcBef>
-              <a:spcAft>
-                <a:spcPct val="0"/>
-              </a:spcAft>
-              <a:buFont typeface="Arial" panose="020B0604020202020204" pitchFamily="34" charset="0"/>
-              <a:buChar char="»"/>
-              <a:defRPr kumimoji="1" sz="2000">
-                <a:solidFill>
-                  <a:schemeClr val="tx1"/>
-                </a:solidFill>
-                <a:latin typeface="Arial" panose="020B0604020202020204" pitchFamily="34" charset="0"/>
-                <a:ea typeface="ＭＳ Ｐゴシック" panose="020B0600070205080204" pitchFamily="34" charset="-128"/>
-              </a:defRPr>
-            </a:lvl9pPr>
-          </a:lstStyle>
-          <a:p>
-            <a:pPr algn="ctr" eaLnBrk="1" hangingPunct="1">
-              <a:spcBef>
-                <a:spcPct val="0"/>
-              </a:spcBef>
-              <a:buFontTx/>
-              <a:buNone/>
-            </a:pPr>
-            <a:r>
-              <a:rPr lang="ja-JP" altLang="en-US" sz="1400">
-                <a:latin typeface="+mn-ea"/>
-                <a:ea typeface="+mn-ea"/>
-              </a:rPr>
-              <a:t>４</a:t>
-            </a:r>
-          </a:p>
-        </p:txBody>
-      </p:sp>
-      <p:sp>
-        <p:nvSpPr>
-          <p:cNvPr id="30" name="Rectangle 50">
-            <a:extLst>
-              <a:ext uri="{FF2B5EF4-FFF2-40B4-BE49-F238E27FC236}">
-                <a16:creationId xmlns:a16="http://schemas.microsoft.com/office/drawing/2014/main" id="{DA3B55E6-1861-FD45-BF82-35110FE4CFE2}"/>
-              </a:ext>
-            </a:extLst>
-          </p:cNvPr>
-          <p:cNvSpPr>
-            <a:spLocks noChangeArrowheads="1"/>
-          </p:cNvSpPr>
-          <p:nvPr/>
-        </p:nvSpPr>
-        <p:spPr bwMode="auto">
-          <a:xfrm>
-            <a:off x="2739315" y="4213393"/>
-            <a:ext cx="795205" cy="264704"/>
-          </a:xfrm>
-          <a:prstGeom prst="rect">
-            <a:avLst/>
-          </a:prstGeom>
-          <a:solidFill>
-            <a:schemeClr val="accent2"/>
-          </a:solidFill>
-          <a:ln w="9525">
-            <a:noFill/>
-            <a:miter lim="800000"/>
-            <a:headEnd/>
-            <a:tailEnd/>
-          </a:ln>
-        </p:spPr>
-        <p:txBody>
-          <a:bodyPr wrap="none" lIns="95756" tIns="47878" rIns="95756" bIns="47878" anchor="ctr"/>
-          <a:lstStyle>
-            <a:lvl1pPr defTabSz="957263">
-              <a:spcBef>
-                <a:spcPct val="20000"/>
-              </a:spcBef>
-              <a:buFont typeface="Arial" panose="020B0604020202020204" pitchFamily="34" charset="0"/>
-              <a:buChar char="•"/>
-              <a:defRPr kumimoji="1" sz="3200">
-                <a:solidFill>
-                  <a:schemeClr val="tx1"/>
-                </a:solidFill>
-                <a:latin typeface="Arial" panose="020B0604020202020204" pitchFamily="34" charset="0"/>
-                <a:ea typeface="ＭＳ Ｐゴシック" panose="020B0600070205080204" pitchFamily="34" charset="-128"/>
-              </a:defRPr>
-            </a:lvl1pPr>
-            <a:lvl2pPr marL="742950" indent="-285750" defTabSz="957263">
-              <a:spcBef>
-                <a:spcPct val="20000"/>
-              </a:spcBef>
-              <a:buFont typeface="Arial" panose="020B0604020202020204" pitchFamily="34" charset="0"/>
-              <a:buChar char="–"/>
-              <a:defRPr kumimoji="1" sz="2800">
-                <a:solidFill>
-                  <a:schemeClr val="tx1"/>
-                </a:solidFill>
-                <a:latin typeface="Arial" panose="020B0604020202020204" pitchFamily="34" charset="0"/>
-                <a:ea typeface="ＭＳ Ｐゴシック" panose="020B0600070205080204" pitchFamily="34" charset="-128"/>
-              </a:defRPr>
-            </a:lvl2pPr>
-            <a:lvl3pPr marL="1143000" indent="-228600" defTabSz="957263">
-              <a:spcBef>
-                <a:spcPct val="20000"/>
-              </a:spcBef>
-              <a:buFont typeface="Arial" panose="020B0604020202020204" pitchFamily="34" charset="0"/>
-              <a:buChar char="•"/>
-              <a:defRPr kumimoji="1" sz="2400">
-                <a:solidFill>
-                  <a:schemeClr val="tx1"/>
-                </a:solidFill>
-                <a:latin typeface="Arial" panose="020B0604020202020204" pitchFamily="34" charset="0"/>
-                <a:ea typeface="ＭＳ Ｐゴシック" panose="020B0600070205080204" pitchFamily="34" charset="-128"/>
-              </a:defRPr>
-            </a:lvl3pPr>
-            <a:lvl4pPr marL="1600200" indent="-228600" defTabSz="957263">
-              <a:spcBef>
-                <a:spcPct val="20000"/>
-              </a:spcBef>
-              <a:buFont typeface="Arial" panose="020B0604020202020204" pitchFamily="34" charset="0"/>
-              <a:buChar char="–"/>
-              <a:defRPr kumimoji="1" sz="2000">
-                <a:solidFill>
-                  <a:schemeClr val="tx1"/>
-                </a:solidFill>
-                <a:latin typeface="Arial" panose="020B0604020202020204" pitchFamily="34" charset="0"/>
-                <a:ea typeface="ＭＳ Ｐゴシック" panose="020B0600070205080204" pitchFamily="34" charset="-128"/>
-              </a:defRPr>
-            </a:lvl4pPr>
-            <a:lvl5pPr marL="2057400" indent="-228600" defTabSz="957263">
-              <a:spcBef>
-                <a:spcPct val="20000"/>
-              </a:spcBef>
-              <a:buFont typeface="Arial" panose="020B0604020202020204" pitchFamily="34" charset="0"/>
-              <a:buChar char="»"/>
-              <a:defRPr kumimoji="1" sz="2000">
-                <a:solidFill>
-                  <a:schemeClr val="tx1"/>
-                </a:solidFill>
-                <a:latin typeface="Arial" panose="020B0604020202020204" pitchFamily="34" charset="0"/>
-                <a:ea typeface="ＭＳ Ｐゴシック" panose="020B0600070205080204" pitchFamily="34" charset="-128"/>
-              </a:defRPr>
-            </a:lvl5pPr>
-            <a:lvl6pPr marL="2514600" indent="-228600" defTabSz="957263" eaLnBrk="0" fontAlgn="base" hangingPunct="0">
-              <a:spcBef>
-                <a:spcPct val="20000"/>
-              </a:spcBef>
-              <a:spcAft>
-                <a:spcPct val="0"/>
-              </a:spcAft>
-              <a:buFont typeface="Arial" panose="020B0604020202020204" pitchFamily="34" charset="0"/>
-              <a:buChar char="»"/>
-              <a:defRPr kumimoji="1" sz="2000">
-                <a:solidFill>
-                  <a:schemeClr val="tx1"/>
-                </a:solidFill>
-                <a:latin typeface="Arial" panose="020B0604020202020204" pitchFamily="34" charset="0"/>
-                <a:ea typeface="ＭＳ Ｐゴシック" panose="020B0600070205080204" pitchFamily="34" charset="-128"/>
-              </a:defRPr>
-            </a:lvl6pPr>
-            <a:lvl7pPr marL="2971800" indent="-228600" defTabSz="957263" eaLnBrk="0" fontAlgn="base" hangingPunct="0">
-              <a:spcBef>
-                <a:spcPct val="20000"/>
-              </a:spcBef>
-              <a:spcAft>
-                <a:spcPct val="0"/>
-              </a:spcAft>
-              <a:buFont typeface="Arial" panose="020B0604020202020204" pitchFamily="34" charset="0"/>
-              <a:buChar char="»"/>
-              <a:defRPr kumimoji="1" sz="2000">
-                <a:solidFill>
-                  <a:schemeClr val="tx1"/>
-                </a:solidFill>
-                <a:latin typeface="Arial" panose="020B0604020202020204" pitchFamily="34" charset="0"/>
-                <a:ea typeface="ＭＳ Ｐゴシック" panose="020B0600070205080204" pitchFamily="34" charset="-128"/>
-              </a:defRPr>
-            </a:lvl7pPr>
-            <a:lvl8pPr marL="3429000" indent="-228600" defTabSz="957263" eaLnBrk="0" fontAlgn="base" hangingPunct="0">
-              <a:spcBef>
-                <a:spcPct val="20000"/>
-              </a:spcBef>
-              <a:spcAft>
-                <a:spcPct val="0"/>
-              </a:spcAft>
-              <a:buFont typeface="Arial" panose="020B0604020202020204" pitchFamily="34" charset="0"/>
-              <a:buChar char="»"/>
-              <a:defRPr kumimoji="1" sz="2000">
-                <a:solidFill>
-                  <a:schemeClr val="tx1"/>
-                </a:solidFill>
-                <a:latin typeface="Arial" panose="020B0604020202020204" pitchFamily="34" charset="0"/>
-                <a:ea typeface="ＭＳ Ｐゴシック" panose="020B0600070205080204" pitchFamily="34" charset="-128"/>
-              </a:defRPr>
-            </a:lvl8pPr>
-            <a:lvl9pPr marL="3886200" indent="-228600" defTabSz="957263" eaLnBrk="0" fontAlgn="base" hangingPunct="0">
-              <a:spcBef>
-                <a:spcPct val="20000"/>
-              </a:spcBef>
-              <a:spcAft>
-                <a:spcPct val="0"/>
-              </a:spcAft>
-              <a:buFont typeface="Arial" panose="020B0604020202020204" pitchFamily="34" charset="0"/>
-              <a:buChar char="»"/>
-              <a:defRPr kumimoji="1" sz="2000">
-                <a:solidFill>
-                  <a:schemeClr val="tx1"/>
-                </a:solidFill>
-                <a:latin typeface="Arial" panose="020B0604020202020204" pitchFamily="34" charset="0"/>
-                <a:ea typeface="ＭＳ Ｐゴシック" panose="020B0600070205080204" pitchFamily="34" charset="-128"/>
-              </a:defRPr>
-            </a:lvl9pPr>
-          </a:lstStyle>
-          <a:p>
-            <a:pPr algn="ctr" eaLnBrk="1" hangingPunct="1">
-              <a:spcBef>
-                <a:spcPct val="0"/>
-              </a:spcBef>
-              <a:buFontTx/>
-              <a:buNone/>
-            </a:pPr>
-            <a:r>
-              <a:rPr lang="en-US" altLang="ja-JP" sz="1400">
-                <a:latin typeface="+mn-ea"/>
-                <a:ea typeface="+mn-ea"/>
-              </a:rPr>
-              <a:t>6</a:t>
-            </a:r>
-            <a:endParaRPr lang="ja-JP" altLang="en-US" sz="1400">
-              <a:latin typeface="+mn-ea"/>
-              <a:ea typeface="+mn-ea"/>
-            </a:endParaRPr>
-          </a:p>
-        </p:txBody>
-      </p:sp>
-      <p:sp>
-        <p:nvSpPr>
-          <p:cNvPr id="32" name="Rectangle 52">
-            <a:extLst>
-              <a:ext uri="{FF2B5EF4-FFF2-40B4-BE49-F238E27FC236}">
-                <a16:creationId xmlns:a16="http://schemas.microsoft.com/office/drawing/2014/main" id="{0F674118-2BEA-644B-8B0D-C842C2E2C1DC}"/>
-              </a:ext>
-            </a:extLst>
-          </p:cNvPr>
-          <p:cNvSpPr>
-            <a:spLocks noChangeArrowheads="1"/>
-          </p:cNvSpPr>
-          <p:nvPr/>
-        </p:nvSpPr>
-        <p:spPr bwMode="auto">
-          <a:xfrm>
-            <a:off x="1926111" y="3643265"/>
-            <a:ext cx="528069" cy="816507"/>
-          </a:xfrm>
-          <a:prstGeom prst="rect">
-            <a:avLst/>
-          </a:prstGeom>
-          <a:solidFill>
-            <a:schemeClr val="accent2"/>
-          </a:solidFill>
-          <a:ln w="9525">
-            <a:noFill/>
-            <a:miter lim="800000"/>
-            <a:headEnd/>
-            <a:tailEnd/>
-          </a:ln>
-        </p:spPr>
-        <p:txBody>
-          <a:bodyPr wrap="none" lIns="95756" tIns="47878" rIns="95756" bIns="47878" anchor="ctr"/>
-          <a:lstStyle>
-            <a:lvl1pPr defTabSz="957263">
-              <a:spcBef>
-                <a:spcPct val="20000"/>
-              </a:spcBef>
-              <a:buFont typeface="Arial" panose="020B0604020202020204" pitchFamily="34" charset="0"/>
-              <a:buChar char="•"/>
-              <a:defRPr kumimoji="1" sz="3200">
-                <a:solidFill>
-                  <a:schemeClr val="tx1"/>
-                </a:solidFill>
-                <a:latin typeface="Arial" panose="020B0604020202020204" pitchFamily="34" charset="0"/>
-                <a:ea typeface="ＭＳ Ｐゴシック" panose="020B0600070205080204" pitchFamily="34" charset="-128"/>
-              </a:defRPr>
-            </a:lvl1pPr>
-            <a:lvl2pPr marL="742950" indent="-285750" defTabSz="957263">
-              <a:spcBef>
-                <a:spcPct val="20000"/>
-              </a:spcBef>
-              <a:buFont typeface="Arial" panose="020B0604020202020204" pitchFamily="34" charset="0"/>
-              <a:buChar char="–"/>
-              <a:defRPr kumimoji="1" sz="2800">
-                <a:solidFill>
-                  <a:schemeClr val="tx1"/>
-                </a:solidFill>
-                <a:latin typeface="Arial" panose="020B0604020202020204" pitchFamily="34" charset="0"/>
-                <a:ea typeface="ＭＳ Ｐゴシック" panose="020B0600070205080204" pitchFamily="34" charset="-128"/>
-              </a:defRPr>
-            </a:lvl2pPr>
-            <a:lvl3pPr marL="1143000" indent="-228600" defTabSz="957263">
-              <a:spcBef>
-                <a:spcPct val="20000"/>
-              </a:spcBef>
-              <a:buFont typeface="Arial" panose="020B0604020202020204" pitchFamily="34" charset="0"/>
-              <a:buChar char="•"/>
-              <a:defRPr kumimoji="1" sz="2400">
-                <a:solidFill>
-                  <a:schemeClr val="tx1"/>
-                </a:solidFill>
-                <a:latin typeface="Arial" panose="020B0604020202020204" pitchFamily="34" charset="0"/>
-                <a:ea typeface="ＭＳ Ｐゴシック" panose="020B0600070205080204" pitchFamily="34" charset="-128"/>
-              </a:defRPr>
-            </a:lvl3pPr>
-            <a:lvl4pPr marL="1600200" indent="-228600" defTabSz="957263">
-              <a:spcBef>
-                <a:spcPct val="20000"/>
-              </a:spcBef>
-              <a:buFont typeface="Arial" panose="020B0604020202020204" pitchFamily="34" charset="0"/>
-              <a:buChar char="–"/>
-              <a:defRPr kumimoji="1" sz="2000">
-                <a:solidFill>
-                  <a:schemeClr val="tx1"/>
-                </a:solidFill>
-                <a:latin typeface="Arial" panose="020B0604020202020204" pitchFamily="34" charset="0"/>
-                <a:ea typeface="ＭＳ Ｐゴシック" panose="020B0600070205080204" pitchFamily="34" charset="-128"/>
-              </a:defRPr>
-            </a:lvl4pPr>
-            <a:lvl5pPr marL="2057400" indent="-228600" defTabSz="957263">
-              <a:spcBef>
-                <a:spcPct val="20000"/>
-              </a:spcBef>
-              <a:buFont typeface="Arial" panose="020B0604020202020204" pitchFamily="34" charset="0"/>
-              <a:buChar char="»"/>
-              <a:defRPr kumimoji="1" sz="2000">
-                <a:solidFill>
-                  <a:schemeClr val="tx1"/>
-                </a:solidFill>
-                <a:latin typeface="Arial" panose="020B0604020202020204" pitchFamily="34" charset="0"/>
-                <a:ea typeface="ＭＳ Ｐゴシック" panose="020B0600070205080204" pitchFamily="34" charset="-128"/>
-              </a:defRPr>
-            </a:lvl5pPr>
-            <a:lvl6pPr marL="2514600" indent="-228600" defTabSz="957263" eaLnBrk="0" fontAlgn="base" hangingPunct="0">
-              <a:spcBef>
-                <a:spcPct val="20000"/>
-              </a:spcBef>
-              <a:spcAft>
-                <a:spcPct val="0"/>
-              </a:spcAft>
-              <a:buFont typeface="Arial" panose="020B0604020202020204" pitchFamily="34" charset="0"/>
-              <a:buChar char="»"/>
-              <a:defRPr kumimoji="1" sz="2000">
-                <a:solidFill>
-                  <a:schemeClr val="tx1"/>
-                </a:solidFill>
-                <a:latin typeface="Arial" panose="020B0604020202020204" pitchFamily="34" charset="0"/>
-                <a:ea typeface="ＭＳ Ｐゴシック" panose="020B0600070205080204" pitchFamily="34" charset="-128"/>
-              </a:defRPr>
-            </a:lvl6pPr>
-            <a:lvl7pPr marL="2971800" indent="-228600" defTabSz="957263" eaLnBrk="0" fontAlgn="base" hangingPunct="0">
-              <a:spcBef>
-                <a:spcPct val="20000"/>
-              </a:spcBef>
-              <a:spcAft>
-                <a:spcPct val="0"/>
-              </a:spcAft>
-              <a:buFont typeface="Arial" panose="020B0604020202020204" pitchFamily="34" charset="0"/>
-              <a:buChar char="»"/>
-              <a:defRPr kumimoji="1" sz="2000">
-                <a:solidFill>
-                  <a:schemeClr val="tx1"/>
-                </a:solidFill>
-                <a:latin typeface="Arial" panose="020B0604020202020204" pitchFamily="34" charset="0"/>
-                <a:ea typeface="ＭＳ Ｐゴシック" panose="020B0600070205080204" pitchFamily="34" charset="-128"/>
-              </a:defRPr>
-            </a:lvl7pPr>
-            <a:lvl8pPr marL="3429000" indent="-228600" defTabSz="957263" eaLnBrk="0" fontAlgn="base" hangingPunct="0">
-              <a:spcBef>
-                <a:spcPct val="20000"/>
-              </a:spcBef>
-              <a:spcAft>
-                <a:spcPct val="0"/>
-              </a:spcAft>
-              <a:buFont typeface="Arial" panose="020B0604020202020204" pitchFamily="34" charset="0"/>
-              <a:buChar char="»"/>
-              <a:defRPr kumimoji="1" sz="2000">
-                <a:solidFill>
-                  <a:schemeClr val="tx1"/>
-                </a:solidFill>
-                <a:latin typeface="Arial" panose="020B0604020202020204" pitchFamily="34" charset="0"/>
-                <a:ea typeface="ＭＳ Ｐゴシック" panose="020B0600070205080204" pitchFamily="34" charset="-128"/>
-              </a:defRPr>
-            </a:lvl8pPr>
-            <a:lvl9pPr marL="3886200" indent="-228600" defTabSz="957263" eaLnBrk="0" fontAlgn="base" hangingPunct="0">
-              <a:spcBef>
-                <a:spcPct val="20000"/>
-              </a:spcBef>
-              <a:spcAft>
-                <a:spcPct val="0"/>
-              </a:spcAft>
-              <a:buFont typeface="Arial" panose="020B0604020202020204" pitchFamily="34" charset="0"/>
-              <a:buChar char="»"/>
-              <a:defRPr kumimoji="1" sz="2000">
-                <a:solidFill>
-                  <a:schemeClr val="tx1"/>
-                </a:solidFill>
-                <a:latin typeface="Arial" panose="020B0604020202020204" pitchFamily="34" charset="0"/>
-                <a:ea typeface="ＭＳ Ｐゴシック" panose="020B0600070205080204" pitchFamily="34" charset="-128"/>
-              </a:defRPr>
-            </a:lvl9pPr>
-          </a:lstStyle>
-          <a:p>
-            <a:pPr algn="ctr" eaLnBrk="1" hangingPunct="1">
-              <a:spcBef>
-                <a:spcPct val="0"/>
-              </a:spcBef>
-              <a:buFontTx/>
-              <a:buNone/>
-            </a:pPr>
-            <a:r>
-              <a:rPr lang="ja-JP" altLang="en-US" sz="1400">
-                <a:latin typeface="+mn-ea"/>
-                <a:ea typeface="+mn-ea"/>
-              </a:rPr>
-              <a:t>３</a:t>
-            </a:r>
-          </a:p>
-        </p:txBody>
-      </p:sp>
-      <p:sp>
-        <p:nvSpPr>
-          <p:cNvPr id="35" name="Rectangle 55">
-            <a:extLst>
-              <a:ext uri="{FF2B5EF4-FFF2-40B4-BE49-F238E27FC236}">
-                <a16:creationId xmlns:a16="http://schemas.microsoft.com/office/drawing/2014/main" id="{D41181BD-D96B-094F-AB88-4030BF963261}"/>
-              </a:ext>
-            </a:extLst>
-          </p:cNvPr>
-          <p:cNvSpPr>
-            <a:spLocks noChangeArrowheads="1"/>
-          </p:cNvSpPr>
-          <p:nvPr/>
-        </p:nvSpPr>
-        <p:spPr bwMode="auto">
-          <a:xfrm>
-            <a:off x="3715353" y="3726144"/>
-            <a:ext cx="795205" cy="611670"/>
-          </a:xfrm>
-          <a:prstGeom prst="rect">
-            <a:avLst/>
-          </a:prstGeom>
-          <a:solidFill>
-            <a:schemeClr val="accent2"/>
-          </a:solidFill>
-          <a:ln w="9525">
-            <a:noFill/>
-            <a:miter lim="800000"/>
-            <a:headEnd/>
-            <a:tailEnd/>
-          </a:ln>
-        </p:spPr>
-        <p:txBody>
-          <a:bodyPr wrap="none" lIns="95756" tIns="47878" rIns="95756" bIns="47878" anchor="ctr"/>
-          <a:lstStyle>
-            <a:lvl1pPr defTabSz="957263">
-              <a:spcBef>
-                <a:spcPct val="20000"/>
-              </a:spcBef>
-              <a:buFont typeface="Arial" panose="020B0604020202020204" pitchFamily="34" charset="0"/>
-              <a:buChar char="•"/>
-              <a:defRPr kumimoji="1" sz="3200">
-                <a:solidFill>
-                  <a:schemeClr val="tx1"/>
-                </a:solidFill>
-                <a:latin typeface="Arial" panose="020B0604020202020204" pitchFamily="34" charset="0"/>
-                <a:ea typeface="ＭＳ Ｐゴシック" panose="020B0600070205080204" pitchFamily="34" charset="-128"/>
-              </a:defRPr>
-            </a:lvl1pPr>
-            <a:lvl2pPr marL="742950" indent="-285750" defTabSz="957263">
-              <a:spcBef>
-                <a:spcPct val="20000"/>
-              </a:spcBef>
-              <a:buFont typeface="Arial" panose="020B0604020202020204" pitchFamily="34" charset="0"/>
-              <a:buChar char="–"/>
-              <a:defRPr kumimoji="1" sz="2800">
-                <a:solidFill>
-                  <a:schemeClr val="tx1"/>
-                </a:solidFill>
-                <a:latin typeface="Arial" panose="020B0604020202020204" pitchFamily="34" charset="0"/>
-                <a:ea typeface="ＭＳ Ｐゴシック" panose="020B0600070205080204" pitchFamily="34" charset="-128"/>
-              </a:defRPr>
-            </a:lvl2pPr>
-            <a:lvl3pPr marL="1143000" indent="-228600" defTabSz="957263">
-              <a:spcBef>
-                <a:spcPct val="20000"/>
-              </a:spcBef>
-              <a:buFont typeface="Arial" panose="020B0604020202020204" pitchFamily="34" charset="0"/>
-              <a:buChar char="•"/>
-              <a:defRPr kumimoji="1" sz="2400">
-                <a:solidFill>
-                  <a:schemeClr val="tx1"/>
-                </a:solidFill>
-                <a:latin typeface="Arial" panose="020B0604020202020204" pitchFamily="34" charset="0"/>
-                <a:ea typeface="ＭＳ Ｐゴシック" panose="020B0600070205080204" pitchFamily="34" charset="-128"/>
-              </a:defRPr>
-            </a:lvl3pPr>
-            <a:lvl4pPr marL="1600200" indent="-228600" defTabSz="957263">
-              <a:spcBef>
-                <a:spcPct val="20000"/>
-              </a:spcBef>
-              <a:buFont typeface="Arial" panose="020B0604020202020204" pitchFamily="34" charset="0"/>
-              <a:buChar char="–"/>
-              <a:defRPr kumimoji="1" sz="2000">
-                <a:solidFill>
-                  <a:schemeClr val="tx1"/>
-                </a:solidFill>
-                <a:latin typeface="Arial" panose="020B0604020202020204" pitchFamily="34" charset="0"/>
-                <a:ea typeface="ＭＳ Ｐゴシック" panose="020B0600070205080204" pitchFamily="34" charset="-128"/>
-              </a:defRPr>
-            </a:lvl4pPr>
-            <a:lvl5pPr marL="2057400" indent="-228600" defTabSz="957263">
-              <a:spcBef>
-                <a:spcPct val="20000"/>
-              </a:spcBef>
-              <a:buFont typeface="Arial" panose="020B0604020202020204" pitchFamily="34" charset="0"/>
-              <a:buChar char="»"/>
-              <a:defRPr kumimoji="1" sz="2000">
-                <a:solidFill>
-                  <a:schemeClr val="tx1"/>
-                </a:solidFill>
-                <a:latin typeface="Arial" panose="020B0604020202020204" pitchFamily="34" charset="0"/>
-                <a:ea typeface="ＭＳ Ｐゴシック" panose="020B0600070205080204" pitchFamily="34" charset="-128"/>
-              </a:defRPr>
-            </a:lvl5pPr>
-            <a:lvl6pPr marL="2514600" indent="-228600" defTabSz="957263" eaLnBrk="0" fontAlgn="base" hangingPunct="0">
-              <a:spcBef>
-                <a:spcPct val="20000"/>
-              </a:spcBef>
-              <a:spcAft>
-                <a:spcPct val="0"/>
-              </a:spcAft>
-              <a:buFont typeface="Arial" panose="020B0604020202020204" pitchFamily="34" charset="0"/>
-              <a:buChar char="»"/>
-              <a:defRPr kumimoji="1" sz="2000">
-                <a:solidFill>
-                  <a:schemeClr val="tx1"/>
-                </a:solidFill>
-                <a:latin typeface="Arial" panose="020B0604020202020204" pitchFamily="34" charset="0"/>
-                <a:ea typeface="ＭＳ Ｐゴシック" panose="020B0600070205080204" pitchFamily="34" charset="-128"/>
-              </a:defRPr>
-            </a:lvl6pPr>
-            <a:lvl7pPr marL="2971800" indent="-228600" defTabSz="957263" eaLnBrk="0" fontAlgn="base" hangingPunct="0">
-              <a:spcBef>
-                <a:spcPct val="20000"/>
-              </a:spcBef>
-              <a:spcAft>
-                <a:spcPct val="0"/>
-              </a:spcAft>
-              <a:buFont typeface="Arial" panose="020B0604020202020204" pitchFamily="34" charset="0"/>
-              <a:buChar char="»"/>
-              <a:defRPr kumimoji="1" sz="2000">
-                <a:solidFill>
-                  <a:schemeClr val="tx1"/>
-                </a:solidFill>
-                <a:latin typeface="Arial" panose="020B0604020202020204" pitchFamily="34" charset="0"/>
-                <a:ea typeface="ＭＳ Ｐゴシック" panose="020B0600070205080204" pitchFamily="34" charset="-128"/>
-              </a:defRPr>
-            </a:lvl7pPr>
-            <a:lvl8pPr marL="3429000" indent="-228600" defTabSz="957263" eaLnBrk="0" fontAlgn="base" hangingPunct="0">
-              <a:spcBef>
-                <a:spcPct val="20000"/>
-              </a:spcBef>
-              <a:spcAft>
-                <a:spcPct val="0"/>
-              </a:spcAft>
-              <a:buFont typeface="Arial" panose="020B0604020202020204" pitchFamily="34" charset="0"/>
-              <a:buChar char="»"/>
-              <a:defRPr kumimoji="1" sz="2000">
-                <a:solidFill>
-                  <a:schemeClr val="tx1"/>
-                </a:solidFill>
-                <a:latin typeface="Arial" panose="020B0604020202020204" pitchFamily="34" charset="0"/>
-                <a:ea typeface="ＭＳ Ｐゴシック" panose="020B0600070205080204" pitchFamily="34" charset="-128"/>
-              </a:defRPr>
-            </a:lvl8pPr>
-            <a:lvl9pPr marL="3886200" indent="-228600" defTabSz="957263" eaLnBrk="0" fontAlgn="base" hangingPunct="0">
-              <a:spcBef>
-                <a:spcPct val="20000"/>
-              </a:spcBef>
-              <a:spcAft>
-                <a:spcPct val="0"/>
-              </a:spcAft>
-              <a:buFont typeface="Arial" panose="020B0604020202020204" pitchFamily="34" charset="0"/>
-              <a:buChar char="»"/>
-              <a:defRPr kumimoji="1" sz="2000">
-                <a:solidFill>
-                  <a:schemeClr val="tx1"/>
-                </a:solidFill>
-                <a:latin typeface="Arial" panose="020B0604020202020204" pitchFamily="34" charset="0"/>
-                <a:ea typeface="ＭＳ Ｐゴシック" panose="020B0600070205080204" pitchFamily="34" charset="-128"/>
-              </a:defRPr>
-            </a:lvl9pPr>
-          </a:lstStyle>
-          <a:p>
-            <a:pPr algn="ctr" eaLnBrk="1" hangingPunct="1">
-              <a:spcBef>
-                <a:spcPct val="0"/>
-              </a:spcBef>
-              <a:buFontTx/>
-              <a:buNone/>
-            </a:pPr>
-            <a:r>
-              <a:rPr lang="en-US" altLang="ja-JP" sz="1400">
-                <a:latin typeface="+mn-ea"/>
-                <a:ea typeface="+mn-ea"/>
-              </a:rPr>
-              <a:t>5</a:t>
-            </a:r>
-            <a:endParaRPr lang="ja-JP" altLang="en-US" sz="1400">
-              <a:latin typeface="+mn-ea"/>
-              <a:ea typeface="+mn-ea"/>
-            </a:endParaRPr>
-          </a:p>
-        </p:txBody>
-      </p:sp>
-      <p:sp>
-        <p:nvSpPr>
-          <p:cNvPr id="33" name="Rectangle 53">
-            <a:extLst>
-              <a:ext uri="{FF2B5EF4-FFF2-40B4-BE49-F238E27FC236}">
-                <a16:creationId xmlns:a16="http://schemas.microsoft.com/office/drawing/2014/main" id="{A066F526-C68B-1449-AEFD-05867B8D73A9}"/>
-              </a:ext>
-            </a:extLst>
-          </p:cNvPr>
-          <p:cNvSpPr>
-            <a:spLocks noChangeArrowheads="1"/>
-          </p:cNvSpPr>
-          <p:nvPr/>
-        </p:nvSpPr>
-        <p:spPr bwMode="auto">
-          <a:xfrm>
-            <a:off x="1926111" y="3020542"/>
-            <a:ext cx="898647" cy="438633"/>
-          </a:xfrm>
-          <a:prstGeom prst="rect">
-            <a:avLst/>
-          </a:prstGeom>
-          <a:solidFill>
-            <a:schemeClr val="accent2"/>
-          </a:solidFill>
-          <a:ln w="9525">
-            <a:noFill/>
-            <a:miter lim="800000"/>
-            <a:headEnd/>
-            <a:tailEnd/>
-          </a:ln>
-        </p:spPr>
-        <p:txBody>
-          <a:bodyPr wrap="none" lIns="95756" tIns="47878" rIns="95756" bIns="47878" anchor="ctr"/>
-          <a:lstStyle>
-            <a:lvl1pPr defTabSz="957263">
-              <a:spcBef>
-                <a:spcPct val="20000"/>
-              </a:spcBef>
-              <a:buFont typeface="Arial" panose="020B0604020202020204" pitchFamily="34" charset="0"/>
-              <a:buChar char="•"/>
-              <a:defRPr kumimoji="1" sz="3200">
-                <a:solidFill>
-                  <a:schemeClr val="tx1"/>
-                </a:solidFill>
-                <a:latin typeface="Arial" panose="020B0604020202020204" pitchFamily="34" charset="0"/>
-                <a:ea typeface="ＭＳ Ｐゴシック" panose="020B0600070205080204" pitchFamily="34" charset="-128"/>
-              </a:defRPr>
-            </a:lvl1pPr>
-            <a:lvl2pPr marL="742950" indent="-285750" defTabSz="957263">
-              <a:spcBef>
-                <a:spcPct val="20000"/>
-              </a:spcBef>
-              <a:buFont typeface="Arial" panose="020B0604020202020204" pitchFamily="34" charset="0"/>
-              <a:buChar char="–"/>
-              <a:defRPr kumimoji="1" sz="2800">
-                <a:solidFill>
-                  <a:schemeClr val="tx1"/>
-                </a:solidFill>
-                <a:latin typeface="Arial" panose="020B0604020202020204" pitchFamily="34" charset="0"/>
-                <a:ea typeface="ＭＳ Ｐゴシック" panose="020B0600070205080204" pitchFamily="34" charset="-128"/>
-              </a:defRPr>
-            </a:lvl2pPr>
-            <a:lvl3pPr marL="1143000" indent="-228600" defTabSz="957263">
-              <a:spcBef>
-                <a:spcPct val="20000"/>
-              </a:spcBef>
-              <a:buFont typeface="Arial" panose="020B0604020202020204" pitchFamily="34" charset="0"/>
-              <a:buChar char="•"/>
-              <a:defRPr kumimoji="1" sz="2400">
-                <a:solidFill>
-                  <a:schemeClr val="tx1"/>
-                </a:solidFill>
-                <a:latin typeface="Arial" panose="020B0604020202020204" pitchFamily="34" charset="0"/>
-                <a:ea typeface="ＭＳ Ｐゴシック" panose="020B0600070205080204" pitchFamily="34" charset="-128"/>
-              </a:defRPr>
-            </a:lvl3pPr>
-            <a:lvl4pPr marL="1600200" indent="-228600" defTabSz="957263">
-              <a:spcBef>
-                <a:spcPct val="20000"/>
-              </a:spcBef>
-              <a:buFont typeface="Arial" panose="020B0604020202020204" pitchFamily="34" charset="0"/>
-              <a:buChar char="–"/>
-              <a:defRPr kumimoji="1" sz="2000">
-                <a:solidFill>
-                  <a:schemeClr val="tx1"/>
-                </a:solidFill>
-                <a:latin typeface="Arial" panose="020B0604020202020204" pitchFamily="34" charset="0"/>
-                <a:ea typeface="ＭＳ Ｐゴシック" panose="020B0600070205080204" pitchFamily="34" charset="-128"/>
-              </a:defRPr>
-            </a:lvl4pPr>
-            <a:lvl5pPr marL="2057400" indent="-228600" defTabSz="957263">
-              <a:spcBef>
-                <a:spcPct val="20000"/>
-              </a:spcBef>
-              <a:buFont typeface="Arial" panose="020B0604020202020204" pitchFamily="34" charset="0"/>
-              <a:buChar char="»"/>
-              <a:defRPr kumimoji="1" sz="2000">
-                <a:solidFill>
-                  <a:schemeClr val="tx1"/>
-                </a:solidFill>
-                <a:latin typeface="Arial" panose="020B0604020202020204" pitchFamily="34" charset="0"/>
-                <a:ea typeface="ＭＳ Ｐゴシック" panose="020B0600070205080204" pitchFamily="34" charset="-128"/>
-              </a:defRPr>
-            </a:lvl5pPr>
-            <a:lvl6pPr marL="2514600" indent="-228600" defTabSz="957263" eaLnBrk="0" fontAlgn="base" hangingPunct="0">
-              <a:spcBef>
-                <a:spcPct val="20000"/>
-              </a:spcBef>
-              <a:spcAft>
-                <a:spcPct val="0"/>
-              </a:spcAft>
-              <a:buFont typeface="Arial" panose="020B0604020202020204" pitchFamily="34" charset="0"/>
-              <a:buChar char="»"/>
-              <a:defRPr kumimoji="1" sz="2000">
-                <a:solidFill>
-                  <a:schemeClr val="tx1"/>
-                </a:solidFill>
-                <a:latin typeface="Arial" panose="020B0604020202020204" pitchFamily="34" charset="0"/>
-                <a:ea typeface="ＭＳ Ｐゴシック" panose="020B0600070205080204" pitchFamily="34" charset="-128"/>
-              </a:defRPr>
-            </a:lvl6pPr>
-            <a:lvl7pPr marL="2971800" indent="-228600" defTabSz="957263" eaLnBrk="0" fontAlgn="base" hangingPunct="0">
-              <a:spcBef>
-                <a:spcPct val="20000"/>
-              </a:spcBef>
-              <a:spcAft>
-                <a:spcPct val="0"/>
-              </a:spcAft>
-              <a:buFont typeface="Arial" panose="020B0604020202020204" pitchFamily="34" charset="0"/>
-              <a:buChar char="»"/>
-              <a:defRPr kumimoji="1" sz="2000">
-                <a:solidFill>
-                  <a:schemeClr val="tx1"/>
-                </a:solidFill>
-                <a:latin typeface="Arial" panose="020B0604020202020204" pitchFamily="34" charset="0"/>
-                <a:ea typeface="ＭＳ Ｐゴシック" panose="020B0600070205080204" pitchFamily="34" charset="-128"/>
-              </a:defRPr>
-            </a:lvl7pPr>
-            <a:lvl8pPr marL="3429000" indent="-228600" defTabSz="957263" eaLnBrk="0" fontAlgn="base" hangingPunct="0">
-              <a:spcBef>
-                <a:spcPct val="20000"/>
-              </a:spcBef>
-              <a:spcAft>
-                <a:spcPct val="0"/>
-              </a:spcAft>
-              <a:buFont typeface="Arial" panose="020B0604020202020204" pitchFamily="34" charset="0"/>
-              <a:buChar char="»"/>
-              <a:defRPr kumimoji="1" sz="2000">
-                <a:solidFill>
-                  <a:schemeClr val="tx1"/>
-                </a:solidFill>
-                <a:latin typeface="Arial" panose="020B0604020202020204" pitchFamily="34" charset="0"/>
-                <a:ea typeface="ＭＳ Ｐゴシック" panose="020B0600070205080204" pitchFamily="34" charset="-128"/>
-              </a:defRPr>
-            </a:lvl8pPr>
-            <a:lvl9pPr marL="3886200" indent="-228600" defTabSz="957263" eaLnBrk="0" fontAlgn="base" hangingPunct="0">
-              <a:spcBef>
-                <a:spcPct val="20000"/>
-              </a:spcBef>
-              <a:spcAft>
-                <a:spcPct val="0"/>
-              </a:spcAft>
-              <a:buFont typeface="Arial" panose="020B0604020202020204" pitchFamily="34" charset="0"/>
-              <a:buChar char="»"/>
-              <a:defRPr kumimoji="1" sz="2000">
-                <a:solidFill>
-                  <a:schemeClr val="tx1"/>
-                </a:solidFill>
-                <a:latin typeface="Arial" panose="020B0604020202020204" pitchFamily="34" charset="0"/>
-                <a:ea typeface="ＭＳ Ｐゴシック" panose="020B0600070205080204" pitchFamily="34" charset="-128"/>
-              </a:defRPr>
-            </a:lvl9pPr>
-          </a:lstStyle>
-          <a:p>
-            <a:pPr algn="ctr" eaLnBrk="1" hangingPunct="1">
-              <a:spcBef>
-                <a:spcPct val="0"/>
-              </a:spcBef>
-              <a:buFontTx/>
-              <a:buNone/>
-            </a:pPr>
-            <a:r>
-              <a:rPr lang="ja-JP" altLang="en-US" sz="1400">
-                <a:latin typeface="+mn-ea"/>
-                <a:ea typeface="+mn-ea"/>
-              </a:rPr>
-              <a:t>１</a:t>
-            </a:r>
-          </a:p>
-        </p:txBody>
-      </p:sp>
-      <p:sp>
-        <p:nvSpPr>
-          <p:cNvPr id="23" name="Rectangle 55">
-            <a:extLst>
-              <a:ext uri="{FF2B5EF4-FFF2-40B4-BE49-F238E27FC236}">
-                <a16:creationId xmlns:a16="http://schemas.microsoft.com/office/drawing/2014/main" id="{C9877698-D709-E743-9B37-849E68528C65}"/>
-              </a:ext>
-            </a:extLst>
-          </p:cNvPr>
-          <p:cNvSpPr>
-            <a:spLocks noChangeArrowheads="1"/>
-          </p:cNvSpPr>
-          <p:nvPr/>
-        </p:nvSpPr>
-        <p:spPr bwMode="auto">
-          <a:xfrm>
-            <a:off x="7045037" y="2886884"/>
-            <a:ext cx="2774372" cy="1593099"/>
-          </a:xfrm>
-          <a:prstGeom prst="rect">
-            <a:avLst/>
-          </a:prstGeom>
-          <a:gradFill>
-            <a:gsLst>
-              <a:gs pos="0">
-                <a:schemeClr val="bg1">
-                  <a:lumMod val="85000"/>
-                </a:schemeClr>
-              </a:gs>
-              <a:gs pos="52000">
-                <a:srgbClr val="E0E0E0">
-                  <a:lumMod val="14000"/>
-                  <a:lumOff val="86000"/>
-                </a:srgbClr>
-              </a:gs>
-              <a:gs pos="100000">
-                <a:srgbClr val="FFFFFF">
-                  <a:lumMod val="0"/>
-                  <a:lumOff val="100000"/>
-                </a:srgbClr>
-              </a:gs>
-            </a:gsLst>
-            <a:lin ang="16200000" scaled="0"/>
-          </a:gradFill>
-          <a:ln w="38100">
-            <a:solidFill>
-              <a:schemeClr val="tx1"/>
-            </a:solidFill>
-            <a:miter lim="800000"/>
-            <a:headEnd/>
-            <a:tailEnd/>
-          </a:ln>
-        </p:spPr>
-        <p:txBody>
-          <a:bodyPr wrap="none" lIns="95756" tIns="47878" rIns="95756" bIns="47878" anchor="ctr"/>
-          <a:lstStyle>
-            <a:lvl1pPr defTabSz="957263">
-              <a:spcBef>
-                <a:spcPct val="20000"/>
-              </a:spcBef>
-              <a:buFont typeface="Arial" panose="020B0604020202020204" pitchFamily="34" charset="0"/>
-              <a:buChar char="•"/>
-              <a:defRPr kumimoji="1" sz="3200">
-                <a:solidFill>
-                  <a:schemeClr val="tx1"/>
-                </a:solidFill>
-                <a:latin typeface="Arial" panose="020B0604020202020204" pitchFamily="34" charset="0"/>
-                <a:ea typeface="ＭＳ Ｐゴシック" panose="020B0600070205080204" pitchFamily="34" charset="-128"/>
-              </a:defRPr>
-            </a:lvl1pPr>
-            <a:lvl2pPr marL="742950" indent="-285750" defTabSz="957263">
-              <a:spcBef>
-                <a:spcPct val="20000"/>
-              </a:spcBef>
-              <a:buFont typeface="Arial" panose="020B0604020202020204" pitchFamily="34" charset="0"/>
-              <a:buChar char="–"/>
-              <a:defRPr kumimoji="1" sz="2800">
-                <a:solidFill>
-                  <a:schemeClr val="tx1"/>
-                </a:solidFill>
-                <a:latin typeface="Arial" panose="020B0604020202020204" pitchFamily="34" charset="0"/>
-                <a:ea typeface="ＭＳ Ｐゴシック" panose="020B0600070205080204" pitchFamily="34" charset="-128"/>
-              </a:defRPr>
-            </a:lvl2pPr>
-            <a:lvl3pPr marL="1143000" indent="-228600" defTabSz="957263">
-              <a:spcBef>
-                <a:spcPct val="20000"/>
-              </a:spcBef>
-              <a:buFont typeface="Arial" panose="020B0604020202020204" pitchFamily="34" charset="0"/>
-              <a:buChar char="•"/>
-              <a:defRPr kumimoji="1" sz="2400">
-                <a:solidFill>
-                  <a:schemeClr val="tx1"/>
-                </a:solidFill>
-                <a:latin typeface="Arial" panose="020B0604020202020204" pitchFamily="34" charset="0"/>
-                <a:ea typeface="ＭＳ Ｐゴシック" panose="020B0600070205080204" pitchFamily="34" charset="-128"/>
-              </a:defRPr>
-            </a:lvl3pPr>
-            <a:lvl4pPr marL="1600200" indent="-228600" defTabSz="957263">
-              <a:spcBef>
-                <a:spcPct val="20000"/>
-              </a:spcBef>
-              <a:buFont typeface="Arial" panose="020B0604020202020204" pitchFamily="34" charset="0"/>
-              <a:buChar char="–"/>
-              <a:defRPr kumimoji="1" sz="2000">
-                <a:solidFill>
-                  <a:schemeClr val="tx1"/>
-                </a:solidFill>
-                <a:latin typeface="Arial" panose="020B0604020202020204" pitchFamily="34" charset="0"/>
-                <a:ea typeface="ＭＳ Ｐゴシック" panose="020B0600070205080204" pitchFamily="34" charset="-128"/>
-              </a:defRPr>
-            </a:lvl4pPr>
-            <a:lvl5pPr marL="2057400" indent="-228600" defTabSz="957263">
-              <a:spcBef>
-                <a:spcPct val="20000"/>
-              </a:spcBef>
-              <a:buFont typeface="Arial" panose="020B0604020202020204" pitchFamily="34" charset="0"/>
-              <a:buChar char="»"/>
-              <a:defRPr kumimoji="1" sz="2000">
-                <a:solidFill>
-                  <a:schemeClr val="tx1"/>
-                </a:solidFill>
-                <a:latin typeface="Arial" panose="020B0604020202020204" pitchFamily="34" charset="0"/>
-                <a:ea typeface="ＭＳ Ｐゴシック" panose="020B0600070205080204" pitchFamily="34" charset="-128"/>
-              </a:defRPr>
-            </a:lvl5pPr>
-            <a:lvl6pPr marL="2514600" indent="-228600" defTabSz="957263" eaLnBrk="0" fontAlgn="base" hangingPunct="0">
-              <a:spcBef>
-                <a:spcPct val="20000"/>
-              </a:spcBef>
-              <a:spcAft>
-                <a:spcPct val="0"/>
-              </a:spcAft>
-              <a:buFont typeface="Arial" panose="020B0604020202020204" pitchFamily="34" charset="0"/>
-              <a:buChar char="»"/>
-              <a:defRPr kumimoji="1" sz="2000">
-                <a:solidFill>
-                  <a:schemeClr val="tx1"/>
-                </a:solidFill>
-                <a:latin typeface="Arial" panose="020B0604020202020204" pitchFamily="34" charset="0"/>
-                <a:ea typeface="ＭＳ Ｐゴシック" panose="020B0600070205080204" pitchFamily="34" charset="-128"/>
-              </a:defRPr>
-            </a:lvl6pPr>
-            <a:lvl7pPr marL="2971800" indent="-228600" defTabSz="957263" eaLnBrk="0" fontAlgn="base" hangingPunct="0">
-              <a:spcBef>
-                <a:spcPct val="20000"/>
-              </a:spcBef>
-              <a:spcAft>
-                <a:spcPct val="0"/>
-              </a:spcAft>
-              <a:buFont typeface="Arial" panose="020B0604020202020204" pitchFamily="34" charset="0"/>
-              <a:buChar char="»"/>
-              <a:defRPr kumimoji="1" sz="2000">
-                <a:solidFill>
-                  <a:schemeClr val="tx1"/>
-                </a:solidFill>
-                <a:latin typeface="Arial" panose="020B0604020202020204" pitchFamily="34" charset="0"/>
-                <a:ea typeface="ＭＳ Ｐゴシック" panose="020B0600070205080204" pitchFamily="34" charset="-128"/>
-              </a:defRPr>
-            </a:lvl7pPr>
-            <a:lvl8pPr marL="3429000" indent="-228600" defTabSz="957263" eaLnBrk="0" fontAlgn="base" hangingPunct="0">
-              <a:spcBef>
-                <a:spcPct val="20000"/>
-              </a:spcBef>
-              <a:spcAft>
-                <a:spcPct val="0"/>
-              </a:spcAft>
-              <a:buFont typeface="Arial" panose="020B0604020202020204" pitchFamily="34" charset="0"/>
-              <a:buChar char="»"/>
-              <a:defRPr kumimoji="1" sz="2000">
-                <a:solidFill>
-                  <a:schemeClr val="tx1"/>
-                </a:solidFill>
-                <a:latin typeface="Arial" panose="020B0604020202020204" pitchFamily="34" charset="0"/>
-                <a:ea typeface="ＭＳ Ｐゴシック" panose="020B0600070205080204" pitchFamily="34" charset="-128"/>
-              </a:defRPr>
-            </a:lvl8pPr>
-            <a:lvl9pPr marL="3886200" indent="-228600" defTabSz="957263" eaLnBrk="0" fontAlgn="base" hangingPunct="0">
-              <a:spcBef>
-                <a:spcPct val="20000"/>
-              </a:spcBef>
-              <a:spcAft>
-                <a:spcPct val="0"/>
-              </a:spcAft>
-              <a:buFont typeface="Arial" panose="020B0604020202020204" pitchFamily="34" charset="0"/>
-              <a:buChar char="»"/>
-              <a:defRPr kumimoji="1" sz="2000">
-                <a:solidFill>
-                  <a:schemeClr val="tx1"/>
-                </a:solidFill>
-                <a:latin typeface="Arial" panose="020B0604020202020204" pitchFamily="34" charset="0"/>
-                <a:ea typeface="ＭＳ Ｐゴシック" panose="020B0600070205080204" pitchFamily="34" charset="-128"/>
-              </a:defRPr>
-            </a:lvl9pPr>
-          </a:lstStyle>
-          <a:p>
-            <a:pPr algn="ctr" eaLnBrk="1" hangingPunct="1">
-              <a:spcBef>
-                <a:spcPct val="0"/>
-              </a:spcBef>
-              <a:buFontTx/>
-              <a:buNone/>
-            </a:pPr>
-            <a:endParaRPr lang="ja-JP" altLang="en-US" sz="1400">
-              <a:latin typeface="+mn-ea"/>
-              <a:ea typeface="+mn-ea"/>
-            </a:endParaRPr>
-          </a:p>
-        </p:txBody>
-      </p:sp>
-      <p:sp>
-        <p:nvSpPr>
-          <p:cNvPr id="13" name="TextBox 12">
-            <a:extLst>
-              <a:ext uri="{FF2B5EF4-FFF2-40B4-BE49-F238E27FC236}">
-                <a16:creationId xmlns:a16="http://schemas.microsoft.com/office/drawing/2014/main" id="{DF5FFE0A-4000-734B-90CC-CBE1591DEB09}"/>
-              </a:ext>
-            </a:extLst>
-          </p:cNvPr>
-          <p:cNvSpPr txBox="1"/>
-          <p:nvPr/>
-        </p:nvSpPr>
-        <p:spPr>
-          <a:xfrm>
-            <a:off x="1122218" y="-1496291"/>
-            <a:ext cx="184731" cy="369332"/>
-          </a:xfrm>
-          <a:prstGeom prst="rect">
-            <a:avLst/>
-          </a:prstGeom>
-          <a:noFill/>
-        </p:spPr>
-        <p:txBody>
-          <a:bodyPr wrap="none" rtlCol="0">
-            <a:spAutoFit/>
-          </a:bodyPr>
-          <a:lstStyle/>
-          <a:p>
-            <a:endParaRPr lang="en-JP"/>
-          </a:p>
-        </p:txBody>
-      </p:sp>
-      <p:sp>
-        <p:nvSpPr>
-          <p:cNvPr id="15" name="Right Arrow 14">
-            <a:extLst>
-              <a:ext uri="{FF2B5EF4-FFF2-40B4-BE49-F238E27FC236}">
-                <a16:creationId xmlns:a16="http://schemas.microsoft.com/office/drawing/2014/main" id="{E4D2300E-AD76-6F4A-B5B9-85C006BE230E}"/>
-              </a:ext>
-            </a:extLst>
-          </p:cNvPr>
-          <p:cNvSpPr/>
-          <p:nvPr/>
-        </p:nvSpPr>
-        <p:spPr>
-          <a:xfrm>
-            <a:off x="5524926" y="3511052"/>
-            <a:ext cx="934329" cy="467422"/>
-          </a:xfrm>
-          <a:prstGeom prst="rightArrow">
-            <a:avLst>
-              <a:gd name="adj1" fmla="val 35507"/>
-              <a:gd name="adj2" fmla="val 69324"/>
-            </a:avLst>
-          </a:prstGeom>
-          <a:solidFill>
-            <a:schemeClr val="tx1"/>
-          </a:solidFill>
-          <a:ln w="31750">
-            <a:solidFill>
-              <a:schemeClr val="tx1"/>
-            </a:solidFill>
-          </a:ln>
-        </p:spPr>
-        <p:style>
-          <a:lnRef idx="2">
-            <a:schemeClr val="accent1">
-              <a:shade val="50000"/>
-            </a:schemeClr>
-          </a:lnRef>
-          <a:fillRef idx="1">
-            <a:schemeClr val="accent1"/>
-          </a:fillRef>
-          <a:effectRef idx="0">
-            <a:schemeClr val="accent1"/>
-          </a:effectRef>
-          <a:fontRef idx="minor">
-            <a:schemeClr val="lt1"/>
-          </a:fontRef>
-        </p:style>
-        <p:txBody>
-          <a:bodyPr rtlCol="0" anchor="ctr"/>
-          <a:lstStyle/>
-          <a:p>
-            <a:pPr algn="ctr"/>
-            <a:endParaRPr lang="en-JP"/>
-          </a:p>
-        </p:txBody>
-      </p:sp>
-    </p:spTree>
-    <p:extLst>
-      <p:ext uri="{BB962C8B-B14F-4D97-AF65-F5344CB8AC3E}">
-        <p14:creationId xmlns:p14="http://schemas.microsoft.com/office/powerpoint/2010/main" val="2641791048"/>
-      </p:ext>
-    </p:extLst>
-  </p:cSld>
-  <p:clrMapOvr>
-    <a:masterClrMapping/>
-  </p:clrMapOvr>
-</p:sld>
-</file>
-
-<file path=ppt/slides/slide11.xml><?xml version="1.0" encoding="utf-8"?>
-<p:sld xmlns:a="http://schemas.openxmlformats.org/drawingml/2006/main" xmlns:r="http://schemas.openxmlformats.org/officeDocument/2006/relationships" xmlns:p="http://schemas.openxmlformats.org/presentationml/2006/main">
+<p:sld xmlns:a="http://schemas.openxmlformats.org/drawingml/2006/main" xmlns:r="http://schemas.openxmlformats.org/officeDocument/2006/relationships" xmlns:p="http://schemas.openxmlformats.org/presentationml/2006/main" show="0">
   <p:cSld>
     <p:spTree>
       <p:nvGrpSpPr>
@@ -13046,7 +10260,7 @@
           <a:p>
             <a:fld id="{CCF3E294-EB10-834B-8B5B-5C78A6A1F52A}" type="slidenum">
               <a:rPr lang="en-JP"/>
-              <a:t>11</a:t>
+              <a:t>10</a:t>
             </a:fld>
             <a:endParaRPr lang="en-JP"/>
           </a:p>
@@ -13422,8 +10636,8 @@
 </p:sld>
 </file>
 
-<file path=ppt/slides/slide12.xml><?xml version="1.0" encoding="utf-8"?>
-<p:sld xmlns:a="http://schemas.openxmlformats.org/drawingml/2006/main" xmlns:r="http://schemas.openxmlformats.org/officeDocument/2006/relationships" xmlns:p="http://schemas.openxmlformats.org/presentationml/2006/main">
+<file path=ppt/slides/slide11.xml><?xml version="1.0" encoding="utf-8"?>
+<p:sld xmlns:a="http://schemas.openxmlformats.org/drawingml/2006/main" xmlns:r="http://schemas.openxmlformats.org/officeDocument/2006/relationships" xmlns:p="http://schemas.openxmlformats.org/presentationml/2006/main" show="0">
   <p:cSld>
     <p:spTree>
       <p:nvGrpSpPr>
@@ -13543,7 +10757,7 @@
           <a:p>
             <a:fld id="{CCF3E294-EB10-834B-8B5B-5C78A6A1F52A}" type="slidenum">
               <a:rPr lang="en-JP"/>
-              <a:t>12</a:t>
+              <a:t>11</a:t>
             </a:fld>
             <a:endParaRPr lang="en-JP"/>
           </a:p>
@@ -14191,8 +11405,8 @@
 </p:sld>
 </file>
 
-<file path=ppt/slides/slide13.xml><?xml version="1.0" encoding="utf-8"?>
-<p:sld xmlns:a="http://schemas.openxmlformats.org/drawingml/2006/main" xmlns:r="http://schemas.openxmlformats.org/officeDocument/2006/relationships" xmlns:p="http://schemas.openxmlformats.org/presentationml/2006/main" show="0">
+<file path=ppt/slides/slide12.xml><?xml version="1.0" encoding="utf-8"?>
+<p:sld xmlns:a="http://schemas.openxmlformats.org/drawingml/2006/main" xmlns:r="http://schemas.openxmlformats.org/officeDocument/2006/relationships" xmlns:p="http://schemas.openxmlformats.org/presentationml/2006/main">
   <p:cSld>
     <p:spTree>
       <p:nvGrpSpPr>
@@ -14208,6 +11422,136 @@
           <a:chExt cx="0" cy="0"/>
         </a:xfrm>
       </p:grpSpPr>
+      <p:sp>
+        <p:nvSpPr>
+          <p:cNvPr id="14" name="TextBox 13">
+            <a:extLst>
+              <a:ext uri="{FF2B5EF4-FFF2-40B4-BE49-F238E27FC236}">
+                <a16:creationId xmlns:a16="http://schemas.microsoft.com/office/drawing/2014/main" id="{10EDC70E-416B-E14E-A7E5-7FD783DBD000}"/>
+              </a:ext>
+            </a:extLst>
+          </p:cNvPr>
+          <p:cNvSpPr txBox="1"/>
+          <p:nvPr/>
+        </p:nvSpPr>
+        <p:spPr>
+          <a:xfrm>
+            <a:off x="6224764" y="1330049"/>
+            <a:ext cx="4765832" cy="5262979"/>
+          </a:xfrm>
+          <a:prstGeom prst="rect">
+            <a:avLst/>
+          </a:prstGeom>
+          <a:noFill/>
+          <a:ln w="31750">
+            <a:solidFill>
+              <a:schemeClr val="tx1">
+                <a:lumMod val="50000"/>
+                <a:lumOff val="50000"/>
+              </a:schemeClr>
+            </a:solidFill>
+          </a:ln>
+        </p:spPr>
+        <p:txBody>
+          <a:bodyPr wrap="square" rtlCol="0">
+            <a:noAutofit/>
+          </a:bodyPr>
+          <a:lstStyle/>
+          <a:p>
+            <a:r>
+              <a:rPr lang="en-JP" sz="2400" b="1"/>
+              <a:t>case 2. 物理的に駐車できない</a:t>
+            </a:r>
+          </a:p>
+          <a:p>
+            <a:endParaRPr lang="en-US" sz="2400"/>
+          </a:p>
+          <a:p>
+            <a:r>
+              <a:rPr lang="en-JP" sz="2400"/>
+              <a:t>車は自走で配置場所に向かう.</a:t>
+            </a:r>
+          </a:p>
+          <a:p>
+            <a:endParaRPr lang="en-JP" sz="2400"/>
+          </a:p>
+          <a:p>
+            <a:endParaRPr lang="en-JP" sz="2400"/>
+          </a:p>
+          <a:p>
+            <a:endParaRPr lang="en-JP" sz="2400"/>
+          </a:p>
+          <a:p>
+            <a:endParaRPr lang="en-JP" sz="2400"/>
+          </a:p>
+          <a:p>
+            <a:endParaRPr lang="en-JP" sz="2400"/>
+          </a:p>
+          <a:p>
+            <a:endParaRPr lang="en-JP" sz="2400"/>
+          </a:p>
+        </p:txBody>
+      </p:sp>
+      <p:sp>
+        <p:nvSpPr>
+          <p:cNvPr id="16" name="L-Shape 15">
+            <a:extLst>
+              <a:ext uri="{FF2B5EF4-FFF2-40B4-BE49-F238E27FC236}">
+                <a16:creationId xmlns:a16="http://schemas.microsoft.com/office/drawing/2014/main" id="{BA7F7CB2-554F-1842-8129-4E1D2CA23F57}"/>
+              </a:ext>
+            </a:extLst>
+          </p:cNvPr>
+          <p:cNvSpPr/>
+          <p:nvPr/>
+        </p:nvSpPr>
+        <p:spPr>
+          <a:xfrm>
+            <a:off x="8855794" y="4455031"/>
+            <a:ext cx="1716870" cy="1311592"/>
+          </a:xfrm>
+          <a:prstGeom prst="corner">
+            <a:avLst>
+              <a:gd name="adj1" fmla="val 51545"/>
+              <a:gd name="adj2" fmla="val 85807"/>
+            </a:avLst>
+          </a:prstGeom>
+          <a:solidFill>
+            <a:schemeClr val="accent5">
+              <a:lumMod val="20000"/>
+              <a:lumOff val="80000"/>
+            </a:schemeClr>
+          </a:solidFill>
+          <a:ln>
+            <a:solidFill>
+              <a:schemeClr val="tx1"/>
+            </a:solidFill>
+          </a:ln>
+        </p:spPr>
+        <p:style>
+          <a:lnRef idx="2">
+            <a:schemeClr val="accent1">
+              <a:shade val="50000"/>
+            </a:schemeClr>
+          </a:lnRef>
+          <a:fillRef idx="1">
+            <a:schemeClr val="accent1"/>
+          </a:fillRef>
+          <a:effectRef idx="0">
+            <a:schemeClr val="accent1"/>
+          </a:effectRef>
+          <a:fontRef idx="minor">
+            <a:schemeClr val="lt1"/>
+          </a:fontRef>
+        </p:style>
+        <p:txBody>
+          <a:bodyPr rtlCol="0" anchor="ctr"/>
+          <a:lstStyle/>
+          <a:p>
+            <a:pPr algn="ctr"/>
+            <a:endParaRPr lang="en-JP"/>
+          </a:p>
+        </p:txBody>
+      </p:sp>
       <p:sp>
         <p:nvSpPr>
           <p:cNvPr id="4" name="Slide Number Placeholder 3">
@@ -14231,7 +11575,7 @@
           <a:p>
             <a:fld id="{CCF3E294-EB10-834B-8B5B-5C78A6A1F52A}" type="slidenum">
               <a:rPr lang="en-JP"/>
-              <a:t>13</a:t>
+              <a:t>12</a:t>
             </a:fld>
             <a:endParaRPr lang="en-JP"/>
           </a:p>
@@ -14305,8 +11649,8 @@
         </p:nvSpPr>
         <p:spPr>
           <a:xfrm>
-            <a:off x="838200" y="1330051"/>
-            <a:ext cx="5128785" cy="5242654"/>
+            <a:off x="838200" y="1330050"/>
+            <a:ext cx="5128785" cy="5262979"/>
           </a:xfrm>
           <a:prstGeom prst="rect">
             <a:avLst/>
@@ -14322,7 +11666,7 @@
         </p:spPr>
         <p:txBody>
           <a:bodyPr wrap="square">
-            <a:spAutoFit/>
+            <a:noAutofit/>
           </a:bodyPr>
           <a:lstStyle/>
           <a:p>
@@ -14330,156 +11674,74 @@
               <a:rPr lang="en-JP" sz="2400" b="1"/>
               <a:t>case 1. 港で貨物が搬出できない</a:t>
             </a:r>
-          </a:p>
-          <a:p>
             <a:endParaRPr lang="en-JP" sz="2400"/>
           </a:p>
           <a:p>
             <a:r>
               <a:rPr lang="en-JP" sz="2400"/>
-              <a:t>ex. 航路: LP1, LP2, LP3, DP1, DP2, DP3</a:t>
+              <a:t>ex. </a:t>
+            </a:r>
+          </a:p>
+          <a:p>
+            <a:r>
+              <a:rPr lang="en-JP" sz="2400"/>
+              <a:t>航路: LP1, LP2, LP3, DP1, DP2, DP3</a:t>
             </a:r>
             <a:endParaRPr lang="en-US" sz="2400"/>
           </a:p>
           <a:p>
-            <a:pPr lvl="1">
-              <a:lnSpc>
-                <a:spcPct val="110000"/>
-              </a:lnSpc>
-            </a:pPr>
-            <a:r>
-              <a:rPr lang="ja-JP" altLang="en-US" sz="2400"/>
-              <a:t>　</a:t>
-            </a:r>
             <a:r>
               <a:rPr lang="en-US" sz="2400"/>
-              <a:t>グループ </a:t>
+              <a:t>下の貨物グループA, B, Cを詰め込む.</a:t>
             </a:r>
-            <a:r>
-              <a:rPr lang="en-US" altLang="ja-JP" sz="2400">
-                <a:ea typeface="Hiragino Kaku Gothic Pro W3" panose="020B0300000000000000" pitchFamily="34" charset="-128"/>
-              </a:rPr>
-              <a:t>A:</a:t>
-            </a:r>
-            <a:r>
-              <a:rPr lang="en-US" altLang="ja-JP" sz="2400"/>
-              <a:t> LP1 -&gt; DP3</a:t>
-            </a:r>
-          </a:p>
-          <a:p>
-            <a:pPr lvl="1">
-              <a:lnSpc>
-                <a:spcPct val="110000"/>
-              </a:lnSpc>
-            </a:pPr>
-            <a:r>
-              <a:rPr lang="ja-JP" altLang="en-US" sz="2400"/>
-              <a:t>　</a:t>
-            </a:r>
-            <a:r>
-              <a:rPr lang="en-US" sz="2400"/>
-              <a:t>グループ </a:t>
-            </a:r>
-            <a:r>
-              <a:rPr lang="en-US" altLang="ja-JP" sz="2400">
-                <a:ea typeface="Hiragino Kaku Gothic Pro W3" panose="020B0300000000000000" pitchFamily="34" charset="-128"/>
-              </a:rPr>
-              <a:t>B</a:t>
-            </a:r>
-            <a:r>
-              <a:rPr lang="en-US" altLang="ja-JP" sz="2400"/>
-              <a:t>: LP2 -&gt; DP1</a:t>
-            </a:r>
-          </a:p>
-          <a:p>
-            <a:pPr lvl="1">
-              <a:lnSpc>
-                <a:spcPct val="110000"/>
-              </a:lnSpc>
-            </a:pPr>
-            <a:r>
-              <a:rPr lang="ja-JP" altLang="en-US" sz="2400"/>
-              <a:t>　</a:t>
-            </a:r>
-            <a:r>
-              <a:rPr lang="en-US" sz="2400"/>
-              <a:t>グループ </a:t>
-            </a:r>
-            <a:r>
-              <a:rPr lang="en-US" altLang="ja-JP" sz="2400">
-                <a:ea typeface="Hiragino Kaku Gothic Pro W3" panose="020B0300000000000000" pitchFamily="34" charset="-128"/>
-              </a:rPr>
-              <a:t>C</a:t>
-            </a:r>
-            <a:r>
-              <a:rPr lang="en-US" altLang="ja-JP" sz="2400"/>
-              <a:t>: LP3 -&gt; DP2</a:t>
-            </a:r>
-          </a:p>
-          <a:p>
-            <a:pPr lvl="1">
-              <a:lnSpc>
-                <a:spcPct val="110000"/>
-              </a:lnSpc>
-            </a:pPr>
-            <a:endParaRPr lang="en-US" altLang="ja-JP" sz="2400"/>
-          </a:p>
-          <a:p>
-            <a:pPr lvl="1">
-              <a:lnSpc>
-                <a:spcPct val="110000"/>
-              </a:lnSpc>
-            </a:pPr>
-            <a:endParaRPr lang="en-US" altLang="ja-JP" sz="2400"/>
-          </a:p>
-          <a:p>
-            <a:pPr lvl="1">
-              <a:lnSpc>
-                <a:spcPct val="110000"/>
-              </a:lnSpc>
-            </a:pPr>
-            <a:endParaRPr lang="en-US" altLang="ja-JP" sz="2400"/>
-          </a:p>
-          <a:p>
-            <a:pPr lvl="1">
-              <a:lnSpc>
-                <a:spcPct val="110000"/>
-              </a:lnSpc>
-            </a:pPr>
-            <a:endParaRPr lang="en-US" altLang="ja-JP" sz="2400"/>
-          </a:p>
-          <a:p>
-            <a:pPr lvl="1">
-              <a:lnSpc>
-                <a:spcPct val="110000"/>
-              </a:lnSpc>
-            </a:pPr>
-            <a:endParaRPr lang="en-US" altLang="ja-JP" sz="2400"/>
-          </a:p>
-          <a:p>
-            <a:pPr lvl="1">
-              <a:lnSpc>
-                <a:spcPct val="110000"/>
-              </a:lnSpc>
-            </a:pPr>
-            <a:endParaRPr lang="en-US" altLang="ja-JP" sz="2400"/>
-          </a:p>
-          <a:p>
-            <a:pPr lvl="1">
-              <a:lnSpc>
-                <a:spcPct val="110000"/>
-              </a:lnSpc>
-            </a:pPr>
-            <a:endParaRPr lang="en-US" altLang="ja-JP" sz="2400"/>
           </a:p>
         </p:txBody>
       </p:sp>
       <p:sp>
         <p:nvSpPr>
-          <p:cNvPr id="7" name="Rectangle 6">
+          <p:cNvPr id="13" name="TextBox 12">
             <a:extLst>
               <a:ext uri="{FF2B5EF4-FFF2-40B4-BE49-F238E27FC236}">
-                <a16:creationId xmlns:a16="http://schemas.microsoft.com/office/drawing/2014/main" id="{32F6CEEC-A5C8-2345-85A5-9D853124866A}"/>
+                <a16:creationId xmlns:a16="http://schemas.microsoft.com/office/drawing/2014/main" id="{D08187E9-AD8D-F842-8480-6CB776BA022A}"/>
+              </a:ext>
+            </a:extLst>
+          </p:cNvPr>
+          <p:cNvSpPr txBox="1"/>
+          <p:nvPr/>
+        </p:nvSpPr>
+        <p:spPr>
+          <a:xfrm>
+            <a:off x="1095979" y="6078650"/>
+            <a:ext cx="4541628" cy="415498"/>
+          </a:xfrm>
+          <a:prstGeom prst="rect">
+            <a:avLst/>
+          </a:prstGeom>
+          <a:noFill/>
+        </p:spPr>
+        <p:txBody>
+          <a:bodyPr wrap="none" rtlCol="0">
+            <a:spAutoFit/>
+          </a:bodyPr>
+          <a:lstStyle/>
+          <a:p>
+            <a:r>
+              <a:rPr lang="en-JP" sz="2100">
+                <a:solidFill>
+                  <a:srgbClr val="FF0000"/>
+                </a:solidFill>
+              </a:rPr>
+              <a:t>DP1で貨物グループBを取り出せない</a:t>
+            </a:r>
+          </a:p>
+        </p:txBody>
+      </p:sp>
+      <p:sp>
+        <p:nvSpPr>
+          <p:cNvPr id="15" name="Rectangle 14">
+            <a:extLst>
+              <a:ext uri="{FF2B5EF4-FFF2-40B4-BE49-F238E27FC236}">
+                <a16:creationId xmlns:a16="http://schemas.microsoft.com/office/drawing/2014/main" id="{696EC223-6373-6747-A937-F409383F79CE}"/>
               </a:ext>
             </a:extLst>
           </p:cNvPr>
@@ -14487,9 +11749,9 @@
           <p:nvPr/>
         </p:nvSpPr>
         <p:spPr>
-          <a:xfrm rot="16200000">
-            <a:off x="2234254" y="3470771"/>
-            <a:ext cx="2126740" cy="3089082"/>
+          <a:xfrm>
+            <a:off x="8855794" y="3410352"/>
+            <a:ext cx="1716303" cy="2390655"/>
           </a:xfrm>
           <a:prstGeom prst="rect">
             <a:avLst/>
@@ -14499,6 +11761,59 @@
             <a:solidFill>
               <a:schemeClr val="tx1"/>
             </a:solidFill>
+          </a:ln>
+        </p:spPr>
+        <p:style>
+          <a:lnRef idx="2">
+            <a:schemeClr val="accent6"/>
+          </a:lnRef>
+          <a:fillRef idx="1">
+            <a:schemeClr val="lt1"/>
+          </a:fillRef>
+          <a:effectRef idx="0">
+            <a:schemeClr val="accent6"/>
+          </a:effectRef>
+          <a:fontRef idx="minor">
+            <a:schemeClr val="dk1"/>
+          </a:fontRef>
+        </p:style>
+        <p:txBody>
+          <a:bodyPr rtlCol="0" anchor="ctr"/>
+          <a:lstStyle/>
+          <a:p>
+            <a:pPr algn="ctr"/>
+            <a:endParaRPr lang="en-JP"/>
+          </a:p>
+        </p:txBody>
+      </p:sp>
+      <p:sp>
+        <p:nvSpPr>
+          <p:cNvPr id="17" name="Rectangle 16">
+            <a:extLst>
+              <a:ext uri="{FF2B5EF4-FFF2-40B4-BE49-F238E27FC236}">
+                <a16:creationId xmlns:a16="http://schemas.microsoft.com/office/drawing/2014/main" id="{97CC00EF-4673-754C-AA8C-B222B7547357}"/>
+              </a:ext>
+            </a:extLst>
+          </p:cNvPr>
+          <p:cNvSpPr/>
+          <p:nvPr/>
+        </p:nvSpPr>
+        <p:spPr>
+          <a:xfrm>
+            <a:off x="10051349" y="4434164"/>
+            <a:ext cx="403060" cy="617568"/>
+          </a:xfrm>
+          <a:prstGeom prst="rect">
+            <a:avLst/>
+          </a:prstGeom>
+          <a:solidFill>
+            <a:schemeClr val="accent4"/>
+          </a:solidFill>
+          <a:ln w="31750">
+            <a:solidFill>
+              <a:schemeClr val="accent4"/>
+            </a:solidFill>
+            <a:prstDash val="sysDash"/>
           </a:ln>
         </p:spPr>
         <p:style>
@@ -14518,206 +11833,20 @@
           </a:fontRef>
         </p:style>
         <p:txBody>
-          <a:bodyPr vert="vert270" rtlCol="0" anchor="ctr"/>
+          <a:bodyPr rtlCol="0" anchor="ctr"/>
           <a:lstStyle/>
           <a:p>
             <a:pPr algn="ctr"/>
-            <a:endParaRPr lang="en-JP" sz="2800"/>
+            <a:endParaRPr lang="en-JP"/>
           </a:p>
         </p:txBody>
       </p:sp>
       <p:sp>
         <p:nvSpPr>
-          <p:cNvPr id="8" name="Rectangle 7">
+          <p:cNvPr id="18" name="Rectangle 17">
             <a:extLst>
               <a:ext uri="{FF2B5EF4-FFF2-40B4-BE49-F238E27FC236}">
-                <a16:creationId xmlns:a16="http://schemas.microsoft.com/office/drawing/2014/main" id="{2A97F33D-D8B1-CD40-B03A-D386DDE231BA}"/>
-              </a:ext>
-            </a:extLst>
-          </p:cNvPr>
-          <p:cNvSpPr/>
-          <p:nvPr/>
-        </p:nvSpPr>
-        <p:spPr>
-          <a:xfrm rot="16200000">
-            <a:off x="3302554" y="4550344"/>
-            <a:ext cx="1988777" cy="939823"/>
-          </a:xfrm>
-          <a:prstGeom prst="rect">
-            <a:avLst/>
-          </a:prstGeom>
-          <a:solidFill>
-            <a:schemeClr val="accent2">
-              <a:lumMod val="20000"/>
-              <a:lumOff val="80000"/>
-            </a:schemeClr>
-          </a:solidFill>
-          <a:ln>
-            <a:noFill/>
-          </a:ln>
-        </p:spPr>
-        <p:style>
-          <a:lnRef idx="2">
-            <a:schemeClr val="accent1">
-              <a:shade val="50000"/>
-            </a:schemeClr>
-          </a:lnRef>
-          <a:fillRef idx="1">
-            <a:schemeClr val="accent1"/>
-          </a:fillRef>
-          <a:effectRef idx="0">
-            <a:schemeClr val="accent1"/>
-          </a:effectRef>
-          <a:fontRef idx="minor">
-            <a:schemeClr val="lt1"/>
-          </a:fontRef>
-        </p:style>
-        <p:txBody>
-          <a:bodyPr vert="vert" rtlCol="0" anchor="ctr"/>
-          <a:lstStyle/>
-          <a:p>
-            <a:pPr algn="ctr"/>
-            <a:r>
-              <a:rPr lang="en-JP" sz="2800">
-                <a:solidFill>
-                  <a:schemeClr val="tx1"/>
-                </a:solidFill>
-              </a:rPr>
-              <a:t>A</a:t>
-            </a:r>
-          </a:p>
-        </p:txBody>
-      </p:sp>
-      <p:sp>
-        <p:nvSpPr>
-          <p:cNvPr id="9" name="Rectangle 8">
-            <a:extLst>
-              <a:ext uri="{FF2B5EF4-FFF2-40B4-BE49-F238E27FC236}">
-                <a16:creationId xmlns:a16="http://schemas.microsoft.com/office/drawing/2014/main" id="{2E6D7587-DFD5-8149-81FB-8DC7FB43AE7C}"/>
-              </a:ext>
-            </a:extLst>
-          </p:cNvPr>
-          <p:cNvSpPr/>
-          <p:nvPr/>
-        </p:nvSpPr>
-        <p:spPr>
-          <a:xfrm rot="16200000">
-            <a:off x="2441467" y="4704393"/>
-            <a:ext cx="1988777" cy="631725"/>
-          </a:xfrm>
-          <a:prstGeom prst="rect">
-            <a:avLst/>
-          </a:prstGeom>
-          <a:solidFill>
-            <a:schemeClr val="accent5">
-              <a:lumMod val="20000"/>
-              <a:lumOff val="80000"/>
-            </a:schemeClr>
-          </a:solidFill>
-          <a:ln>
-            <a:noFill/>
-          </a:ln>
-        </p:spPr>
-        <p:style>
-          <a:lnRef idx="2">
-            <a:schemeClr val="accent1">
-              <a:shade val="50000"/>
-            </a:schemeClr>
-          </a:lnRef>
-          <a:fillRef idx="1">
-            <a:schemeClr val="accent1"/>
-          </a:fillRef>
-          <a:effectRef idx="0">
-            <a:schemeClr val="accent1"/>
-          </a:effectRef>
-          <a:fontRef idx="minor">
-            <a:schemeClr val="lt1"/>
-          </a:fontRef>
-        </p:style>
-        <p:txBody>
-          <a:bodyPr vert="vert" rtlCol="0" anchor="ctr"/>
-          <a:lstStyle/>
-          <a:p>
-            <a:pPr algn="ctr"/>
-            <a:r>
-              <a:rPr lang="en-JP" sz="2800">
-                <a:solidFill>
-                  <a:schemeClr val="tx1"/>
-                </a:solidFill>
-              </a:rPr>
-              <a:t>B</a:t>
-            </a:r>
-          </a:p>
-        </p:txBody>
-      </p:sp>
-      <p:sp>
-        <p:nvSpPr>
-          <p:cNvPr id="10" name="Rectangle 9">
-            <a:extLst>
-              <a:ext uri="{FF2B5EF4-FFF2-40B4-BE49-F238E27FC236}">
-                <a16:creationId xmlns:a16="http://schemas.microsoft.com/office/drawing/2014/main" id="{9103B092-91E6-ED45-8F8C-3A0B22B0B2F4}"/>
-              </a:ext>
-            </a:extLst>
-          </p:cNvPr>
-          <p:cNvSpPr/>
-          <p:nvPr/>
-        </p:nvSpPr>
-        <p:spPr>
-          <a:xfrm rot="16200000">
-            <a:off x="1442718" y="4415500"/>
-            <a:ext cx="1988779" cy="1209509"/>
-          </a:xfrm>
-          <a:prstGeom prst="rect">
-            <a:avLst/>
-          </a:prstGeom>
-          <a:solidFill>
-            <a:schemeClr val="accent6">
-              <a:lumMod val="20000"/>
-              <a:lumOff val="80000"/>
-            </a:schemeClr>
-          </a:solidFill>
-          <a:ln>
-            <a:noFill/>
-          </a:ln>
-        </p:spPr>
-        <p:style>
-          <a:lnRef idx="2">
-            <a:schemeClr val="accent1">
-              <a:shade val="50000"/>
-            </a:schemeClr>
-          </a:lnRef>
-          <a:fillRef idx="1">
-            <a:schemeClr val="accent1"/>
-          </a:fillRef>
-          <a:effectRef idx="0">
-            <a:schemeClr val="accent1"/>
-          </a:effectRef>
-          <a:fontRef idx="minor">
-            <a:schemeClr val="lt1"/>
-          </a:fontRef>
-        </p:style>
-        <p:txBody>
-          <a:bodyPr vert="vert" rtlCol="0" anchor="ctr"/>
-          <a:lstStyle/>
-          <a:p>
-            <a:pPr algn="ctr"/>
-            <a:r>
-              <a:rPr lang="en-JP" sz="2800">
-                <a:solidFill>
-                  <a:schemeClr val="tx1"/>
-                </a:solidFill>
-              </a:rPr>
-              <a:t>C</a:t>
-            </a:r>
-          </a:p>
-        </p:txBody>
-      </p:sp>
-      <p:sp>
-        <p:nvSpPr>
-          <p:cNvPr id="11" name="Rectangle 10">
-            <a:extLst>
-              <a:ext uri="{FF2B5EF4-FFF2-40B4-BE49-F238E27FC236}">
-                <a16:creationId xmlns:a16="http://schemas.microsoft.com/office/drawing/2014/main" id="{7A970BDD-E920-9D4F-AFC0-A67FFF1B0C43}"/>
+                <a16:creationId xmlns:a16="http://schemas.microsoft.com/office/drawing/2014/main" id="{B29063CA-B6C3-F743-92ED-C98F9FDE494D}"/>
               </a:ext>
             </a:extLst>
           </p:cNvPr>
@@ -14726,8 +11855,54 @@
         </p:nvSpPr>
         <p:spPr>
           <a:xfrm>
-            <a:off x="990889" y="4851610"/>
-            <a:ext cx="707038" cy="369332"/>
+            <a:off x="10291619" y="4039297"/>
+            <a:ext cx="247138" cy="241586"/>
+          </a:xfrm>
+          <a:prstGeom prst="rect">
+            <a:avLst/>
+          </a:prstGeom>
+        </p:spPr>
+        <p:style>
+          <a:lnRef idx="2">
+            <a:schemeClr val="dk1">
+              <a:shade val="50000"/>
+            </a:schemeClr>
+          </a:lnRef>
+          <a:fillRef idx="1">
+            <a:schemeClr val="dk1"/>
+          </a:fillRef>
+          <a:effectRef idx="0">
+            <a:schemeClr val="dk1"/>
+          </a:effectRef>
+          <a:fontRef idx="minor">
+            <a:schemeClr val="lt1"/>
+          </a:fontRef>
+        </p:style>
+        <p:txBody>
+          <a:bodyPr rtlCol="0" anchor="ctr"/>
+          <a:lstStyle/>
+          <a:p>
+            <a:pPr algn="ctr"/>
+            <a:endParaRPr lang="en-JP"/>
+          </a:p>
+        </p:txBody>
+      </p:sp>
+      <p:sp>
+        <p:nvSpPr>
+          <p:cNvPr id="19" name="Rectangle 18">
+            <a:extLst>
+              <a:ext uri="{FF2B5EF4-FFF2-40B4-BE49-F238E27FC236}">
+                <a16:creationId xmlns:a16="http://schemas.microsoft.com/office/drawing/2014/main" id="{6B8A4B61-567F-FE45-9A37-C28767CD90B2}"/>
+              </a:ext>
+            </a:extLst>
+          </p:cNvPr>
+          <p:cNvSpPr/>
+          <p:nvPr/>
+        </p:nvSpPr>
+        <p:spPr>
+          <a:xfrm>
+            <a:off x="9282433" y="3038919"/>
+            <a:ext cx="720954" cy="331308"/>
           </a:xfrm>
           <a:prstGeom prst="rect">
             <a:avLst/>
@@ -14775,400 +11950,6 @@
           </a:p>
         </p:txBody>
       </p:sp>
-      <p:sp>
-        <p:nvSpPr>
-          <p:cNvPr id="13" name="TextBox 12">
-            <a:extLst>
-              <a:ext uri="{FF2B5EF4-FFF2-40B4-BE49-F238E27FC236}">
-                <a16:creationId xmlns:a16="http://schemas.microsoft.com/office/drawing/2014/main" id="{D08187E9-AD8D-F842-8480-6CB776BA022A}"/>
-              </a:ext>
-            </a:extLst>
-          </p:cNvPr>
-          <p:cNvSpPr txBox="1"/>
-          <p:nvPr/>
-        </p:nvSpPr>
-        <p:spPr>
-          <a:xfrm>
-            <a:off x="1568625" y="6169580"/>
-            <a:ext cx="3457998" cy="369332"/>
-          </a:xfrm>
-          <a:prstGeom prst="rect">
-            <a:avLst/>
-          </a:prstGeom>
-          <a:noFill/>
-        </p:spPr>
-        <p:txBody>
-          <a:bodyPr wrap="none" rtlCol="0">
-            <a:spAutoFit/>
-          </a:bodyPr>
-          <a:lstStyle/>
-          <a:p>
-            <a:r>
-              <a:rPr lang="en-JP"/>
-              <a:t>DP1でグループBを取り出せない</a:t>
-            </a:r>
-          </a:p>
-        </p:txBody>
-      </p:sp>
-      <p:sp>
-        <p:nvSpPr>
-          <p:cNvPr id="14" name="TextBox 13">
-            <a:extLst>
-              <a:ext uri="{FF2B5EF4-FFF2-40B4-BE49-F238E27FC236}">
-                <a16:creationId xmlns:a16="http://schemas.microsoft.com/office/drawing/2014/main" id="{10EDC70E-416B-E14E-A7E5-7FD783DBD000}"/>
-              </a:ext>
-            </a:extLst>
-          </p:cNvPr>
-          <p:cNvSpPr txBox="1"/>
-          <p:nvPr/>
-        </p:nvSpPr>
-        <p:spPr>
-          <a:xfrm>
-            <a:off x="6320093" y="1319888"/>
-            <a:ext cx="4670756" cy="5262979"/>
-          </a:xfrm>
-          <a:prstGeom prst="rect">
-            <a:avLst/>
-          </a:prstGeom>
-          <a:noFill/>
-          <a:ln w="31750">
-            <a:solidFill>
-              <a:schemeClr val="tx1">
-                <a:lumMod val="50000"/>
-                <a:lumOff val="50000"/>
-              </a:schemeClr>
-            </a:solidFill>
-          </a:ln>
-        </p:spPr>
-        <p:txBody>
-          <a:bodyPr wrap="square" rtlCol="0">
-            <a:spAutoFit/>
-          </a:bodyPr>
-          <a:lstStyle/>
-          <a:p>
-            <a:r>
-              <a:rPr lang="en-JP" sz="2400" b="1"/>
-              <a:t>case 2. 物理的に駐車できない</a:t>
-            </a:r>
-          </a:p>
-          <a:p>
-            <a:endParaRPr lang="en-US" sz="2400"/>
-          </a:p>
-          <a:p>
-            <a:r>
-              <a:rPr lang="en-US" sz="2400"/>
-              <a:t>ex. </a:t>
-            </a:r>
-            <a:endParaRPr lang="en-JP" sz="2400"/>
-          </a:p>
-          <a:p>
-            <a:endParaRPr lang="en-JP" sz="2400"/>
-          </a:p>
-          <a:p>
-            <a:endParaRPr lang="en-JP" sz="2400"/>
-          </a:p>
-          <a:p>
-            <a:endParaRPr lang="en-JP" sz="2400"/>
-          </a:p>
-          <a:p>
-            <a:endParaRPr lang="en-JP" sz="2400"/>
-          </a:p>
-          <a:p>
-            <a:endParaRPr lang="en-JP" sz="2400"/>
-          </a:p>
-          <a:p>
-            <a:endParaRPr lang="en-JP" sz="2400"/>
-          </a:p>
-          <a:p>
-            <a:endParaRPr lang="en-JP" sz="2400"/>
-          </a:p>
-          <a:p>
-            <a:endParaRPr lang="en-JP" sz="2400"/>
-          </a:p>
-          <a:p>
-            <a:endParaRPr lang="en-JP" sz="2400"/>
-          </a:p>
-          <a:p>
-            <a:endParaRPr lang="en-JP" sz="2400"/>
-          </a:p>
-          <a:p>
-            <a:endParaRPr lang="en-JP" sz="2400"/>
-          </a:p>
-        </p:txBody>
-      </p:sp>
-      <p:sp>
-        <p:nvSpPr>
-          <p:cNvPr id="15" name="Rectangle 14">
-            <a:extLst>
-              <a:ext uri="{FF2B5EF4-FFF2-40B4-BE49-F238E27FC236}">
-                <a16:creationId xmlns:a16="http://schemas.microsoft.com/office/drawing/2014/main" id="{696EC223-6373-6747-A937-F409383F79CE}"/>
-              </a:ext>
-            </a:extLst>
-          </p:cNvPr>
-          <p:cNvSpPr/>
-          <p:nvPr/>
-        </p:nvSpPr>
-        <p:spPr>
-          <a:xfrm>
-            <a:off x="7231867" y="2904606"/>
-            <a:ext cx="2017967" cy="2979571"/>
-          </a:xfrm>
-          <a:prstGeom prst="rect">
-            <a:avLst/>
-          </a:prstGeom>
-          <a:ln w="38100">
-            <a:solidFill>
-              <a:schemeClr val="tx1"/>
-            </a:solidFill>
-          </a:ln>
-        </p:spPr>
-        <p:style>
-          <a:lnRef idx="2">
-            <a:schemeClr val="accent6"/>
-          </a:lnRef>
-          <a:fillRef idx="1">
-            <a:schemeClr val="lt1"/>
-          </a:fillRef>
-          <a:effectRef idx="0">
-            <a:schemeClr val="accent6"/>
-          </a:effectRef>
-          <a:fontRef idx="minor">
-            <a:schemeClr val="dk1"/>
-          </a:fontRef>
-        </p:style>
-        <p:txBody>
-          <a:bodyPr rtlCol="0" anchor="ctr"/>
-          <a:lstStyle/>
-          <a:p>
-            <a:pPr algn="ctr"/>
-            <a:endParaRPr lang="en-JP"/>
-          </a:p>
-        </p:txBody>
-      </p:sp>
-      <p:sp>
-        <p:nvSpPr>
-          <p:cNvPr id="16" name="L-Shape 15">
-            <a:extLst>
-              <a:ext uri="{FF2B5EF4-FFF2-40B4-BE49-F238E27FC236}">
-                <a16:creationId xmlns:a16="http://schemas.microsoft.com/office/drawing/2014/main" id="{BA7F7CB2-554F-1842-8129-4E1D2CA23F57}"/>
-              </a:ext>
-            </a:extLst>
-          </p:cNvPr>
-          <p:cNvSpPr/>
-          <p:nvPr/>
-        </p:nvSpPr>
-        <p:spPr>
-          <a:xfrm>
-            <a:off x="7231867" y="4174467"/>
-            <a:ext cx="2018634" cy="1700103"/>
-          </a:xfrm>
-          <a:prstGeom prst="corner">
-            <a:avLst>
-              <a:gd name="adj1" fmla="val 51545"/>
-              <a:gd name="adj2" fmla="val 85807"/>
-            </a:avLst>
-          </a:prstGeom>
-          <a:solidFill>
-            <a:schemeClr val="accent5">
-              <a:lumMod val="20000"/>
-              <a:lumOff val="80000"/>
-            </a:schemeClr>
-          </a:solidFill>
-          <a:ln>
-            <a:solidFill>
-              <a:schemeClr val="tx1"/>
-            </a:solidFill>
-          </a:ln>
-        </p:spPr>
-        <p:style>
-          <a:lnRef idx="2">
-            <a:schemeClr val="accent1">
-              <a:shade val="50000"/>
-            </a:schemeClr>
-          </a:lnRef>
-          <a:fillRef idx="1">
-            <a:schemeClr val="accent1"/>
-          </a:fillRef>
-          <a:effectRef idx="0">
-            <a:schemeClr val="accent1"/>
-          </a:effectRef>
-          <a:fontRef idx="minor">
-            <a:schemeClr val="lt1"/>
-          </a:fontRef>
-        </p:style>
-        <p:txBody>
-          <a:bodyPr rtlCol="0" anchor="ctr"/>
-          <a:lstStyle/>
-          <a:p>
-            <a:pPr algn="ctr"/>
-            <a:endParaRPr lang="en-JP"/>
-          </a:p>
-        </p:txBody>
-      </p:sp>
-      <p:sp>
-        <p:nvSpPr>
-          <p:cNvPr id="17" name="Rectangle 16">
-            <a:extLst>
-              <a:ext uri="{FF2B5EF4-FFF2-40B4-BE49-F238E27FC236}">
-                <a16:creationId xmlns:a16="http://schemas.microsoft.com/office/drawing/2014/main" id="{97CC00EF-4673-754C-AA8C-B222B7547357}"/>
-              </a:ext>
-            </a:extLst>
-          </p:cNvPr>
-          <p:cNvSpPr/>
-          <p:nvPr/>
-        </p:nvSpPr>
-        <p:spPr>
-          <a:xfrm>
-            <a:off x="8744758" y="4194802"/>
-            <a:ext cx="473903" cy="751600"/>
-          </a:xfrm>
-          <a:prstGeom prst="rect">
-            <a:avLst/>
-          </a:prstGeom>
-          <a:solidFill>
-            <a:schemeClr val="accent4"/>
-          </a:solidFill>
-          <a:ln w="31750">
-            <a:solidFill>
-              <a:schemeClr val="accent4"/>
-            </a:solidFill>
-            <a:prstDash val="sysDash"/>
-          </a:ln>
-        </p:spPr>
-        <p:style>
-          <a:lnRef idx="2">
-            <a:schemeClr val="accent1">
-              <a:shade val="50000"/>
-            </a:schemeClr>
-          </a:lnRef>
-          <a:fillRef idx="1">
-            <a:schemeClr val="accent1"/>
-          </a:fillRef>
-          <a:effectRef idx="0">
-            <a:schemeClr val="accent1"/>
-          </a:effectRef>
-          <a:fontRef idx="minor">
-            <a:schemeClr val="lt1"/>
-          </a:fontRef>
-        </p:style>
-        <p:txBody>
-          <a:bodyPr rtlCol="0" anchor="ctr"/>
-          <a:lstStyle/>
-          <a:p>
-            <a:pPr algn="ctr"/>
-            <a:endParaRPr lang="en-JP"/>
-          </a:p>
-        </p:txBody>
-      </p:sp>
-      <p:sp>
-        <p:nvSpPr>
-          <p:cNvPr id="18" name="Rectangle 17">
-            <a:extLst>
-              <a:ext uri="{FF2B5EF4-FFF2-40B4-BE49-F238E27FC236}">
-                <a16:creationId xmlns:a16="http://schemas.microsoft.com/office/drawing/2014/main" id="{B29063CA-B6C3-F743-92ED-C98F9FDE494D}"/>
-              </a:ext>
-            </a:extLst>
-          </p:cNvPr>
-          <p:cNvSpPr/>
-          <p:nvPr/>
-        </p:nvSpPr>
-        <p:spPr>
-          <a:xfrm>
-            <a:off x="8959258" y="3707020"/>
-            <a:ext cx="290576" cy="294018"/>
-          </a:xfrm>
-          <a:prstGeom prst="rect">
-            <a:avLst/>
-          </a:prstGeom>
-        </p:spPr>
-        <p:style>
-          <a:lnRef idx="2">
-            <a:schemeClr val="dk1">
-              <a:shade val="50000"/>
-            </a:schemeClr>
-          </a:lnRef>
-          <a:fillRef idx="1">
-            <a:schemeClr val="dk1"/>
-          </a:fillRef>
-          <a:effectRef idx="0">
-            <a:schemeClr val="dk1"/>
-          </a:effectRef>
-          <a:fontRef idx="minor">
-            <a:schemeClr val="lt1"/>
-          </a:fontRef>
-        </p:style>
-        <p:txBody>
-          <a:bodyPr rtlCol="0" anchor="ctr"/>
-          <a:lstStyle/>
-          <a:p>
-            <a:pPr algn="ctr"/>
-            <a:endParaRPr lang="en-JP"/>
-          </a:p>
-        </p:txBody>
-      </p:sp>
-      <p:sp>
-        <p:nvSpPr>
-          <p:cNvPr id="19" name="Rectangle 18">
-            <a:extLst>
-              <a:ext uri="{FF2B5EF4-FFF2-40B4-BE49-F238E27FC236}">
-                <a16:creationId xmlns:a16="http://schemas.microsoft.com/office/drawing/2014/main" id="{6B8A4B61-567F-FE45-9A37-C28767CD90B2}"/>
-              </a:ext>
-            </a:extLst>
-          </p:cNvPr>
-          <p:cNvSpPr/>
-          <p:nvPr/>
-        </p:nvSpPr>
-        <p:spPr>
-          <a:xfrm>
-            <a:off x="7762866" y="2483209"/>
-            <a:ext cx="726808" cy="403213"/>
-          </a:xfrm>
-          <a:prstGeom prst="rect">
-            <a:avLst/>
-          </a:prstGeom>
-          <a:solidFill>
-            <a:schemeClr val="bg2">
-              <a:lumMod val="90000"/>
-            </a:schemeClr>
-          </a:solidFill>
-          <a:ln>
-            <a:solidFill>
-              <a:schemeClr val="tx1"/>
-            </a:solidFill>
-          </a:ln>
-        </p:spPr>
-        <p:style>
-          <a:lnRef idx="2">
-            <a:schemeClr val="accent1">
-              <a:shade val="50000"/>
-            </a:schemeClr>
-          </a:lnRef>
-          <a:fillRef idx="1">
-            <a:schemeClr val="accent1"/>
-          </a:fillRef>
-          <a:effectRef idx="0">
-            <a:schemeClr val="accent1"/>
-          </a:effectRef>
-          <a:fontRef idx="minor">
-            <a:schemeClr val="lt1"/>
-          </a:fontRef>
-        </p:style>
-        <p:txBody>
-          <a:bodyPr rtlCol="0" anchor="ctr"/>
-          <a:lstStyle/>
-          <a:p>
-            <a:pPr algn="ctr"/>
-            <a:r>
-              <a:rPr lang="en-JP">
-                <a:solidFill>
-                  <a:schemeClr val="tx1"/>
-                </a:solidFill>
-              </a:rPr>
-              <a:t>入口</a:t>
-            </a:r>
-          </a:p>
-        </p:txBody>
-      </p:sp>
       <p:cxnSp>
         <p:nvCxnSpPr>
           <p:cNvPr id="20" name="Elbow Connector 19">
@@ -15185,8 +11966,8 @@
         </p:nvCxnSpPr>
         <p:spPr>
           <a:xfrm rot="16200000" flipH="1">
-            <a:off x="7972698" y="3183498"/>
-            <a:ext cx="1062077" cy="746432"/>
+            <a:off x="9459367" y="3624885"/>
+            <a:ext cx="952696" cy="585611"/>
           </a:xfrm>
           <a:prstGeom prst="bentConnector3">
             <a:avLst/>
@@ -15227,8 +12008,8 @@
         </p:nvSpPr>
         <p:spPr>
           <a:xfrm>
-            <a:off x="6934728" y="6154492"/>
-            <a:ext cx="3185487" cy="369332"/>
+            <a:off x="6764868" y="6056645"/>
+            <a:ext cx="3685624" cy="415498"/>
           </a:xfrm>
           <a:prstGeom prst="rect">
             <a:avLst/>
@@ -15242,7 +12023,11 @@
           <a:lstStyle/>
           <a:p>
             <a:r>
-              <a:rPr lang="en-JP"/>
+              <a:rPr lang="en-JP" sz="2100">
+                <a:solidFill>
+                  <a:srgbClr val="FF0000"/>
+                </a:solidFill>
+              </a:rPr>
               <a:t>障害物が邪魔で駐車できない</a:t>
             </a:r>
           </a:p>
@@ -15264,7 +12049,7 @@
         </p:nvSpPr>
         <p:spPr>
           <a:xfrm>
-            <a:off x="9463655" y="5532050"/>
+            <a:off x="6896815" y="5337760"/>
             <a:ext cx="292904" cy="304169"/>
           </a:xfrm>
           <a:prstGeom prst="rect">
@@ -15312,7 +12097,7 @@
         </p:nvSpPr>
         <p:spPr>
           <a:xfrm>
-            <a:off x="9455564" y="5079666"/>
+            <a:off x="6888724" y="4885376"/>
             <a:ext cx="292904" cy="304169"/>
           </a:xfrm>
           <a:prstGeom prst="rect">
@@ -15366,7 +12151,7 @@
         </p:nvSpPr>
         <p:spPr>
           <a:xfrm>
-            <a:off x="9455564" y="4625041"/>
+            <a:off x="6888724" y="4430751"/>
             <a:ext cx="292904" cy="304169"/>
           </a:xfrm>
           <a:prstGeom prst="rect">
@@ -15423,8 +12208,8 @@
         </p:nvSpPr>
         <p:spPr>
           <a:xfrm>
-            <a:off x="9742934" y="4608871"/>
-            <a:ext cx="1527738" cy="338554"/>
+            <a:off x="7176094" y="4414581"/>
+            <a:ext cx="1247915" cy="338554"/>
           </a:xfrm>
           <a:prstGeom prst="rect">
             <a:avLst/>
@@ -15460,7 +12245,7 @@
         </p:nvSpPr>
         <p:spPr>
           <a:xfrm>
-            <a:off x="9742934" y="5094617"/>
+            <a:off x="7176094" y="4900327"/>
             <a:ext cx="1303071" cy="338554"/>
           </a:xfrm>
           <a:prstGeom prst="rect">
@@ -15497,7 +12282,7 @@
         </p:nvSpPr>
         <p:spPr>
           <a:xfrm>
-            <a:off x="9744593" y="5532050"/>
+            <a:off x="7177753" y="5337760"/>
             <a:ext cx="805982" cy="338554"/>
           </a:xfrm>
           <a:prstGeom prst="rect">
@@ -15518,10 +12303,421 @@
           </a:p>
         </p:txBody>
       </p:sp>
+      <p:sp>
+        <p:nvSpPr>
+          <p:cNvPr id="2" name="TextBox 1">
+            <a:extLst>
+              <a:ext uri="{FF2B5EF4-FFF2-40B4-BE49-F238E27FC236}">
+                <a16:creationId xmlns:a16="http://schemas.microsoft.com/office/drawing/2014/main" id="{2152DD59-F646-754C-B142-C576E9AD6038}"/>
+              </a:ext>
+            </a:extLst>
+          </p:cNvPr>
+          <p:cNvSpPr txBox="1"/>
+          <p:nvPr/>
+        </p:nvSpPr>
+        <p:spPr>
+          <a:xfrm>
+            <a:off x="983942" y="3428874"/>
+            <a:ext cx="2510359" cy="2000163"/>
+          </a:xfrm>
+          <a:prstGeom prst="rect">
+            <a:avLst/>
+          </a:prstGeom>
+          <a:noFill/>
+          <a:ln>
+            <a:solidFill>
+              <a:schemeClr val="tx1"/>
+            </a:solidFill>
+          </a:ln>
+        </p:spPr>
+        <p:txBody>
+          <a:bodyPr wrap="square" rtlCol="0">
+            <a:spAutoFit/>
+          </a:bodyPr>
+          <a:lstStyle/>
+          <a:p>
+            <a:pPr>
+              <a:lnSpc>
+                <a:spcPct val="110000"/>
+              </a:lnSpc>
+            </a:pPr>
+            <a:r>
+              <a:rPr lang="en-US" sz="2200"/>
+              <a:t>各貨物の情報</a:t>
+            </a:r>
+          </a:p>
+          <a:p>
+            <a:pPr>
+              <a:lnSpc>
+                <a:spcPct val="110000"/>
+              </a:lnSpc>
+            </a:pPr>
+            <a:r>
+              <a:rPr lang="en-US" altLang="ja-JP" sz="2400">
+                <a:ea typeface="Hiragino Kaku Gothic Pro W3" panose="020B0300000000000000" pitchFamily="34" charset="-128"/>
+              </a:rPr>
+              <a:t>A:</a:t>
+            </a:r>
+            <a:r>
+              <a:rPr lang="en-US" altLang="ja-JP" sz="2400"/>
+              <a:t> LP1 -&gt; DP3</a:t>
+            </a:r>
+          </a:p>
+          <a:p>
+            <a:pPr>
+              <a:lnSpc>
+                <a:spcPct val="110000"/>
+              </a:lnSpc>
+            </a:pPr>
+            <a:r>
+              <a:rPr lang="en-US" altLang="ja-JP" sz="2400">
+                <a:ea typeface="Hiragino Kaku Gothic Pro W3" panose="020B0300000000000000" pitchFamily="34" charset="-128"/>
+              </a:rPr>
+              <a:t>B</a:t>
+            </a:r>
+            <a:r>
+              <a:rPr lang="en-US" altLang="ja-JP" sz="2400"/>
+              <a:t>: LP2 -&gt; DP1</a:t>
+            </a:r>
+          </a:p>
+          <a:p>
+            <a:pPr>
+              <a:lnSpc>
+                <a:spcPct val="110000"/>
+              </a:lnSpc>
+            </a:pPr>
+            <a:r>
+              <a:rPr lang="en-US" altLang="ja-JP" sz="2400">
+                <a:ea typeface="Hiragino Kaku Gothic Pro W3" panose="020B0300000000000000" pitchFamily="34" charset="-128"/>
+              </a:rPr>
+              <a:t>C</a:t>
+            </a:r>
+            <a:r>
+              <a:rPr lang="en-US" altLang="ja-JP" sz="2400"/>
+              <a:t>: LP3 -&gt; DP2</a:t>
+            </a:r>
+          </a:p>
+          <a:p>
+            <a:pPr>
+              <a:lnSpc>
+                <a:spcPct val="110000"/>
+              </a:lnSpc>
+            </a:pPr>
+            <a:r>
+              <a:rPr lang="en-US" sz="2000"/>
+              <a:t>  (積み地) -&gt; (揚げ地)</a:t>
+            </a:r>
+            <a:endParaRPr lang="en-US" altLang="ja-JP" sz="2000">
+              <a:ea typeface="Hiragino Kaku Gothic Pro W3" panose="020B0300000000000000" pitchFamily="34" charset="-128"/>
+            </a:endParaRPr>
+          </a:p>
+        </p:txBody>
+      </p:sp>
+      <p:sp>
+        <p:nvSpPr>
+          <p:cNvPr id="29" name="Rectangle 28">
+            <a:extLst>
+              <a:ext uri="{FF2B5EF4-FFF2-40B4-BE49-F238E27FC236}">
+                <a16:creationId xmlns:a16="http://schemas.microsoft.com/office/drawing/2014/main" id="{7870E875-E8EB-B04A-8DDC-C7C345B06125}"/>
+              </a:ext>
+            </a:extLst>
+          </p:cNvPr>
+          <p:cNvSpPr/>
+          <p:nvPr/>
+        </p:nvSpPr>
+        <p:spPr>
+          <a:xfrm>
+            <a:off x="3806553" y="3384334"/>
+            <a:ext cx="1865472" cy="2448100"/>
+          </a:xfrm>
+          <a:prstGeom prst="rect">
+            <a:avLst/>
+          </a:prstGeom>
+          <a:noFill/>
+          <a:ln w="38100">
+            <a:solidFill>
+              <a:schemeClr val="tx1"/>
+            </a:solidFill>
+          </a:ln>
+        </p:spPr>
+        <p:style>
+          <a:lnRef idx="2">
+            <a:schemeClr val="accent1">
+              <a:shade val="50000"/>
+            </a:schemeClr>
+          </a:lnRef>
+          <a:fillRef idx="1">
+            <a:schemeClr val="accent1"/>
+          </a:fillRef>
+          <a:effectRef idx="0">
+            <a:schemeClr val="accent1"/>
+          </a:effectRef>
+          <a:fontRef idx="minor">
+            <a:schemeClr val="lt1"/>
+          </a:fontRef>
+        </p:style>
+        <p:txBody>
+          <a:bodyPr rtlCol="0" anchor="ctr"/>
+          <a:lstStyle/>
+          <a:p>
+            <a:pPr algn="ctr"/>
+            <a:endParaRPr lang="en-JP"/>
+          </a:p>
+        </p:txBody>
+      </p:sp>
+      <p:sp>
+        <p:nvSpPr>
+          <p:cNvPr id="30" name="Rectangle 29">
+            <a:extLst>
+              <a:ext uri="{FF2B5EF4-FFF2-40B4-BE49-F238E27FC236}">
+                <a16:creationId xmlns:a16="http://schemas.microsoft.com/office/drawing/2014/main" id="{E2C19DF9-4A4F-7F42-888E-532C278F8FE1}"/>
+              </a:ext>
+            </a:extLst>
+          </p:cNvPr>
+          <p:cNvSpPr/>
+          <p:nvPr/>
+        </p:nvSpPr>
+        <p:spPr>
+          <a:xfrm>
+            <a:off x="3866584" y="5060353"/>
+            <a:ext cx="1730746" cy="680125"/>
+          </a:xfrm>
+          <a:prstGeom prst="rect">
+            <a:avLst/>
+          </a:prstGeom>
+          <a:solidFill>
+            <a:schemeClr val="accent2">
+              <a:lumMod val="20000"/>
+              <a:lumOff val="80000"/>
+            </a:schemeClr>
+          </a:solidFill>
+          <a:ln>
+            <a:noFill/>
+          </a:ln>
+        </p:spPr>
+        <p:style>
+          <a:lnRef idx="2">
+            <a:schemeClr val="accent1">
+              <a:shade val="50000"/>
+            </a:schemeClr>
+          </a:lnRef>
+          <a:fillRef idx="1">
+            <a:schemeClr val="accent1"/>
+          </a:fillRef>
+          <a:effectRef idx="0">
+            <a:schemeClr val="accent1"/>
+          </a:effectRef>
+          <a:fontRef idx="minor">
+            <a:schemeClr val="lt1"/>
+          </a:fontRef>
+        </p:style>
+        <p:txBody>
+          <a:bodyPr rtlCol="0" anchor="ctr"/>
+          <a:lstStyle/>
+          <a:p>
+            <a:pPr algn="ctr"/>
+            <a:r>
+              <a:rPr lang="en-JP">
+                <a:solidFill>
+                  <a:schemeClr val="tx1"/>
+                </a:solidFill>
+              </a:rPr>
+              <a:t>グループA</a:t>
+            </a:r>
+          </a:p>
+        </p:txBody>
+      </p:sp>
+      <p:sp>
+        <p:nvSpPr>
+          <p:cNvPr id="31" name="Rectangle 30">
+            <a:extLst>
+              <a:ext uri="{FF2B5EF4-FFF2-40B4-BE49-F238E27FC236}">
+                <a16:creationId xmlns:a16="http://schemas.microsoft.com/office/drawing/2014/main" id="{DF0A333D-3381-F640-9F92-440DE97C4521}"/>
+              </a:ext>
+            </a:extLst>
+          </p:cNvPr>
+          <p:cNvSpPr/>
+          <p:nvPr/>
+        </p:nvSpPr>
+        <p:spPr>
+          <a:xfrm>
+            <a:off x="3866584" y="4500975"/>
+            <a:ext cx="1730746" cy="514607"/>
+          </a:xfrm>
+          <a:prstGeom prst="rect">
+            <a:avLst/>
+          </a:prstGeom>
+          <a:solidFill>
+            <a:schemeClr val="accent5">
+              <a:lumMod val="20000"/>
+              <a:lumOff val="80000"/>
+            </a:schemeClr>
+          </a:solidFill>
+          <a:ln>
+            <a:noFill/>
+          </a:ln>
+        </p:spPr>
+        <p:style>
+          <a:lnRef idx="2">
+            <a:schemeClr val="accent1">
+              <a:shade val="50000"/>
+            </a:schemeClr>
+          </a:lnRef>
+          <a:fillRef idx="1">
+            <a:schemeClr val="accent1"/>
+          </a:fillRef>
+          <a:effectRef idx="0">
+            <a:schemeClr val="accent1"/>
+          </a:effectRef>
+          <a:fontRef idx="minor">
+            <a:schemeClr val="lt1"/>
+          </a:fontRef>
+        </p:style>
+        <p:txBody>
+          <a:bodyPr rtlCol="0" anchor="ctr"/>
+          <a:lstStyle/>
+          <a:p>
+            <a:pPr algn="ctr"/>
+            <a:r>
+              <a:rPr lang="en-JP">
+                <a:solidFill>
+                  <a:schemeClr val="tx1"/>
+                </a:solidFill>
+              </a:rPr>
+              <a:t>グループB</a:t>
+            </a:r>
+          </a:p>
+        </p:txBody>
+      </p:sp>
+      <p:sp>
+        <p:nvSpPr>
+          <p:cNvPr id="32" name="Rectangle 31">
+            <a:extLst>
+              <a:ext uri="{FF2B5EF4-FFF2-40B4-BE49-F238E27FC236}">
+                <a16:creationId xmlns:a16="http://schemas.microsoft.com/office/drawing/2014/main" id="{CF830325-A657-1945-8207-4285F48C67A5}"/>
+              </a:ext>
+            </a:extLst>
+          </p:cNvPr>
+          <p:cNvSpPr/>
+          <p:nvPr/>
+        </p:nvSpPr>
+        <p:spPr>
+          <a:xfrm>
+            <a:off x="3866584" y="3470575"/>
+            <a:ext cx="1730746" cy="990149"/>
+          </a:xfrm>
+          <a:prstGeom prst="rect">
+            <a:avLst/>
+          </a:prstGeom>
+          <a:solidFill>
+            <a:schemeClr val="accent6">
+              <a:lumMod val="20000"/>
+              <a:lumOff val="80000"/>
+            </a:schemeClr>
+          </a:solidFill>
+          <a:ln>
+            <a:noFill/>
+          </a:ln>
+        </p:spPr>
+        <p:style>
+          <a:lnRef idx="2">
+            <a:schemeClr val="accent1">
+              <a:shade val="50000"/>
+            </a:schemeClr>
+          </a:lnRef>
+          <a:fillRef idx="1">
+            <a:schemeClr val="accent1"/>
+          </a:fillRef>
+          <a:effectRef idx="0">
+            <a:schemeClr val="accent1"/>
+          </a:effectRef>
+          <a:fontRef idx="minor">
+            <a:schemeClr val="lt1"/>
+          </a:fontRef>
+        </p:style>
+        <p:txBody>
+          <a:bodyPr rtlCol="0" anchor="ctr"/>
+          <a:lstStyle/>
+          <a:p>
+            <a:pPr algn="ctr"/>
+            <a:r>
+              <a:rPr lang="en-JP">
+                <a:solidFill>
+                  <a:schemeClr val="tx1"/>
+                </a:solidFill>
+              </a:rPr>
+              <a:t>グループC</a:t>
+            </a:r>
+          </a:p>
+        </p:txBody>
+      </p:sp>
+      <p:sp>
+        <p:nvSpPr>
+          <p:cNvPr id="33" name="Rectangle 32">
+            <a:extLst>
+              <a:ext uri="{FF2B5EF4-FFF2-40B4-BE49-F238E27FC236}">
+                <a16:creationId xmlns:a16="http://schemas.microsoft.com/office/drawing/2014/main" id="{5F46F5CB-3E84-BF41-93ED-D9D945124B40}"/>
+              </a:ext>
+            </a:extLst>
+          </p:cNvPr>
+          <p:cNvSpPr/>
+          <p:nvPr/>
+        </p:nvSpPr>
+        <p:spPr>
+          <a:xfrm>
+            <a:off x="4382852" y="3002718"/>
+            <a:ext cx="698209" cy="341365"/>
+          </a:xfrm>
+          <a:prstGeom prst="rect">
+            <a:avLst/>
+          </a:prstGeom>
+          <a:solidFill>
+            <a:schemeClr val="bg2">
+              <a:lumMod val="90000"/>
+            </a:schemeClr>
+          </a:solidFill>
+          <a:ln>
+            <a:solidFill>
+              <a:schemeClr val="tx1"/>
+            </a:solidFill>
+          </a:ln>
+        </p:spPr>
+        <p:style>
+          <a:lnRef idx="2">
+            <a:schemeClr val="accent1">
+              <a:shade val="50000"/>
+            </a:schemeClr>
+          </a:lnRef>
+          <a:fillRef idx="1">
+            <a:schemeClr val="accent1"/>
+          </a:fillRef>
+          <a:effectRef idx="0">
+            <a:schemeClr val="accent1"/>
+          </a:effectRef>
+          <a:fontRef idx="minor">
+            <a:schemeClr val="lt1"/>
+          </a:fontRef>
+        </p:style>
+        <p:txBody>
+          <a:bodyPr rtlCol="0" anchor="ctr"/>
+          <a:lstStyle/>
+          <a:p>
+            <a:pPr algn="ctr"/>
+            <a:r>
+              <a:rPr lang="en-JP">
+                <a:solidFill>
+                  <a:schemeClr val="tx1"/>
+                </a:solidFill>
+              </a:rPr>
+              <a:t>入口</a:t>
+            </a:r>
+          </a:p>
+        </p:txBody>
+      </p:sp>
     </p:spTree>
     <p:extLst>
       <p:ext uri="{BB962C8B-B14F-4D97-AF65-F5344CB8AC3E}">
-        <p14:creationId xmlns:p14="http://schemas.microsoft.com/office/powerpoint/2010/main" val="3595096099"/>
+        <p14:creationId xmlns:p14="http://schemas.microsoft.com/office/powerpoint/2010/main" val="512021859"/>
       </p:ext>
     </p:extLst>
   </p:cSld>
@@ -15531,7 +12727,7 @@
 </p:sld>
 </file>
 
-<file path=ppt/slides/slide14.xml><?xml version="1.0" encoding="utf-8"?>
+<file path=ppt/slides/slide13.xml><?xml version="1.0" encoding="utf-8"?>
 <p:sld xmlns:a="http://schemas.openxmlformats.org/drawingml/2006/main" xmlns:r="http://schemas.openxmlformats.org/officeDocument/2006/relationships" xmlns:p="http://schemas.openxmlformats.org/presentationml/2006/main">
   <p:cSld>
     <p:spTree>
@@ -15693,7 +12889,7 @@
           <a:p>
             <a:fld id="{CCF3E294-EB10-834B-8B5B-5C78A6A1F52A}" type="slidenum">
               <a:rPr lang="en-JP"/>
-              <a:t>14</a:t>
+              <a:t>13</a:t>
             </a:fld>
             <a:endParaRPr lang="en-JP"/>
           </a:p>
@@ -15712,7 +12908,7 @@
 </p:sld>
 </file>
 
-<file path=ppt/slides/slide15.xml><?xml version="1.0" encoding="utf-8"?>
+<file path=ppt/slides/slide14.xml><?xml version="1.0" encoding="utf-8"?>
 <p:sld xmlns:a="http://schemas.openxmlformats.org/drawingml/2006/main" xmlns:r="http://schemas.openxmlformats.org/officeDocument/2006/relationships" xmlns:p="http://schemas.openxmlformats.org/presentationml/2006/main">
   <p:cSld>
     <p:spTree>
@@ -15818,7 +13014,7 @@
           <a:p>
             <a:fld id="{A15909B6-B37A-2F40-8E50-BD3B90D17A7A}" type="slidenum">
               <a:rPr lang="en-JP"/>
-              <a:t>15</a:t>
+              <a:t>14</a:t>
             </a:fld>
             <a:endParaRPr lang="en-JP"/>
           </a:p>
@@ -15869,7 +13065,7 @@
 </p:sld>
 </file>
 
-<file path=ppt/slides/slide16.xml><?xml version="1.0" encoding="utf-8"?>
+<file path=ppt/slides/slide15.xml><?xml version="1.0" encoding="utf-8"?>
 <p:sld xmlns:a="http://schemas.openxmlformats.org/drawingml/2006/main" xmlns:r="http://schemas.openxmlformats.org/officeDocument/2006/relationships" xmlns:p="http://schemas.openxmlformats.org/presentationml/2006/main">
   <p:cSld>
     <p:spTree>
@@ -16026,6 +13222,10 @@
                   <a:buNone/>
                 </a:pPr>
                 <a:r>
+                  <a:rPr lang="en-US" sz="2400"/>
+                  <a:t> </a:t>
+                </a:r>
+                <a:r>
                   <a:rPr lang="en-JP" sz="2400"/>
                   <a:t>≥ (車</a:t>
                 </a:r>
@@ -16141,7 +13341,7 @@
           <a:p>
             <a:fld id="{CCF3E294-EB10-834B-8B5B-5C78A6A1F52A}" type="slidenum">
               <a:rPr lang="en-JP"/>
-              <a:t>16</a:t>
+              <a:t>15</a:t>
             </a:fld>
             <a:endParaRPr lang="en-JP"/>
           </a:p>
@@ -17635,7 +14835,7 @@
 </p:sld>
 </file>
 
-<file path=ppt/slides/slide17.xml><?xml version="1.0" encoding="utf-8"?>
+<file path=ppt/slides/slide16.xml><?xml version="1.0" encoding="utf-8"?>
 <p:sld xmlns:a="http://schemas.openxmlformats.org/drawingml/2006/main" xmlns:r="http://schemas.openxmlformats.org/officeDocument/2006/relationships" xmlns:p="http://schemas.openxmlformats.org/presentationml/2006/main">
   <p:cSld>
     <p:spTree>
@@ -17675,7 +14875,7 @@
           <a:p>
             <a:fld id="{A15909B6-B37A-2F40-8E50-BD3B90D17A7A}" type="slidenum">
               <a:rPr lang="en-JP"/>
-              <a:t>17</a:t>
+              <a:t>16</a:t>
             </a:fld>
             <a:endParaRPr lang="en-JP"/>
           </a:p>
@@ -18083,7 +15283,7 @@
 </p:sld>
 </file>
 
-<file path=ppt/slides/slide18.xml><?xml version="1.0" encoding="utf-8"?>
+<file path=ppt/slides/slide17.xml><?xml version="1.0" encoding="utf-8"?>
 <p:sld xmlns:a="http://schemas.openxmlformats.org/drawingml/2006/main" xmlns:r="http://schemas.openxmlformats.org/officeDocument/2006/relationships" xmlns:p="http://schemas.openxmlformats.org/presentationml/2006/main">
   <p:cSld>
     <p:spTree>
@@ -18159,10 +15359,18 @@
               <a:t>　</a:t>
             </a:r>
             <a:r>
-              <a:rPr lang="en-JP" sz="2400" b="1"/>
+              <a:rPr lang="en-JP" sz="2400" b="1">
+                <a:solidFill>
+                  <a:srgbClr val="FF0000"/>
+                </a:solidFill>
+              </a:rPr>
               <a:t>-&gt; 制約「AはB, Cより奥に配置」</a:t>
             </a:r>
-            <a:endParaRPr lang="en-JP" sz="2400"/>
+            <a:endParaRPr lang="en-JP" sz="2400">
+              <a:solidFill>
+                <a:srgbClr val="FF0000"/>
+              </a:solidFill>
+            </a:endParaRPr>
           </a:p>
           <a:p>
             <a:pPr marL="0" indent="0">
@@ -18188,7 +15396,11 @@
               <a:t>　</a:t>
             </a:r>
             <a:r>
-              <a:rPr lang="en-JP" sz="2400" b="1"/>
+              <a:rPr lang="en-JP" sz="2400" b="1">
+                <a:solidFill>
+                  <a:srgbClr val="FF0000"/>
+                </a:solidFill>
+              </a:rPr>
               <a:t>-&gt; 制約「BはCの左に配置」 </a:t>
             </a:r>
           </a:p>
@@ -18217,7 +15429,7 @@
           <a:p>
             <a:fld id="{A15909B6-B37A-2F40-8E50-BD3B90D17A7A}" type="slidenum">
               <a:rPr lang="en-JP"/>
-              <a:t>18</a:t>
+              <a:t>17</a:t>
             </a:fld>
             <a:endParaRPr lang="en-JP"/>
           </a:p>
@@ -19171,7 +16383,7 @@
 </p:sld>
 </file>
 
-<file path=ppt/slides/slide19.xml><?xml version="1.0" encoding="utf-8"?>
+<file path=ppt/slides/slide18.xml><?xml version="1.0" encoding="utf-8"?>
 <p:sld xmlns:a="http://schemas.openxmlformats.org/drawingml/2006/main" xmlns:r="http://schemas.openxmlformats.org/officeDocument/2006/relationships" xmlns:p="http://schemas.openxmlformats.org/presentationml/2006/main">
   <p:cSld>
     <p:spTree>
@@ -19632,7 +16844,7 @@
           <a:p>
             <a:fld id="{CCF3E294-EB10-834B-8B5B-5C78A6A1F52A}" type="slidenum">
               <a:rPr lang="en-JP"/>
-              <a:t>19</a:t>
+              <a:t>18</a:t>
             </a:fld>
             <a:endParaRPr lang="en-JP"/>
           </a:p>
@@ -21794,183 +19006,7 @@
 </p:sld>
 </file>
 
-<file path=ppt/slides/slide2.xml><?xml version="1.0" encoding="utf-8"?>
-<p:sld xmlns:a="http://schemas.openxmlformats.org/drawingml/2006/main" xmlns:r="http://schemas.openxmlformats.org/officeDocument/2006/relationships" xmlns:p="http://schemas.openxmlformats.org/presentationml/2006/main">
-  <p:cSld>
-    <p:spTree>
-      <p:nvGrpSpPr>
-        <p:cNvPr id="1" name=""/>
-        <p:cNvGrpSpPr/>
-        <p:nvPr/>
-      </p:nvGrpSpPr>
-      <p:grpSpPr>
-        <a:xfrm>
-          <a:off x="0" y="0"/>
-          <a:ext cx="0" cy="0"/>
-          <a:chOff x="0" y="0"/>
-          <a:chExt cx="0" cy="0"/>
-        </a:xfrm>
-      </p:grpSpPr>
-      <p:sp>
-        <p:nvSpPr>
-          <p:cNvPr id="2" name="Title 1">
-            <a:extLst>
-              <a:ext uri="{FF2B5EF4-FFF2-40B4-BE49-F238E27FC236}">
-                <a16:creationId xmlns:a16="http://schemas.microsoft.com/office/drawing/2014/main" id="{A79B9A0E-02AC-444D-88A9-509D987C3339}"/>
-              </a:ext>
-            </a:extLst>
-          </p:cNvPr>
-          <p:cNvSpPr>
-            <a:spLocks noGrp="1"/>
-          </p:cNvSpPr>
-          <p:nvPr>
-            <p:ph type="title"/>
-          </p:nvPr>
-        </p:nvSpPr>
-        <p:spPr/>
-        <p:txBody>
-          <a:bodyPr/>
-          <a:lstStyle/>
-          <a:p>
-            <a:r>
-              <a:rPr lang="en-JP"/>
-              <a:t>目次</a:t>
-            </a:r>
-          </a:p>
-        </p:txBody>
-      </p:sp>
-      <p:sp>
-        <p:nvSpPr>
-          <p:cNvPr id="3" name="Content Placeholder 2">
-            <a:extLst>
-              <a:ext uri="{FF2B5EF4-FFF2-40B4-BE49-F238E27FC236}">
-                <a16:creationId xmlns:a16="http://schemas.microsoft.com/office/drawing/2014/main" id="{B94F1238-896F-F84C-A1A4-BE8D534EB87B}"/>
-              </a:ext>
-            </a:extLst>
-          </p:cNvPr>
-          <p:cNvSpPr>
-            <a:spLocks noGrp="1"/>
-          </p:cNvSpPr>
-          <p:nvPr>
-            <p:ph idx="1"/>
-          </p:nvPr>
-        </p:nvSpPr>
-        <p:spPr/>
-        <p:txBody>
-          <a:bodyPr>
-            <a:normAutofit/>
-          </a:bodyPr>
-          <a:lstStyle/>
-          <a:p>
-            <a:pPr marL="514350" indent="-514350">
-              <a:lnSpc>
-                <a:spcPct val="150000"/>
-              </a:lnSpc>
-              <a:buFont typeface="+mj-lt"/>
-              <a:buAutoNum type="arabicPeriod"/>
-            </a:pPr>
-            <a:r>
-              <a:rPr lang="en-JP"/>
-              <a:t>研究背景</a:t>
-            </a:r>
-          </a:p>
-          <a:p>
-            <a:pPr marL="514350" indent="-514350">
-              <a:lnSpc>
-                <a:spcPct val="150000"/>
-              </a:lnSpc>
-              <a:buFont typeface="+mj-lt"/>
-              <a:buAutoNum type="arabicPeriod"/>
-            </a:pPr>
-            <a:r>
-              <a:rPr lang="en-JP"/>
-              <a:t>問題定義</a:t>
-            </a:r>
-          </a:p>
-          <a:p>
-            <a:pPr marL="514350" indent="-514350">
-              <a:lnSpc>
-                <a:spcPct val="150000"/>
-              </a:lnSpc>
-              <a:buFont typeface="+mj-lt"/>
-              <a:buAutoNum type="arabicPeriod"/>
-            </a:pPr>
-            <a:r>
-              <a:rPr lang="en-JP"/>
-              <a:t>提案手法</a:t>
-            </a:r>
-          </a:p>
-          <a:p>
-            <a:pPr marL="514350" indent="-514350">
-              <a:lnSpc>
-                <a:spcPct val="150000"/>
-              </a:lnSpc>
-              <a:buFont typeface="+mj-lt"/>
-              <a:buAutoNum type="arabicPeriod"/>
-            </a:pPr>
-            <a:r>
-              <a:rPr lang="en-JP"/>
-              <a:t>結果</a:t>
-            </a:r>
-          </a:p>
-          <a:p>
-            <a:pPr marL="514350" indent="-514350">
-              <a:lnSpc>
-                <a:spcPct val="150000"/>
-              </a:lnSpc>
-              <a:buFont typeface="+mj-lt"/>
-              <a:buAutoNum type="arabicPeriod"/>
-            </a:pPr>
-            <a:r>
-              <a:rPr lang="en-JP"/>
-              <a:t>まとめ</a:t>
-            </a:r>
-          </a:p>
-        </p:txBody>
-      </p:sp>
-      <p:sp>
-        <p:nvSpPr>
-          <p:cNvPr id="4" name="Slide Number Placeholder 3">
-            <a:extLst>
-              <a:ext uri="{FF2B5EF4-FFF2-40B4-BE49-F238E27FC236}">
-                <a16:creationId xmlns:a16="http://schemas.microsoft.com/office/drawing/2014/main" id="{0E16DC64-D41E-4048-97FE-E8AA7C3BF29B}"/>
-              </a:ext>
-            </a:extLst>
-          </p:cNvPr>
-          <p:cNvSpPr>
-            <a:spLocks noGrp="1"/>
-          </p:cNvSpPr>
-          <p:nvPr>
-            <p:ph type="sldNum" sz="quarter" idx="12"/>
-          </p:nvPr>
-        </p:nvSpPr>
-        <p:spPr/>
-        <p:txBody>
-          <a:bodyPr/>
-          <a:lstStyle/>
-          <a:p>
-            <a:fld id="{CCF3E294-EB10-834B-8B5B-5C78A6A1F52A}" type="slidenum">
-              <a:rPr lang="en-JP"/>
-              <a:t>2</a:t>
-            </a:fld>
-            <a:endParaRPr lang="en-JP"/>
-          </a:p>
-        </p:txBody>
-      </p:sp>
-    </p:spTree>
-    <p:extLst>
-      <p:ext uri="{BB962C8B-B14F-4D97-AF65-F5344CB8AC3E}">
-        <p14:creationId xmlns:p14="http://schemas.microsoft.com/office/powerpoint/2010/main" val="851379105"/>
-      </p:ext>
-    </p:extLst>
-  </p:cSld>
-  <p:clrMapOvr>
-    <a:masterClrMapping/>
-  </p:clrMapOvr>
-</p:sld>
-</file>
-
-<file path=ppt/slides/slide20.xml><?xml version="1.0" encoding="utf-8"?>
+<file path=ppt/slides/slide19.xml><?xml version="1.0" encoding="utf-8"?>
 <p:sld xmlns:a="http://schemas.openxmlformats.org/drawingml/2006/main" xmlns:r="http://schemas.openxmlformats.org/officeDocument/2006/relationships" xmlns:p="http://schemas.openxmlformats.org/presentationml/2006/main">
   <p:cSld>
     <p:spTree>
@@ -22150,7 +19186,7 @@
             </a:pPr>
             <a:r>
               <a:rPr lang="en-JP" sz="2400" b="1"/>
-              <a:t>bottom-left法 (BL法)</a:t>
+              <a:t>1．bottom-left法 (BL法)</a:t>
             </a:r>
           </a:p>
           <a:p>
@@ -22186,7 +19222,7 @@
         <p:spPr>
           <a:xfrm>
             <a:off x="6313192" y="1266867"/>
-            <a:ext cx="5237017" cy="2285999"/>
+            <a:ext cx="5293454" cy="2285999"/>
           </a:xfrm>
           <a:solidFill>
             <a:schemeClr val="accent5">
@@ -22212,7 +19248,7 @@
             </a:pPr>
             <a:r>
               <a:rPr lang="en-JP" sz="2400" b="1"/>
-              <a:t>next-fit法 (NF法)</a:t>
+              <a:t>2．next-fit法 (NF法)</a:t>
             </a:r>
           </a:p>
           <a:p>
@@ -22224,7 +19260,7 @@
             </a:pPr>
             <a:r>
               <a:rPr lang="en-JP" sz="2200"/>
-              <a:t>母材内でレベルと呼ばれる領域を作りレベル内の左から詰め込むアルゴリズム．</a:t>
+              <a:t>母材内でレベルと呼ばれる領域を作り, レベル内の左から詰め込むアルゴリズム.</a:t>
             </a:r>
           </a:p>
           <a:p>
@@ -22264,7 +19300,7 @@
           <a:p>
             <a:fld id="{CCF3E294-EB10-834B-8B5B-5C78A6A1F52A}" type="slidenum">
               <a:rPr lang="en-JP"/>
-              <a:t>20</a:t>
+              <a:t>19</a:t>
             </a:fld>
             <a:endParaRPr lang="en-JP"/>
           </a:p>
@@ -22285,7 +19321,7 @@
         <p:spPr>
           <a:xfrm>
             <a:off x="838200" y="419427"/>
-            <a:ext cx="3057247" cy="523220"/>
+            <a:ext cx="6647974" cy="523220"/>
           </a:xfrm>
           <a:prstGeom prst="rect">
             <a:avLst/>
@@ -22293,14 +19329,14 @@
           <a:noFill/>
         </p:spPr>
         <p:txBody>
-          <a:bodyPr wrap="none" rtlCol="0">
+          <a:bodyPr wrap="none" rIns="90000" rtlCol="0">
             <a:spAutoFit/>
           </a:bodyPr>
           <a:lstStyle/>
           <a:p>
             <a:r>
               <a:rPr lang="en-JP" sz="2800"/>
-              <a:t>配置場所の探し方</a:t>
+              <a:t>配置場所の探し方に関するアルゴリズム</a:t>
             </a:r>
           </a:p>
         </p:txBody>
@@ -23612,7 +20648,183 @@
 </p:sld>
 </file>
 
-<file path=ppt/slides/slide21.xml><?xml version="1.0" encoding="utf-8"?>
+<file path=ppt/slides/slide2.xml><?xml version="1.0" encoding="utf-8"?>
+<p:sld xmlns:a="http://schemas.openxmlformats.org/drawingml/2006/main" xmlns:r="http://schemas.openxmlformats.org/officeDocument/2006/relationships" xmlns:p="http://schemas.openxmlformats.org/presentationml/2006/main">
+  <p:cSld>
+    <p:spTree>
+      <p:nvGrpSpPr>
+        <p:cNvPr id="1" name=""/>
+        <p:cNvGrpSpPr/>
+        <p:nvPr/>
+      </p:nvGrpSpPr>
+      <p:grpSpPr>
+        <a:xfrm>
+          <a:off x="0" y="0"/>
+          <a:ext cx="0" cy="0"/>
+          <a:chOff x="0" y="0"/>
+          <a:chExt cx="0" cy="0"/>
+        </a:xfrm>
+      </p:grpSpPr>
+      <p:sp>
+        <p:nvSpPr>
+          <p:cNvPr id="2" name="Title 1">
+            <a:extLst>
+              <a:ext uri="{FF2B5EF4-FFF2-40B4-BE49-F238E27FC236}">
+                <a16:creationId xmlns:a16="http://schemas.microsoft.com/office/drawing/2014/main" id="{A79B9A0E-02AC-444D-88A9-509D987C3339}"/>
+              </a:ext>
+            </a:extLst>
+          </p:cNvPr>
+          <p:cNvSpPr>
+            <a:spLocks noGrp="1"/>
+          </p:cNvSpPr>
+          <p:nvPr>
+            <p:ph type="title"/>
+          </p:nvPr>
+        </p:nvSpPr>
+        <p:spPr/>
+        <p:txBody>
+          <a:bodyPr/>
+          <a:lstStyle/>
+          <a:p>
+            <a:r>
+              <a:rPr lang="en-JP"/>
+              <a:t>目次</a:t>
+            </a:r>
+          </a:p>
+        </p:txBody>
+      </p:sp>
+      <p:sp>
+        <p:nvSpPr>
+          <p:cNvPr id="3" name="Content Placeholder 2">
+            <a:extLst>
+              <a:ext uri="{FF2B5EF4-FFF2-40B4-BE49-F238E27FC236}">
+                <a16:creationId xmlns:a16="http://schemas.microsoft.com/office/drawing/2014/main" id="{B94F1238-896F-F84C-A1A4-BE8D534EB87B}"/>
+              </a:ext>
+            </a:extLst>
+          </p:cNvPr>
+          <p:cNvSpPr>
+            <a:spLocks noGrp="1"/>
+          </p:cNvSpPr>
+          <p:nvPr>
+            <p:ph idx="1"/>
+          </p:nvPr>
+        </p:nvSpPr>
+        <p:spPr/>
+        <p:txBody>
+          <a:bodyPr>
+            <a:normAutofit/>
+          </a:bodyPr>
+          <a:lstStyle/>
+          <a:p>
+            <a:pPr marL="514350" indent="-514350">
+              <a:lnSpc>
+                <a:spcPct val="150000"/>
+              </a:lnSpc>
+              <a:buFont typeface="+mj-lt"/>
+              <a:buAutoNum type="arabicPeriod"/>
+            </a:pPr>
+            <a:r>
+              <a:rPr lang="en-JP"/>
+              <a:t>研究背景</a:t>
+            </a:r>
+          </a:p>
+          <a:p>
+            <a:pPr marL="514350" indent="-514350">
+              <a:lnSpc>
+                <a:spcPct val="150000"/>
+              </a:lnSpc>
+              <a:buFont typeface="+mj-lt"/>
+              <a:buAutoNum type="arabicPeriod"/>
+            </a:pPr>
+            <a:r>
+              <a:rPr lang="en-JP"/>
+              <a:t>問題定義</a:t>
+            </a:r>
+          </a:p>
+          <a:p>
+            <a:pPr marL="514350" indent="-514350">
+              <a:lnSpc>
+                <a:spcPct val="150000"/>
+              </a:lnSpc>
+              <a:buFont typeface="+mj-lt"/>
+              <a:buAutoNum type="arabicPeriod"/>
+            </a:pPr>
+            <a:r>
+              <a:rPr lang="en-JP"/>
+              <a:t>提案手法</a:t>
+            </a:r>
+          </a:p>
+          <a:p>
+            <a:pPr marL="514350" indent="-514350">
+              <a:lnSpc>
+                <a:spcPct val="150000"/>
+              </a:lnSpc>
+              <a:buFont typeface="+mj-lt"/>
+              <a:buAutoNum type="arabicPeriod"/>
+            </a:pPr>
+            <a:r>
+              <a:rPr lang="en-JP"/>
+              <a:t>結果</a:t>
+            </a:r>
+          </a:p>
+          <a:p>
+            <a:pPr marL="514350" indent="-514350">
+              <a:lnSpc>
+                <a:spcPct val="150000"/>
+              </a:lnSpc>
+              <a:buFont typeface="+mj-lt"/>
+              <a:buAutoNum type="arabicPeriod"/>
+            </a:pPr>
+            <a:r>
+              <a:rPr lang="en-JP"/>
+              <a:t>まとめ</a:t>
+            </a:r>
+          </a:p>
+        </p:txBody>
+      </p:sp>
+      <p:sp>
+        <p:nvSpPr>
+          <p:cNvPr id="4" name="Slide Number Placeholder 3">
+            <a:extLst>
+              <a:ext uri="{FF2B5EF4-FFF2-40B4-BE49-F238E27FC236}">
+                <a16:creationId xmlns:a16="http://schemas.microsoft.com/office/drawing/2014/main" id="{0E16DC64-D41E-4048-97FE-E8AA7C3BF29B}"/>
+              </a:ext>
+            </a:extLst>
+          </p:cNvPr>
+          <p:cNvSpPr>
+            <a:spLocks noGrp="1"/>
+          </p:cNvSpPr>
+          <p:nvPr>
+            <p:ph type="sldNum" sz="quarter" idx="12"/>
+          </p:nvPr>
+        </p:nvSpPr>
+        <p:spPr/>
+        <p:txBody>
+          <a:bodyPr/>
+          <a:lstStyle/>
+          <a:p>
+            <a:fld id="{CCF3E294-EB10-834B-8B5B-5C78A6A1F52A}" type="slidenum">
+              <a:rPr lang="en-JP"/>
+              <a:t>2</a:t>
+            </a:fld>
+            <a:endParaRPr lang="en-JP"/>
+          </a:p>
+        </p:txBody>
+      </p:sp>
+    </p:spTree>
+    <p:extLst>
+      <p:ext uri="{BB962C8B-B14F-4D97-AF65-F5344CB8AC3E}">
+        <p14:creationId xmlns:p14="http://schemas.microsoft.com/office/powerpoint/2010/main" val="851379105"/>
+      </p:ext>
+    </p:extLst>
+  </p:cSld>
+  <p:clrMapOvr>
+    <a:masterClrMapping/>
+  </p:clrMapOvr>
+</p:sld>
+</file>
+
+<file path=ppt/slides/slide20.xml><?xml version="1.0" encoding="utf-8"?>
 <p:sld xmlns:a="http://schemas.openxmlformats.org/drawingml/2006/main" xmlns:r="http://schemas.openxmlformats.org/officeDocument/2006/relationships" xmlns:p="http://schemas.openxmlformats.org/presentationml/2006/main">
   <p:cSld>
     <p:spTree>
@@ -23750,7 +20962,7 @@
           <a:p>
             <a:fld id="{CCF3E294-EB10-834B-8B5B-5C78A6A1F52A}" type="slidenum">
               <a:rPr lang="en-JP"/>
-              <a:t>21</a:t>
+              <a:t>20</a:t>
             </a:fld>
             <a:endParaRPr lang="en-JP"/>
           </a:p>
@@ -23774,8 +20986,8 @@
             </p:nvSpPr>
             <p:spPr>
               <a:xfrm>
-                <a:off x="838199" y="1343397"/>
-                <a:ext cx="7900545" cy="3062377"/>
+                <a:off x="838200" y="1458490"/>
+                <a:ext cx="7900545" cy="2771403"/>
               </a:xfrm>
               <a:prstGeom prst="rect">
                 <a:avLst/>
@@ -23792,7 +21004,7 @@
             </p:spPr>
             <p:txBody>
               <a:bodyPr vert="horz" wrap="square" lIns="91440" tIns="45720" rIns="91440" bIns="45720" rtlCol="0">
-                <a:spAutoFit/>
+                <a:noAutofit/>
               </a:bodyPr>
               <a:lstStyle>
                 <a:lvl1pPr marL="228600" indent="-228600" algn="l" defTabSz="914400" rtl="0" eaLnBrk="1" latinLnBrk="0" hangingPunct="1">
@@ -24267,7 +21479,7 @@
                 </a:pPr>
                 <a:r>
                   <a:rPr lang="en-JP" sz="2400"/>
-                  <a:t>グループの大きさを修正し，第二段階の詰め込みを行う.</a:t>
+                  <a:t>グループの大きさを修正し，再度一台ずつ詰め込む.</a:t>
                 </a:r>
               </a:p>
             </p:txBody>
@@ -24290,8 +21502,8 @@
             </p:nvSpPr>
             <p:spPr>
               <a:xfrm>
-                <a:off x="838199" y="1343397"/>
-                <a:ext cx="7900545" cy="3062377"/>
+                <a:off x="838200" y="1458490"/>
+                <a:ext cx="7900545" cy="2771403"/>
               </a:xfrm>
               <a:prstGeom prst="rect">
                 <a:avLst/>
@@ -24299,7 +21511,7 @@
               <a:blipFill>
                 <a:blip r:embed="rId2"/>
                 <a:stretch>
-                  <a:fillRect l="-1122" t="-2469" r="-801" b="-3704"/>
+                  <a:fillRect l="-1284" t="-2727" r="-803" b="-909"/>
                 </a:stretch>
               </a:blipFill>
               <a:ln>
@@ -25020,7 +22232,7 @@
         </p:nvSpPr>
         <p:spPr>
           <a:xfrm>
-            <a:off x="1049567" y="4526346"/>
+            <a:off x="862664" y="4384648"/>
             <a:ext cx="7561033" cy="2081357"/>
           </a:xfrm>
           <a:prstGeom prst="rect">
@@ -25256,7 +22468,7 @@
 </p:sld>
 </file>
 
-<file path=ppt/slides/slide22.xml><?xml version="1.0" encoding="utf-8"?>
+<file path=ppt/slides/slide21.xml><?xml version="1.0" encoding="utf-8"?>
 <p:sld xmlns:a="http://schemas.openxmlformats.org/drawingml/2006/main" xmlns:r="http://schemas.openxmlformats.org/officeDocument/2006/relationships" xmlns:p="http://schemas.openxmlformats.org/presentationml/2006/main">
   <p:cSld>
     <p:spTree>
@@ -25418,7 +22630,7 @@
           <a:p>
             <a:fld id="{CCF3E294-EB10-834B-8B5B-5C78A6A1F52A}" type="slidenum">
               <a:rPr lang="en-JP"/>
-              <a:t>22</a:t>
+              <a:t>21</a:t>
             </a:fld>
             <a:endParaRPr lang="en-JP"/>
           </a:p>
@@ -25437,7 +22649,7 @@
 </p:sld>
 </file>
 
-<file path=ppt/slides/slide23.xml><?xml version="1.0" encoding="utf-8"?>
+<file path=ppt/slides/slide22.xml><?xml version="1.0" encoding="utf-8"?>
 <p:sld xmlns:a="http://schemas.openxmlformats.org/drawingml/2006/main" xmlns:r="http://schemas.openxmlformats.org/officeDocument/2006/relationships" xmlns:p="http://schemas.openxmlformats.org/presentationml/2006/main">
   <p:cSld>
     <p:spTree>
@@ -25792,7 +23004,7 @@
           <a:p>
             <a:fld id="{CCF3E294-EB10-834B-8B5B-5C78A6A1F52A}" type="slidenum">
               <a:rPr lang="en-JP"/>
-              <a:t>23</a:t>
+              <a:t>22</a:t>
             </a:fld>
             <a:endParaRPr lang="en-JP"/>
           </a:p>
@@ -25811,7 +23023,7 @@
 </p:sld>
 </file>
 
-<file path=ppt/slides/slide24.xml><?xml version="1.0" encoding="utf-8"?>
+<file path=ppt/slides/slide23.xml><?xml version="1.0" encoding="utf-8"?>
 <p:sld xmlns:a="http://schemas.openxmlformats.org/drawingml/2006/main" xmlns:r="http://schemas.openxmlformats.org/officeDocument/2006/relationships" xmlns:p="http://schemas.openxmlformats.org/presentationml/2006/main">
   <p:cSld>
     <p:spTree>
@@ -25884,7 +23096,7 @@
           <a:p>
             <a:fld id="{CCF3E294-EB10-834B-8B5B-5C78A6A1F52A}" type="slidenum">
               <a:rPr lang="en-JP"/>
-              <a:t>24</a:t>
+              <a:t>23</a:t>
             </a:fld>
             <a:endParaRPr lang="en-JP"/>
           </a:p>
@@ -29565,7 +26777,7 @@
 </p:sld>
 </file>
 
-<file path=ppt/slides/slide25.xml><?xml version="1.0" encoding="utf-8"?>
+<file path=ppt/slides/slide24.xml><?xml version="1.0" encoding="utf-8"?>
 <p:sld xmlns:a="http://schemas.openxmlformats.org/drawingml/2006/main" xmlns:r="http://schemas.openxmlformats.org/officeDocument/2006/relationships" xmlns:p="http://schemas.openxmlformats.org/presentationml/2006/main">
   <p:cSld>
     <p:spTree>
@@ -29633,7 +26845,7 @@
           <a:p>
             <a:fld id="{CCF3E294-EB10-834B-8B5B-5C78A6A1F52A}" type="slidenum">
               <a:rPr lang="en-JP"/>
-              <a:t>25</a:t>
+              <a:t>24</a:t>
             </a:fld>
             <a:endParaRPr lang="en-JP"/>
           </a:p>
@@ -29899,7 +27111,7 @@
 </p:sld>
 </file>
 
-<file path=ppt/slides/slide26.xml><?xml version="1.0" encoding="utf-8"?>
+<file path=ppt/slides/slide25.xml><?xml version="1.0" encoding="utf-8"?>
 <p:sld xmlns:a="http://schemas.openxmlformats.org/drawingml/2006/main" xmlns:r="http://schemas.openxmlformats.org/officeDocument/2006/relationships" xmlns:p="http://schemas.openxmlformats.org/presentationml/2006/main">
   <p:cSld>
     <p:spTree>
@@ -30061,7 +27273,7 @@
           <a:p>
             <a:fld id="{CCF3E294-EB10-834B-8B5B-5C78A6A1F52A}" type="slidenum">
               <a:rPr lang="en-JP"/>
-              <a:t>26</a:t>
+              <a:t>25</a:t>
             </a:fld>
             <a:endParaRPr lang="en-JP"/>
           </a:p>
@@ -30080,7 +27292,7 @@
 </p:sld>
 </file>
 
-<file path=ppt/slides/slide27.xml><?xml version="1.0" encoding="utf-8"?>
+<file path=ppt/slides/slide26.xml><?xml version="1.0" encoding="utf-8"?>
 <p:sld xmlns:a="http://schemas.openxmlformats.org/drawingml/2006/main" xmlns:r="http://schemas.openxmlformats.org/officeDocument/2006/relationships" xmlns:p="http://schemas.openxmlformats.org/presentationml/2006/main">
   <p:cSld>
     <p:spTree>
@@ -30177,7 +27389,7 @@
             </a:pPr>
             <a:r>
               <a:rPr lang="en-JP"/>
-              <a:t>車両配置計画問題に対して2段階の構築法を提案した．</a:t>
+              <a:t>車両配置計画問題に対して2段階の構築法と局所探索法を提案した．</a:t>
             </a:r>
           </a:p>
           <a:p>
@@ -30269,7 +27481,7 @@
           <a:p>
             <a:fld id="{CCF3E294-EB10-834B-8B5B-5C78A6A1F52A}" type="slidenum">
               <a:rPr lang="en-JP"/>
-              <a:t>27</a:t>
+              <a:t>26</a:t>
             </a:fld>
             <a:endParaRPr lang="en-JP"/>
           </a:p>
@@ -32497,7 +29709,7 @@
             </p:nvSpPr>
             <p:spPr>
               <a:xfrm>
-                <a:off x="838200" y="5632386"/>
+                <a:off x="798367" y="460297"/>
                 <a:ext cx="10290464" cy="830997"/>
               </a:xfrm>
               <a:prstGeom prst="rect">
@@ -32550,7 +29762,11 @@
                   <a:t>と考えることで，</a:t>
                 </a:r>
                 <a:r>
-                  <a:rPr lang="en-JP" sz="2400" b="1"/>
+                  <a:rPr lang="en-JP" sz="2400" b="1">
+                    <a:solidFill>
+                      <a:srgbClr val="FF0000"/>
+                    </a:solidFill>
+                  </a:rPr>
                   <a:t>長方形詰込み問題</a:t>
                 </a:r>
                 <a:r>
@@ -32578,7 +29794,7 @@
             </p:nvSpPr>
             <p:spPr>
               <a:xfrm>
-                <a:off x="838200" y="5632386"/>
+                <a:off x="798367" y="460297"/>
                 <a:ext cx="10290464" cy="830997"/>
               </a:xfrm>
               <a:prstGeom prst="rect">
@@ -32587,7 +29803,7 @@
               <a:blipFill>
                 <a:blip r:embed="rId3"/>
                 <a:stretch>
-                  <a:fillRect l="-986" t="-9091" b="-13636"/>
+                  <a:fillRect l="-862" t="-9091" b="-13636"/>
                 </a:stretch>
               </a:blipFill>
             </p:spPr>
@@ -32622,7 +29838,7 @@
         </p:nvSpPr>
         <p:spPr bwMode="auto">
           <a:xfrm>
-            <a:off x="1413164" y="1746155"/>
+            <a:off x="1309255" y="2886884"/>
             <a:ext cx="3629891" cy="1680346"/>
           </a:xfrm>
           <a:prstGeom prst="roundRect">
@@ -32816,7 +30032,7 @@
         </p:nvSpPr>
         <p:spPr bwMode="auto">
           <a:xfrm>
-            <a:off x="2336380" y="3462638"/>
+            <a:off x="2232471" y="4603367"/>
             <a:ext cx="1808892" cy="400110"/>
           </a:xfrm>
           <a:prstGeom prst="rect">
@@ -33023,7 +30239,7 @@
         </p:nvSpPr>
         <p:spPr bwMode="auto">
           <a:xfrm>
-            <a:off x="8246629" y="3376496"/>
+            <a:off x="8142720" y="4517225"/>
             <a:ext cx="894196" cy="400110"/>
           </a:xfrm>
           <a:prstGeom prst="rect">
@@ -33230,8 +30446,8 @@
         </p:nvSpPr>
         <p:spPr>
           <a:xfrm>
-            <a:off x="990600" y="3975162"/>
-            <a:ext cx="9813966" cy="1458668"/>
+            <a:off x="886691" y="5115891"/>
+            <a:ext cx="9448800" cy="1458668"/>
           </a:xfrm>
           <a:prstGeom prst="rect">
             <a:avLst/>
@@ -33435,7 +30651,7 @@
             </a:pPr>
             <a:r>
               <a:rPr lang="en-JP" sz="2400"/>
-              <a:t>長方形は母材からはみ出してはいけない</a:t>
+              <a:t>長方形は母材からはみ出さない</a:t>
             </a:r>
           </a:p>
           <a:p>
@@ -33470,8 +30686,8 @@
             </p:nvSpPr>
             <p:spPr>
               <a:xfrm>
-                <a:off x="990600" y="424981"/>
-                <a:ext cx="9813966" cy="1033075"/>
+                <a:off x="886691" y="1565710"/>
+                <a:ext cx="9448800" cy="1033075"/>
               </a:xfrm>
               <a:prstGeom prst="rect">
                 <a:avLst/>
@@ -33713,8 +30929,8 @@
             </p:nvSpPr>
             <p:spPr>
               <a:xfrm>
-                <a:off x="990600" y="424981"/>
-                <a:ext cx="9813966" cy="1033075"/>
+                <a:off x="886691" y="1565710"/>
+                <a:ext cx="9448800" cy="1033075"/>
               </a:xfrm>
               <a:prstGeom prst="rect">
                 <a:avLst/>
@@ -33722,7 +30938,7 @@
               <a:blipFill>
                 <a:blip r:embed="rId4"/>
                 <a:stretch>
-                  <a:fillRect l="-1035" t="-6098" b="-9756"/>
+                  <a:fillRect l="-940" t="-6098" b="-9756"/>
                 </a:stretch>
               </a:blipFill>
               <a:ln>
@@ -33760,7 +30976,7 @@
         </p:nvSpPr>
         <p:spPr bwMode="auto">
           <a:xfrm rot="10800000" flipV="1">
-            <a:off x="3693684" y="1879813"/>
+            <a:off x="3589775" y="3020542"/>
             <a:ext cx="795206" cy="500303"/>
           </a:xfrm>
           <a:prstGeom prst="rect">
@@ -33952,7 +31168,7 @@
         </p:nvSpPr>
         <p:spPr bwMode="auto">
           <a:xfrm>
-            <a:off x="2843224" y="2410803"/>
+            <a:off x="2739315" y="3551532"/>
             <a:ext cx="632856" cy="430184"/>
           </a:xfrm>
           <a:prstGeom prst="rect">
@@ -34144,7 +31360,7 @@
         </p:nvSpPr>
         <p:spPr bwMode="auto">
           <a:xfrm>
-            <a:off x="2843224" y="3072664"/>
+            <a:off x="2739315" y="4213393"/>
             <a:ext cx="795205" cy="264704"/>
           </a:xfrm>
           <a:prstGeom prst="rect">
@@ -34340,7 +31556,7 @@
         </p:nvSpPr>
         <p:spPr bwMode="auto">
           <a:xfrm>
-            <a:off x="2030020" y="2502536"/>
+            <a:off x="1926111" y="3643265"/>
             <a:ext cx="528069" cy="816507"/>
           </a:xfrm>
           <a:prstGeom prst="rect">
@@ -34532,7 +31748,7 @@
         </p:nvSpPr>
         <p:spPr bwMode="auto">
           <a:xfrm>
-            <a:off x="3819262" y="2585415"/>
+            <a:off x="3715353" y="3726144"/>
             <a:ext cx="795205" cy="611670"/>
           </a:xfrm>
           <a:prstGeom prst="rect">
@@ -34728,7 +31944,7 @@
         </p:nvSpPr>
         <p:spPr bwMode="auto">
           <a:xfrm>
-            <a:off x="2030020" y="1879813"/>
+            <a:off x="1926111" y="3020542"/>
             <a:ext cx="898647" cy="438633"/>
           </a:xfrm>
           <a:prstGeom prst="rect">
@@ -34920,7 +32136,7 @@
         </p:nvSpPr>
         <p:spPr bwMode="auto">
           <a:xfrm>
-            <a:off x="7148946" y="1746155"/>
+            <a:off x="7045037" y="2886884"/>
             <a:ext cx="2774372" cy="1593099"/>
           </a:xfrm>
           <a:prstGeom prst="rect">
@@ -35160,7 +32376,7 @@
         </p:nvSpPr>
         <p:spPr>
           <a:xfrm>
-            <a:off x="5628835" y="2370323"/>
+            <a:off x="5524926" y="3511052"/>
             <a:ext cx="934329" cy="467422"/>
           </a:xfrm>
           <a:prstGeom prst="rightArrow">
@@ -35206,7 +32422,7 @@
     </p:spTree>
     <p:extLst>
       <p:ext uri="{BB962C8B-B14F-4D97-AF65-F5344CB8AC3E}">
-        <p14:creationId xmlns:p14="http://schemas.microsoft.com/office/powerpoint/2010/main" val="2710479934"/>
+        <p14:creationId xmlns:p14="http://schemas.microsoft.com/office/powerpoint/2010/main" val="2641791048"/>
       </p:ext>
     </p:extLst>
   </p:cSld>

--- a/卒論発表用スライド.pptx
+++ b/卒論発表用スライド.pptx
@@ -5,7 +5,7 @@
     <p:sldMasterId id="2147483648" r:id="rId1"/>
   </p:sldMasterIdLst>
   <p:notesMasterIdLst>
-    <p:notesMasterId r:id="rId28"/>
+    <p:notesMasterId r:id="rId25"/>
   </p:notesMasterIdLst>
   <p:sldIdLst>
     <p:sldId id="256" r:id="rId2"/>
@@ -17,23 +17,20 @@
     <p:sldId id="336" r:id="rId8"/>
     <p:sldId id="266" r:id="rId9"/>
     <p:sldId id="343" r:id="rId10"/>
-    <p:sldId id="330" r:id="rId11"/>
-    <p:sldId id="331" r:id="rId12"/>
-    <p:sldId id="344" r:id="rId13"/>
-    <p:sldId id="302" r:id="rId14"/>
-    <p:sldId id="268" r:id="rId15"/>
-    <p:sldId id="337" r:id="rId16"/>
-    <p:sldId id="325" r:id="rId17"/>
-    <p:sldId id="321" r:id="rId18"/>
-    <p:sldId id="339" r:id="rId19"/>
-    <p:sldId id="340" r:id="rId20"/>
-    <p:sldId id="310" r:id="rId21"/>
-    <p:sldId id="303" r:id="rId22"/>
-    <p:sldId id="313" r:id="rId23"/>
-    <p:sldId id="335" r:id="rId24"/>
-    <p:sldId id="334" r:id="rId25"/>
-    <p:sldId id="305" r:id="rId26"/>
-    <p:sldId id="278" r:id="rId27"/>
+    <p:sldId id="344" r:id="rId11"/>
+    <p:sldId id="302" r:id="rId12"/>
+    <p:sldId id="268" r:id="rId13"/>
+    <p:sldId id="337" r:id="rId14"/>
+    <p:sldId id="321" r:id="rId15"/>
+    <p:sldId id="339" r:id="rId16"/>
+    <p:sldId id="340" r:id="rId17"/>
+    <p:sldId id="310" r:id="rId18"/>
+    <p:sldId id="303" r:id="rId19"/>
+    <p:sldId id="313" r:id="rId20"/>
+    <p:sldId id="335" r:id="rId21"/>
+    <p:sldId id="334" r:id="rId22"/>
+    <p:sldId id="305" r:id="rId23"/>
+    <p:sldId id="278" r:id="rId24"/>
   </p:sldIdLst>
   <p:sldSz cx="12192000" cy="6858000"/>
   <p:notesSz cx="6858000" cy="9144000"/>
@@ -6451,7 +6448,7 @@
           <a:p>
             <a:fld id="{93378112-4ECF-3E4A-BA26-7A2F0AF6FC0B}" type="slidenum">
               <a:rPr lang="en-JP"/>
-              <a:t>12</a:t>
+              <a:t>10</a:t>
             </a:fld>
             <a:endParaRPr lang="en-JP"/>
           </a:p>
@@ -6535,7 +6532,7 @@
           <a:p>
             <a:fld id="{93378112-4ECF-3E4A-BA26-7A2F0AF6FC0B}" type="slidenum">
               <a:rPr lang="en-JP"/>
-              <a:t>15</a:t>
+              <a:t>13</a:t>
             </a:fld>
             <a:endParaRPr lang="en-JP"/>
           </a:p>
@@ -6618,91 +6615,8 @@
           <a:lstStyle/>
           <a:p>
             <a:fld id="{93378112-4ECF-3E4A-BA26-7A2F0AF6FC0B}" type="slidenum">
-              <a:t>16</a:t>
-            </a:fld>
-            <a:endParaRPr lang="en-JP"/>
-          </a:p>
-        </p:txBody>
-      </p:sp>
-    </p:spTree>
-    <p:extLst>
-      <p:ext uri="{BB962C8B-B14F-4D97-AF65-F5344CB8AC3E}">
-        <p14:creationId xmlns:p14="http://schemas.microsoft.com/office/powerpoint/2010/main" val="970902289"/>
-      </p:ext>
-    </p:extLst>
-  </p:cSld>
-  <p:clrMapOvr>
-    <a:masterClrMapping/>
-  </p:clrMapOvr>
-</p:notes>
-</file>
-
-<file path=ppt/notesSlides/notesSlide7.xml><?xml version="1.0" encoding="utf-8"?>
-<p:notes xmlns:a="http://schemas.openxmlformats.org/drawingml/2006/main" xmlns:r="http://schemas.openxmlformats.org/officeDocument/2006/relationships" xmlns:p="http://schemas.openxmlformats.org/presentationml/2006/main">
-  <p:cSld>
-    <p:spTree>
-      <p:nvGrpSpPr>
-        <p:cNvPr id="1" name=""/>
-        <p:cNvGrpSpPr/>
-        <p:nvPr/>
-      </p:nvGrpSpPr>
-      <p:grpSpPr>
-        <a:xfrm>
-          <a:off x="0" y="0"/>
-          <a:ext cx="0" cy="0"/>
-          <a:chOff x="0" y="0"/>
-          <a:chExt cx="0" cy="0"/>
-        </a:xfrm>
-      </p:grpSpPr>
-      <p:sp>
-        <p:nvSpPr>
-          <p:cNvPr id="2" name="Slide Image Placeholder 1"/>
-          <p:cNvSpPr>
-            <a:spLocks noGrp="1" noRot="1" noChangeAspect="1"/>
-          </p:cNvSpPr>
-          <p:nvPr>
-            <p:ph type="sldImg"/>
-          </p:nvPr>
-        </p:nvSpPr>
-        <p:spPr/>
-      </p:sp>
-      <p:sp>
-        <p:nvSpPr>
-          <p:cNvPr id="3" name="Notes Placeholder 2"/>
-          <p:cNvSpPr>
-            <a:spLocks noGrp="1"/>
-          </p:cNvSpPr>
-          <p:nvPr>
-            <p:ph type="body" idx="1"/>
-          </p:nvPr>
-        </p:nvSpPr>
-        <p:spPr/>
-        <p:txBody>
-          <a:bodyPr/>
-          <a:lstStyle/>
-          <a:p>
-            <a:endParaRPr lang="en-JP"/>
-          </a:p>
-        </p:txBody>
-      </p:sp>
-      <p:sp>
-        <p:nvSpPr>
-          <p:cNvPr id="4" name="Slide Number Placeholder 3"/>
-          <p:cNvSpPr>
-            <a:spLocks noGrp="1"/>
-          </p:cNvSpPr>
-          <p:nvPr>
-            <p:ph type="sldNum" sz="quarter" idx="5"/>
-          </p:nvPr>
-        </p:nvSpPr>
-        <p:spPr/>
-        <p:txBody>
-          <a:bodyPr/>
-          <a:lstStyle/>
-          <a:p>
-            <a:fld id="{93378112-4ECF-3E4A-BA26-7A2F0AF6FC0B}" type="slidenum">
               <a:rPr lang="en-JP"/>
-              <a:t>18</a:t>
+              <a:t>15</a:t>
             </a:fld>
             <a:endParaRPr lang="en-JP"/>
           </a:p>
@@ -10052,1360 +9966,6 @@
 </file>
 
 <file path=ppt/slides/slide10.xml><?xml version="1.0" encoding="utf-8"?>
-<p:sld xmlns:a="http://schemas.openxmlformats.org/drawingml/2006/main" xmlns:r="http://schemas.openxmlformats.org/officeDocument/2006/relationships" xmlns:p="http://schemas.openxmlformats.org/presentationml/2006/main" show="0">
-  <p:cSld>
-    <p:spTree>
-      <p:nvGrpSpPr>
-        <p:cNvPr id="1" name=""/>
-        <p:cNvGrpSpPr/>
-        <p:nvPr/>
-      </p:nvGrpSpPr>
-      <p:grpSpPr>
-        <a:xfrm>
-          <a:off x="0" y="0"/>
-          <a:ext cx="0" cy="0"/>
-          <a:chOff x="0" y="0"/>
-          <a:chExt cx="0" cy="0"/>
-        </a:xfrm>
-      </p:grpSpPr>
-      <p:sp>
-        <p:nvSpPr>
-          <p:cNvPr id="2" name="Title 1">
-            <a:extLst>
-              <a:ext uri="{FF2B5EF4-FFF2-40B4-BE49-F238E27FC236}">
-                <a16:creationId xmlns:a16="http://schemas.microsoft.com/office/drawing/2014/main" id="{338925F7-EC35-B045-8AB1-8947D3C5CCE0}"/>
-              </a:ext>
-            </a:extLst>
-          </p:cNvPr>
-          <p:cNvSpPr>
-            <a:spLocks noGrp="1"/>
-          </p:cNvSpPr>
-          <p:nvPr>
-            <p:ph type="title"/>
-          </p:nvPr>
-        </p:nvSpPr>
-        <p:spPr>
-          <a:xfrm>
-            <a:off x="838200" y="365125"/>
-            <a:ext cx="10515600" cy="890469"/>
-          </a:xfrm>
-        </p:spPr>
-        <p:txBody>
-          <a:bodyPr/>
-          <a:lstStyle/>
-          <a:p>
-            <a:r>
-              <a:rPr lang="en-JP"/>
-              <a:t>単純な長方形詰込み問題での問題点1</a:t>
-            </a:r>
-          </a:p>
-        </p:txBody>
-      </p:sp>
-      <p:sp>
-        <p:nvSpPr>
-          <p:cNvPr id="3" name="Content Placeholder 2">
-            <a:extLst>
-              <a:ext uri="{FF2B5EF4-FFF2-40B4-BE49-F238E27FC236}">
-                <a16:creationId xmlns:a16="http://schemas.microsoft.com/office/drawing/2014/main" id="{D9553706-2CC8-B542-A56D-5638DAEE2172}"/>
-              </a:ext>
-            </a:extLst>
-          </p:cNvPr>
-          <p:cNvSpPr>
-            <a:spLocks noGrp="1"/>
-          </p:cNvSpPr>
-          <p:nvPr>
-            <p:ph idx="1"/>
-          </p:nvPr>
-        </p:nvSpPr>
-        <p:spPr>
-          <a:xfrm>
-            <a:off x="838199" y="1473958"/>
-            <a:ext cx="6968320" cy="2593075"/>
-          </a:xfrm>
-        </p:spPr>
-        <p:txBody>
-          <a:bodyPr>
-            <a:normAutofit/>
-          </a:bodyPr>
-          <a:lstStyle/>
-          <a:p>
-            <a:pPr marL="0" indent="0">
-              <a:lnSpc>
-                <a:spcPct val="100000"/>
-              </a:lnSpc>
-              <a:buNone/>
-            </a:pPr>
-            <a:r>
-              <a:rPr lang="en-JP"/>
-              <a:t>ex. 航路: LP1, LP2, LP3, DP1, DP2, DP3</a:t>
-            </a:r>
-          </a:p>
-          <a:p>
-            <a:pPr marL="0" indent="0">
-              <a:lnSpc>
-                <a:spcPct val="100000"/>
-              </a:lnSpc>
-              <a:buNone/>
-            </a:pPr>
-            <a:r>
-              <a:rPr lang="ja-JP" altLang="en-US"/>
-              <a:t>　　</a:t>
-            </a:r>
-            <a:r>
-              <a:rPr lang="en-JP" sz="2600"/>
-              <a:t>以下の貨物グループが存在．</a:t>
-            </a:r>
-            <a:endParaRPr lang="en-US" sz="2600"/>
-          </a:p>
-          <a:p>
-            <a:pPr marL="457200" lvl="1" indent="0">
-              <a:lnSpc>
-                <a:spcPct val="110000"/>
-              </a:lnSpc>
-              <a:buNone/>
-            </a:pPr>
-            <a:r>
-              <a:rPr lang="ja-JP" altLang="en-US"/>
-              <a:t>　</a:t>
-            </a:r>
-            <a:r>
-              <a:rPr lang="en-US" sz="2500"/>
-              <a:t>グループ </a:t>
-            </a:r>
-            <a:r>
-              <a:rPr lang="en-US" altLang="ja-JP" sz="2500">
-                <a:ea typeface="Hiragino Kaku Gothic Pro W3" panose="020B0300000000000000" pitchFamily="34" charset="-128"/>
-              </a:rPr>
-              <a:t>A:</a:t>
-            </a:r>
-            <a:r>
-              <a:rPr lang="en-US" altLang="ja-JP" sz="2500"/>
-              <a:t> LP1 -&gt; DP3</a:t>
-            </a:r>
-          </a:p>
-          <a:p>
-            <a:pPr marL="457200" lvl="1" indent="0">
-              <a:lnSpc>
-                <a:spcPct val="110000"/>
-              </a:lnSpc>
-              <a:buNone/>
-            </a:pPr>
-            <a:r>
-              <a:rPr lang="ja-JP" altLang="en-US" sz="2500"/>
-              <a:t>　</a:t>
-            </a:r>
-            <a:r>
-              <a:rPr lang="en-US" sz="2500"/>
-              <a:t>グループ </a:t>
-            </a:r>
-            <a:r>
-              <a:rPr lang="en-US" altLang="ja-JP" sz="2500">
-                <a:ea typeface="Hiragino Kaku Gothic Pro W3" panose="020B0300000000000000" pitchFamily="34" charset="-128"/>
-              </a:rPr>
-              <a:t>B</a:t>
-            </a:r>
-            <a:r>
-              <a:rPr lang="en-US" altLang="ja-JP" sz="2500"/>
-              <a:t>: LP2 -&gt; DP1</a:t>
-            </a:r>
-          </a:p>
-          <a:p>
-            <a:pPr marL="457200" lvl="1" indent="0">
-              <a:lnSpc>
-                <a:spcPct val="110000"/>
-              </a:lnSpc>
-              <a:buNone/>
-            </a:pPr>
-            <a:r>
-              <a:rPr lang="ja-JP" altLang="en-US" sz="2500"/>
-              <a:t>　</a:t>
-            </a:r>
-            <a:r>
-              <a:rPr lang="en-US" sz="2500"/>
-              <a:t>グループ </a:t>
-            </a:r>
-            <a:r>
-              <a:rPr lang="en-US" altLang="ja-JP" sz="2500">
-                <a:ea typeface="Hiragino Kaku Gothic Pro W3" panose="020B0300000000000000" pitchFamily="34" charset="-128"/>
-              </a:rPr>
-              <a:t>C</a:t>
-            </a:r>
-            <a:r>
-              <a:rPr lang="en-US" altLang="ja-JP" sz="2500"/>
-              <a:t>: LP3 -&gt; DP2</a:t>
-            </a:r>
-          </a:p>
-        </p:txBody>
-      </p:sp>
-      <p:sp>
-        <p:nvSpPr>
-          <p:cNvPr id="4" name="Slide Number Placeholder 3">
-            <a:extLst>
-              <a:ext uri="{FF2B5EF4-FFF2-40B4-BE49-F238E27FC236}">
-                <a16:creationId xmlns:a16="http://schemas.microsoft.com/office/drawing/2014/main" id="{D3A962A5-5085-974B-A91B-BEE0E24BC417}"/>
-              </a:ext>
-            </a:extLst>
-          </p:cNvPr>
-          <p:cNvSpPr>
-            <a:spLocks noGrp="1"/>
-          </p:cNvSpPr>
-          <p:nvPr>
-            <p:ph type="sldNum" sz="quarter" idx="12"/>
-          </p:nvPr>
-        </p:nvSpPr>
-        <p:spPr/>
-        <p:txBody>
-          <a:bodyPr/>
-          <a:lstStyle/>
-          <a:p>
-            <a:fld id="{CCF3E294-EB10-834B-8B5B-5C78A6A1F52A}" type="slidenum">
-              <a:rPr lang="en-JP"/>
-              <a:t>10</a:t>
-            </a:fld>
-            <a:endParaRPr lang="en-JP"/>
-          </a:p>
-        </p:txBody>
-      </p:sp>
-      <p:sp>
-        <p:nvSpPr>
-          <p:cNvPr id="6" name="TextBox 5">
-            <a:extLst>
-              <a:ext uri="{FF2B5EF4-FFF2-40B4-BE49-F238E27FC236}">
-                <a16:creationId xmlns:a16="http://schemas.microsoft.com/office/drawing/2014/main" id="{15D1BE5E-D480-C940-8263-72A0898F6B48}"/>
-              </a:ext>
-            </a:extLst>
-          </p:cNvPr>
-          <p:cNvSpPr txBox="1"/>
-          <p:nvPr/>
-        </p:nvSpPr>
-        <p:spPr>
-          <a:xfrm>
-            <a:off x="1091820" y="4314167"/>
-            <a:ext cx="6968320" cy="2092881"/>
-          </a:xfrm>
-          <a:prstGeom prst="rect">
-            <a:avLst/>
-          </a:prstGeom>
-          <a:noFill/>
-        </p:spPr>
-        <p:txBody>
-          <a:bodyPr wrap="square" rtlCol="0">
-            <a:spAutoFit/>
-          </a:bodyPr>
-          <a:lstStyle/>
-          <a:p>
-            <a:r>
-              <a:rPr lang="en-JP" sz="2600"/>
-              <a:t>基本的に先に積む車を奥に乗せたい．</a:t>
-            </a:r>
-          </a:p>
-          <a:p>
-            <a:r>
-              <a:rPr lang="en-JP" sz="2600"/>
-              <a:t>→右図のように詰め込む．</a:t>
-            </a:r>
-          </a:p>
-          <a:p>
-            <a:endParaRPr lang="en-JP" sz="2600"/>
-          </a:p>
-          <a:p>
-            <a:r>
-              <a:rPr lang="en-JP" sz="2600"/>
-              <a:t>しかし，DP1の瞬間を考えると，</a:t>
-            </a:r>
-          </a:p>
-          <a:p>
-            <a:r>
-              <a:rPr lang="en-JP" sz="2600"/>
-              <a:t>グループBを取り出したいがCが邪魔になる．</a:t>
-            </a:r>
-          </a:p>
-        </p:txBody>
-      </p:sp>
-      <p:sp>
-        <p:nvSpPr>
-          <p:cNvPr id="7" name="Rectangle 6">
-            <a:extLst>
-              <a:ext uri="{FF2B5EF4-FFF2-40B4-BE49-F238E27FC236}">
-                <a16:creationId xmlns:a16="http://schemas.microsoft.com/office/drawing/2014/main" id="{2A6D4CF7-653F-9348-B648-A3CFEB8741B6}"/>
-              </a:ext>
-            </a:extLst>
-          </p:cNvPr>
-          <p:cNvSpPr/>
-          <p:nvPr/>
-        </p:nvSpPr>
-        <p:spPr>
-          <a:xfrm>
-            <a:off x="8269406" y="2524834"/>
-            <a:ext cx="2279177" cy="3420549"/>
-          </a:xfrm>
-          <a:prstGeom prst="rect">
-            <a:avLst/>
-          </a:prstGeom>
-          <a:noFill/>
-          <a:ln w="38100">
-            <a:solidFill>
-              <a:schemeClr val="tx1"/>
-            </a:solidFill>
-          </a:ln>
-        </p:spPr>
-        <p:style>
-          <a:lnRef idx="2">
-            <a:schemeClr val="accent1">
-              <a:shade val="50000"/>
-            </a:schemeClr>
-          </a:lnRef>
-          <a:fillRef idx="1">
-            <a:schemeClr val="accent1"/>
-          </a:fillRef>
-          <a:effectRef idx="0">
-            <a:schemeClr val="accent1"/>
-          </a:effectRef>
-          <a:fontRef idx="minor">
-            <a:schemeClr val="lt1"/>
-          </a:fontRef>
-        </p:style>
-        <p:txBody>
-          <a:bodyPr rtlCol="0" anchor="ctr"/>
-          <a:lstStyle/>
-          <a:p>
-            <a:pPr algn="ctr"/>
-            <a:endParaRPr lang="en-JP"/>
-          </a:p>
-        </p:txBody>
-      </p:sp>
-      <p:sp>
-        <p:nvSpPr>
-          <p:cNvPr id="8" name="Rectangle 7">
-            <a:extLst>
-              <a:ext uri="{FF2B5EF4-FFF2-40B4-BE49-F238E27FC236}">
-                <a16:creationId xmlns:a16="http://schemas.microsoft.com/office/drawing/2014/main" id="{B2CE1ED1-3691-F345-99EB-738D9439440F}"/>
-              </a:ext>
-            </a:extLst>
-          </p:cNvPr>
-          <p:cNvSpPr/>
-          <p:nvPr/>
-        </p:nvSpPr>
-        <p:spPr>
-          <a:xfrm>
-            <a:off x="8356411" y="4861860"/>
-            <a:ext cx="2131325" cy="1040669"/>
-          </a:xfrm>
-          <a:prstGeom prst="rect">
-            <a:avLst/>
-          </a:prstGeom>
-          <a:solidFill>
-            <a:schemeClr val="accent2">
-              <a:lumMod val="20000"/>
-              <a:lumOff val="80000"/>
-            </a:schemeClr>
-          </a:solidFill>
-          <a:ln>
-            <a:noFill/>
-          </a:ln>
-        </p:spPr>
-        <p:style>
-          <a:lnRef idx="2">
-            <a:schemeClr val="accent1">
-              <a:shade val="50000"/>
-            </a:schemeClr>
-          </a:lnRef>
-          <a:fillRef idx="1">
-            <a:schemeClr val="accent1"/>
-          </a:fillRef>
-          <a:effectRef idx="0">
-            <a:schemeClr val="accent1"/>
-          </a:effectRef>
-          <a:fontRef idx="minor">
-            <a:schemeClr val="lt1"/>
-          </a:fontRef>
-        </p:style>
-        <p:txBody>
-          <a:bodyPr rtlCol="0" anchor="ctr"/>
-          <a:lstStyle/>
-          <a:p>
-            <a:pPr algn="ctr"/>
-            <a:r>
-              <a:rPr lang="en-JP">
-                <a:solidFill>
-                  <a:schemeClr val="tx1"/>
-                </a:solidFill>
-              </a:rPr>
-              <a:t>グループA</a:t>
-            </a:r>
-          </a:p>
-        </p:txBody>
-      </p:sp>
-      <p:sp>
-        <p:nvSpPr>
-          <p:cNvPr id="9" name="Rectangle 8">
-            <a:extLst>
-              <a:ext uri="{FF2B5EF4-FFF2-40B4-BE49-F238E27FC236}">
-                <a16:creationId xmlns:a16="http://schemas.microsoft.com/office/drawing/2014/main" id="{A4334B42-90EE-F748-800C-9415F742D2AB}"/>
-              </a:ext>
-            </a:extLst>
-          </p:cNvPr>
-          <p:cNvSpPr/>
-          <p:nvPr/>
-        </p:nvSpPr>
-        <p:spPr>
-          <a:xfrm>
-            <a:off x="8343330" y="4067033"/>
-            <a:ext cx="2131325" cy="699511"/>
-          </a:xfrm>
-          <a:prstGeom prst="rect">
-            <a:avLst/>
-          </a:prstGeom>
-          <a:solidFill>
-            <a:schemeClr val="accent5">
-              <a:lumMod val="20000"/>
-              <a:lumOff val="80000"/>
-            </a:schemeClr>
-          </a:solidFill>
-          <a:ln>
-            <a:noFill/>
-          </a:ln>
-        </p:spPr>
-        <p:style>
-          <a:lnRef idx="2">
-            <a:schemeClr val="accent1">
-              <a:shade val="50000"/>
-            </a:schemeClr>
-          </a:lnRef>
-          <a:fillRef idx="1">
-            <a:schemeClr val="accent1"/>
-          </a:fillRef>
-          <a:effectRef idx="0">
-            <a:schemeClr val="accent1"/>
-          </a:effectRef>
-          <a:fontRef idx="minor">
-            <a:schemeClr val="lt1"/>
-          </a:fontRef>
-        </p:style>
-        <p:txBody>
-          <a:bodyPr rtlCol="0" anchor="ctr"/>
-          <a:lstStyle/>
-          <a:p>
-            <a:pPr algn="ctr"/>
-            <a:r>
-              <a:rPr lang="en-JP">
-                <a:solidFill>
-                  <a:schemeClr val="tx1"/>
-                </a:solidFill>
-              </a:rPr>
-              <a:t>グループB</a:t>
-            </a:r>
-          </a:p>
-        </p:txBody>
-      </p:sp>
-      <p:sp>
-        <p:nvSpPr>
-          <p:cNvPr id="10" name="Rectangle 9">
-            <a:extLst>
-              <a:ext uri="{FF2B5EF4-FFF2-40B4-BE49-F238E27FC236}">
-                <a16:creationId xmlns:a16="http://schemas.microsoft.com/office/drawing/2014/main" id="{97E93A40-6838-6040-81A0-3F70E9B38BB1}"/>
-              </a:ext>
-            </a:extLst>
-          </p:cNvPr>
-          <p:cNvSpPr/>
-          <p:nvPr/>
-        </p:nvSpPr>
-        <p:spPr>
-          <a:xfrm>
-            <a:off x="8343331" y="2632427"/>
-            <a:ext cx="2131325" cy="1339290"/>
-          </a:xfrm>
-          <a:prstGeom prst="rect">
-            <a:avLst/>
-          </a:prstGeom>
-          <a:solidFill>
-            <a:schemeClr val="accent6">
-              <a:lumMod val="20000"/>
-              <a:lumOff val="80000"/>
-            </a:schemeClr>
-          </a:solidFill>
-          <a:ln>
-            <a:noFill/>
-          </a:ln>
-        </p:spPr>
-        <p:style>
-          <a:lnRef idx="2">
-            <a:schemeClr val="accent1">
-              <a:shade val="50000"/>
-            </a:schemeClr>
-          </a:lnRef>
-          <a:fillRef idx="1">
-            <a:schemeClr val="accent1"/>
-          </a:fillRef>
-          <a:effectRef idx="0">
-            <a:schemeClr val="accent1"/>
-          </a:effectRef>
-          <a:fontRef idx="minor">
-            <a:schemeClr val="lt1"/>
-          </a:fontRef>
-        </p:style>
-        <p:txBody>
-          <a:bodyPr rtlCol="0" anchor="ctr"/>
-          <a:lstStyle/>
-          <a:p>
-            <a:pPr algn="ctr"/>
-            <a:r>
-              <a:rPr lang="en-JP">
-                <a:solidFill>
-                  <a:schemeClr val="tx1"/>
-                </a:solidFill>
-              </a:rPr>
-              <a:t>グループC</a:t>
-            </a:r>
-          </a:p>
-        </p:txBody>
-      </p:sp>
-      <p:sp>
-        <p:nvSpPr>
-          <p:cNvPr id="12" name="Rectangle 11">
-            <a:extLst>
-              <a:ext uri="{FF2B5EF4-FFF2-40B4-BE49-F238E27FC236}">
-                <a16:creationId xmlns:a16="http://schemas.microsoft.com/office/drawing/2014/main" id="{E936242F-4A36-914C-A124-11C8F30FD811}"/>
-              </a:ext>
-            </a:extLst>
-          </p:cNvPr>
-          <p:cNvSpPr/>
-          <p:nvPr/>
-        </p:nvSpPr>
-        <p:spPr>
-          <a:xfrm>
-            <a:off x="8979087" y="2007016"/>
-            <a:ext cx="859809" cy="464022"/>
-          </a:xfrm>
-          <a:prstGeom prst="rect">
-            <a:avLst/>
-          </a:prstGeom>
-          <a:solidFill>
-            <a:schemeClr val="bg2">
-              <a:lumMod val="90000"/>
-            </a:schemeClr>
-          </a:solidFill>
-          <a:ln>
-            <a:solidFill>
-              <a:schemeClr val="tx1"/>
-            </a:solidFill>
-          </a:ln>
-        </p:spPr>
-        <p:style>
-          <a:lnRef idx="2">
-            <a:schemeClr val="accent1">
-              <a:shade val="50000"/>
-            </a:schemeClr>
-          </a:lnRef>
-          <a:fillRef idx="1">
-            <a:schemeClr val="accent1"/>
-          </a:fillRef>
-          <a:effectRef idx="0">
-            <a:schemeClr val="accent1"/>
-          </a:effectRef>
-          <a:fontRef idx="minor">
-            <a:schemeClr val="lt1"/>
-          </a:fontRef>
-        </p:style>
-        <p:txBody>
-          <a:bodyPr rtlCol="0" anchor="ctr"/>
-          <a:lstStyle/>
-          <a:p>
-            <a:pPr algn="ctr"/>
-            <a:r>
-              <a:rPr lang="en-JP">
-                <a:solidFill>
-                  <a:schemeClr val="tx1"/>
-                </a:solidFill>
-              </a:rPr>
-              <a:t>入口</a:t>
-            </a:r>
-          </a:p>
-        </p:txBody>
-      </p:sp>
-    </p:spTree>
-    <p:extLst>
-      <p:ext uri="{BB962C8B-B14F-4D97-AF65-F5344CB8AC3E}">
-        <p14:creationId xmlns:p14="http://schemas.microsoft.com/office/powerpoint/2010/main" val="3811405372"/>
-      </p:ext>
-    </p:extLst>
-  </p:cSld>
-  <p:clrMapOvr>
-    <a:masterClrMapping/>
-  </p:clrMapOvr>
-</p:sld>
-</file>
-
-<file path=ppt/slides/slide11.xml><?xml version="1.0" encoding="utf-8"?>
-<p:sld xmlns:a="http://schemas.openxmlformats.org/drawingml/2006/main" xmlns:r="http://schemas.openxmlformats.org/officeDocument/2006/relationships" xmlns:p="http://schemas.openxmlformats.org/presentationml/2006/main" show="0">
-  <p:cSld>
-    <p:spTree>
-      <p:nvGrpSpPr>
-        <p:cNvPr id="1" name=""/>
-        <p:cNvGrpSpPr/>
-        <p:nvPr/>
-      </p:nvGrpSpPr>
-      <p:grpSpPr>
-        <a:xfrm>
-          <a:off x="0" y="0"/>
-          <a:ext cx="0" cy="0"/>
-          <a:chOff x="0" y="0"/>
-          <a:chExt cx="0" cy="0"/>
-        </a:xfrm>
-      </p:grpSpPr>
-      <p:sp>
-        <p:nvSpPr>
-          <p:cNvPr id="3" name="Content Placeholder 2">
-            <a:extLst>
-              <a:ext uri="{FF2B5EF4-FFF2-40B4-BE49-F238E27FC236}">
-                <a16:creationId xmlns:a16="http://schemas.microsoft.com/office/drawing/2014/main" id="{4E5E5EC5-F8ED-3144-BBDF-D6F0F503C8D1}"/>
-              </a:ext>
-            </a:extLst>
-          </p:cNvPr>
-          <p:cNvSpPr>
-            <a:spLocks noGrp="1"/>
-          </p:cNvSpPr>
-          <p:nvPr>
-            <p:ph idx="1"/>
-          </p:nvPr>
-        </p:nvSpPr>
-        <p:spPr>
-          <a:xfrm>
-            <a:off x="838200" y="1839191"/>
-            <a:ext cx="5257800" cy="4396371"/>
-          </a:xfrm>
-        </p:spPr>
-        <p:txBody>
-          <a:bodyPr/>
-          <a:lstStyle/>
-          <a:p>
-            <a:pPr marL="0" indent="0">
-              <a:lnSpc>
-                <a:spcPct val="100000"/>
-              </a:lnSpc>
-              <a:buNone/>
-            </a:pPr>
-            <a:r>
-              <a:rPr lang="en-JP"/>
-              <a:t>物理的に駐車不可能な例</a:t>
-            </a:r>
-          </a:p>
-          <a:p>
-            <a:pPr marL="0" indent="0">
-              <a:lnSpc>
-                <a:spcPct val="100000"/>
-              </a:lnSpc>
-              <a:buNone/>
-            </a:pPr>
-            <a:endParaRPr lang="en-JP"/>
-          </a:p>
-          <a:p>
-            <a:pPr marL="0" indent="0">
-              <a:lnSpc>
-                <a:spcPct val="100000"/>
-              </a:lnSpc>
-              <a:buNone/>
-            </a:pPr>
-            <a:r>
-              <a:rPr lang="en-JP"/>
-              <a:t>実際には人が車に乗ってバックで駐車する．</a:t>
-            </a:r>
-          </a:p>
-          <a:p>
-            <a:pPr marL="0" indent="0">
-              <a:lnSpc>
-                <a:spcPct val="100000"/>
-              </a:lnSpc>
-              <a:buNone/>
-            </a:pPr>
-            <a:endParaRPr lang="en-JP"/>
-          </a:p>
-          <a:p>
-            <a:pPr marL="0" indent="0">
-              <a:lnSpc>
-                <a:spcPct val="100000"/>
-              </a:lnSpc>
-              <a:buNone/>
-            </a:pPr>
-            <a:r>
-              <a:rPr lang="en-JP"/>
-              <a:t>右図では，前方の障害物が邪魔で駐車できない.</a:t>
-            </a:r>
-          </a:p>
-        </p:txBody>
-      </p:sp>
-      <p:sp>
-        <p:nvSpPr>
-          <p:cNvPr id="4" name="Slide Number Placeholder 3">
-            <a:extLst>
-              <a:ext uri="{FF2B5EF4-FFF2-40B4-BE49-F238E27FC236}">
-                <a16:creationId xmlns:a16="http://schemas.microsoft.com/office/drawing/2014/main" id="{CCE687B1-F56A-4145-9A38-E9241BE4B1DC}"/>
-              </a:ext>
-            </a:extLst>
-          </p:cNvPr>
-          <p:cNvSpPr>
-            <a:spLocks noGrp="1"/>
-          </p:cNvSpPr>
-          <p:nvPr>
-            <p:ph type="sldNum" sz="quarter" idx="12"/>
-          </p:nvPr>
-        </p:nvSpPr>
-        <p:spPr/>
-        <p:txBody>
-          <a:bodyPr/>
-          <a:lstStyle/>
-          <a:p>
-            <a:fld id="{CCF3E294-EB10-834B-8B5B-5C78A6A1F52A}" type="slidenum">
-              <a:rPr lang="en-JP"/>
-              <a:t>11</a:t>
-            </a:fld>
-            <a:endParaRPr lang="en-JP"/>
-          </a:p>
-        </p:txBody>
-      </p:sp>
-      <p:sp>
-        <p:nvSpPr>
-          <p:cNvPr id="5" name="Title 1">
-            <a:extLst>
-              <a:ext uri="{FF2B5EF4-FFF2-40B4-BE49-F238E27FC236}">
-                <a16:creationId xmlns:a16="http://schemas.microsoft.com/office/drawing/2014/main" id="{3617EEB8-9E4F-B845-B8EB-B45434C18F5B}"/>
-              </a:ext>
-            </a:extLst>
-          </p:cNvPr>
-          <p:cNvSpPr txBox="1">
-            <a:spLocks/>
-          </p:cNvSpPr>
-          <p:nvPr/>
-        </p:nvSpPr>
-        <p:spPr>
-          <a:xfrm>
-            <a:off x="838200" y="365125"/>
-            <a:ext cx="10515600" cy="890469"/>
-          </a:xfrm>
-          <a:prstGeom prst="rect">
-            <a:avLst/>
-          </a:prstGeom>
-        </p:spPr>
-        <p:txBody>
-          <a:bodyPr vert="horz" lIns="91440" tIns="45720" rIns="91440" bIns="45720" rtlCol="0" anchor="ctr">
-            <a:normAutofit/>
-          </a:bodyPr>
-          <a:lstStyle>
-            <a:lvl1pPr algn="l" defTabSz="914400" rtl="0" eaLnBrk="1" latinLnBrk="0" hangingPunct="1">
-              <a:lnSpc>
-                <a:spcPct val="90000"/>
-              </a:lnSpc>
-              <a:spcBef>
-                <a:spcPct val="0"/>
-              </a:spcBef>
-              <a:buNone/>
-              <a:defRPr sz="4400" kern="1200">
-                <a:solidFill>
-                  <a:schemeClr val="tx1"/>
-                </a:solidFill>
-                <a:latin typeface="+mj-lt"/>
-                <a:ea typeface="+mj-ea"/>
-                <a:cs typeface="+mj-cs"/>
-              </a:defRPr>
-            </a:lvl1pPr>
-          </a:lstStyle>
-          <a:p>
-            <a:r>
-              <a:rPr lang="en-JP"/>
-              <a:t>単純な長方形詰込み問題での問題点2</a:t>
-            </a:r>
-          </a:p>
-        </p:txBody>
-      </p:sp>
-      <p:sp>
-        <p:nvSpPr>
-          <p:cNvPr id="7" name="Rectangle 6">
-            <a:extLst>
-              <a:ext uri="{FF2B5EF4-FFF2-40B4-BE49-F238E27FC236}">
-                <a16:creationId xmlns:a16="http://schemas.microsoft.com/office/drawing/2014/main" id="{CBEF9A8D-3CF5-6044-BFCD-C9AD67800FC8}"/>
-              </a:ext>
-            </a:extLst>
-          </p:cNvPr>
-          <p:cNvSpPr/>
-          <p:nvPr/>
-        </p:nvSpPr>
-        <p:spPr>
-          <a:xfrm>
-            <a:off x="6222568" y="2789794"/>
-            <a:ext cx="2387243" cy="3428923"/>
-          </a:xfrm>
-          <a:prstGeom prst="rect">
-            <a:avLst/>
-          </a:prstGeom>
-          <a:ln>
-            <a:solidFill>
-              <a:schemeClr val="tx1"/>
-            </a:solidFill>
-          </a:ln>
-        </p:spPr>
-        <p:style>
-          <a:lnRef idx="2">
-            <a:schemeClr val="accent6"/>
-          </a:lnRef>
-          <a:fillRef idx="1">
-            <a:schemeClr val="lt1"/>
-          </a:fillRef>
-          <a:effectRef idx="0">
-            <a:schemeClr val="accent6"/>
-          </a:effectRef>
-          <a:fontRef idx="minor">
-            <a:schemeClr val="dk1"/>
-          </a:fontRef>
-        </p:style>
-        <p:txBody>
-          <a:bodyPr rtlCol="0" anchor="ctr"/>
-          <a:lstStyle/>
-          <a:p>
-            <a:pPr algn="ctr"/>
-            <a:endParaRPr lang="en-JP"/>
-          </a:p>
-        </p:txBody>
-      </p:sp>
-      <p:sp>
-        <p:nvSpPr>
-          <p:cNvPr id="8" name="L-Shape 7">
-            <a:extLst>
-              <a:ext uri="{FF2B5EF4-FFF2-40B4-BE49-F238E27FC236}">
-                <a16:creationId xmlns:a16="http://schemas.microsoft.com/office/drawing/2014/main" id="{4D5798A0-6CAC-2E42-9B46-27AB3CADD0BE}"/>
-              </a:ext>
-            </a:extLst>
-          </p:cNvPr>
-          <p:cNvSpPr/>
-          <p:nvPr/>
-        </p:nvSpPr>
-        <p:spPr>
-          <a:xfrm>
-            <a:off x="6222568" y="4252613"/>
-            <a:ext cx="2388032" cy="1956497"/>
-          </a:xfrm>
-          <a:prstGeom prst="corner">
-            <a:avLst>
-              <a:gd name="adj1" fmla="val 51545"/>
-              <a:gd name="adj2" fmla="val 85807"/>
-            </a:avLst>
-          </a:prstGeom>
-          <a:solidFill>
-            <a:schemeClr val="accent5">
-              <a:lumMod val="20000"/>
-              <a:lumOff val="80000"/>
-            </a:schemeClr>
-          </a:solidFill>
-          <a:ln>
-            <a:solidFill>
-              <a:schemeClr val="tx1"/>
-            </a:solidFill>
-          </a:ln>
-        </p:spPr>
-        <p:style>
-          <a:lnRef idx="2">
-            <a:schemeClr val="accent1">
-              <a:shade val="50000"/>
-            </a:schemeClr>
-          </a:lnRef>
-          <a:fillRef idx="1">
-            <a:schemeClr val="accent1"/>
-          </a:fillRef>
-          <a:effectRef idx="0">
-            <a:schemeClr val="accent1"/>
-          </a:effectRef>
-          <a:fontRef idx="minor">
-            <a:schemeClr val="lt1"/>
-          </a:fontRef>
-        </p:style>
-        <p:txBody>
-          <a:bodyPr rtlCol="0" anchor="ctr"/>
-          <a:lstStyle/>
-          <a:p>
-            <a:pPr algn="ctr"/>
-            <a:endParaRPr lang="en-JP"/>
-          </a:p>
-        </p:txBody>
-      </p:sp>
-      <p:sp>
-        <p:nvSpPr>
-          <p:cNvPr id="9" name="Rectangle 8">
-            <a:extLst>
-              <a:ext uri="{FF2B5EF4-FFF2-40B4-BE49-F238E27FC236}">
-                <a16:creationId xmlns:a16="http://schemas.microsoft.com/office/drawing/2014/main" id="{6CCB7A49-43D1-0A4A-8168-74F8DFE3D7BE}"/>
-              </a:ext>
-            </a:extLst>
-          </p:cNvPr>
-          <p:cNvSpPr/>
-          <p:nvPr/>
-        </p:nvSpPr>
-        <p:spPr>
-          <a:xfrm>
-            <a:off x="7985748" y="4236857"/>
-            <a:ext cx="560625" cy="864950"/>
-          </a:xfrm>
-          <a:prstGeom prst="rect">
-            <a:avLst/>
-          </a:prstGeom>
-          <a:solidFill>
-            <a:schemeClr val="accent4"/>
-          </a:solidFill>
-          <a:ln w="31750">
-            <a:solidFill>
-              <a:schemeClr val="accent4"/>
-            </a:solidFill>
-            <a:prstDash val="sysDash"/>
-          </a:ln>
-        </p:spPr>
-        <p:style>
-          <a:lnRef idx="2">
-            <a:schemeClr val="accent1">
-              <a:shade val="50000"/>
-            </a:schemeClr>
-          </a:lnRef>
-          <a:fillRef idx="1">
-            <a:schemeClr val="accent1"/>
-          </a:fillRef>
-          <a:effectRef idx="0">
-            <a:schemeClr val="accent1"/>
-          </a:effectRef>
-          <a:fontRef idx="minor">
-            <a:schemeClr val="lt1"/>
-          </a:fontRef>
-        </p:style>
-        <p:txBody>
-          <a:bodyPr rtlCol="0" anchor="ctr"/>
-          <a:lstStyle/>
-          <a:p>
-            <a:pPr algn="ctr"/>
-            <a:endParaRPr lang="en-JP"/>
-          </a:p>
-        </p:txBody>
-      </p:sp>
-      <p:sp>
-        <p:nvSpPr>
-          <p:cNvPr id="10" name="Rectangle 9">
-            <a:extLst>
-              <a:ext uri="{FF2B5EF4-FFF2-40B4-BE49-F238E27FC236}">
-                <a16:creationId xmlns:a16="http://schemas.microsoft.com/office/drawing/2014/main" id="{8AC333C9-A716-CB43-BDF4-FECF99B15D31}"/>
-              </a:ext>
-            </a:extLst>
-          </p:cNvPr>
-          <p:cNvSpPr/>
-          <p:nvPr/>
-        </p:nvSpPr>
-        <p:spPr>
-          <a:xfrm>
-            <a:off x="8266061" y="3776621"/>
-            <a:ext cx="343750" cy="338359"/>
-          </a:xfrm>
-          <a:prstGeom prst="rect">
-            <a:avLst/>
-          </a:prstGeom>
-        </p:spPr>
-        <p:style>
-          <a:lnRef idx="2">
-            <a:schemeClr val="dk1">
-              <a:shade val="50000"/>
-            </a:schemeClr>
-          </a:lnRef>
-          <a:fillRef idx="1">
-            <a:schemeClr val="dk1"/>
-          </a:fillRef>
-          <a:effectRef idx="0">
-            <a:schemeClr val="dk1"/>
-          </a:effectRef>
-          <a:fontRef idx="minor">
-            <a:schemeClr val="lt1"/>
-          </a:fontRef>
-        </p:style>
-        <p:txBody>
-          <a:bodyPr rtlCol="0" anchor="ctr"/>
-          <a:lstStyle/>
-          <a:p>
-            <a:pPr algn="ctr"/>
-            <a:endParaRPr lang="en-JP"/>
-          </a:p>
-        </p:txBody>
-      </p:sp>
-      <p:sp>
-        <p:nvSpPr>
-          <p:cNvPr id="12" name="Rectangle 11">
-            <a:extLst>
-              <a:ext uri="{FF2B5EF4-FFF2-40B4-BE49-F238E27FC236}">
-                <a16:creationId xmlns:a16="http://schemas.microsoft.com/office/drawing/2014/main" id="{CEF96A74-67C4-2745-88F7-2FF1394CC5CC}"/>
-              </a:ext>
-            </a:extLst>
-          </p:cNvPr>
-          <p:cNvSpPr/>
-          <p:nvPr/>
-        </p:nvSpPr>
-        <p:spPr>
-          <a:xfrm>
-            <a:off x="9557743" y="4348084"/>
-            <a:ext cx="300942" cy="312516"/>
-          </a:xfrm>
-          <a:prstGeom prst="rect">
-            <a:avLst/>
-          </a:prstGeom>
-        </p:spPr>
-        <p:style>
-          <a:lnRef idx="2">
-            <a:schemeClr val="dk1">
-              <a:shade val="50000"/>
-            </a:schemeClr>
-          </a:lnRef>
-          <a:fillRef idx="1">
-            <a:schemeClr val="dk1"/>
-          </a:fillRef>
-          <a:effectRef idx="0">
-            <a:schemeClr val="dk1"/>
-          </a:effectRef>
-          <a:fontRef idx="minor">
-            <a:schemeClr val="lt1"/>
-          </a:fontRef>
-        </p:style>
-        <p:txBody>
-          <a:bodyPr rtlCol="0" anchor="ctr"/>
-          <a:lstStyle/>
-          <a:p>
-            <a:pPr algn="ctr"/>
-            <a:endParaRPr lang="en-JP"/>
-          </a:p>
-        </p:txBody>
-      </p:sp>
-      <p:sp>
-        <p:nvSpPr>
-          <p:cNvPr id="13" name="Rectangle 12">
-            <a:extLst>
-              <a:ext uri="{FF2B5EF4-FFF2-40B4-BE49-F238E27FC236}">
-                <a16:creationId xmlns:a16="http://schemas.microsoft.com/office/drawing/2014/main" id="{496E07E8-159F-DE46-B55E-A1AF452099E6}"/>
-              </a:ext>
-            </a:extLst>
-          </p:cNvPr>
-          <p:cNvSpPr/>
-          <p:nvPr/>
-        </p:nvSpPr>
-        <p:spPr>
-          <a:xfrm>
-            <a:off x="9566908" y="3752062"/>
-            <a:ext cx="300942" cy="312516"/>
-          </a:xfrm>
-          <a:prstGeom prst="rect">
-            <a:avLst/>
-          </a:prstGeom>
-          <a:solidFill>
-            <a:schemeClr val="accent4"/>
-          </a:solidFill>
-          <a:ln>
-            <a:noFill/>
-          </a:ln>
-        </p:spPr>
-        <p:style>
-          <a:lnRef idx="2">
-            <a:schemeClr val="dk1">
-              <a:shade val="50000"/>
-            </a:schemeClr>
-          </a:lnRef>
-          <a:fillRef idx="1">
-            <a:schemeClr val="dk1"/>
-          </a:fillRef>
-          <a:effectRef idx="0">
-            <a:schemeClr val="dk1"/>
-          </a:effectRef>
-          <a:fontRef idx="minor">
-            <a:schemeClr val="lt1"/>
-          </a:fontRef>
-        </p:style>
-        <p:txBody>
-          <a:bodyPr rtlCol="0" anchor="ctr"/>
-          <a:lstStyle/>
-          <a:p>
-            <a:pPr algn="ctr"/>
-            <a:endParaRPr lang="en-JP"/>
-          </a:p>
-        </p:txBody>
-      </p:sp>
-      <p:sp>
-        <p:nvSpPr>
-          <p:cNvPr id="14" name="Rectangle 13">
-            <a:extLst>
-              <a:ext uri="{FF2B5EF4-FFF2-40B4-BE49-F238E27FC236}">
-                <a16:creationId xmlns:a16="http://schemas.microsoft.com/office/drawing/2014/main" id="{F917FB0B-F785-2C41-A086-B4C7513BFC97}"/>
-              </a:ext>
-            </a:extLst>
-          </p:cNvPr>
-          <p:cNvSpPr/>
-          <p:nvPr/>
-        </p:nvSpPr>
-        <p:spPr>
-          <a:xfrm>
-            <a:off x="9557743" y="3156040"/>
-            <a:ext cx="300942" cy="312516"/>
-          </a:xfrm>
-          <a:prstGeom prst="rect">
-            <a:avLst/>
-          </a:prstGeom>
-          <a:solidFill>
-            <a:schemeClr val="accent5">
-              <a:lumMod val="20000"/>
-              <a:lumOff val="80000"/>
-            </a:schemeClr>
-          </a:solidFill>
-          <a:ln>
-            <a:noFill/>
-          </a:ln>
-        </p:spPr>
-        <p:style>
-          <a:lnRef idx="2">
-            <a:schemeClr val="dk1">
-              <a:shade val="50000"/>
-            </a:schemeClr>
-          </a:lnRef>
-          <a:fillRef idx="1">
-            <a:schemeClr val="dk1"/>
-          </a:fillRef>
-          <a:effectRef idx="0">
-            <a:schemeClr val="dk1"/>
-          </a:effectRef>
-          <a:fontRef idx="minor">
-            <a:schemeClr val="lt1"/>
-          </a:fontRef>
-        </p:style>
-        <p:txBody>
-          <a:bodyPr rtlCol="0" anchor="ctr"/>
-          <a:lstStyle/>
-          <a:p>
-            <a:pPr algn="ctr"/>
-            <a:endParaRPr lang="en-JP"/>
-          </a:p>
-        </p:txBody>
-      </p:sp>
-      <p:sp>
-        <p:nvSpPr>
-          <p:cNvPr id="15" name="TextBox 14">
-            <a:extLst>
-              <a:ext uri="{FF2B5EF4-FFF2-40B4-BE49-F238E27FC236}">
-                <a16:creationId xmlns:a16="http://schemas.microsoft.com/office/drawing/2014/main" id="{1E74EEFF-25CB-8A4E-8659-D9C32855DE8F}"/>
-              </a:ext>
-            </a:extLst>
-          </p:cNvPr>
-          <p:cNvSpPr txBox="1"/>
-          <p:nvPr/>
-        </p:nvSpPr>
-        <p:spPr>
-          <a:xfrm>
-            <a:off x="10169834" y="3127632"/>
-            <a:ext cx="1569660" cy="369332"/>
-          </a:xfrm>
-          <a:prstGeom prst="rect">
-            <a:avLst/>
-          </a:prstGeom>
-          <a:noFill/>
-        </p:spPr>
-        <p:txBody>
-          <a:bodyPr wrap="none" rtlCol="0">
-            <a:spAutoFit/>
-          </a:bodyPr>
-          <a:lstStyle/>
-          <a:p>
-            <a:r>
-              <a:rPr lang="en-JP"/>
-              <a:t>配置済みの車</a:t>
-            </a:r>
-          </a:p>
-        </p:txBody>
-      </p:sp>
-      <p:sp>
-        <p:nvSpPr>
-          <p:cNvPr id="16" name="TextBox 15">
-            <a:extLst>
-              <a:ext uri="{FF2B5EF4-FFF2-40B4-BE49-F238E27FC236}">
-                <a16:creationId xmlns:a16="http://schemas.microsoft.com/office/drawing/2014/main" id="{CD99D024-21E9-DC41-AF7A-70931ADA1AA7}"/>
-              </a:ext>
-            </a:extLst>
-          </p:cNvPr>
-          <p:cNvSpPr txBox="1"/>
-          <p:nvPr/>
-        </p:nvSpPr>
-        <p:spPr>
-          <a:xfrm>
-            <a:off x="10169834" y="3732672"/>
-            <a:ext cx="1338828" cy="369332"/>
-          </a:xfrm>
-          <a:prstGeom prst="rect">
-            <a:avLst/>
-          </a:prstGeom>
-          <a:noFill/>
-        </p:spPr>
-        <p:txBody>
-          <a:bodyPr wrap="none" rtlCol="0">
-            <a:spAutoFit/>
-          </a:bodyPr>
-          <a:lstStyle/>
-          <a:p>
-            <a:r>
-              <a:rPr lang="en-JP"/>
-              <a:t>配置する車</a:t>
-            </a:r>
-          </a:p>
-        </p:txBody>
-      </p:sp>
-      <p:sp>
-        <p:nvSpPr>
-          <p:cNvPr id="17" name="TextBox 16">
-            <a:extLst>
-              <a:ext uri="{FF2B5EF4-FFF2-40B4-BE49-F238E27FC236}">
-                <a16:creationId xmlns:a16="http://schemas.microsoft.com/office/drawing/2014/main" id="{2495AD2A-1469-DA44-8ED9-231ADD43E2E6}"/>
-              </a:ext>
-            </a:extLst>
-          </p:cNvPr>
-          <p:cNvSpPr txBox="1"/>
-          <p:nvPr/>
-        </p:nvSpPr>
-        <p:spPr>
-          <a:xfrm>
-            <a:off x="10160675" y="4337712"/>
-            <a:ext cx="2031325" cy="369332"/>
-          </a:xfrm>
-          <a:prstGeom prst="rect">
-            <a:avLst/>
-          </a:prstGeom>
-          <a:noFill/>
-        </p:spPr>
-        <p:txBody>
-          <a:bodyPr wrap="none" rtlCol="0">
-            <a:spAutoFit/>
-          </a:bodyPr>
-          <a:lstStyle/>
-          <a:p>
-            <a:r>
-              <a:rPr lang="en-JP"/>
-              <a:t>障害物（柱など）</a:t>
-            </a:r>
-          </a:p>
-        </p:txBody>
-      </p:sp>
-      <p:sp>
-        <p:nvSpPr>
-          <p:cNvPr id="19" name="Rectangle 18">
-            <a:extLst>
-              <a:ext uri="{FF2B5EF4-FFF2-40B4-BE49-F238E27FC236}">
-                <a16:creationId xmlns:a16="http://schemas.microsoft.com/office/drawing/2014/main" id="{9B83C3FF-308A-3749-A590-C1053EC84904}"/>
-              </a:ext>
-            </a:extLst>
-          </p:cNvPr>
-          <p:cNvSpPr/>
-          <p:nvPr/>
-        </p:nvSpPr>
-        <p:spPr>
-          <a:xfrm>
-            <a:off x="6986284" y="2291380"/>
-            <a:ext cx="859809" cy="464022"/>
-          </a:xfrm>
-          <a:prstGeom prst="rect">
-            <a:avLst/>
-          </a:prstGeom>
-          <a:solidFill>
-            <a:schemeClr val="bg2">
-              <a:lumMod val="90000"/>
-            </a:schemeClr>
-          </a:solidFill>
-          <a:ln>
-            <a:solidFill>
-              <a:schemeClr val="tx1"/>
-            </a:solidFill>
-          </a:ln>
-        </p:spPr>
-        <p:style>
-          <a:lnRef idx="2">
-            <a:schemeClr val="accent1">
-              <a:shade val="50000"/>
-            </a:schemeClr>
-          </a:lnRef>
-          <a:fillRef idx="1">
-            <a:schemeClr val="accent1"/>
-          </a:fillRef>
-          <a:effectRef idx="0">
-            <a:schemeClr val="accent1"/>
-          </a:effectRef>
-          <a:fontRef idx="minor">
-            <a:schemeClr val="lt1"/>
-          </a:fontRef>
-        </p:style>
-        <p:txBody>
-          <a:bodyPr rtlCol="0" anchor="ctr"/>
-          <a:lstStyle/>
-          <a:p>
-            <a:pPr algn="ctr"/>
-            <a:r>
-              <a:rPr lang="en-JP">
-                <a:solidFill>
-                  <a:schemeClr val="tx1"/>
-                </a:solidFill>
-              </a:rPr>
-              <a:t>入口</a:t>
-            </a:r>
-          </a:p>
-        </p:txBody>
-      </p:sp>
-      <p:cxnSp>
-        <p:nvCxnSpPr>
-          <p:cNvPr id="21" name="Elbow Connector 20">
-            <a:extLst>
-              <a:ext uri="{FF2B5EF4-FFF2-40B4-BE49-F238E27FC236}">
-                <a16:creationId xmlns:a16="http://schemas.microsoft.com/office/drawing/2014/main" id="{DB7308A4-F894-7840-A78E-23567EDD35B9}"/>
-              </a:ext>
-            </a:extLst>
-          </p:cNvPr>
-          <p:cNvCxnSpPr>
-            <a:cxnSpLocks/>
-          </p:cNvCxnSpPr>
-          <p:nvPr/>
-        </p:nvCxnSpPr>
-        <p:spPr>
-          <a:xfrm rot="16200000" flipH="1">
-            <a:off x="7257106" y="3050859"/>
-            <a:ext cx="1062077" cy="746432"/>
-          </a:xfrm>
-          <a:prstGeom prst="bentConnector3">
-            <a:avLst/>
-          </a:prstGeom>
-          <a:ln w="41275">
-            <a:solidFill>
-              <a:srgbClr val="FF0000"/>
-            </a:solidFill>
-            <a:tailEnd type="triangle"/>
-          </a:ln>
-        </p:spPr>
-        <p:style>
-          <a:lnRef idx="1">
-            <a:schemeClr val="accent1"/>
-          </a:lnRef>
-          <a:fillRef idx="0">
-            <a:schemeClr val="accent1"/>
-          </a:fillRef>
-          <a:effectRef idx="0">
-            <a:schemeClr val="accent1"/>
-          </a:effectRef>
-          <a:fontRef idx="minor">
-            <a:schemeClr val="tx1"/>
-          </a:fontRef>
-        </p:style>
-      </p:cxnSp>
-    </p:spTree>
-    <p:extLst>
-      <p:ext uri="{BB962C8B-B14F-4D97-AF65-F5344CB8AC3E}">
-        <p14:creationId xmlns:p14="http://schemas.microsoft.com/office/powerpoint/2010/main" val="1566009319"/>
-      </p:ext>
-    </p:extLst>
-  </p:cSld>
-  <p:clrMapOvr>
-    <a:masterClrMapping/>
-  </p:clrMapOvr>
-</p:sld>
-</file>
-
-<file path=ppt/slides/slide12.xml><?xml version="1.0" encoding="utf-8"?>
 <p:sld xmlns:a="http://schemas.openxmlformats.org/drawingml/2006/main" xmlns:r="http://schemas.openxmlformats.org/officeDocument/2006/relationships" xmlns:p="http://schemas.openxmlformats.org/presentationml/2006/main">
   <p:cSld>
     <p:spTree>
@@ -11436,7 +9996,7 @@
         </p:nvSpPr>
         <p:spPr>
           <a:xfrm>
-            <a:off x="6224764" y="1330049"/>
+            <a:off x="6224764" y="1258131"/>
             <a:ext cx="4765832" cy="5262979"/>
           </a:xfrm>
           <a:prstGeom prst="rect">
@@ -11506,7 +10066,7 @@
         </p:nvSpPr>
         <p:spPr>
           <a:xfrm>
-            <a:off x="8855794" y="4455031"/>
+            <a:off x="8855794" y="4383113"/>
             <a:ext cx="1716870" cy="1311592"/>
           </a:xfrm>
           <a:prstGeom prst="corner">
@@ -11575,7 +10135,7 @@
           <a:p>
             <a:fld id="{CCF3E294-EB10-834B-8B5B-5C78A6A1F52A}" type="slidenum">
               <a:rPr lang="en-JP"/>
-              <a:t>12</a:t>
+              <a:t>10</a:t>
             </a:fld>
             <a:endParaRPr lang="en-JP"/>
           </a:p>
@@ -11649,7 +10209,7 @@
         </p:nvSpPr>
         <p:spPr>
           <a:xfrm>
-            <a:off x="838200" y="1330050"/>
+            <a:off x="838200" y="1258132"/>
             <a:ext cx="5128785" cy="5262979"/>
           </a:xfrm>
           <a:prstGeom prst="rect">
@@ -11711,8 +10271,8 @@
         </p:nvSpPr>
         <p:spPr>
           <a:xfrm>
-            <a:off x="1095979" y="6078650"/>
-            <a:ext cx="4541628" cy="415498"/>
+            <a:off x="929908" y="5978326"/>
+            <a:ext cx="5128785" cy="461665"/>
           </a:xfrm>
           <a:prstGeom prst="rect">
             <a:avLst/>
@@ -11720,13 +10280,13 @@
           <a:noFill/>
         </p:spPr>
         <p:txBody>
-          <a:bodyPr wrap="none" rtlCol="0">
+          <a:bodyPr wrap="square" rtlCol="0">
             <a:spAutoFit/>
           </a:bodyPr>
           <a:lstStyle/>
           <a:p>
             <a:r>
-              <a:rPr lang="en-JP" sz="2100">
+              <a:rPr lang="en-JP" sz="2300">
                 <a:solidFill>
                   <a:srgbClr val="FF0000"/>
                 </a:solidFill>
@@ -11750,7 +10310,7 @@
         </p:nvSpPr>
         <p:spPr>
           <a:xfrm>
-            <a:off x="8855794" y="3410352"/>
+            <a:off x="8855794" y="3338434"/>
             <a:ext cx="1716303" cy="2390655"/>
           </a:xfrm>
           <a:prstGeom prst="rect">
@@ -11800,7 +10360,7 @@
         </p:nvSpPr>
         <p:spPr>
           <a:xfrm>
-            <a:off x="10051349" y="4434164"/>
+            <a:off x="10051349" y="4362246"/>
             <a:ext cx="403060" cy="617568"/>
           </a:xfrm>
           <a:prstGeom prst="rect">
@@ -11855,7 +10415,7 @@
         </p:nvSpPr>
         <p:spPr>
           <a:xfrm>
-            <a:off x="10291619" y="4039297"/>
+            <a:off x="10291619" y="3967379"/>
             <a:ext cx="247138" cy="241586"/>
           </a:xfrm>
           <a:prstGeom prst="rect">
@@ -11901,7 +10461,7 @@
         </p:nvSpPr>
         <p:spPr>
           <a:xfrm>
-            <a:off x="9282433" y="3038919"/>
+            <a:off x="9282433" y="2967001"/>
             <a:ext cx="720954" cy="331308"/>
           </a:xfrm>
           <a:prstGeom prst="rect">
@@ -11966,7 +10526,7 @@
         </p:nvCxnSpPr>
         <p:spPr>
           <a:xfrm rot="16200000" flipH="1">
-            <a:off x="9459367" y="3624885"/>
+            <a:off x="9459367" y="3552967"/>
             <a:ext cx="952696" cy="585611"/>
           </a:xfrm>
           <a:prstGeom prst="bentConnector3">
@@ -12008,8 +10568,8 @@
         </p:nvSpPr>
         <p:spPr>
           <a:xfrm>
-            <a:off x="6764868" y="6056645"/>
-            <a:ext cx="3685624" cy="415498"/>
+            <a:off x="6598155" y="5982206"/>
+            <a:ext cx="4019049" cy="446276"/>
           </a:xfrm>
           <a:prstGeom prst="rect">
             <a:avLst/>
@@ -12023,7 +10583,7 @@
           <a:lstStyle/>
           <a:p>
             <a:r>
-              <a:rPr lang="en-JP" sz="2100">
+              <a:rPr lang="en-JP" sz="2300">
                 <a:solidFill>
                   <a:srgbClr val="FF0000"/>
                 </a:solidFill>
@@ -12049,7 +10609,7 @@
         </p:nvSpPr>
         <p:spPr>
           <a:xfrm>
-            <a:off x="6896815" y="5337760"/>
+            <a:off x="6896815" y="5265842"/>
             <a:ext cx="292904" cy="304169"/>
           </a:xfrm>
           <a:prstGeom prst="rect">
@@ -12097,7 +10657,7 @@
         </p:nvSpPr>
         <p:spPr>
           <a:xfrm>
-            <a:off x="6888724" y="4885376"/>
+            <a:off x="6888724" y="4813458"/>
             <a:ext cx="292904" cy="304169"/>
           </a:xfrm>
           <a:prstGeom prst="rect">
@@ -12151,7 +10711,7 @@
         </p:nvSpPr>
         <p:spPr>
           <a:xfrm>
-            <a:off x="6888724" y="4430751"/>
+            <a:off x="6888724" y="4358833"/>
             <a:ext cx="292904" cy="304169"/>
           </a:xfrm>
           <a:prstGeom prst="rect">
@@ -12208,7 +10768,7 @@
         </p:nvSpPr>
         <p:spPr>
           <a:xfrm>
-            <a:off x="7176094" y="4414581"/>
+            <a:off x="7176094" y="4342663"/>
             <a:ext cx="1247915" cy="338554"/>
           </a:xfrm>
           <a:prstGeom prst="rect">
@@ -12245,7 +10805,7 @@
         </p:nvSpPr>
         <p:spPr>
           <a:xfrm>
-            <a:off x="7176094" y="4900327"/>
+            <a:off x="7176094" y="4828409"/>
             <a:ext cx="1303071" cy="338554"/>
           </a:xfrm>
           <a:prstGeom prst="rect">
@@ -12282,7 +10842,7 @@
         </p:nvSpPr>
         <p:spPr>
           <a:xfrm>
-            <a:off x="7177753" y="5337760"/>
+            <a:off x="7177753" y="5265842"/>
             <a:ext cx="805982" cy="338554"/>
           </a:xfrm>
           <a:prstGeom prst="rect">
@@ -12317,7 +10877,7 @@
         </p:nvSpPr>
         <p:spPr>
           <a:xfrm>
-            <a:off x="983942" y="3428874"/>
+            <a:off x="983942" y="3356956"/>
             <a:ext cx="2510359" cy="2000163"/>
           </a:xfrm>
           <a:prstGeom prst="rect">
@@ -12427,7 +10987,7 @@
         </p:nvSpPr>
         <p:spPr>
           <a:xfrm>
-            <a:off x="3806553" y="3384334"/>
+            <a:off x="3806553" y="3312416"/>
             <a:ext cx="1865472" cy="2448100"/>
           </a:xfrm>
           <a:prstGeom prst="rect">
@@ -12479,7 +11039,7 @@
         </p:nvSpPr>
         <p:spPr>
           <a:xfrm>
-            <a:off x="3866584" y="5060353"/>
+            <a:off x="3866584" y="4988435"/>
             <a:ext cx="1730746" cy="680125"/>
           </a:xfrm>
           <a:prstGeom prst="rect">
@@ -12541,7 +11101,7 @@
         </p:nvSpPr>
         <p:spPr>
           <a:xfrm>
-            <a:off x="3866584" y="4500975"/>
+            <a:off x="3866584" y="4429057"/>
             <a:ext cx="1730746" cy="514607"/>
           </a:xfrm>
           <a:prstGeom prst="rect">
@@ -12603,7 +11163,7 @@
         </p:nvSpPr>
         <p:spPr>
           <a:xfrm>
-            <a:off x="3866584" y="3470575"/>
+            <a:off x="3866584" y="3398657"/>
             <a:ext cx="1730746" cy="990149"/>
           </a:xfrm>
           <a:prstGeom prst="rect">
@@ -12665,7 +11225,7 @@
         </p:nvSpPr>
         <p:spPr>
           <a:xfrm>
-            <a:off x="4382852" y="3002718"/>
+            <a:off x="4382852" y="2930800"/>
             <a:ext cx="698209" cy="341365"/>
           </a:xfrm>
           <a:prstGeom prst="rect">
@@ -12727,7 +11287,7 @@
 </p:sld>
 </file>
 
-<file path=ppt/slides/slide13.xml><?xml version="1.0" encoding="utf-8"?>
+<file path=ppt/slides/slide11.xml><?xml version="1.0" encoding="utf-8"?>
 <p:sld xmlns:a="http://schemas.openxmlformats.org/drawingml/2006/main" xmlns:r="http://schemas.openxmlformats.org/officeDocument/2006/relationships" xmlns:p="http://schemas.openxmlformats.org/presentationml/2006/main">
   <p:cSld>
     <p:spTree>
@@ -12889,7 +11449,7 @@
           <a:p>
             <a:fld id="{CCF3E294-EB10-834B-8B5B-5C78A6A1F52A}" type="slidenum">
               <a:rPr lang="en-JP"/>
-              <a:t>13</a:t>
+              <a:t>11</a:t>
             </a:fld>
             <a:endParaRPr lang="en-JP"/>
           </a:p>
@@ -12908,7 +11468,7 @@
 </p:sld>
 </file>
 
-<file path=ppt/slides/slide14.xml><?xml version="1.0" encoding="utf-8"?>
+<file path=ppt/slides/slide12.xml><?xml version="1.0" encoding="utf-8"?>
 <p:sld xmlns:a="http://schemas.openxmlformats.org/drawingml/2006/main" xmlns:r="http://schemas.openxmlformats.org/officeDocument/2006/relationships" xmlns:p="http://schemas.openxmlformats.org/presentationml/2006/main">
   <p:cSld>
     <p:spTree>
@@ -12955,7 +11515,7 @@
           <a:p>
             <a:r>
               <a:rPr lang="en-JP" sz="4000"/>
-              <a:t>提案手法の概要</a:t>
+              <a:t>提案手法</a:t>
             </a:r>
           </a:p>
         </p:txBody>
@@ -13014,7 +11574,7 @@
           <a:p>
             <a:fld id="{A15909B6-B37A-2F40-8E50-BD3B90D17A7A}" type="slidenum">
               <a:rPr lang="en-JP"/>
-              <a:t>14</a:t>
+              <a:t>12</a:t>
             </a:fld>
             <a:endParaRPr lang="en-JP"/>
           </a:p>
@@ -13065,7 +11625,7 @@
 </p:sld>
 </file>
 
-<file path=ppt/slides/slide15.xml><?xml version="1.0" encoding="utf-8"?>
+<file path=ppt/slides/slide13.xml><?xml version="1.0" encoding="utf-8"?>
 <p:sld xmlns:a="http://schemas.openxmlformats.org/drawingml/2006/main" xmlns:r="http://schemas.openxmlformats.org/officeDocument/2006/relationships" xmlns:p="http://schemas.openxmlformats.org/presentationml/2006/main">
   <p:cSld>
     <p:spTree>
@@ -13196,6 +11756,10 @@
                   <a:buNone/>
                 </a:pPr>
                 <a:r>
+                  <a:rPr lang="en-US" sz="2400"/>
+                  <a:t> </a:t>
+                </a:r>
+                <a:r>
                   <a:rPr lang="en-JP" sz="2400"/>
                   <a:t>(グループ</a:t>
                 </a:r>
@@ -13223,7 +11787,7 @@
                 </a:pPr>
                 <a:r>
                   <a:rPr lang="en-US" sz="2400"/>
-                  <a:t> </a:t>
+                  <a:t>  </a:t>
                 </a:r>
                 <a:r>
                   <a:rPr lang="en-JP" sz="2400"/>
@@ -13341,7 +11905,7 @@
           <a:p>
             <a:fld id="{CCF3E294-EB10-834B-8B5B-5C78A6A1F52A}" type="slidenum">
               <a:rPr lang="en-JP"/>
-              <a:t>15</a:t>
+              <a:t>13</a:t>
             </a:fld>
             <a:endParaRPr lang="en-JP"/>
           </a:p>
@@ -13597,7 +12161,7 @@
                 </a:pPr>
                 <a:r>
                   <a:rPr lang="en-JP" sz="2400"/>
-                  <a:t>ex. </a:t>
+                  <a:t> ex. </a:t>
                 </a:r>
               </a:p>
               <a:p>
@@ -13950,20 +12514,7 @@
             </a:pPr>
             <a:r>
               <a:rPr lang="en-JP" sz="2400"/>
-              <a:t>各グループの形, 位置を決定する. </a:t>
-            </a:r>
-          </a:p>
-          <a:p>
-            <a:pPr marL="0" indent="0">
-              <a:lnSpc>
-                <a:spcPct val="100000"/>
-              </a:lnSpc>
-              <a:buFont typeface="Arial" panose="020B0604020202020204" pitchFamily="34" charset="0"/>
-              <a:buNone/>
-            </a:pPr>
-            <a:r>
-              <a:rPr lang="en-JP" sz="2400"/>
-              <a:t>(ソルバーを使用 )</a:t>
+              <a:t>整数計画ソルバーで，グループの形, 位置を決定する. </a:t>
             </a:r>
           </a:p>
         </p:txBody>
@@ -14136,8 +12687,8 @@
           </a:p>
         </p:txBody>
       </p:sp>
-      <mc:AlternateContent xmlns:mc="http://schemas.openxmlformats.org/markup-compatibility/2006">
-        <mc:Choice xmlns:a14="http://schemas.microsoft.com/office/drawing/2010/main" Requires="a14">
+      <mc:AlternateContent xmlns:mc="http://schemas.openxmlformats.org/markup-compatibility/2006" xmlns:a14="http://schemas.microsoft.com/office/drawing/2010/main">
+        <mc:Choice Requires="a14">
           <p:sp>
             <p:nvSpPr>
               <p:cNvPr id="11" name="Rectangle 10">
@@ -14206,7 +12757,7 @@
             </p:txBody>
           </p:sp>
         </mc:Choice>
-        <mc:Fallback>
+        <mc:Fallback xmlns="">
           <p:sp>
             <p:nvSpPr>
               <p:cNvPr id="11" name="Rectangle 10">
@@ -14334,8 +12885,8 @@
           </a:fontRef>
         </p:style>
       </p:cxnSp>
-      <mc:AlternateContent xmlns:mc="http://schemas.openxmlformats.org/markup-compatibility/2006">
-        <mc:Choice xmlns:a14="http://schemas.microsoft.com/office/drawing/2010/main" Requires="a14">
+      <mc:AlternateContent xmlns:mc="http://schemas.openxmlformats.org/markup-compatibility/2006" xmlns:a14="http://schemas.microsoft.com/office/drawing/2010/main">
+        <mc:Choice Requires="a14">
           <p:sp>
             <p:nvSpPr>
               <p:cNvPr id="17" name="Rectangle 16">
@@ -14410,7 +12961,7 @@
             </p:txBody>
           </p:sp>
         </mc:Choice>
-        <mc:Fallback>
+        <mc:Fallback xmlns="">
           <p:sp>
             <p:nvSpPr>
               <p:cNvPr id="17" name="Rectangle 16">
@@ -14458,8 +13009,8 @@
           </p:sp>
         </mc:Fallback>
       </mc:AlternateContent>
-      <mc:AlternateContent xmlns:mc="http://schemas.openxmlformats.org/markup-compatibility/2006">
-        <mc:Choice xmlns:a14="http://schemas.microsoft.com/office/drawing/2010/main" Requires="a14">
+      <mc:AlternateContent xmlns:mc="http://schemas.openxmlformats.org/markup-compatibility/2006" xmlns:a14="http://schemas.microsoft.com/office/drawing/2010/main">
+        <mc:Choice Requires="a14">
           <p:sp>
             <p:nvSpPr>
               <p:cNvPr id="24" name="Rectangle 23">
@@ -14538,7 +13089,7 @@
             </p:txBody>
           </p:sp>
         </mc:Choice>
-        <mc:Fallback>
+        <mc:Fallback xmlns="">
           <p:sp>
             <p:nvSpPr>
               <p:cNvPr id="24" name="Rectangle 23">
@@ -14586,8 +13137,8 @@
           </p:sp>
         </mc:Fallback>
       </mc:AlternateContent>
-      <mc:AlternateContent xmlns:mc="http://schemas.openxmlformats.org/markup-compatibility/2006">
-        <mc:Choice xmlns:a14="http://schemas.microsoft.com/office/drawing/2010/main" Requires="a14">
+      <mc:AlternateContent xmlns:mc="http://schemas.openxmlformats.org/markup-compatibility/2006" xmlns:a14="http://schemas.microsoft.com/office/drawing/2010/main">
+        <mc:Choice Requires="a14">
           <p:sp>
             <p:nvSpPr>
               <p:cNvPr id="25" name="Rectangle 24">
@@ -14666,7 +13217,7 @@
             </p:txBody>
           </p:sp>
         </mc:Choice>
-        <mc:Fallback>
+        <mc:Fallback xmlns="">
           <p:sp>
             <p:nvSpPr>
               <p:cNvPr id="25" name="Rectangle 24">
@@ -14835,455 +13386,7 @@
 </p:sld>
 </file>
 
-<file path=ppt/slides/slide16.xml><?xml version="1.0" encoding="utf-8"?>
-<p:sld xmlns:a="http://schemas.openxmlformats.org/drawingml/2006/main" xmlns:r="http://schemas.openxmlformats.org/officeDocument/2006/relationships" xmlns:p="http://schemas.openxmlformats.org/presentationml/2006/main">
-  <p:cSld>
-    <p:spTree>
-      <p:nvGrpSpPr>
-        <p:cNvPr id="1" name=""/>
-        <p:cNvGrpSpPr/>
-        <p:nvPr/>
-      </p:nvGrpSpPr>
-      <p:grpSpPr>
-        <a:xfrm>
-          <a:off x="0" y="0"/>
-          <a:ext cx="0" cy="0"/>
-          <a:chOff x="0" y="0"/>
-          <a:chExt cx="0" cy="0"/>
-        </a:xfrm>
-      </p:grpSpPr>
-      <p:sp>
-        <p:nvSpPr>
-          <p:cNvPr id="4" name="Slide Number Placeholder 3">
-            <a:extLst>
-              <a:ext uri="{FF2B5EF4-FFF2-40B4-BE49-F238E27FC236}">
-                <a16:creationId xmlns:a16="http://schemas.microsoft.com/office/drawing/2014/main" id="{DB89FE0F-6D59-E446-9C7B-2D65D960B16F}"/>
-              </a:ext>
-            </a:extLst>
-          </p:cNvPr>
-          <p:cNvSpPr>
-            <a:spLocks noGrp="1"/>
-          </p:cNvSpPr>
-          <p:nvPr>
-            <p:ph type="sldNum" sz="quarter" idx="12"/>
-          </p:nvPr>
-        </p:nvSpPr>
-        <p:spPr/>
-        <p:txBody>
-          <a:bodyPr/>
-          <a:lstStyle/>
-          <a:p>
-            <a:fld id="{A15909B6-B37A-2F40-8E50-BD3B90D17A7A}" type="slidenum">
-              <a:rPr lang="en-JP"/>
-              <a:t>16</a:t>
-            </a:fld>
-            <a:endParaRPr lang="en-JP"/>
-          </a:p>
-        </p:txBody>
-      </p:sp>
-      <p:sp>
-        <p:nvSpPr>
-          <p:cNvPr id="6" name="Content Placeholder 2">
-            <a:extLst>
-              <a:ext uri="{FF2B5EF4-FFF2-40B4-BE49-F238E27FC236}">
-                <a16:creationId xmlns:a16="http://schemas.microsoft.com/office/drawing/2014/main" id="{297D4A20-A7AA-9348-8A2B-1569C20C0F0D}"/>
-              </a:ext>
-            </a:extLst>
-          </p:cNvPr>
-          <p:cNvSpPr txBox="1">
-            <a:spLocks/>
-          </p:cNvSpPr>
-          <p:nvPr/>
-        </p:nvSpPr>
-        <p:spPr>
-          <a:xfrm>
-            <a:off x="838202" y="667185"/>
-            <a:ext cx="10755084" cy="1858302"/>
-          </a:xfrm>
-          <a:prstGeom prst="rect">
-            <a:avLst/>
-          </a:prstGeom>
-          <a:solidFill>
-            <a:schemeClr val="accent5">
-              <a:lumMod val="20000"/>
-              <a:lumOff val="80000"/>
-            </a:schemeClr>
-          </a:solidFill>
-          <a:ln>
-            <a:noFill/>
-          </a:ln>
-        </p:spPr>
-        <p:txBody>
-          <a:bodyPr vert="horz" lIns="91440" tIns="45720" rIns="91440" bIns="45720" rtlCol="0">
-            <a:noAutofit/>
-          </a:bodyPr>
-          <a:lstStyle>
-            <a:lvl1pPr marL="228600" indent="-228600" algn="l" defTabSz="914400" rtl="0" eaLnBrk="1" latinLnBrk="0" hangingPunct="1">
-              <a:lnSpc>
-                <a:spcPct val="90000"/>
-              </a:lnSpc>
-              <a:spcBef>
-                <a:spcPts val="1000"/>
-              </a:spcBef>
-              <a:buFont typeface="Arial" panose="020B0604020202020204" pitchFamily="34" charset="0"/>
-              <a:buChar char="•"/>
-              <a:defRPr sz="2800" kern="1200">
-                <a:solidFill>
-                  <a:schemeClr val="tx1"/>
-                </a:solidFill>
-                <a:latin typeface="+mn-lt"/>
-                <a:ea typeface="+mn-ea"/>
-                <a:cs typeface="+mn-cs"/>
-              </a:defRPr>
-            </a:lvl1pPr>
-            <a:lvl2pPr marL="685800" indent="-228600" algn="l" defTabSz="914400" rtl="0" eaLnBrk="1" latinLnBrk="0" hangingPunct="1">
-              <a:lnSpc>
-                <a:spcPct val="90000"/>
-              </a:lnSpc>
-              <a:spcBef>
-                <a:spcPts val="500"/>
-              </a:spcBef>
-              <a:buFont typeface="Arial" panose="020B0604020202020204" pitchFamily="34" charset="0"/>
-              <a:buChar char="•"/>
-              <a:defRPr sz="2400" kern="1200">
-                <a:solidFill>
-                  <a:schemeClr val="tx1"/>
-                </a:solidFill>
-                <a:latin typeface="+mn-lt"/>
-                <a:ea typeface="+mn-ea"/>
-                <a:cs typeface="+mn-cs"/>
-              </a:defRPr>
-            </a:lvl2pPr>
-            <a:lvl3pPr marL="1143000" indent="-228600" algn="l" defTabSz="914400" rtl="0" eaLnBrk="1" latinLnBrk="0" hangingPunct="1">
-              <a:lnSpc>
-                <a:spcPct val="90000"/>
-              </a:lnSpc>
-              <a:spcBef>
-                <a:spcPts val="500"/>
-              </a:spcBef>
-              <a:buFont typeface="Arial" panose="020B0604020202020204" pitchFamily="34" charset="0"/>
-              <a:buChar char="•"/>
-              <a:defRPr sz="2000" kern="1200">
-                <a:solidFill>
-                  <a:schemeClr val="tx1"/>
-                </a:solidFill>
-                <a:latin typeface="+mn-lt"/>
-                <a:ea typeface="+mn-ea"/>
-                <a:cs typeface="+mn-cs"/>
-              </a:defRPr>
-            </a:lvl3pPr>
-            <a:lvl4pPr marL="1600200" indent="-228600" algn="l" defTabSz="914400" rtl="0" eaLnBrk="1" latinLnBrk="0" hangingPunct="1">
-              <a:lnSpc>
-                <a:spcPct val="90000"/>
-              </a:lnSpc>
-              <a:spcBef>
-                <a:spcPts val="500"/>
-              </a:spcBef>
-              <a:buFont typeface="Arial" panose="020B0604020202020204" pitchFamily="34" charset="0"/>
-              <a:buChar char="•"/>
-              <a:defRPr sz="1800" kern="1200">
-                <a:solidFill>
-                  <a:schemeClr val="tx1"/>
-                </a:solidFill>
-                <a:latin typeface="+mn-lt"/>
-                <a:ea typeface="+mn-ea"/>
-                <a:cs typeface="+mn-cs"/>
-              </a:defRPr>
-            </a:lvl4pPr>
-            <a:lvl5pPr marL="2057400" indent="-228600" algn="l" defTabSz="914400" rtl="0" eaLnBrk="1" latinLnBrk="0" hangingPunct="1">
-              <a:lnSpc>
-                <a:spcPct val="90000"/>
-              </a:lnSpc>
-              <a:spcBef>
-                <a:spcPts val="500"/>
-              </a:spcBef>
-              <a:buFont typeface="Arial" panose="020B0604020202020204" pitchFamily="34" charset="0"/>
-              <a:buChar char="•"/>
-              <a:defRPr sz="1800" kern="1200">
-                <a:solidFill>
-                  <a:schemeClr val="tx1"/>
-                </a:solidFill>
-                <a:latin typeface="+mn-lt"/>
-                <a:ea typeface="+mn-ea"/>
-                <a:cs typeface="+mn-cs"/>
-              </a:defRPr>
-            </a:lvl5pPr>
-            <a:lvl6pPr marL="2514600" indent="-228600" algn="l" defTabSz="914400" rtl="0" eaLnBrk="1" latinLnBrk="0" hangingPunct="1">
-              <a:lnSpc>
-                <a:spcPct val="90000"/>
-              </a:lnSpc>
-              <a:spcBef>
-                <a:spcPts val="500"/>
-              </a:spcBef>
-              <a:buFont typeface="Arial" panose="020B0604020202020204" pitchFamily="34" charset="0"/>
-              <a:buChar char="•"/>
-              <a:defRPr sz="1800" kern="1200">
-                <a:solidFill>
-                  <a:schemeClr val="tx1"/>
-                </a:solidFill>
-                <a:latin typeface="+mn-lt"/>
-                <a:ea typeface="+mn-ea"/>
-                <a:cs typeface="+mn-cs"/>
-              </a:defRPr>
-            </a:lvl6pPr>
-            <a:lvl7pPr marL="2971800" indent="-228600" algn="l" defTabSz="914400" rtl="0" eaLnBrk="1" latinLnBrk="0" hangingPunct="1">
-              <a:lnSpc>
-                <a:spcPct val="90000"/>
-              </a:lnSpc>
-              <a:spcBef>
-                <a:spcPts val="500"/>
-              </a:spcBef>
-              <a:buFont typeface="Arial" panose="020B0604020202020204" pitchFamily="34" charset="0"/>
-              <a:buChar char="•"/>
-              <a:defRPr sz="1800" kern="1200">
-                <a:solidFill>
-                  <a:schemeClr val="tx1"/>
-                </a:solidFill>
-                <a:latin typeface="+mn-lt"/>
-                <a:ea typeface="+mn-ea"/>
-                <a:cs typeface="+mn-cs"/>
-              </a:defRPr>
-            </a:lvl7pPr>
-            <a:lvl8pPr marL="3429000" indent="-228600" algn="l" defTabSz="914400" rtl="0" eaLnBrk="1" latinLnBrk="0" hangingPunct="1">
-              <a:lnSpc>
-                <a:spcPct val="90000"/>
-              </a:lnSpc>
-              <a:spcBef>
-                <a:spcPts val="500"/>
-              </a:spcBef>
-              <a:buFont typeface="Arial" panose="020B0604020202020204" pitchFamily="34" charset="0"/>
-              <a:buChar char="•"/>
-              <a:defRPr sz="1800" kern="1200">
-                <a:solidFill>
-                  <a:schemeClr val="tx1"/>
-                </a:solidFill>
-                <a:latin typeface="+mn-lt"/>
-                <a:ea typeface="+mn-ea"/>
-                <a:cs typeface="+mn-cs"/>
-              </a:defRPr>
-            </a:lvl8pPr>
-            <a:lvl9pPr marL="3886200" indent="-228600" algn="l" defTabSz="914400" rtl="0" eaLnBrk="1" latinLnBrk="0" hangingPunct="1">
-              <a:lnSpc>
-                <a:spcPct val="90000"/>
-              </a:lnSpc>
-              <a:spcBef>
-                <a:spcPts val="500"/>
-              </a:spcBef>
-              <a:buFont typeface="Arial" panose="020B0604020202020204" pitchFamily="34" charset="0"/>
-              <a:buChar char="•"/>
-              <a:defRPr sz="1800" kern="1200">
-                <a:solidFill>
-                  <a:schemeClr val="tx1"/>
-                </a:solidFill>
-                <a:latin typeface="+mn-lt"/>
-                <a:ea typeface="+mn-ea"/>
-                <a:cs typeface="+mn-cs"/>
-              </a:defRPr>
-            </a:lvl9pPr>
-          </a:lstStyle>
-          <a:p>
-            <a:pPr marL="0" indent="0">
-              <a:lnSpc>
-                <a:spcPct val="120000"/>
-              </a:lnSpc>
-              <a:buFont typeface="Arial" panose="020B0604020202020204" pitchFamily="34" charset="0"/>
-              <a:buNone/>
-            </a:pPr>
-            <a:r>
-              <a:rPr lang="en-JP" b="1"/>
-              <a:t>グループ間の相対位置関係の計算 (sequence-pair)</a:t>
-            </a:r>
-          </a:p>
-          <a:p>
-            <a:pPr marL="0" indent="0">
-              <a:lnSpc>
-                <a:spcPct val="110000"/>
-              </a:lnSpc>
-              <a:buFont typeface="Arial" panose="020B0604020202020204" pitchFamily="34" charset="0"/>
-              <a:buNone/>
-            </a:pPr>
-            <a:r>
-              <a:rPr lang="en-JP" sz="2600"/>
-              <a:t>1. 各グループの積み地揚げ地の順番により二つの順列を作る．</a:t>
-            </a:r>
-          </a:p>
-          <a:p>
-            <a:pPr marL="0" indent="0">
-              <a:lnSpc>
-                <a:spcPct val="110000"/>
-              </a:lnSpc>
-              <a:buFont typeface="Arial" panose="020B0604020202020204" pitchFamily="34" charset="0"/>
-              <a:buNone/>
-            </a:pPr>
-            <a:r>
-              <a:rPr lang="en-JP" sz="2600"/>
-              <a:t>2. 先に積む車，後で降ろす車は奥になるような制約を付与．</a:t>
-            </a:r>
-          </a:p>
-        </p:txBody>
-      </p:sp>
-      <p:sp>
-        <p:nvSpPr>
-          <p:cNvPr id="5" name="Content Placeholder 4">
-            <a:extLst>
-              <a:ext uri="{FF2B5EF4-FFF2-40B4-BE49-F238E27FC236}">
-                <a16:creationId xmlns:a16="http://schemas.microsoft.com/office/drawing/2014/main" id="{7A5FF5C7-BF1A-6F4C-A135-FDC78132C11A}"/>
-              </a:ext>
-            </a:extLst>
-          </p:cNvPr>
-          <p:cNvSpPr>
-            <a:spLocks noGrp="1"/>
-          </p:cNvSpPr>
-          <p:nvPr>
-            <p:ph idx="1"/>
-          </p:nvPr>
-        </p:nvSpPr>
-        <p:spPr>
-          <a:xfrm>
-            <a:off x="838200" y="2894611"/>
-            <a:ext cx="10515600" cy="3198234"/>
-          </a:xfrm>
-        </p:spPr>
-        <p:txBody>
-          <a:bodyPr>
-            <a:normAutofit/>
-          </a:bodyPr>
-          <a:lstStyle/>
-          <a:p>
-            <a:pPr marL="0" indent="0">
-              <a:lnSpc>
-                <a:spcPct val="100000"/>
-              </a:lnSpc>
-              <a:buNone/>
-            </a:pPr>
-            <a:r>
-              <a:rPr lang="en-JP"/>
-              <a:t>ex. 航路: LP1, LP2, LP3, DP1, DP2, DP3 （LP: 積み地，DP: 揚げ地）</a:t>
-            </a:r>
-          </a:p>
-          <a:p>
-            <a:pPr marL="0" indent="0">
-              <a:lnSpc>
-                <a:spcPct val="100000"/>
-              </a:lnSpc>
-              <a:buNone/>
-            </a:pPr>
-            <a:r>
-              <a:rPr lang="ja-JP" altLang="en-US"/>
-              <a:t>　　</a:t>
-            </a:r>
-            <a:r>
-              <a:rPr lang="en-JP" sz="2600"/>
-              <a:t>以下の貨物グループが存在．</a:t>
-            </a:r>
-            <a:endParaRPr lang="en-US" sz="2600"/>
-          </a:p>
-          <a:p>
-            <a:pPr marL="457200" lvl="1" indent="0">
-              <a:lnSpc>
-                <a:spcPct val="110000"/>
-              </a:lnSpc>
-              <a:buNone/>
-            </a:pPr>
-            <a:r>
-              <a:rPr lang="ja-JP" altLang="en-US"/>
-              <a:t>　</a:t>
-            </a:r>
-            <a:r>
-              <a:rPr lang="en-US" sz="2500"/>
-              <a:t>グループ </a:t>
-            </a:r>
-            <a:r>
-              <a:rPr lang="en-US" altLang="ja-JP" sz="2500">
-                <a:ea typeface="Hiragino Kaku Gothic Pro W3" panose="020B0300000000000000" pitchFamily="34" charset="-128"/>
-              </a:rPr>
-              <a:t>A:</a:t>
-            </a:r>
-            <a:r>
-              <a:rPr lang="en-US" altLang="ja-JP" sz="2500"/>
-              <a:t> LP1 -&gt; DP3</a:t>
-            </a:r>
-          </a:p>
-          <a:p>
-            <a:pPr marL="457200" lvl="1" indent="0">
-              <a:lnSpc>
-                <a:spcPct val="110000"/>
-              </a:lnSpc>
-              <a:buNone/>
-            </a:pPr>
-            <a:r>
-              <a:rPr lang="ja-JP" altLang="en-US" sz="2500"/>
-              <a:t>　</a:t>
-            </a:r>
-            <a:r>
-              <a:rPr lang="en-US" sz="2500"/>
-              <a:t>グループ </a:t>
-            </a:r>
-            <a:r>
-              <a:rPr lang="en-US" altLang="ja-JP" sz="2500">
-                <a:ea typeface="Hiragino Kaku Gothic Pro W3" panose="020B0300000000000000" pitchFamily="34" charset="-128"/>
-              </a:rPr>
-              <a:t>B</a:t>
-            </a:r>
-            <a:r>
-              <a:rPr lang="en-US" altLang="ja-JP" sz="2500"/>
-              <a:t>: LP2 -&gt; DP1</a:t>
-            </a:r>
-          </a:p>
-          <a:p>
-            <a:pPr marL="457200" lvl="1" indent="0">
-              <a:lnSpc>
-                <a:spcPct val="110000"/>
-              </a:lnSpc>
-              <a:buNone/>
-            </a:pPr>
-            <a:r>
-              <a:rPr lang="ja-JP" altLang="en-US" sz="2500"/>
-              <a:t>　</a:t>
-            </a:r>
-            <a:r>
-              <a:rPr lang="en-US" sz="2500"/>
-              <a:t>グループ </a:t>
-            </a:r>
-            <a:r>
-              <a:rPr lang="en-US" altLang="ja-JP" sz="2500">
-                <a:ea typeface="Hiragino Kaku Gothic Pro W3" panose="020B0300000000000000" pitchFamily="34" charset="-128"/>
-              </a:rPr>
-              <a:t>C</a:t>
-            </a:r>
-            <a:r>
-              <a:rPr lang="en-US" altLang="ja-JP" sz="2500"/>
-              <a:t>: LP3 -&gt; DP2</a:t>
-            </a:r>
-          </a:p>
-          <a:p>
-            <a:pPr marL="0" indent="0">
-              <a:lnSpc>
-                <a:spcPct val="100000"/>
-              </a:lnSpc>
-              <a:buNone/>
-            </a:pPr>
-            <a:r>
-              <a:rPr lang="en-JP"/>
-              <a:t>この時の, グループA, B, Cの理想の配置位置関係を考える．</a:t>
-            </a:r>
-          </a:p>
-        </p:txBody>
-      </p:sp>
-    </p:spTree>
-    <p:extLst>
-      <p:ext uri="{BB962C8B-B14F-4D97-AF65-F5344CB8AC3E}">
-        <p14:creationId xmlns:p14="http://schemas.microsoft.com/office/powerpoint/2010/main" val="3722790421"/>
-      </p:ext>
-    </p:extLst>
-  </p:cSld>
-  <p:clrMapOvr>
-    <a:masterClrMapping/>
-  </p:clrMapOvr>
-</p:sld>
-</file>
-
-<file path=ppt/slides/slide17.xml><?xml version="1.0" encoding="utf-8"?>
+<file path=ppt/slides/slide14.xml><?xml version="1.0" encoding="utf-8"?>
 <p:sld xmlns:a="http://schemas.openxmlformats.org/drawingml/2006/main" xmlns:r="http://schemas.openxmlformats.org/officeDocument/2006/relationships" xmlns:p="http://schemas.openxmlformats.org/presentationml/2006/main">
   <p:cSld>
     <p:spTree>
@@ -15318,8 +13421,8 @@
         </p:nvSpPr>
         <p:spPr>
           <a:xfrm>
-            <a:off x="968829" y="4115357"/>
-            <a:ext cx="7033053" cy="2284832"/>
+            <a:off x="1272141" y="4153833"/>
+            <a:ext cx="6598630" cy="2284832"/>
           </a:xfrm>
           <a:noFill/>
           <a:ln>
@@ -15429,7 +13532,7 @@
           <a:p>
             <a:fld id="{A15909B6-B37A-2F40-8E50-BD3B90D17A7A}" type="slidenum">
               <a:rPr lang="en-JP"/>
-              <a:t>17</a:t>
+              <a:t>14</a:t>
             </a:fld>
             <a:endParaRPr lang="en-JP"/>
           </a:p>
@@ -15449,8 +13552,8 @@
         </p:nvSpPr>
         <p:spPr>
           <a:xfrm>
-            <a:off x="7487615" y="1757704"/>
-            <a:ext cx="3901215" cy="882549"/>
+            <a:off x="7359299" y="1899011"/>
+            <a:ext cx="3690668" cy="882549"/>
           </a:xfrm>
           <a:prstGeom prst="rect">
             <a:avLst/>
@@ -15516,8 +13619,8 @@
         </p:nvSpPr>
         <p:spPr>
           <a:xfrm>
-            <a:off x="1179317" y="1226278"/>
-            <a:ext cx="4793115" cy="1838837"/>
+            <a:off x="1272141" y="1166855"/>
+            <a:ext cx="4793115" cy="583108"/>
           </a:xfrm>
           <a:prstGeom prst="rect">
             <a:avLst/>
@@ -15539,69 +13642,6 @@
               <a:t>航路: LP1, LP2, LP3, DP1, DP2, DP3</a:t>
             </a:r>
             <a:endParaRPr lang="en-US" sz="2400"/>
-          </a:p>
-          <a:p>
-            <a:pPr>
-              <a:lnSpc>
-                <a:spcPct val="110000"/>
-              </a:lnSpc>
-            </a:pPr>
-            <a:r>
-              <a:rPr lang="en-US" sz="2400"/>
-              <a:t> グループ </a:t>
-            </a:r>
-            <a:r>
-              <a:rPr lang="en-US" altLang="ja-JP" sz="2400">
-                <a:ea typeface="Hiragino Kaku Gothic Pro W3" panose="020B0300000000000000" pitchFamily="34" charset="-128"/>
-              </a:rPr>
-              <a:t>A:</a:t>
-            </a:r>
-            <a:r>
-              <a:rPr lang="en-US" altLang="ja-JP" sz="2400"/>
-              <a:t> LP1 -&gt; DP3</a:t>
-            </a:r>
-          </a:p>
-          <a:p>
-            <a:pPr>
-              <a:lnSpc>
-                <a:spcPct val="110000"/>
-              </a:lnSpc>
-            </a:pPr>
-            <a:r>
-              <a:rPr lang="en-US" sz="2400"/>
-              <a:t> グループ </a:t>
-            </a:r>
-            <a:r>
-              <a:rPr lang="en-US" altLang="ja-JP" sz="2400">
-                <a:ea typeface="Hiragino Kaku Gothic Pro W3" panose="020B0300000000000000" pitchFamily="34" charset="-128"/>
-              </a:rPr>
-              <a:t>B</a:t>
-            </a:r>
-            <a:r>
-              <a:rPr lang="en-US" altLang="ja-JP" sz="2400"/>
-              <a:t>: LP2 -&gt; DP1</a:t>
-            </a:r>
-          </a:p>
-          <a:p>
-            <a:pPr>
-              <a:lnSpc>
-                <a:spcPct val="110000"/>
-              </a:lnSpc>
-            </a:pPr>
-            <a:r>
-              <a:rPr lang="en-US" sz="2400"/>
-              <a:t> グループ </a:t>
-            </a:r>
-            <a:r>
-              <a:rPr lang="en-US" altLang="ja-JP" sz="2400">
-                <a:ea typeface="Hiragino Kaku Gothic Pro W3" panose="020B0300000000000000" pitchFamily="34" charset="-128"/>
-              </a:rPr>
-              <a:t>C</a:t>
-            </a:r>
-            <a:r>
-              <a:rPr lang="en-US" altLang="ja-JP" sz="2400"/>
-              <a:t>: LP3 -&gt; DP2</a:t>
-            </a:r>
           </a:p>
         </p:txBody>
       </p:sp>
@@ -16342,7 +14382,7 @@
         </p:nvCxnSpPr>
         <p:spPr>
           <a:xfrm>
-            <a:off x="6213764" y="2244164"/>
+            <a:off x="5897889" y="2325765"/>
             <a:ext cx="815102" cy="0"/>
           </a:xfrm>
           <a:prstGeom prst="straightConnector1">
@@ -16370,6 +14410,102 @@
           </a:fontRef>
         </p:style>
       </p:cxnSp>
+      <p:sp>
+        <p:nvSpPr>
+          <p:cNvPr id="6" name="Rectangle 5">
+            <a:extLst>
+              <a:ext uri="{FF2B5EF4-FFF2-40B4-BE49-F238E27FC236}">
+                <a16:creationId xmlns:a16="http://schemas.microsoft.com/office/drawing/2014/main" id="{0154DB57-D7B6-7E41-9045-392B18F5A31B}"/>
+              </a:ext>
+            </a:extLst>
+          </p:cNvPr>
+          <p:cNvSpPr/>
+          <p:nvPr/>
+        </p:nvSpPr>
+        <p:spPr>
+          <a:xfrm>
+            <a:off x="2085817" y="1850609"/>
+            <a:ext cx="3165764" cy="1185453"/>
+          </a:xfrm>
+          <a:prstGeom prst="rect">
+            <a:avLst/>
+          </a:prstGeom>
+          <a:ln>
+            <a:solidFill>
+              <a:schemeClr val="tx1"/>
+            </a:solidFill>
+          </a:ln>
+        </p:spPr>
+        <p:txBody>
+          <a:bodyPr wrap="square">
+            <a:spAutoFit/>
+          </a:bodyPr>
+          <a:lstStyle/>
+          <a:p>
+            <a:pPr>
+              <a:lnSpc>
+                <a:spcPct val="110000"/>
+              </a:lnSpc>
+            </a:pPr>
+            <a:r>
+              <a:rPr lang="en-US" sz="2200"/>
+              <a:t> グループ </a:t>
+            </a:r>
+            <a:r>
+              <a:rPr lang="en-US" altLang="ja-JP" sz="2200">
+                <a:ea typeface="Hiragino Kaku Gothic Pro W3" panose="020B0300000000000000" pitchFamily="34" charset="-128"/>
+              </a:rPr>
+              <a:t>A:</a:t>
+            </a:r>
+            <a:r>
+              <a:rPr lang="en-US" altLang="ja-JP" sz="2200"/>
+              <a:t> LP1 -&gt; DP3</a:t>
+            </a:r>
+          </a:p>
+          <a:p>
+            <a:pPr>
+              <a:lnSpc>
+                <a:spcPct val="110000"/>
+              </a:lnSpc>
+            </a:pPr>
+            <a:r>
+              <a:rPr lang="en-US" sz="2200"/>
+              <a:t> グループ </a:t>
+            </a:r>
+            <a:r>
+              <a:rPr lang="en-US" altLang="ja-JP" sz="2200">
+                <a:ea typeface="Hiragino Kaku Gothic Pro W3" panose="020B0300000000000000" pitchFamily="34" charset="-128"/>
+              </a:rPr>
+              <a:t>B</a:t>
+            </a:r>
+            <a:r>
+              <a:rPr lang="en-US" altLang="ja-JP" sz="2200"/>
+              <a:t>: LP2 -&gt; DP1</a:t>
+            </a:r>
+          </a:p>
+          <a:p>
+            <a:pPr>
+              <a:lnSpc>
+                <a:spcPct val="110000"/>
+              </a:lnSpc>
+            </a:pPr>
+            <a:r>
+              <a:rPr lang="en-US" sz="2200"/>
+              <a:t> グループ </a:t>
+            </a:r>
+            <a:r>
+              <a:rPr lang="en-US" altLang="ja-JP" sz="2200">
+                <a:ea typeface="Hiragino Kaku Gothic Pro W3" panose="020B0300000000000000" pitchFamily="34" charset="-128"/>
+              </a:rPr>
+              <a:t>C</a:t>
+            </a:r>
+            <a:r>
+              <a:rPr lang="en-US" altLang="ja-JP" sz="2200"/>
+              <a:t>: LP3 -&gt; DP2</a:t>
+            </a:r>
+          </a:p>
+        </p:txBody>
+      </p:sp>
     </p:spTree>
     <p:extLst>
       <p:ext uri="{BB962C8B-B14F-4D97-AF65-F5344CB8AC3E}">
@@ -16383,7 +14519,7 @@
 </p:sld>
 </file>
 
-<file path=ppt/slides/slide18.xml><?xml version="1.0" encoding="utf-8"?>
+<file path=ppt/slides/slide15.xml><?xml version="1.0" encoding="utf-8"?>
 <p:sld xmlns:a="http://schemas.openxmlformats.org/drawingml/2006/main" xmlns:r="http://schemas.openxmlformats.org/officeDocument/2006/relationships" xmlns:p="http://schemas.openxmlformats.org/presentationml/2006/main">
   <p:cSld>
     <p:spTree>
@@ -16844,7 +14980,7 @@
           <a:p>
             <a:fld id="{CCF3E294-EB10-834B-8B5B-5C78A6A1F52A}" type="slidenum">
               <a:rPr lang="en-JP"/>
-              <a:t>18</a:t>
+              <a:t>15</a:t>
             </a:fld>
             <a:endParaRPr lang="en-JP"/>
           </a:p>
@@ -18420,7 +16556,7 @@
         </p:nvSpPr>
         <p:spPr>
           <a:xfrm>
-            <a:off x="8754905" y="4550571"/>
+            <a:off x="8754905" y="4589899"/>
             <a:ext cx="321110" cy="526274"/>
           </a:xfrm>
           <a:prstGeom prst="rect">
@@ -18473,13 +16609,13 @@
         </p:nvSpPr>
         <p:spPr>
           <a:xfrm rot="10800000">
-            <a:off x="8430760" y="4186886"/>
-            <a:ext cx="730802" cy="980286"/>
+            <a:off x="8326967" y="4186886"/>
+            <a:ext cx="834595" cy="980286"/>
           </a:xfrm>
           <a:prstGeom prst="corner">
             <a:avLst>
               <a:gd name="adj1" fmla="val 56764"/>
-              <a:gd name="adj2" fmla="val 63845"/>
+              <a:gd name="adj2" fmla="val 62158"/>
             </a:avLst>
           </a:prstGeom>
           <a:noFill/>
@@ -19006,7 +17142,7 @@
 </p:sld>
 </file>
 
-<file path=ppt/slides/slide19.xml><?xml version="1.0" encoding="utf-8"?>
+<file path=ppt/slides/slide16.xml><?xml version="1.0" encoding="utf-8"?>
 <p:sld xmlns:a="http://schemas.openxmlformats.org/drawingml/2006/main" xmlns:r="http://schemas.openxmlformats.org/officeDocument/2006/relationships" xmlns:p="http://schemas.openxmlformats.org/presentationml/2006/main">
   <p:cSld>
     <p:spTree>
@@ -19300,7 +17436,7 @@
           <a:p>
             <a:fld id="{CCF3E294-EB10-834B-8B5B-5C78A6A1F52A}" type="slidenum">
               <a:rPr lang="en-JP"/>
-              <a:t>19</a:t>
+              <a:t>16</a:t>
             </a:fld>
             <a:endParaRPr lang="en-JP"/>
           </a:p>
@@ -20648,183 +18784,7 @@
 </p:sld>
 </file>
 
-<file path=ppt/slides/slide2.xml><?xml version="1.0" encoding="utf-8"?>
-<p:sld xmlns:a="http://schemas.openxmlformats.org/drawingml/2006/main" xmlns:r="http://schemas.openxmlformats.org/officeDocument/2006/relationships" xmlns:p="http://schemas.openxmlformats.org/presentationml/2006/main">
-  <p:cSld>
-    <p:spTree>
-      <p:nvGrpSpPr>
-        <p:cNvPr id="1" name=""/>
-        <p:cNvGrpSpPr/>
-        <p:nvPr/>
-      </p:nvGrpSpPr>
-      <p:grpSpPr>
-        <a:xfrm>
-          <a:off x="0" y="0"/>
-          <a:ext cx="0" cy="0"/>
-          <a:chOff x="0" y="0"/>
-          <a:chExt cx="0" cy="0"/>
-        </a:xfrm>
-      </p:grpSpPr>
-      <p:sp>
-        <p:nvSpPr>
-          <p:cNvPr id="2" name="Title 1">
-            <a:extLst>
-              <a:ext uri="{FF2B5EF4-FFF2-40B4-BE49-F238E27FC236}">
-                <a16:creationId xmlns:a16="http://schemas.microsoft.com/office/drawing/2014/main" id="{A79B9A0E-02AC-444D-88A9-509D987C3339}"/>
-              </a:ext>
-            </a:extLst>
-          </p:cNvPr>
-          <p:cNvSpPr>
-            <a:spLocks noGrp="1"/>
-          </p:cNvSpPr>
-          <p:nvPr>
-            <p:ph type="title"/>
-          </p:nvPr>
-        </p:nvSpPr>
-        <p:spPr/>
-        <p:txBody>
-          <a:bodyPr/>
-          <a:lstStyle/>
-          <a:p>
-            <a:r>
-              <a:rPr lang="en-JP"/>
-              <a:t>目次</a:t>
-            </a:r>
-          </a:p>
-        </p:txBody>
-      </p:sp>
-      <p:sp>
-        <p:nvSpPr>
-          <p:cNvPr id="3" name="Content Placeholder 2">
-            <a:extLst>
-              <a:ext uri="{FF2B5EF4-FFF2-40B4-BE49-F238E27FC236}">
-                <a16:creationId xmlns:a16="http://schemas.microsoft.com/office/drawing/2014/main" id="{B94F1238-896F-F84C-A1A4-BE8D534EB87B}"/>
-              </a:ext>
-            </a:extLst>
-          </p:cNvPr>
-          <p:cNvSpPr>
-            <a:spLocks noGrp="1"/>
-          </p:cNvSpPr>
-          <p:nvPr>
-            <p:ph idx="1"/>
-          </p:nvPr>
-        </p:nvSpPr>
-        <p:spPr/>
-        <p:txBody>
-          <a:bodyPr>
-            <a:normAutofit/>
-          </a:bodyPr>
-          <a:lstStyle/>
-          <a:p>
-            <a:pPr marL="514350" indent="-514350">
-              <a:lnSpc>
-                <a:spcPct val="150000"/>
-              </a:lnSpc>
-              <a:buFont typeface="+mj-lt"/>
-              <a:buAutoNum type="arabicPeriod"/>
-            </a:pPr>
-            <a:r>
-              <a:rPr lang="en-JP"/>
-              <a:t>研究背景</a:t>
-            </a:r>
-          </a:p>
-          <a:p>
-            <a:pPr marL="514350" indent="-514350">
-              <a:lnSpc>
-                <a:spcPct val="150000"/>
-              </a:lnSpc>
-              <a:buFont typeface="+mj-lt"/>
-              <a:buAutoNum type="arabicPeriod"/>
-            </a:pPr>
-            <a:r>
-              <a:rPr lang="en-JP"/>
-              <a:t>問題定義</a:t>
-            </a:r>
-          </a:p>
-          <a:p>
-            <a:pPr marL="514350" indent="-514350">
-              <a:lnSpc>
-                <a:spcPct val="150000"/>
-              </a:lnSpc>
-              <a:buFont typeface="+mj-lt"/>
-              <a:buAutoNum type="arabicPeriod"/>
-            </a:pPr>
-            <a:r>
-              <a:rPr lang="en-JP"/>
-              <a:t>提案手法</a:t>
-            </a:r>
-          </a:p>
-          <a:p>
-            <a:pPr marL="514350" indent="-514350">
-              <a:lnSpc>
-                <a:spcPct val="150000"/>
-              </a:lnSpc>
-              <a:buFont typeface="+mj-lt"/>
-              <a:buAutoNum type="arabicPeriod"/>
-            </a:pPr>
-            <a:r>
-              <a:rPr lang="en-JP"/>
-              <a:t>結果</a:t>
-            </a:r>
-          </a:p>
-          <a:p>
-            <a:pPr marL="514350" indent="-514350">
-              <a:lnSpc>
-                <a:spcPct val="150000"/>
-              </a:lnSpc>
-              <a:buFont typeface="+mj-lt"/>
-              <a:buAutoNum type="arabicPeriod"/>
-            </a:pPr>
-            <a:r>
-              <a:rPr lang="en-JP"/>
-              <a:t>まとめ</a:t>
-            </a:r>
-          </a:p>
-        </p:txBody>
-      </p:sp>
-      <p:sp>
-        <p:nvSpPr>
-          <p:cNvPr id="4" name="Slide Number Placeholder 3">
-            <a:extLst>
-              <a:ext uri="{FF2B5EF4-FFF2-40B4-BE49-F238E27FC236}">
-                <a16:creationId xmlns:a16="http://schemas.microsoft.com/office/drawing/2014/main" id="{0E16DC64-D41E-4048-97FE-E8AA7C3BF29B}"/>
-              </a:ext>
-            </a:extLst>
-          </p:cNvPr>
-          <p:cNvSpPr>
-            <a:spLocks noGrp="1"/>
-          </p:cNvSpPr>
-          <p:nvPr>
-            <p:ph type="sldNum" sz="quarter" idx="12"/>
-          </p:nvPr>
-        </p:nvSpPr>
-        <p:spPr/>
-        <p:txBody>
-          <a:bodyPr/>
-          <a:lstStyle/>
-          <a:p>
-            <a:fld id="{CCF3E294-EB10-834B-8B5B-5C78A6A1F52A}" type="slidenum">
-              <a:rPr lang="en-JP"/>
-              <a:t>2</a:t>
-            </a:fld>
-            <a:endParaRPr lang="en-JP"/>
-          </a:p>
-        </p:txBody>
-      </p:sp>
-    </p:spTree>
-    <p:extLst>
-      <p:ext uri="{BB962C8B-B14F-4D97-AF65-F5344CB8AC3E}">
-        <p14:creationId xmlns:p14="http://schemas.microsoft.com/office/powerpoint/2010/main" val="851379105"/>
-      </p:ext>
-    </p:extLst>
-  </p:cSld>
-  <p:clrMapOvr>
-    <a:masterClrMapping/>
-  </p:clrMapOvr>
-</p:sld>
-</file>
-
-<file path=ppt/slides/slide20.xml><?xml version="1.0" encoding="utf-8"?>
+<file path=ppt/slides/slide17.xml><?xml version="1.0" encoding="utf-8"?>
 <p:sld xmlns:a="http://schemas.openxmlformats.org/drawingml/2006/main" xmlns:r="http://schemas.openxmlformats.org/officeDocument/2006/relationships" xmlns:p="http://schemas.openxmlformats.org/presentationml/2006/main">
   <p:cSld>
     <p:spTree>
@@ -20864,8 +18824,8 @@
           <a:pattFill prst="wdUpDiag">
             <a:fgClr>
               <a:schemeClr val="accent1">
-                <a:lumMod val="20000"/>
-                <a:lumOff val="80000"/>
+                <a:lumMod val="40000"/>
+                <a:lumOff val="60000"/>
               </a:schemeClr>
             </a:fgClr>
             <a:bgClr>
@@ -20962,14 +18922,14 @@
           <a:p>
             <a:fld id="{CCF3E294-EB10-834B-8B5B-5C78A6A1F52A}" type="slidenum">
               <a:rPr lang="en-JP"/>
-              <a:t>20</a:t>
+              <a:t>17</a:t>
             </a:fld>
             <a:endParaRPr lang="en-JP"/>
           </a:p>
         </p:txBody>
       </p:sp>
-      <mc:AlternateContent xmlns:mc="http://schemas.openxmlformats.org/markup-compatibility/2006">
-        <mc:Choice xmlns:a14="http://schemas.microsoft.com/office/drawing/2010/main" Requires="a14">
+      <mc:AlternateContent xmlns:mc="http://schemas.openxmlformats.org/markup-compatibility/2006" xmlns:a14="http://schemas.microsoft.com/office/drawing/2010/main">
+        <mc:Choice Requires="a14">
           <p:sp>
             <p:nvSpPr>
               <p:cNvPr id="18" name="Content Placeholder 4">
@@ -21485,7 +19445,7 @@
             </p:txBody>
           </p:sp>
         </mc:Choice>
-        <mc:Fallback>
+        <mc:Fallback xmlns="">
           <p:sp>
             <p:nvSpPr>
               <p:cNvPr id="18" name="Content Placeholder 4">
@@ -21670,8 +19630,8 @@
           </a:fontRef>
         </p:style>
       </p:cxnSp>
-      <mc:AlternateContent xmlns:mc="http://schemas.openxmlformats.org/markup-compatibility/2006">
-        <mc:Choice xmlns:a14="http://schemas.microsoft.com/office/drawing/2010/main" Requires="a14">
+      <mc:AlternateContent xmlns:mc="http://schemas.openxmlformats.org/markup-compatibility/2006" xmlns:a14="http://schemas.microsoft.com/office/drawing/2010/main">
+        <mc:Choice Requires="a14">
           <p:sp>
             <p:nvSpPr>
               <p:cNvPr id="40" name="TextBox 39">
@@ -21719,7 +19679,7 @@
             </p:txBody>
           </p:sp>
         </mc:Choice>
-        <mc:Fallback>
+        <mc:Fallback xmlns="">
           <p:sp>
             <p:nvSpPr>
               <p:cNvPr id="40" name="TextBox 39">
@@ -21764,8 +19724,8 @@
           </p:sp>
         </mc:Fallback>
       </mc:AlternateContent>
-      <mc:AlternateContent xmlns:mc="http://schemas.openxmlformats.org/markup-compatibility/2006">
-        <mc:Choice xmlns:a14="http://schemas.microsoft.com/office/drawing/2010/main" Requires="a14">
+      <mc:AlternateContent xmlns:mc="http://schemas.openxmlformats.org/markup-compatibility/2006" xmlns:a14="http://schemas.microsoft.com/office/drawing/2010/main">
+        <mc:Choice Requires="a14">
           <p:sp>
             <p:nvSpPr>
               <p:cNvPr id="41" name="TextBox 40">
@@ -21813,7 +19773,7 @@
             </p:txBody>
           </p:sp>
         </mc:Choice>
-        <mc:Fallback>
+        <mc:Fallback xmlns="">
           <p:sp>
             <p:nvSpPr>
               <p:cNvPr id="41" name="TextBox 40">
@@ -21984,8 +19944,8 @@
           </a:fontRef>
         </p:style>
       </p:cxnSp>
-      <mc:AlternateContent xmlns:mc="http://schemas.openxmlformats.org/markup-compatibility/2006">
-        <mc:Choice xmlns:a14="http://schemas.microsoft.com/office/drawing/2010/main" Requires="a14">
+      <mc:AlternateContent xmlns:mc="http://schemas.openxmlformats.org/markup-compatibility/2006" xmlns:a14="http://schemas.microsoft.com/office/drawing/2010/main">
+        <mc:Choice Requires="a14">
           <p:sp>
             <p:nvSpPr>
               <p:cNvPr id="45" name="TextBox 44">
@@ -22033,7 +19993,7 @@
             </p:txBody>
           </p:sp>
         </mc:Choice>
-        <mc:Fallback>
+        <mc:Fallback xmlns="">
           <p:sp>
             <p:nvSpPr>
               <p:cNvPr id="45" name="TextBox 44">
@@ -22078,8 +20038,8 @@
           </p:sp>
         </mc:Fallback>
       </mc:AlternateContent>
-      <mc:AlternateContent xmlns:mc="http://schemas.openxmlformats.org/markup-compatibility/2006">
-        <mc:Choice xmlns:a14="http://schemas.microsoft.com/office/drawing/2010/main" Requires="a14">
+      <mc:AlternateContent xmlns:mc="http://schemas.openxmlformats.org/markup-compatibility/2006" xmlns:a14="http://schemas.microsoft.com/office/drawing/2010/main">
+        <mc:Choice Requires="a14">
           <p:sp>
             <p:nvSpPr>
               <p:cNvPr id="46" name="TextBox 45">
@@ -22127,7 +20087,7 @@
             </p:txBody>
           </p:sp>
         </mc:Choice>
-        <mc:Fallback>
+        <mc:Fallback xmlns="">
           <p:sp>
             <p:nvSpPr>
               <p:cNvPr id="46" name="TextBox 45">
@@ -22468,7 +20428,7 @@
 </p:sld>
 </file>
 
-<file path=ppt/slides/slide21.xml><?xml version="1.0" encoding="utf-8"?>
+<file path=ppt/slides/slide18.xml><?xml version="1.0" encoding="utf-8"?>
 <p:sld xmlns:a="http://schemas.openxmlformats.org/drawingml/2006/main" xmlns:r="http://schemas.openxmlformats.org/officeDocument/2006/relationships" xmlns:p="http://schemas.openxmlformats.org/presentationml/2006/main">
   <p:cSld>
     <p:spTree>
@@ -22630,7 +20590,7 @@
           <a:p>
             <a:fld id="{CCF3E294-EB10-834B-8B5B-5C78A6A1F52A}" type="slidenum">
               <a:rPr lang="en-JP"/>
-              <a:t>21</a:t>
+              <a:t>18</a:t>
             </a:fld>
             <a:endParaRPr lang="en-JP"/>
           </a:p>
@@ -22649,7 +20609,7 @@
 </p:sld>
 </file>
 
-<file path=ppt/slides/slide22.xml><?xml version="1.0" encoding="utf-8"?>
+<file path=ppt/slides/slide19.xml><?xml version="1.0" encoding="utf-8"?>
 <p:sld xmlns:a="http://schemas.openxmlformats.org/drawingml/2006/main" xmlns:r="http://schemas.openxmlformats.org/officeDocument/2006/relationships" xmlns:p="http://schemas.openxmlformats.org/presentationml/2006/main">
   <p:cSld>
     <p:spTree>
@@ -22686,7 +20646,7 @@
             </p:nvSpPr>
             <p:spPr>
               <a:xfrm>
-                <a:off x="703118" y="535648"/>
+                <a:off x="683453" y="535648"/>
                 <a:ext cx="11049000" cy="6185827"/>
               </a:xfrm>
             </p:spPr>
@@ -22773,7 +20733,7 @@
                 </a:pPr>
                 <a:r>
                   <a:rPr lang="en-JP" sz="2600"/>
-                  <a:t>以下の4つの結果を比較した．</a:t>
+                  <a:t>以下の結果を比較した．</a:t>
                 </a:r>
               </a:p>
               <a:p>
@@ -22866,7 +20826,7 @@
                     <m:f>
                       <m:fPr>
                         <m:ctrlPr>
-                          <a:rPr lang="en-US" sz="2600" i="1">
+                          <a:rPr lang="en-US" sz="2400" i="1">
                             <a:solidFill>
                               <a:schemeClr val="tx1"/>
                             </a:solidFill>
@@ -22876,63 +20836,71 @@
                       </m:fPr>
                       <m:num>
                         <m:r>
-                          <a:rPr lang="en-US" sz="2600" b="1" i="1">
-                            <a:solidFill>
-                              <a:schemeClr val="tx1"/>
-                            </a:solidFill>
-                          </a:rPr>
+                          <m:rPr>
+                            <m:nor/>
+                          </m:rPr>
+                          <a:rPr lang="en-JP" sz="2400"/>
                           <m:t>配置した車の総面積</m:t>
                         </m:r>
                       </m:num>
                       <m:den>
-                        <m:r>
-                          <a:rPr lang="en-US" sz="2600" i="1">
-                            <a:solidFill>
-                              <a:schemeClr val="tx1"/>
-                            </a:solidFill>
-                          </a:rPr>
-                          <m:t>デッキ全体</m:t>
-                        </m:r>
-                        <m:r>
-                          <a:rPr lang="en-US" sz="2600" b="0" i="1">
-                            <a:solidFill>
-                              <a:schemeClr val="tx1"/>
-                            </a:solidFill>
-                          </a:rPr>
-                          <m:t> − </m:t>
-                        </m:r>
-                        <m:r>
-                          <a:rPr lang="en-US" sz="2600" i="1">
-                            <a:solidFill>
-                              <a:schemeClr val="tx1"/>
-                            </a:solidFill>
-                          </a:rPr>
-                          <m:t>障害物の総面積</m:t>
-                        </m:r>
-                        <m:r>
-                          <a:rPr lang="en-US" sz="2600" b="0" i="1">
-                            <a:solidFill>
-                              <a:schemeClr val="tx1"/>
-                            </a:solidFill>
-                          </a:rPr>
-                          <m:t> </m:t>
-                        </m:r>
+                        <m:eqArr>
+                          <m:eqArrPr>
+                            <m:ctrlPr>
+                              <a:rPr lang="en-US" sz="2400" i="1">
+                                <a:solidFill>
+                                  <a:schemeClr val="tx1"/>
+                                </a:solidFill>
+                                <a:latin typeface="Cambria Math" panose="02040503050406030204" pitchFamily="18" charset="0"/>
+                              </a:rPr>
+                            </m:ctrlPr>
+                          </m:eqArrPr>
+                          <m:e>
+                            <m:r>
+                              <m:rPr>
+                                <m:nor/>
+                              </m:rPr>
+                              <a:rPr lang="en-JP" sz="2400"/>
+                              <m:t>デッキ全体</m:t>
+                            </m:r>
+                            <m:r>
+                              <a:rPr lang="en-US" sz="2400" i="1">
+                                <a:latin typeface="Cambria Math" panose="02040503050406030204" pitchFamily="18" charset="0"/>
+                              </a:rPr>
+                              <m:t>−</m:t>
+                            </m:r>
+                            <m:r>
+                              <m:rPr>
+                                <m:nor/>
+                              </m:rPr>
+                              <a:rPr lang="en-JP" sz="2400"/>
+                              <m:t>障害物の総面積</m:t>
+                            </m:r>
+                          </m:e>
+                          <m:e>
+                            <m:r>
+                              <a:rPr lang="en-US" sz="2400" b="0" i="1">
+                                <a:solidFill>
+                                  <a:schemeClr val="tx1"/>
+                                </a:solidFill>
+                                <a:latin typeface="Cambria Math" panose="02040503050406030204" pitchFamily="18" charset="0"/>
+                              </a:rPr>
+                              <m:t> </m:t>
+                            </m:r>
+                          </m:e>
+                        </m:eqArr>
                       </m:den>
                     </m:f>
                   </m:oMath>
                 </a14:m>
                 <a:r>
+                  <a:rPr lang="en-JP" sz="2400"/>
+                  <a:t>  </a:t>
+                </a:r>
+                <a:r>
                   <a:rPr lang="en-JP" sz="2600"/>
-                  <a:t>  を用いた</a:t>
+                  <a:t>を用いた</a:t>
                 </a:r>
-              </a:p>
-              <a:p>
-                <a:pPr>
-                  <a:lnSpc>
-                    <a:spcPct val="100000"/>
-                  </a:lnSpc>
-                </a:pPr>
-                <a:endParaRPr lang="en-JP" sz="2400"/>
               </a:p>
             </p:txBody>
           </p:sp>
@@ -22956,13 +20924,13 @@
             </p:nvSpPr>
             <p:spPr>
               <a:xfrm>
-                <a:off x="703118" y="535648"/>
+                <a:off x="683453" y="535648"/>
                 <a:ext cx="11049000" cy="6185827"/>
               </a:xfrm>
               <a:blipFill>
                 <a:blip r:embed="rId2"/>
                 <a:stretch>
-                  <a:fillRect l="-918" t="-1230" r="-459"/>
+                  <a:fillRect l="-917" t="-1230"/>
                 </a:stretch>
               </a:blipFill>
             </p:spPr>
@@ -23004,7 +20972,7 @@
           <a:p>
             <a:fld id="{CCF3E294-EB10-834B-8B5B-5C78A6A1F52A}" type="slidenum">
               <a:rPr lang="en-JP"/>
-              <a:t>22</a:t>
+              <a:t>19</a:t>
             </a:fld>
             <a:endParaRPr lang="en-JP"/>
           </a:p>
@@ -23023,7 +20991,183 @@
 </p:sld>
 </file>
 
-<file path=ppt/slides/slide23.xml><?xml version="1.0" encoding="utf-8"?>
+<file path=ppt/slides/slide2.xml><?xml version="1.0" encoding="utf-8"?>
+<p:sld xmlns:a="http://schemas.openxmlformats.org/drawingml/2006/main" xmlns:r="http://schemas.openxmlformats.org/officeDocument/2006/relationships" xmlns:p="http://schemas.openxmlformats.org/presentationml/2006/main">
+  <p:cSld>
+    <p:spTree>
+      <p:nvGrpSpPr>
+        <p:cNvPr id="1" name=""/>
+        <p:cNvGrpSpPr/>
+        <p:nvPr/>
+      </p:nvGrpSpPr>
+      <p:grpSpPr>
+        <a:xfrm>
+          <a:off x="0" y="0"/>
+          <a:ext cx="0" cy="0"/>
+          <a:chOff x="0" y="0"/>
+          <a:chExt cx="0" cy="0"/>
+        </a:xfrm>
+      </p:grpSpPr>
+      <p:sp>
+        <p:nvSpPr>
+          <p:cNvPr id="2" name="Title 1">
+            <a:extLst>
+              <a:ext uri="{FF2B5EF4-FFF2-40B4-BE49-F238E27FC236}">
+                <a16:creationId xmlns:a16="http://schemas.microsoft.com/office/drawing/2014/main" id="{A79B9A0E-02AC-444D-88A9-509D987C3339}"/>
+              </a:ext>
+            </a:extLst>
+          </p:cNvPr>
+          <p:cNvSpPr>
+            <a:spLocks noGrp="1"/>
+          </p:cNvSpPr>
+          <p:nvPr>
+            <p:ph type="title"/>
+          </p:nvPr>
+        </p:nvSpPr>
+        <p:spPr/>
+        <p:txBody>
+          <a:bodyPr/>
+          <a:lstStyle/>
+          <a:p>
+            <a:r>
+              <a:rPr lang="en-JP"/>
+              <a:t>目次</a:t>
+            </a:r>
+          </a:p>
+        </p:txBody>
+      </p:sp>
+      <p:sp>
+        <p:nvSpPr>
+          <p:cNvPr id="3" name="Content Placeholder 2">
+            <a:extLst>
+              <a:ext uri="{FF2B5EF4-FFF2-40B4-BE49-F238E27FC236}">
+                <a16:creationId xmlns:a16="http://schemas.microsoft.com/office/drawing/2014/main" id="{B94F1238-896F-F84C-A1A4-BE8D534EB87B}"/>
+              </a:ext>
+            </a:extLst>
+          </p:cNvPr>
+          <p:cNvSpPr>
+            <a:spLocks noGrp="1"/>
+          </p:cNvSpPr>
+          <p:nvPr>
+            <p:ph idx="1"/>
+          </p:nvPr>
+        </p:nvSpPr>
+        <p:spPr/>
+        <p:txBody>
+          <a:bodyPr>
+            <a:normAutofit/>
+          </a:bodyPr>
+          <a:lstStyle/>
+          <a:p>
+            <a:pPr marL="514350" indent="-514350">
+              <a:lnSpc>
+                <a:spcPct val="150000"/>
+              </a:lnSpc>
+              <a:buFont typeface="+mj-lt"/>
+              <a:buAutoNum type="arabicPeriod"/>
+            </a:pPr>
+            <a:r>
+              <a:rPr lang="en-JP"/>
+              <a:t>研究背景</a:t>
+            </a:r>
+          </a:p>
+          <a:p>
+            <a:pPr marL="514350" indent="-514350">
+              <a:lnSpc>
+                <a:spcPct val="150000"/>
+              </a:lnSpc>
+              <a:buFont typeface="+mj-lt"/>
+              <a:buAutoNum type="arabicPeriod"/>
+            </a:pPr>
+            <a:r>
+              <a:rPr lang="en-JP"/>
+              <a:t>問題定義</a:t>
+            </a:r>
+          </a:p>
+          <a:p>
+            <a:pPr marL="514350" indent="-514350">
+              <a:lnSpc>
+                <a:spcPct val="150000"/>
+              </a:lnSpc>
+              <a:buFont typeface="+mj-lt"/>
+              <a:buAutoNum type="arabicPeriod"/>
+            </a:pPr>
+            <a:r>
+              <a:rPr lang="en-JP"/>
+              <a:t>提案手法</a:t>
+            </a:r>
+          </a:p>
+          <a:p>
+            <a:pPr marL="514350" indent="-514350">
+              <a:lnSpc>
+                <a:spcPct val="150000"/>
+              </a:lnSpc>
+              <a:buFont typeface="+mj-lt"/>
+              <a:buAutoNum type="arabicPeriod"/>
+            </a:pPr>
+            <a:r>
+              <a:rPr lang="en-JP"/>
+              <a:t>結果</a:t>
+            </a:r>
+          </a:p>
+          <a:p>
+            <a:pPr marL="514350" indent="-514350">
+              <a:lnSpc>
+                <a:spcPct val="150000"/>
+              </a:lnSpc>
+              <a:buFont typeface="+mj-lt"/>
+              <a:buAutoNum type="arabicPeriod"/>
+            </a:pPr>
+            <a:r>
+              <a:rPr lang="en-JP"/>
+              <a:t>まとめ</a:t>
+            </a:r>
+          </a:p>
+        </p:txBody>
+      </p:sp>
+      <p:sp>
+        <p:nvSpPr>
+          <p:cNvPr id="4" name="Slide Number Placeholder 3">
+            <a:extLst>
+              <a:ext uri="{FF2B5EF4-FFF2-40B4-BE49-F238E27FC236}">
+                <a16:creationId xmlns:a16="http://schemas.microsoft.com/office/drawing/2014/main" id="{0E16DC64-D41E-4048-97FE-E8AA7C3BF29B}"/>
+              </a:ext>
+            </a:extLst>
+          </p:cNvPr>
+          <p:cNvSpPr>
+            <a:spLocks noGrp="1"/>
+          </p:cNvSpPr>
+          <p:nvPr>
+            <p:ph type="sldNum" sz="quarter" idx="12"/>
+          </p:nvPr>
+        </p:nvSpPr>
+        <p:spPr/>
+        <p:txBody>
+          <a:bodyPr/>
+          <a:lstStyle/>
+          <a:p>
+            <a:fld id="{CCF3E294-EB10-834B-8B5B-5C78A6A1F52A}" type="slidenum">
+              <a:rPr lang="en-JP"/>
+              <a:t>2</a:t>
+            </a:fld>
+            <a:endParaRPr lang="en-JP"/>
+          </a:p>
+        </p:txBody>
+      </p:sp>
+    </p:spTree>
+    <p:extLst>
+      <p:ext uri="{BB962C8B-B14F-4D97-AF65-F5344CB8AC3E}">
+        <p14:creationId xmlns:p14="http://schemas.microsoft.com/office/powerpoint/2010/main" val="851379105"/>
+      </p:ext>
+    </p:extLst>
+  </p:cSld>
+  <p:clrMapOvr>
+    <a:masterClrMapping/>
+  </p:clrMapOvr>
+</p:sld>
+</file>
+
+<file path=ppt/slides/slide20.xml><?xml version="1.0" encoding="utf-8"?>
 <p:sld xmlns:a="http://schemas.openxmlformats.org/drawingml/2006/main" xmlns:r="http://schemas.openxmlformats.org/officeDocument/2006/relationships" xmlns:p="http://schemas.openxmlformats.org/presentationml/2006/main">
   <p:cSld>
     <p:spTree>
@@ -23096,7 +21240,7 @@
           <a:p>
             <a:fld id="{CCF3E294-EB10-834B-8B5B-5C78A6A1F52A}" type="slidenum">
               <a:rPr lang="en-JP"/>
-              <a:t>23</a:t>
+              <a:t>20</a:t>
             </a:fld>
             <a:endParaRPr lang="en-JP"/>
           </a:p>
@@ -26743,7 +24887,7 @@
         </p:nvSpPr>
         <p:spPr>
           <a:xfrm>
-            <a:off x="685892" y="6144782"/>
+            <a:off x="811727" y="5960116"/>
             <a:ext cx="4475905" cy="369332"/>
           </a:xfrm>
           <a:prstGeom prst="rect">
@@ -26760,6 +24904,49 @@
             <a:r>
               <a:rPr lang="en-JP"/>
               <a:t>問題例: ブッキングid - デッキ番号 – 台数</a:t>
+            </a:r>
+          </a:p>
+        </p:txBody>
+      </p:sp>
+      <p:sp>
+        <p:nvSpPr>
+          <p:cNvPr id="5" name="TextBox 4">
+            <a:extLst>
+              <a:ext uri="{FF2B5EF4-FFF2-40B4-BE49-F238E27FC236}">
+                <a16:creationId xmlns:a16="http://schemas.microsoft.com/office/drawing/2014/main" id="{6AB26817-7B07-8947-9034-E5FB37A872CE}"/>
+              </a:ext>
+            </a:extLst>
+          </p:cNvPr>
+          <p:cNvSpPr txBox="1"/>
+          <p:nvPr/>
+        </p:nvSpPr>
+        <p:spPr>
+          <a:xfrm>
+            <a:off x="801895" y="6329448"/>
+            <a:ext cx="4224233" cy="369332"/>
+          </a:xfrm>
+          <a:prstGeom prst="rect">
+            <a:avLst/>
+          </a:prstGeom>
+          <a:noFill/>
+        </p:spPr>
+        <p:txBody>
+          <a:bodyPr wrap="none" rtlCol="0">
+            <a:spAutoFit/>
+          </a:bodyPr>
+          <a:lstStyle/>
+          <a:p>
+            <a:r>
+              <a:rPr lang="en-JP">
+                <a:solidFill>
+                  <a:srgbClr val="FF0000"/>
+                </a:solidFill>
+              </a:rPr>
+              <a:t>赤文字</a:t>
+            </a:r>
+            <a:r>
+              <a:rPr lang="en-JP"/>
+              <a:t>: 局所探索によって改善された例</a:t>
             </a:r>
           </a:p>
         </p:txBody>
@@ -26777,7 +24964,7 @@
 </p:sld>
 </file>
 
-<file path=ppt/slides/slide24.xml><?xml version="1.0" encoding="utf-8"?>
+<file path=ppt/slides/slide21.xml><?xml version="1.0" encoding="utf-8"?>
 <p:sld xmlns:a="http://schemas.openxmlformats.org/drawingml/2006/main" xmlns:r="http://schemas.openxmlformats.org/officeDocument/2006/relationships" xmlns:p="http://schemas.openxmlformats.org/presentationml/2006/main">
   <p:cSld>
     <p:spTree>
@@ -26845,7 +25032,7 @@
           <a:p>
             <a:fld id="{CCF3E294-EB10-834B-8B5B-5C78A6A1F52A}" type="slidenum">
               <a:rPr lang="en-JP"/>
-              <a:t>24</a:t>
+              <a:t>21</a:t>
             </a:fld>
             <a:endParaRPr lang="en-JP"/>
           </a:p>
@@ -27111,7 +25298,7 @@
 </p:sld>
 </file>
 
-<file path=ppt/slides/slide25.xml><?xml version="1.0" encoding="utf-8"?>
+<file path=ppt/slides/slide22.xml><?xml version="1.0" encoding="utf-8"?>
 <p:sld xmlns:a="http://schemas.openxmlformats.org/drawingml/2006/main" xmlns:r="http://schemas.openxmlformats.org/officeDocument/2006/relationships" xmlns:p="http://schemas.openxmlformats.org/presentationml/2006/main">
   <p:cSld>
     <p:spTree>
@@ -27273,7 +25460,7 @@
           <a:p>
             <a:fld id="{CCF3E294-EB10-834B-8B5B-5C78A6A1F52A}" type="slidenum">
               <a:rPr lang="en-JP"/>
-              <a:t>25</a:t>
+              <a:t>22</a:t>
             </a:fld>
             <a:endParaRPr lang="en-JP"/>
           </a:p>
@@ -27292,7 +25479,7 @@
 </p:sld>
 </file>
 
-<file path=ppt/slides/slide26.xml><?xml version="1.0" encoding="utf-8"?>
+<file path=ppt/slides/slide23.xml><?xml version="1.0" encoding="utf-8"?>
 <p:sld xmlns:a="http://schemas.openxmlformats.org/drawingml/2006/main" xmlns:r="http://schemas.openxmlformats.org/officeDocument/2006/relationships" xmlns:p="http://schemas.openxmlformats.org/presentationml/2006/main">
   <p:cSld>
     <p:spTree>
@@ -27360,8 +25547,8 @@
         </p:nvSpPr>
         <p:spPr>
           <a:xfrm>
-            <a:off x="838200" y="1334973"/>
-            <a:ext cx="10393218" cy="5021377"/>
+            <a:off x="838200" y="1634067"/>
+            <a:ext cx="10393218" cy="4722283"/>
           </a:xfrm>
         </p:spPr>
         <p:txBody>
@@ -27372,7 +25559,7 @@
           <a:p>
             <a:pPr marL="0" indent="0">
               <a:lnSpc>
-                <a:spcPct val="150000"/>
+                <a:spcPct val="100000"/>
               </a:lnSpc>
               <a:buNone/>
             </a:pPr>
@@ -27389,7 +25576,7 @@
             </a:pPr>
             <a:r>
               <a:rPr lang="en-JP"/>
-              <a:t>車両配置計画問題に対して2段階の構築法と局所探索法を提案した．</a:t>
+              <a:t>2段階の構築法を用いることで, 車両の搬入搬出経路の確保と駐車時の局所的スペース確保を実現した．</a:t>
             </a:r>
           </a:p>
           <a:p>
@@ -27400,7 +25587,7 @@
             </a:pPr>
             <a:r>
               <a:rPr lang="en-JP"/>
-              <a:t>sequence-pairを用いた可変形状長方形のパッキングと，2パターンの構築法で搬入搬出経路と駐車時の局所的スペースを確保した．</a:t>
+              <a:t>2パターンの構築法を提案し, 充填率や配置図の良し悪しを比較した．</a:t>
             </a:r>
           </a:p>
           <a:p>
@@ -27411,7 +25598,7 @@
             </a:pPr>
             <a:r>
               <a:rPr lang="en-JP"/>
-              <a:t>局所探索を用いた結果，多くの問題例で初期構築では積み込めなかった車をさらに詰め込むことができた．</a:t>
+              <a:t>簡単な局所探索を用いた結果, 多くの問題例で初期構築よりも多くの車を積み込むことができた．</a:t>
             </a:r>
           </a:p>
           <a:p>
@@ -27481,7 +25668,7 @@
           <a:p>
             <a:fld id="{CCF3E294-EB10-834B-8B5B-5C78A6A1F52A}" type="slidenum">
               <a:rPr lang="en-JP"/>
-              <a:t>26</a:t>
+              <a:t>23</a:t>
             </a:fld>
             <a:endParaRPr lang="en-JP"/>
           </a:p>
@@ -29693,8 +27880,8 @@
           </a:p>
         </p:txBody>
       </p:sp>
-      <mc:AlternateContent xmlns:mc="http://schemas.openxmlformats.org/markup-compatibility/2006">
-        <mc:Choice xmlns:a14="http://schemas.microsoft.com/office/drawing/2010/main" Requires="a14">
+      <mc:AlternateContent xmlns:mc="http://schemas.openxmlformats.org/markup-compatibility/2006" xmlns:a14="http://schemas.microsoft.com/office/drawing/2010/main">
+        <mc:Choice Requires="a14">
           <p:sp>
             <p:nvSpPr>
               <p:cNvPr id="7" name="TextBox 6">
@@ -29777,7 +27964,7 @@
             </p:txBody>
           </p:sp>
         </mc:Choice>
-        <mc:Fallback>
+        <mc:Fallback xmlns="">
           <p:sp>
             <p:nvSpPr>
               <p:cNvPr id="7" name="TextBox 6">
@@ -30892,7 +29079,7 @@
                 </a:pPr>
                 <a:r>
                   <a:rPr lang="en-JP" sz="2400"/>
-                  <a:t>例.  </a:t>
+                  <a:t> 与えられた </a:t>
                 </a:r>
                 <a14:m>
                   <m:oMath xmlns:m="http://schemas.openxmlformats.org/officeDocument/2006/math">
@@ -30906,7 +29093,7 @@
                 </a14:m>
                 <a:r>
                   <a:rPr lang="en-JP" sz="2400"/>
-                  <a:t> 個の長方形を母材に詰め込む</a:t>
+                  <a:t> 個の長方形を母材に詰め込む問題．</a:t>
                 </a:r>
               </a:p>
             </p:txBody>
@@ -30938,7 +29125,7 @@
               <a:blipFill>
                 <a:blip r:embed="rId4"/>
                 <a:stretch>
-                  <a:fillRect l="-940" t="-6098" b="-9756"/>
+                  <a:fillRect l="-940" t="-6098" b="-7317"/>
                 </a:stretch>
               </a:blipFill>
               <a:ln>

--- a/卒論発表用スライド.pptx
+++ b/卒論発表用スライド.pptx
@@ -11700,7 +11700,7 @@
                 </a:pPr>
                 <a:r>
                   <a:rPr lang="en-JP" sz="2400"/>
-                  <a:t>各グループを形状可変の長方形とする．</a:t>
+                  <a:t>グループを形状可変の長方形とする．</a:t>
                 </a:r>
               </a:p>
               <a:p>
@@ -11740,7 +11740,7 @@
                 <a:endParaRPr lang="en-JP" sz="2400"/>
               </a:p>
               <a:p>
-                <a:pPr marL="0" indent="0">
+                <a:pPr marL="0" indent="0" algn="ctr">
                   <a:lnSpc>
                     <a:spcPct val="110000"/>
                   </a:lnSpc>
@@ -11749,16 +11749,12 @@
                 <a:endParaRPr lang="en-JP" sz="2400"/>
               </a:p>
               <a:p>
-                <a:pPr marL="0" indent="0">
+                <a:pPr marL="0" indent="0" algn="ctr">
                   <a:lnSpc>
                     <a:spcPct val="110000"/>
                   </a:lnSpc>
                   <a:buNone/>
                 </a:pPr>
-                <a:r>
-                  <a:rPr lang="en-US" sz="2400"/>
-                  <a:t> </a:t>
-                </a:r>
                 <a:r>
                   <a:rPr lang="en-JP" sz="2400"/>
                   <a:t>(グループ</a:t>
@@ -11779,7 +11775,7 @@
                 </a:r>
               </a:p>
               <a:p>
-                <a:pPr marL="0" indent="0">
+                <a:pPr marL="0" indent="0" algn="ctr">
                   <a:lnSpc>
                     <a:spcPct val="110000"/>
                   </a:lnSpc>
@@ -12309,7 +12305,7 @@
         <p:spPr>
           <a:xfrm>
             <a:off x="8326967" y="1231894"/>
-            <a:ext cx="3310466" cy="5044215"/>
+            <a:ext cx="3310466" cy="5124456"/>
           </a:xfrm>
           <a:prstGeom prst="rect">
             <a:avLst/>
@@ -12575,7 +12571,7 @@
         </p:blipFill>
         <p:spPr>
           <a:xfrm>
-            <a:off x="8724817" y="3054989"/>
+            <a:off x="8724817" y="2863906"/>
             <a:ext cx="2514766" cy="3129097"/>
           </a:xfrm>
           <a:prstGeom prst="rect">
@@ -12597,7 +12593,7 @@
         </p:nvSpPr>
         <p:spPr>
           <a:xfrm>
-            <a:off x="1277529" y="2834410"/>
+            <a:off x="1366019" y="2834410"/>
             <a:ext cx="270164" cy="529936"/>
           </a:xfrm>
           <a:prstGeom prst="rect">
@@ -12649,7 +12645,7 @@
         </p:nvSpPr>
         <p:spPr>
           <a:xfrm>
-            <a:off x="1773594" y="2834410"/>
+            <a:off x="1862084" y="2834410"/>
             <a:ext cx="270164" cy="529936"/>
           </a:xfrm>
           <a:prstGeom prst="rect">
@@ -12687,8 +12683,8 @@
           </a:p>
         </p:txBody>
       </p:sp>
-      <mc:AlternateContent xmlns:mc="http://schemas.openxmlformats.org/markup-compatibility/2006" xmlns:a14="http://schemas.microsoft.com/office/drawing/2010/main">
-        <mc:Choice Requires="a14">
+      <mc:AlternateContent xmlns:mc="http://schemas.openxmlformats.org/markup-compatibility/2006">
+        <mc:Choice xmlns:a14="http://schemas.microsoft.com/office/drawing/2010/main" Requires="a14">
           <p:sp>
             <p:nvSpPr>
               <p:cNvPr id="11" name="Rectangle 10">
@@ -12703,7 +12699,7 @@
             </p:nvSpPr>
             <p:spPr>
               <a:xfrm>
-                <a:off x="2238487" y="2834410"/>
+                <a:off x="2326977" y="2834410"/>
                 <a:ext cx="270164" cy="529936"/>
               </a:xfrm>
               <a:prstGeom prst="rect">
@@ -12757,7 +12753,7 @@
             </p:txBody>
           </p:sp>
         </mc:Choice>
-        <mc:Fallback xmlns="">
+        <mc:Fallback>
           <p:sp>
             <p:nvSpPr>
               <p:cNvPr id="11" name="Rectangle 10">
@@ -12774,7 +12770,7 @@
             </p:nvSpPr>
             <p:spPr>
               <a:xfrm>
-                <a:off x="2238487" y="2834410"/>
+                <a:off x="2326977" y="2834410"/>
                 <a:ext cx="270164" cy="529936"/>
               </a:xfrm>
               <a:prstGeom prst="rect">
@@ -12819,8 +12815,8 @@
         </p:nvSpPr>
         <p:spPr>
           <a:xfrm>
-            <a:off x="2698752" y="2834410"/>
-            <a:ext cx="415498" cy="369332"/>
+            <a:off x="2816096" y="2834410"/>
+            <a:ext cx="357790" cy="369332"/>
           </a:xfrm>
           <a:prstGeom prst="rect">
             <a:avLst/>
@@ -12836,7 +12832,7 @@
             <a:pPr algn="ctr"/>
             <a:r>
               <a:rPr lang="en-JP"/>
-              <a:t>....</a:t>
+              <a:t>...</a:t>
             </a:r>
           </a:p>
         </p:txBody>
@@ -13373,6 +13369,41 @@
           </a:p>
         </p:txBody>
       </p:sp>
+      <p:sp>
+        <p:nvSpPr>
+          <p:cNvPr id="2" name="TextBox 1">
+            <a:extLst>
+              <a:ext uri="{FF2B5EF4-FFF2-40B4-BE49-F238E27FC236}">
+                <a16:creationId xmlns:a16="http://schemas.microsoft.com/office/drawing/2014/main" id="{3C23B5FA-EB16-584C-9810-39099C36D56D}"/>
+              </a:ext>
+            </a:extLst>
+          </p:cNvPr>
+          <p:cNvSpPr txBox="1"/>
+          <p:nvPr/>
+        </p:nvSpPr>
+        <p:spPr>
+          <a:xfrm>
+            <a:off x="8863945" y="5976792"/>
+            <a:ext cx="2236510" cy="338554"/>
+          </a:xfrm>
+          <a:prstGeom prst="rect">
+            <a:avLst/>
+          </a:prstGeom>
+          <a:noFill/>
+        </p:spPr>
+        <p:txBody>
+          <a:bodyPr wrap="none" rtlCol="0">
+            <a:spAutoFit/>
+          </a:bodyPr>
+          <a:lstStyle/>
+          <a:p>
+            <a:r>
+              <a:rPr lang="en-JP" sz="1600"/>
+              <a:t>第一段階の出力図の例</a:t>
+            </a:r>
+          </a:p>
+        </p:txBody>
+      </p:sp>
     </p:spTree>
     <p:extLst>
       <p:ext uri="{BB962C8B-B14F-4D97-AF65-F5344CB8AC3E}">
@@ -14729,7 +14760,7 @@
         <p:spPr>
           <a:xfrm>
             <a:off x="677017" y="1283433"/>
-            <a:ext cx="3503179" cy="5072916"/>
+            <a:ext cx="3503179" cy="5056761"/>
           </a:xfrm>
           <a:ln w="31750">
             <a:solidFill>
@@ -14835,7 +14866,7 @@
             </a:pPr>
             <a:r>
               <a:rPr lang="en-JP" sz="2200"/>
-              <a:t>2. 乗り降りの隙間</a:t>
+              <a:t>2. 乗り降りの為の隙間</a:t>
             </a:r>
           </a:p>
           <a:p>
@@ -17125,6 +17156,41 @@
             <a:r>
               <a:rPr lang="en-JP"/>
               <a:t>車</a:t>
+            </a:r>
+          </a:p>
+        </p:txBody>
+      </p:sp>
+      <p:sp>
+        <p:nvSpPr>
+          <p:cNvPr id="2" name="TextBox 1">
+            <a:extLst>
+              <a:ext uri="{FF2B5EF4-FFF2-40B4-BE49-F238E27FC236}">
+                <a16:creationId xmlns:a16="http://schemas.microsoft.com/office/drawing/2014/main" id="{933CE87E-44ED-0E4B-88D9-EDCAFDB2206E}"/>
+              </a:ext>
+            </a:extLst>
+          </p:cNvPr>
+          <p:cNvSpPr txBox="1"/>
+          <p:nvPr/>
+        </p:nvSpPr>
+        <p:spPr>
+          <a:xfrm>
+            <a:off x="611251" y="6410518"/>
+            <a:ext cx="5378395" cy="369332"/>
+          </a:xfrm>
+          <a:prstGeom prst="rect">
+            <a:avLst/>
+          </a:prstGeom>
+          <a:noFill/>
+        </p:spPr>
+        <p:txBody>
+          <a:bodyPr wrap="none" rtlCol="0">
+            <a:spAutoFit/>
+          </a:bodyPr>
+          <a:lstStyle/>
+          <a:p>
+            <a:r>
+              <a:rPr lang="en-JP"/>
+              <a:t>レクトリニア図形: 長方形をいくつか合わせた図形</a:t>
             </a:r>
           </a:p>
         </p:txBody>

--- a/卒論発表用スライド.pptx
+++ b/卒論発表用スライド.pptx
@@ -24,7 +24,7 @@
     <p:sldId id="321" r:id="rId15"/>
     <p:sldId id="339" r:id="rId16"/>
     <p:sldId id="340" r:id="rId17"/>
-    <p:sldId id="310" r:id="rId18"/>
+    <p:sldId id="347" r:id="rId18"/>
     <p:sldId id="303" r:id="rId19"/>
     <p:sldId id="313" r:id="rId20"/>
     <p:sldId id="335" r:id="rId21"/>
@@ -5865,7 +5865,7 @@
           </a:lstStyle>
           <a:p>
             <a:fld id="{DC46D70C-E1AB-F649-A5EB-7FF6C4514330}" type="datetimeFigureOut">
-              <a:t>2022/02/06</a:t>
+              <a:t>2022/02/07</a:t>
             </a:fld>
             <a:endParaRPr lang="en-JP"/>
           </a:p>
@@ -6783,7 +6783,7 @@
           <a:lstStyle/>
           <a:p>
             <a:fld id="{47F26CC1-AB1F-3144-AC16-7DF58009131B}" type="datetime1">
-              <a:t>2022/02/06</a:t>
+              <a:t>2022/02/07</a:t>
             </a:fld>
             <a:endParaRPr lang="en-JP"/>
           </a:p>
@@ -6981,7 +6981,7 @@
           <a:lstStyle/>
           <a:p>
             <a:fld id="{7DCB5E5F-4609-754C-8734-13076BCBB735}" type="datetime1">
-              <a:t>2022/02/06</a:t>
+              <a:t>2022/02/07</a:t>
             </a:fld>
             <a:endParaRPr lang="en-JP"/>
           </a:p>
@@ -7189,7 +7189,7 @@
           <a:lstStyle/>
           <a:p>
             <a:fld id="{BFEF9520-753F-A140-BDEC-D74036CF0A6B}" type="datetime1">
-              <a:t>2022/02/06</a:t>
+              <a:t>2022/02/07</a:t>
             </a:fld>
             <a:endParaRPr lang="en-JP"/>
           </a:p>
@@ -7387,7 +7387,7 @@
           <a:lstStyle/>
           <a:p>
             <a:fld id="{2DBCED21-5878-0D41-9B3C-A91C68BEFEFB}" type="datetime1">
-              <a:t>2022/02/06</a:t>
+              <a:t>2022/02/07</a:t>
             </a:fld>
             <a:endParaRPr lang="en-JP"/>
           </a:p>
@@ -7661,7 +7661,7 @@
           <a:lstStyle/>
           <a:p>
             <a:fld id="{BD838ADF-2947-6146-AE30-B6A8DA72C1BB}" type="datetime1">
-              <a:t>2022/02/06</a:t>
+              <a:t>2022/02/07</a:t>
             </a:fld>
             <a:endParaRPr lang="en-JP"/>
           </a:p>
@@ -7927,7 +7927,7 @@
           <a:lstStyle/>
           <a:p>
             <a:fld id="{62F97889-9C76-904D-951D-64F726832B79}" type="datetime1">
-              <a:t>2022/02/06</a:t>
+              <a:t>2022/02/07</a:t>
             </a:fld>
             <a:endParaRPr lang="en-JP"/>
           </a:p>
@@ -8340,7 +8340,7 @@
           <a:lstStyle/>
           <a:p>
             <a:fld id="{D0C03FEA-BDC6-5E4F-A201-8FCCC138880A}" type="datetime1">
-              <a:t>2022/02/06</a:t>
+              <a:t>2022/02/07</a:t>
             </a:fld>
             <a:endParaRPr lang="en-JP"/>
           </a:p>
@@ -8480,7 +8480,7 @@
           <a:lstStyle/>
           <a:p>
             <a:fld id="{D463E22F-FD00-674E-BD8B-358BE0A7701D}" type="datetime1">
-              <a:t>2022/02/06</a:t>
+              <a:t>2022/02/07</a:t>
             </a:fld>
             <a:endParaRPr lang="en-JP"/>
           </a:p>
@@ -8591,7 +8591,7 @@
           <a:lstStyle/>
           <a:p>
             <a:fld id="{89F7109D-8B5A-8B4C-B8BB-A40E8F3A4208}" type="datetime1">
-              <a:t>2022/02/06</a:t>
+              <a:t>2022/02/07</a:t>
             </a:fld>
             <a:endParaRPr lang="en-JP"/>
           </a:p>
@@ -8902,7 +8902,7 @@
           <a:lstStyle/>
           <a:p>
             <a:fld id="{D88D3D59-81AE-4D4C-9C93-1EB20AAA0AB4}" type="datetime1">
-              <a:t>2022/02/06</a:t>
+              <a:t>2022/02/07</a:t>
             </a:fld>
             <a:endParaRPr lang="en-JP"/>
           </a:p>
@@ -9189,7 +9189,7 @@
           <a:lstStyle/>
           <a:p>
             <a:fld id="{75BF3152-2185-034D-B7F8-F43C27B2FB79}" type="datetime1">
-              <a:t>2022/02/06</a:t>
+              <a:t>2022/02/07</a:t>
             </a:fld>
             <a:endParaRPr lang="en-JP"/>
           </a:p>
@@ -9430,7 +9430,7 @@
           </a:lstStyle>
           <a:p>
             <a:fld id="{E3B7C1C4-7B90-5C40-8E47-F2DEB92489D3}" type="datetime1">
-              <a:t>2022/02/06</a:t>
+              <a:t>2022/02/07</a:t>
             </a:fld>
             <a:endParaRPr lang="en-JP"/>
           </a:p>
@@ -11642,8 +11642,8 @@
           <a:chExt cx="0" cy="0"/>
         </a:xfrm>
       </p:grpSpPr>
-      <mc:AlternateContent xmlns:mc="http://schemas.openxmlformats.org/markup-compatibility/2006">
-        <mc:Choice xmlns:a14="http://schemas.microsoft.com/office/drawing/2010/main" Requires="a14">
+      <mc:AlternateContent xmlns:mc="http://schemas.openxmlformats.org/markup-compatibility/2006" xmlns:a14="http://schemas.microsoft.com/office/drawing/2010/main">
+        <mc:Choice Requires="a14">
           <p:sp>
             <p:nvSpPr>
               <p:cNvPr id="3" name="Content Placeholder 2">
@@ -11826,7 +11826,7 @@
             </p:txBody>
           </p:sp>
         </mc:Choice>
-        <mc:Fallback>
+        <mc:Fallback xmlns="">
           <p:sp>
             <p:nvSpPr>
               <p:cNvPr id="3" name="Content Placeholder 2">
@@ -11907,8 +11907,8 @@
           </a:p>
         </p:txBody>
       </p:sp>
-      <mc:AlternateContent xmlns:mc="http://schemas.openxmlformats.org/markup-compatibility/2006">
-        <mc:Choice xmlns:a14="http://schemas.microsoft.com/office/drawing/2010/main" Requires="a14">
+      <mc:AlternateContent xmlns:mc="http://schemas.openxmlformats.org/markup-compatibility/2006" xmlns:a14="http://schemas.microsoft.com/office/drawing/2010/main">
+        <mc:Choice Requires="a14">
           <p:sp>
             <p:nvSpPr>
               <p:cNvPr id="5" name="Content Placeholder 2">
@@ -12235,7 +12235,7 @@
             </p:txBody>
           </p:sp>
         </mc:Choice>
-        <mc:Fallback>
+        <mc:Fallback xmlns="">
           <p:sp>
             <p:nvSpPr>
               <p:cNvPr id="5" name="Content Placeholder 2">
@@ -12683,8 +12683,8 @@
           </a:p>
         </p:txBody>
       </p:sp>
-      <mc:AlternateContent xmlns:mc="http://schemas.openxmlformats.org/markup-compatibility/2006">
-        <mc:Choice xmlns:a14="http://schemas.microsoft.com/office/drawing/2010/main" Requires="a14">
+      <mc:AlternateContent xmlns:mc="http://schemas.openxmlformats.org/markup-compatibility/2006" xmlns:a14="http://schemas.microsoft.com/office/drawing/2010/main">
+        <mc:Choice Requires="a14">
           <p:sp>
             <p:nvSpPr>
               <p:cNvPr id="11" name="Rectangle 10">
@@ -12753,7 +12753,7 @@
             </p:txBody>
           </p:sp>
         </mc:Choice>
-        <mc:Fallback>
+        <mc:Fallback xmlns="">
           <p:sp>
             <p:nvSpPr>
               <p:cNvPr id="11" name="Rectangle 10">
@@ -18869,10 +18869,10 @@
       </p:grpSpPr>
       <p:sp>
         <p:nvSpPr>
-          <p:cNvPr id="6" name="Rectangle 5">
+          <p:cNvPr id="21" name="Rectangle 20">
             <a:extLst>
               <a:ext uri="{FF2B5EF4-FFF2-40B4-BE49-F238E27FC236}">
-                <a16:creationId xmlns:a16="http://schemas.microsoft.com/office/drawing/2014/main" id="{592FE31F-4F3E-F44C-BF51-998B93B0B1E4}"/>
+                <a16:creationId xmlns:a16="http://schemas.microsoft.com/office/drawing/2014/main" id="{A8B83D94-E16A-B649-AC30-DC4054004B24}"/>
               </a:ext>
             </a:extLst>
           </p:cNvPr>
@@ -18881,8 +18881,8 @@
         </p:nvSpPr>
         <p:spPr>
           <a:xfrm>
-            <a:off x="9319542" y="5270332"/>
-            <a:ext cx="2034258" cy="265058"/>
+            <a:off x="7187014" y="4734369"/>
+            <a:ext cx="1871526" cy="1065553"/>
           </a:xfrm>
           <a:prstGeom prst="rect">
             <a:avLst/>
@@ -18890,14 +18890,197 @@
           <a:pattFill prst="wdUpDiag">
             <a:fgClr>
               <a:schemeClr val="accent1">
-                <a:lumMod val="40000"/>
-                <a:lumOff val="60000"/>
+                <a:lumMod val="20000"/>
+                <a:lumOff val="80000"/>
               </a:schemeClr>
             </a:fgClr>
             <a:bgClr>
               <a:schemeClr val="bg1"/>
             </a:bgClr>
           </a:pattFill>
+          <a:ln>
+            <a:noFill/>
+          </a:ln>
+        </p:spPr>
+        <p:style>
+          <a:lnRef idx="2">
+            <a:schemeClr val="accent1">
+              <a:shade val="50000"/>
+            </a:schemeClr>
+          </a:lnRef>
+          <a:fillRef idx="1">
+            <a:schemeClr val="accent1"/>
+          </a:fillRef>
+          <a:effectRef idx="0">
+            <a:schemeClr val="accent1"/>
+          </a:effectRef>
+          <a:fontRef idx="minor">
+            <a:schemeClr val="lt1"/>
+          </a:fontRef>
+        </p:style>
+        <p:txBody>
+          <a:bodyPr rtlCol="0" anchor="ctr"/>
+          <a:lstStyle/>
+          <a:p>
+            <a:pPr algn="ctr"/>
+            <a:endParaRPr lang="en-JP"/>
+          </a:p>
+        </p:txBody>
+      </p:sp>
+      <p:sp>
+        <p:nvSpPr>
+          <p:cNvPr id="22" name="Rectangle 21">
+            <a:extLst>
+              <a:ext uri="{FF2B5EF4-FFF2-40B4-BE49-F238E27FC236}">
+                <a16:creationId xmlns:a16="http://schemas.microsoft.com/office/drawing/2014/main" id="{FED81DC6-D73A-5A4F-8785-E0DD5CE64C4F}"/>
+              </a:ext>
+            </a:extLst>
+          </p:cNvPr>
+          <p:cNvSpPr/>
+          <p:nvPr/>
+        </p:nvSpPr>
+        <p:spPr>
+          <a:xfrm>
+            <a:off x="7187013" y="5969664"/>
+            <a:ext cx="1871529" cy="487624"/>
+          </a:xfrm>
+          <a:prstGeom prst="rect">
+            <a:avLst/>
+          </a:prstGeom>
+          <a:pattFill prst="wdUpDiag">
+            <a:fgClr>
+              <a:schemeClr val="accent4">
+                <a:lumMod val="20000"/>
+                <a:lumOff val="80000"/>
+              </a:schemeClr>
+            </a:fgClr>
+            <a:bgClr>
+              <a:schemeClr val="bg1"/>
+            </a:bgClr>
+          </a:pattFill>
+          <a:ln>
+            <a:noFill/>
+          </a:ln>
+        </p:spPr>
+        <p:style>
+          <a:lnRef idx="2">
+            <a:schemeClr val="accent1">
+              <a:shade val="50000"/>
+            </a:schemeClr>
+          </a:lnRef>
+          <a:fillRef idx="1">
+            <a:schemeClr val="accent1"/>
+          </a:fillRef>
+          <a:effectRef idx="0">
+            <a:schemeClr val="accent1"/>
+          </a:effectRef>
+          <a:fontRef idx="minor">
+            <a:schemeClr val="lt1"/>
+          </a:fontRef>
+        </p:style>
+        <p:txBody>
+          <a:bodyPr rtlCol="0" anchor="ctr"/>
+          <a:lstStyle/>
+          <a:p>
+            <a:pPr algn="ctr"/>
+            <a:endParaRPr lang="en-JP"/>
+          </a:p>
+        </p:txBody>
+      </p:sp>
+      <p:sp>
+        <p:nvSpPr>
+          <p:cNvPr id="19" name="Rectangle 18">
+            <a:extLst>
+              <a:ext uri="{FF2B5EF4-FFF2-40B4-BE49-F238E27FC236}">
+                <a16:creationId xmlns:a16="http://schemas.microsoft.com/office/drawing/2014/main" id="{43028228-8F82-C44B-A972-868638C5C523}"/>
+              </a:ext>
+            </a:extLst>
+          </p:cNvPr>
+          <p:cNvSpPr/>
+          <p:nvPr/>
+        </p:nvSpPr>
+        <p:spPr>
+          <a:xfrm>
+            <a:off x="2777383" y="5657612"/>
+            <a:ext cx="1862984" cy="829881"/>
+          </a:xfrm>
+          <a:prstGeom prst="rect">
+            <a:avLst/>
+          </a:prstGeom>
+          <a:pattFill prst="wdUpDiag">
+            <a:fgClr>
+              <a:schemeClr val="accent4">
+                <a:lumMod val="20000"/>
+                <a:lumOff val="80000"/>
+              </a:schemeClr>
+            </a:fgClr>
+            <a:bgClr>
+              <a:schemeClr val="bg1"/>
+            </a:bgClr>
+          </a:pattFill>
+          <a:ln>
+            <a:noFill/>
+          </a:ln>
+        </p:spPr>
+        <p:style>
+          <a:lnRef idx="2">
+            <a:schemeClr val="accent1">
+              <a:shade val="50000"/>
+            </a:schemeClr>
+          </a:lnRef>
+          <a:fillRef idx="1">
+            <a:schemeClr val="accent1"/>
+          </a:fillRef>
+          <a:effectRef idx="0">
+            <a:schemeClr val="accent1"/>
+          </a:effectRef>
+          <a:fontRef idx="minor">
+            <a:schemeClr val="lt1"/>
+          </a:fontRef>
+        </p:style>
+        <p:txBody>
+          <a:bodyPr rtlCol="0" anchor="ctr"/>
+          <a:lstStyle/>
+          <a:p>
+            <a:pPr algn="ctr"/>
+            <a:endParaRPr lang="en-JP"/>
+          </a:p>
+        </p:txBody>
+      </p:sp>
+      <p:sp>
+        <p:nvSpPr>
+          <p:cNvPr id="5" name="Rectangle 4">
+            <a:extLst>
+              <a:ext uri="{FF2B5EF4-FFF2-40B4-BE49-F238E27FC236}">
+                <a16:creationId xmlns:a16="http://schemas.microsoft.com/office/drawing/2014/main" id="{DAD77206-0ACC-4441-950F-143EDA5CC12C}"/>
+              </a:ext>
+            </a:extLst>
+          </p:cNvPr>
+          <p:cNvSpPr/>
+          <p:nvPr/>
+        </p:nvSpPr>
+        <p:spPr>
+          <a:xfrm>
+            <a:off x="2777383" y="4734368"/>
+            <a:ext cx="1862983" cy="794761"/>
+          </a:xfrm>
+          <a:prstGeom prst="rect">
+            <a:avLst/>
+          </a:prstGeom>
+          <a:pattFill prst="wdUpDiag">
+            <a:fgClr>
+              <a:schemeClr val="accent5">
+                <a:lumMod val="20000"/>
+                <a:lumOff val="80000"/>
+              </a:schemeClr>
+            </a:fgClr>
+            <a:bgClr>
+              <a:schemeClr val="bg1"/>
+            </a:bgClr>
+          </a:pattFill>
+          <a:ln>
+            <a:noFill/>
+          </a:ln>
         </p:spPr>
         <p:style>
           <a:lnRef idx="2">
@@ -18994,8 +19177,8 @@
           </a:p>
         </p:txBody>
       </p:sp>
-      <mc:AlternateContent xmlns:mc="http://schemas.openxmlformats.org/markup-compatibility/2006" xmlns:a14="http://schemas.microsoft.com/office/drawing/2010/main">
-        <mc:Choice Requires="a14">
+      <mc:AlternateContent xmlns:mc="http://schemas.openxmlformats.org/markup-compatibility/2006">
+        <mc:Choice xmlns:a14="http://schemas.microsoft.com/office/drawing/2010/main" Requires="a14">
           <p:sp>
             <p:nvSpPr>
               <p:cNvPr id="18" name="Content Placeholder 4">
@@ -19012,20 +19195,20 @@
             </p:nvSpPr>
             <p:spPr>
               <a:xfrm>
-                <a:off x="838200" y="1458490"/>
-                <a:ext cx="7900545" cy="2771403"/>
+                <a:off x="846659" y="1270611"/>
+                <a:ext cx="9852589" cy="2475052"/>
               </a:xfrm>
               <a:prstGeom prst="rect">
                 <a:avLst/>
               </a:prstGeom>
-              <a:solidFill>
-                <a:schemeClr val="accent5">
-                  <a:lumMod val="20000"/>
-                  <a:lumOff val="80000"/>
-                </a:schemeClr>
-              </a:solidFill>
-              <a:ln>
-                <a:noFill/>
+              <a:noFill/>
+              <a:ln w="31750">
+                <a:solidFill>
+                  <a:schemeClr val="tx1">
+                    <a:lumMod val="50000"/>
+                    <a:lumOff val="50000"/>
+                  </a:schemeClr>
+                </a:solidFill>
               </a:ln>
             </p:spPr>
             <p:txBody>
@@ -19204,58 +19387,8 @@
                   <a:buNone/>
                 </a:pPr>
                 <a:r>
-                  <a:rPr lang="en-JP" sz="2400"/>
-                  <a:t>グループ</a:t>
-                </a:r>
-                <a14:m>
-                  <m:oMath xmlns:m="http://schemas.openxmlformats.org/officeDocument/2006/math">
-                    <m:r>
-                      <a:rPr lang="en-US" sz="2400" i="1">
-                        <a:latin typeface="Cambria Math" panose="02040503050406030204" pitchFamily="18" charset="0"/>
-                      </a:rPr>
-                      <m:t>𝑖</m:t>
-                    </m:r>
-                  </m:oMath>
-                </a14:m>
-                <a:r>
-                  <a:rPr lang="en-JP" sz="2400"/>
-                  <a:t>に詰め込めなかった車の数を</a:t>
-                </a:r>
-                <a:r>
-                  <a:rPr lang="en-US" sz="2400"/>
-                  <a:t> </a:t>
-                </a:r>
-                <a14:m>
-                  <m:oMath xmlns:m="http://schemas.openxmlformats.org/officeDocument/2006/math">
-                    <m:r>
-                      <a:rPr lang="en-US" sz="2400" i="1">
-                        <a:latin typeface="Cambria Math" panose="02040503050406030204" pitchFamily="18" charset="0"/>
-                      </a:rPr>
-                      <m:t>𝑟𝑒𝑠𝑡</m:t>
-                    </m:r>
-                    <m:r>
-                      <a:rPr lang="en-US" sz="2400" i="1">
-                        <a:latin typeface="Cambria Math" panose="02040503050406030204" pitchFamily="18" charset="0"/>
-                      </a:rPr>
-                      <m:t>(</m:t>
-                    </m:r>
-                    <m:r>
-                      <a:rPr lang="en-US" sz="2400" i="1">
-                        <a:latin typeface="Cambria Math" panose="02040503050406030204" pitchFamily="18" charset="0"/>
-                      </a:rPr>
-                      <m:t>𝑖</m:t>
-                    </m:r>
-                    <m:r>
-                      <a:rPr lang="en-US" sz="2400" i="1">
-                        <a:latin typeface="Cambria Math" panose="02040503050406030204" pitchFamily="18" charset="0"/>
-                      </a:rPr>
-                      <m:t>)</m:t>
-                    </m:r>
-                  </m:oMath>
-                </a14:m>
-                <a:r>
-                  <a:rPr lang="en-JP" sz="2400"/>
-                  <a:t>とする.</a:t>
+                  <a:rPr lang="en-JP" sz="2400" b="1"/>
+                  <a:t>局所探索</a:t>
                 </a:r>
               </a:p>
               <a:p>
@@ -19312,6 +19445,12 @@
                       </a:rPr>
                       <m:t>𝑟𝑒𝑠𝑡</m:t>
                     </m:r>
+                    <m:r>
+                      <a:rPr lang="en-US" sz="2400" b="0" i="1">
+                        <a:latin typeface="Cambria Math" panose="02040503050406030204" pitchFamily="18" charset="0"/>
+                      </a:rPr>
+                      <m:t> </m:t>
+                    </m:r>
                     <m:d>
                       <m:dPr>
                         <m:ctrlPr>
@@ -19349,6 +19488,12 @@
                       </a:rPr>
                       <m:t>𝑟𝑒𝑠𝑡</m:t>
                     </m:r>
+                    <m:r>
+                      <a:rPr lang="en-US" sz="2400" b="0" i="1">
+                        <a:latin typeface="Cambria Math" panose="02040503050406030204" pitchFamily="18" charset="0"/>
+                      </a:rPr>
+                      <m:t> </m:t>
+                    </m:r>
                     <m:d>
                       <m:dPr>
                         <m:ctrlPr>
@@ -19376,34 +19521,46 @@
                 </a14:m>
                 <a:r>
                   <a:rPr lang="en-JP" sz="2400"/>
-                  <a:t>を満たすグループ</a:t>
+                  <a:t>を満たす</a:t>
+                </a:r>
+              </a:p>
+              <a:p>
+                <a:pPr marL="457200" lvl="1" indent="0">
+                  <a:lnSpc>
+                    <a:spcPct val="100000"/>
+                  </a:lnSpc>
+                  <a:buNone/>
+                </a:pPr>
+                <a:r>
+                  <a:rPr lang="en-JP"/>
+                  <a:t>グループ</a:t>
                 </a:r>
                 <a:r>
-                  <a:rPr lang="en-US" sz="2400"/>
+                  <a:rPr lang="en-US"/>
                   <a:t> </a:t>
                 </a:r>
                 <a14:m>
                   <m:oMath xmlns:m="http://schemas.openxmlformats.org/officeDocument/2006/math">
                     <m:r>
-                      <a:rPr lang="en-US" sz="2400" i="1">
+                      <a:rPr lang="en-US" i="1">
                         <a:latin typeface="Cambria Math" panose="02040503050406030204" pitchFamily="18" charset="0"/>
                       </a:rPr>
                       <m:t>𝑖</m:t>
                     </m:r>
                     <m:r>
-                      <a:rPr lang="en-US" sz="2400" i="1">
+                      <a:rPr lang="en-US" i="1">
                         <a:latin typeface="Cambria Math" panose="02040503050406030204" pitchFamily="18" charset="0"/>
                       </a:rPr>
                       <m:t>,</m:t>
                     </m:r>
                     <m:r>
-                      <a:rPr lang="en-US" sz="2400" i="1">
+                      <a:rPr lang="en-US" i="1">
                         <a:latin typeface="Cambria Math" panose="02040503050406030204" pitchFamily="18" charset="0"/>
                       </a:rPr>
                       <m:t>𝑗</m:t>
                     </m:r>
                     <m:r>
-                      <a:rPr lang="en-US" sz="2400" i="1">
+                      <a:rPr lang="en-US" i="1">
                         <a:latin typeface="Cambria Math" panose="02040503050406030204" pitchFamily="18" charset="0"/>
                       </a:rPr>
                       <m:t> </m:t>
@@ -19411,7 +19568,7 @@
                   </m:oMath>
                 </a14:m>
                 <a:r>
-                  <a:rPr lang="en-JP" sz="2400"/>
+                  <a:rPr lang="en-JP"/>
                   <a:t>を探す.</a:t>
                 </a:r>
               </a:p>
@@ -19453,6 +19610,12 @@
                       </a:rPr>
                       <m:t>𝑟𝑒𝑠𝑡</m:t>
                     </m:r>
+                    <m:r>
+                      <a:rPr lang="en-US" sz="2400" b="0" i="1">
+                        <a:latin typeface="Cambria Math" panose="02040503050406030204" pitchFamily="18" charset="0"/>
+                      </a:rPr>
+                      <m:t> </m:t>
+                    </m:r>
                     <m:d>
                       <m:dPr>
                         <m:ctrlPr>
@@ -19492,7 +19655,7 @@
                 </a14:m>
                 <a:r>
                   <a:rPr lang="en-JP" sz="2400"/>
-                  <a:t>を小さくする（右図）. </a:t>
+                  <a:t>を小さくする. </a:t>
                 </a:r>
               </a:p>
               <a:p>
@@ -19505,13 +19668,13 @@
                 </a:pPr>
                 <a:r>
                   <a:rPr lang="en-JP" sz="2400"/>
-                  <a:t>グループの大きさを修正し，再度一台ずつ詰め込む.</a:t>
+                  <a:t>再度一台ずつ詰め込む.</a:t>
                 </a:r>
               </a:p>
             </p:txBody>
           </p:sp>
         </mc:Choice>
-        <mc:Fallback xmlns="">
+        <mc:Fallback>
           <p:sp>
             <p:nvSpPr>
               <p:cNvPr id="18" name="Content Placeholder 4">
@@ -19528,8 +19691,8 @@
             </p:nvSpPr>
             <p:spPr>
               <a:xfrm>
-                <a:off x="838200" y="1458490"/>
-                <a:ext cx="7900545" cy="2771403"/>
+                <a:off x="846659" y="1270611"/>
+                <a:ext cx="9852589" cy="2475052"/>
               </a:xfrm>
               <a:prstGeom prst="rect">
                 <a:avLst/>
@@ -19537,11 +19700,16 @@
               <a:blipFill>
                 <a:blip r:embed="rId2"/>
                 <a:stretch>
-                  <a:fillRect l="-1284" t="-2727" r="-803" b="-909"/>
+                  <a:fillRect l="-770" t="-2010" b="-503"/>
                 </a:stretch>
               </a:blipFill>
-              <a:ln>
-                <a:noFill/>
+              <a:ln w="31750">
+                <a:solidFill>
+                  <a:schemeClr val="tx1">
+                    <a:lumMod val="50000"/>
+                    <a:lumOff val="50000"/>
+                  </a:schemeClr>
+                </a:solidFill>
               </a:ln>
             </p:spPr>
             <p:txBody>
@@ -19573,7 +19741,7 @@
         </p:nvSpPr>
         <p:spPr>
           <a:xfrm rot="5400000">
-            <a:off x="9378305" y="1568122"/>
+            <a:off x="2746768" y="4576241"/>
             <a:ext cx="1916732" cy="2034258"/>
           </a:xfrm>
           <a:prstGeom prst="rect">
@@ -19621,7 +19789,7 @@
         </p:nvSpPr>
         <p:spPr>
           <a:xfrm rot="5400000">
-            <a:off x="9380763" y="4253203"/>
+            <a:off x="7157079" y="4578699"/>
             <a:ext cx="1911816" cy="2034258"/>
           </a:xfrm>
           <a:prstGeom prst="rect">
@@ -19673,13 +19841,13 @@
         </p:nvCxnSpPr>
         <p:spPr>
           <a:xfrm flipH="1">
-            <a:off x="9319542" y="2585251"/>
+            <a:off x="2688005" y="5593370"/>
             <a:ext cx="2034258" cy="0"/>
           </a:xfrm>
           <a:prstGeom prst="line">
             <a:avLst/>
           </a:prstGeom>
-          <a:ln w="28575"/>
+          <a:ln w="31750"/>
         </p:spPr>
         <p:style>
           <a:lnRef idx="1">
@@ -19712,8 +19880,8 @@
             </p:nvSpPr>
             <p:spPr>
               <a:xfrm>
-                <a:off x="9658711" y="1943728"/>
-                <a:ext cx="1386575" cy="369332"/>
+                <a:off x="2988688" y="4976717"/>
+                <a:ext cx="1386575" cy="400110"/>
               </a:xfrm>
               <a:prstGeom prst="rect">
                 <a:avLst/>
@@ -19727,20 +19895,20 @@
               <a:lstStyle/>
               <a:p>
                 <a:r>
-                  <a:rPr lang="en-JP"/>
+                  <a:rPr lang="en-JP" sz="2000"/>
                   <a:t>グループ </a:t>
                 </a:r>
                 <a14:m>
                   <m:oMath xmlns:m="http://schemas.openxmlformats.org/officeDocument/2006/math">
                     <m:r>
-                      <a:rPr lang="en-US" b="0" i="1">
+                      <a:rPr lang="en-US" sz="2000" b="0" i="1">
                         <a:latin typeface="Cambria Math" panose="02040503050406030204" pitchFamily="18" charset="0"/>
                       </a:rPr>
                       <m:t>𝑗</m:t>
                     </m:r>
                   </m:oMath>
                 </a14:m>
-                <a:endParaRPr lang="en-JP"/>
+                <a:endParaRPr lang="en-JP" sz="2000"/>
               </a:p>
             </p:txBody>
           </p:sp>
@@ -19762,8 +19930,8 @@
             </p:nvSpPr>
             <p:spPr>
               <a:xfrm>
-                <a:off x="9658711" y="1943728"/>
-                <a:ext cx="1386575" cy="369332"/>
+                <a:off x="2988688" y="4976717"/>
+                <a:ext cx="1386575" cy="400110"/>
               </a:xfrm>
               <a:prstGeom prst="rect">
                 <a:avLst/>
@@ -19771,7 +19939,7 @@
               <a:blipFill>
                 <a:blip r:embed="rId3"/>
                 <a:stretch>
-                  <a:fillRect l="-3636" t="-17241" b="-20690"/>
+                  <a:fillRect l="-4545" t="-12121" b="-18182"/>
                 </a:stretch>
               </a:blipFill>
             </p:spPr>
@@ -19806,8 +19974,8 @@
             </p:nvSpPr>
             <p:spPr>
               <a:xfrm>
-                <a:off x="9621835" y="2908120"/>
-                <a:ext cx="1384965" cy="369332"/>
+                <a:off x="2988688" y="5887981"/>
+                <a:ext cx="1384965" cy="400110"/>
               </a:xfrm>
               <a:prstGeom prst="rect">
                 <a:avLst/>
@@ -19821,20 +19989,20 @@
               <a:lstStyle/>
               <a:p>
                 <a:r>
-                  <a:rPr lang="en-JP"/>
+                  <a:rPr lang="en-JP" sz="2000"/>
                   <a:t>グループ </a:t>
                 </a:r>
                 <a14:m>
                   <m:oMath xmlns:m="http://schemas.openxmlformats.org/officeDocument/2006/math">
                     <m:r>
-                      <a:rPr lang="en-US" b="0" i="1">
+                      <a:rPr lang="en-US" sz="2000" b="0" i="1">
                         <a:latin typeface="Cambria Math" panose="02040503050406030204" pitchFamily="18" charset="0"/>
                       </a:rPr>
                       <m:t>𝑖</m:t>
                     </m:r>
                   </m:oMath>
                 </a14:m>
-                <a:endParaRPr lang="en-JP"/>
+                <a:endParaRPr lang="en-JP" sz="2000"/>
               </a:p>
             </p:txBody>
           </p:sp>
@@ -19856,8 +20024,8 @@
             </p:nvSpPr>
             <p:spPr>
               <a:xfrm>
-                <a:off x="9621835" y="2908120"/>
-                <a:ext cx="1384965" cy="369332"/>
+                <a:off x="2988688" y="5887981"/>
+                <a:ext cx="1384965" cy="400110"/>
               </a:xfrm>
               <a:prstGeom prst="rect">
                 <a:avLst/>
@@ -19865,7 +20033,7 @@
               <a:blipFill>
                 <a:blip r:embed="rId4"/>
                 <a:stretch>
-                  <a:fillRect l="-3636" t="-12903" b="-16129"/>
+                  <a:fillRect l="-4545" t="-15152" b="-18182"/>
                 </a:stretch>
               </a:blipFill>
             </p:spPr>
@@ -19900,13 +20068,13 @@
         </p:nvCxnSpPr>
         <p:spPr>
           <a:xfrm flipH="1">
-            <a:off x="9319542" y="5545781"/>
+            <a:off x="7095858" y="5871277"/>
             <a:ext cx="2034258" cy="0"/>
           </a:xfrm>
           <a:prstGeom prst="line">
             <a:avLst/>
           </a:prstGeom>
-          <a:ln w="28575"/>
+          <a:ln w="31750"/>
         </p:spPr>
         <p:style>
           <a:lnRef idx="1">
@@ -19941,7 +20109,7 @@
         </p:nvCxnSpPr>
         <p:spPr>
           <a:xfrm flipH="1">
-            <a:off x="9319542" y="5270332"/>
+            <a:off x="7095858" y="5595828"/>
             <a:ext cx="2034258" cy="0"/>
           </a:xfrm>
           <a:prstGeom prst="line">
@@ -19982,8 +20150,8 @@
         </p:nvCxnSpPr>
         <p:spPr>
           <a:xfrm>
-            <a:off x="10314320" y="5315265"/>
-            <a:ext cx="0" cy="220125"/>
+            <a:off x="8133365" y="5593370"/>
+            <a:ext cx="0" cy="267516"/>
           </a:xfrm>
           <a:prstGeom prst="straightConnector1">
             <a:avLst/>
@@ -20026,8 +20194,8 @@
             </p:nvSpPr>
             <p:spPr>
               <a:xfrm>
-                <a:off x="9712556" y="4637292"/>
-                <a:ext cx="1248227" cy="369332"/>
+                <a:off x="7450550" y="4976717"/>
+                <a:ext cx="1365630" cy="400110"/>
               </a:xfrm>
               <a:prstGeom prst="rect">
                 <a:avLst/>
@@ -20041,20 +20209,20 @@
               <a:lstStyle/>
               <a:p>
                 <a:r>
-                  <a:rPr lang="en-JP"/>
+                  <a:rPr lang="en-JP" sz="2000"/>
                   <a:t>グループ </a:t>
                 </a:r>
                 <a14:m>
                   <m:oMath xmlns:m="http://schemas.openxmlformats.org/officeDocument/2006/math">
                     <m:r>
-                      <a:rPr lang="en-US" b="0" i="1">
+                      <a:rPr lang="en-US" sz="2000" b="0" i="1">
                         <a:latin typeface="Cambria Math" panose="02040503050406030204" pitchFamily="18" charset="0"/>
                       </a:rPr>
                       <m:t>𝑗</m:t>
                     </m:r>
                   </m:oMath>
                 </a14:m>
-                <a:endParaRPr lang="en-JP"/>
+                <a:endParaRPr lang="en-JP" sz="2000"/>
               </a:p>
             </p:txBody>
           </p:sp>
@@ -20076,8 +20244,8 @@
             </p:nvSpPr>
             <p:spPr>
               <a:xfrm>
-                <a:off x="9712556" y="4637292"/>
-                <a:ext cx="1248227" cy="369332"/>
+                <a:off x="7450550" y="4976717"/>
+                <a:ext cx="1365630" cy="400110"/>
               </a:xfrm>
               <a:prstGeom prst="rect">
                 <a:avLst/>
@@ -20085,7 +20253,7 @@
               <a:blipFill>
                 <a:blip r:embed="rId5"/>
                 <a:stretch>
-                  <a:fillRect l="-4000" t="-16667" b="-16667"/>
+                  <a:fillRect l="-4587" t="-12121" b="-18182"/>
                 </a:stretch>
               </a:blipFill>
             </p:spPr>
@@ -20120,8 +20288,8 @@
             </p:nvSpPr>
             <p:spPr>
               <a:xfrm>
-                <a:off x="9693347" y="5694444"/>
-                <a:ext cx="1241943" cy="369332"/>
+                <a:off x="7433891" y="6036441"/>
+                <a:ext cx="1358192" cy="400110"/>
               </a:xfrm>
               <a:prstGeom prst="rect">
                 <a:avLst/>
@@ -20135,20 +20303,20 @@
               <a:lstStyle/>
               <a:p>
                 <a:r>
-                  <a:rPr lang="en-JP"/>
+                  <a:rPr lang="en-JP" sz="2000"/>
                   <a:t>グループ </a:t>
                 </a:r>
                 <a14:m>
                   <m:oMath xmlns:m="http://schemas.openxmlformats.org/officeDocument/2006/math">
                     <m:r>
-                      <a:rPr lang="en-US" b="0" i="1">
+                      <a:rPr lang="en-US" sz="2000" b="0" i="1">
                         <a:latin typeface="Cambria Math" panose="02040503050406030204" pitchFamily="18" charset="0"/>
                       </a:rPr>
                       <m:t>𝑖</m:t>
                     </m:r>
                   </m:oMath>
                 </a14:m>
-                <a:endParaRPr lang="en-JP"/>
+                <a:endParaRPr lang="en-JP" sz="2000"/>
               </a:p>
             </p:txBody>
           </p:sp>
@@ -20170,8 +20338,8 @@
             </p:nvSpPr>
             <p:spPr>
               <a:xfrm>
-                <a:off x="9693347" y="5694444"/>
-                <a:ext cx="1241943" cy="369332"/>
+                <a:off x="7433891" y="6036441"/>
+                <a:ext cx="1358192" cy="400110"/>
               </a:xfrm>
               <a:prstGeom prst="rect">
                 <a:avLst/>
@@ -20179,7 +20347,7 @@
               <a:blipFill>
                 <a:blip r:embed="rId6"/>
                 <a:stretch>
-                  <a:fillRect l="-4040" t="-13333" b="-20000"/>
+                  <a:fillRect l="-4630" t="-15625" b="-21875"/>
                 </a:stretch>
               </a:blipFill>
             </p:spPr>
@@ -20214,8 +20382,8 @@
         </p:nvCxnSpPr>
         <p:spPr>
           <a:xfrm>
-            <a:off x="10314320" y="3753470"/>
-            <a:ext cx="0" cy="476423"/>
+            <a:off x="5606122" y="5593370"/>
+            <a:ext cx="586730" cy="0"/>
           </a:xfrm>
           <a:prstGeom prst="straightConnector1">
             <a:avLst/>
@@ -20242,249 +20410,158 @@
           </a:fontRef>
         </p:style>
       </p:cxnSp>
-      <p:sp>
-        <p:nvSpPr>
-          <p:cNvPr id="24" name="Content Placeholder 2">
-            <a:extLst>
-              <a:ext uri="{FF2B5EF4-FFF2-40B4-BE49-F238E27FC236}">
-                <a16:creationId xmlns:a16="http://schemas.microsoft.com/office/drawing/2014/main" id="{71CC6643-CBC2-104F-8B05-EB39C16691D0}"/>
-              </a:ext>
-            </a:extLst>
-          </p:cNvPr>
-          <p:cNvSpPr txBox="1">
-            <a:spLocks/>
-          </p:cNvSpPr>
-          <p:nvPr/>
-        </p:nvSpPr>
-        <p:spPr>
-          <a:xfrm>
-            <a:off x="862664" y="4384648"/>
-            <a:ext cx="7561033" cy="2081357"/>
-          </a:xfrm>
-          <a:prstGeom prst="rect">
-            <a:avLst/>
-          </a:prstGeom>
-        </p:spPr>
-        <p:txBody>
-          <a:bodyPr vert="horz" lIns="91440" tIns="45720" rIns="91440" bIns="45720" rtlCol="0">
-            <a:normAutofit/>
-          </a:bodyPr>
-          <a:lstStyle>
-            <a:lvl1pPr marL="228600" indent="-228600" algn="l" defTabSz="914400" rtl="0" eaLnBrk="1" latinLnBrk="0" hangingPunct="1">
-              <a:lnSpc>
-                <a:spcPct val="90000"/>
-              </a:lnSpc>
-              <a:spcBef>
-                <a:spcPts val="1000"/>
-              </a:spcBef>
-              <a:buFont typeface="Arial" panose="020B0604020202020204" pitchFamily="34" charset="0"/>
-              <a:buChar char="•"/>
-              <a:defRPr sz="2800" kern="1200">
-                <a:solidFill>
-                  <a:schemeClr val="tx1"/>
-                </a:solidFill>
-                <a:latin typeface="+mn-lt"/>
-                <a:ea typeface="+mn-ea"/>
-                <a:cs typeface="+mn-cs"/>
-              </a:defRPr>
-            </a:lvl1pPr>
-            <a:lvl2pPr marL="685800" indent="-228600" algn="l" defTabSz="914400" rtl="0" eaLnBrk="1" latinLnBrk="0" hangingPunct="1">
-              <a:lnSpc>
-                <a:spcPct val="90000"/>
-              </a:lnSpc>
-              <a:spcBef>
-                <a:spcPts val="500"/>
-              </a:spcBef>
-              <a:buFont typeface="Arial" panose="020B0604020202020204" pitchFamily="34" charset="0"/>
-              <a:buChar char="•"/>
-              <a:defRPr sz="2400" kern="1200">
-                <a:solidFill>
-                  <a:schemeClr val="tx1"/>
-                </a:solidFill>
-                <a:latin typeface="+mn-lt"/>
-                <a:ea typeface="+mn-ea"/>
-                <a:cs typeface="+mn-cs"/>
-              </a:defRPr>
-            </a:lvl2pPr>
-            <a:lvl3pPr marL="1143000" indent="-228600" algn="l" defTabSz="914400" rtl="0" eaLnBrk="1" latinLnBrk="0" hangingPunct="1">
-              <a:lnSpc>
-                <a:spcPct val="90000"/>
-              </a:lnSpc>
-              <a:spcBef>
-                <a:spcPts val="500"/>
-              </a:spcBef>
-              <a:buFont typeface="Arial" panose="020B0604020202020204" pitchFamily="34" charset="0"/>
-              <a:buChar char="•"/>
-              <a:defRPr sz="2000" kern="1200">
-                <a:solidFill>
-                  <a:schemeClr val="tx1"/>
-                </a:solidFill>
-                <a:latin typeface="+mn-lt"/>
-                <a:ea typeface="+mn-ea"/>
-                <a:cs typeface="+mn-cs"/>
-              </a:defRPr>
-            </a:lvl3pPr>
-            <a:lvl4pPr marL="1600200" indent="-228600" algn="l" defTabSz="914400" rtl="0" eaLnBrk="1" latinLnBrk="0" hangingPunct="1">
-              <a:lnSpc>
-                <a:spcPct val="90000"/>
-              </a:lnSpc>
-              <a:spcBef>
-                <a:spcPts val="500"/>
-              </a:spcBef>
-              <a:buFont typeface="Arial" panose="020B0604020202020204" pitchFamily="34" charset="0"/>
-              <a:buChar char="•"/>
-              <a:defRPr sz="1800" kern="1200">
-                <a:solidFill>
-                  <a:schemeClr val="tx1"/>
-                </a:solidFill>
-                <a:latin typeface="+mn-lt"/>
-                <a:ea typeface="+mn-ea"/>
-                <a:cs typeface="+mn-cs"/>
-              </a:defRPr>
-            </a:lvl4pPr>
-            <a:lvl5pPr marL="2057400" indent="-228600" algn="l" defTabSz="914400" rtl="0" eaLnBrk="1" latinLnBrk="0" hangingPunct="1">
-              <a:lnSpc>
-                <a:spcPct val="90000"/>
-              </a:lnSpc>
-              <a:spcBef>
-                <a:spcPts val="500"/>
-              </a:spcBef>
-              <a:buFont typeface="Arial" panose="020B0604020202020204" pitchFamily="34" charset="0"/>
-              <a:buChar char="•"/>
-              <a:defRPr sz="1800" kern="1200">
-                <a:solidFill>
-                  <a:schemeClr val="tx1"/>
-                </a:solidFill>
-                <a:latin typeface="+mn-lt"/>
-                <a:ea typeface="+mn-ea"/>
-                <a:cs typeface="+mn-cs"/>
-              </a:defRPr>
-            </a:lvl5pPr>
-            <a:lvl6pPr marL="2514600" indent="-228600" algn="l" defTabSz="914400" rtl="0" eaLnBrk="1" latinLnBrk="0" hangingPunct="1">
-              <a:lnSpc>
-                <a:spcPct val="90000"/>
-              </a:lnSpc>
-              <a:spcBef>
-                <a:spcPts val="500"/>
-              </a:spcBef>
-              <a:buFont typeface="Arial" panose="020B0604020202020204" pitchFamily="34" charset="0"/>
-              <a:buChar char="•"/>
-              <a:defRPr sz="1800" kern="1200">
-                <a:solidFill>
-                  <a:schemeClr val="tx1"/>
-                </a:solidFill>
-                <a:latin typeface="+mn-lt"/>
-                <a:ea typeface="+mn-ea"/>
-                <a:cs typeface="+mn-cs"/>
-              </a:defRPr>
-            </a:lvl6pPr>
-            <a:lvl7pPr marL="2971800" indent="-228600" algn="l" defTabSz="914400" rtl="0" eaLnBrk="1" latinLnBrk="0" hangingPunct="1">
-              <a:lnSpc>
-                <a:spcPct val="90000"/>
-              </a:lnSpc>
-              <a:spcBef>
-                <a:spcPts val="500"/>
-              </a:spcBef>
-              <a:buFont typeface="Arial" panose="020B0604020202020204" pitchFamily="34" charset="0"/>
-              <a:buChar char="•"/>
-              <a:defRPr sz="1800" kern="1200">
-                <a:solidFill>
-                  <a:schemeClr val="tx1"/>
-                </a:solidFill>
-                <a:latin typeface="+mn-lt"/>
-                <a:ea typeface="+mn-ea"/>
-                <a:cs typeface="+mn-cs"/>
-              </a:defRPr>
-            </a:lvl7pPr>
-            <a:lvl8pPr marL="3429000" indent="-228600" algn="l" defTabSz="914400" rtl="0" eaLnBrk="1" latinLnBrk="0" hangingPunct="1">
-              <a:lnSpc>
-                <a:spcPct val="90000"/>
-              </a:lnSpc>
-              <a:spcBef>
-                <a:spcPts val="500"/>
-              </a:spcBef>
-              <a:buFont typeface="Arial" panose="020B0604020202020204" pitchFamily="34" charset="0"/>
-              <a:buChar char="•"/>
-              <a:defRPr sz="1800" kern="1200">
-                <a:solidFill>
-                  <a:schemeClr val="tx1"/>
-                </a:solidFill>
-                <a:latin typeface="+mn-lt"/>
-                <a:ea typeface="+mn-ea"/>
-                <a:cs typeface="+mn-cs"/>
-              </a:defRPr>
-            </a:lvl8pPr>
-            <a:lvl9pPr marL="3886200" indent="-228600" algn="l" defTabSz="914400" rtl="0" eaLnBrk="1" latinLnBrk="0" hangingPunct="1">
-              <a:lnSpc>
-                <a:spcPct val="90000"/>
-              </a:lnSpc>
-              <a:spcBef>
-                <a:spcPts val="500"/>
-              </a:spcBef>
-              <a:buFont typeface="Arial" panose="020B0604020202020204" pitchFamily="34" charset="0"/>
-              <a:buChar char="•"/>
-              <a:defRPr sz="1800" kern="1200">
-                <a:solidFill>
-                  <a:schemeClr val="tx1"/>
-                </a:solidFill>
-                <a:latin typeface="+mn-lt"/>
-                <a:ea typeface="+mn-ea"/>
-                <a:cs typeface="+mn-cs"/>
-              </a:defRPr>
-            </a:lvl9pPr>
-          </a:lstStyle>
-          <a:p>
-            <a:pPr marL="0" indent="0">
-              <a:lnSpc>
-                <a:spcPct val="100000"/>
-              </a:lnSpc>
-              <a:buFont typeface="Arial" panose="020B0604020202020204" pitchFamily="34" charset="0"/>
-              <a:buNone/>
-            </a:pPr>
-            <a:r>
-              <a:rPr lang="en-JP" sz="2400"/>
-              <a:t>局所探索の終了条件</a:t>
-            </a:r>
-          </a:p>
-          <a:p>
-            <a:pPr>
-              <a:lnSpc>
-                <a:spcPct val="100000"/>
-              </a:lnSpc>
-            </a:pPr>
-            <a:r>
-              <a:rPr lang="en-JP" sz="2400"/>
-              <a:t>全ての車が詰め終わる</a:t>
-            </a:r>
-          </a:p>
-          <a:p>
-            <a:pPr>
-              <a:lnSpc>
-                <a:spcPct val="100000"/>
-              </a:lnSpc>
-            </a:pPr>
-            <a:r>
-              <a:rPr lang="en-JP" sz="2400"/>
-              <a:t>近傍操作できるグループが存在しない</a:t>
-            </a:r>
-          </a:p>
-          <a:p>
-            <a:pPr>
-              <a:lnSpc>
-                <a:spcPct val="100000"/>
-              </a:lnSpc>
-            </a:pPr>
-            <a:r>
-              <a:rPr lang="en-JP" sz="2400"/>
-              <a:t>変更前よりも解が悪くなった場合</a:t>
-            </a:r>
-          </a:p>
-        </p:txBody>
-      </p:sp>
+      <mc:AlternateContent xmlns:mc="http://schemas.openxmlformats.org/markup-compatibility/2006">
+        <mc:Choice xmlns:a14="http://schemas.microsoft.com/office/drawing/2010/main" Requires="a14">
+          <p:sp>
+            <p:nvSpPr>
+              <p:cNvPr id="2" name="TextBox 1">
+                <a:extLst>
+                  <a:ext uri="{FF2B5EF4-FFF2-40B4-BE49-F238E27FC236}">
+                    <a16:creationId xmlns:a16="http://schemas.microsoft.com/office/drawing/2014/main" id="{CC30DBC8-FA20-C241-8DBC-D8BCC09A8DD7}"/>
+                  </a:ext>
+                </a:extLst>
+              </p:cNvPr>
+              <p:cNvSpPr txBox="1"/>
+              <p:nvPr/>
+            </p:nvSpPr>
+            <p:spPr>
+              <a:xfrm>
+                <a:off x="838200" y="3817829"/>
+                <a:ext cx="5784276" cy="453137"/>
+              </a:xfrm>
+              <a:prstGeom prst="rect">
+                <a:avLst/>
+              </a:prstGeom>
+              <a:noFill/>
+            </p:spPr>
+            <p:txBody>
+              <a:bodyPr wrap="none" rtlCol="0">
+                <a:spAutoFit/>
+              </a:bodyPr>
+              <a:lstStyle/>
+              <a:p>
+                <a14:m>
+                  <m:oMath xmlns:m="http://schemas.openxmlformats.org/officeDocument/2006/math">
+                    <m:r>
+                      <a:rPr lang="en-US" sz="2400" i="1">
+                        <a:solidFill>
+                          <a:srgbClr val="FF0000"/>
+                        </a:solidFill>
+                        <a:latin typeface="Cambria Math" panose="02040503050406030204" pitchFamily="18" charset="0"/>
+                      </a:rPr>
+                      <m:t>𝑟𝑒𝑠𝑡</m:t>
+                    </m:r>
+                    <m:r>
+                      <a:rPr lang="en-US" sz="2400" b="0" i="1">
+                        <a:solidFill>
+                          <a:srgbClr val="FF0000"/>
+                        </a:solidFill>
+                        <a:latin typeface="Cambria Math" panose="02040503050406030204" pitchFamily="18" charset="0"/>
+                      </a:rPr>
+                      <m:t> </m:t>
+                    </m:r>
+                    <m:d>
+                      <m:dPr>
+                        <m:ctrlPr>
+                          <a:rPr lang="en-US" sz="2400" i="1">
+                            <a:solidFill>
+                              <a:srgbClr val="FF0000"/>
+                            </a:solidFill>
+                            <a:latin typeface="Cambria Math" panose="02040503050406030204" pitchFamily="18" charset="0"/>
+                          </a:rPr>
+                        </m:ctrlPr>
+                      </m:dPr>
+                      <m:e>
+                        <m:r>
+                          <a:rPr lang="en-US" sz="2400" i="1">
+                            <a:solidFill>
+                              <a:srgbClr val="FF0000"/>
+                            </a:solidFill>
+                            <a:latin typeface="Cambria Math" panose="02040503050406030204" pitchFamily="18" charset="0"/>
+                          </a:rPr>
+                          <m:t>𝑖</m:t>
+                        </m:r>
+                      </m:e>
+                    </m:d>
+                    <m:r>
+                      <a:rPr lang="en-US" sz="2400" b="0" i="0">
+                        <a:latin typeface="Cambria Math" panose="02040503050406030204" pitchFamily="18" charset="0"/>
+                      </a:rPr>
+                      <m:t>: </m:t>
+                    </m:r>
+                  </m:oMath>
+                </a14:m>
+                <a:r>
+                  <a:rPr lang="en-JP" sz="2000"/>
+                  <a:t>グループ</a:t>
+                </a:r>
+                <a14:m>
+                  <m:oMath xmlns:m="http://schemas.openxmlformats.org/officeDocument/2006/math">
+                    <m:r>
+                      <a:rPr lang="en-US" sz="2000" b="0" i="1">
+                        <a:latin typeface="Cambria Math" panose="02040503050406030204" pitchFamily="18" charset="0"/>
+                      </a:rPr>
+                      <m:t>𝑖</m:t>
+                    </m:r>
+                  </m:oMath>
+                </a14:m>
+                <a:r>
+                  <a:rPr lang="en-JP" sz="2000"/>
+                  <a:t>に詰め込めなかった車の台数</a:t>
+                </a:r>
+              </a:p>
+            </p:txBody>
+          </p:sp>
+        </mc:Choice>
+        <mc:Fallback>
+          <p:sp>
+            <p:nvSpPr>
+              <p:cNvPr id="2" name="TextBox 1">
+                <a:extLst>
+                  <a:ext uri="{FF2B5EF4-FFF2-40B4-BE49-F238E27FC236}">
+                    <a16:creationId xmlns:a16="http://schemas.microsoft.com/office/drawing/2014/main" id="{CC30DBC8-FA20-C241-8DBC-D8BCC09A8DD7}"/>
+                  </a:ext>
+                </a:extLst>
+              </p:cNvPr>
+              <p:cNvSpPr txBox="1">
+                <a:spLocks noRot="1" noChangeAspect="1" noMove="1" noResize="1" noEditPoints="1" noAdjustHandles="1" noChangeArrowheads="1" noChangeShapeType="1" noTextEdit="1"/>
+              </p:cNvSpPr>
+              <p:nvPr/>
+            </p:nvSpPr>
+            <p:spPr>
+              <a:xfrm>
+                <a:off x="838200" y="3817829"/>
+                <a:ext cx="5784276" cy="453137"/>
+              </a:xfrm>
+              <a:prstGeom prst="rect">
+                <a:avLst/>
+              </a:prstGeom>
+              <a:blipFill>
+                <a:blip r:embed="rId7"/>
+                <a:stretch>
+                  <a:fillRect l="-219" r="-219" b="-21622"/>
+                </a:stretch>
+              </a:blipFill>
+            </p:spPr>
+            <p:txBody>
+              <a:bodyPr/>
+              <a:lstStyle/>
+              <a:p>
+                <a:r>
+                  <a:rPr lang="en-JP">
+                    <a:noFill/>
+                  </a:rPr>
+                  <a:t> </a:t>
+                </a:r>
+              </a:p>
+            </p:txBody>
+          </p:sp>
+        </mc:Fallback>
+      </mc:AlternateContent>
     </p:spTree>
     <p:extLst>
       <p:ext uri="{BB962C8B-B14F-4D97-AF65-F5344CB8AC3E}">
-        <p14:creationId xmlns:p14="http://schemas.microsoft.com/office/powerpoint/2010/main" val="1636360725"/>
+        <p14:creationId xmlns:p14="http://schemas.microsoft.com/office/powerpoint/2010/main" val="1171035747"/>
       </p:ext>
     </p:extLst>
   </p:cSld>
@@ -20692,8 +20769,8 @@
           <a:chExt cx="0" cy="0"/>
         </a:xfrm>
       </p:grpSpPr>
-      <mc:AlternateContent xmlns:mc="http://schemas.openxmlformats.org/markup-compatibility/2006">
-        <mc:Choice xmlns:a14="http://schemas.microsoft.com/office/drawing/2010/main" Requires="a14">
+      <mc:AlternateContent xmlns:mc="http://schemas.openxmlformats.org/markup-compatibility/2006" xmlns:a14="http://schemas.microsoft.com/office/drawing/2010/main">
+        <mc:Choice Requires="a14">
           <p:sp>
             <p:nvSpPr>
               <p:cNvPr id="3" name="Content Placeholder 2">
@@ -20971,7 +21048,7 @@
             </p:txBody>
           </p:sp>
         </mc:Choice>
-        <mc:Fallback>
+        <mc:Fallback xmlns="">
           <p:sp>
             <p:nvSpPr>
               <p:cNvPr id="3" name="Content Placeholder 2">
@@ -25564,39 +25641,6 @@
       </p:grpSpPr>
       <p:sp>
         <p:nvSpPr>
-          <p:cNvPr id="2" name="Title 1">
-            <a:extLst>
-              <a:ext uri="{FF2B5EF4-FFF2-40B4-BE49-F238E27FC236}">
-                <a16:creationId xmlns:a16="http://schemas.microsoft.com/office/drawing/2014/main" id="{30122BFE-C63A-064F-9F9C-E6065EE7367E}"/>
-              </a:ext>
-            </a:extLst>
-          </p:cNvPr>
-          <p:cNvSpPr>
-            <a:spLocks noGrp="1"/>
-          </p:cNvSpPr>
-          <p:nvPr>
-            <p:ph type="title"/>
-          </p:nvPr>
-        </p:nvSpPr>
-        <p:spPr>
-          <a:xfrm>
-            <a:off x="838200" y="227619"/>
-            <a:ext cx="10515600" cy="1325563"/>
-          </a:xfrm>
-        </p:spPr>
-        <p:txBody>
-          <a:bodyPr/>
-          <a:lstStyle/>
-          <a:p>
-            <a:r>
-              <a:rPr lang="en-JP"/>
-              <a:t>5．まとめと今後の課題</a:t>
-            </a:r>
-          </a:p>
-        </p:txBody>
-      </p:sp>
-      <p:sp>
-        <p:nvSpPr>
           <p:cNvPr id="3" name="Content Placeholder 2">
             <a:extLst>
               <a:ext uri="{FF2B5EF4-FFF2-40B4-BE49-F238E27FC236}">
@@ -25613,8 +25657,8 @@
         </p:nvSpPr>
         <p:spPr>
           <a:xfrm>
-            <a:off x="838200" y="1634067"/>
-            <a:ext cx="10393218" cy="4722283"/>
+            <a:off x="838200" y="788757"/>
+            <a:ext cx="10393218" cy="5567593"/>
           </a:xfrm>
         </p:spPr>
         <p:txBody>
@@ -25666,6 +25710,14 @@
               <a:rPr lang="en-JP"/>
               <a:t>簡単な局所探索を用いた結果, 多くの問題例で初期構築よりも多くの車を積み込むことができた．</a:t>
             </a:r>
+          </a:p>
+          <a:p>
+            <a:pPr lvl="1">
+              <a:lnSpc>
+                <a:spcPct val="100000"/>
+              </a:lnSpc>
+            </a:pPr>
+            <a:endParaRPr lang="en-JP"/>
           </a:p>
           <a:p>
             <a:pPr lvl="1">
@@ -28921,8 +28973,8 @@
           </a:p>
         </p:txBody>
       </p:sp>
-      <mc:AlternateContent xmlns:mc="http://schemas.openxmlformats.org/markup-compatibility/2006">
-        <mc:Choice xmlns:a14="http://schemas.microsoft.com/office/drawing/2010/main" Requires="a14">
+      <mc:AlternateContent xmlns:mc="http://schemas.openxmlformats.org/markup-compatibility/2006" xmlns:a14="http://schemas.microsoft.com/office/drawing/2010/main">
+        <mc:Choice Requires="a14">
           <p:sp>
             <p:nvSpPr>
               <p:cNvPr id="40" name="Content Placeholder 2">
@@ -29165,7 +29217,7 @@
             </p:txBody>
           </p:sp>
         </mc:Choice>
-        <mc:Fallback>
+        <mc:Fallback xmlns="">
           <p:sp>
             <p:nvSpPr>
               <p:cNvPr id="40" name="Content Placeholder 2">
